--- a/JavaLecture/LectureFile/java 6강.pptx
+++ b/JavaLecture/LectureFile/java 6강.pptx
@@ -240,7 +240,7 @@
           <a:p>
             <a:fld id="{D79F2C30-10E1-4C46-91DC-BBDB9629E720}" type="datetimeFigureOut">
               <a:rPr lang="ko-KR" altLang="en-US" smtClean="0"/>
-              <a:t>2023-01-30 Monday</a:t>
+              <a:t>2023-01-31 Tuesday</a:t>
             </a:fld>
             <a:endParaRPr lang="ko-KR" altLang="en-US"/>
           </a:p>
@@ -770,7 +770,7 @@
           <a:p>
             <a:fld id="{F8166F1F-CE9B-4651-A6AA-CD717754106B}" type="datetimeFigureOut">
               <a:rPr lang="en-US" smtClean="0"/>
-              <a:t>1/30/2023</a:t>
+              <a:t>1/31/2023</a:t>
             </a:fld>
             <a:endParaRPr lang="en-US"/>
           </a:p>
@@ -933,7 +933,7 @@
           <a:p>
             <a:fld id="{A76116CE-C4A3-4A05-B2D7-7C2E9A889C0F}" type="datetimeFigureOut">
               <a:rPr lang="en-US" smtClean="0"/>
-              <a:t>1/30/2023</a:t>
+              <a:t>1/31/2023</a:t>
             </a:fld>
             <a:endParaRPr lang="en-US"/>
           </a:p>
@@ -1106,7 +1106,7 @@
           <a:p>
             <a:fld id="{A76116CE-C4A3-4A05-B2D7-7C2E9A889C0F}" type="datetimeFigureOut">
               <a:rPr lang="en-US" smtClean="0"/>
-              <a:t>1/30/2023</a:t>
+              <a:t>1/31/2023</a:t>
             </a:fld>
             <a:endParaRPr lang="en-US"/>
           </a:p>
@@ -1271,7 +1271,7 @@
           <a:p>
             <a:fld id="{A76116CE-C4A3-4A05-B2D7-7C2E9A889C0F}" type="datetimeFigureOut">
               <a:rPr lang="en-US" smtClean="0"/>
-              <a:t>1/30/2023</a:t>
+              <a:t>1/31/2023</a:t>
             </a:fld>
             <a:endParaRPr lang="en-US"/>
           </a:p>
@@ -1511,7 +1511,7 @@
           <a:p>
             <a:fld id="{A76116CE-C4A3-4A05-B2D7-7C2E9A889C0F}" type="datetimeFigureOut">
               <a:rPr lang="en-US" smtClean="0"/>
-              <a:t>1/30/2023</a:t>
+              <a:t>1/31/2023</a:t>
             </a:fld>
             <a:endParaRPr lang="en-US"/>
           </a:p>
@@ -1791,7 +1791,7 @@
           <a:p>
             <a:fld id="{A76116CE-C4A3-4A05-B2D7-7C2E9A889C0F}" type="datetimeFigureOut">
               <a:rPr lang="en-US" smtClean="0"/>
-              <a:t>1/30/2023</a:t>
+              <a:t>1/31/2023</a:t>
             </a:fld>
             <a:endParaRPr lang="en-US"/>
           </a:p>
@@ -2205,7 +2205,7 @@
           <a:p>
             <a:fld id="{A76116CE-C4A3-4A05-B2D7-7C2E9A889C0F}" type="datetimeFigureOut">
               <a:rPr lang="en-US" smtClean="0"/>
-              <a:t>1/30/2023</a:t>
+              <a:t>1/31/2023</a:t>
             </a:fld>
             <a:endParaRPr lang="en-US"/>
           </a:p>
@@ -2317,7 +2317,7 @@
           <a:p>
             <a:fld id="{A76116CE-C4A3-4A05-B2D7-7C2E9A889C0F}" type="datetimeFigureOut">
               <a:rPr lang="en-US" smtClean="0"/>
-              <a:t>1/30/2023</a:t>
+              <a:t>1/31/2023</a:t>
             </a:fld>
             <a:endParaRPr lang="en-US"/>
           </a:p>
@@ -2407,7 +2407,7 @@
           <a:p>
             <a:fld id="{A76116CE-C4A3-4A05-B2D7-7C2E9A889C0F}" type="datetimeFigureOut">
               <a:rPr lang="en-US" smtClean="0"/>
-              <a:t>1/30/2023</a:t>
+              <a:t>1/31/2023</a:t>
             </a:fld>
             <a:endParaRPr lang="en-US"/>
           </a:p>
@@ -2677,7 +2677,7 @@
           <a:p>
             <a:fld id="{A76116CE-C4A3-4A05-B2D7-7C2E9A889C0F}" type="datetimeFigureOut">
               <a:rPr lang="en-US" smtClean="0"/>
-              <a:t>1/30/2023</a:t>
+              <a:t>1/31/2023</a:t>
             </a:fld>
             <a:endParaRPr lang="en-US"/>
           </a:p>
@@ -2924,7 +2924,7 @@
           <a:p>
             <a:fld id="{A76116CE-C4A3-4A05-B2D7-7C2E9A889C0F}" type="datetimeFigureOut">
               <a:rPr lang="en-US" smtClean="0"/>
-              <a:t>1/30/2023</a:t>
+              <a:t>1/31/2023</a:t>
             </a:fld>
             <a:endParaRPr lang="en-US"/>
           </a:p>
@@ -3130,7 +3130,7 @@
           <a:p>
             <a:fld id="{F8166F1F-CE9B-4651-A6AA-CD717754106B}" type="datetimeFigureOut">
               <a:rPr lang="en-US" smtClean="0"/>
-              <a:t>1/30/2023</a:t>
+              <a:t>1/31/2023</a:t>
             </a:fld>
             <a:endParaRPr lang="en-US"/>
           </a:p>
@@ -18148,7 +18148,7 @@
         <p:spPr>
           <a:xfrm>
             <a:off x="6781800" y="5981700"/>
-            <a:ext cx="8382000" cy="1077218"/>
+            <a:ext cx="10515600" cy="1077218"/>
           </a:xfrm>
           <a:prstGeom prst="rect">
             <a:avLst/>
@@ -18181,6 +18181,8 @@
               </a:rPr>
               <a:t>. </a:t>
             </a:r>
+          </a:p>
+          <a:p>
             <a:r>
               <a:rPr lang="ko-KR" altLang="en-US" sz="3200" dirty="0">
                 <a:solidFill>
@@ -18209,7 +18211,7 @@
                 <a:latin typeface="G마켓 산스 Medium" panose="02000000000000000000" pitchFamily="50" charset="-127"/>
                 <a:ea typeface="G마켓 산스 Medium" panose="02000000000000000000" pitchFamily="50" charset="-127"/>
               </a:rPr>
-              <a:t>멤버변수</a:t>
+              <a:t>멤버 변수</a:t>
             </a:r>
             <a:r>
               <a:rPr lang="en-US" altLang="ko-KR" sz="3200" dirty="0">
@@ -18222,16 +18224,6 @@
               <a:t>or</a:t>
             </a:r>
             <a:r>
-              <a:rPr lang="ko-KR" altLang="en-US" sz="3200" dirty="0" err="1">
-                <a:solidFill>
-                  <a:srgbClr val="FF0000"/>
-                </a:solidFill>
-                <a:latin typeface="G마켓 산스 Medium" panose="02000000000000000000" pitchFamily="50" charset="-127"/>
-                <a:ea typeface="G마켓 산스 Medium" panose="02000000000000000000" pitchFamily="50" charset="-127"/>
-              </a:rPr>
-              <a:t>멤버메서드를</a:t>
-            </a:r>
-            <a:r>
               <a:rPr lang="ko-KR" altLang="en-US" sz="3200" dirty="0">
                 <a:solidFill>
                   <a:srgbClr val="FF0000"/>
@@ -18239,7 +18231,7 @@
                 <a:latin typeface="G마켓 산스 Medium" panose="02000000000000000000" pitchFamily="50" charset="-127"/>
                 <a:ea typeface="G마켓 산스 Medium" panose="02000000000000000000" pitchFamily="50" charset="-127"/>
               </a:rPr>
-              <a:t> 사용한다</a:t>
+              <a:t>멤버 메서드를 사용한다</a:t>
             </a:r>
             <a:endParaRPr lang="en-US" altLang="ko-KR" sz="3200" dirty="0">
               <a:solidFill>
@@ -18403,7 +18395,7 @@
         </p:nvSpPr>
         <p:spPr>
           <a:xfrm>
-            <a:off x="685800" y="571500"/>
+            <a:off x="685800" y="114300"/>
             <a:ext cx="3657600" cy="830997"/>
           </a:xfrm>
           <a:prstGeom prst="rect">
@@ -18454,8 +18446,8 @@
         </p:nvSpPr>
         <p:spPr>
           <a:xfrm>
-            <a:off x="685800" y="1402497"/>
-            <a:ext cx="10896600" cy="1754326"/>
+            <a:off x="685799" y="876300"/>
+            <a:ext cx="11277601" cy="954107"/>
           </a:xfrm>
           <a:prstGeom prst="rect">
             <a:avLst/>
@@ -18472,7 +18464,7 @@
               <a:buAutoNum type="arabicPeriod"/>
             </a:pPr>
             <a:r>
-              <a:rPr lang="ko-KR" altLang="en-US" sz="3600" dirty="0">
+              <a:rPr lang="ko-KR" altLang="en-US" sz="2800" dirty="0">
                 <a:solidFill>
                   <a:schemeClr val="tx1">
                     <a:lumMod val="50000"/>
@@ -18482,10 +18474,10 @@
                 <a:latin typeface="G마켓 산스 Medium" panose="02000000000000000000" pitchFamily="50" charset="-127"/>
                 <a:ea typeface="G마켓 산스 Medium" panose="02000000000000000000" pitchFamily="50" charset="-127"/>
               </a:rPr>
-              <a:t>오른쪽의 클래스를 구현 하여 </a:t>
-            </a:r>
-            <a:r>
-              <a:rPr lang="en-US" altLang="ko-KR" sz="3600" dirty="0">
+              <a:t>오른쪽의 클래스를 구현 하여 아래의 식의 답을 출력하자</a:t>
+            </a:r>
+            <a:r>
+              <a:rPr lang="en-US" altLang="ko-KR" sz="2800" dirty="0">
                 <a:solidFill>
                   <a:schemeClr val="tx1">
                     <a:lumMod val="50000"/>
@@ -18495,10 +18487,10 @@
                 <a:latin typeface="G마켓 산스 Medium" panose="02000000000000000000" pitchFamily="50" charset="-127"/>
                 <a:ea typeface="G마켓 산스 Medium" panose="02000000000000000000" pitchFamily="50" charset="-127"/>
               </a:rPr>
-              <a:t>Main</a:t>
-            </a:r>
-            <a:r>
-              <a:rPr lang="ko-KR" altLang="en-US" sz="3600" dirty="0">
+              <a:t>(</a:t>
+            </a:r>
+            <a:r>
+              <a:rPr lang="ko-KR" altLang="en-US" sz="2800" dirty="0">
                 <a:solidFill>
                   <a:schemeClr val="tx1">
                     <a:lumMod val="50000"/>
@@ -18508,22 +18500,10 @@
                 <a:latin typeface="G마켓 산스 Medium" panose="02000000000000000000" pitchFamily="50" charset="-127"/>
                 <a:ea typeface="G마켓 산스 Medium" panose="02000000000000000000" pitchFamily="50" charset="-127"/>
               </a:rPr>
-              <a:t>함수 내에서 메서드를 활용하여 아래의 식의 답을 출력하자</a:t>
-            </a:r>
-            <a:endParaRPr lang="en-US" altLang="ko-KR" sz="3600" dirty="0">
-              <a:solidFill>
-                <a:schemeClr val="tx1">
-                  <a:lumMod val="50000"/>
-                  <a:lumOff val="50000"/>
-                </a:schemeClr>
-              </a:solidFill>
-              <a:latin typeface="G마켓 산스 Medium" panose="02000000000000000000" pitchFamily="50" charset="-127"/>
-              <a:ea typeface="G마켓 산스 Medium" panose="02000000000000000000" pitchFamily="50" charset="-127"/>
-            </a:endParaRPr>
-          </a:p>
-          <a:p>
-            <a:r>
-              <a:rPr lang="en-US" altLang="ko-KR" sz="3600" dirty="0">
+              <a:t>변수는 </a:t>
+            </a:r>
+            <a:r>
+              <a:rPr lang="en-US" altLang="ko-KR" sz="2800" dirty="0">
                 <a:solidFill>
                   <a:schemeClr val="tx1">
                     <a:lumMod val="50000"/>
@@ -18533,7 +18513,33 @@
                 <a:latin typeface="G마켓 산스 Medium" panose="02000000000000000000" pitchFamily="50" charset="-127"/>
                 <a:ea typeface="G마켓 산스 Medium" panose="02000000000000000000" pitchFamily="50" charset="-127"/>
               </a:rPr>
-              <a:t>      500/5+3*27-5</a:t>
+              <a:t>result </a:t>
+            </a:r>
+            <a:r>
+              <a:rPr lang="ko-KR" altLang="en-US" sz="2800" dirty="0">
+                <a:solidFill>
+                  <a:schemeClr val="tx1">
+                    <a:lumMod val="50000"/>
+                    <a:lumOff val="50000"/>
+                  </a:schemeClr>
+                </a:solidFill>
+                <a:latin typeface="G마켓 산스 Medium" panose="02000000000000000000" pitchFamily="50" charset="-127"/>
+                <a:ea typeface="G마켓 산스 Medium" panose="02000000000000000000" pitchFamily="50" charset="-127"/>
+              </a:rPr>
+              <a:t>한 개만 사용</a:t>
+            </a:r>
+            <a:r>
+              <a:rPr lang="en-US" altLang="ko-KR" sz="2800" dirty="0">
+                <a:solidFill>
+                  <a:schemeClr val="tx1">
+                    <a:lumMod val="50000"/>
+                    <a:lumOff val="50000"/>
+                  </a:schemeClr>
+                </a:solidFill>
+                <a:latin typeface="G마켓 산스 Medium" panose="02000000000000000000" pitchFamily="50" charset="-127"/>
+                <a:ea typeface="G마켓 산스 Medium" panose="02000000000000000000" pitchFamily="50" charset="-127"/>
+              </a:rPr>
+              <a:t>) </a:t>
             </a:r>
           </a:p>
         </p:txBody>
@@ -18552,8 +18558,8 @@
         </p:nvSpPr>
         <p:spPr>
           <a:xfrm>
-            <a:off x="762000" y="3619500"/>
-            <a:ext cx="11041743" cy="646331"/>
+            <a:off x="762000" y="2933700"/>
+            <a:ext cx="11041743" cy="523220"/>
           </a:xfrm>
           <a:prstGeom prst="rect">
             <a:avLst/>
@@ -18567,7 +18573,7 @@
           <a:lstStyle/>
           <a:p>
             <a:r>
-              <a:rPr lang="en-US" altLang="ko-KR" sz="3600" dirty="0">
+              <a:rPr lang="en-US" altLang="ko-KR" sz="2800" dirty="0">
                 <a:solidFill>
                   <a:schemeClr val="tx1">
                     <a:lumMod val="50000"/>
@@ -18580,7 +18586,7 @@
               <a:t>2. Student </a:t>
             </a:r>
             <a:r>
-              <a:rPr lang="ko-KR" altLang="en-US" sz="3600" dirty="0">
+              <a:rPr lang="ko-KR" altLang="en-US" sz="2800" dirty="0">
                 <a:solidFill>
                   <a:schemeClr val="tx1">
                     <a:lumMod val="50000"/>
@@ -18590,9 +18596,61 @@
                 <a:latin typeface="G마켓 산스 Medium" panose="02000000000000000000" pitchFamily="50" charset="-127"/>
                 <a:ea typeface="G마켓 산스 Medium" panose="02000000000000000000" pitchFamily="50" charset="-127"/>
               </a:rPr>
-              <a:t>클래스를 구현 후 아래와 같이 출력하자 </a:t>
-            </a:r>
-            <a:endParaRPr lang="en-US" altLang="ko-KR" sz="3600" dirty="0">
+              <a:t>클래스를 구현 후 아래와 같이 출력하자</a:t>
+            </a:r>
+            <a:r>
+              <a:rPr lang="en-US" altLang="ko-KR" sz="2800" dirty="0">
+                <a:solidFill>
+                  <a:schemeClr val="tx1">
+                    <a:lumMod val="50000"/>
+                    <a:lumOff val="50000"/>
+                  </a:schemeClr>
+                </a:solidFill>
+                <a:latin typeface="G마켓 산스 Medium" panose="02000000000000000000" pitchFamily="50" charset="-127"/>
+                <a:ea typeface="G마켓 산스 Medium" panose="02000000000000000000" pitchFamily="50" charset="-127"/>
+              </a:rPr>
+              <a:t>(</a:t>
+            </a:r>
+            <a:r>
+              <a:rPr lang="ko-KR" altLang="en-US" sz="2800" dirty="0">
+                <a:solidFill>
+                  <a:schemeClr val="tx1">
+                    <a:lumMod val="50000"/>
+                    <a:lumOff val="50000"/>
+                  </a:schemeClr>
+                </a:solidFill>
+                <a:latin typeface="G마켓 산스 Medium" panose="02000000000000000000" pitchFamily="50" charset="-127"/>
+                <a:ea typeface="G마켓 산스 Medium" panose="02000000000000000000" pitchFamily="50" charset="-127"/>
+              </a:rPr>
+              <a:t>객체배열활용</a:t>
+            </a:r>
+            <a:r>
+              <a:rPr lang="en-US" altLang="ko-KR" sz="2800" dirty="0">
+                <a:solidFill>
+                  <a:schemeClr val="tx1">
+                    <a:lumMod val="50000"/>
+                    <a:lumOff val="50000"/>
+                  </a:schemeClr>
+                </a:solidFill>
+                <a:latin typeface="G마켓 산스 Medium" panose="02000000000000000000" pitchFamily="50" charset="-127"/>
+                <a:ea typeface="G마켓 산스 Medium" panose="02000000000000000000" pitchFamily="50" charset="-127"/>
+              </a:rPr>
+              <a:t>)</a:t>
+            </a:r>
+            <a:r>
+              <a:rPr lang="ko-KR" altLang="en-US" sz="2800" dirty="0">
+                <a:solidFill>
+                  <a:schemeClr val="tx1">
+                    <a:lumMod val="50000"/>
+                    <a:lumOff val="50000"/>
+                  </a:schemeClr>
+                </a:solidFill>
+                <a:latin typeface="G마켓 산스 Medium" panose="02000000000000000000" pitchFamily="50" charset="-127"/>
+                <a:ea typeface="G마켓 산스 Medium" panose="02000000000000000000" pitchFamily="50" charset="-127"/>
+              </a:rPr>
+              <a:t> </a:t>
+            </a:r>
+            <a:endParaRPr lang="en-US" altLang="ko-KR" sz="2800" dirty="0">
               <a:solidFill>
                 <a:schemeClr val="tx1">
                   <a:lumMod val="50000"/>
@@ -19933,7 +19991,7 @@
           <p:nvPr>
             <p:extLst>
               <p:ext uri="{D42A27DB-BD31-4B8C-83A1-F6EECF244321}">
-                <p14:modId xmlns:p14="http://schemas.microsoft.com/office/powerpoint/2010/main" val="888059395"/>
+                <p14:modId xmlns:p14="http://schemas.microsoft.com/office/powerpoint/2010/main" val="3667573978"/>
               </p:ext>
             </p:extLst>
           </p:nvPr>
@@ -20308,9 +20366,12 @@
                         <a:tabLst/>
                         <a:defRPr/>
                       </a:pPr>
-                      <a:endParaRPr lang="ko-KR" altLang="en-US" sz="2000" dirty="0">
-                        <a:ea typeface="G마켓 산스 Medium" panose="02000000000000000000"/>
-                      </a:endParaRPr>
+                      <a:r>
+                        <a:rPr lang="ko-KR" altLang="en-US" sz="2000" dirty="0">
+                          <a:ea typeface="G마켓 산스 Medium" panose="02000000000000000000"/>
+                        </a:rPr>
+                        <a:t>학생이름</a:t>
+                      </a:r>
                     </a:p>
                   </a:txBody>
                   <a:tcPr>
@@ -21341,6 +21402,1742 @@
           </a:graphicData>
         </a:graphic>
       </p:graphicFrame>
+      <p:sp>
+        <p:nvSpPr>
+          <p:cNvPr id="2" name="TextBox 1">
+            <a:extLst>
+              <a:ext uri="{FF2B5EF4-FFF2-40B4-BE49-F238E27FC236}">
+                <a16:creationId xmlns:a16="http://schemas.microsoft.com/office/drawing/2014/main" id="{AE3DCC98-4BB0-EA62-AD96-B0C8D6180C73}"/>
+              </a:ext>
+            </a:extLst>
+          </p:cNvPr>
+          <p:cNvSpPr txBox="1"/>
+          <p:nvPr/>
+        </p:nvSpPr>
+        <p:spPr>
+          <a:xfrm>
+            <a:off x="736600" y="5560993"/>
+            <a:ext cx="11041743" cy="954107"/>
+          </a:xfrm>
+          <a:prstGeom prst="rect">
+            <a:avLst/>
+          </a:prstGeom>
+          <a:noFill/>
+        </p:spPr>
+        <p:txBody>
+          <a:bodyPr wrap="square" rtlCol="0">
+            <a:spAutoFit/>
+          </a:bodyPr>
+          <a:lstStyle/>
+          <a:p>
+            <a:r>
+              <a:rPr lang="en-US" altLang="ko-KR" sz="2800" dirty="0">
+                <a:solidFill>
+                  <a:schemeClr val="tx1">
+                    <a:lumMod val="50000"/>
+                    <a:lumOff val="50000"/>
+                  </a:schemeClr>
+                </a:solidFill>
+                <a:latin typeface="G마켓 산스 Medium" panose="02000000000000000000" pitchFamily="50" charset="-127"/>
+                <a:ea typeface="G마켓 산스 Medium" panose="02000000000000000000" pitchFamily="50" charset="-127"/>
+              </a:rPr>
+              <a:t>3. Archer </a:t>
+            </a:r>
+            <a:r>
+              <a:rPr lang="ko-KR" altLang="en-US" sz="2800" dirty="0">
+                <a:solidFill>
+                  <a:schemeClr val="tx1">
+                    <a:lumMod val="50000"/>
+                    <a:lumOff val="50000"/>
+                  </a:schemeClr>
+                </a:solidFill>
+                <a:latin typeface="G마켓 산스 Medium" panose="02000000000000000000" pitchFamily="50" charset="-127"/>
+                <a:ea typeface="G마켓 산스 Medium" panose="02000000000000000000" pitchFamily="50" charset="-127"/>
+              </a:rPr>
+              <a:t>클래스를 구현하여 객체배열 을 이용하여 </a:t>
+            </a:r>
+            <a:r>
+              <a:rPr lang="en-US" altLang="ko-KR" sz="2800" dirty="0">
+                <a:solidFill>
+                  <a:schemeClr val="tx1">
+                    <a:lumMod val="50000"/>
+                    <a:lumOff val="50000"/>
+                  </a:schemeClr>
+                </a:solidFill>
+                <a:latin typeface="G마켓 산스 Medium" panose="02000000000000000000" pitchFamily="50" charset="-127"/>
+                <a:ea typeface="G마켓 산스 Medium" panose="02000000000000000000" pitchFamily="50" charset="-127"/>
+              </a:rPr>
+              <a:t>10</a:t>
+            </a:r>
+            <a:r>
+              <a:rPr lang="ko-KR" altLang="en-US" sz="2800" dirty="0">
+                <a:solidFill>
+                  <a:schemeClr val="tx1">
+                    <a:lumMod val="50000"/>
+                    <a:lumOff val="50000"/>
+                  </a:schemeClr>
+                </a:solidFill>
+                <a:latin typeface="G마켓 산스 Medium" panose="02000000000000000000" pitchFamily="50" charset="-127"/>
+                <a:ea typeface="G마켓 산스 Medium" panose="02000000000000000000" pitchFamily="50" charset="-127"/>
+              </a:rPr>
+              <a:t>개의 객체를 생성 후 서로 공격해보자</a:t>
+            </a:r>
+            <a:r>
+              <a:rPr lang="en-US" altLang="ko-KR" sz="2800" dirty="0">
+                <a:solidFill>
+                  <a:schemeClr val="tx1">
+                    <a:lumMod val="50000"/>
+                    <a:lumOff val="50000"/>
+                  </a:schemeClr>
+                </a:solidFill>
+                <a:latin typeface="G마켓 산스 Medium" panose="02000000000000000000" pitchFamily="50" charset="-127"/>
+                <a:ea typeface="G마켓 산스 Medium" panose="02000000000000000000" pitchFamily="50" charset="-127"/>
+              </a:rPr>
+              <a:t>(</a:t>
+            </a:r>
+            <a:r>
+              <a:rPr lang="ko-KR" altLang="en-US" sz="2800" dirty="0">
+                <a:solidFill>
+                  <a:schemeClr val="tx1">
+                    <a:lumMod val="50000"/>
+                    <a:lumOff val="50000"/>
+                  </a:schemeClr>
+                </a:solidFill>
+                <a:latin typeface="G마켓 산스 Medium" panose="02000000000000000000" pitchFamily="50" charset="-127"/>
+                <a:ea typeface="G마켓 산스 Medium" panose="02000000000000000000" pitchFamily="50" charset="-127"/>
+              </a:rPr>
+              <a:t>모두 한번씩은 공격을 주고 받아야 한다</a:t>
+            </a:r>
+            <a:r>
+              <a:rPr lang="en-US" altLang="ko-KR" sz="2800" dirty="0">
+                <a:solidFill>
+                  <a:schemeClr val="tx1">
+                    <a:lumMod val="50000"/>
+                    <a:lumOff val="50000"/>
+                  </a:schemeClr>
+                </a:solidFill>
+                <a:latin typeface="G마켓 산스 Medium" panose="02000000000000000000" pitchFamily="50" charset="-127"/>
+                <a:ea typeface="G마켓 산스 Medium" panose="02000000000000000000" pitchFamily="50" charset="-127"/>
+              </a:rPr>
+              <a:t>)</a:t>
+            </a:r>
+          </a:p>
+        </p:txBody>
+      </p:sp>
+      <p:graphicFrame>
+        <p:nvGraphicFramePr>
+          <p:cNvPr id="6" name="표 2">
+            <a:extLst>
+              <a:ext uri="{FF2B5EF4-FFF2-40B4-BE49-F238E27FC236}">
+                <a16:creationId xmlns:a16="http://schemas.microsoft.com/office/drawing/2014/main" id="{F902164B-C843-8740-78C7-6C579992DE64}"/>
+              </a:ext>
+            </a:extLst>
+          </p:cNvPr>
+          <p:cNvGraphicFramePr>
+            <a:graphicFrameLocks noGrp="1"/>
+          </p:cNvGraphicFramePr>
+          <p:nvPr>
+            <p:extLst>
+              <p:ext uri="{D42A27DB-BD31-4B8C-83A1-F6EECF244321}">
+                <p14:modId xmlns:p14="http://schemas.microsoft.com/office/powerpoint/2010/main" val="3367293979"/>
+              </p:ext>
+            </p:extLst>
+          </p:nvPr>
+        </p:nvGraphicFramePr>
+        <p:xfrm>
+          <a:off x="1600200" y="6516826"/>
+          <a:ext cx="6215744" cy="3596640"/>
+        </p:xfrm>
+        <a:graphic>
+          <a:graphicData uri="http://schemas.openxmlformats.org/drawingml/2006/table">
+            <a:tbl>
+              <a:tblPr firstRow="1" bandRow="1">
+                <a:tableStyleId>{5C22544A-7EE6-4342-B048-85BDC9FD1C3A}</a:tableStyleId>
+              </a:tblPr>
+              <a:tblGrid>
+                <a:gridCol w="1731833">
+                  <a:extLst>
+                    <a:ext uri="{9D8B030D-6E8A-4147-A177-3AD203B41FA5}">
+                      <a16:colId xmlns:a16="http://schemas.microsoft.com/office/drawing/2014/main" val="1960770391"/>
+                    </a:ext>
+                  </a:extLst>
+                </a:gridCol>
+                <a:gridCol w="1752960">
+                  <a:extLst>
+                    <a:ext uri="{9D8B030D-6E8A-4147-A177-3AD203B41FA5}">
+                      <a16:colId xmlns:a16="http://schemas.microsoft.com/office/drawing/2014/main" val="733308553"/>
+                    </a:ext>
+                  </a:extLst>
+                </a:gridCol>
+                <a:gridCol w="2730951">
+                  <a:extLst>
+                    <a:ext uri="{9D8B030D-6E8A-4147-A177-3AD203B41FA5}">
+                      <a16:colId xmlns:a16="http://schemas.microsoft.com/office/drawing/2014/main" val="1661322813"/>
+                    </a:ext>
+                  </a:extLst>
+                </a:gridCol>
+              </a:tblGrid>
+              <a:tr h="370840">
+                <a:tc>
+                  <a:txBody>
+                    <a:bodyPr/>
+                    <a:lstStyle/>
+                    <a:p>
+                      <a:pPr latinLnBrk="1"/>
+                      <a:r>
+                        <a:rPr lang="ko-KR" altLang="en-US" sz="2200" dirty="0">
+                          <a:solidFill>
+                            <a:schemeClr val="bg1"/>
+                          </a:solidFill>
+                          <a:ea typeface="G마켓 산스 Medium" panose="02000000000000000000"/>
+                        </a:rPr>
+                        <a:t>클래스명</a:t>
+                      </a:r>
+                    </a:p>
+                  </a:txBody>
+                  <a:tcPr>
+                    <a:lnL w="12700" cap="flat" cmpd="sng" algn="ctr">
+                      <a:solidFill>
+                        <a:schemeClr val="tx1"/>
+                      </a:solidFill>
+                      <a:prstDash val="solid"/>
+                      <a:round/>
+                      <a:headEnd type="none" w="med" len="med"/>
+                      <a:tailEnd type="none" w="med" len="med"/>
+                    </a:lnL>
+                    <a:lnR w="12700" cap="flat" cmpd="sng" algn="ctr">
+                      <a:solidFill>
+                        <a:schemeClr val="tx1"/>
+                      </a:solidFill>
+                      <a:prstDash val="solid"/>
+                      <a:round/>
+                      <a:headEnd type="none" w="med" len="med"/>
+                      <a:tailEnd type="none" w="med" len="med"/>
+                    </a:lnR>
+                    <a:lnT w="12700" cap="flat" cmpd="sng" algn="ctr">
+                      <a:solidFill>
+                        <a:schemeClr val="tx1"/>
+                      </a:solidFill>
+                      <a:prstDash val="solid"/>
+                      <a:round/>
+                      <a:headEnd type="none" w="med" len="med"/>
+                      <a:tailEnd type="none" w="med" len="med"/>
+                    </a:lnT>
+                    <a:lnB w="12700" cap="flat" cmpd="sng" algn="ctr">
+                      <a:solidFill>
+                        <a:schemeClr val="tx1"/>
+                      </a:solidFill>
+                      <a:prstDash val="solid"/>
+                      <a:round/>
+                      <a:headEnd type="none" w="med" len="med"/>
+                      <a:tailEnd type="none" w="med" len="med"/>
+                    </a:lnB>
+                    <a:solidFill>
+                      <a:srgbClr val="4C50BC"/>
+                    </a:solidFill>
+                  </a:tcPr>
+                </a:tc>
+                <a:tc>
+                  <a:txBody>
+                    <a:bodyPr/>
+                    <a:lstStyle/>
+                    <a:p>
+                      <a:pPr latinLnBrk="1"/>
+                      <a:r>
+                        <a:rPr lang="en-US" altLang="ko-KR" sz="2200" dirty="0">
+                          <a:solidFill>
+                            <a:schemeClr val="bg1"/>
+                          </a:solidFill>
+                          <a:ea typeface="G마켓 산스 Medium" panose="02000000000000000000"/>
+                        </a:rPr>
+                        <a:t>Archer</a:t>
+                      </a:r>
+                      <a:endParaRPr lang="ko-KR" altLang="en-US" sz="2200" dirty="0">
+                        <a:solidFill>
+                          <a:schemeClr val="bg1"/>
+                        </a:solidFill>
+                        <a:ea typeface="G마켓 산스 Medium" panose="02000000000000000000"/>
+                      </a:endParaRPr>
+                    </a:p>
+                  </a:txBody>
+                  <a:tcPr>
+                    <a:lnL w="12700" cap="flat" cmpd="sng" algn="ctr">
+                      <a:solidFill>
+                        <a:schemeClr val="tx1"/>
+                      </a:solidFill>
+                      <a:prstDash val="solid"/>
+                      <a:round/>
+                      <a:headEnd type="none" w="med" len="med"/>
+                      <a:tailEnd type="none" w="med" len="med"/>
+                    </a:lnL>
+                    <a:lnR w="12700" cap="flat" cmpd="sng" algn="ctr">
+                      <a:solidFill>
+                        <a:schemeClr val="tx1"/>
+                      </a:solidFill>
+                      <a:prstDash val="solid"/>
+                      <a:round/>
+                      <a:headEnd type="none" w="med" len="med"/>
+                      <a:tailEnd type="none" w="med" len="med"/>
+                    </a:lnR>
+                    <a:lnT w="12700" cap="flat" cmpd="sng" algn="ctr">
+                      <a:solidFill>
+                        <a:schemeClr val="tx1"/>
+                      </a:solidFill>
+                      <a:prstDash val="solid"/>
+                      <a:round/>
+                      <a:headEnd type="none" w="med" len="med"/>
+                      <a:tailEnd type="none" w="med" len="med"/>
+                    </a:lnT>
+                    <a:lnB w="12700" cap="flat" cmpd="sng" algn="ctr">
+                      <a:solidFill>
+                        <a:schemeClr val="tx1"/>
+                      </a:solidFill>
+                      <a:prstDash val="solid"/>
+                      <a:round/>
+                      <a:headEnd type="none" w="med" len="med"/>
+                      <a:tailEnd type="none" w="med" len="med"/>
+                    </a:lnB>
+                    <a:solidFill>
+                      <a:srgbClr val="4C50BC"/>
+                    </a:solidFill>
+                  </a:tcPr>
+                </a:tc>
+                <a:tc>
+                  <a:txBody>
+                    <a:bodyPr/>
+                    <a:lstStyle/>
+                    <a:p>
+                      <a:pPr latinLnBrk="1"/>
+                      <a:endParaRPr lang="ko-KR" altLang="en-US" sz="2000" dirty="0">
+                        <a:solidFill>
+                          <a:schemeClr val="bg1"/>
+                        </a:solidFill>
+                        <a:ea typeface="G마켓 산스 Medium" panose="02000000000000000000"/>
+                      </a:endParaRPr>
+                    </a:p>
+                  </a:txBody>
+                  <a:tcPr>
+                    <a:lnL w="12700" cap="flat" cmpd="sng" algn="ctr">
+                      <a:solidFill>
+                        <a:schemeClr val="tx1"/>
+                      </a:solidFill>
+                      <a:prstDash val="solid"/>
+                      <a:round/>
+                      <a:headEnd type="none" w="med" len="med"/>
+                      <a:tailEnd type="none" w="med" len="med"/>
+                    </a:lnL>
+                    <a:lnR w="12700" cap="flat" cmpd="sng" algn="ctr">
+                      <a:solidFill>
+                        <a:schemeClr val="tx1"/>
+                      </a:solidFill>
+                      <a:prstDash val="solid"/>
+                      <a:round/>
+                      <a:headEnd type="none" w="med" len="med"/>
+                      <a:tailEnd type="none" w="med" len="med"/>
+                    </a:lnR>
+                    <a:lnT w="12700" cap="flat" cmpd="sng" algn="ctr">
+                      <a:solidFill>
+                        <a:schemeClr val="tx1"/>
+                      </a:solidFill>
+                      <a:prstDash val="solid"/>
+                      <a:round/>
+                      <a:headEnd type="none" w="med" len="med"/>
+                      <a:tailEnd type="none" w="med" len="med"/>
+                    </a:lnT>
+                    <a:lnB w="12700" cap="flat" cmpd="sng" algn="ctr">
+                      <a:solidFill>
+                        <a:schemeClr val="tx1"/>
+                      </a:solidFill>
+                      <a:prstDash val="solid"/>
+                      <a:round/>
+                      <a:headEnd type="none" w="med" len="med"/>
+                      <a:tailEnd type="none" w="med" len="med"/>
+                    </a:lnB>
+                    <a:solidFill>
+                      <a:srgbClr val="4C50BC"/>
+                    </a:solidFill>
+                  </a:tcPr>
+                </a:tc>
+                <a:extLst>
+                  <a:ext uri="{0D108BD9-81ED-4DB2-BD59-A6C34878D82A}">
+                    <a16:rowId xmlns:a16="http://schemas.microsoft.com/office/drawing/2014/main" val="2452905565"/>
+                  </a:ext>
+                </a:extLst>
+              </a:tr>
+              <a:tr h="370840">
+                <a:tc>
+                  <a:txBody>
+                    <a:bodyPr/>
+                    <a:lstStyle/>
+                    <a:p>
+                      <a:pPr latinLnBrk="1"/>
+                      <a:r>
+                        <a:rPr lang="ko-KR" altLang="en-US" sz="2200" dirty="0">
+                          <a:ea typeface="G마켓 산스 Medium" panose="02000000000000000000"/>
+                        </a:rPr>
+                        <a:t>멤버변수</a:t>
+                      </a:r>
+                    </a:p>
+                  </a:txBody>
+                  <a:tcPr>
+                    <a:lnL w="12700" cap="flat" cmpd="sng" algn="ctr">
+                      <a:solidFill>
+                        <a:schemeClr val="tx1"/>
+                      </a:solidFill>
+                      <a:prstDash val="solid"/>
+                      <a:round/>
+                      <a:headEnd type="none" w="med" len="med"/>
+                      <a:tailEnd type="none" w="med" len="med"/>
+                    </a:lnL>
+                    <a:lnR w="12700" cap="flat" cmpd="sng" algn="ctr">
+                      <a:solidFill>
+                        <a:schemeClr val="tx1"/>
+                      </a:solidFill>
+                      <a:prstDash val="solid"/>
+                      <a:round/>
+                      <a:headEnd type="none" w="med" len="med"/>
+                      <a:tailEnd type="none" w="med" len="med"/>
+                    </a:lnR>
+                    <a:lnT w="12700" cap="flat" cmpd="sng" algn="ctr">
+                      <a:solidFill>
+                        <a:schemeClr val="tx1"/>
+                      </a:solidFill>
+                      <a:prstDash val="solid"/>
+                      <a:round/>
+                      <a:headEnd type="none" w="med" len="med"/>
+                      <a:tailEnd type="none" w="med" len="med"/>
+                    </a:lnT>
+                    <a:lnB w="12700" cap="flat" cmpd="sng" algn="ctr">
+                      <a:solidFill>
+                        <a:schemeClr val="tx1"/>
+                      </a:solidFill>
+                      <a:prstDash val="solid"/>
+                      <a:round/>
+                      <a:headEnd type="none" w="med" len="med"/>
+                      <a:tailEnd type="none" w="med" len="med"/>
+                    </a:lnB>
+                    <a:noFill/>
+                  </a:tcPr>
+                </a:tc>
+                <a:tc>
+                  <a:txBody>
+                    <a:bodyPr/>
+                    <a:lstStyle/>
+                    <a:p>
+                      <a:pPr marL="0" marR="0" lvl="0" indent="0" algn="l" defTabSz="914400" rtl="0" eaLnBrk="1" fontAlgn="auto" latinLnBrk="1" hangingPunct="1">
+                        <a:lnSpc>
+                          <a:spcPct val="100000"/>
+                        </a:lnSpc>
+                        <a:spcBef>
+                          <a:spcPts val="0"/>
+                        </a:spcBef>
+                        <a:spcAft>
+                          <a:spcPts val="0"/>
+                        </a:spcAft>
+                        <a:buClrTx/>
+                        <a:buSzTx/>
+                        <a:buFontTx/>
+                        <a:buNone/>
+                        <a:tabLst/>
+                        <a:defRPr/>
+                      </a:pPr>
+                      <a:r>
+                        <a:rPr lang="en-US" altLang="ko-KR" sz="2200" dirty="0">
+                          <a:ea typeface="G마켓 산스 Medium" panose="02000000000000000000"/>
+                        </a:rPr>
+                        <a:t>String name</a:t>
+                      </a:r>
+                      <a:endParaRPr lang="ko-KR" altLang="en-US" sz="2200" dirty="0">
+                        <a:ea typeface="G마켓 산스 Medium" panose="02000000000000000000"/>
+                      </a:endParaRPr>
+                    </a:p>
+                  </a:txBody>
+                  <a:tcPr>
+                    <a:lnL w="12700" cap="flat" cmpd="sng" algn="ctr">
+                      <a:solidFill>
+                        <a:schemeClr val="tx1"/>
+                      </a:solidFill>
+                      <a:prstDash val="solid"/>
+                      <a:round/>
+                      <a:headEnd type="none" w="med" len="med"/>
+                      <a:tailEnd type="none" w="med" len="med"/>
+                    </a:lnL>
+                    <a:lnR w="12700" cap="flat" cmpd="sng" algn="ctr">
+                      <a:solidFill>
+                        <a:schemeClr val="tx1"/>
+                      </a:solidFill>
+                      <a:prstDash val="solid"/>
+                      <a:round/>
+                      <a:headEnd type="none" w="med" len="med"/>
+                      <a:tailEnd type="none" w="med" len="med"/>
+                    </a:lnR>
+                    <a:lnT w="12700" cap="flat" cmpd="sng" algn="ctr">
+                      <a:solidFill>
+                        <a:schemeClr val="tx1"/>
+                      </a:solidFill>
+                      <a:prstDash val="solid"/>
+                      <a:round/>
+                      <a:headEnd type="none" w="med" len="med"/>
+                      <a:tailEnd type="none" w="med" len="med"/>
+                    </a:lnT>
+                    <a:lnB w="12700" cap="flat" cmpd="sng" algn="ctr">
+                      <a:solidFill>
+                        <a:schemeClr val="tx1"/>
+                      </a:solidFill>
+                      <a:prstDash val="solid"/>
+                      <a:round/>
+                      <a:headEnd type="none" w="med" len="med"/>
+                      <a:tailEnd type="none" w="med" len="med"/>
+                    </a:lnB>
+                    <a:noFill/>
+                  </a:tcPr>
+                </a:tc>
+                <a:tc>
+                  <a:txBody>
+                    <a:bodyPr/>
+                    <a:lstStyle/>
+                    <a:p>
+                      <a:pPr marL="0" marR="0" lvl="0" indent="0" algn="l" defTabSz="914400" rtl="0" eaLnBrk="1" fontAlgn="auto" latinLnBrk="1" hangingPunct="1">
+                        <a:lnSpc>
+                          <a:spcPct val="100000"/>
+                        </a:lnSpc>
+                        <a:spcBef>
+                          <a:spcPts val="0"/>
+                        </a:spcBef>
+                        <a:spcAft>
+                          <a:spcPts val="0"/>
+                        </a:spcAft>
+                        <a:buClrTx/>
+                        <a:buSzTx/>
+                        <a:buFontTx/>
+                        <a:buNone/>
+                        <a:tabLst/>
+                        <a:defRPr/>
+                      </a:pPr>
+                      <a:r>
+                        <a:rPr lang="ko-KR" altLang="en-US" sz="2000" dirty="0" err="1">
+                          <a:ea typeface="G마켓 산스 Medium" panose="02000000000000000000"/>
+                        </a:rPr>
+                        <a:t>케릭터명</a:t>
+                      </a:r>
+                      <a:endParaRPr lang="ko-KR" altLang="en-US" sz="2000" dirty="0">
+                        <a:ea typeface="G마켓 산스 Medium" panose="02000000000000000000"/>
+                      </a:endParaRPr>
+                    </a:p>
+                  </a:txBody>
+                  <a:tcPr>
+                    <a:lnL w="12700" cap="flat" cmpd="sng" algn="ctr">
+                      <a:solidFill>
+                        <a:schemeClr val="tx1"/>
+                      </a:solidFill>
+                      <a:prstDash val="solid"/>
+                      <a:round/>
+                      <a:headEnd type="none" w="med" len="med"/>
+                      <a:tailEnd type="none" w="med" len="med"/>
+                    </a:lnL>
+                    <a:lnR w="12700" cap="flat" cmpd="sng" algn="ctr">
+                      <a:solidFill>
+                        <a:schemeClr val="tx1"/>
+                      </a:solidFill>
+                      <a:prstDash val="solid"/>
+                      <a:round/>
+                      <a:headEnd type="none" w="med" len="med"/>
+                      <a:tailEnd type="none" w="med" len="med"/>
+                    </a:lnR>
+                    <a:lnT w="12700" cap="flat" cmpd="sng" algn="ctr">
+                      <a:solidFill>
+                        <a:schemeClr val="tx1"/>
+                      </a:solidFill>
+                      <a:prstDash val="solid"/>
+                      <a:round/>
+                      <a:headEnd type="none" w="med" len="med"/>
+                      <a:tailEnd type="none" w="med" len="med"/>
+                    </a:lnT>
+                    <a:lnB w="12700" cap="flat" cmpd="sng" algn="ctr">
+                      <a:solidFill>
+                        <a:schemeClr val="tx1"/>
+                      </a:solidFill>
+                      <a:prstDash val="solid"/>
+                      <a:round/>
+                      <a:headEnd type="none" w="med" len="med"/>
+                      <a:tailEnd type="none" w="med" len="med"/>
+                    </a:lnB>
+                    <a:noFill/>
+                  </a:tcPr>
+                </a:tc>
+                <a:extLst>
+                  <a:ext uri="{0D108BD9-81ED-4DB2-BD59-A6C34878D82A}">
+                    <a16:rowId xmlns:a16="http://schemas.microsoft.com/office/drawing/2014/main" val="3551452526"/>
+                  </a:ext>
+                </a:extLst>
+              </a:tr>
+              <a:tr h="411480">
+                <a:tc>
+                  <a:txBody>
+                    <a:bodyPr/>
+                    <a:lstStyle/>
+                    <a:p>
+                      <a:pPr latinLnBrk="1"/>
+                      <a:endParaRPr lang="ko-KR" altLang="en-US" sz="2200" dirty="0">
+                        <a:ea typeface="G마켓 산스 Medium" panose="02000000000000000000"/>
+                      </a:endParaRPr>
+                    </a:p>
+                  </a:txBody>
+                  <a:tcPr>
+                    <a:lnL w="12700" cap="flat" cmpd="sng" algn="ctr">
+                      <a:solidFill>
+                        <a:schemeClr val="tx1"/>
+                      </a:solidFill>
+                      <a:prstDash val="solid"/>
+                      <a:round/>
+                      <a:headEnd type="none" w="med" len="med"/>
+                      <a:tailEnd type="none" w="med" len="med"/>
+                    </a:lnL>
+                    <a:lnR w="12700" cap="flat" cmpd="sng" algn="ctr">
+                      <a:solidFill>
+                        <a:schemeClr val="tx1"/>
+                      </a:solidFill>
+                      <a:prstDash val="solid"/>
+                      <a:round/>
+                      <a:headEnd type="none" w="med" len="med"/>
+                      <a:tailEnd type="none" w="med" len="med"/>
+                    </a:lnR>
+                    <a:lnT w="12700" cap="flat" cmpd="sng" algn="ctr">
+                      <a:solidFill>
+                        <a:schemeClr val="tx1"/>
+                      </a:solidFill>
+                      <a:prstDash val="solid"/>
+                      <a:round/>
+                      <a:headEnd type="none" w="med" len="med"/>
+                      <a:tailEnd type="none" w="med" len="med"/>
+                    </a:lnT>
+                    <a:lnB w="12700" cap="flat" cmpd="sng" algn="ctr">
+                      <a:solidFill>
+                        <a:schemeClr val="tx1"/>
+                      </a:solidFill>
+                      <a:prstDash val="solid"/>
+                      <a:round/>
+                      <a:headEnd type="none" w="med" len="med"/>
+                      <a:tailEnd type="none" w="med" len="med"/>
+                    </a:lnB>
+                    <a:noFill/>
+                  </a:tcPr>
+                </a:tc>
+                <a:tc>
+                  <a:txBody>
+                    <a:bodyPr/>
+                    <a:lstStyle/>
+                    <a:p>
+                      <a:pPr latinLnBrk="1"/>
+                      <a:r>
+                        <a:rPr lang="en-US" altLang="ko-KR" sz="2200" dirty="0">
+                          <a:ea typeface="G마켓 산스 Medium" panose="02000000000000000000"/>
+                        </a:rPr>
+                        <a:t>int power</a:t>
+                      </a:r>
+                      <a:endParaRPr lang="ko-KR" altLang="en-US" sz="2200" dirty="0">
+                        <a:ea typeface="G마켓 산스 Medium" panose="02000000000000000000"/>
+                      </a:endParaRPr>
+                    </a:p>
+                  </a:txBody>
+                  <a:tcPr>
+                    <a:lnL w="12700" cap="flat" cmpd="sng" algn="ctr">
+                      <a:solidFill>
+                        <a:schemeClr val="tx1"/>
+                      </a:solidFill>
+                      <a:prstDash val="solid"/>
+                      <a:round/>
+                      <a:headEnd type="none" w="med" len="med"/>
+                      <a:tailEnd type="none" w="med" len="med"/>
+                    </a:lnL>
+                    <a:lnR w="12700" cap="flat" cmpd="sng" algn="ctr">
+                      <a:solidFill>
+                        <a:schemeClr val="tx1"/>
+                      </a:solidFill>
+                      <a:prstDash val="solid"/>
+                      <a:round/>
+                      <a:headEnd type="none" w="med" len="med"/>
+                      <a:tailEnd type="none" w="med" len="med"/>
+                    </a:lnR>
+                    <a:lnT w="12700" cap="flat" cmpd="sng" algn="ctr">
+                      <a:solidFill>
+                        <a:schemeClr val="tx1"/>
+                      </a:solidFill>
+                      <a:prstDash val="solid"/>
+                      <a:round/>
+                      <a:headEnd type="none" w="med" len="med"/>
+                      <a:tailEnd type="none" w="med" len="med"/>
+                    </a:lnT>
+                    <a:lnB w="12700" cap="flat" cmpd="sng" algn="ctr">
+                      <a:solidFill>
+                        <a:schemeClr val="tx1"/>
+                      </a:solidFill>
+                      <a:prstDash val="solid"/>
+                      <a:round/>
+                      <a:headEnd type="none" w="med" len="med"/>
+                      <a:tailEnd type="none" w="med" len="med"/>
+                    </a:lnB>
+                    <a:noFill/>
+                  </a:tcPr>
+                </a:tc>
+                <a:tc>
+                  <a:txBody>
+                    <a:bodyPr/>
+                    <a:lstStyle/>
+                    <a:p>
+                      <a:pPr latinLnBrk="1"/>
+                      <a:r>
+                        <a:rPr lang="ko-KR" altLang="en-US" sz="2000" dirty="0">
+                          <a:ea typeface="G마켓 산스 Medium" panose="02000000000000000000"/>
+                        </a:rPr>
+                        <a:t>공격력</a:t>
+                      </a:r>
+                      <a:r>
+                        <a:rPr lang="en-US" altLang="ko-KR" sz="2000" dirty="0">
+                          <a:ea typeface="G마켓 산스 Medium" panose="02000000000000000000"/>
+                        </a:rPr>
+                        <a:t>(1~50)</a:t>
+                      </a:r>
+                      <a:endParaRPr lang="ko-KR" altLang="en-US" sz="2000" dirty="0">
+                        <a:ea typeface="G마켓 산스 Medium" panose="02000000000000000000"/>
+                      </a:endParaRPr>
+                    </a:p>
+                  </a:txBody>
+                  <a:tcPr>
+                    <a:lnL w="12700" cap="flat" cmpd="sng" algn="ctr">
+                      <a:solidFill>
+                        <a:schemeClr val="tx1"/>
+                      </a:solidFill>
+                      <a:prstDash val="solid"/>
+                      <a:round/>
+                      <a:headEnd type="none" w="med" len="med"/>
+                      <a:tailEnd type="none" w="med" len="med"/>
+                    </a:lnL>
+                    <a:lnR w="12700" cap="flat" cmpd="sng" algn="ctr">
+                      <a:solidFill>
+                        <a:schemeClr val="tx1"/>
+                      </a:solidFill>
+                      <a:prstDash val="solid"/>
+                      <a:round/>
+                      <a:headEnd type="none" w="med" len="med"/>
+                      <a:tailEnd type="none" w="med" len="med"/>
+                    </a:lnR>
+                    <a:lnT w="12700" cap="flat" cmpd="sng" algn="ctr">
+                      <a:solidFill>
+                        <a:schemeClr val="tx1"/>
+                      </a:solidFill>
+                      <a:prstDash val="solid"/>
+                      <a:round/>
+                      <a:headEnd type="none" w="med" len="med"/>
+                      <a:tailEnd type="none" w="med" len="med"/>
+                    </a:lnT>
+                    <a:lnB w="12700" cap="flat" cmpd="sng" algn="ctr">
+                      <a:solidFill>
+                        <a:schemeClr val="tx1"/>
+                      </a:solidFill>
+                      <a:prstDash val="solid"/>
+                      <a:round/>
+                      <a:headEnd type="none" w="med" len="med"/>
+                      <a:tailEnd type="none" w="med" len="med"/>
+                    </a:lnB>
+                    <a:noFill/>
+                  </a:tcPr>
+                </a:tc>
+                <a:extLst>
+                  <a:ext uri="{0D108BD9-81ED-4DB2-BD59-A6C34878D82A}">
+                    <a16:rowId xmlns:a16="http://schemas.microsoft.com/office/drawing/2014/main" val="3645064171"/>
+                  </a:ext>
+                </a:extLst>
+              </a:tr>
+              <a:tr h="411480">
+                <a:tc>
+                  <a:txBody>
+                    <a:bodyPr/>
+                    <a:lstStyle/>
+                    <a:p>
+                      <a:pPr latinLnBrk="1"/>
+                      <a:endParaRPr lang="ko-KR" altLang="en-US" sz="2200" dirty="0">
+                        <a:ea typeface="G마켓 산스 Medium" panose="02000000000000000000"/>
+                      </a:endParaRPr>
+                    </a:p>
+                  </a:txBody>
+                  <a:tcPr>
+                    <a:lnL w="12700" cap="flat" cmpd="sng" algn="ctr">
+                      <a:solidFill>
+                        <a:schemeClr val="tx1"/>
+                      </a:solidFill>
+                      <a:prstDash val="solid"/>
+                      <a:round/>
+                      <a:headEnd type="none" w="med" len="med"/>
+                      <a:tailEnd type="none" w="med" len="med"/>
+                    </a:lnL>
+                    <a:lnR w="12700" cap="flat" cmpd="sng" algn="ctr">
+                      <a:solidFill>
+                        <a:schemeClr val="tx1"/>
+                      </a:solidFill>
+                      <a:prstDash val="solid"/>
+                      <a:round/>
+                      <a:headEnd type="none" w="med" len="med"/>
+                      <a:tailEnd type="none" w="med" len="med"/>
+                    </a:lnR>
+                    <a:lnT w="12700" cap="flat" cmpd="sng" algn="ctr">
+                      <a:solidFill>
+                        <a:schemeClr val="tx1"/>
+                      </a:solidFill>
+                      <a:prstDash val="solid"/>
+                      <a:round/>
+                      <a:headEnd type="none" w="med" len="med"/>
+                      <a:tailEnd type="none" w="med" len="med"/>
+                    </a:lnT>
+                    <a:lnB w="12700" cap="flat" cmpd="sng" algn="ctr">
+                      <a:solidFill>
+                        <a:schemeClr val="tx1"/>
+                      </a:solidFill>
+                      <a:prstDash val="solid"/>
+                      <a:round/>
+                      <a:headEnd type="none" w="med" len="med"/>
+                      <a:tailEnd type="none" w="med" len="med"/>
+                    </a:lnB>
+                    <a:noFill/>
+                  </a:tcPr>
+                </a:tc>
+                <a:tc>
+                  <a:txBody>
+                    <a:bodyPr/>
+                    <a:lstStyle/>
+                    <a:p>
+                      <a:pPr latinLnBrk="1"/>
+                      <a:r>
+                        <a:rPr lang="en-US" altLang="ko-KR" sz="2200" dirty="0">
+                          <a:ea typeface="G마켓 산스 Medium" panose="02000000000000000000"/>
+                        </a:rPr>
+                        <a:t>int hp</a:t>
+                      </a:r>
+                      <a:endParaRPr lang="ko-KR" altLang="en-US" sz="2200" dirty="0">
+                        <a:ea typeface="G마켓 산스 Medium" panose="02000000000000000000"/>
+                      </a:endParaRPr>
+                    </a:p>
+                  </a:txBody>
+                  <a:tcPr>
+                    <a:lnL w="12700" cap="flat" cmpd="sng" algn="ctr">
+                      <a:solidFill>
+                        <a:schemeClr val="tx1"/>
+                      </a:solidFill>
+                      <a:prstDash val="solid"/>
+                      <a:round/>
+                      <a:headEnd type="none" w="med" len="med"/>
+                      <a:tailEnd type="none" w="med" len="med"/>
+                    </a:lnL>
+                    <a:lnR w="12700" cap="flat" cmpd="sng" algn="ctr">
+                      <a:solidFill>
+                        <a:schemeClr val="tx1"/>
+                      </a:solidFill>
+                      <a:prstDash val="solid"/>
+                      <a:round/>
+                      <a:headEnd type="none" w="med" len="med"/>
+                      <a:tailEnd type="none" w="med" len="med"/>
+                    </a:lnR>
+                    <a:lnT w="12700" cap="flat" cmpd="sng" algn="ctr">
+                      <a:solidFill>
+                        <a:schemeClr val="tx1"/>
+                      </a:solidFill>
+                      <a:prstDash val="solid"/>
+                      <a:round/>
+                      <a:headEnd type="none" w="med" len="med"/>
+                      <a:tailEnd type="none" w="med" len="med"/>
+                    </a:lnT>
+                    <a:lnB w="12700" cap="flat" cmpd="sng" algn="ctr">
+                      <a:solidFill>
+                        <a:schemeClr val="tx1"/>
+                      </a:solidFill>
+                      <a:prstDash val="solid"/>
+                      <a:round/>
+                      <a:headEnd type="none" w="med" len="med"/>
+                      <a:tailEnd type="none" w="med" len="med"/>
+                    </a:lnB>
+                    <a:noFill/>
+                  </a:tcPr>
+                </a:tc>
+                <a:tc>
+                  <a:txBody>
+                    <a:bodyPr/>
+                    <a:lstStyle/>
+                    <a:p>
+                      <a:pPr latinLnBrk="1"/>
+                      <a:r>
+                        <a:rPr lang="ko-KR" altLang="en-US" sz="2000" dirty="0">
+                          <a:ea typeface="G마켓 산스 Medium" panose="02000000000000000000"/>
+                        </a:rPr>
+                        <a:t>체력</a:t>
+                      </a:r>
+                      <a:r>
+                        <a:rPr lang="en-US" altLang="ko-KR" sz="2000" dirty="0">
+                          <a:ea typeface="G마켓 산스 Medium" panose="02000000000000000000"/>
+                        </a:rPr>
+                        <a:t>(1~100)</a:t>
+                      </a:r>
+                      <a:endParaRPr lang="ko-KR" altLang="en-US" sz="2000" dirty="0">
+                        <a:ea typeface="G마켓 산스 Medium" panose="02000000000000000000"/>
+                      </a:endParaRPr>
+                    </a:p>
+                  </a:txBody>
+                  <a:tcPr>
+                    <a:lnL w="12700" cap="flat" cmpd="sng" algn="ctr">
+                      <a:solidFill>
+                        <a:schemeClr val="tx1"/>
+                      </a:solidFill>
+                      <a:prstDash val="solid"/>
+                      <a:round/>
+                      <a:headEnd type="none" w="med" len="med"/>
+                      <a:tailEnd type="none" w="med" len="med"/>
+                    </a:lnL>
+                    <a:lnR w="12700" cap="flat" cmpd="sng" algn="ctr">
+                      <a:solidFill>
+                        <a:schemeClr val="tx1"/>
+                      </a:solidFill>
+                      <a:prstDash val="solid"/>
+                      <a:round/>
+                      <a:headEnd type="none" w="med" len="med"/>
+                      <a:tailEnd type="none" w="med" len="med"/>
+                    </a:lnR>
+                    <a:lnT w="12700" cap="flat" cmpd="sng" algn="ctr">
+                      <a:solidFill>
+                        <a:schemeClr val="tx1"/>
+                      </a:solidFill>
+                      <a:prstDash val="solid"/>
+                      <a:round/>
+                      <a:headEnd type="none" w="med" len="med"/>
+                      <a:tailEnd type="none" w="med" len="med"/>
+                    </a:lnT>
+                    <a:lnB w="12700" cap="flat" cmpd="sng" algn="ctr">
+                      <a:solidFill>
+                        <a:schemeClr val="tx1"/>
+                      </a:solidFill>
+                      <a:prstDash val="solid"/>
+                      <a:round/>
+                      <a:headEnd type="none" w="med" len="med"/>
+                      <a:tailEnd type="none" w="med" len="med"/>
+                    </a:lnB>
+                    <a:noFill/>
+                  </a:tcPr>
+                </a:tc>
+                <a:extLst>
+                  <a:ext uri="{0D108BD9-81ED-4DB2-BD59-A6C34878D82A}">
+                    <a16:rowId xmlns:a16="http://schemas.microsoft.com/office/drawing/2014/main" val="2802120283"/>
+                  </a:ext>
+                </a:extLst>
+              </a:tr>
+              <a:tr h="370840">
+                <a:tc>
+                  <a:txBody>
+                    <a:bodyPr/>
+                    <a:lstStyle/>
+                    <a:p>
+                      <a:pPr latinLnBrk="1"/>
+                      <a:endParaRPr lang="ko-KR" altLang="en-US" sz="2200" dirty="0">
+                        <a:ea typeface="G마켓 산스 Medium" panose="02000000000000000000"/>
+                      </a:endParaRPr>
+                    </a:p>
+                  </a:txBody>
+                  <a:tcPr>
+                    <a:lnL w="12700" cap="flat" cmpd="sng" algn="ctr">
+                      <a:solidFill>
+                        <a:schemeClr val="tx1"/>
+                      </a:solidFill>
+                      <a:prstDash val="solid"/>
+                      <a:round/>
+                      <a:headEnd type="none" w="med" len="med"/>
+                      <a:tailEnd type="none" w="med" len="med"/>
+                    </a:lnL>
+                    <a:lnR w="12700" cap="flat" cmpd="sng" algn="ctr">
+                      <a:solidFill>
+                        <a:schemeClr val="tx1"/>
+                      </a:solidFill>
+                      <a:prstDash val="solid"/>
+                      <a:round/>
+                      <a:headEnd type="none" w="med" len="med"/>
+                      <a:tailEnd type="none" w="med" len="med"/>
+                    </a:lnR>
+                    <a:lnT w="12700" cap="flat" cmpd="sng" algn="ctr">
+                      <a:solidFill>
+                        <a:schemeClr val="tx1"/>
+                      </a:solidFill>
+                      <a:prstDash val="solid"/>
+                      <a:round/>
+                      <a:headEnd type="none" w="med" len="med"/>
+                      <a:tailEnd type="none" w="med" len="med"/>
+                    </a:lnT>
+                    <a:lnB w="12700" cap="flat" cmpd="sng" algn="ctr">
+                      <a:solidFill>
+                        <a:schemeClr val="tx1"/>
+                      </a:solidFill>
+                      <a:prstDash val="solid"/>
+                      <a:round/>
+                      <a:headEnd type="none" w="med" len="med"/>
+                      <a:tailEnd type="none" w="med" len="med"/>
+                    </a:lnB>
+                    <a:noFill/>
+                  </a:tcPr>
+                </a:tc>
+                <a:tc>
+                  <a:txBody>
+                    <a:bodyPr/>
+                    <a:lstStyle/>
+                    <a:p>
+                      <a:pPr latinLnBrk="1"/>
+                      <a:r>
+                        <a:rPr lang="en-US" altLang="ko-KR" sz="2200" dirty="0">
+                          <a:ea typeface="G마켓 산스 Medium" panose="02000000000000000000"/>
+                        </a:rPr>
+                        <a:t>int armer</a:t>
+                      </a:r>
+                      <a:endParaRPr lang="ko-KR" altLang="en-US" sz="2200" dirty="0">
+                        <a:ea typeface="G마켓 산스 Medium" panose="02000000000000000000"/>
+                      </a:endParaRPr>
+                    </a:p>
+                  </a:txBody>
+                  <a:tcPr>
+                    <a:lnL w="12700" cap="flat" cmpd="sng" algn="ctr">
+                      <a:solidFill>
+                        <a:schemeClr val="tx1"/>
+                      </a:solidFill>
+                      <a:prstDash val="solid"/>
+                      <a:round/>
+                      <a:headEnd type="none" w="med" len="med"/>
+                      <a:tailEnd type="none" w="med" len="med"/>
+                    </a:lnL>
+                    <a:lnR w="12700" cap="flat" cmpd="sng" algn="ctr">
+                      <a:solidFill>
+                        <a:schemeClr val="tx1"/>
+                      </a:solidFill>
+                      <a:prstDash val="solid"/>
+                      <a:round/>
+                      <a:headEnd type="none" w="med" len="med"/>
+                      <a:tailEnd type="none" w="med" len="med"/>
+                    </a:lnR>
+                    <a:lnT w="12700" cap="flat" cmpd="sng" algn="ctr">
+                      <a:solidFill>
+                        <a:schemeClr val="tx1"/>
+                      </a:solidFill>
+                      <a:prstDash val="solid"/>
+                      <a:round/>
+                      <a:headEnd type="none" w="med" len="med"/>
+                      <a:tailEnd type="none" w="med" len="med"/>
+                    </a:lnT>
+                    <a:lnB w="12700" cap="flat" cmpd="sng" algn="ctr">
+                      <a:solidFill>
+                        <a:schemeClr val="tx1"/>
+                      </a:solidFill>
+                      <a:prstDash val="solid"/>
+                      <a:round/>
+                      <a:headEnd type="none" w="med" len="med"/>
+                      <a:tailEnd type="none" w="med" len="med"/>
+                    </a:lnB>
+                    <a:noFill/>
+                  </a:tcPr>
+                </a:tc>
+                <a:tc>
+                  <a:txBody>
+                    <a:bodyPr/>
+                    <a:lstStyle/>
+                    <a:p>
+                      <a:pPr latinLnBrk="1"/>
+                      <a:r>
+                        <a:rPr lang="ko-KR" altLang="en-US" sz="2000" dirty="0">
+                          <a:ea typeface="G마켓 산스 Medium" panose="02000000000000000000"/>
+                        </a:rPr>
+                        <a:t>방어력</a:t>
+                      </a:r>
+                      <a:r>
+                        <a:rPr lang="en-US" altLang="ko-KR" sz="2000" dirty="0">
+                          <a:ea typeface="G마켓 산스 Medium" panose="02000000000000000000"/>
+                        </a:rPr>
+                        <a:t>(1~10)</a:t>
+                      </a:r>
+                      <a:endParaRPr lang="ko-KR" altLang="en-US" sz="2000" dirty="0">
+                        <a:ea typeface="G마켓 산스 Medium" panose="02000000000000000000"/>
+                      </a:endParaRPr>
+                    </a:p>
+                  </a:txBody>
+                  <a:tcPr>
+                    <a:lnL w="12700" cap="flat" cmpd="sng" algn="ctr">
+                      <a:solidFill>
+                        <a:schemeClr val="tx1"/>
+                      </a:solidFill>
+                      <a:prstDash val="solid"/>
+                      <a:round/>
+                      <a:headEnd type="none" w="med" len="med"/>
+                      <a:tailEnd type="none" w="med" len="med"/>
+                    </a:lnL>
+                    <a:lnR w="12700" cap="flat" cmpd="sng" algn="ctr">
+                      <a:solidFill>
+                        <a:schemeClr val="tx1"/>
+                      </a:solidFill>
+                      <a:prstDash val="solid"/>
+                      <a:round/>
+                      <a:headEnd type="none" w="med" len="med"/>
+                      <a:tailEnd type="none" w="med" len="med"/>
+                    </a:lnR>
+                    <a:lnT w="12700" cap="flat" cmpd="sng" algn="ctr">
+                      <a:solidFill>
+                        <a:schemeClr val="tx1"/>
+                      </a:solidFill>
+                      <a:prstDash val="solid"/>
+                      <a:round/>
+                      <a:headEnd type="none" w="med" len="med"/>
+                      <a:tailEnd type="none" w="med" len="med"/>
+                    </a:lnT>
+                    <a:lnB w="12700" cap="flat" cmpd="sng" algn="ctr">
+                      <a:solidFill>
+                        <a:schemeClr val="tx1"/>
+                      </a:solidFill>
+                      <a:prstDash val="solid"/>
+                      <a:round/>
+                      <a:headEnd type="none" w="med" len="med"/>
+                      <a:tailEnd type="none" w="med" len="med"/>
+                    </a:lnB>
+                    <a:noFill/>
+                  </a:tcPr>
+                </a:tc>
+                <a:extLst>
+                  <a:ext uri="{0D108BD9-81ED-4DB2-BD59-A6C34878D82A}">
+                    <a16:rowId xmlns:a16="http://schemas.microsoft.com/office/drawing/2014/main" val="1362299918"/>
+                  </a:ext>
+                </a:extLst>
+              </a:tr>
+              <a:tr h="370840">
+                <a:tc>
+                  <a:txBody>
+                    <a:bodyPr/>
+                    <a:lstStyle/>
+                    <a:p>
+                      <a:pPr marL="0" marR="0" lvl="0" indent="0" algn="l" defTabSz="914400" rtl="0" eaLnBrk="1" fontAlgn="auto" latinLnBrk="1" hangingPunct="1">
+                        <a:lnSpc>
+                          <a:spcPct val="100000"/>
+                        </a:lnSpc>
+                        <a:spcBef>
+                          <a:spcPts val="0"/>
+                        </a:spcBef>
+                        <a:spcAft>
+                          <a:spcPts val="0"/>
+                        </a:spcAft>
+                        <a:buClrTx/>
+                        <a:buSzTx/>
+                        <a:buFontTx/>
+                        <a:buNone/>
+                        <a:tabLst/>
+                        <a:defRPr/>
+                      </a:pPr>
+                      <a:r>
+                        <a:rPr lang="ko-KR" altLang="en-US" sz="2200" dirty="0">
+                          <a:ea typeface="G마켓 산스 Medium" panose="02000000000000000000"/>
+                        </a:rPr>
+                        <a:t>메서드</a:t>
+                      </a:r>
+                    </a:p>
+                    <a:p>
+                      <a:pPr latinLnBrk="1"/>
+                      <a:endParaRPr lang="ko-KR" altLang="en-US" sz="2200" dirty="0">
+                        <a:ea typeface="G마켓 산스 Medium" panose="02000000000000000000"/>
+                      </a:endParaRPr>
+                    </a:p>
+                  </a:txBody>
+                  <a:tcPr>
+                    <a:lnL w="12700" cap="flat" cmpd="sng" algn="ctr">
+                      <a:solidFill>
+                        <a:schemeClr val="tx1"/>
+                      </a:solidFill>
+                      <a:prstDash val="solid"/>
+                      <a:round/>
+                      <a:headEnd type="none" w="med" len="med"/>
+                      <a:tailEnd type="none" w="med" len="med"/>
+                    </a:lnL>
+                    <a:lnR w="12700" cap="flat" cmpd="sng" algn="ctr">
+                      <a:solidFill>
+                        <a:schemeClr val="tx1"/>
+                      </a:solidFill>
+                      <a:prstDash val="solid"/>
+                      <a:round/>
+                      <a:headEnd type="none" w="med" len="med"/>
+                      <a:tailEnd type="none" w="med" len="med"/>
+                    </a:lnR>
+                    <a:lnT w="12700" cap="flat" cmpd="sng" algn="ctr">
+                      <a:solidFill>
+                        <a:schemeClr val="tx1"/>
+                      </a:solidFill>
+                      <a:prstDash val="solid"/>
+                      <a:round/>
+                      <a:headEnd type="none" w="med" len="med"/>
+                      <a:tailEnd type="none" w="med" len="med"/>
+                    </a:lnT>
+                    <a:lnB w="12700" cap="flat" cmpd="sng" algn="ctr">
+                      <a:solidFill>
+                        <a:schemeClr val="tx1"/>
+                      </a:solidFill>
+                      <a:prstDash val="solid"/>
+                      <a:round/>
+                      <a:headEnd type="none" w="med" len="med"/>
+                      <a:tailEnd type="none" w="med" len="med"/>
+                    </a:lnB>
+                    <a:noFill/>
+                  </a:tcPr>
+                </a:tc>
+                <a:tc>
+                  <a:txBody>
+                    <a:bodyPr/>
+                    <a:lstStyle/>
+                    <a:p>
+                      <a:pPr latinLnBrk="1"/>
+                      <a:r>
+                        <a:rPr lang="en-US" altLang="ko-KR" sz="2200" dirty="0">
+                          <a:ea typeface="G마켓 산스 Medium" panose="02000000000000000000"/>
+                        </a:rPr>
+                        <a:t>attack()</a:t>
+                      </a:r>
+                      <a:endParaRPr lang="ko-KR" altLang="en-US" sz="2200" dirty="0">
+                        <a:ea typeface="G마켓 산스 Medium" panose="02000000000000000000"/>
+                      </a:endParaRPr>
+                    </a:p>
+                  </a:txBody>
+                  <a:tcPr>
+                    <a:lnL w="12700" cap="flat" cmpd="sng" algn="ctr">
+                      <a:solidFill>
+                        <a:schemeClr val="tx1"/>
+                      </a:solidFill>
+                      <a:prstDash val="solid"/>
+                      <a:round/>
+                      <a:headEnd type="none" w="med" len="med"/>
+                      <a:tailEnd type="none" w="med" len="med"/>
+                    </a:lnL>
+                    <a:lnR w="12700" cap="flat" cmpd="sng" algn="ctr">
+                      <a:solidFill>
+                        <a:schemeClr val="tx1"/>
+                      </a:solidFill>
+                      <a:prstDash val="solid"/>
+                      <a:round/>
+                      <a:headEnd type="none" w="med" len="med"/>
+                      <a:tailEnd type="none" w="med" len="med"/>
+                    </a:lnR>
+                    <a:lnT w="12700" cap="flat" cmpd="sng" algn="ctr">
+                      <a:solidFill>
+                        <a:schemeClr val="tx1"/>
+                      </a:solidFill>
+                      <a:prstDash val="solid"/>
+                      <a:round/>
+                      <a:headEnd type="none" w="med" len="med"/>
+                      <a:tailEnd type="none" w="med" len="med"/>
+                    </a:lnT>
+                    <a:lnB w="12700" cap="flat" cmpd="sng" algn="ctr">
+                      <a:solidFill>
+                        <a:schemeClr val="tx1"/>
+                      </a:solidFill>
+                      <a:prstDash val="solid"/>
+                      <a:round/>
+                      <a:headEnd type="none" w="med" len="med"/>
+                      <a:tailEnd type="none" w="med" len="med"/>
+                    </a:lnB>
+                    <a:noFill/>
+                  </a:tcPr>
+                </a:tc>
+                <a:tc>
+                  <a:txBody>
+                    <a:bodyPr/>
+                    <a:lstStyle/>
+                    <a:p>
+                      <a:pPr latinLnBrk="1"/>
+                      <a:r>
+                        <a:rPr lang="ko-KR" altLang="en-US" sz="2000" dirty="0">
+                          <a:ea typeface="G마켓 산스 Medium" panose="02000000000000000000"/>
+                        </a:rPr>
+                        <a:t>공격</a:t>
+                      </a:r>
+                      <a:endParaRPr lang="en-US" altLang="ko-KR" sz="2000" dirty="0">
+                        <a:ea typeface="G마켓 산스 Medium" panose="02000000000000000000"/>
+                      </a:endParaRPr>
+                    </a:p>
+                    <a:p>
+                      <a:pPr latinLnBrk="1"/>
+                      <a:r>
+                        <a:rPr lang="ko-KR" altLang="en-US" sz="2000" dirty="0" err="1">
+                          <a:ea typeface="G마켓 산스 Medium" panose="02000000000000000000"/>
+                        </a:rPr>
+                        <a:t>시그니처</a:t>
+                      </a:r>
+                      <a:r>
+                        <a:rPr lang="en-US" altLang="ko-KR" sz="2000" dirty="0">
+                          <a:ea typeface="G마켓 산스 Medium" panose="02000000000000000000"/>
+                        </a:rPr>
+                        <a:t>: </a:t>
+                      </a:r>
+                      <a:r>
+                        <a:rPr lang="ko-KR" altLang="en-US" sz="2000" dirty="0" err="1">
+                          <a:ea typeface="G마켓 산스 Medium" panose="02000000000000000000"/>
+                        </a:rPr>
+                        <a:t>힌트없음</a:t>
+                      </a:r>
+                      <a:endParaRPr lang="en-US" altLang="ko-KR" sz="2000" dirty="0">
+                        <a:ea typeface="G마켓 산스 Medium" panose="02000000000000000000"/>
+                      </a:endParaRPr>
+                    </a:p>
+                  </a:txBody>
+                  <a:tcPr>
+                    <a:lnL w="12700" cap="flat" cmpd="sng" algn="ctr">
+                      <a:solidFill>
+                        <a:schemeClr val="tx1"/>
+                      </a:solidFill>
+                      <a:prstDash val="solid"/>
+                      <a:round/>
+                      <a:headEnd type="none" w="med" len="med"/>
+                      <a:tailEnd type="none" w="med" len="med"/>
+                    </a:lnL>
+                    <a:lnR w="12700" cap="flat" cmpd="sng" algn="ctr">
+                      <a:solidFill>
+                        <a:schemeClr val="tx1"/>
+                      </a:solidFill>
+                      <a:prstDash val="solid"/>
+                      <a:round/>
+                      <a:headEnd type="none" w="med" len="med"/>
+                      <a:tailEnd type="none" w="med" len="med"/>
+                    </a:lnR>
+                    <a:lnT w="12700" cap="flat" cmpd="sng" algn="ctr">
+                      <a:solidFill>
+                        <a:schemeClr val="tx1"/>
+                      </a:solidFill>
+                      <a:prstDash val="solid"/>
+                      <a:round/>
+                      <a:headEnd type="none" w="med" len="med"/>
+                      <a:tailEnd type="none" w="med" len="med"/>
+                    </a:lnT>
+                    <a:lnB w="12700" cap="flat" cmpd="sng" algn="ctr">
+                      <a:solidFill>
+                        <a:schemeClr val="tx1"/>
+                      </a:solidFill>
+                      <a:prstDash val="solid"/>
+                      <a:round/>
+                      <a:headEnd type="none" w="med" len="med"/>
+                      <a:tailEnd type="none" w="med" len="med"/>
+                    </a:lnB>
+                    <a:noFill/>
+                  </a:tcPr>
+                </a:tc>
+                <a:extLst>
+                  <a:ext uri="{0D108BD9-81ED-4DB2-BD59-A6C34878D82A}">
+                    <a16:rowId xmlns:a16="http://schemas.microsoft.com/office/drawing/2014/main" val="2488866604"/>
+                  </a:ext>
+                </a:extLst>
+              </a:tr>
+              <a:tr h="370840">
+                <a:tc>
+                  <a:txBody>
+                    <a:bodyPr/>
+                    <a:lstStyle/>
+                    <a:p>
+                      <a:pPr latinLnBrk="1"/>
+                      <a:endParaRPr lang="ko-KR" altLang="en-US" sz="2200" dirty="0">
+                        <a:ea typeface="G마켓 산스 Medium" panose="02000000000000000000"/>
+                      </a:endParaRPr>
+                    </a:p>
+                  </a:txBody>
+                  <a:tcPr>
+                    <a:lnL w="12700" cap="flat" cmpd="sng" algn="ctr">
+                      <a:solidFill>
+                        <a:schemeClr val="tx1"/>
+                      </a:solidFill>
+                      <a:prstDash val="solid"/>
+                      <a:round/>
+                      <a:headEnd type="none" w="med" len="med"/>
+                      <a:tailEnd type="none" w="med" len="med"/>
+                    </a:lnL>
+                    <a:lnR w="12700" cap="flat" cmpd="sng" algn="ctr">
+                      <a:solidFill>
+                        <a:schemeClr val="tx1"/>
+                      </a:solidFill>
+                      <a:prstDash val="solid"/>
+                      <a:round/>
+                      <a:headEnd type="none" w="med" len="med"/>
+                      <a:tailEnd type="none" w="med" len="med"/>
+                    </a:lnR>
+                    <a:lnT w="12700" cap="flat" cmpd="sng" algn="ctr">
+                      <a:solidFill>
+                        <a:schemeClr val="tx1"/>
+                      </a:solidFill>
+                      <a:prstDash val="solid"/>
+                      <a:round/>
+                      <a:headEnd type="none" w="med" len="med"/>
+                      <a:tailEnd type="none" w="med" len="med"/>
+                    </a:lnT>
+                    <a:lnB w="12700" cap="flat" cmpd="sng" algn="ctr">
+                      <a:solidFill>
+                        <a:schemeClr val="tx1"/>
+                      </a:solidFill>
+                      <a:prstDash val="solid"/>
+                      <a:round/>
+                      <a:headEnd type="none" w="med" len="med"/>
+                      <a:tailEnd type="none" w="med" len="med"/>
+                    </a:lnB>
+                    <a:noFill/>
+                  </a:tcPr>
+                </a:tc>
+                <a:tc>
+                  <a:txBody>
+                    <a:bodyPr/>
+                    <a:lstStyle/>
+                    <a:p>
+                      <a:pPr latinLnBrk="1"/>
+                      <a:r>
+                        <a:rPr lang="en-US" altLang="ko-KR" sz="2200" dirty="0" err="1">
+                          <a:ea typeface="G마켓 산스 Medium" panose="02000000000000000000"/>
+                        </a:rPr>
+                        <a:t>showState</a:t>
+                      </a:r>
+                      <a:r>
+                        <a:rPr lang="en-US" altLang="ko-KR" sz="2200" dirty="0">
+                          <a:ea typeface="G마켓 산스 Medium" panose="02000000000000000000"/>
+                        </a:rPr>
+                        <a:t>()</a:t>
+                      </a:r>
+                      <a:endParaRPr lang="ko-KR" altLang="en-US" sz="2200" dirty="0">
+                        <a:ea typeface="G마켓 산스 Medium" panose="02000000000000000000"/>
+                      </a:endParaRPr>
+                    </a:p>
+                  </a:txBody>
+                  <a:tcPr>
+                    <a:lnL w="12700" cap="flat" cmpd="sng" algn="ctr">
+                      <a:solidFill>
+                        <a:schemeClr val="tx1"/>
+                      </a:solidFill>
+                      <a:prstDash val="solid"/>
+                      <a:round/>
+                      <a:headEnd type="none" w="med" len="med"/>
+                      <a:tailEnd type="none" w="med" len="med"/>
+                    </a:lnL>
+                    <a:lnR w="12700" cap="flat" cmpd="sng" algn="ctr">
+                      <a:solidFill>
+                        <a:schemeClr val="tx1"/>
+                      </a:solidFill>
+                      <a:prstDash val="solid"/>
+                      <a:round/>
+                      <a:headEnd type="none" w="med" len="med"/>
+                      <a:tailEnd type="none" w="med" len="med"/>
+                    </a:lnR>
+                    <a:lnT w="12700" cap="flat" cmpd="sng" algn="ctr">
+                      <a:solidFill>
+                        <a:schemeClr val="tx1"/>
+                      </a:solidFill>
+                      <a:prstDash val="solid"/>
+                      <a:round/>
+                      <a:headEnd type="none" w="med" len="med"/>
+                      <a:tailEnd type="none" w="med" len="med"/>
+                    </a:lnT>
+                    <a:lnB w="12700" cap="flat" cmpd="sng" algn="ctr">
+                      <a:solidFill>
+                        <a:schemeClr val="tx1"/>
+                      </a:solidFill>
+                      <a:prstDash val="solid"/>
+                      <a:round/>
+                      <a:headEnd type="none" w="med" len="med"/>
+                      <a:tailEnd type="none" w="med" len="med"/>
+                    </a:lnB>
+                    <a:noFill/>
+                  </a:tcPr>
+                </a:tc>
+                <a:tc>
+                  <a:txBody>
+                    <a:bodyPr/>
+                    <a:lstStyle/>
+                    <a:p>
+                      <a:pPr latinLnBrk="1"/>
+                      <a:r>
+                        <a:rPr lang="ko-KR" altLang="en-US" sz="2000" dirty="0">
+                          <a:ea typeface="G마켓 산스 Medium" panose="02000000000000000000"/>
+                        </a:rPr>
+                        <a:t>공격력</a:t>
+                      </a:r>
+                      <a:r>
+                        <a:rPr lang="en-US" altLang="ko-KR" sz="2000" dirty="0">
+                          <a:ea typeface="G마켓 산스 Medium" panose="02000000000000000000"/>
+                        </a:rPr>
+                        <a:t>, </a:t>
+                      </a:r>
+                      <a:r>
+                        <a:rPr lang="ko-KR" altLang="en-US" sz="2000" dirty="0">
+                          <a:ea typeface="G마켓 산스 Medium" panose="02000000000000000000"/>
+                        </a:rPr>
+                        <a:t>체력</a:t>
+                      </a:r>
+                      <a:r>
+                        <a:rPr lang="en-US" altLang="ko-KR" sz="2000" dirty="0">
+                          <a:ea typeface="G마켓 산스 Medium" panose="02000000000000000000"/>
+                        </a:rPr>
+                        <a:t>, </a:t>
+                      </a:r>
+                      <a:r>
+                        <a:rPr lang="ko-KR" altLang="en-US" sz="2000" dirty="0">
+                          <a:ea typeface="G마켓 산스 Medium" panose="02000000000000000000"/>
+                        </a:rPr>
+                        <a:t>방어력 출력</a:t>
+                      </a:r>
+                    </a:p>
+                  </a:txBody>
+                  <a:tcPr>
+                    <a:lnL w="12700" cap="flat" cmpd="sng" algn="ctr">
+                      <a:solidFill>
+                        <a:schemeClr val="tx1"/>
+                      </a:solidFill>
+                      <a:prstDash val="solid"/>
+                      <a:round/>
+                      <a:headEnd type="none" w="med" len="med"/>
+                      <a:tailEnd type="none" w="med" len="med"/>
+                    </a:lnL>
+                    <a:lnR w="12700" cap="flat" cmpd="sng" algn="ctr">
+                      <a:solidFill>
+                        <a:schemeClr val="tx1"/>
+                      </a:solidFill>
+                      <a:prstDash val="solid"/>
+                      <a:round/>
+                      <a:headEnd type="none" w="med" len="med"/>
+                      <a:tailEnd type="none" w="med" len="med"/>
+                    </a:lnR>
+                    <a:lnT w="12700" cap="flat" cmpd="sng" algn="ctr">
+                      <a:solidFill>
+                        <a:schemeClr val="tx1"/>
+                      </a:solidFill>
+                      <a:prstDash val="solid"/>
+                      <a:round/>
+                      <a:headEnd type="none" w="med" len="med"/>
+                      <a:tailEnd type="none" w="med" len="med"/>
+                    </a:lnT>
+                    <a:lnB w="12700" cap="flat" cmpd="sng" algn="ctr">
+                      <a:solidFill>
+                        <a:schemeClr val="tx1"/>
+                      </a:solidFill>
+                      <a:prstDash val="solid"/>
+                      <a:round/>
+                      <a:headEnd type="none" w="med" len="med"/>
+                      <a:tailEnd type="none" w="med" len="med"/>
+                    </a:lnB>
+                    <a:noFill/>
+                  </a:tcPr>
+                </a:tc>
+                <a:extLst>
+                  <a:ext uri="{0D108BD9-81ED-4DB2-BD59-A6C34878D82A}">
+                    <a16:rowId xmlns:a16="http://schemas.microsoft.com/office/drawing/2014/main" val="2632365449"/>
+                  </a:ext>
+                </a:extLst>
+              </a:tr>
+            </a:tbl>
+          </a:graphicData>
+        </a:graphic>
+      </p:graphicFrame>
+      <p:pic>
+        <p:nvPicPr>
+          <p:cNvPr id="8" name="그림 7">
+            <a:extLst>
+              <a:ext uri="{FF2B5EF4-FFF2-40B4-BE49-F238E27FC236}">
+                <a16:creationId xmlns:a16="http://schemas.microsoft.com/office/drawing/2014/main" id="{442A7CE7-1BDF-A0A1-1252-625C786E29E2}"/>
+              </a:ext>
+            </a:extLst>
+          </p:cNvPr>
+          <p:cNvPicPr>
+            <a:picLocks noChangeAspect="1"/>
+          </p:cNvPicPr>
+          <p:nvPr/>
+        </p:nvPicPr>
+        <p:blipFill>
+          <a:blip r:embed="rId2"/>
+          <a:stretch>
+            <a:fillRect/>
+          </a:stretch>
+        </p:blipFill>
+        <p:spPr>
+          <a:xfrm>
+            <a:off x="990600" y="1833434"/>
+            <a:ext cx="6794287" cy="1024066"/>
+          </a:xfrm>
+          <a:prstGeom prst="rect">
+            <a:avLst/>
+          </a:prstGeom>
+        </p:spPr>
+      </p:pic>
+      <p:pic>
+        <p:nvPicPr>
+          <p:cNvPr id="12" name="그림 11">
+            <a:extLst>
+              <a:ext uri="{FF2B5EF4-FFF2-40B4-BE49-F238E27FC236}">
+                <a16:creationId xmlns:a16="http://schemas.microsoft.com/office/drawing/2014/main" id="{D669BF8B-28CB-C031-EC33-EC1103111E97}"/>
+              </a:ext>
+            </a:extLst>
+          </p:cNvPr>
+          <p:cNvPicPr>
+            <a:picLocks noChangeAspect="1"/>
+          </p:cNvPicPr>
+          <p:nvPr/>
+        </p:nvPicPr>
+        <p:blipFill>
+          <a:blip r:embed="rId3"/>
+          <a:stretch>
+            <a:fillRect/>
+          </a:stretch>
+        </p:blipFill>
+        <p:spPr>
+          <a:xfrm>
+            <a:off x="8229599" y="1833434"/>
+            <a:ext cx="1077035" cy="1024066"/>
+          </a:xfrm>
+          <a:prstGeom prst="rect">
+            <a:avLst/>
+          </a:prstGeom>
+        </p:spPr>
+      </p:pic>
+      <p:pic>
+        <p:nvPicPr>
+          <p:cNvPr id="14" name="그림 13">
+            <a:extLst>
+              <a:ext uri="{FF2B5EF4-FFF2-40B4-BE49-F238E27FC236}">
+                <a16:creationId xmlns:a16="http://schemas.microsoft.com/office/drawing/2014/main" id="{1E7F22C3-6735-B286-C1ED-9D5B3D8FBE40}"/>
+              </a:ext>
+            </a:extLst>
+          </p:cNvPr>
+          <p:cNvPicPr>
+            <a:picLocks noChangeAspect="1"/>
+          </p:cNvPicPr>
+          <p:nvPr/>
+        </p:nvPicPr>
+        <p:blipFill>
+          <a:blip r:embed="rId4"/>
+          <a:stretch>
+            <a:fillRect/>
+          </a:stretch>
+        </p:blipFill>
+        <p:spPr>
+          <a:xfrm>
+            <a:off x="990600" y="3390900"/>
+            <a:ext cx="5739062" cy="2057400"/>
+          </a:xfrm>
+          <a:prstGeom prst="rect">
+            <a:avLst/>
+          </a:prstGeom>
+        </p:spPr>
+      </p:pic>
+      <p:sp>
+        <p:nvSpPr>
+          <p:cNvPr id="15" name="TextBox 14">
+            <a:extLst>
+              <a:ext uri="{FF2B5EF4-FFF2-40B4-BE49-F238E27FC236}">
+                <a16:creationId xmlns:a16="http://schemas.microsoft.com/office/drawing/2014/main" id="{D7951096-E5FC-1D77-EF4A-4E366621FCFC}"/>
+              </a:ext>
+            </a:extLst>
+          </p:cNvPr>
+          <p:cNvSpPr txBox="1"/>
+          <p:nvPr/>
+        </p:nvSpPr>
+        <p:spPr>
+          <a:xfrm>
+            <a:off x="6864156" y="3447921"/>
+            <a:ext cx="7706610" cy="1384995"/>
+          </a:xfrm>
+          <a:prstGeom prst="rect">
+            <a:avLst/>
+          </a:prstGeom>
+          <a:noFill/>
+        </p:spPr>
+        <p:txBody>
+          <a:bodyPr wrap="square" rtlCol="0">
+            <a:spAutoFit/>
+          </a:bodyPr>
+          <a:lstStyle/>
+          <a:p>
+            <a:r>
+              <a:rPr lang="ko-KR" altLang="en-US" sz="2800" dirty="0">
+                <a:solidFill>
+                  <a:srgbClr val="FF0000"/>
+                </a:solidFill>
+                <a:latin typeface="G마켓 산스 Medium" panose="02000000000000000000" pitchFamily="50" charset="-127"/>
+                <a:ea typeface="G마켓 산스 Medium" panose="02000000000000000000" pitchFamily="50" charset="-127"/>
+              </a:rPr>
+              <a:t>객체배열 활용</a:t>
+            </a:r>
+            <a:endParaRPr lang="en-US" altLang="ko-KR" sz="2800" dirty="0">
+              <a:solidFill>
+                <a:srgbClr val="FF0000"/>
+              </a:solidFill>
+              <a:latin typeface="G마켓 산스 Medium" panose="02000000000000000000" pitchFamily="50" charset="-127"/>
+              <a:ea typeface="G마켓 산스 Medium" panose="02000000000000000000" pitchFamily="50" charset="-127"/>
+            </a:endParaRPr>
+          </a:p>
+          <a:p>
+            <a:r>
+              <a:rPr lang="ko-KR" altLang="en-US" sz="2800" dirty="0">
+                <a:solidFill>
+                  <a:srgbClr val="FF0000"/>
+                </a:solidFill>
+                <a:latin typeface="G마켓 산스 Medium" panose="02000000000000000000" pitchFamily="50" charset="-127"/>
+                <a:ea typeface="G마켓 산스 Medium" panose="02000000000000000000" pitchFamily="50" charset="-127"/>
+              </a:rPr>
+              <a:t>성적은 </a:t>
+            </a:r>
+            <a:r>
+              <a:rPr lang="en-US" altLang="ko-KR" sz="2800" dirty="0" err="1">
+                <a:solidFill>
+                  <a:srgbClr val="FF0000"/>
+                </a:solidFill>
+                <a:latin typeface="G마켓 산스 Medium" panose="02000000000000000000" pitchFamily="50" charset="-127"/>
+                <a:ea typeface="G마켓 산스 Medium" panose="02000000000000000000" pitchFamily="50" charset="-127"/>
+              </a:rPr>
+              <a:t>Math.random</a:t>
+            </a:r>
+            <a:r>
+              <a:rPr lang="en-US" altLang="ko-KR" sz="2800" dirty="0">
+                <a:solidFill>
+                  <a:srgbClr val="FF0000"/>
+                </a:solidFill>
+                <a:latin typeface="G마켓 산스 Medium" panose="02000000000000000000" pitchFamily="50" charset="-127"/>
+                <a:ea typeface="G마켓 산스 Medium" panose="02000000000000000000" pitchFamily="50" charset="-127"/>
+              </a:rPr>
+              <a:t>() </a:t>
+            </a:r>
+          </a:p>
+          <a:p>
+            <a:r>
+              <a:rPr lang="ko-KR" altLang="en-US" sz="2800" dirty="0">
+                <a:solidFill>
+                  <a:srgbClr val="FF0000"/>
+                </a:solidFill>
+                <a:latin typeface="G마켓 산스 Medium" panose="02000000000000000000" pitchFamily="50" charset="-127"/>
+                <a:ea typeface="G마켓 산스 Medium" panose="02000000000000000000" pitchFamily="50" charset="-127"/>
+              </a:rPr>
+              <a:t>으로 </a:t>
+            </a:r>
+            <a:r>
+              <a:rPr lang="en-US" altLang="ko-KR" sz="2800" dirty="0">
+                <a:solidFill>
+                  <a:srgbClr val="FF0000"/>
+                </a:solidFill>
+                <a:latin typeface="G마켓 산스 Medium" panose="02000000000000000000" pitchFamily="50" charset="-127"/>
+                <a:ea typeface="G마켓 산스 Medium" panose="02000000000000000000" pitchFamily="50" charset="-127"/>
+              </a:rPr>
+              <a:t>1~100</a:t>
+            </a:r>
+            <a:r>
+              <a:rPr lang="ko-KR" altLang="en-US" sz="2800" dirty="0">
+                <a:solidFill>
+                  <a:srgbClr val="FF0000"/>
+                </a:solidFill>
+                <a:latin typeface="G마켓 산스 Medium" panose="02000000000000000000" pitchFamily="50" charset="-127"/>
+                <a:ea typeface="G마켓 산스 Medium" panose="02000000000000000000" pitchFamily="50" charset="-127"/>
+              </a:rPr>
+              <a:t>점 사이</a:t>
+            </a:r>
+            <a:endParaRPr lang="en-US" altLang="ko-KR" sz="2800" dirty="0">
+              <a:solidFill>
+                <a:srgbClr val="FF0000"/>
+              </a:solidFill>
+              <a:latin typeface="G마켓 산스 Medium" panose="02000000000000000000" pitchFamily="50" charset="-127"/>
+              <a:ea typeface="G마켓 산스 Medium" panose="02000000000000000000" pitchFamily="50" charset="-127"/>
+            </a:endParaRPr>
+          </a:p>
+        </p:txBody>
+      </p:sp>
     </p:spTree>
     <p:extLst>
       <p:ext uri="{BB962C8B-B14F-4D97-AF65-F5344CB8AC3E}">

--- a/JavaLecture/LectureFile/java 6강.pptx
+++ b/JavaLecture/LectureFile/java 6강.pptx
@@ -240,7 +240,7 @@
           <a:p>
             <a:fld id="{D79F2C30-10E1-4C46-91DC-BBDB9629E720}" type="datetimeFigureOut">
               <a:rPr lang="ko-KR" altLang="en-US" smtClean="0"/>
-              <a:t>2023-01-31 Tuesday</a:t>
+              <a:t>2023-02-01</a:t>
             </a:fld>
             <a:endParaRPr lang="ko-KR" altLang="en-US"/>
           </a:p>
@@ -770,7 +770,7 @@
           <a:p>
             <a:fld id="{F8166F1F-CE9B-4651-A6AA-CD717754106B}" type="datetimeFigureOut">
               <a:rPr lang="en-US" smtClean="0"/>
-              <a:t>1/31/2023</a:t>
+              <a:t>2/1/2023</a:t>
             </a:fld>
             <a:endParaRPr lang="en-US"/>
           </a:p>
@@ -933,7 +933,7 @@
           <a:p>
             <a:fld id="{A76116CE-C4A3-4A05-B2D7-7C2E9A889C0F}" type="datetimeFigureOut">
               <a:rPr lang="en-US" smtClean="0"/>
-              <a:t>1/31/2023</a:t>
+              <a:t>2/1/2023</a:t>
             </a:fld>
             <a:endParaRPr lang="en-US"/>
           </a:p>
@@ -1106,7 +1106,7 @@
           <a:p>
             <a:fld id="{A76116CE-C4A3-4A05-B2D7-7C2E9A889C0F}" type="datetimeFigureOut">
               <a:rPr lang="en-US" smtClean="0"/>
-              <a:t>1/31/2023</a:t>
+              <a:t>2/1/2023</a:t>
             </a:fld>
             <a:endParaRPr lang="en-US"/>
           </a:p>
@@ -1271,7 +1271,7 @@
           <a:p>
             <a:fld id="{A76116CE-C4A3-4A05-B2D7-7C2E9A889C0F}" type="datetimeFigureOut">
               <a:rPr lang="en-US" smtClean="0"/>
-              <a:t>1/31/2023</a:t>
+              <a:t>2/1/2023</a:t>
             </a:fld>
             <a:endParaRPr lang="en-US"/>
           </a:p>
@@ -1511,7 +1511,7 @@
           <a:p>
             <a:fld id="{A76116CE-C4A3-4A05-B2D7-7C2E9A889C0F}" type="datetimeFigureOut">
               <a:rPr lang="en-US" smtClean="0"/>
-              <a:t>1/31/2023</a:t>
+              <a:t>2/1/2023</a:t>
             </a:fld>
             <a:endParaRPr lang="en-US"/>
           </a:p>
@@ -1791,7 +1791,7 @@
           <a:p>
             <a:fld id="{A76116CE-C4A3-4A05-B2D7-7C2E9A889C0F}" type="datetimeFigureOut">
               <a:rPr lang="en-US" smtClean="0"/>
-              <a:t>1/31/2023</a:t>
+              <a:t>2/1/2023</a:t>
             </a:fld>
             <a:endParaRPr lang="en-US"/>
           </a:p>
@@ -2205,7 +2205,7 @@
           <a:p>
             <a:fld id="{A76116CE-C4A3-4A05-B2D7-7C2E9A889C0F}" type="datetimeFigureOut">
               <a:rPr lang="en-US" smtClean="0"/>
-              <a:t>1/31/2023</a:t>
+              <a:t>2/1/2023</a:t>
             </a:fld>
             <a:endParaRPr lang="en-US"/>
           </a:p>
@@ -2317,7 +2317,7 @@
           <a:p>
             <a:fld id="{A76116CE-C4A3-4A05-B2D7-7C2E9A889C0F}" type="datetimeFigureOut">
               <a:rPr lang="en-US" smtClean="0"/>
-              <a:t>1/31/2023</a:t>
+              <a:t>2/1/2023</a:t>
             </a:fld>
             <a:endParaRPr lang="en-US"/>
           </a:p>
@@ -2407,7 +2407,7 @@
           <a:p>
             <a:fld id="{A76116CE-C4A3-4A05-B2D7-7C2E9A889C0F}" type="datetimeFigureOut">
               <a:rPr lang="en-US" smtClean="0"/>
-              <a:t>1/31/2023</a:t>
+              <a:t>2/1/2023</a:t>
             </a:fld>
             <a:endParaRPr lang="en-US"/>
           </a:p>
@@ -2677,7 +2677,7 @@
           <a:p>
             <a:fld id="{A76116CE-C4A3-4A05-B2D7-7C2E9A889C0F}" type="datetimeFigureOut">
               <a:rPr lang="en-US" smtClean="0"/>
-              <a:t>1/31/2023</a:t>
+              <a:t>2/1/2023</a:t>
             </a:fld>
             <a:endParaRPr lang="en-US"/>
           </a:p>
@@ -2924,7 +2924,7 @@
           <a:p>
             <a:fld id="{A76116CE-C4A3-4A05-B2D7-7C2E9A889C0F}" type="datetimeFigureOut">
               <a:rPr lang="en-US" smtClean="0"/>
-              <a:t>1/31/2023</a:t>
+              <a:t>2/1/2023</a:t>
             </a:fld>
             <a:endParaRPr lang="en-US"/>
           </a:p>
@@ -3130,7 +3130,7 @@
           <a:p>
             <a:fld id="{F8166F1F-CE9B-4651-A6AA-CD717754106B}" type="datetimeFigureOut">
               <a:rPr lang="en-US" smtClean="0"/>
-              <a:t>1/31/2023</a:t>
+              <a:t>2/1/2023</a:t>
             </a:fld>
             <a:endParaRPr lang="en-US"/>
           </a:p>
@@ -3786,7 +3786,7 @@
           <p:cNvPr id="2" name="TextBox 1">
             <a:extLst>
               <a:ext uri="{FF2B5EF4-FFF2-40B4-BE49-F238E27FC236}">
-                <a16:creationId xmlns:a16="http://schemas.microsoft.com/office/drawing/2014/main" id="{E9A453A8-9968-67AB-7B4A-83EEB4662AA6}"/>
+                <a16:creationId xmlns:a16="http://schemas.microsoft.com/office/drawing/2014/main" xmlns="" id="{E9A453A8-9968-67AB-7B4A-83EEB4662AA6}"/>
               </a:ext>
             </a:extLst>
           </p:cNvPr>
@@ -3834,7 +3834,7 @@
           <p:cNvPr id="4" name="TextBox 3">
             <a:extLst>
               <a:ext uri="{FF2B5EF4-FFF2-40B4-BE49-F238E27FC236}">
-                <a16:creationId xmlns:a16="http://schemas.microsoft.com/office/drawing/2014/main" id="{F4B7A35A-8AAC-4622-64BC-CAD1472D4115}"/>
+                <a16:creationId xmlns:a16="http://schemas.microsoft.com/office/drawing/2014/main" xmlns="" id="{F4B7A35A-8AAC-4622-64BC-CAD1472D4115}"/>
               </a:ext>
             </a:extLst>
           </p:cNvPr>
@@ -3906,7 +3906,7 @@
           <p:cNvPr id="7" name="TextBox 6">
             <a:extLst>
               <a:ext uri="{FF2B5EF4-FFF2-40B4-BE49-F238E27FC236}">
-                <a16:creationId xmlns:a16="http://schemas.microsoft.com/office/drawing/2014/main" id="{3ACE900A-D779-4343-6623-8588B376F0A1}"/>
+                <a16:creationId xmlns:a16="http://schemas.microsoft.com/office/drawing/2014/main" xmlns="" id="{3ACE900A-D779-4343-6623-8588B376F0A1}"/>
               </a:ext>
             </a:extLst>
           </p:cNvPr>
@@ -3970,7 +3970,7 @@
           <p:cNvPr id="4" name="Picture 2">
             <a:extLst>
               <a:ext uri="{FF2B5EF4-FFF2-40B4-BE49-F238E27FC236}">
-                <a16:creationId xmlns:a16="http://schemas.microsoft.com/office/drawing/2014/main" id="{5349EC00-55D4-A2A3-625B-D0BC1634A8C7}"/>
+                <a16:creationId xmlns:a16="http://schemas.microsoft.com/office/drawing/2014/main" xmlns="" id="{5349EC00-55D4-A2A3-625B-D0BC1634A8C7}"/>
               </a:ext>
             </a:extLst>
           </p:cNvPr>
@@ -4017,7 +4017,7 @@
           <p:cNvPr id="5" name="TextBox 4">
             <a:extLst>
               <a:ext uri="{FF2B5EF4-FFF2-40B4-BE49-F238E27FC236}">
-                <a16:creationId xmlns:a16="http://schemas.microsoft.com/office/drawing/2014/main" id="{5716CAD0-9453-E46F-22E1-4C17A785BF58}"/>
+                <a16:creationId xmlns:a16="http://schemas.microsoft.com/office/drawing/2014/main" xmlns="" id="{5716CAD0-9453-E46F-22E1-4C17A785BF58}"/>
               </a:ext>
             </a:extLst>
           </p:cNvPr>
@@ -4065,7 +4065,7 @@
           <p:cNvPr id="6" name="그룹 1023">
             <a:extLst>
               <a:ext uri="{FF2B5EF4-FFF2-40B4-BE49-F238E27FC236}">
-                <a16:creationId xmlns:a16="http://schemas.microsoft.com/office/drawing/2014/main" id="{25922995-7C90-A2A0-B277-9D20599DAC8C}"/>
+                <a16:creationId xmlns:a16="http://schemas.microsoft.com/office/drawing/2014/main" xmlns="" id="{25922995-7C90-A2A0-B277-9D20599DAC8C}"/>
               </a:ext>
             </a:extLst>
           </p:cNvPr>
@@ -4085,7 +4085,7 @@
             <p:cNvPr id="7" name="그룹 1024">
               <a:extLst>
                 <a:ext uri="{FF2B5EF4-FFF2-40B4-BE49-F238E27FC236}">
-                  <a16:creationId xmlns:a16="http://schemas.microsoft.com/office/drawing/2014/main" id="{1C864C9B-D35F-49DE-20AE-AAA52F3C897B}"/>
+                  <a16:creationId xmlns:a16="http://schemas.microsoft.com/office/drawing/2014/main" xmlns="" id="{1C864C9B-D35F-49DE-20AE-AAA52F3C897B}"/>
                 </a:ext>
               </a:extLst>
             </p:cNvPr>
@@ -4105,7 +4105,7 @@
               <p:cNvPr id="12" name="Object 73">
                 <a:extLst>
                   <a:ext uri="{FF2B5EF4-FFF2-40B4-BE49-F238E27FC236}">
-                    <a16:creationId xmlns:a16="http://schemas.microsoft.com/office/drawing/2014/main" id="{DAF19786-B4F3-6B59-E087-9445B4BD8E49}"/>
+                    <a16:creationId xmlns:a16="http://schemas.microsoft.com/office/drawing/2014/main" xmlns="" id="{DAF19786-B4F3-6B59-E087-9445B4BD8E49}"/>
                   </a:ext>
                 </a:extLst>
               </p:cNvPr>
@@ -4136,7 +4136,7 @@
             <p:cNvPr id="8" name="그룹 1025">
               <a:extLst>
                 <a:ext uri="{FF2B5EF4-FFF2-40B4-BE49-F238E27FC236}">
-                  <a16:creationId xmlns:a16="http://schemas.microsoft.com/office/drawing/2014/main" id="{2CAA926C-56A0-F21C-893B-EC3C4EB24533}"/>
+                  <a16:creationId xmlns:a16="http://schemas.microsoft.com/office/drawing/2014/main" xmlns="" id="{2CAA926C-56A0-F21C-893B-EC3C4EB24533}"/>
                 </a:ext>
               </a:extLst>
             </p:cNvPr>
@@ -4156,7 +4156,7 @@
               <p:cNvPr id="11" name="Object 76">
                 <a:extLst>
                   <a:ext uri="{FF2B5EF4-FFF2-40B4-BE49-F238E27FC236}">
-                    <a16:creationId xmlns:a16="http://schemas.microsoft.com/office/drawing/2014/main" id="{6B906307-B3BF-FDDE-D70B-CFB78A713DC6}"/>
+                    <a16:creationId xmlns:a16="http://schemas.microsoft.com/office/drawing/2014/main" xmlns="" id="{6B906307-B3BF-FDDE-D70B-CFB78A713DC6}"/>
                   </a:ext>
                 </a:extLst>
               </p:cNvPr>
@@ -4187,7 +4187,7 @@
             <p:cNvPr id="9" name="그룹 1026">
               <a:extLst>
                 <a:ext uri="{FF2B5EF4-FFF2-40B4-BE49-F238E27FC236}">
-                  <a16:creationId xmlns:a16="http://schemas.microsoft.com/office/drawing/2014/main" id="{F63608E4-E0A7-F2E7-73C7-D8B0243DD635}"/>
+                  <a16:creationId xmlns:a16="http://schemas.microsoft.com/office/drawing/2014/main" xmlns="" id="{F63608E4-E0A7-F2E7-73C7-D8B0243DD635}"/>
                 </a:ext>
               </a:extLst>
             </p:cNvPr>
@@ -4207,7 +4207,7 @@
               <p:cNvPr id="10" name="Object 79">
                 <a:extLst>
                   <a:ext uri="{FF2B5EF4-FFF2-40B4-BE49-F238E27FC236}">
-                    <a16:creationId xmlns:a16="http://schemas.microsoft.com/office/drawing/2014/main" id="{21647FB7-2C7A-9793-46A0-ADFCF18309CB}"/>
+                    <a16:creationId xmlns:a16="http://schemas.microsoft.com/office/drawing/2014/main" xmlns="" id="{21647FB7-2C7A-9793-46A0-ADFCF18309CB}"/>
                   </a:ext>
                 </a:extLst>
               </p:cNvPr>
@@ -4239,7 +4239,7 @@
           <p:cNvPr id="13" name="Picture 4">
             <a:extLst>
               <a:ext uri="{FF2B5EF4-FFF2-40B4-BE49-F238E27FC236}">
-                <a16:creationId xmlns:a16="http://schemas.microsoft.com/office/drawing/2014/main" id="{6E4B4F43-31DF-4CBA-8527-1C87B35CDB9A}"/>
+                <a16:creationId xmlns:a16="http://schemas.microsoft.com/office/drawing/2014/main" xmlns="" id="{6E4B4F43-31DF-4CBA-8527-1C87B35CDB9A}"/>
               </a:ext>
             </a:extLst>
           </p:cNvPr>
@@ -4286,7 +4286,7 @@
           <p:cNvPr id="14" name="TextBox 13">
             <a:extLst>
               <a:ext uri="{FF2B5EF4-FFF2-40B4-BE49-F238E27FC236}">
-                <a16:creationId xmlns:a16="http://schemas.microsoft.com/office/drawing/2014/main" id="{131CAA11-625D-884F-94CC-6654A5C13F00}"/>
+                <a16:creationId xmlns:a16="http://schemas.microsoft.com/office/drawing/2014/main" xmlns="" id="{131CAA11-625D-884F-94CC-6654A5C13F00}"/>
               </a:ext>
             </a:extLst>
           </p:cNvPr>
@@ -4357,7 +4357,7 @@
           <p:cNvPr id="15" name="TextBox 14">
             <a:extLst>
               <a:ext uri="{FF2B5EF4-FFF2-40B4-BE49-F238E27FC236}">
-                <a16:creationId xmlns:a16="http://schemas.microsoft.com/office/drawing/2014/main" id="{5716CAD0-9453-E46F-22E1-4C17A785BF58}"/>
+                <a16:creationId xmlns:a16="http://schemas.microsoft.com/office/drawing/2014/main" xmlns="" id="{5716CAD0-9453-E46F-22E1-4C17A785BF58}"/>
               </a:ext>
             </a:extLst>
           </p:cNvPr>
@@ -4435,7 +4435,7 @@
           <p:cNvPr id="4" name="그룹 1018">
             <a:extLst>
               <a:ext uri="{FF2B5EF4-FFF2-40B4-BE49-F238E27FC236}">
-                <a16:creationId xmlns:a16="http://schemas.microsoft.com/office/drawing/2014/main" id="{0804D430-F42E-AE32-A065-FFA8C471F092}"/>
+                <a16:creationId xmlns:a16="http://schemas.microsoft.com/office/drawing/2014/main" xmlns="" id="{0804D430-F42E-AE32-A065-FFA8C471F092}"/>
               </a:ext>
             </a:extLst>
           </p:cNvPr>
@@ -4455,7 +4455,7 @@
             <p:cNvPr id="5" name="Object 61">
               <a:extLst>
                 <a:ext uri="{FF2B5EF4-FFF2-40B4-BE49-F238E27FC236}">
-                  <a16:creationId xmlns:a16="http://schemas.microsoft.com/office/drawing/2014/main" id="{334A4C3A-641C-7CD9-8FEE-5EC92B28D640}"/>
+                  <a16:creationId xmlns:a16="http://schemas.microsoft.com/office/drawing/2014/main" xmlns="" id="{334A4C3A-641C-7CD9-8FEE-5EC92B28D640}"/>
                 </a:ext>
               </a:extLst>
             </p:cNvPr>
@@ -4486,7 +4486,7 @@
           <p:cNvPr id="7" name="TextBox 6">
             <a:extLst>
               <a:ext uri="{FF2B5EF4-FFF2-40B4-BE49-F238E27FC236}">
-                <a16:creationId xmlns:a16="http://schemas.microsoft.com/office/drawing/2014/main" id="{DF7DDD33-9412-2802-339A-E55446AC2DA7}"/>
+                <a16:creationId xmlns:a16="http://schemas.microsoft.com/office/drawing/2014/main" xmlns="" id="{DF7DDD33-9412-2802-339A-E55446AC2DA7}"/>
               </a:ext>
             </a:extLst>
           </p:cNvPr>
@@ -4594,7 +4594,7 @@
           <p:cNvPr id="8" name="TextBox 7">
             <a:extLst>
               <a:ext uri="{FF2B5EF4-FFF2-40B4-BE49-F238E27FC236}">
-                <a16:creationId xmlns:a16="http://schemas.microsoft.com/office/drawing/2014/main" id="{DF7DDD33-9412-2802-339A-E55446AC2DA7}"/>
+                <a16:creationId xmlns:a16="http://schemas.microsoft.com/office/drawing/2014/main" xmlns="" id="{DF7DDD33-9412-2802-339A-E55446AC2DA7}"/>
               </a:ext>
             </a:extLst>
           </p:cNvPr>
@@ -4652,7 +4652,7 @@
           <p:cNvPr id="9" name="그룹 1018">
             <a:extLst>
               <a:ext uri="{FF2B5EF4-FFF2-40B4-BE49-F238E27FC236}">
-                <a16:creationId xmlns:a16="http://schemas.microsoft.com/office/drawing/2014/main" id="{0804D430-F42E-AE32-A065-FFA8C471F092}"/>
+                <a16:creationId xmlns:a16="http://schemas.microsoft.com/office/drawing/2014/main" xmlns="" id="{0804D430-F42E-AE32-A065-FFA8C471F092}"/>
               </a:ext>
             </a:extLst>
           </p:cNvPr>
@@ -4672,7 +4672,7 @@
             <p:cNvPr id="10" name="Object 61">
               <a:extLst>
                 <a:ext uri="{FF2B5EF4-FFF2-40B4-BE49-F238E27FC236}">
-                  <a16:creationId xmlns:a16="http://schemas.microsoft.com/office/drawing/2014/main" id="{334A4C3A-641C-7CD9-8FEE-5EC92B28D640}"/>
+                  <a16:creationId xmlns:a16="http://schemas.microsoft.com/office/drawing/2014/main" xmlns="" id="{334A4C3A-641C-7CD9-8FEE-5EC92B28D640}"/>
                 </a:ext>
               </a:extLst>
             </p:cNvPr>
@@ -4703,7 +4703,7 @@
           <p:cNvPr id="11" name="TextBox 10">
             <a:extLst>
               <a:ext uri="{FF2B5EF4-FFF2-40B4-BE49-F238E27FC236}">
-                <a16:creationId xmlns:a16="http://schemas.microsoft.com/office/drawing/2014/main" id="{DF7DDD33-9412-2802-339A-E55446AC2DA7}"/>
+                <a16:creationId xmlns:a16="http://schemas.microsoft.com/office/drawing/2014/main" xmlns="" id="{DF7DDD33-9412-2802-339A-E55446AC2DA7}"/>
               </a:ext>
             </a:extLst>
           </p:cNvPr>
@@ -4811,7 +4811,7 @@
           <p:cNvPr id="12" name="TextBox 11">
             <a:extLst>
               <a:ext uri="{FF2B5EF4-FFF2-40B4-BE49-F238E27FC236}">
-                <a16:creationId xmlns:a16="http://schemas.microsoft.com/office/drawing/2014/main" id="{DF7DDD33-9412-2802-339A-E55446AC2DA7}"/>
+                <a16:creationId xmlns:a16="http://schemas.microsoft.com/office/drawing/2014/main" xmlns="" id="{DF7DDD33-9412-2802-339A-E55446AC2DA7}"/>
               </a:ext>
             </a:extLst>
           </p:cNvPr>
@@ -4988,7 +4988,7 @@
           <p:cNvPr id="6" name="TextBox 5">
             <a:extLst>
               <a:ext uri="{FF2B5EF4-FFF2-40B4-BE49-F238E27FC236}">
-                <a16:creationId xmlns:a16="http://schemas.microsoft.com/office/drawing/2014/main" id="{DF7DDD33-9412-2802-339A-E55446AC2DA7}"/>
+                <a16:creationId xmlns:a16="http://schemas.microsoft.com/office/drawing/2014/main" xmlns="" id="{DF7DDD33-9412-2802-339A-E55446AC2DA7}"/>
               </a:ext>
             </a:extLst>
           </p:cNvPr>
@@ -5036,7 +5036,7 @@
           <p:cNvPr id="7" name="표 16">
             <a:extLst>
               <a:ext uri="{FF2B5EF4-FFF2-40B4-BE49-F238E27FC236}">
-                <a16:creationId xmlns:a16="http://schemas.microsoft.com/office/drawing/2014/main" id="{F03C45C7-6EB1-7871-F0F7-945F667135C4}"/>
+                <a16:creationId xmlns:a16="http://schemas.microsoft.com/office/drawing/2014/main" xmlns="" id="{F03C45C7-6EB1-7871-F0F7-945F667135C4}"/>
               </a:ext>
             </a:extLst>
           </p:cNvPr>
@@ -5065,14 +5065,14 @@
                 <a:gridCol w="1600200">
                   <a:extLst>
                     <a:ext uri="{9D8B030D-6E8A-4147-A177-3AD203B41FA5}">
-                      <a16:colId xmlns:a16="http://schemas.microsoft.com/office/drawing/2014/main" val="2433761377"/>
+                      <a16:colId xmlns:a16="http://schemas.microsoft.com/office/drawing/2014/main" xmlns="" val="2433761377"/>
                     </a:ext>
                   </a:extLst>
                 </a:gridCol>
                 <a:gridCol w="1828800">
                   <a:extLst>
                     <a:ext uri="{9D8B030D-6E8A-4147-A177-3AD203B41FA5}">
-                      <a16:colId xmlns:a16="http://schemas.microsoft.com/office/drawing/2014/main" val="926389809"/>
+                      <a16:colId xmlns:a16="http://schemas.microsoft.com/office/drawing/2014/main" xmlns="" val="926389809"/>
                     </a:ext>
                   </a:extLst>
                 </a:gridCol>
@@ -5214,7 +5214,7 @@
                 </a:tc>
                 <a:extLst>
                   <a:ext uri="{0D108BD9-81ED-4DB2-BD59-A6C34878D82A}">
-                    <a16:rowId xmlns:a16="http://schemas.microsoft.com/office/drawing/2014/main" val="2504948727"/>
+                    <a16:rowId xmlns:a16="http://schemas.microsoft.com/office/drawing/2014/main" xmlns="" val="2504948727"/>
                   </a:ext>
                 </a:extLst>
               </a:tr>
@@ -5339,7 +5339,7 @@
                 </a:tc>
                 <a:extLst>
                   <a:ext uri="{0D108BD9-81ED-4DB2-BD59-A6C34878D82A}">
-                    <a16:rowId xmlns:a16="http://schemas.microsoft.com/office/drawing/2014/main" val="3647525178"/>
+                    <a16:rowId xmlns:a16="http://schemas.microsoft.com/office/drawing/2014/main" xmlns="" val="3647525178"/>
                   </a:ext>
                 </a:extLst>
               </a:tr>
@@ -5452,7 +5452,7 @@
                 </a:tc>
                 <a:extLst>
                   <a:ext uri="{0D108BD9-81ED-4DB2-BD59-A6C34878D82A}">
-                    <a16:rowId xmlns:a16="http://schemas.microsoft.com/office/drawing/2014/main" val="2672623231"/>
+                    <a16:rowId xmlns:a16="http://schemas.microsoft.com/office/drawing/2014/main" xmlns="" val="2672623231"/>
                   </a:ext>
                 </a:extLst>
               </a:tr>
@@ -5565,7 +5565,7 @@
                 </a:tc>
                 <a:extLst>
                   <a:ext uri="{0D108BD9-81ED-4DB2-BD59-A6C34878D82A}">
-                    <a16:rowId xmlns:a16="http://schemas.microsoft.com/office/drawing/2014/main" val="2996999142"/>
+                    <a16:rowId xmlns:a16="http://schemas.microsoft.com/office/drawing/2014/main" xmlns="" val="2996999142"/>
                   </a:ext>
                 </a:extLst>
               </a:tr>
@@ -5674,7 +5674,7 @@
                 </a:tc>
                 <a:extLst>
                   <a:ext uri="{0D108BD9-81ED-4DB2-BD59-A6C34878D82A}">
-                    <a16:rowId xmlns:a16="http://schemas.microsoft.com/office/drawing/2014/main" val="2275222586"/>
+                    <a16:rowId xmlns:a16="http://schemas.microsoft.com/office/drawing/2014/main" xmlns="" val="2275222586"/>
                   </a:ext>
                 </a:extLst>
               </a:tr>
@@ -5783,7 +5783,7 @@
                 </a:tc>
                 <a:extLst>
                   <a:ext uri="{0D108BD9-81ED-4DB2-BD59-A6C34878D82A}">
-                    <a16:rowId xmlns:a16="http://schemas.microsoft.com/office/drawing/2014/main" val="1918467740"/>
+                    <a16:rowId xmlns:a16="http://schemas.microsoft.com/office/drawing/2014/main" xmlns="" val="1918467740"/>
                   </a:ext>
                 </a:extLst>
               </a:tr>
@@ -5892,7 +5892,7 @@
                 </a:tc>
                 <a:extLst>
                   <a:ext uri="{0D108BD9-81ED-4DB2-BD59-A6C34878D82A}">
-                    <a16:rowId xmlns:a16="http://schemas.microsoft.com/office/drawing/2014/main" val="168351104"/>
+                    <a16:rowId xmlns:a16="http://schemas.microsoft.com/office/drawing/2014/main" xmlns="" val="168351104"/>
                   </a:ext>
                 </a:extLst>
               </a:tr>
@@ -6017,7 +6017,7 @@
                 </a:tc>
                 <a:extLst>
                   <a:ext uri="{0D108BD9-81ED-4DB2-BD59-A6C34878D82A}">
-                    <a16:rowId xmlns:a16="http://schemas.microsoft.com/office/drawing/2014/main" val="1446898692"/>
+                    <a16:rowId xmlns:a16="http://schemas.microsoft.com/office/drawing/2014/main" xmlns="" val="1446898692"/>
                   </a:ext>
                 </a:extLst>
               </a:tr>
@@ -6030,7 +6030,7 @@
           <p:cNvPr id="8" name="그룹 1018">
             <a:extLst>
               <a:ext uri="{FF2B5EF4-FFF2-40B4-BE49-F238E27FC236}">
-                <a16:creationId xmlns:a16="http://schemas.microsoft.com/office/drawing/2014/main" id="{0804D430-F42E-AE32-A065-FFA8C471F092}"/>
+                <a16:creationId xmlns:a16="http://schemas.microsoft.com/office/drawing/2014/main" xmlns="" id="{0804D430-F42E-AE32-A065-FFA8C471F092}"/>
               </a:ext>
             </a:extLst>
           </p:cNvPr>
@@ -6050,7 +6050,7 @@
             <p:cNvPr id="9" name="Object 61">
               <a:extLst>
                 <a:ext uri="{FF2B5EF4-FFF2-40B4-BE49-F238E27FC236}">
-                  <a16:creationId xmlns:a16="http://schemas.microsoft.com/office/drawing/2014/main" id="{334A4C3A-641C-7CD9-8FEE-5EC92B28D640}"/>
+                  <a16:creationId xmlns:a16="http://schemas.microsoft.com/office/drawing/2014/main" xmlns="" id="{334A4C3A-641C-7CD9-8FEE-5EC92B28D640}"/>
                 </a:ext>
               </a:extLst>
             </p:cNvPr>
@@ -6081,7 +6081,7 @@
           <p:cNvPr id="10" name="TextBox 9">
             <a:extLst>
               <a:ext uri="{FF2B5EF4-FFF2-40B4-BE49-F238E27FC236}">
-                <a16:creationId xmlns:a16="http://schemas.microsoft.com/office/drawing/2014/main" id="{DF7DDD33-9412-2802-339A-E55446AC2DA7}"/>
+                <a16:creationId xmlns:a16="http://schemas.microsoft.com/office/drawing/2014/main" xmlns="" id="{DF7DDD33-9412-2802-339A-E55446AC2DA7}"/>
               </a:ext>
             </a:extLst>
           </p:cNvPr>
@@ -6129,7 +6129,7 @@
           <p:cNvPr id="12" name="TextBox 11">
             <a:extLst>
               <a:ext uri="{FF2B5EF4-FFF2-40B4-BE49-F238E27FC236}">
-                <a16:creationId xmlns:a16="http://schemas.microsoft.com/office/drawing/2014/main" id="{52176D31-35F7-8916-46FA-6095EFEC1E49}"/>
+                <a16:creationId xmlns:a16="http://schemas.microsoft.com/office/drawing/2014/main" xmlns="" id="{52176D31-35F7-8916-46FA-6095EFEC1E49}"/>
               </a:ext>
             </a:extLst>
           </p:cNvPr>
@@ -6173,7 +6173,7 @@
           <p:cNvPr id="13" name="TextBox 12">
             <a:extLst>
               <a:ext uri="{FF2B5EF4-FFF2-40B4-BE49-F238E27FC236}">
-                <a16:creationId xmlns:a16="http://schemas.microsoft.com/office/drawing/2014/main" id="{52176D31-35F7-8916-46FA-6095EFEC1E49}"/>
+                <a16:creationId xmlns:a16="http://schemas.microsoft.com/office/drawing/2014/main" xmlns="" id="{52176D31-35F7-8916-46FA-6095EFEC1E49}"/>
               </a:ext>
             </a:extLst>
           </p:cNvPr>
@@ -6217,7 +6217,7 @@
           <p:cNvPr id="14" name="직선 화살표 연결선 13">
             <a:extLst>
               <a:ext uri="{FF2B5EF4-FFF2-40B4-BE49-F238E27FC236}">
-                <a16:creationId xmlns:a16="http://schemas.microsoft.com/office/drawing/2014/main" id="{299DF5EC-9DF4-5255-06AC-0A7CE4FF58C3}"/>
+                <a16:creationId xmlns:a16="http://schemas.microsoft.com/office/drawing/2014/main" xmlns="" id="{299DF5EC-9DF4-5255-06AC-0A7CE4FF58C3}"/>
               </a:ext>
             </a:extLst>
           </p:cNvPr>
@@ -6259,7 +6259,7 @@
           <p:cNvPr id="17" name="TextBox 16">
             <a:extLst>
               <a:ext uri="{FF2B5EF4-FFF2-40B4-BE49-F238E27FC236}">
-                <a16:creationId xmlns:a16="http://schemas.microsoft.com/office/drawing/2014/main" id="{A2AD056B-97A4-5BCC-4460-250160F3E171}"/>
+                <a16:creationId xmlns:a16="http://schemas.microsoft.com/office/drawing/2014/main" xmlns="" id="{A2AD056B-97A4-5BCC-4460-250160F3E171}"/>
               </a:ext>
             </a:extLst>
           </p:cNvPr>
@@ -6664,7 +6664,7 @@
           <p:cNvPr id="5" name="TextBox 4">
             <a:extLst>
               <a:ext uri="{FF2B5EF4-FFF2-40B4-BE49-F238E27FC236}">
-                <a16:creationId xmlns:a16="http://schemas.microsoft.com/office/drawing/2014/main" id="{DF7DDD33-9412-2802-339A-E55446AC2DA7}"/>
+                <a16:creationId xmlns:a16="http://schemas.microsoft.com/office/drawing/2014/main" xmlns="" id="{DF7DDD33-9412-2802-339A-E55446AC2DA7}"/>
               </a:ext>
             </a:extLst>
           </p:cNvPr>
@@ -6746,7 +6746,7 @@
           <p:cNvPr id="7" name="표 16">
             <a:extLst>
               <a:ext uri="{FF2B5EF4-FFF2-40B4-BE49-F238E27FC236}">
-                <a16:creationId xmlns:a16="http://schemas.microsoft.com/office/drawing/2014/main" id="{F03C45C7-6EB1-7871-F0F7-945F667135C4}"/>
+                <a16:creationId xmlns:a16="http://schemas.microsoft.com/office/drawing/2014/main" xmlns="" id="{F03C45C7-6EB1-7871-F0F7-945F667135C4}"/>
               </a:ext>
             </a:extLst>
           </p:cNvPr>
@@ -6775,14 +6775,14 @@
                 <a:gridCol w="1600200">
                   <a:extLst>
                     <a:ext uri="{9D8B030D-6E8A-4147-A177-3AD203B41FA5}">
-                      <a16:colId xmlns:a16="http://schemas.microsoft.com/office/drawing/2014/main" val="2433761377"/>
+                      <a16:colId xmlns:a16="http://schemas.microsoft.com/office/drawing/2014/main" xmlns="" val="2433761377"/>
                     </a:ext>
                   </a:extLst>
                 </a:gridCol>
                 <a:gridCol w="1828800">
                   <a:extLst>
                     <a:ext uri="{9D8B030D-6E8A-4147-A177-3AD203B41FA5}">
-                      <a16:colId xmlns:a16="http://schemas.microsoft.com/office/drawing/2014/main" val="926389809"/>
+                      <a16:colId xmlns:a16="http://schemas.microsoft.com/office/drawing/2014/main" xmlns="" val="926389809"/>
                     </a:ext>
                   </a:extLst>
                 </a:gridCol>
@@ -6924,7 +6924,7 @@
                 </a:tc>
                 <a:extLst>
                   <a:ext uri="{0D108BD9-81ED-4DB2-BD59-A6C34878D82A}">
-                    <a16:rowId xmlns:a16="http://schemas.microsoft.com/office/drawing/2014/main" val="2504948727"/>
+                    <a16:rowId xmlns:a16="http://schemas.microsoft.com/office/drawing/2014/main" xmlns="" val="2504948727"/>
                   </a:ext>
                 </a:extLst>
               </a:tr>
@@ -7053,7 +7053,7 @@
                 </a:tc>
                 <a:extLst>
                   <a:ext uri="{0D108BD9-81ED-4DB2-BD59-A6C34878D82A}">
-                    <a16:rowId xmlns:a16="http://schemas.microsoft.com/office/drawing/2014/main" val="3647525178"/>
+                    <a16:rowId xmlns:a16="http://schemas.microsoft.com/office/drawing/2014/main" xmlns="" val="3647525178"/>
                   </a:ext>
                 </a:extLst>
               </a:tr>
@@ -7166,7 +7166,7 @@
                 </a:tc>
                 <a:extLst>
                   <a:ext uri="{0D108BD9-81ED-4DB2-BD59-A6C34878D82A}">
-                    <a16:rowId xmlns:a16="http://schemas.microsoft.com/office/drawing/2014/main" val="2672623231"/>
+                    <a16:rowId xmlns:a16="http://schemas.microsoft.com/office/drawing/2014/main" xmlns="" val="2672623231"/>
                   </a:ext>
                 </a:extLst>
               </a:tr>
@@ -7279,7 +7279,7 @@
                 </a:tc>
                 <a:extLst>
                   <a:ext uri="{0D108BD9-81ED-4DB2-BD59-A6C34878D82A}">
-                    <a16:rowId xmlns:a16="http://schemas.microsoft.com/office/drawing/2014/main" val="2996999142"/>
+                    <a16:rowId xmlns:a16="http://schemas.microsoft.com/office/drawing/2014/main" xmlns="" val="2996999142"/>
                   </a:ext>
                 </a:extLst>
               </a:tr>
@@ -7388,7 +7388,7 @@
                 </a:tc>
                 <a:extLst>
                   <a:ext uri="{0D108BD9-81ED-4DB2-BD59-A6C34878D82A}">
-                    <a16:rowId xmlns:a16="http://schemas.microsoft.com/office/drawing/2014/main" val="2275222586"/>
+                    <a16:rowId xmlns:a16="http://schemas.microsoft.com/office/drawing/2014/main" xmlns="" val="2275222586"/>
                   </a:ext>
                 </a:extLst>
               </a:tr>
@@ -7497,7 +7497,7 @@
                 </a:tc>
                 <a:extLst>
                   <a:ext uri="{0D108BD9-81ED-4DB2-BD59-A6C34878D82A}">
-                    <a16:rowId xmlns:a16="http://schemas.microsoft.com/office/drawing/2014/main" val="1918467740"/>
+                    <a16:rowId xmlns:a16="http://schemas.microsoft.com/office/drawing/2014/main" xmlns="" val="1918467740"/>
                   </a:ext>
                 </a:extLst>
               </a:tr>
@@ -7606,7 +7606,7 @@
                 </a:tc>
                 <a:extLst>
                   <a:ext uri="{0D108BD9-81ED-4DB2-BD59-A6C34878D82A}">
-                    <a16:rowId xmlns:a16="http://schemas.microsoft.com/office/drawing/2014/main" val="168351104"/>
+                    <a16:rowId xmlns:a16="http://schemas.microsoft.com/office/drawing/2014/main" xmlns="" val="168351104"/>
                   </a:ext>
                 </a:extLst>
               </a:tr>
@@ -7731,7 +7731,7 @@
                 </a:tc>
                 <a:extLst>
                   <a:ext uri="{0D108BD9-81ED-4DB2-BD59-A6C34878D82A}">
-                    <a16:rowId xmlns:a16="http://schemas.microsoft.com/office/drawing/2014/main" val="1446898692"/>
+                    <a16:rowId xmlns:a16="http://schemas.microsoft.com/office/drawing/2014/main" xmlns="" val="1446898692"/>
                   </a:ext>
                 </a:extLst>
               </a:tr>
@@ -7744,7 +7744,7 @@
           <p:cNvPr id="8" name="그룹 1018">
             <a:extLst>
               <a:ext uri="{FF2B5EF4-FFF2-40B4-BE49-F238E27FC236}">
-                <a16:creationId xmlns:a16="http://schemas.microsoft.com/office/drawing/2014/main" id="{0804D430-F42E-AE32-A065-FFA8C471F092}"/>
+                <a16:creationId xmlns:a16="http://schemas.microsoft.com/office/drawing/2014/main" xmlns="" id="{0804D430-F42E-AE32-A065-FFA8C471F092}"/>
               </a:ext>
             </a:extLst>
           </p:cNvPr>
@@ -7764,7 +7764,7 @@
             <p:cNvPr id="9" name="Object 61">
               <a:extLst>
                 <a:ext uri="{FF2B5EF4-FFF2-40B4-BE49-F238E27FC236}">
-                  <a16:creationId xmlns:a16="http://schemas.microsoft.com/office/drawing/2014/main" id="{334A4C3A-641C-7CD9-8FEE-5EC92B28D640}"/>
+                  <a16:creationId xmlns:a16="http://schemas.microsoft.com/office/drawing/2014/main" xmlns="" id="{334A4C3A-641C-7CD9-8FEE-5EC92B28D640}"/>
                 </a:ext>
               </a:extLst>
             </p:cNvPr>
@@ -7795,7 +7795,7 @@
           <p:cNvPr id="10" name="TextBox 9">
             <a:extLst>
               <a:ext uri="{FF2B5EF4-FFF2-40B4-BE49-F238E27FC236}">
-                <a16:creationId xmlns:a16="http://schemas.microsoft.com/office/drawing/2014/main" id="{DF7DDD33-9412-2802-339A-E55446AC2DA7}"/>
+                <a16:creationId xmlns:a16="http://schemas.microsoft.com/office/drawing/2014/main" xmlns="" id="{DF7DDD33-9412-2802-339A-E55446AC2DA7}"/>
               </a:ext>
             </a:extLst>
           </p:cNvPr>
@@ -7843,7 +7843,7 @@
           <p:cNvPr id="11" name="TextBox 10">
             <a:extLst>
               <a:ext uri="{FF2B5EF4-FFF2-40B4-BE49-F238E27FC236}">
-                <a16:creationId xmlns:a16="http://schemas.microsoft.com/office/drawing/2014/main" id="{52176D31-35F7-8916-46FA-6095EFEC1E49}"/>
+                <a16:creationId xmlns:a16="http://schemas.microsoft.com/office/drawing/2014/main" xmlns="" id="{52176D31-35F7-8916-46FA-6095EFEC1E49}"/>
               </a:ext>
             </a:extLst>
           </p:cNvPr>
@@ -7887,7 +7887,7 @@
           <p:cNvPr id="12" name="TextBox 11">
             <a:extLst>
               <a:ext uri="{FF2B5EF4-FFF2-40B4-BE49-F238E27FC236}">
-                <a16:creationId xmlns:a16="http://schemas.microsoft.com/office/drawing/2014/main" id="{52176D31-35F7-8916-46FA-6095EFEC1E49}"/>
+                <a16:creationId xmlns:a16="http://schemas.microsoft.com/office/drawing/2014/main" xmlns="" id="{52176D31-35F7-8916-46FA-6095EFEC1E49}"/>
               </a:ext>
             </a:extLst>
           </p:cNvPr>
@@ -7931,7 +7931,7 @@
           <p:cNvPr id="13" name="직선 화살표 연결선 12">
             <a:extLst>
               <a:ext uri="{FF2B5EF4-FFF2-40B4-BE49-F238E27FC236}">
-                <a16:creationId xmlns:a16="http://schemas.microsoft.com/office/drawing/2014/main" id="{299DF5EC-9DF4-5255-06AC-0A7CE4FF58C3}"/>
+                <a16:creationId xmlns:a16="http://schemas.microsoft.com/office/drawing/2014/main" xmlns="" id="{299DF5EC-9DF4-5255-06AC-0A7CE4FF58C3}"/>
               </a:ext>
             </a:extLst>
           </p:cNvPr>
@@ -7973,7 +7973,7 @@
           <p:cNvPr id="18" name="표 16">
             <a:extLst>
               <a:ext uri="{FF2B5EF4-FFF2-40B4-BE49-F238E27FC236}">
-                <a16:creationId xmlns:a16="http://schemas.microsoft.com/office/drawing/2014/main" id="{F03C45C7-6EB1-7871-F0F7-945F667135C4}"/>
+                <a16:creationId xmlns:a16="http://schemas.microsoft.com/office/drawing/2014/main" xmlns="" id="{F03C45C7-6EB1-7871-F0F7-945F667135C4}"/>
               </a:ext>
             </a:extLst>
           </p:cNvPr>
@@ -8002,14 +8002,14 @@
                 <a:gridCol w="1600200">
                   <a:extLst>
                     <a:ext uri="{9D8B030D-6E8A-4147-A177-3AD203B41FA5}">
-                      <a16:colId xmlns:a16="http://schemas.microsoft.com/office/drawing/2014/main" val="2433761377"/>
+                      <a16:colId xmlns:a16="http://schemas.microsoft.com/office/drawing/2014/main" xmlns="" val="2433761377"/>
                     </a:ext>
                   </a:extLst>
                 </a:gridCol>
                 <a:gridCol w="1828800">
                   <a:extLst>
                     <a:ext uri="{9D8B030D-6E8A-4147-A177-3AD203B41FA5}">
-                      <a16:colId xmlns:a16="http://schemas.microsoft.com/office/drawing/2014/main" val="926389809"/>
+                      <a16:colId xmlns:a16="http://schemas.microsoft.com/office/drawing/2014/main" xmlns="" val="926389809"/>
                     </a:ext>
                   </a:extLst>
                 </a:gridCol>
@@ -8151,7 +8151,7 @@
                 </a:tc>
                 <a:extLst>
                   <a:ext uri="{0D108BD9-81ED-4DB2-BD59-A6C34878D82A}">
-                    <a16:rowId xmlns:a16="http://schemas.microsoft.com/office/drawing/2014/main" val="2504948727"/>
+                    <a16:rowId xmlns:a16="http://schemas.microsoft.com/office/drawing/2014/main" xmlns="" val="2504948727"/>
                   </a:ext>
                 </a:extLst>
               </a:tr>
@@ -8280,7 +8280,7 @@
                 </a:tc>
                 <a:extLst>
                   <a:ext uri="{0D108BD9-81ED-4DB2-BD59-A6C34878D82A}">
-                    <a16:rowId xmlns:a16="http://schemas.microsoft.com/office/drawing/2014/main" val="3647525178"/>
+                    <a16:rowId xmlns:a16="http://schemas.microsoft.com/office/drawing/2014/main" xmlns="" val="3647525178"/>
                   </a:ext>
                 </a:extLst>
               </a:tr>
@@ -8393,7 +8393,7 @@
                 </a:tc>
                 <a:extLst>
                   <a:ext uri="{0D108BD9-81ED-4DB2-BD59-A6C34878D82A}">
-                    <a16:rowId xmlns:a16="http://schemas.microsoft.com/office/drawing/2014/main" val="2672623231"/>
+                    <a16:rowId xmlns:a16="http://schemas.microsoft.com/office/drawing/2014/main" xmlns="" val="2672623231"/>
                   </a:ext>
                 </a:extLst>
               </a:tr>
@@ -8506,7 +8506,7 @@
                 </a:tc>
                 <a:extLst>
                   <a:ext uri="{0D108BD9-81ED-4DB2-BD59-A6C34878D82A}">
-                    <a16:rowId xmlns:a16="http://schemas.microsoft.com/office/drawing/2014/main" val="2996999142"/>
+                    <a16:rowId xmlns:a16="http://schemas.microsoft.com/office/drawing/2014/main" xmlns="" val="2996999142"/>
                   </a:ext>
                 </a:extLst>
               </a:tr>
@@ -8615,7 +8615,7 @@
                 </a:tc>
                 <a:extLst>
                   <a:ext uri="{0D108BD9-81ED-4DB2-BD59-A6C34878D82A}">
-                    <a16:rowId xmlns:a16="http://schemas.microsoft.com/office/drawing/2014/main" val="2275222586"/>
+                    <a16:rowId xmlns:a16="http://schemas.microsoft.com/office/drawing/2014/main" xmlns="" val="2275222586"/>
                   </a:ext>
                 </a:extLst>
               </a:tr>
@@ -8724,7 +8724,7 @@
                 </a:tc>
                 <a:extLst>
                   <a:ext uri="{0D108BD9-81ED-4DB2-BD59-A6C34878D82A}">
-                    <a16:rowId xmlns:a16="http://schemas.microsoft.com/office/drawing/2014/main" val="1918467740"/>
+                    <a16:rowId xmlns:a16="http://schemas.microsoft.com/office/drawing/2014/main" xmlns="" val="1918467740"/>
                   </a:ext>
                 </a:extLst>
               </a:tr>
@@ -8833,7 +8833,7 @@
                 </a:tc>
                 <a:extLst>
                   <a:ext uri="{0D108BD9-81ED-4DB2-BD59-A6C34878D82A}">
-                    <a16:rowId xmlns:a16="http://schemas.microsoft.com/office/drawing/2014/main" val="168351104"/>
+                    <a16:rowId xmlns:a16="http://schemas.microsoft.com/office/drawing/2014/main" xmlns="" val="168351104"/>
                   </a:ext>
                 </a:extLst>
               </a:tr>
@@ -8958,7 +8958,7 @@
                 </a:tc>
                 <a:extLst>
                   <a:ext uri="{0D108BD9-81ED-4DB2-BD59-A6C34878D82A}">
-                    <a16:rowId xmlns:a16="http://schemas.microsoft.com/office/drawing/2014/main" val="1446898692"/>
+                    <a16:rowId xmlns:a16="http://schemas.microsoft.com/office/drawing/2014/main" xmlns="" val="1446898692"/>
                   </a:ext>
                 </a:extLst>
               </a:tr>
@@ -8971,7 +8971,7 @@
           <p:cNvPr id="19" name="그룹 1018">
             <a:extLst>
               <a:ext uri="{FF2B5EF4-FFF2-40B4-BE49-F238E27FC236}">
-                <a16:creationId xmlns:a16="http://schemas.microsoft.com/office/drawing/2014/main" id="{0804D430-F42E-AE32-A065-FFA8C471F092}"/>
+                <a16:creationId xmlns:a16="http://schemas.microsoft.com/office/drawing/2014/main" xmlns="" id="{0804D430-F42E-AE32-A065-FFA8C471F092}"/>
               </a:ext>
             </a:extLst>
           </p:cNvPr>
@@ -8991,7 +8991,7 @@
             <p:cNvPr id="20" name="Object 61">
               <a:extLst>
                 <a:ext uri="{FF2B5EF4-FFF2-40B4-BE49-F238E27FC236}">
-                  <a16:creationId xmlns:a16="http://schemas.microsoft.com/office/drawing/2014/main" id="{334A4C3A-641C-7CD9-8FEE-5EC92B28D640}"/>
+                  <a16:creationId xmlns:a16="http://schemas.microsoft.com/office/drawing/2014/main" xmlns="" id="{334A4C3A-641C-7CD9-8FEE-5EC92B28D640}"/>
                 </a:ext>
               </a:extLst>
             </p:cNvPr>
@@ -9022,7 +9022,7 @@
           <p:cNvPr id="21" name="TextBox 20">
             <a:extLst>
               <a:ext uri="{FF2B5EF4-FFF2-40B4-BE49-F238E27FC236}">
-                <a16:creationId xmlns:a16="http://schemas.microsoft.com/office/drawing/2014/main" id="{DF7DDD33-9412-2802-339A-E55446AC2DA7}"/>
+                <a16:creationId xmlns:a16="http://schemas.microsoft.com/office/drawing/2014/main" xmlns="" id="{DF7DDD33-9412-2802-339A-E55446AC2DA7}"/>
               </a:ext>
             </a:extLst>
           </p:cNvPr>
@@ -9070,7 +9070,7 @@
           <p:cNvPr id="22" name="TextBox 21">
             <a:extLst>
               <a:ext uri="{FF2B5EF4-FFF2-40B4-BE49-F238E27FC236}">
-                <a16:creationId xmlns:a16="http://schemas.microsoft.com/office/drawing/2014/main" id="{52176D31-35F7-8916-46FA-6095EFEC1E49}"/>
+                <a16:creationId xmlns:a16="http://schemas.microsoft.com/office/drawing/2014/main" xmlns="" id="{52176D31-35F7-8916-46FA-6095EFEC1E49}"/>
               </a:ext>
             </a:extLst>
           </p:cNvPr>
@@ -9124,7 +9124,7 @@
           <p:cNvPr id="23" name="TextBox 22">
             <a:extLst>
               <a:ext uri="{FF2B5EF4-FFF2-40B4-BE49-F238E27FC236}">
-                <a16:creationId xmlns:a16="http://schemas.microsoft.com/office/drawing/2014/main" id="{52176D31-35F7-8916-46FA-6095EFEC1E49}"/>
+                <a16:creationId xmlns:a16="http://schemas.microsoft.com/office/drawing/2014/main" xmlns="" id="{52176D31-35F7-8916-46FA-6095EFEC1E49}"/>
               </a:ext>
             </a:extLst>
           </p:cNvPr>
@@ -9178,7 +9178,7 @@
           <p:cNvPr id="24" name="직선 화살표 연결선 23">
             <a:extLst>
               <a:ext uri="{FF2B5EF4-FFF2-40B4-BE49-F238E27FC236}">
-                <a16:creationId xmlns:a16="http://schemas.microsoft.com/office/drawing/2014/main" id="{299DF5EC-9DF4-5255-06AC-0A7CE4FF58C3}"/>
+                <a16:creationId xmlns:a16="http://schemas.microsoft.com/office/drawing/2014/main" xmlns="" id="{299DF5EC-9DF4-5255-06AC-0A7CE4FF58C3}"/>
               </a:ext>
             </a:extLst>
           </p:cNvPr>
@@ -9250,7 +9250,7 @@
           <p:cNvPr id="4" name="TextBox 3">
             <a:extLst>
               <a:ext uri="{FF2B5EF4-FFF2-40B4-BE49-F238E27FC236}">
-                <a16:creationId xmlns:a16="http://schemas.microsoft.com/office/drawing/2014/main" id="{DF7DDD33-9412-2802-339A-E55446AC2DA7}"/>
+                <a16:creationId xmlns:a16="http://schemas.microsoft.com/office/drawing/2014/main" xmlns="" id="{DF7DDD33-9412-2802-339A-E55446AC2DA7}"/>
               </a:ext>
             </a:extLst>
           </p:cNvPr>
@@ -9308,7 +9308,7 @@
           <p:cNvPr id="6" name="표 16">
             <a:extLst>
               <a:ext uri="{FF2B5EF4-FFF2-40B4-BE49-F238E27FC236}">
-                <a16:creationId xmlns:a16="http://schemas.microsoft.com/office/drawing/2014/main" id="{F03C45C7-6EB1-7871-F0F7-945F667135C4}"/>
+                <a16:creationId xmlns:a16="http://schemas.microsoft.com/office/drawing/2014/main" xmlns="" id="{F03C45C7-6EB1-7871-F0F7-945F667135C4}"/>
               </a:ext>
             </a:extLst>
           </p:cNvPr>
@@ -9337,14 +9337,14 @@
                 <a:gridCol w="1600200">
                   <a:extLst>
                     <a:ext uri="{9D8B030D-6E8A-4147-A177-3AD203B41FA5}">
-                      <a16:colId xmlns:a16="http://schemas.microsoft.com/office/drawing/2014/main" val="2433761377"/>
+                      <a16:colId xmlns:a16="http://schemas.microsoft.com/office/drawing/2014/main" xmlns="" val="2433761377"/>
                     </a:ext>
                   </a:extLst>
                 </a:gridCol>
                 <a:gridCol w="1828800">
                   <a:extLst>
                     <a:ext uri="{9D8B030D-6E8A-4147-A177-3AD203B41FA5}">
-                      <a16:colId xmlns:a16="http://schemas.microsoft.com/office/drawing/2014/main" val="926389809"/>
+                      <a16:colId xmlns:a16="http://schemas.microsoft.com/office/drawing/2014/main" xmlns="" val="926389809"/>
                     </a:ext>
                   </a:extLst>
                 </a:gridCol>
@@ -9486,7 +9486,7 @@
                 </a:tc>
                 <a:extLst>
                   <a:ext uri="{0D108BD9-81ED-4DB2-BD59-A6C34878D82A}">
-                    <a16:rowId xmlns:a16="http://schemas.microsoft.com/office/drawing/2014/main" val="2504948727"/>
+                    <a16:rowId xmlns:a16="http://schemas.microsoft.com/office/drawing/2014/main" xmlns="" val="2504948727"/>
                   </a:ext>
                 </a:extLst>
               </a:tr>
@@ -9615,7 +9615,7 @@
                 </a:tc>
                 <a:extLst>
                   <a:ext uri="{0D108BD9-81ED-4DB2-BD59-A6C34878D82A}">
-                    <a16:rowId xmlns:a16="http://schemas.microsoft.com/office/drawing/2014/main" val="3647525178"/>
+                    <a16:rowId xmlns:a16="http://schemas.microsoft.com/office/drawing/2014/main" xmlns="" val="3647525178"/>
                   </a:ext>
                 </a:extLst>
               </a:tr>
@@ -9728,7 +9728,7 @@
                 </a:tc>
                 <a:extLst>
                   <a:ext uri="{0D108BD9-81ED-4DB2-BD59-A6C34878D82A}">
-                    <a16:rowId xmlns:a16="http://schemas.microsoft.com/office/drawing/2014/main" val="2672623231"/>
+                    <a16:rowId xmlns:a16="http://schemas.microsoft.com/office/drawing/2014/main" xmlns="" val="2672623231"/>
                   </a:ext>
                 </a:extLst>
               </a:tr>
@@ -9841,7 +9841,7 @@
                 </a:tc>
                 <a:extLst>
                   <a:ext uri="{0D108BD9-81ED-4DB2-BD59-A6C34878D82A}">
-                    <a16:rowId xmlns:a16="http://schemas.microsoft.com/office/drawing/2014/main" val="2996999142"/>
+                    <a16:rowId xmlns:a16="http://schemas.microsoft.com/office/drawing/2014/main" xmlns="" val="2996999142"/>
                   </a:ext>
                 </a:extLst>
               </a:tr>
@@ -9950,7 +9950,7 @@
                 </a:tc>
                 <a:extLst>
                   <a:ext uri="{0D108BD9-81ED-4DB2-BD59-A6C34878D82A}">
-                    <a16:rowId xmlns:a16="http://schemas.microsoft.com/office/drawing/2014/main" val="2275222586"/>
+                    <a16:rowId xmlns:a16="http://schemas.microsoft.com/office/drawing/2014/main" xmlns="" val="2275222586"/>
                   </a:ext>
                 </a:extLst>
               </a:tr>
@@ -10059,7 +10059,7 @@
                 </a:tc>
                 <a:extLst>
                   <a:ext uri="{0D108BD9-81ED-4DB2-BD59-A6C34878D82A}">
-                    <a16:rowId xmlns:a16="http://schemas.microsoft.com/office/drawing/2014/main" val="1918467740"/>
+                    <a16:rowId xmlns:a16="http://schemas.microsoft.com/office/drawing/2014/main" xmlns="" val="1918467740"/>
                   </a:ext>
                 </a:extLst>
               </a:tr>
@@ -10168,7 +10168,7 @@
                 </a:tc>
                 <a:extLst>
                   <a:ext uri="{0D108BD9-81ED-4DB2-BD59-A6C34878D82A}">
-                    <a16:rowId xmlns:a16="http://schemas.microsoft.com/office/drawing/2014/main" val="168351104"/>
+                    <a16:rowId xmlns:a16="http://schemas.microsoft.com/office/drawing/2014/main" xmlns="" val="168351104"/>
                   </a:ext>
                 </a:extLst>
               </a:tr>
@@ -10293,7 +10293,7 @@
                 </a:tc>
                 <a:extLst>
                   <a:ext uri="{0D108BD9-81ED-4DB2-BD59-A6C34878D82A}">
-                    <a16:rowId xmlns:a16="http://schemas.microsoft.com/office/drawing/2014/main" val="1446898692"/>
+                    <a16:rowId xmlns:a16="http://schemas.microsoft.com/office/drawing/2014/main" xmlns="" val="1446898692"/>
                   </a:ext>
                 </a:extLst>
               </a:tr>
@@ -10306,7 +10306,7 @@
           <p:cNvPr id="7" name="그룹 1018">
             <a:extLst>
               <a:ext uri="{FF2B5EF4-FFF2-40B4-BE49-F238E27FC236}">
-                <a16:creationId xmlns:a16="http://schemas.microsoft.com/office/drawing/2014/main" id="{0804D430-F42E-AE32-A065-FFA8C471F092}"/>
+                <a16:creationId xmlns:a16="http://schemas.microsoft.com/office/drawing/2014/main" xmlns="" id="{0804D430-F42E-AE32-A065-FFA8C471F092}"/>
               </a:ext>
             </a:extLst>
           </p:cNvPr>
@@ -10326,7 +10326,7 @@
             <p:cNvPr id="8" name="Object 61">
               <a:extLst>
                 <a:ext uri="{FF2B5EF4-FFF2-40B4-BE49-F238E27FC236}">
-                  <a16:creationId xmlns:a16="http://schemas.microsoft.com/office/drawing/2014/main" id="{334A4C3A-641C-7CD9-8FEE-5EC92B28D640}"/>
+                  <a16:creationId xmlns:a16="http://schemas.microsoft.com/office/drawing/2014/main" xmlns="" id="{334A4C3A-641C-7CD9-8FEE-5EC92B28D640}"/>
                 </a:ext>
               </a:extLst>
             </p:cNvPr>
@@ -10357,7 +10357,7 @@
           <p:cNvPr id="9" name="TextBox 8">
             <a:extLst>
               <a:ext uri="{FF2B5EF4-FFF2-40B4-BE49-F238E27FC236}">
-                <a16:creationId xmlns:a16="http://schemas.microsoft.com/office/drawing/2014/main" id="{DF7DDD33-9412-2802-339A-E55446AC2DA7}"/>
+                <a16:creationId xmlns:a16="http://schemas.microsoft.com/office/drawing/2014/main" xmlns="" id="{DF7DDD33-9412-2802-339A-E55446AC2DA7}"/>
               </a:ext>
             </a:extLst>
           </p:cNvPr>
@@ -10405,7 +10405,7 @@
           <p:cNvPr id="10" name="TextBox 9">
             <a:extLst>
               <a:ext uri="{FF2B5EF4-FFF2-40B4-BE49-F238E27FC236}">
-                <a16:creationId xmlns:a16="http://schemas.microsoft.com/office/drawing/2014/main" id="{52176D31-35F7-8916-46FA-6095EFEC1E49}"/>
+                <a16:creationId xmlns:a16="http://schemas.microsoft.com/office/drawing/2014/main" xmlns="" id="{52176D31-35F7-8916-46FA-6095EFEC1E49}"/>
               </a:ext>
             </a:extLst>
           </p:cNvPr>
@@ -10449,7 +10449,7 @@
           <p:cNvPr id="11" name="TextBox 10">
             <a:extLst>
               <a:ext uri="{FF2B5EF4-FFF2-40B4-BE49-F238E27FC236}">
-                <a16:creationId xmlns:a16="http://schemas.microsoft.com/office/drawing/2014/main" id="{52176D31-35F7-8916-46FA-6095EFEC1E49}"/>
+                <a16:creationId xmlns:a16="http://schemas.microsoft.com/office/drawing/2014/main" xmlns="" id="{52176D31-35F7-8916-46FA-6095EFEC1E49}"/>
               </a:ext>
             </a:extLst>
           </p:cNvPr>
@@ -10493,7 +10493,7 @@
           <p:cNvPr id="12" name="직선 화살표 연결선 11">
             <a:extLst>
               <a:ext uri="{FF2B5EF4-FFF2-40B4-BE49-F238E27FC236}">
-                <a16:creationId xmlns:a16="http://schemas.microsoft.com/office/drawing/2014/main" id="{299DF5EC-9DF4-5255-06AC-0A7CE4FF58C3}"/>
+                <a16:creationId xmlns:a16="http://schemas.microsoft.com/office/drawing/2014/main" xmlns="" id="{299DF5EC-9DF4-5255-06AC-0A7CE4FF58C3}"/>
               </a:ext>
             </a:extLst>
           </p:cNvPr>
@@ -10535,7 +10535,7 @@
           <p:cNvPr id="13" name="표 16">
             <a:extLst>
               <a:ext uri="{FF2B5EF4-FFF2-40B4-BE49-F238E27FC236}">
-                <a16:creationId xmlns:a16="http://schemas.microsoft.com/office/drawing/2014/main" id="{F03C45C7-6EB1-7871-F0F7-945F667135C4}"/>
+                <a16:creationId xmlns:a16="http://schemas.microsoft.com/office/drawing/2014/main" xmlns="" id="{F03C45C7-6EB1-7871-F0F7-945F667135C4}"/>
               </a:ext>
             </a:extLst>
           </p:cNvPr>
@@ -10564,14 +10564,14 @@
                 <a:gridCol w="1600200">
                   <a:extLst>
                     <a:ext uri="{9D8B030D-6E8A-4147-A177-3AD203B41FA5}">
-                      <a16:colId xmlns:a16="http://schemas.microsoft.com/office/drawing/2014/main" val="2433761377"/>
+                      <a16:colId xmlns:a16="http://schemas.microsoft.com/office/drawing/2014/main" xmlns="" val="2433761377"/>
                     </a:ext>
                   </a:extLst>
                 </a:gridCol>
                 <a:gridCol w="1828800">
                   <a:extLst>
                     <a:ext uri="{9D8B030D-6E8A-4147-A177-3AD203B41FA5}">
-                      <a16:colId xmlns:a16="http://schemas.microsoft.com/office/drawing/2014/main" val="926389809"/>
+                      <a16:colId xmlns:a16="http://schemas.microsoft.com/office/drawing/2014/main" xmlns="" val="926389809"/>
                     </a:ext>
                   </a:extLst>
                 </a:gridCol>
@@ -10713,7 +10713,7 @@
                 </a:tc>
                 <a:extLst>
                   <a:ext uri="{0D108BD9-81ED-4DB2-BD59-A6C34878D82A}">
-                    <a16:rowId xmlns:a16="http://schemas.microsoft.com/office/drawing/2014/main" val="2504948727"/>
+                    <a16:rowId xmlns:a16="http://schemas.microsoft.com/office/drawing/2014/main" xmlns="" val="2504948727"/>
                   </a:ext>
                 </a:extLst>
               </a:tr>
@@ -10842,7 +10842,7 @@
                 </a:tc>
                 <a:extLst>
                   <a:ext uri="{0D108BD9-81ED-4DB2-BD59-A6C34878D82A}">
-                    <a16:rowId xmlns:a16="http://schemas.microsoft.com/office/drawing/2014/main" val="3647525178"/>
+                    <a16:rowId xmlns:a16="http://schemas.microsoft.com/office/drawing/2014/main" xmlns="" val="3647525178"/>
                   </a:ext>
                 </a:extLst>
               </a:tr>
@@ -10955,7 +10955,7 @@
                 </a:tc>
                 <a:extLst>
                   <a:ext uri="{0D108BD9-81ED-4DB2-BD59-A6C34878D82A}">
-                    <a16:rowId xmlns:a16="http://schemas.microsoft.com/office/drawing/2014/main" val="2672623231"/>
+                    <a16:rowId xmlns:a16="http://schemas.microsoft.com/office/drawing/2014/main" xmlns="" val="2672623231"/>
                   </a:ext>
                 </a:extLst>
               </a:tr>
@@ -11068,7 +11068,7 @@
                 </a:tc>
                 <a:extLst>
                   <a:ext uri="{0D108BD9-81ED-4DB2-BD59-A6C34878D82A}">
-                    <a16:rowId xmlns:a16="http://schemas.microsoft.com/office/drawing/2014/main" val="2996999142"/>
+                    <a16:rowId xmlns:a16="http://schemas.microsoft.com/office/drawing/2014/main" xmlns="" val="2996999142"/>
                   </a:ext>
                 </a:extLst>
               </a:tr>
@@ -11177,7 +11177,7 @@
                 </a:tc>
                 <a:extLst>
                   <a:ext uri="{0D108BD9-81ED-4DB2-BD59-A6C34878D82A}">
-                    <a16:rowId xmlns:a16="http://schemas.microsoft.com/office/drawing/2014/main" val="2275222586"/>
+                    <a16:rowId xmlns:a16="http://schemas.microsoft.com/office/drawing/2014/main" xmlns="" val="2275222586"/>
                   </a:ext>
                 </a:extLst>
               </a:tr>
@@ -11286,7 +11286,7 @@
                 </a:tc>
                 <a:extLst>
                   <a:ext uri="{0D108BD9-81ED-4DB2-BD59-A6C34878D82A}">
-                    <a16:rowId xmlns:a16="http://schemas.microsoft.com/office/drawing/2014/main" val="1918467740"/>
+                    <a16:rowId xmlns:a16="http://schemas.microsoft.com/office/drawing/2014/main" xmlns="" val="1918467740"/>
                   </a:ext>
                 </a:extLst>
               </a:tr>
@@ -11395,7 +11395,7 @@
                 </a:tc>
                 <a:extLst>
                   <a:ext uri="{0D108BD9-81ED-4DB2-BD59-A6C34878D82A}">
-                    <a16:rowId xmlns:a16="http://schemas.microsoft.com/office/drawing/2014/main" val="168351104"/>
+                    <a16:rowId xmlns:a16="http://schemas.microsoft.com/office/drawing/2014/main" xmlns="" val="168351104"/>
                   </a:ext>
                 </a:extLst>
               </a:tr>
@@ -11520,7 +11520,7 @@
                 </a:tc>
                 <a:extLst>
                   <a:ext uri="{0D108BD9-81ED-4DB2-BD59-A6C34878D82A}">
-                    <a16:rowId xmlns:a16="http://schemas.microsoft.com/office/drawing/2014/main" val="1446898692"/>
+                    <a16:rowId xmlns:a16="http://schemas.microsoft.com/office/drawing/2014/main" xmlns="" val="1446898692"/>
                   </a:ext>
                 </a:extLst>
               </a:tr>
@@ -11533,7 +11533,7 @@
           <p:cNvPr id="14" name="그룹 1018">
             <a:extLst>
               <a:ext uri="{FF2B5EF4-FFF2-40B4-BE49-F238E27FC236}">
-                <a16:creationId xmlns:a16="http://schemas.microsoft.com/office/drawing/2014/main" id="{0804D430-F42E-AE32-A065-FFA8C471F092}"/>
+                <a16:creationId xmlns:a16="http://schemas.microsoft.com/office/drawing/2014/main" xmlns="" id="{0804D430-F42E-AE32-A065-FFA8C471F092}"/>
               </a:ext>
             </a:extLst>
           </p:cNvPr>
@@ -11553,7 +11553,7 @@
             <p:cNvPr id="15" name="Object 61">
               <a:extLst>
                 <a:ext uri="{FF2B5EF4-FFF2-40B4-BE49-F238E27FC236}">
-                  <a16:creationId xmlns:a16="http://schemas.microsoft.com/office/drawing/2014/main" id="{334A4C3A-641C-7CD9-8FEE-5EC92B28D640}"/>
+                  <a16:creationId xmlns:a16="http://schemas.microsoft.com/office/drawing/2014/main" xmlns="" id="{334A4C3A-641C-7CD9-8FEE-5EC92B28D640}"/>
                 </a:ext>
               </a:extLst>
             </p:cNvPr>
@@ -11584,7 +11584,7 @@
           <p:cNvPr id="16" name="TextBox 15">
             <a:extLst>
               <a:ext uri="{FF2B5EF4-FFF2-40B4-BE49-F238E27FC236}">
-                <a16:creationId xmlns:a16="http://schemas.microsoft.com/office/drawing/2014/main" id="{DF7DDD33-9412-2802-339A-E55446AC2DA7}"/>
+                <a16:creationId xmlns:a16="http://schemas.microsoft.com/office/drawing/2014/main" xmlns="" id="{DF7DDD33-9412-2802-339A-E55446AC2DA7}"/>
               </a:ext>
             </a:extLst>
           </p:cNvPr>
@@ -11632,7 +11632,7 @@
           <p:cNvPr id="17" name="TextBox 16">
             <a:extLst>
               <a:ext uri="{FF2B5EF4-FFF2-40B4-BE49-F238E27FC236}">
-                <a16:creationId xmlns:a16="http://schemas.microsoft.com/office/drawing/2014/main" id="{52176D31-35F7-8916-46FA-6095EFEC1E49}"/>
+                <a16:creationId xmlns:a16="http://schemas.microsoft.com/office/drawing/2014/main" xmlns="" id="{52176D31-35F7-8916-46FA-6095EFEC1E49}"/>
               </a:ext>
             </a:extLst>
           </p:cNvPr>
@@ -11686,7 +11686,7 @@
           <p:cNvPr id="18" name="TextBox 17">
             <a:extLst>
               <a:ext uri="{FF2B5EF4-FFF2-40B4-BE49-F238E27FC236}">
-                <a16:creationId xmlns:a16="http://schemas.microsoft.com/office/drawing/2014/main" id="{52176D31-35F7-8916-46FA-6095EFEC1E49}"/>
+                <a16:creationId xmlns:a16="http://schemas.microsoft.com/office/drawing/2014/main" xmlns="" id="{52176D31-35F7-8916-46FA-6095EFEC1E49}"/>
               </a:ext>
             </a:extLst>
           </p:cNvPr>
@@ -11740,7 +11740,7 @@
           <p:cNvPr id="19" name="직선 화살표 연결선 18">
             <a:extLst>
               <a:ext uri="{FF2B5EF4-FFF2-40B4-BE49-F238E27FC236}">
-                <a16:creationId xmlns:a16="http://schemas.microsoft.com/office/drawing/2014/main" id="{299DF5EC-9DF4-5255-06AC-0A7CE4FF58C3}"/>
+                <a16:creationId xmlns:a16="http://schemas.microsoft.com/office/drawing/2014/main" xmlns="" id="{299DF5EC-9DF4-5255-06AC-0A7CE4FF58C3}"/>
               </a:ext>
             </a:extLst>
           </p:cNvPr>
@@ -11806,7 +11806,7 @@
           <p:cNvPr id="21" name="직사각형 20">
             <a:extLst>
               <a:ext uri="{FF2B5EF4-FFF2-40B4-BE49-F238E27FC236}">
-                <a16:creationId xmlns:a16="http://schemas.microsoft.com/office/drawing/2014/main" id="{FFF506F9-840A-0508-4CAF-3AC711D8D5CE}"/>
+                <a16:creationId xmlns:a16="http://schemas.microsoft.com/office/drawing/2014/main" xmlns="" id="{FFF506F9-840A-0508-4CAF-3AC711D8D5CE}"/>
               </a:ext>
             </a:extLst>
           </p:cNvPr>
@@ -12204,7 +12204,7 @@
           <p:cNvPr id="2" name="TextBox 1">
             <a:extLst>
               <a:ext uri="{FF2B5EF4-FFF2-40B4-BE49-F238E27FC236}">
-                <a16:creationId xmlns:a16="http://schemas.microsoft.com/office/drawing/2014/main" id="{76F36AE5-79B5-0B9F-E510-1C27AAC4B649}"/>
+                <a16:creationId xmlns:a16="http://schemas.microsoft.com/office/drawing/2014/main" xmlns="" id="{76F36AE5-79B5-0B9F-E510-1C27AAC4B649}"/>
               </a:ext>
             </a:extLst>
           </p:cNvPr>
@@ -12282,7 +12282,7 @@
           <p:cNvPr id="4" name="TextBox 3">
             <a:extLst>
               <a:ext uri="{FF2B5EF4-FFF2-40B4-BE49-F238E27FC236}">
-                <a16:creationId xmlns:a16="http://schemas.microsoft.com/office/drawing/2014/main" id="{37C30BAF-D498-C798-BC14-1718488A3435}"/>
+                <a16:creationId xmlns:a16="http://schemas.microsoft.com/office/drawing/2014/main" xmlns="" id="{37C30BAF-D498-C798-BC14-1718488A3435}"/>
               </a:ext>
             </a:extLst>
           </p:cNvPr>
@@ -12517,7 +12517,7 @@
           <p:cNvPr id="4" name="TextBox 3">
             <a:extLst>
               <a:ext uri="{FF2B5EF4-FFF2-40B4-BE49-F238E27FC236}">
-                <a16:creationId xmlns:a16="http://schemas.microsoft.com/office/drawing/2014/main" id="{37C30BAF-D498-C798-BC14-1718488A3435}"/>
+                <a16:creationId xmlns:a16="http://schemas.microsoft.com/office/drawing/2014/main" xmlns="" id="{37C30BAF-D498-C798-BC14-1718488A3435}"/>
               </a:ext>
             </a:extLst>
           </p:cNvPr>
@@ -12667,7 +12667,7 @@
           <p:cNvPr id="4" name="TextBox 3">
             <a:extLst>
               <a:ext uri="{FF2B5EF4-FFF2-40B4-BE49-F238E27FC236}">
-                <a16:creationId xmlns:a16="http://schemas.microsoft.com/office/drawing/2014/main" id="{37C30BAF-D498-C798-BC14-1718488A3435}"/>
+                <a16:creationId xmlns:a16="http://schemas.microsoft.com/office/drawing/2014/main" xmlns="" id="{37C30BAF-D498-C798-BC14-1718488A3435}"/>
               </a:ext>
             </a:extLst>
           </p:cNvPr>
@@ -12739,7 +12739,7 @@
           <p:cNvPr id="6" name="직선 화살표 연결선 5">
             <a:extLst>
               <a:ext uri="{FF2B5EF4-FFF2-40B4-BE49-F238E27FC236}">
-                <a16:creationId xmlns:a16="http://schemas.microsoft.com/office/drawing/2014/main" id="{299DF5EC-9DF4-5255-06AC-0A7CE4FF58C3}"/>
+                <a16:creationId xmlns:a16="http://schemas.microsoft.com/office/drawing/2014/main" xmlns="" id="{299DF5EC-9DF4-5255-06AC-0A7CE4FF58C3}"/>
               </a:ext>
             </a:extLst>
           </p:cNvPr>
@@ -12780,7 +12780,7 @@
           <p:cNvPr id="7" name="직사각형 6">
             <a:extLst>
               <a:ext uri="{FF2B5EF4-FFF2-40B4-BE49-F238E27FC236}">
-                <a16:creationId xmlns:a16="http://schemas.microsoft.com/office/drawing/2014/main" id="{FFF506F9-840A-0508-4CAF-3AC711D8D5CE}"/>
+                <a16:creationId xmlns:a16="http://schemas.microsoft.com/office/drawing/2014/main" xmlns="" id="{FFF506F9-840A-0508-4CAF-3AC711D8D5CE}"/>
               </a:ext>
             </a:extLst>
           </p:cNvPr>
@@ -12832,7 +12832,7 @@
           <p:cNvPr id="8" name="TextBox 7">
             <a:extLst>
               <a:ext uri="{FF2B5EF4-FFF2-40B4-BE49-F238E27FC236}">
-                <a16:creationId xmlns:a16="http://schemas.microsoft.com/office/drawing/2014/main" id="{C6D113C6-EA5C-788F-0C77-E7CE6EBB865F}"/>
+                <a16:creationId xmlns:a16="http://schemas.microsoft.com/office/drawing/2014/main" xmlns="" id="{C6D113C6-EA5C-788F-0C77-E7CE6EBB865F}"/>
               </a:ext>
             </a:extLst>
           </p:cNvPr>
@@ -12890,7 +12890,7 @@
           <p:cNvPr id="9" name="직선 화살표 연결선 8">
             <a:extLst>
               <a:ext uri="{FF2B5EF4-FFF2-40B4-BE49-F238E27FC236}">
-                <a16:creationId xmlns:a16="http://schemas.microsoft.com/office/drawing/2014/main" id="{299DF5EC-9DF4-5255-06AC-0A7CE4FF58C3}"/>
+                <a16:creationId xmlns:a16="http://schemas.microsoft.com/office/drawing/2014/main" xmlns="" id="{299DF5EC-9DF4-5255-06AC-0A7CE4FF58C3}"/>
               </a:ext>
             </a:extLst>
           </p:cNvPr>
@@ -12931,7 +12931,7 @@
           <p:cNvPr id="10" name="직사각형 9">
             <a:extLst>
               <a:ext uri="{FF2B5EF4-FFF2-40B4-BE49-F238E27FC236}">
-                <a16:creationId xmlns:a16="http://schemas.microsoft.com/office/drawing/2014/main" id="{FFF506F9-840A-0508-4CAF-3AC711D8D5CE}"/>
+                <a16:creationId xmlns:a16="http://schemas.microsoft.com/office/drawing/2014/main" xmlns="" id="{FFF506F9-840A-0508-4CAF-3AC711D8D5CE}"/>
               </a:ext>
             </a:extLst>
           </p:cNvPr>
@@ -12983,7 +12983,7 @@
           <p:cNvPr id="11" name="TextBox 10">
             <a:extLst>
               <a:ext uri="{FF2B5EF4-FFF2-40B4-BE49-F238E27FC236}">
-                <a16:creationId xmlns:a16="http://schemas.microsoft.com/office/drawing/2014/main" id="{C6D113C6-EA5C-788F-0C77-E7CE6EBB865F}"/>
+                <a16:creationId xmlns:a16="http://schemas.microsoft.com/office/drawing/2014/main" xmlns="" id="{C6D113C6-EA5C-788F-0C77-E7CE6EBB865F}"/>
               </a:ext>
             </a:extLst>
           </p:cNvPr>
@@ -13228,7 +13228,7 @@
           <p:cNvPr id="4" name="TextBox 3">
             <a:extLst>
               <a:ext uri="{FF2B5EF4-FFF2-40B4-BE49-F238E27FC236}">
-                <a16:creationId xmlns:a16="http://schemas.microsoft.com/office/drawing/2014/main" id="{37C30BAF-D498-C798-BC14-1718488A3435}"/>
+                <a16:creationId xmlns:a16="http://schemas.microsoft.com/office/drawing/2014/main" xmlns="" id="{37C30BAF-D498-C798-BC14-1718488A3435}"/>
               </a:ext>
             </a:extLst>
           </p:cNvPr>
@@ -13359,7 +13359,7 @@
           <p:cNvPr id="6" name="직사각형 5">
             <a:extLst>
               <a:ext uri="{FF2B5EF4-FFF2-40B4-BE49-F238E27FC236}">
-                <a16:creationId xmlns:a16="http://schemas.microsoft.com/office/drawing/2014/main" id="{FFF506F9-840A-0508-4CAF-3AC711D8D5CE}"/>
+                <a16:creationId xmlns:a16="http://schemas.microsoft.com/office/drawing/2014/main" xmlns="" id="{FFF506F9-840A-0508-4CAF-3AC711D8D5CE}"/>
               </a:ext>
             </a:extLst>
           </p:cNvPr>
@@ -13411,7 +13411,7 @@
           <p:cNvPr id="8" name="TextBox 7">
             <a:extLst>
               <a:ext uri="{FF2B5EF4-FFF2-40B4-BE49-F238E27FC236}">
-                <a16:creationId xmlns:a16="http://schemas.microsoft.com/office/drawing/2014/main" id="{37C30BAF-D498-C798-BC14-1718488A3435}"/>
+                <a16:creationId xmlns:a16="http://schemas.microsoft.com/office/drawing/2014/main" xmlns="" id="{37C30BAF-D498-C798-BC14-1718488A3435}"/>
               </a:ext>
             </a:extLst>
           </p:cNvPr>
@@ -13513,7 +13513,7 @@
           <p:cNvPr id="10" name="그룹 1008">
             <a:extLst>
               <a:ext uri="{FF2B5EF4-FFF2-40B4-BE49-F238E27FC236}">
-                <a16:creationId xmlns:a16="http://schemas.microsoft.com/office/drawing/2014/main" id="{678F6342-C505-E8AD-ADA4-022CB2C2088E}"/>
+                <a16:creationId xmlns:a16="http://schemas.microsoft.com/office/drawing/2014/main" xmlns="" id="{678F6342-C505-E8AD-ADA4-022CB2C2088E}"/>
               </a:ext>
             </a:extLst>
           </p:cNvPr>
@@ -13533,7 +13533,7 @@
             <p:cNvPr id="11" name="그룹 1009">
               <a:extLst>
                 <a:ext uri="{FF2B5EF4-FFF2-40B4-BE49-F238E27FC236}">
-                  <a16:creationId xmlns:a16="http://schemas.microsoft.com/office/drawing/2014/main" id="{4E1F1FED-812B-9BBB-925A-84B54A077414}"/>
+                  <a16:creationId xmlns:a16="http://schemas.microsoft.com/office/drawing/2014/main" xmlns="" id="{4E1F1FED-812B-9BBB-925A-84B54A077414}"/>
                 </a:ext>
               </a:extLst>
             </p:cNvPr>
@@ -13553,7 +13553,7 @@
               <p:cNvPr id="16" name="Object 29">
                 <a:extLst>
                   <a:ext uri="{FF2B5EF4-FFF2-40B4-BE49-F238E27FC236}">
-                    <a16:creationId xmlns:a16="http://schemas.microsoft.com/office/drawing/2014/main" id="{7B078609-4286-7B00-51EB-809C8E2DE289}"/>
+                    <a16:creationId xmlns:a16="http://schemas.microsoft.com/office/drawing/2014/main" xmlns="" id="{7B078609-4286-7B00-51EB-809C8E2DE289}"/>
                   </a:ext>
                 </a:extLst>
               </p:cNvPr>
@@ -13584,7 +13584,7 @@
             <p:cNvPr id="12" name="그룹 1010">
               <a:extLst>
                 <a:ext uri="{FF2B5EF4-FFF2-40B4-BE49-F238E27FC236}">
-                  <a16:creationId xmlns:a16="http://schemas.microsoft.com/office/drawing/2014/main" id="{02A649BF-B5B5-FBAF-7DFD-E118A4DF8907}"/>
+                  <a16:creationId xmlns:a16="http://schemas.microsoft.com/office/drawing/2014/main" xmlns="" id="{02A649BF-B5B5-FBAF-7DFD-E118A4DF8907}"/>
                 </a:ext>
               </a:extLst>
             </p:cNvPr>
@@ -13604,7 +13604,7 @@
               <p:cNvPr id="15" name="Object 32">
                 <a:extLst>
                   <a:ext uri="{FF2B5EF4-FFF2-40B4-BE49-F238E27FC236}">
-                    <a16:creationId xmlns:a16="http://schemas.microsoft.com/office/drawing/2014/main" id="{2A0FFF23-B3C9-3EA0-1C1B-A87D4FF098AE}"/>
+                    <a16:creationId xmlns:a16="http://schemas.microsoft.com/office/drawing/2014/main" xmlns="" id="{2A0FFF23-B3C9-3EA0-1C1B-A87D4FF098AE}"/>
                   </a:ext>
                 </a:extLst>
               </p:cNvPr>
@@ -13635,7 +13635,7 @@
             <p:cNvPr id="13" name="그룹 1011">
               <a:extLst>
                 <a:ext uri="{FF2B5EF4-FFF2-40B4-BE49-F238E27FC236}">
-                  <a16:creationId xmlns:a16="http://schemas.microsoft.com/office/drawing/2014/main" id="{881F5410-F7FB-F261-A584-707359BAC593}"/>
+                  <a16:creationId xmlns:a16="http://schemas.microsoft.com/office/drawing/2014/main" xmlns="" id="{881F5410-F7FB-F261-A584-707359BAC593}"/>
                 </a:ext>
               </a:extLst>
             </p:cNvPr>
@@ -13655,7 +13655,7 @@
               <p:cNvPr id="14" name="Object 35">
                 <a:extLst>
                   <a:ext uri="{FF2B5EF4-FFF2-40B4-BE49-F238E27FC236}">
-                    <a16:creationId xmlns:a16="http://schemas.microsoft.com/office/drawing/2014/main" id="{4E99E669-73EB-F9F4-EFE8-DC107035C265}"/>
+                    <a16:creationId xmlns:a16="http://schemas.microsoft.com/office/drawing/2014/main" xmlns="" id="{4E99E669-73EB-F9F4-EFE8-DC107035C265}"/>
                   </a:ext>
                 </a:extLst>
               </p:cNvPr>
@@ -14109,7 +14109,7 @@
           <p:cNvPr id="11" name="TextBox 10">
             <a:extLst>
               <a:ext uri="{FF2B5EF4-FFF2-40B4-BE49-F238E27FC236}">
-                <a16:creationId xmlns:a16="http://schemas.microsoft.com/office/drawing/2014/main" id="{9F88F580-08BE-88C2-D640-13F0026591CB}"/>
+                <a16:creationId xmlns:a16="http://schemas.microsoft.com/office/drawing/2014/main" xmlns="" id="{9F88F580-08BE-88C2-D640-13F0026591CB}"/>
               </a:ext>
             </a:extLst>
           </p:cNvPr>
@@ -14160,7 +14160,7 @@
           <p:cNvPr id="13" name="TextBox 12">
             <a:extLst>
               <a:ext uri="{FF2B5EF4-FFF2-40B4-BE49-F238E27FC236}">
-                <a16:creationId xmlns:a16="http://schemas.microsoft.com/office/drawing/2014/main" id="{72769C28-9BB6-DE9C-7B6F-264B77B8DD0E}"/>
+                <a16:creationId xmlns:a16="http://schemas.microsoft.com/office/drawing/2014/main" xmlns="" id="{72769C28-9BB6-DE9C-7B6F-264B77B8DD0E}"/>
               </a:ext>
             </a:extLst>
           </p:cNvPr>
@@ -14201,7 +14201,7 @@
           <p:cNvPr id="14" name="TextBox 13">
             <a:extLst>
               <a:ext uri="{FF2B5EF4-FFF2-40B4-BE49-F238E27FC236}">
-                <a16:creationId xmlns:a16="http://schemas.microsoft.com/office/drawing/2014/main" id="{270FBB6A-01CE-5637-78DA-58F0C974145C}"/>
+                <a16:creationId xmlns:a16="http://schemas.microsoft.com/office/drawing/2014/main" xmlns="" id="{270FBB6A-01CE-5637-78DA-58F0C974145C}"/>
               </a:ext>
             </a:extLst>
           </p:cNvPr>
@@ -14249,7 +14249,7 @@
           <p:cNvPr id="2" name="Object 17">
             <a:extLst>
               <a:ext uri="{FF2B5EF4-FFF2-40B4-BE49-F238E27FC236}">
-                <a16:creationId xmlns:a16="http://schemas.microsoft.com/office/drawing/2014/main" id="{140B283D-FE58-FA6F-6F7C-E0F1DBB62A65}"/>
+                <a16:creationId xmlns:a16="http://schemas.microsoft.com/office/drawing/2014/main" xmlns="" id="{140B283D-FE58-FA6F-6F7C-E0F1DBB62A65}"/>
               </a:ext>
             </a:extLst>
           </p:cNvPr>
@@ -14279,7 +14279,7 @@
           <p:cNvPr id="4" name="TextBox 3">
             <a:extLst>
               <a:ext uri="{FF2B5EF4-FFF2-40B4-BE49-F238E27FC236}">
-                <a16:creationId xmlns:a16="http://schemas.microsoft.com/office/drawing/2014/main" id="{2C8D0998-79BC-6FD2-59D9-8052B4A25F65}"/>
+                <a16:creationId xmlns:a16="http://schemas.microsoft.com/office/drawing/2014/main" xmlns="" id="{2C8D0998-79BC-6FD2-59D9-8052B4A25F65}"/>
               </a:ext>
             </a:extLst>
           </p:cNvPr>
@@ -14320,7 +14320,7 @@
           <p:cNvPr id="5" name="Object 18">
             <a:extLst>
               <a:ext uri="{FF2B5EF4-FFF2-40B4-BE49-F238E27FC236}">
-                <a16:creationId xmlns:a16="http://schemas.microsoft.com/office/drawing/2014/main" id="{3F58EA3E-1018-64D3-FAB2-4F6B9618FA56}"/>
+                <a16:creationId xmlns:a16="http://schemas.microsoft.com/office/drawing/2014/main" xmlns="" id="{3F58EA3E-1018-64D3-FAB2-4F6B9618FA56}"/>
               </a:ext>
             </a:extLst>
           </p:cNvPr>
@@ -14350,7 +14350,7 @@
           <p:cNvPr id="8" name="TextBox 7">
             <a:extLst>
               <a:ext uri="{FF2B5EF4-FFF2-40B4-BE49-F238E27FC236}">
-                <a16:creationId xmlns:a16="http://schemas.microsoft.com/office/drawing/2014/main" id="{681D3F16-7DCF-41AD-F5F1-0558C78C0E4D}"/>
+                <a16:creationId xmlns:a16="http://schemas.microsoft.com/office/drawing/2014/main" xmlns="" id="{681D3F16-7DCF-41AD-F5F1-0558C78C0E4D}"/>
               </a:ext>
             </a:extLst>
           </p:cNvPr>
@@ -14423,7 +14423,7 @@
           <p:cNvPr id="4" name="TextBox 3">
             <a:extLst>
               <a:ext uri="{FF2B5EF4-FFF2-40B4-BE49-F238E27FC236}">
-                <a16:creationId xmlns:a16="http://schemas.microsoft.com/office/drawing/2014/main" id="{37C30BAF-D498-C798-BC14-1718488A3435}"/>
+                <a16:creationId xmlns:a16="http://schemas.microsoft.com/office/drawing/2014/main" xmlns="" id="{37C30BAF-D498-C798-BC14-1718488A3435}"/>
               </a:ext>
             </a:extLst>
           </p:cNvPr>
@@ -14519,7 +14519,7 @@
           <p:cNvPr id="7" name="직선 화살표 연결선 6">
             <a:extLst>
               <a:ext uri="{FF2B5EF4-FFF2-40B4-BE49-F238E27FC236}">
-                <a16:creationId xmlns:a16="http://schemas.microsoft.com/office/drawing/2014/main" id="{299DF5EC-9DF4-5255-06AC-0A7CE4FF58C3}"/>
+                <a16:creationId xmlns:a16="http://schemas.microsoft.com/office/drawing/2014/main" xmlns="" id="{299DF5EC-9DF4-5255-06AC-0A7CE4FF58C3}"/>
               </a:ext>
             </a:extLst>
           </p:cNvPr>
@@ -14560,7 +14560,7 @@
           <p:cNvPr id="8" name="직사각형 7">
             <a:extLst>
               <a:ext uri="{FF2B5EF4-FFF2-40B4-BE49-F238E27FC236}">
-                <a16:creationId xmlns:a16="http://schemas.microsoft.com/office/drawing/2014/main" id="{FFF506F9-840A-0508-4CAF-3AC711D8D5CE}"/>
+                <a16:creationId xmlns:a16="http://schemas.microsoft.com/office/drawing/2014/main" xmlns="" id="{FFF506F9-840A-0508-4CAF-3AC711D8D5CE}"/>
               </a:ext>
             </a:extLst>
           </p:cNvPr>
@@ -14612,7 +14612,7 @@
           <p:cNvPr id="9" name="TextBox 8">
             <a:extLst>
               <a:ext uri="{FF2B5EF4-FFF2-40B4-BE49-F238E27FC236}">
-                <a16:creationId xmlns:a16="http://schemas.microsoft.com/office/drawing/2014/main" id="{C6D113C6-EA5C-788F-0C77-E7CE6EBB865F}"/>
+                <a16:creationId xmlns:a16="http://schemas.microsoft.com/office/drawing/2014/main" xmlns="" id="{C6D113C6-EA5C-788F-0C77-E7CE6EBB865F}"/>
               </a:ext>
             </a:extLst>
           </p:cNvPr>
@@ -14660,7 +14660,7 @@
           <p:cNvPr id="10" name="직선 화살표 연결선 9">
             <a:extLst>
               <a:ext uri="{FF2B5EF4-FFF2-40B4-BE49-F238E27FC236}">
-                <a16:creationId xmlns:a16="http://schemas.microsoft.com/office/drawing/2014/main" id="{299DF5EC-9DF4-5255-06AC-0A7CE4FF58C3}"/>
+                <a16:creationId xmlns:a16="http://schemas.microsoft.com/office/drawing/2014/main" xmlns="" id="{299DF5EC-9DF4-5255-06AC-0A7CE4FF58C3}"/>
               </a:ext>
             </a:extLst>
           </p:cNvPr>
@@ -14702,7 +14702,7 @@
           <p:cNvPr id="11" name="직사각형 10">
             <a:extLst>
               <a:ext uri="{FF2B5EF4-FFF2-40B4-BE49-F238E27FC236}">
-                <a16:creationId xmlns:a16="http://schemas.microsoft.com/office/drawing/2014/main" id="{FFF506F9-840A-0508-4CAF-3AC711D8D5CE}"/>
+                <a16:creationId xmlns:a16="http://schemas.microsoft.com/office/drawing/2014/main" xmlns="" id="{FFF506F9-840A-0508-4CAF-3AC711D8D5CE}"/>
               </a:ext>
             </a:extLst>
           </p:cNvPr>
@@ -14754,7 +14754,7 @@
           <p:cNvPr id="12" name="TextBox 11">
             <a:extLst>
               <a:ext uri="{FF2B5EF4-FFF2-40B4-BE49-F238E27FC236}">
-                <a16:creationId xmlns:a16="http://schemas.microsoft.com/office/drawing/2014/main" id="{C6D113C6-EA5C-788F-0C77-E7CE6EBB865F}"/>
+                <a16:creationId xmlns:a16="http://schemas.microsoft.com/office/drawing/2014/main" xmlns="" id="{C6D113C6-EA5C-788F-0C77-E7CE6EBB865F}"/>
               </a:ext>
             </a:extLst>
           </p:cNvPr>
@@ -14995,7 +14995,7 @@
           <p:cNvPr id="6" name="직선 화살표 연결선 5">
             <a:extLst>
               <a:ext uri="{FF2B5EF4-FFF2-40B4-BE49-F238E27FC236}">
-                <a16:creationId xmlns:a16="http://schemas.microsoft.com/office/drawing/2014/main" id="{299DF5EC-9DF4-5255-06AC-0A7CE4FF58C3}"/>
+                <a16:creationId xmlns:a16="http://schemas.microsoft.com/office/drawing/2014/main" xmlns="" id="{299DF5EC-9DF4-5255-06AC-0A7CE4FF58C3}"/>
               </a:ext>
             </a:extLst>
           </p:cNvPr>
@@ -15036,7 +15036,7 @@
           <p:cNvPr id="7" name="직사각형 6">
             <a:extLst>
               <a:ext uri="{FF2B5EF4-FFF2-40B4-BE49-F238E27FC236}">
-                <a16:creationId xmlns:a16="http://schemas.microsoft.com/office/drawing/2014/main" id="{FFF506F9-840A-0508-4CAF-3AC711D8D5CE}"/>
+                <a16:creationId xmlns:a16="http://schemas.microsoft.com/office/drawing/2014/main" xmlns="" id="{FFF506F9-840A-0508-4CAF-3AC711D8D5CE}"/>
               </a:ext>
             </a:extLst>
           </p:cNvPr>
@@ -15088,7 +15088,7 @@
           <p:cNvPr id="8" name="TextBox 7">
             <a:extLst>
               <a:ext uri="{FF2B5EF4-FFF2-40B4-BE49-F238E27FC236}">
-                <a16:creationId xmlns:a16="http://schemas.microsoft.com/office/drawing/2014/main" id="{C6D113C6-EA5C-788F-0C77-E7CE6EBB865F}"/>
+                <a16:creationId xmlns:a16="http://schemas.microsoft.com/office/drawing/2014/main" xmlns="" id="{C6D113C6-EA5C-788F-0C77-E7CE6EBB865F}"/>
               </a:ext>
             </a:extLst>
           </p:cNvPr>
@@ -15170,7 +15170,7 @@
           <p:cNvPr id="10" name="직선 화살표 연결선 9">
             <a:extLst>
               <a:ext uri="{FF2B5EF4-FFF2-40B4-BE49-F238E27FC236}">
-                <a16:creationId xmlns:a16="http://schemas.microsoft.com/office/drawing/2014/main" id="{299DF5EC-9DF4-5255-06AC-0A7CE4FF58C3}"/>
+                <a16:creationId xmlns:a16="http://schemas.microsoft.com/office/drawing/2014/main" xmlns="" id="{299DF5EC-9DF4-5255-06AC-0A7CE4FF58C3}"/>
               </a:ext>
             </a:extLst>
           </p:cNvPr>
@@ -15212,7 +15212,7 @@
           <p:cNvPr id="11" name="TextBox 10">
             <a:extLst>
               <a:ext uri="{FF2B5EF4-FFF2-40B4-BE49-F238E27FC236}">
-                <a16:creationId xmlns:a16="http://schemas.microsoft.com/office/drawing/2014/main" id="{C6D113C6-EA5C-788F-0C77-E7CE6EBB865F}"/>
+                <a16:creationId xmlns:a16="http://schemas.microsoft.com/office/drawing/2014/main" xmlns="" id="{C6D113C6-EA5C-788F-0C77-E7CE6EBB865F}"/>
               </a:ext>
             </a:extLst>
           </p:cNvPr>
@@ -15294,7 +15294,7 @@
           <p:cNvPr id="14" name="직선 화살표 연결선 13">
             <a:extLst>
               <a:ext uri="{FF2B5EF4-FFF2-40B4-BE49-F238E27FC236}">
-                <a16:creationId xmlns:a16="http://schemas.microsoft.com/office/drawing/2014/main" id="{299DF5EC-9DF4-5255-06AC-0A7CE4FF58C3}"/>
+                <a16:creationId xmlns:a16="http://schemas.microsoft.com/office/drawing/2014/main" xmlns="" id="{299DF5EC-9DF4-5255-06AC-0A7CE4FF58C3}"/>
               </a:ext>
             </a:extLst>
           </p:cNvPr>
@@ -15337,7 +15337,7 @@
           <p:cNvPr id="15" name="TextBox 14">
             <a:extLst>
               <a:ext uri="{FF2B5EF4-FFF2-40B4-BE49-F238E27FC236}">
-                <a16:creationId xmlns:a16="http://schemas.microsoft.com/office/drawing/2014/main" id="{C6D113C6-EA5C-788F-0C77-E7CE6EBB865F}"/>
+                <a16:creationId xmlns:a16="http://schemas.microsoft.com/office/drawing/2014/main" xmlns="" id="{C6D113C6-EA5C-788F-0C77-E7CE6EBB865F}"/>
               </a:ext>
             </a:extLst>
           </p:cNvPr>
@@ -15631,7 +15631,7 @@
           <p:cNvPr id="4" name="TextBox 3">
             <a:extLst>
               <a:ext uri="{FF2B5EF4-FFF2-40B4-BE49-F238E27FC236}">
-                <a16:creationId xmlns:a16="http://schemas.microsoft.com/office/drawing/2014/main" id="{37C30BAF-D498-C798-BC14-1718488A3435}"/>
+                <a16:creationId xmlns:a16="http://schemas.microsoft.com/office/drawing/2014/main" xmlns="" id="{37C30BAF-D498-C798-BC14-1718488A3435}"/>
               </a:ext>
             </a:extLst>
           </p:cNvPr>
@@ -15703,7 +15703,7 @@
           <p:cNvPr id="6" name="직선 화살표 연결선 5">
             <a:extLst>
               <a:ext uri="{FF2B5EF4-FFF2-40B4-BE49-F238E27FC236}">
-                <a16:creationId xmlns:a16="http://schemas.microsoft.com/office/drawing/2014/main" id="{299DF5EC-9DF4-5255-06AC-0A7CE4FF58C3}"/>
+                <a16:creationId xmlns:a16="http://schemas.microsoft.com/office/drawing/2014/main" xmlns="" id="{299DF5EC-9DF4-5255-06AC-0A7CE4FF58C3}"/>
               </a:ext>
             </a:extLst>
           </p:cNvPr>
@@ -15745,7 +15745,7 @@
           <p:cNvPr id="7" name="직사각형 6">
             <a:extLst>
               <a:ext uri="{FF2B5EF4-FFF2-40B4-BE49-F238E27FC236}">
-                <a16:creationId xmlns:a16="http://schemas.microsoft.com/office/drawing/2014/main" id="{FFF506F9-840A-0508-4CAF-3AC711D8D5CE}"/>
+                <a16:creationId xmlns:a16="http://schemas.microsoft.com/office/drawing/2014/main" xmlns="" id="{FFF506F9-840A-0508-4CAF-3AC711D8D5CE}"/>
               </a:ext>
             </a:extLst>
           </p:cNvPr>
@@ -15797,7 +15797,7 @@
           <p:cNvPr id="8" name="TextBox 7">
             <a:extLst>
               <a:ext uri="{FF2B5EF4-FFF2-40B4-BE49-F238E27FC236}">
-                <a16:creationId xmlns:a16="http://schemas.microsoft.com/office/drawing/2014/main" id="{C6D113C6-EA5C-788F-0C77-E7CE6EBB865F}"/>
+                <a16:creationId xmlns:a16="http://schemas.microsoft.com/office/drawing/2014/main" xmlns="" id="{C6D113C6-EA5C-788F-0C77-E7CE6EBB865F}"/>
               </a:ext>
             </a:extLst>
           </p:cNvPr>
@@ -15889,7 +15889,7 @@
           <p:cNvPr id="12" name="직선 화살표 연결선 11">
             <a:extLst>
               <a:ext uri="{FF2B5EF4-FFF2-40B4-BE49-F238E27FC236}">
-                <a16:creationId xmlns:a16="http://schemas.microsoft.com/office/drawing/2014/main" id="{299DF5EC-9DF4-5255-06AC-0A7CE4FF58C3}"/>
+                <a16:creationId xmlns:a16="http://schemas.microsoft.com/office/drawing/2014/main" xmlns="" id="{299DF5EC-9DF4-5255-06AC-0A7CE4FF58C3}"/>
               </a:ext>
             </a:extLst>
           </p:cNvPr>
@@ -15931,7 +15931,7 @@
           <p:cNvPr id="13" name="직사각형 12">
             <a:extLst>
               <a:ext uri="{FF2B5EF4-FFF2-40B4-BE49-F238E27FC236}">
-                <a16:creationId xmlns:a16="http://schemas.microsoft.com/office/drawing/2014/main" id="{FFF506F9-840A-0508-4CAF-3AC711D8D5CE}"/>
+                <a16:creationId xmlns:a16="http://schemas.microsoft.com/office/drawing/2014/main" xmlns="" id="{FFF506F9-840A-0508-4CAF-3AC711D8D5CE}"/>
               </a:ext>
             </a:extLst>
           </p:cNvPr>
@@ -15983,7 +15983,7 @@
           <p:cNvPr id="14" name="TextBox 13">
             <a:extLst>
               <a:ext uri="{FF2B5EF4-FFF2-40B4-BE49-F238E27FC236}">
-                <a16:creationId xmlns:a16="http://schemas.microsoft.com/office/drawing/2014/main" id="{C6D113C6-EA5C-788F-0C77-E7CE6EBB865F}"/>
+                <a16:creationId xmlns:a16="http://schemas.microsoft.com/office/drawing/2014/main" xmlns="" id="{C6D113C6-EA5C-788F-0C77-E7CE6EBB865F}"/>
               </a:ext>
             </a:extLst>
           </p:cNvPr>
@@ -16268,7 +16268,7 @@
           <p:cNvPr id="6" name="직선 화살표 연결선 5">
             <a:extLst>
               <a:ext uri="{FF2B5EF4-FFF2-40B4-BE49-F238E27FC236}">
-                <a16:creationId xmlns:a16="http://schemas.microsoft.com/office/drawing/2014/main" id="{299DF5EC-9DF4-5255-06AC-0A7CE4FF58C3}"/>
+                <a16:creationId xmlns:a16="http://schemas.microsoft.com/office/drawing/2014/main" xmlns="" id="{299DF5EC-9DF4-5255-06AC-0A7CE4FF58C3}"/>
               </a:ext>
             </a:extLst>
           </p:cNvPr>
@@ -16309,7 +16309,7 @@
           <p:cNvPr id="7" name="직사각형 6">
             <a:extLst>
               <a:ext uri="{FF2B5EF4-FFF2-40B4-BE49-F238E27FC236}">
-                <a16:creationId xmlns:a16="http://schemas.microsoft.com/office/drawing/2014/main" id="{FFF506F9-840A-0508-4CAF-3AC711D8D5CE}"/>
+                <a16:creationId xmlns:a16="http://schemas.microsoft.com/office/drawing/2014/main" xmlns="" id="{FFF506F9-840A-0508-4CAF-3AC711D8D5CE}"/>
               </a:ext>
             </a:extLst>
           </p:cNvPr>
@@ -16361,7 +16361,7 @@
           <p:cNvPr id="8" name="TextBox 7">
             <a:extLst>
               <a:ext uri="{FF2B5EF4-FFF2-40B4-BE49-F238E27FC236}">
-                <a16:creationId xmlns:a16="http://schemas.microsoft.com/office/drawing/2014/main" id="{C6D113C6-EA5C-788F-0C77-E7CE6EBB865F}"/>
+                <a16:creationId xmlns:a16="http://schemas.microsoft.com/office/drawing/2014/main" xmlns="" id="{C6D113C6-EA5C-788F-0C77-E7CE6EBB865F}"/>
               </a:ext>
             </a:extLst>
           </p:cNvPr>
@@ -16501,7 +16501,7 @@
           <p:cNvPr id="14" name="직선 화살표 연결선 13">
             <a:extLst>
               <a:ext uri="{FF2B5EF4-FFF2-40B4-BE49-F238E27FC236}">
-                <a16:creationId xmlns:a16="http://schemas.microsoft.com/office/drawing/2014/main" id="{299DF5EC-9DF4-5255-06AC-0A7CE4FF58C3}"/>
+                <a16:creationId xmlns:a16="http://schemas.microsoft.com/office/drawing/2014/main" xmlns="" id="{299DF5EC-9DF4-5255-06AC-0A7CE4FF58C3}"/>
               </a:ext>
             </a:extLst>
           </p:cNvPr>
@@ -16542,7 +16542,7 @@
           <p:cNvPr id="15" name="직사각형 14">
             <a:extLst>
               <a:ext uri="{FF2B5EF4-FFF2-40B4-BE49-F238E27FC236}">
-                <a16:creationId xmlns:a16="http://schemas.microsoft.com/office/drawing/2014/main" id="{FFF506F9-840A-0508-4CAF-3AC711D8D5CE}"/>
+                <a16:creationId xmlns:a16="http://schemas.microsoft.com/office/drawing/2014/main" xmlns="" id="{FFF506F9-840A-0508-4CAF-3AC711D8D5CE}"/>
               </a:ext>
             </a:extLst>
           </p:cNvPr>
@@ -16594,7 +16594,7 @@
           <p:cNvPr id="16" name="TextBox 15">
             <a:extLst>
               <a:ext uri="{FF2B5EF4-FFF2-40B4-BE49-F238E27FC236}">
-                <a16:creationId xmlns:a16="http://schemas.microsoft.com/office/drawing/2014/main" id="{C6D113C6-EA5C-788F-0C77-E7CE6EBB865F}"/>
+                <a16:creationId xmlns:a16="http://schemas.microsoft.com/office/drawing/2014/main" xmlns="" id="{C6D113C6-EA5C-788F-0C77-E7CE6EBB865F}"/>
               </a:ext>
             </a:extLst>
           </p:cNvPr>
@@ -17033,7 +17033,7 @@
           <p:cNvPr id="4" name="TextBox 3">
             <a:extLst>
               <a:ext uri="{FF2B5EF4-FFF2-40B4-BE49-F238E27FC236}">
-                <a16:creationId xmlns:a16="http://schemas.microsoft.com/office/drawing/2014/main" id="{285026BA-691B-4C6B-7FE4-C079A30ABF7D}"/>
+                <a16:creationId xmlns:a16="http://schemas.microsoft.com/office/drawing/2014/main" xmlns="" id="{285026BA-691B-4C6B-7FE4-C079A30ABF7D}"/>
               </a:ext>
             </a:extLst>
           </p:cNvPr>
@@ -17081,7 +17081,7 @@
           <p:cNvPr id="6" name="그림 5">
             <a:extLst>
               <a:ext uri="{FF2B5EF4-FFF2-40B4-BE49-F238E27FC236}">
-                <a16:creationId xmlns:a16="http://schemas.microsoft.com/office/drawing/2014/main" id="{57B34894-D873-26C0-EBAE-9AB3C4973910}"/>
+                <a16:creationId xmlns:a16="http://schemas.microsoft.com/office/drawing/2014/main" xmlns="" id="{57B34894-D873-26C0-EBAE-9AB3C4973910}"/>
               </a:ext>
             </a:extLst>
           </p:cNvPr>
@@ -17111,7 +17111,7 @@
           <p:cNvPr id="7" name="그룹 1008">
             <a:extLst>
               <a:ext uri="{FF2B5EF4-FFF2-40B4-BE49-F238E27FC236}">
-                <a16:creationId xmlns:a16="http://schemas.microsoft.com/office/drawing/2014/main" id="{675FF79A-CC06-55F6-0EA3-4BEE3D62798B}"/>
+                <a16:creationId xmlns:a16="http://schemas.microsoft.com/office/drawing/2014/main" xmlns="" id="{675FF79A-CC06-55F6-0EA3-4BEE3D62798B}"/>
               </a:ext>
             </a:extLst>
           </p:cNvPr>
@@ -17131,7 +17131,7 @@
             <p:cNvPr id="8" name="그룹 1009">
               <a:extLst>
                 <a:ext uri="{FF2B5EF4-FFF2-40B4-BE49-F238E27FC236}">
-                  <a16:creationId xmlns:a16="http://schemas.microsoft.com/office/drawing/2014/main" id="{3281A4DC-BBA0-8CBD-9EFD-FE6461B490F3}"/>
+                  <a16:creationId xmlns:a16="http://schemas.microsoft.com/office/drawing/2014/main" xmlns="" id="{3281A4DC-BBA0-8CBD-9EFD-FE6461B490F3}"/>
                 </a:ext>
               </a:extLst>
             </p:cNvPr>
@@ -17151,7 +17151,7 @@
               <p:cNvPr id="13" name="Object 29">
                 <a:extLst>
                   <a:ext uri="{FF2B5EF4-FFF2-40B4-BE49-F238E27FC236}">
-                    <a16:creationId xmlns:a16="http://schemas.microsoft.com/office/drawing/2014/main" id="{FE82FD63-28CE-1823-FF05-60E6DC99F07D}"/>
+                    <a16:creationId xmlns:a16="http://schemas.microsoft.com/office/drawing/2014/main" xmlns="" id="{FE82FD63-28CE-1823-FF05-60E6DC99F07D}"/>
                   </a:ext>
                 </a:extLst>
               </p:cNvPr>
@@ -17182,7 +17182,7 @@
             <p:cNvPr id="9" name="그룹 1010">
               <a:extLst>
                 <a:ext uri="{FF2B5EF4-FFF2-40B4-BE49-F238E27FC236}">
-                  <a16:creationId xmlns:a16="http://schemas.microsoft.com/office/drawing/2014/main" id="{936DBA6D-D2E1-74F6-3F3D-F641987B8E7C}"/>
+                  <a16:creationId xmlns:a16="http://schemas.microsoft.com/office/drawing/2014/main" xmlns="" id="{936DBA6D-D2E1-74F6-3F3D-F641987B8E7C}"/>
                 </a:ext>
               </a:extLst>
             </p:cNvPr>
@@ -17202,7 +17202,7 @@
               <p:cNvPr id="12" name="Object 32">
                 <a:extLst>
                   <a:ext uri="{FF2B5EF4-FFF2-40B4-BE49-F238E27FC236}">
-                    <a16:creationId xmlns:a16="http://schemas.microsoft.com/office/drawing/2014/main" id="{9016AA37-3384-54A6-5811-2F29A254C878}"/>
+                    <a16:creationId xmlns:a16="http://schemas.microsoft.com/office/drawing/2014/main" xmlns="" id="{9016AA37-3384-54A6-5811-2F29A254C878}"/>
                   </a:ext>
                 </a:extLst>
               </p:cNvPr>
@@ -17233,7 +17233,7 @@
             <p:cNvPr id="10" name="그룹 1011">
               <a:extLst>
                 <a:ext uri="{FF2B5EF4-FFF2-40B4-BE49-F238E27FC236}">
-                  <a16:creationId xmlns:a16="http://schemas.microsoft.com/office/drawing/2014/main" id="{CFF9506A-B157-5C3E-94A8-690B8E737F40}"/>
+                  <a16:creationId xmlns:a16="http://schemas.microsoft.com/office/drawing/2014/main" xmlns="" id="{CFF9506A-B157-5C3E-94A8-690B8E737F40}"/>
                 </a:ext>
               </a:extLst>
             </p:cNvPr>
@@ -17253,7 +17253,7 @@
               <p:cNvPr id="11" name="Object 35">
                 <a:extLst>
                   <a:ext uri="{FF2B5EF4-FFF2-40B4-BE49-F238E27FC236}">
-                    <a16:creationId xmlns:a16="http://schemas.microsoft.com/office/drawing/2014/main" id="{6E31A9ED-06CF-71F7-1C23-93DDEB6E1610}"/>
+                    <a16:creationId xmlns:a16="http://schemas.microsoft.com/office/drawing/2014/main" xmlns="" id="{6E31A9ED-06CF-71F7-1C23-93DDEB6E1610}"/>
                   </a:ext>
                 </a:extLst>
               </p:cNvPr>
@@ -17285,7 +17285,7 @@
           <p:cNvPr id="15" name="그림 14">
             <a:extLst>
               <a:ext uri="{FF2B5EF4-FFF2-40B4-BE49-F238E27FC236}">
-                <a16:creationId xmlns:a16="http://schemas.microsoft.com/office/drawing/2014/main" id="{AF844051-AEF1-D9BE-B040-F725EF659824}"/>
+                <a16:creationId xmlns:a16="http://schemas.microsoft.com/office/drawing/2014/main" xmlns="" id="{AF844051-AEF1-D9BE-B040-F725EF659824}"/>
               </a:ext>
             </a:extLst>
           </p:cNvPr>
@@ -17315,7 +17315,7 @@
           <p:cNvPr id="17" name="그림 16">
             <a:extLst>
               <a:ext uri="{FF2B5EF4-FFF2-40B4-BE49-F238E27FC236}">
-                <a16:creationId xmlns:a16="http://schemas.microsoft.com/office/drawing/2014/main" id="{1E5E9906-31C5-B3CF-1652-AE7B069979D1}"/>
+                <a16:creationId xmlns:a16="http://schemas.microsoft.com/office/drawing/2014/main" xmlns="" id="{1E5E9906-31C5-B3CF-1652-AE7B069979D1}"/>
               </a:ext>
             </a:extLst>
           </p:cNvPr>
@@ -17345,7 +17345,7 @@
           <p:cNvPr id="19" name="그림 18">
             <a:extLst>
               <a:ext uri="{FF2B5EF4-FFF2-40B4-BE49-F238E27FC236}">
-                <a16:creationId xmlns:a16="http://schemas.microsoft.com/office/drawing/2014/main" id="{4D230BDC-9685-A6B9-0B73-5A689B8AF20B}"/>
+                <a16:creationId xmlns:a16="http://schemas.microsoft.com/office/drawing/2014/main" xmlns="" id="{4D230BDC-9685-A6B9-0B73-5A689B8AF20B}"/>
               </a:ext>
             </a:extLst>
           </p:cNvPr>
@@ -17375,7 +17375,7 @@
           <p:cNvPr id="21" name="그림 20">
             <a:extLst>
               <a:ext uri="{FF2B5EF4-FFF2-40B4-BE49-F238E27FC236}">
-                <a16:creationId xmlns:a16="http://schemas.microsoft.com/office/drawing/2014/main" id="{9BA489AA-5F58-89FC-C78B-73E8EE58E1EA}"/>
+                <a16:creationId xmlns:a16="http://schemas.microsoft.com/office/drawing/2014/main" xmlns="" id="{9BA489AA-5F58-89FC-C78B-73E8EE58E1EA}"/>
               </a:ext>
             </a:extLst>
           </p:cNvPr>
@@ -17405,7 +17405,7 @@
           <p:cNvPr id="22" name="직선 화살표 연결선 21">
             <a:extLst>
               <a:ext uri="{FF2B5EF4-FFF2-40B4-BE49-F238E27FC236}">
-                <a16:creationId xmlns:a16="http://schemas.microsoft.com/office/drawing/2014/main" id="{26D066D3-DD05-BC85-E587-62C624651B60}"/>
+                <a16:creationId xmlns:a16="http://schemas.microsoft.com/office/drawing/2014/main" xmlns="" id="{26D066D3-DD05-BC85-E587-62C624651B60}"/>
               </a:ext>
             </a:extLst>
           </p:cNvPr>
@@ -17446,7 +17446,7 @@
           <p:cNvPr id="23" name="직사각형 22">
             <a:extLst>
               <a:ext uri="{FF2B5EF4-FFF2-40B4-BE49-F238E27FC236}">
-                <a16:creationId xmlns:a16="http://schemas.microsoft.com/office/drawing/2014/main" id="{7CFAD552-2193-DA33-3DA7-0F624E7D3246}"/>
+                <a16:creationId xmlns:a16="http://schemas.microsoft.com/office/drawing/2014/main" xmlns="" id="{7CFAD552-2193-DA33-3DA7-0F624E7D3246}"/>
               </a:ext>
             </a:extLst>
           </p:cNvPr>
@@ -17498,7 +17498,7 @@
           <p:cNvPr id="24" name="TextBox 23">
             <a:extLst>
               <a:ext uri="{FF2B5EF4-FFF2-40B4-BE49-F238E27FC236}">
-                <a16:creationId xmlns:a16="http://schemas.microsoft.com/office/drawing/2014/main" id="{F458A569-51FA-5919-3C87-7002835C20D6}"/>
+                <a16:creationId xmlns:a16="http://schemas.microsoft.com/office/drawing/2014/main" xmlns="" id="{F458A569-51FA-5919-3C87-7002835C20D6}"/>
               </a:ext>
             </a:extLst>
           </p:cNvPr>
@@ -17569,7 +17569,7 @@
           <p:cNvPr id="26" name="직선 화살표 연결선 25">
             <a:extLst>
               <a:ext uri="{FF2B5EF4-FFF2-40B4-BE49-F238E27FC236}">
-                <a16:creationId xmlns:a16="http://schemas.microsoft.com/office/drawing/2014/main" id="{9CB099DF-F76F-F806-55AB-58039A746071}"/>
+                <a16:creationId xmlns:a16="http://schemas.microsoft.com/office/drawing/2014/main" xmlns="" id="{9CB099DF-F76F-F806-55AB-58039A746071}"/>
               </a:ext>
             </a:extLst>
           </p:cNvPr>
@@ -17610,7 +17610,7 @@
           <p:cNvPr id="27" name="직사각형 26">
             <a:extLst>
               <a:ext uri="{FF2B5EF4-FFF2-40B4-BE49-F238E27FC236}">
-                <a16:creationId xmlns:a16="http://schemas.microsoft.com/office/drawing/2014/main" id="{5A7AAD2F-31D1-08A9-91F4-43557D7E1E37}"/>
+                <a16:creationId xmlns:a16="http://schemas.microsoft.com/office/drawing/2014/main" xmlns="" id="{5A7AAD2F-31D1-08A9-91F4-43557D7E1E37}"/>
               </a:ext>
             </a:extLst>
           </p:cNvPr>
@@ -17662,7 +17662,7 @@
           <p:cNvPr id="28" name="TextBox 27">
             <a:extLst>
               <a:ext uri="{FF2B5EF4-FFF2-40B4-BE49-F238E27FC236}">
-                <a16:creationId xmlns:a16="http://schemas.microsoft.com/office/drawing/2014/main" id="{63FFCB2A-A17A-1B03-53D3-074DB4282B6D}"/>
+                <a16:creationId xmlns:a16="http://schemas.microsoft.com/office/drawing/2014/main" xmlns="" id="{63FFCB2A-A17A-1B03-53D3-074DB4282B6D}"/>
               </a:ext>
             </a:extLst>
           </p:cNvPr>
@@ -17733,7 +17733,7 @@
           <p:cNvPr id="29" name="직선 화살표 연결선 28">
             <a:extLst>
               <a:ext uri="{FF2B5EF4-FFF2-40B4-BE49-F238E27FC236}">
-                <a16:creationId xmlns:a16="http://schemas.microsoft.com/office/drawing/2014/main" id="{FDA538EC-2136-2F05-EDD0-9341A93EBA3C}"/>
+                <a16:creationId xmlns:a16="http://schemas.microsoft.com/office/drawing/2014/main" xmlns="" id="{FDA538EC-2136-2F05-EDD0-9341A93EBA3C}"/>
               </a:ext>
             </a:extLst>
           </p:cNvPr>
@@ -17774,7 +17774,7 @@
           <p:cNvPr id="30" name="직사각형 29">
             <a:extLst>
               <a:ext uri="{FF2B5EF4-FFF2-40B4-BE49-F238E27FC236}">
-                <a16:creationId xmlns:a16="http://schemas.microsoft.com/office/drawing/2014/main" id="{BC8C2B1F-D3CB-C021-0AA9-9134F2920BF2}"/>
+                <a16:creationId xmlns:a16="http://schemas.microsoft.com/office/drawing/2014/main" xmlns="" id="{BC8C2B1F-D3CB-C021-0AA9-9134F2920BF2}"/>
               </a:ext>
             </a:extLst>
           </p:cNvPr>
@@ -17826,7 +17826,7 @@
           <p:cNvPr id="31" name="TextBox 30">
             <a:extLst>
               <a:ext uri="{FF2B5EF4-FFF2-40B4-BE49-F238E27FC236}">
-                <a16:creationId xmlns:a16="http://schemas.microsoft.com/office/drawing/2014/main" id="{B7B8453C-ED90-DA53-786C-114068471BA4}"/>
+                <a16:creationId xmlns:a16="http://schemas.microsoft.com/office/drawing/2014/main" xmlns="" id="{B7B8453C-ED90-DA53-786C-114068471BA4}"/>
               </a:ext>
             </a:extLst>
           </p:cNvPr>
@@ -17937,7 +17937,7 @@
           <p:cNvPr id="4" name="TextBox 3">
             <a:extLst>
               <a:ext uri="{FF2B5EF4-FFF2-40B4-BE49-F238E27FC236}">
-                <a16:creationId xmlns:a16="http://schemas.microsoft.com/office/drawing/2014/main" id="{F136A7AB-2DB9-1BA5-4C06-B1C1755E48BA}"/>
+                <a16:creationId xmlns:a16="http://schemas.microsoft.com/office/drawing/2014/main" xmlns="" id="{F136A7AB-2DB9-1BA5-4C06-B1C1755E48BA}"/>
               </a:ext>
             </a:extLst>
           </p:cNvPr>
@@ -17985,7 +17985,7 @@
           <p:cNvPr id="6" name="그림 5">
             <a:extLst>
               <a:ext uri="{FF2B5EF4-FFF2-40B4-BE49-F238E27FC236}">
-                <a16:creationId xmlns:a16="http://schemas.microsoft.com/office/drawing/2014/main" id="{5147447C-EC79-73BC-A921-D260D974856E}"/>
+                <a16:creationId xmlns:a16="http://schemas.microsoft.com/office/drawing/2014/main" xmlns="" id="{5147447C-EC79-73BC-A921-D260D974856E}"/>
               </a:ext>
             </a:extLst>
           </p:cNvPr>
@@ -18015,7 +18015,7 @@
           <p:cNvPr id="8" name="그림 7">
             <a:extLst>
               <a:ext uri="{FF2B5EF4-FFF2-40B4-BE49-F238E27FC236}">
-                <a16:creationId xmlns:a16="http://schemas.microsoft.com/office/drawing/2014/main" id="{B7E400F5-22A2-CD02-A59A-208CD483A2E5}"/>
+                <a16:creationId xmlns:a16="http://schemas.microsoft.com/office/drawing/2014/main" xmlns="" id="{B7E400F5-22A2-CD02-A59A-208CD483A2E5}"/>
               </a:ext>
             </a:extLst>
           </p:cNvPr>
@@ -18045,7 +18045,7 @@
           <p:cNvPr id="9" name="직선 화살표 연결선 8">
             <a:extLst>
               <a:ext uri="{FF2B5EF4-FFF2-40B4-BE49-F238E27FC236}">
-                <a16:creationId xmlns:a16="http://schemas.microsoft.com/office/drawing/2014/main" id="{2FC66BE3-5CEA-38C7-E0F8-CCCC0CEA6FFE}"/>
+                <a16:creationId xmlns:a16="http://schemas.microsoft.com/office/drawing/2014/main" xmlns="" id="{2FC66BE3-5CEA-38C7-E0F8-CCCC0CEA6FFE}"/>
               </a:ext>
             </a:extLst>
           </p:cNvPr>
@@ -18086,7 +18086,7 @@
           <p:cNvPr id="10" name="직사각형 9">
             <a:extLst>
               <a:ext uri="{FF2B5EF4-FFF2-40B4-BE49-F238E27FC236}">
-                <a16:creationId xmlns:a16="http://schemas.microsoft.com/office/drawing/2014/main" id="{1216D2CB-8460-FDDF-2209-1657E94BA337}"/>
+                <a16:creationId xmlns:a16="http://schemas.microsoft.com/office/drawing/2014/main" xmlns="" id="{1216D2CB-8460-FDDF-2209-1657E94BA337}"/>
               </a:ext>
             </a:extLst>
           </p:cNvPr>
@@ -18138,7 +18138,7 @@
           <p:cNvPr id="11" name="TextBox 10">
             <a:extLst>
               <a:ext uri="{FF2B5EF4-FFF2-40B4-BE49-F238E27FC236}">
-                <a16:creationId xmlns:a16="http://schemas.microsoft.com/office/drawing/2014/main" id="{FE0D57FE-2BC4-7E5B-790B-E9C4129EF7BA}"/>
+                <a16:creationId xmlns:a16="http://schemas.microsoft.com/office/drawing/2014/main" xmlns="" id="{FE0D57FE-2BC4-7E5B-790B-E9C4129EF7BA}"/>
               </a:ext>
             </a:extLst>
           </p:cNvPr>
@@ -18278,7 +18278,7 @@
           <p:cNvPr id="2" name="TextBox 1">
             <a:extLst>
               <a:ext uri="{FF2B5EF4-FFF2-40B4-BE49-F238E27FC236}">
-                <a16:creationId xmlns:a16="http://schemas.microsoft.com/office/drawing/2014/main" id="{F48E4781-197F-9A58-25F3-183870C4E628}"/>
+                <a16:creationId xmlns:a16="http://schemas.microsoft.com/office/drawing/2014/main" xmlns="" id="{F48E4781-197F-9A58-25F3-183870C4E628}"/>
               </a:ext>
             </a:extLst>
           </p:cNvPr>
@@ -18326,7 +18326,7 @@
           <p:cNvPr id="8" name="그림 7">
             <a:extLst>
               <a:ext uri="{FF2B5EF4-FFF2-40B4-BE49-F238E27FC236}">
-                <a16:creationId xmlns:a16="http://schemas.microsoft.com/office/drawing/2014/main" id="{3667D498-5355-17D9-54F5-7996E85A82B2}"/>
+                <a16:creationId xmlns:a16="http://schemas.microsoft.com/office/drawing/2014/main" xmlns="" id="{3667D498-5355-17D9-54F5-7996E85A82B2}"/>
               </a:ext>
             </a:extLst>
           </p:cNvPr>
@@ -18386,7 +18386,7 @@
           <p:cNvPr id="5" name="TextBox 4">
             <a:extLst>
               <a:ext uri="{FF2B5EF4-FFF2-40B4-BE49-F238E27FC236}">
-                <a16:creationId xmlns:a16="http://schemas.microsoft.com/office/drawing/2014/main" id="{37C30BAF-D498-C798-BC14-1718488A3435}"/>
+                <a16:creationId xmlns:a16="http://schemas.microsoft.com/office/drawing/2014/main" xmlns="" id="{37C30BAF-D498-C798-BC14-1718488A3435}"/>
               </a:ext>
             </a:extLst>
           </p:cNvPr>
@@ -18437,7 +18437,7 @@
           <p:cNvPr id="3" name="TextBox 2">
             <a:extLst>
               <a:ext uri="{FF2B5EF4-FFF2-40B4-BE49-F238E27FC236}">
-                <a16:creationId xmlns:a16="http://schemas.microsoft.com/office/drawing/2014/main" id="{A2AD056B-97A4-5BCC-4460-250160F3E171}"/>
+                <a16:creationId xmlns:a16="http://schemas.microsoft.com/office/drawing/2014/main" xmlns="" id="{A2AD056B-97A4-5BCC-4460-250160F3E171}"/>
               </a:ext>
             </a:extLst>
           </p:cNvPr>
@@ -18549,7 +18549,7 @@
           <p:cNvPr id="4" name="TextBox 3">
             <a:extLst>
               <a:ext uri="{FF2B5EF4-FFF2-40B4-BE49-F238E27FC236}">
-                <a16:creationId xmlns:a16="http://schemas.microsoft.com/office/drawing/2014/main" id="{CB1290AD-28C5-5AE5-FB1A-6013AB973312}"/>
+                <a16:creationId xmlns:a16="http://schemas.microsoft.com/office/drawing/2014/main" xmlns="" id="{CB1290AD-28C5-5AE5-FB1A-6013AB973312}"/>
               </a:ext>
             </a:extLst>
           </p:cNvPr>
@@ -18668,7 +18668,7 @@
           <p:cNvPr id="9" name="표 2">
             <a:extLst>
               <a:ext uri="{FF2B5EF4-FFF2-40B4-BE49-F238E27FC236}">
-                <a16:creationId xmlns:a16="http://schemas.microsoft.com/office/drawing/2014/main" id="{875F795B-D8D4-554B-4108-B6D9B3AF35C2}"/>
+                <a16:creationId xmlns:a16="http://schemas.microsoft.com/office/drawing/2014/main" xmlns="" id="{875F795B-D8D4-554B-4108-B6D9B3AF35C2}"/>
               </a:ext>
             </a:extLst>
           </p:cNvPr>
@@ -18697,21 +18697,21 @@
                 <a:gridCol w="1648638">
                   <a:extLst>
                     <a:ext uri="{9D8B030D-6E8A-4147-A177-3AD203B41FA5}">
-                      <a16:colId xmlns:a16="http://schemas.microsoft.com/office/drawing/2014/main" val="1960770391"/>
+                      <a16:colId xmlns:a16="http://schemas.microsoft.com/office/drawing/2014/main" xmlns="" val="1960770391"/>
                     </a:ext>
                   </a:extLst>
                 </a:gridCol>
                 <a:gridCol w="1668750">
                   <a:extLst>
                     <a:ext uri="{9D8B030D-6E8A-4147-A177-3AD203B41FA5}">
-                      <a16:colId xmlns:a16="http://schemas.microsoft.com/office/drawing/2014/main" val="733308553"/>
+                      <a16:colId xmlns:a16="http://schemas.microsoft.com/office/drawing/2014/main" xmlns="" val="733308553"/>
                     </a:ext>
                   </a:extLst>
                 </a:gridCol>
                 <a:gridCol w="2898356">
                   <a:extLst>
                     <a:ext uri="{9D8B030D-6E8A-4147-A177-3AD203B41FA5}">
-                      <a16:colId xmlns:a16="http://schemas.microsoft.com/office/drawing/2014/main" val="1661322813"/>
+                      <a16:colId xmlns:a16="http://schemas.microsoft.com/office/drawing/2014/main" xmlns="" val="1661322813"/>
                     </a:ext>
                   </a:extLst>
                 </a:gridCol>
@@ -18899,7 +18899,7 @@
                 </a:tc>
                 <a:extLst>
                   <a:ext uri="{0D108BD9-81ED-4DB2-BD59-A6C34878D82A}">
-                    <a16:rowId xmlns:a16="http://schemas.microsoft.com/office/drawing/2014/main" val="2452905565"/>
+                    <a16:rowId xmlns:a16="http://schemas.microsoft.com/office/drawing/2014/main" xmlns="" val="2452905565"/>
                   </a:ext>
                 </a:extLst>
               </a:tr>
@@ -19097,7 +19097,7 @@
                 </a:tc>
                 <a:extLst>
                   <a:ext uri="{0D108BD9-81ED-4DB2-BD59-A6C34878D82A}">
-                    <a16:rowId xmlns:a16="http://schemas.microsoft.com/office/drawing/2014/main" val="3551452526"/>
+                    <a16:rowId xmlns:a16="http://schemas.microsoft.com/office/drawing/2014/main" xmlns="" val="3551452526"/>
                   </a:ext>
                 </a:extLst>
               </a:tr>
@@ -19317,7 +19317,7 @@
                 </a:tc>
                 <a:extLst>
                   <a:ext uri="{0D108BD9-81ED-4DB2-BD59-A6C34878D82A}">
-                    <a16:rowId xmlns:a16="http://schemas.microsoft.com/office/drawing/2014/main" val="3645064171"/>
+                    <a16:rowId xmlns:a16="http://schemas.microsoft.com/office/drawing/2014/main" xmlns="" val="3645064171"/>
                   </a:ext>
                 </a:extLst>
               </a:tr>
@@ -19534,7 +19534,7 @@
                 </a:tc>
                 <a:extLst>
                   <a:ext uri="{0D108BD9-81ED-4DB2-BD59-A6C34878D82A}">
-                    <a16:rowId xmlns:a16="http://schemas.microsoft.com/office/drawing/2014/main" val="1362299918"/>
+                    <a16:rowId xmlns:a16="http://schemas.microsoft.com/office/drawing/2014/main" xmlns="" val="1362299918"/>
                   </a:ext>
                 </a:extLst>
               </a:tr>
@@ -19751,7 +19751,7 @@
                 </a:tc>
                 <a:extLst>
                   <a:ext uri="{0D108BD9-81ED-4DB2-BD59-A6C34878D82A}">
-                    <a16:rowId xmlns:a16="http://schemas.microsoft.com/office/drawing/2014/main" val="2488866604"/>
+                    <a16:rowId xmlns:a16="http://schemas.microsoft.com/office/drawing/2014/main" xmlns="" val="2488866604"/>
                   </a:ext>
                 </a:extLst>
               </a:tr>
@@ -19968,7 +19968,7 @@
                 </a:tc>
                 <a:extLst>
                   <a:ext uri="{0D108BD9-81ED-4DB2-BD59-A6C34878D82A}">
-                    <a16:rowId xmlns:a16="http://schemas.microsoft.com/office/drawing/2014/main" val="2632365449"/>
+                    <a16:rowId xmlns:a16="http://schemas.microsoft.com/office/drawing/2014/main" xmlns="" val="2632365449"/>
                   </a:ext>
                 </a:extLst>
               </a:tr>
@@ -19981,7 +19981,7 @@
           <p:cNvPr id="10" name="표 2">
             <a:extLst>
               <a:ext uri="{FF2B5EF4-FFF2-40B4-BE49-F238E27FC236}">
-                <a16:creationId xmlns:a16="http://schemas.microsoft.com/office/drawing/2014/main" id="{D2CC6F32-611A-E22D-EB8C-52D626A5B319}"/>
+                <a16:creationId xmlns:a16="http://schemas.microsoft.com/office/drawing/2014/main" xmlns="" id="{D2CC6F32-611A-E22D-EB8C-52D626A5B319}"/>
               </a:ext>
             </a:extLst>
           </p:cNvPr>
@@ -20010,21 +20010,21 @@
                 <a:gridCol w="1731833">
                   <a:extLst>
                     <a:ext uri="{9D8B030D-6E8A-4147-A177-3AD203B41FA5}">
-                      <a16:colId xmlns:a16="http://schemas.microsoft.com/office/drawing/2014/main" val="1960770391"/>
+                      <a16:colId xmlns:a16="http://schemas.microsoft.com/office/drawing/2014/main" xmlns="" val="1960770391"/>
                     </a:ext>
                   </a:extLst>
                 </a:gridCol>
                 <a:gridCol w="1752960">
                   <a:extLst>
                     <a:ext uri="{9D8B030D-6E8A-4147-A177-3AD203B41FA5}">
-                      <a16:colId xmlns:a16="http://schemas.microsoft.com/office/drawing/2014/main" val="733308553"/>
+                      <a16:colId xmlns:a16="http://schemas.microsoft.com/office/drawing/2014/main" xmlns="" val="733308553"/>
                     </a:ext>
                   </a:extLst>
                 </a:gridCol>
                 <a:gridCol w="2730951">
                   <a:extLst>
                     <a:ext uri="{9D8B030D-6E8A-4147-A177-3AD203B41FA5}">
-                      <a16:colId xmlns:a16="http://schemas.microsoft.com/office/drawing/2014/main" val="1661322813"/>
+                      <a16:colId xmlns:a16="http://schemas.microsoft.com/office/drawing/2014/main" xmlns="" val="1661322813"/>
                     </a:ext>
                   </a:extLst>
                 </a:gridCol>
@@ -20212,7 +20212,7 @@
                 </a:tc>
                 <a:extLst>
                   <a:ext uri="{0D108BD9-81ED-4DB2-BD59-A6C34878D82A}">
-                    <a16:rowId xmlns:a16="http://schemas.microsoft.com/office/drawing/2014/main" val="2452905565"/>
+                    <a16:rowId xmlns:a16="http://schemas.microsoft.com/office/drawing/2014/main" xmlns="" val="2452905565"/>
                   </a:ext>
                 </a:extLst>
               </a:tr>
@@ -20416,7 +20416,7 @@
                 </a:tc>
                 <a:extLst>
                   <a:ext uri="{0D108BD9-81ED-4DB2-BD59-A6C34878D82A}">
-                    <a16:rowId xmlns:a16="http://schemas.microsoft.com/office/drawing/2014/main" val="3551452526"/>
+                    <a16:rowId xmlns:a16="http://schemas.microsoft.com/office/drawing/2014/main" xmlns="" val="3551452526"/>
                   </a:ext>
                 </a:extLst>
               </a:tr>
@@ -20591,7 +20591,7 @@
                 </a:tc>
                 <a:extLst>
                   <a:ext uri="{0D108BD9-81ED-4DB2-BD59-A6C34878D82A}">
-                    <a16:rowId xmlns:a16="http://schemas.microsoft.com/office/drawing/2014/main" val="3645064171"/>
+                    <a16:rowId xmlns:a16="http://schemas.microsoft.com/office/drawing/2014/main" xmlns="" val="3645064171"/>
                   </a:ext>
                 </a:extLst>
               </a:tr>
@@ -20766,7 +20766,7 @@
                 </a:tc>
                 <a:extLst>
                   <a:ext uri="{0D108BD9-81ED-4DB2-BD59-A6C34878D82A}">
-                    <a16:rowId xmlns:a16="http://schemas.microsoft.com/office/drawing/2014/main" val="2802120283"/>
+                    <a16:rowId xmlns:a16="http://schemas.microsoft.com/office/drawing/2014/main" xmlns="" val="2802120283"/>
                   </a:ext>
                 </a:extLst>
               </a:tr>
@@ -20935,7 +20935,7 @@
                 </a:tc>
                 <a:extLst>
                   <a:ext uri="{0D108BD9-81ED-4DB2-BD59-A6C34878D82A}">
-                    <a16:rowId xmlns:a16="http://schemas.microsoft.com/office/drawing/2014/main" val="1362299918"/>
+                    <a16:rowId xmlns:a16="http://schemas.microsoft.com/office/drawing/2014/main" xmlns="" val="1362299918"/>
                   </a:ext>
                 </a:extLst>
               </a:tr>
@@ -21171,7 +21171,7 @@
                 </a:tc>
                 <a:extLst>
                   <a:ext uri="{0D108BD9-81ED-4DB2-BD59-A6C34878D82A}">
-                    <a16:rowId xmlns:a16="http://schemas.microsoft.com/office/drawing/2014/main" val="2488866604"/>
+                    <a16:rowId xmlns:a16="http://schemas.microsoft.com/office/drawing/2014/main" xmlns="" val="2488866604"/>
                   </a:ext>
                 </a:extLst>
               </a:tr>
@@ -21394,7 +21394,7 @@
                 </a:tc>
                 <a:extLst>
                   <a:ext uri="{0D108BD9-81ED-4DB2-BD59-A6C34878D82A}">
-                    <a16:rowId xmlns:a16="http://schemas.microsoft.com/office/drawing/2014/main" val="2632365449"/>
+                    <a16:rowId xmlns:a16="http://schemas.microsoft.com/office/drawing/2014/main" xmlns="" val="2632365449"/>
                   </a:ext>
                 </a:extLst>
               </a:tr>
@@ -21407,7 +21407,7 @@
           <p:cNvPr id="2" name="TextBox 1">
             <a:extLst>
               <a:ext uri="{FF2B5EF4-FFF2-40B4-BE49-F238E27FC236}">
-                <a16:creationId xmlns:a16="http://schemas.microsoft.com/office/drawing/2014/main" id="{AE3DCC98-4BB0-EA62-AD96-B0C8D6180C73}"/>
+                <a16:creationId xmlns:a16="http://schemas.microsoft.com/office/drawing/2014/main" xmlns="" id="{AE3DCC98-4BB0-EA62-AD96-B0C8D6180C73}"/>
               </a:ext>
             </a:extLst>
           </p:cNvPr>
@@ -21480,10 +21480,62 @@
                 <a:latin typeface="G마켓 산스 Medium" panose="02000000000000000000" pitchFamily="50" charset="-127"/>
                 <a:ea typeface="G마켓 산스 Medium" panose="02000000000000000000" pitchFamily="50" charset="-127"/>
               </a:rPr>
-              <a:t>개의 객체를 생성 후 서로 공격해보자</a:t>
-            </a:r>
-            <a:r>
-              <a:rPr lang="en-US" altLang="ko-KR" sz="2800" dirty="0">
+              <a:t>개의 객체를 생성 </a:t>
+            </a:r>
+            <a:r>
+              <a:rPr lang="ko-KR" altLang="en-US" sz="2800">
+                <a:solidFill>
+                  <a:schemeClr val="tx1">
+                    <a:lumMod val="50000"/>
+                    <a:lumOff val="50000"/>
+                  </a:schemeClr>
+                </a:solidFill>
+                <a:latin typeface="G마켓 산스 Medium" panose="02000000000000000000" pitchFamily="50" charset="-127"/>
+                <a:ea typeface="G마켓 산스 Medium" panose="02000000000000000000" pitchFamily="50" charset="-127"/>
+              </a:rPr>
+              <a:t>후 </a:t>
+            </a:r>
+            <a:r>
+              <a:rPr lang="ko-KR" altLang="en-US" sz="2800" smtClean="0">
+                <a:solidFill>
+                  <a:schemeClr val="tx1">
+                    <a:lumMod val="50000"/>
+                    <a:lumOff val="50000"/>
+                  </a:schemeClr>
+                </a:solidFill>
+                <a:latin typeface="G마켓 산스 Medium" panose="02000000000000000000" pitchFamily="50" charset="-127"/>
+                <a:ea typeface="G마켓 산스 Medium" panose="02000000000000000000" pitchFamily="50" charset="-127"/>
+              </a:rPr>
+              <a:t>공격력 </a:t>
+            </a:r>
+            <a:r>
+              <a:rPr lang="ko-KR" altLang="en-US" sz="2800" smtClean="0">
+                <a:solidFill>
+                  <a:schemeClr val="tx1">
+                    <a:lumMod val="50000"/>
+                    <a:lumOff val="50000"/>
+                  </a:schemeClr>
+                </a:solidFill>
+                <a:latin typeface="G마켓 산스 Medium" panose="02000000000000000000" pitchFamily="50" charset="-127"/>
+                <a:ea typeface="G마켓 산스 Medium" panose="02000000000000000000" pitchFamily="50" charset="-127"/>
+              </a:rPr>
+              <a:t>기준</a:t>
+            </a:r>
+            <a:r>
+              <a:rPr lang="ko-KR" altLang="en-US" sz="2800" smtClean="0">
+                <a:solidFill>
+                  <a:schemeClr val="tx1">
+                    <a:lumMod val="50000"/>
+                    <a:lumOff val="50000"/>
+                  </a:schemeClr>
+                </a:solidFill>
+                <a:latin typeface="G마켓 산스 Medium" panose="02000000000000000000" pitchFamily="50" charset="-127"/>
+                <a:ea typeface="G마켓 산스 Medium" panose="02000000000000000000" pitchFamily="50" charset="-127"/>
+              </a:rPr>
+              <a:t> 오름차순 정렬하자</a:t>
+            </a:r>
+            <a:r>
+              <a:rPr lang="en-US" altLang="ko-KR" sz="2800" smtClean="0">
                 <a:solidFill>
                   <a:schemeClr val="tx1">
                     <a:lumMod val="50000"/>
@@ -21496,20 +21548,17 @@
               <a:t>(</a:t>
             </a:r>
             <a:r>
-              <a:rPr lang="ko-KR" altLang="en-US" sz="2800" dirty="0">
+              <a:rPr lang="ko-KR" altLang="en-US" sz="2800" smtClean="0">
                 <a:solidFill>
-                  <a:schemeClr val="tx1">
-                    <a:lumMod val="50000"/>
-                    <a:lumOff val="50000"/>
-                  </a:schemeClr>
+                  <a:srgbClr val="FF0000"/>
                 </a:solidFill>
                 <a:latin typeface="G마켓 산스 Medium" panose="02000000000000000000" pitchFamily="50" charset="-127"/>
                 <a:ea typeface="G마켓 산스 Medium" panose="02000000000000000000" pitchFamily="50" charset="-127"/>
               </a:rPr>
-              <a:t>모두 한번씩은 공격을 주고 받아야 한다</a:t>
-            </a:r>
-            <a:r>
-              <a:rPr lang="en-US" altLang="ko-KR" sz="2800" dirty="0">
+              <a:t>삽입 정렬 구현</a:t>
+            </a:r>
+            <a:r>
+              <a:rPr lang="en-US" altLang="ko-KR" sz="2800" smtClean="0">
                 <a:solidFill>
                   <a:schemeClr val="tx1">
                     <a:lumMod val="50000"/>
@@ -21521,6 +21570,16 @@
               </a:rPr>
               <a:t>)</a:t>
             </a:r>
+            <a:endParaRPr lang="en-US" altLang="ko-KR" sz="2800" dirty="0">
+              <a:solidFill>
+                <a:schemeClr val="tx1">
+                  <a:lumMod val="50000"/>
+                  <a:lumOff val="50000"/>
+                </a:schemeClr>
+              </a:solidFill>
+              <a:latin typeface="G마켓 산스 Medium" panose="02000000000000000000" pitchFamily="50" charset="-127"/>
+              <a:ea typeface="G마켓 산스 Medium" panose="02000000000000000000" pitchFamily="50" charset="-127"/>
+            </a:endParaRPr>
           </a:p>
         </p:txBody>
       </p:sp>
@@ -21529,7 +21588,7 @@
           <p:cNvPr id="6" name="표 2">
             <a:extLst>
               <a:ext uri="{FF2B5EF4-FFF2-40B4-BE49-F238E27FC236}">
-                <a16:creationId xmlns:a16="http://schemas.microsoft.com/office/drawing/2014/main" id="{F902164B-C843-8740-78C7-6C579992DE64}"/>
+                <a16:creationId xmlns:a16="http://schemas.microsoft.com/office/drawing/2014/main" xmlns="" id="{F902164B-C843-8740-78C7-6C579992DE64}"/>
               </a:ext>
             </a:extLst>
           </p:cNvPr>
@@ -21539,13 +21598,13 @@
           <p:nvPr>
             <p:extLst>
               <p:ext uri="{D42A27DB-BD31-4B8C-83A1-F6EECF244321}">
-                <p14:modId xmlns:p14="http://schemas.microsoft.com/office/powerpoint/2010/main" val="3367293979"/>
+                <p14:modId xmlns:p14="http://schemas.microsoft.com/office/powerpoint/2010/main" val="3530666492"/>
               </p:ext>
             </p:extLst>
           </p:nvPr>
         </p:nvGraphicFramePr>
         <p:xfrm>
-          <a:off x="1600200" y="6516826"/>
+          <a:off x="947056" y="6516826"/>
           <a:ext cx="6215744" cy="3596640"/>
         </p:xfrm>
         <a:graphic>
@@ -21558,21 +21617,21 @@
                 <a:gridCol w="1731833">
                   <a:extLst>
                     <a:ext uri="{9D8B030D-6E8A-4147-A177-3AD203B41FA5}">
-                      <a16:colId xmlns:a16="http://schemas.microsoft.com/office/drawing/2014/main" val="1960770391"/>
+                      <a16:colId xmlns:a16="http://schemas.microsoft.com/office/drawing/2014/main" xmlns="" val="1960770391"/>
                     </a:ext>
                   </a:extLst>
                 </a:gridCol>
                 <a:gridCol w="1752960">
                   <a:extLst>
                     <a:ext uri="{9D8B030D-6E8A-4147-A177-3AD203B41FA5}">
-                      <a16:colId xmlns:a16="http://schemas.microsoft.com/office/drawing/2014/main" val="733308553"/>
+                      <a16:colId xmlns:a16="http://schemas.microsoft.com/office/drawing/2014/main" xmlns="" val="733308553"/>
                     </a:ext>
                   </a:extLst>
                 </a:gridCol>
                 <a:gridCol w="2730951">
                   <a:extLst>
                     <a:ext uri="{9D8B030D-6E8A-4147-A177-3AD203B41FA5}">
-                      <a16:colId xmlns:a16="http://schemas.microsoft.com/office/drawing/2014/main" val="1661322813"/>
+                      <a16:colId xmlns:a16="http://schemas.microsoft.com/office/drawing/2014/main" xmlns="" val="1661322813"/>
                     </a:ext>
                   </a:extLst>
                 </a:gridCol>
@@ -21760,7 +21819,7 @@
                 </a:tc>
                 <a:extLst>
                   <a:ext uri="{0D108BD9-81ED-4DB2-BD59-A6C34878D82A}">
-                    <a16:rowId xmlns:a16="http://schemas.microsoft.com/office/drawing/2014/main" val="2452905565"/>
+                    <a16:rowId xmlns:a16="http://schemas.microsoft.com/office/drawing/2014/main" xmlns="" val="2452905565"/>
                   </a:ext>
                 </a:extLst>
               </a:tr>
@@ -21967,7 +22026,7 @@
                 </a:tc>
                 <a:extLst>
                   <a:ext uri="{0D108BD9-81ED-4DB2-BD59-A6C34878D82A}">
-                    <a16:rowId xmlns:a16="http://schemas.microsoft.com/office/drawing/2014/main" val="3551452526"/>
+                    <a16:rowId xmlns:a16="http://schemas.microsoft.com/office/drawing/2014/main" xmlns="" val="3551452526"/>
                   </a:ext>
                 </a:extLst>
               </a:tr>
@@ -22096,7 +22155,19 @@
                         <a:rPr lang="en-US" altLang="ko-KR" sz="2000" dirty="0">
                           <a:ea typeface="G마켓 산스 Medium" panose="02000000000000000000"/>
                         </a:rPr>
-                        <a:t>(1~50)</a:t>
+                        <a:t>(</a:t>
+                      </a:r>
+                      <a:r>
+                        <a:rPr lang="en-US" altLang="ko-KR" sz="2000">
+                          <a:ea typeface="G마켓 산스 Medium" panose="02000000000000000000"/>
+                        </a:rPr>
+                        <a:t>1~50</a:t>
+                      </a:r>
+                      <a:r>
+                        <a:rPr lang="en-US" altLang="ko-KR" sz="2000" smtClean="0">
+                          <a:ea typeface="G마켓 산스 Medium" panose="02000000000000000000"/>
+                        </a:rPr>
+                        <a:t>) random</a:t>
                       </a:r>
                       <a:endParaRPr lang="ko-KR" altLang="en-US" sz="2000" dirty="0">
                         <a:ea typeface="G마켓 산스 Medium" panose="02000000000000000000"/>
@@ -22145,7 +22216,7 @@
                 </a:tc>
                 <a:extLst>
                   <a:ext uri="{0D108BD9-81ED-4DB2-BD59-A6C34878D82A}">
-                    <a16:rowId xmlns:a16="http://schemas.microsoft.com/office/drawing/2014/main" val="3645064171"/>
+                    <a16:rowId xmlns:a16="http://schemas.microsoft.com/office/drawing/2014/main" xmlns="" val="3645064171"/>
                   </a:ext>
                 </a:extLst>
               </a:tr>
@@ -22274,7 +22345,19 @@
                         <a:rPr lang="en-US" altLang="ko-KR" sz="2000" dirty="0">
                           <a:ea typeface="G마켓 산스 Medium" panose="02000000000000000000"/>
                         </a:rPr>
-                        <a:t>(1~100)</a:t>
+                        <a:t>(</a:t>
+                      </a:r>
+                      <a:r>
+                        <a:rPr lang="en-US" altLang="ko-KR" sz="2000">
+                          <a:ea typeface="G마켓 산스 Medium" panose="02000000000000000000"/>
+                        </a:rPr>
+                        <a:t>1~100</a:t>
+                      </a:r>
+                      <a:r>
+                        <a:rPr lang="en-US" altLang="ko-KR" sz="2000" smtClean="0">
+                          <a:ea typeface="G마켓 산스 Medium" panose="02000000000000000000"/>
+                        </a:rPr>
+                        <a:t>) random</a:t>
                       </a:r>
                       <a:endParaRPr lang="ko-KR" altLang="en-US" sz="2000" dirty="0">
                         <a:ea typeface="G마켓 산스 Medium" panose="02000000000000000000"/>
@@ -22323,7 +22406,7 @@
                 </a:tc>
                 <a:extLst>
                   <a:ext uri="{0D108BD9-81ED-4DB2-BD59-A6C34878D82A}">
-                    <a16:rowId xmlns:a16="http://schemas.microsoft.com/office/drawing/2014/main" val="2802120283"/>
+                    <a16:rowId xmlns:a16="http://schemas.microsoft.com/office/drawing/2014/main" xmlns="" val="2802120283"/>
                   </a:ext>
                 </a:extLst>
               </a:tr>
@@ -22452,7 +22535,19 @@
                         <a:rPr lang="en-US" altLang="ko-KR" sz="2000" dirty="0">
                           <a:ea typeface="G마켓 산스 Medium" panose="02000000000000000000"/>
                         </a:rPr>
-                        <a:t>(1~10)</a:t>
+                        <a:t>(</a:t>
+                      </a:r>
+                      <a:r>
+                        <a:rPr lang="en-US" altLang="ko-KR" sz="2000">
+                          <a:ea typeface="G마켓 산스 Medium" panose="02000000000000000000"/>
+                        </a:rPr>
+                        <a:t>1~10</a:t>
+                      </a:r>
+                      <a:r>
+                        <a:rPr lang="en-US" altLang="ko-KR" sz="2000" smtClean="0">
+                          <a:ea typeface="G마켓 산스 Medium" panose="02000000000000000000"/>
+                        </a:rPr>
+                        <a:t>) random</a:t>
                       </a:r>
                       <a:endParaRPr lang="ko-KR" altLang="en-US" sz="2000" dirty="0">
                         <a:ea typeface="G마켓 산스 Medium" panose="02000000000000000000"/>
@@ -22501,7 +22596,7 @@
                 </a:tc>
                 <a:extLst>
                   <a:ext uri="{0D108BD9-81ED-4DB2-BD59-A6C34878D82A}">
-                    <a16:rowId xmlns:a16="http://schemas.microsoft.com/office/drawing/2014/main" val="1362299918"/>
+                    <a16:rowId xmlns:a16="http://schemas.microsoft.com/office/drawing/2014/main" xmlns="" val="1362299918"/>
                   </a:ext>
                 </a:extLst>
               </a:tr>
@@ -22646,34 +22741,22 @@
                     <a:p>
                       <a:pPr latinLnBrk="1"/>
                       <a:r>
-                        <a:rPr lang="ko-KR" altLang="en-US" sz="2000" dirty="0">
+                        <a:rPr lang="ko-KR" altLang="en-US" sz="2000" smtClean="0">
                           <a:ea typeface="G마켓 산스 Medium" panose="02000000000000000000"/>
                         </a:rPr>
                         <a:t>공격</a:t>
                       </a:r>
-                      <a:endParaRPr lang="en-US" altLang="ko-KR" sz="2000" dirty="0">
+                      <a:endParaRPr lang="en-US" altLang="ko-KR" sz="2000" smtClean="0">
                         <a:ea typeface="G마켓 산스 Medium" panose="02000000000000000000"/>
                       </a:endParaRPr>
                     </a:p>
                     <a:p>
                       <a:pPr latinLnBrk="1"/>
                       <a:r>
-                        <a:rPr lang="ko-KR" altLang="en-US" sz="2000" dirty="0" err="1">
+                        <a:rPr lang="ko-KR" altLang="en-US" sz="2000" smtClean="0">
                           <a:ea typeface="G마켓 산스 Medium" panose="02000000000000000000"/>
                         </a:rPr>
-                        <a:t>시그니처</a:t>
-                      </a:r>
-                      <a:r>
-                        <a:rPr lang="en-US" altLang="ko-KR" sz="2000" dirty="0">
-                          <a:ea typeface="G마켓 산스 Medium" panose="02000000000000000000"/>
-                        </a:rPr>
-                        <a:t>: </a:t>
-                      </a:r>
-                      <a:r>
-                        <a:rPr lang="ko-KR" altLang="en-US" sz="2000" dirty="0" err="1">
-                          <a:ea typeface="G마켓 산스 Medium" panose="02000000000000000000"/>
-                        </a:rPr>
-                        <a:t>힌트없음</a:t>
+                        <a:t>내부는 일단 비워두자</a:t>
                       </a:r>
                       <a:endParaRPr lang="en-US" altLang="ko-KR" sz="2000" dirty="0">
                         <a:ea typeface="G마켓 산스 Medium" panose="02000000000000000000"/>
@@ -22722,7 +22805,7 @@
                 </a:tc>
                 <a:extLst>
                   <a:ext uri="{0D108BD9-81ED-4DB2-BD59-A6C34878D82A}">
-                    <a16:rowId xmlns:a16="http://schemas.microsoft.com/office/drawing/2014/main" val="2488866604"/>
+                    <a16:rowId xmlns:a16="http://schemas.microsoft.com/office/drawing/2014/main" xmlns="" val="2488866604"/>
                   </a:ext>
                 </a:extLst>
               </a:tr>
@@ -22921,7 +23004,7 @@
                 </a:tc>
                 <a:extLst>
                   <a:ext uri="{0D108BD9-81ED-4DB2-BD59-A6C34878D82A}">
-                    <a16:rowId xmlns:a16="http://schemas.microsoft.com/office/drawing/2014/main" val="2632365449"/>
+                    <a16:rowId xmlns:a16="http://schemas.microsoft.com/office/drawing/2014/main" xmlns="" val="2632365449"/>
                   </a:ext>
                 </a:extLst>
               </a:tr>
@@ -22934,7 +23017,7 @@
           <p:cNvPr id="8" name="그림 7">
             <a:extLst>
               <a:ext uri="{FF2B5EF4-FFF2-40B4-BE49-F238E27FC236}">
-                <a16:creationId xmlns:a16="http://schemas.microsoft.com/office/drawing/2014/main" id="{442A7CE7-1BDF-A0A1-1252-625C786E29E2}"/>
+                <a16:creationId xmlns:a16="http://schemas.microsoft.com/office/drawing/2014/main" xmlns="" id="{442A7CE7-1BDF-A0A1-1252-625C786E29E2}"/>
               </a:ext>
             </a:extLst>
           </p:cNvPr>
@@ -22964,7 +23047,7 @@
           <p:cNvPr id="12" name="그림 11">
             <a:extLst>
               <a:ext uri="{FF2B5EF4-FFF2-40B4-BE49-F238E27FC236}">
-                <a16:creationId xmlns:a16="http://schemas.microsoft.com/office/drawing/2014/main" id="{D669BF8B-28CB-C031-EC33-EC1103111E97}"/>
+                <a16:creationId xmlns:a16="http://schemas.microsoft.com/office/drawing/2014/main" xmlns="" id="{D669BF8B-28CB-C031-EC33-EC1103111E97}"/>
               </a:ext>
             </a:extLst>
           </p:cNvPr>
@@ -22994,7 +23077,7 @@
           <p:cNvPr id="14" name="그림 13">
             <a:extLst>
               <a:ext uri="{FF2B5EF4-FFF2-40B4-BE49-F238E27FC236}">
-                <a16:creationId xmlns:a16="http://schemas.microsoft.com/office/drawing/2014/main" id="{1E7F22C3-6735-B286-C1ED-9D5B3D8FBE40}"/>
+                <a16:creationId xmlns:a16="http://schemas.microsoft.com/office/drawing/2014/main" xmlns="" id="{1E7F22C3-6735-B286-C1ED-9D5B3D8FBE40}"/>
               </a:ext>
             </a:extLst>
           </p:cNvPr>
@@ -23024,7 +23107,7 @@
           <p:cNvPr id="15" name="TextBox 14">
             <a:extLst>
               <a:ext uri="{FF2B5EF4-FFF2-40B4-BE49-F238E27FC236}">
-                <a16:creationId xmlns:a16="http://schemas.microsoft.com/office/drawing/2014/main" id="{D7951096-E5FC-1D77-EF4A-4E366621FCFC}"/>
+                <a16:creationId xmlns:a16="http://schemas.microsoft.com/office/drawing/2014/main" xmlns="" id="{D7951096-E5FC-1D77-EF4A-4E366621FCFC}"/>
               </a:ext>
             </a:extLst>
           </p:cNvPr>
@@ -23138,6 +23221,30 @@
           </a:p>
         </p:txBody>
       </p:sp>
+      <p:pic>
+        <p:nvPicPr>
+          <p:cNvPr id="11" name="그림 10"/>
+          <p:cNvPicPr>
+            <a:picLocks noChangeAspect="1"/>
+          </p:cNvPicPr>
+          <p:nvPr/>
+        </p:nvPicPr>
+        <p:blipFill>
+          <a:blip r:embed="rId5"/>
+          <a:stretch>
+            <a:fillRect/>
+          </a:stretch>
+        </p:blipFill>
+        <p:spPr>
+          <a:xfrm>
+            <a:off x="7373256" y="6472617"/>
+            <a:ext cx="4374830" cy="3776284"/>
+          </a:xfrm>
+          <a:prstGeom prst="rect">
+            <a:avLst/>
+          </a:prstGeom>
+        </p:spPr>
+      </p:pic>
     </p:spTree>
     <p:extLst>
       <p:ext uri="{BB962C8B-B14F-4D97-AF65-F5344CB8AC3E}">
@@ -23181,7 +23288,7 @@
           <p:cNvPr id="4" name="Object 1">
             <a:extLst>
               <a:ext uri="{FF2B5EF4-FFF2-40B4-BE49-F238E27FC236}">
-                <a16:creationId xmlns:a16="http://schemas.microsoft.com/office/drawing/2014/main" id="{B0329035-BE76-33A8-0F2E-44624FCC1DED}"/>
+                <a16:creationId xmlns:a16="http://schemas.microsoft.com/office/drawing/2014/main" xmlns="" id="{B0329035-BE76-33A8-0F2E-44624FCC1DED}"/>
               </a:ext>
             </a:extLst>
           </p:cNvPr>
@@ -23211,7 +23318,7 @@
           <p:cNvPr id="7" name="그룹 1001">
             <a:extLst>
               <a:ext uri="{FF2B5EF4-FFF2-40B4-BE49-F238E27FC236}">
-                <a16:creationId xmlns:a16="http://schemas.microsoft.com/office/drawing/2014/main" id="{CD24CE9D-AC18-B6CD-F397-7E8E03D6FE26}"/>
+                <a16:creationId xmlns:a16="http://schemas.microsoft.com/office/drawing/2014/main" xmlns="" id="{CD24CE9D-AC18-B6CD-F397-7E8E03D6FE26}"/>
               </a:ext>
             </a:extLst>
           </p:cNvPr>
@@ -23231,7 +23338,7 @@
             <p:cNvPr id="8" name="Object 5">
               <a:extLst>
                 <a:ext uri="{FF2B5EF4-FFF2-40B4-BE49-F238E27FC236}">
-                  <a16:creationId xmlns:a16="http://schemas.microsoft.com/office/drawing/2014/main" id="{0EEF25E8-3BA8-EBAA-6DC2-66D70C3F9F4D}"/>
+                  <a16:creationId xmlns:a16="http://schemas.microsoft.com/office/drawing/2014/main" xmlns="" id="{0EEF25E8-3BA8-EBAA-6DC2-66D70C3F9F4D}"/>
                 </a:ext>
               </a:extLst>
             </p:cNvPr>
@@ -23262,7 +23369,7 @@
           <p:cNvPr id="9" name="그룹 1002">
             <a:extLst>
               <a:ext uri="{FF2B5EF4-FFF2-40B4-BE49-F238E27FC236}">
-                <a16:creationId xmlns:a16="http://schemas.microsoft.com/office/drawing/2014/main" id="{0F281BC9-DE1F-D1FE-E64C-C4640398F00C}"/>
+                <a16:creationId xmlns:a16="http://schemas.microsoft.com/office/drawing/2014/main" xmlns="" id="{0F281BC9-DE1F-D1FE-E64C-C4640398F00C}"/>
               </a:ext>
             </a:extLst>
           </p:cNvPr>
@@ -23282,7 +23389,7 @@
             <p:cNvPr id="10" name="Object 8">
               <a:extLst>
                 <a:ext uri="{FF2B5EF4-FFF2-40B4-BE49-F238E27FC236}">
-                  <a16:creationId xmlns:a16="http://schemas.microsoft.com/office/drawing/2014/main" id="{F669DCEF-04BB-7046-3F7F-5B513213556E}"/>
+                  <a16:creationId xmlns:a16="http://schemas.microsoft.com/office/drawing/2014/main" xmlns="" id="{F669DCEF-04BB-7046-3F7F-5B513213556E}"/>
                 </a:ext>
               </a:extLst>
             </p:cNvPr>
@@ -23313,7 +23420,7 @@
           <p:cNvPr id="11" name="그룹 1003">
             <a:extLst>
               <a:ext uri="{FF2B5EF4-FFF2-40B4-BE49-F238E27FC236}">
-                <a16:creationId xmlns:a16="http://schemas.microsoft.com/office/drawing/2014/main" id="{1F91EEF9-13EA-BB7F-B056-D35E7DB989AC}"/>
+                <a16:creationId xmlns:a16="http://schemas.microsoft.com/office/drawing/2014/main" xmlns="" id="{1F91EEF9-13EA-BB7F-B056-D35E7DB989AC}"/>
               </a:ext>
             </a:extLst>
           </p:cNvPr>
@@ -23333,7 +23440,7 @@
             <p:cNvPr id="12" name="Object 11">
               <a:extLst>
                 <a:ext uri="{FF2B5EF4-FFF2-40B4-BE49-F238E27FC236}">
-                  <a16:creationId xmlns:a16="http://schemas.microsoft.com/office/drawing/2014/main" id="{2CFFB217-AEFB-2C9E-5F86-6EE19510FFC6}"/>
+                  <a16:creationId xmlns:a16="http://schemas.microsoft.com/office/drawing/2014/main" xmlns="" id="{2CFFB217-AEFB-2C9E-5F86-6EE19510FFC6}"/>
                 </a:ext>
               </a:extLst>
             </p:cNvPr>
@@ -23364,7 +23471,7 @@
           <p:cNvPr id="13" name="그룹 1004">
             <a:extLst>
               <a:ext uri="{FF2B5EF4-FFF2-40B4-BE49-F238E27FC236}">
-                <a16:creationId xmlns:a16="http://schemas.microsoft.com/office/drawing/2014/main" id="{123B9C7E-94E8-E7E1-81BE-D59EA0299187}"/>
+                <a16:creationId xmlns:a16="http://schemas.microsoft.com/office/drawing/2014/main" xmlns="" id="{123B9C7E-94E8-E7E1-81BE-D59EA0299187}"/>
               </a:ext>
             </a:extLst>
           </p:cNvPr>
@@ -23384,7 +23491,7 @@
             <p:cNvPr id="14" name="Object 14">
               <a:extLst>
                 <a:ext uri="{FF2B5EF4-FFF2-40B4-BE49-F238E27FC236}">
-                  <a16:creationId xmlns:a16="http://schemas.microsoft.com/office/drawing/2014/main" id="{B6291552-2D89-A79F-7ACD-EA0EF9A4C389}"/>
+                  <a16:creationId xmlns:a16="http://schemas.microsoft.com/office/drawing/2014/main" xmlns="" id="{B6291552-2D89-A79F-7ACD-EA0EF9A4C389}"/>
                 </a:ext>
               </a:extLst>
             </p:cNvPr>
@@ -23415,7 +23522,7 @@
           <p:cNvPr id="15" name="TextBox 14">
             <a:extLst>
               <a:ext uri="{FF2B5EF4-FFF2-40B4-BE49-F238E27FC236}">
-                <a16:creationId xmlns:a16="http://schemas.microsoft.com/office/drawing/2014/main" id="{7D99763A-FC24-23F5-5BA9-D7B042E0F323}"/>
+                <a16:creationId xmlns:a16="http://schemas.microsoft.com/office/drawing/2014/main" xmlns="" id="{7D99763A-FC24-23F5-5BA9-D7B042E0F323}"/>
               </a:ext>
             </a:extLst>
           </p:cNvPr>
@@ -23493,7 +23600,7 @@
           <p:cNvPr id="4" name="TextBox 3">
             <a:extLst>
               <a:ext uri="{FF2B5EF4-FFF2-40B4-BE49-F238E27FC236}">
-                <a16:creationId xmlns:a16="http://schemas.microsoft.com/office/drawing/2014/main" id="{1001AA19-EB49-83CD-69C8-9716F9EF3D96}"/>
+                <a16:creationId xmlns:a16="http://schemas.microsoft.com/office/drawing/2014/main" xmlns="" id="{1001AA19-EB49-83CD-69C8-9716F9EF3D96}"/>
               </a:ext>
             </a:extLst>
           </p:cNvPr>
@@ -23759,7 +23866,7 @@
           <p:cNvPr id="2" name="TextBox 1">
             <a:extLst>
               <a:ext uri="{FF2B5EF4-FFF2-40B4-BE49-F238E27FC236}">
-                <a16:creationId xmlns:a16="http://schemas.microsoft.com/office/drawing/2014/main" id="{8D19D88B-9541-32D7-90F1-0C45C993E21C}"/>
+                <a16:creationId xmlns:a16="http://schemas.microsoft.com/office/drawing/2014/main" xmlns="" id="{8D19D88B-9541-32D7-90F1-0C45C993E21C}"/>
               </a:ext>
             </a:extLst>
           </p:cNvPr>
@@ -23832,7 +23939,7 @@
           <p:cNvPr id="4" name="TextBox 3">
             <a:extLst>
               <a:ext uri="{FF2B5EF4-FFF2-40B4-BE49-F238E27FC236}">
-                <a16:creationId xmlns:a16="http://schemas.microsoft.com/office/drawing/2014/main" id="{76F06958-28E9-486A-AA9F-B499E4463946}"/>
+                <a16:creationId xmlns:a16="http://schemas.microsoft.com/office/drawing/2014/main" xmlns="" id="{76F06958-28E9-486A-AA9F-B499E4463946}"/>
               </a:ext>
             </a:extLst>
           </p:cNvPr>
@@ -23918,7 +24025,7 @@
           <p:cNvPr id="5" name="Object 2">
             <a:extLst>
               <a:ext uri="{FF2B5EF4-FFF2-40B4-BE49-F238E27FC236}">
-                <a16:creationId xmlns:a16="http://schemas.microsoft.com/office/drawing/2014/main" id="{EB9768FE-76B0-709F-3C4D-0ECBB41147CD}"/>
+                <a16:creationId xmlns:a16="http://schemas.microsoft.com/office/drawing/2014/main" xmlns="" id="{EB9768FE-76B0-709F-3C4D-0ECBB41147CD}"/>
               </a:ext>
             </a:extLst>
           </p:cNvPr>
@@ -23948,7 +24055,7 @@
           <p:cNvPr id="7" name="그룹 1001">
             <a:extLst>
               <a:ext uri="{FF2B5EF4-FFF2-40B4-BE49-F238E27FC236}">
-                <a16:creationId xmlns:a16="http://schemas.microsoft.com/office/drawing/2014/main" id="{0637F47C-891C-2B90-8647-32B84C264D42}"/>
+                <a16:creationId xmlns:a16="http://schemas.microsoft.com/office/drawing/2014/main" xmlns="" id="{0637F47C-891C-2B90-8647-32B84C264D42}"/>
               </a:ext>
             </a:extLst>
           </p:cNvPr>
@@ -23968,7 +24075,7 @@
             <p:cNvPr id="8" name="Object 5">
               <a:extLst>
                 <a:ext uri="{FF2B5EF4-FFF2-40B4-BE49-F238E27FC236}">
-                  <a16:creationId xmlns:a16="http://schemas.microsoft.com/office/drawing/2014/main" id="{710F969D-8259-9328-33C3-C6DB500C60D4}"/>
+                  <a16:creationId xmlns:a16="http://schemas.microsoft.com/office/drawing/2014/main" xmlns="" id="{710F969D-8259-9328-33C3-C6DB500C60D4}"/>
                 </a:ext>
               </a:extLst>
             </p:cNvPr>
@@ -23999,7 +24106,7 @@
           <p:cNvPr id="9" name="그룹 1002">
             <a:extLst>
               <a:ext uri="{FF2B5EF4-FFF2-40B4-BE49-F238E27FC236}">
-                <a16:creationId xmlns:a16="http://schemas.microsoft.com/office/drawing/2014/main" id="{A87796A8-251B-F38A-5AE9-11F8D847B25D}"/>
+                <a16:creationId xmlns:a16="http://schemas.microsoft.com/office/drawing/2014/main" xmlns="" id="{A87796A8-251B-F38A-5AE9-11F8D847B25D}"/>
               </a:ext>
             </a:extLst>
           </p:cNvPr>
@@ -24019,7 +24126,7 @@
             <p:cNvPr id="10" name="Object 8">
               <a:extLst>
                 <a:ext uri="{FF2B5EF4-FFF2-40B4-BE49-F238E27FC236}">
-                  <a16:creationId xmlns:a16="http://schemas.microsoft.com/office/drawing/2014/main" id="{9E806C19-D323-E705-F3B8-EEABB39F0993}"/>
+                  <a16:creationId xmlns:a16="http://schemas.microsoft.com/office/drawing/2014/main" xmlns="" id="{9E806C19-D323-E705-F3B8-EEABB39F0993}"/>
                 </a:ext>
               </a:extLst>
             </p:cNvPr>
@@ -24050,7 +24157,7 @@
           <p:cNvPr id="11" name="그룹 1003">
             <a:extLst>
               <a:ext uri="{FF2B5EF4-FFF2-40B4-BE49-F238E27FC236}">
-                <a16:creationId xmlns:a16="http://schemas.microsoft.com/office/drawing/2014/main" id="{701795E0-24B6-38E6-7308-FED7AD2B6900}"/>
+                <a16:creationId xmlns:a16="http://schemas.microsoft.com/office/drawing/2014/main" xmlns="" id="{701795E0-24B6-38E6-7308-FED7AD2B6900}"/>
               </a:ext>
             </a:extLst>
           </p:cNvPr>
@@ -24070,7 +24177,7 @@
             <p:cNvPr id="12" name="Object 11">
               <a:extLst>
                 <a:ext uri="{FF2B5EF4-FFF2-40B4-BE49-F238E27FC236}">
-                  <a16:creationId xmlns:a16="http://schemas.microsoft.com/office/drawing/2014/main" id="{D8C68167-7FB5-1F8E-D53C-DEA682F465F5}"/>
+                  <a16:creationId xmlns:a16="http://schemas.microsoft.com/office/drawing/2014/main" xmlns="" id="{D8C68167-7FB5-1F8E-D53C-DEA682F465F5}"/>
                 </a:ext>
               </a:extLst>
             </p:cNvPr>
@@ -24101,7 +24208,7 @@
           <p:cNvPr id="13" name="그룹 1004">
             <a:extLst>
               <a:ext uri="{FF2B5EF4-FFF2-40B4-BE49-F238E27FC236}">
-                <a16:creationId xmlns:a16="http://schemas.microsoft.com/office/drawing/2014/main" id="{03226A72-764D-99F3-A14F-47C351CB448B}"/>
+                <a16:creationId xmlns:a16="http://schemas.microsoft.com/office/drawing/2014/main" xmlns="" id="{03226A72-764D-99F3-A14F-47C351CB448B}"/>
               </a:ext>
             </a:extLst>
           </p:cNvPr>
@@ -24121,7 +24228,7 @@
             <p:cNvPr id="14" name="Object 14">
               <a:extLst>
                 <a:ext uri="{FF2B5EF4-FFF2-40B4-BE49-F238E27FC236}">
-                  <a16:creationId xmlns:a16="http://schemas.microsoft.com/office/drawing/2014/main" id="{77C5B9A8-AEBA-093B-4CD6-4F1ECF519068}"/>
+                  <a16:creationId xmlns:a16="http://schemas.microsoft.com/office/drawing/2014/main" xmlns="" id="{77C5B9A8-AEBA-093B-4CD6-4F1ECF519068}"/>
                 </a:ext>
               </a:extLst>
             </p:cNvPr>
@@ -24152,7 +24259,7 @@
           <p:cNvPr id="15" name="TextBox 14">
             <a:extLst>
               <a:ext uri="{FF2B5EF4-FFF2-40B4-BE49-F238E27FC236}">
-                <a16:creationId xmlns:a16="http://schemas.microsoft.com/office/drawing/2014/main" id="{E44AB10B-96D7-19D1-5C7A-D2761E62F16E}"/>
+                <a16:creationId xmlns:a16="http://schemas.microsoft.com/office/drawing/2014/main" xmlns="" id="{E44AB10B-96D7-19D1-5C7A-D2761E62F16E}"/>
               </a:ext>
             </a:extLst>
           </p:cNvPr>
@@ -24230,7 +24337,7 @@
           <p:cNvPr id="4" name="TextBox 3">
             <a:extLst>
               <a:ext uri="{FF2B5EF4-FFF2-40B4-BE49-F238E27FC236}">
-                <a16:creationId xmlns:a16="http://schemas.microsoft.com/office/drawing/2014/main" id="{5ADC00B6-990A-40DC-3CEA-505258F5E8DA}"/>
+                <a16:creationId xmlns:a16="http://schemas.microsoft.com/office/drawing/2014/main" xmlns="" id="{5ADC00B6-990A-40DC-3CEA-505258F5E8DA}"/>
               </a:ext>
             </a:extLst>
           </p:cNvPr>
@@ -24288,7 +24395,7 @@
           <p:cNvPr id="5" name="TextBox 4">
             <a:extLst>
               <a:ext uri="{FF2B5EF4-FFF2-40B4-BE49-F238E27FC236}">
-                <a16:creationId xmlns:a16="http://schemas.microsoft.com/office/drawing/2014/main" id="{4EDAA912-8FA0-0F11-119B-EA9F8B36A489}"/>
+                <a16:creationId xmlns:a16="http://schemas.microsoft.com/office/drawing/2014/main" xmlns="" id="{4EDAA912-8FA0-0F11-119B-EA9F8B36A489}"/>
               </a:ext>
             </a:extLst>
           </p:cNvPr>
@@ -24579,7 +24686,7 @@
           <p:cNvPr id="7" name="TextBox 6">
             <a:extLst>
               <a:ext uri="{FF2B5EF4-FFF2-40B4-BE49-F238E27FC236}">
-                <a16:creationId xmlns:a16="http://schemas.microsoft.com/office/drawing/2014/main" id="{5ADC00B6-990A-40DC-3CEA-505258F5E8DA}"/>
+                <a16:creationId xmlns:a16="http://schemas.microsoft.com/office/drawing/2014/main" xmlns="" id="{5ADC00B6-990A-40DC-3CEA-505258F5E8DA}"/>
               </a:ext>
             </a:extLst>
           </p:cNvPr>
@@ -24637,7 +24744,7 @@
           <p:cNvPr id="8" name="TextBox 7">
             <a:extLst>
               <a:ext uri="{FF2B5EF4-FFF2-40B4-BE49-F238E27FC236}">
-                <a16:creationId xmlns:a16="http://schemas.microsoft.com/office/drawing/2014/main" id="{4EDAA912-8FA0-0F11-119B-EA9F8B36A489}"/>
+                <a16:creationId xmlns:a16="http://schemas.microsoft.com/office/drawing/2014/main" xmlns="" id="{4EDAA912-8FA0-0F11-119B-EA9F8B36A489}"/>
               </a:ext>
             </a:extLst>
           </p:cNvPr>
@@ -24705,7 +24812,7 @@
           <p:cNvPr id="10" name="TextBox 9">
             <a:extLst>
               <a:ext uri="{FF2B5EF4-FFF2-40B4-BE49-F238E27FC236}">
-                <a16:creationId xmlns:a16="http://schemas.microsoft.com/office/drawing/2014/main" id="{5ADC00B6-990A-40DC-3CEA-505258F5E8DA}"/>
+                <a16:creationId xmlns:a16="http://schemas.microsoft.com/office/drawing/2014/main" xmlns="" id="{5ADC00B6-990A-40DC-3CEA-505258F5E8DA}"/>
               </a:ext>
             </a:extLst>
           </p:cNvPr>
@@ -24763,7 +24870,7 @@
           <p:cNvPr id="12" name="TextBox 11">
             <a:extLst>
               <a:ext uri="{FF2B5EF4-FFF2-40B4-BE49-F238E27FC236}">
-                <a16:creationId xmlns:a16="http://schemas.microsoft.com/office/drawing/2014/main" id="{4EDAA912-8FA0-0F11-119B-EA9F8B36A489}"/>
+                <a16:creationId xmlns:a16="http://schemas.microsoft.com/office/drawing/2014/main" xmlns="" id="{4EDAA912-8FA0-0F11-119B-EA9F8B36A489}"/>
               </a:ext>
             </a:extLst>
           </p:cNvPr>
@@ -25219,7 +25326,7 @@
           <p:cNvPr id="2" name="TextBox 1">
             <a:extLst>
               <a:ext uri="{FF2B5EF4-FFF2-40B4-BE49-F238E27FC236}">
-                <a16:creationId xmlns:a16="http://schemas.microsoft.com/office/drawing/2014/main" id="{715D88A2-BD52-978B-A00A-540446126E3D}"/>
+                <a16:creationId xmlns:a16="http://schemas.microsoft.com/office/drawing/2014/main" xmlns="" id="{715D88A2-BD52-978B-A00A-540446126E3D}"/>
               </a:ext>
             </a:extLst>
           </p:cNvPr>
@@ -25292,7 +25399,7 @@
           <p:cNvPr id="4" name="TextBox 3">
             <a:extLst>
               <a:ext uri="{FF2B5EF4-FFF2-40B4-BE49-F238E27FC236}">
-                <a16:creationId xmlns:a16="http://schemas.microsoft.com/office/drawing/2014/main" id="{DF7DDD33-9412-2802-339A-E55446AC2DA7}"/>
+                <a16:creationId xmlns:a16="http://schemas.microsoft.com/office/drawing/2014/main" xmlns="" id="{DF7DDD33-9412-2802-339A-E55446AC2DA7}"/>
               </a:ext>
             </a:extLst>
           </p:cNvPr>
@@ -25390,7 +25497,7 @@
           <p:cNvPr id="4" name="그룹 1001">
             <a:extLst>
               <a:ext uri="{FF2B5EF4-FFF2-40B4-BE49-F238E27FC236}">
-                <a16:creationId xmlns:a16="http://schemas.microsoft.com/office/drawing/2014/main" id="{E0956EEE-BA6A-E249-6516-8E257FFD49E1}"/>
+                <a16:creationId xmlns:a16="http://schemas.microsoft.com/office/drawing/2014/main" xmlns="" id="{E0956EEE-BA6A-E249-6516-8E257FFD49E1}"/>
               </a:ext>
             </a:extLst>
           </p:cNvPr>
@@ -25410,7 +25517,7 @@
             <p:cNvPr id="5" name="그룹 1002">
               <a:extLst>
                 <a:ext uri="{FF2B5EF4-FFF2-40B4-BE49-F238E27FC236}">
-                  <a16:creationId xmlns:a16="http://schemas.microsoft.com/office/drawing/2014/main" id="{42BB6755-4490-ECB9-C760-68D4CA4D1D99}"/>
+                  <a16:creationId xmlns:a16="http://schemas.microsoft.com/office/drawing/2014/main" xmlns="" id="{42BB6755-4490-ECB9-C760-68D4CA4D1D99}"/>
                 </a:ext>
               </a:extLst>
             </p:cNvPr>
@@ -25430,7 +25537,7 @@
               <p:cNvPr id="30" name="Object 3">
                 <a:extLst>
                   <a:ext uri="{FF2B5EF4-FFF2-40B4-BE49-F238E27FC236}">
-                    <a16:creationId xmlns:a16="http://schemas.microsoft.com/office/drawing/2014/main" id="{435F3972-F6FE-6E95-390D-FE2951A201A5}"/>
+                    <a16:creationId xmlns:a16="http://schemas.microsoft.com/office/drawing/2014/main" xmlns="" id="{435F3972-F6FE-6E95-390D-FE2951A201A5}"/>
                   </a:ext>
                 </a:extLst>
               </p:cNvPr>
@@ -25461,7 +25568,7 @@
             <p:cNvPr id="6" name="그룹 1003">
               <a:extLst>
                 <a:ext uri="{FF2B5EF4-FFF2-40B4-BE49-F238E27FC236}">
-                  <a16:creationId xmlns:a16="http://schemas.microsoft.com/office/drawing/2014/main" id="{CEA14FEC-F70F-8BB1-3229-8B289D46B1BE}"/>
+                  <a16:creationId xmlns:a16="http://schemas.microsoft.com/office/drawing/2014/main" xmlns="" id="{CEA14FEC-F70F-8BB1-3229-8B289D46B1BE}"/>
                 </a:ext>
               </a:extLst>
             </p:cNvPr>
@@ -25481,7 +25588,7 @@
               <p:cNvPr id="29" name="Object 6">
                 <a:extLst>
                   <a:ext uri="{FF2B5EF4-FFF2-40B4-BE49-F238E27FC236}">
-                    <a16:creationId xmlns:a16="http://schemas.microsoft.com/office/drawing/2014/main" id="{7D8DFEA3-B447-FD80-229B-FE3F8B762A48}"/>
+                    <a16:creationId xmlns:a16="http://schemas.microsoft.com/office/drawing/2014/main" xmlns="" id="{7D8DFEA3-B447-FD80-229B-FE3F8B762A48}"/>
                   </a:ext>
                 </a:extLst>
               </p:cNvPr>
@@ -25512,7 +25619,7 @@
             <p:cNvPr id="7" name="그룹 1004">
               <a:extLst>
                 <a:ext uri="{FF2B5EF4-FFF2-40B4-BE49-F238E27FC236}">
-                  <a16:creationId xmlns:a16="http://schemas.microsoft.com/office/drawing/2014/main" id="{61049BDD-D8AB-1C05-3476-E0A7DFF10D1E}"/>
+                  <a16:creationId xmlns:a16="http://schemas.microsoft.com/office/drawing/2014/main" xmlns="" id="{61049BDD-D8AB-1C05-3476-E0A7DFF10D1E}"/>
                 </a:ext>
               </a:extLst>
             </p:cNvPr>
@@ -25532,7 +25639,7 @@
               <p:cNvPr id="28" name="Object 9">
                 <a:extLst>
                   <a:ext uri="{FF2B5EF4-FFF2-40B4-BE49-F238E27FC236}">
-                    <a16:creationId xmlns:a16="http://schemas.microsoft.com/office/drawing/2014/main" id="{BB75E1E0-AA47-136B-0062-3B2923DF50CC}"/>
+                    <a16:creationId xmlns:a16="http://schemas.microsoft.com/office/drawing/2014/main" xmlns="" id="{BB75E1E0-AA47-136B-0062-3B2923DF50CC}"/>
                   </a:ext>
                 </a:extLst>
               </p:cNvPr>
@@ -25563,7 +25670,7 @@
             <p:cNvPr id="8" name="그룹 1005">
               <a:extLst>
                 <a:ext uri="{FF2B5EF4-FFF2-40B4-BE49-F238E27FC236}">
-                  <a16:creationId xmlns:a16="http://schemas.microsoft.com/office/drawing/2014/main" id="{BBD37CDE-0996-DC37-B82B-81259E8E68F6}"/>
+                  <a16:creationId xmlns:a16="http://schemas.microsoft.com/office/drawing/2014/main" xmlns="" id="{BBD37CDE-0996-DC37-B82B-81259E8E68F6}"/>
                 </a:ext>
               </a:extLst>
             </p:cNvPr>
@@ -25583,7 +25690,7 @@
               <p:cNvPr id="27" name="Object 12">
                 <a:extLst>
                   <a:ext uri="{FF2B5EF4-FFF2-40B4-BE49-F238E27FC236}">
-                    <a16:creationId xmlns:a16="http://schemas.microsoft.com/office/drawing/2014/main" id="{2FEDB64D-D92F-9F75-699A-70AC411BF360}"/>
+                    <a16:creationId xmlns:a16="http://schemas.microsoft.com/office/drawing/2014/main" xmlns="" id="{2FEDB64D-D92F-9F75-699A-70AC411BF360}"/>
                   </a:ext>
                 </a:extLst>
               </p:cNvPr>
@@ -25614,7 +25721,7 @@
             <p:cNvPr id="9" name="그룹 1006">
               <a:extLst>
                 <a:ext uri="{FF2B5EF4-FFF2-40B4-BE49-F238E27FC236}">
-                  <a16:creationId xmlns:a16="http://schemas.microsoft.com/office/drawing/2014/main" id="{933FE248-46E3-EAFB-8CC8-C7AFD57C7A32}"/>
+                  <a16:creationId xmlns:a16="http://schemas.microsoft.com/office/drawing/2014/main" xmlns="" id="{933FE248-46E3-EAFB-8CC8-C7AFD57C7A32}"/>
                 </a:ext>
               </a:extLst>
             </p:cNvPr>
@@ -25634,7 +25741,7 @@
               <p:cNvPr id="26" name="Object 15">
                 <a:extLst>
                   <a:ext uri="{FF2B5EF4-FFF2-40B4-BE49-F238E27FC236}">
-                    <a16:creationId xmlns:a16="http://schemas.microsoft.com/office/drawing/2014/main" id="{0A60F11D-2A8F-8B6F-0287-13F728DEFE3B}"/>
+                    <a16:creationId xmlns:a16="http://schemas.microsoft.com/office/drawing/2014/main" xmlns="" id="{0A60F11D-2A8F-8B6F-0287-13F728DEFE3B}"/>
                   </a:ext>
                 </a:extLst>
               </p:cNvPr>
@@ -25665,7 +25772,7 @@
             <p:cNvPr id="10" name="그룹 1007">
               <a:extLst>
                 <a:ext uri="{FF2B5EF4-FFF2-40B4-BE49-F238E27FC236}">
-                  <a16:creationId xmlns:a16="http://schemas.microsoft.com/office/drawing/2014/main" id="{1109224B-448B-1B5F-6D84-E893DC2E1534}"/>
+                  <a16:creationId xmlns:a16="http://schemas.microsoft.com/office/drawing/2014/main" xmlns="" id="{1109224B-448B-1B5F-6D84-E893DC2E1534}"/>
                 </a:ext>
               </a:extLst>
             </p:cNvPr>
@@ -25685,7 +25792,7 @@
               <p:cNvPr id="25" name="Object 18">
                 <a:extLst>
                   <a:ext uri="{FF2B5EF4-FFF2-40B4-BE49-F238E27FC236}">
-                    <a16:creationId xmlns:a16="http://schemas.microsoft.com/office/drawing/2014/main" id="{C96F2A94-6828-264E-E3EE-3E7BB9D71EC0}"/>
+                    <a16:creationId xmlns:a16="http://schemas.microsoft.com/office/drawing/2014/main" xmlns="" id="{C96F2A94-6828-264E-E3EE-3E7BB9D71EC0}"/>
                   </a:ext>
                 </a:extLst>
               </p:cNvPr>
@@ -25716,7 +25823,7 @@
             <p:cNvPr id="11" name="그룹 1008">
               <a:extLst>
                 <a:ext uri="{FF2B5EF4-FFF2-40B4-BE49-F238E27FC236}">
-                  <a16:creationId xmlns:a16="http://schemas.microsoft.com/office/drawing/2014/main" id="{FA91F934-44D9-BE2C-2C9A-365BAD760020}"/>
+                  <a16:creationId xmlns:a16="http://schemas.microsoft.com/office/drawing/2014/main" xmlns="" id="{FA91F934-44D9-BE2C-2C9A-365BAD760020}"/>
                 </a:ext>
               </a:extLst>
             </p:cNvPr>
@@ -25736,7 +25843,7 @@
               <p:cNvPr id="24" name="Object 21">
                 <a:extLst>
                   <a:ext uri="{FF2B5EF4-FFF2-40B4-BE49-F238E27FC236}">
-                    <a16:creationId xmlns:a16="http://schemas.microsoft.com/office/drawing/2014/main" id="{B6A2858F-8DFA-9E99-8FD9-0EDD78662F6B}"/>
+                    <a16:creationId xmlns:a16="http://schemas.microsoft.com/office/drawing/2014/main" xmlns="" id="{B6A2858F-8DFA-9E99-8FD9-0EDD78662F6B}"/>
                   </a:ext>
                 </a:extLst>
               </p:cNvPr>
@@ -25767,7 +25874,7 @@
             <p:cNvPr id="12" name="그룹 1009">
               <a:extLst>
                 <a:ext uri="{FF2B5EF4-FFF2-40B4-BE49-F238E27FC236}">
-                  <a16:creationId xmlns:a16="http://schemas.microsoft.com/office/drawing/2014/main" id="{D6B3B607-7E92-1BF6-57D2-850B5FA959EC}"/>
+                  <a16:creationId xmlns:a16="http://schemas.microsoft.com/office/drawing/2014/main" xmlns="" id="{D6B3B607-7E92-1BF6-57D2-850B5FA959EC}"/>
                 </a:ext>
               </a:extLst>
             </p:cNvPr>
@@ -25787,7 +25894,7 @@
               <p:cNvPr id="23" name="Object 24">
                 <a:extLst>
                   <a:ext uri="{FF2B5EF4-FFF2-40B4-BE49-F238E27FC236}">
-                    <a16:creationId xmlns:a16="http://schemas.microsoft.com/office/drawing/2014/main" id="{F5824643-CE86-9262-BE34-479ABA316793}"/>
+                    <a16:creationId xmlns:a16="http://schemas.microsoft.com/office/drawing/2014/main" xmlns="" id="{F5824643-CE86-9262-BE34-479ABA316793}"/>
                   </a:ext>
                 </a:extLst>
               </p:cNvPr>
@@ -25818,7 +25925,7 @@
             <p:cNvPr id="13" name="그룹 1010">
               <a:extLst>
                 <a:ext uri="{FF2B5EF4-FFF2-40B4-BE49-F238E27FC236}">
-                  <a16:creationId xmlns:a16="http://schemas.microsoft.com/office/drawing/2014/main" id="{0F3DB597-C995-2892-6BB8-0676EAB1A7BE}"/>
+                  <a16:creationId xmlns:a16="http://schemas.microsoft.com/office/drawing/2014/main" xmlns="" id="{0F3DB597-C995-2892-6BB8-0676EAB1A7BE}"/>
                 </a:ext>
               </a:extLst>
             </p:cNvPr>
@@ -25838,7 +25945,7 @@
               <p:cNvPr id="22" name="Object 27">
                 <a:extLst>
                   <a:ext uri="{FF2B5EF4-FFF2-40B4-BE49-F238E27FC236}">
-                    <a16:creationId xmlns:a16="http://schemas.microsoft.com/office/drawing/2014/main" id="{1D952FFE-8620-6B1A-4A09-8A3CE15C92A2}"/>
+                    <a16:creationId xmlns:a16="http://schemas.microsoft.com/office/drawing/2014/main" xmlns="" id="{1D952FFE-8620-6B1A-4A09-8A3CE15C92A2}"/>
                   </a:ext>
                 </a:extLst>
               </p:cNvPr>
@@ -25869,7 +25976,7 @@
             <p:cNvPr id="14" name="그룹 1011">
               <a:extLst>
                 <a:ext uri="{FF2B5EF4-FFF2-40B4-BE49-F238E27FC236}">
-                  <a16:creationId xmlns:a16="http://schemas.microsoft.com/office/drawing/2014/main" id="{A47E0769-9D20-82DD-7450-2AFB133EA7F5}"/>
+                  <a16:creationId xmlns:a16="http://schemas.microsoft.com/office/drawing/2014/main" xmlns="" id="{A47E0769-9D20-82DD-7450-2AFB133EA7F5}"/>
                 </a:ext>
               </a:extLst>
             </p:cNvPr>
@@ -25889,7 +25996,7 @@
               <p:cNvPr id="21" name="Object 30">
                 <a:extLst>
                   <a:ext uri="{FF2B5EF4-FFF2-40B4-BE49-F238E27FC236}">
-                    <a16:creationId xmlns:a16="http://schemas.microsoft.com/office/drawing/2014/main" id="{D36DE068-EB6E-5849-A526-9C2090CED621}"/>
+                    <a16:creationId xmlns:a16="http://schemas.microsoft.com/office/drawing/2014/main" xmlns="" id="{D36DE068-EB6E-5849-A526-9C2090CED621}"/>
                   </a:ext>
                 </a:extLst>
               </p:cNvPr>
@@ -25920,7 +26027,7 @@
             <p:cNvPr id="15" name="그룹 1012">
               <a:extLst>
                 <a:ext uri="{FF2B5EF4-FFF2-40B4-BE49-F238E27FC236}">
-                  <a16:creationId xmlns:a16="http://schemas.microsoft.com/office/drawing/2014/main" id="{B0985FAA-83C7-085A-C309-FCB345532BDE}"/>
+                  <a16:creationId xmlns:a16="http://schemas.microsoft.com/office/drawing/2014/main" xmlns="" id="{B0985FAA-83C7-085A-C309-FCB345532BDE}"/>
                 </a:ext>
               </a:extLst>
             </p:cNvPr>
@@ -25940,7 +26047,7 @@
               <p:cNvPr id="20" name="Object 33">
                 <a:extLst>
                   <a:ext uri="{FF2B5EF4-FFF2-40B4-BE49-F238E27FC236}">
-                    <a16:creationId xmlns:a16="http://schemas.microsoft.com/office/drawing/2014/main" id="{D6517835-A230-5685-A8A5-D1DB8335CBFA}"/>
+                    <a16:creationId xmlns:a16="http://schemas.microsoft.com/office/drawing/2014/main" xmlns="" id="{D6517835-A230-5685-A8A5-D1DB8335CBFA}"/>
                   </a:ext>
                 </a:extLst>
               </p:cNvPr>
@@ -25971,7 +26078,7 @@
             <p:cNvPr id="16" name="그룹 1013">
               <a:extLst>
                 <a:ext uri="{FF2B5EF4-FFF2-40B4-BE49-F238E27FC236}">
-                  <a16:creationId xmlns:a16="http://schemas.microsoft.com/office/drawing/2014/main" id="{3D8CA25A-772D-749A-A22E-879E4C63D9E6}"/>
+                  <a16:creationId xmlns:a16="http://schemas.microsoft.com/office/drawing/2014/main" xmlns="" id="{3D8CA25A-772D-749A-A22E-879E4C63D9E6}"/>
                 </a:ext>
               </a:extLst>
             </p:cNvPr>
@@ -25991,7 +26098,7 @@
               <p:cNvPr id="19" name="Object 36">
                 <a:extLst>
                   <a:ext uri="{FF2B5EF4-FFF2-40B4-BE49-F238E27FC236}">
-                    <a16:creationId xmlns:a16="http://schemas.microsoft.com/office/drawing/2014/main" id="{2198454E-4F7C-8389-A1EA-B413F46643F4}"/>
+                    <a16:creationId xmlns:a16="http://schemas.microsoft.com/office/drawing/2014/main" xmlns="" id="{2198454E-4F7C-8389-A1EA-B413F46643F4}"/>
                   </a:ext>
                 </a:extLst>
               </p:cNvPr>
@@ -26022,7 +26129,7 @@
             <p:cNvPr id="17" name="그룹 1014">
               <a:extLst>
                 <a:ext uri="{FF2B5EF4-FFF2-40B4-BE49-F238E27FC236}">
-                  <a16:creationId xmlns:a16="http://schemas.microsoft.com/office/drawing/2014/main" id="{7B5B8359-6370-CD61-04F7-E7332B1269F8}"/>
+                  <a16:creationId xmlns:a16="http://schemas.microsoft.com/office/drawing/2014/main" xmlns="" id="{7B5B8359-6370-CD61-04F7-E7332B1269F8}"/>
                 </a:ext>
               </a:extLst>
             </p:cNvPr>
@@ -26042,7 +26149,7 @@
               <p:cNvPr id="18" name="Object 39">
                 <a:extLst>
                   <a:ext uri="{FF2B5EF4-FFF2-40B4-BE49-F238E27FC236}">
-                    <a16:creationId xmlns:a16="http://schemas.microsoft.com/office/drawing/2014/main" id="{6EC25CEC-C244-9ED0-1EA4-51E1C4D2C870}"/>
+                    <a16:creationId xmlns:a16="http://schemas.microsoft.com/office/drawing/2014/main" xmlns="" id="{6EC25CEC-C244-9ED0-1EA4-51E1C4D2C870}"/>
                   </a:ext>
                 </a:extLst>
               </p:cNvPr>
@@ -26074,7 +26181,7 @@
           <p:cNvPr id="31" name="그룹 1016">
             <a:extLst>
               <a:ext uri="{FF2B5EF4-FFF2-40B4-BE49-F238E27FC236}">
-                <a16:creationId xmlns:a16="http://schemas.microsoft.com/office/drawing/2014/main" id="{1DE47C6F-21FC-47D6-3F82-AD3D367DC4CB}"/>
+                <a16:creationId xmlns:a16="http://schemas.microsoft.com/office/drawing/2014/main" xmlns="" id="{1DE47C6F-21FC-47D6-3F82-AD3D367DC4CB}"/>
               </a:ext>
             </a:extLst>
           </p:cNvPr>
@@ -26094,7 +26201,7 @@
             <p:cNvPr id="32" name="Object 46">
               <a:extLst>
                 <a:ext uri="{FF2B5EF4-FFF2-40B4-BE49-F238E27FC236}">
-                  <a16:creationId xmlns:a16="http://schemas.microsoft.com/office/drawing/2014/main" id="{ADB560C1-17C4-1D68-5BD7-2DBA66CCB673}"/>
+                  <a16:creationId xmlns:a16="http://schemas.microsoft.com/office/drawing/2014/main" xmlns="" id="{ADB560C1-17C4-1D68-5BD7-2DBA66CCB673}"/>
                 </a:ext>
               </a:extLst>
             </p:cNvPr>
@@ -26125,7 +26232,7 @@
           <p:cNvPr id="33" name="그룹 1023">
             <a:extLst>
               <a:ext uri="{FF2B5EF4-FFF2-40B4-BE49-F238E27FC236}">
-                <a16:creationId xmlns:a16="http://schemas.microsoft.com/office/drawing/2014/main" id="{D6AF35F1-646F-F8C5-0E9B-773311A51399}"/>
+                <a16:creationId xmlns:a16="http://schemas.microsoft.com/office/drawing/2014/main" xmlns="" id="{D6AF35F1-646F-F8C5-0E9B-773311A51399}"/>
               </a:ext>
             </a:extLst>
           </p:cNvPr>
@@ -26145,7 +26252,7 @@
             <p:cNvPr id="34" name="그룹 1024">
               <a:extLst>
                 <a:ext uri="{FF2B5EF4-FFF2-40B4-BE49-F238E27FC236}">
-                  <a16:creationId xmlns:a16="http://schemas.microsoft.com/office/drawing/2014/main" id="{8C60895A-83EB-CF77-3918-E56384BB5793}"/>
+                  <a16:creationId xmlns:a16="http://schemas.microsoft.com/office/drawing/2014/main" xmlns="" id="{8C60895A-83EB-CF77-3918-E56384BB5793}"/>
                 </a:ext>
               </a:extLst>
             </p:cNvPr>
@@ -26165,7 +26272,7 @@
               <p:cNvPr id="39" name="Object 73">
                 <a:extLst>
                   <a:ext uri="{FF2B5EF4-FFF2-40B4-BE49-F238E27FC236}">
-                    <a16:creationId xmlns:a16="http://schemas.microsoft.com/office/drawing/2014/main" id="{A33A8D58-9259-76B4-574F-DC3FD3C09ED5}"/>
+                    <a16:creationId xmlns:a16="http://schemas.microsoft.com/office/drawing/2014/main" xmlns="" id="{A33A8D58-9259-76B4-574F-DC3FD3C09ED5}"/>
                   </a:ext>
                 </a:extLst>
               </p:cNvPr>
@@ -26196,7 +26303,7 @@
             <p:cNvPr id="35" name="그룹 1025">
               <a:extLst>
                 <a:ext uri="{FF2B5EF4-FFF2-40B4-BE49-F238E27FC236}">
-                  <a16:creationId xmlns:a16="http://schemas.microsoft.com/office/drawing/2014/main" id="{6DF0752A-0964-9D56-6135-A3D850ADA990}"/>
+                  <a16:creationId xmlns:a16="http://schemas.microsoft.com/office/drawing/2014/main" xmlns="" id="{6DF0752A-0964-9D56-6135-A3D850ADA990}"/>
                 </a:ext>
               </a:extLst>
             </p:cNvPr>
@@ -26216,7 +26323,7 @@
               <p:cNvPr id="38" name="Object 76">
                 <a:extLst>
                   <a:ext uri="{FF2B5EF4-FFF2-40B4-BE49-F238E27FC236}">
-                    <a16:creationId xmlns:a16="http://schemas.microsoft.com/office/drawing/2014/main" id="{26A406E1-6890-046D-41BA-A84840C6E21B}"/>
+                    <a16:creationId xmlns:a16="http://schemas.microsoft.com/office/drawing/2014/main" xmlns="" id="{26A406E1-6890-046D-41BA-A84840C6E21B}"/>
                   </a:ext>
                 </a:extLst>
               </p:cNvPr>
@@ -26247,7 +26354,7 @@
             <p:cNvPr id="36" name="그룹 1026">
               <a:extLst>
                 <a:ext uri="{FF2B5EF4-FFF2-40B4-BE49-F238E27FC236}">
-                  <a16:creationId xmlns:a16="http://schemas.microsoft.com/office/drawing/2014/main" id="{54D791D7-08A3-C1A7-0EB0-EF7BF07A2162}"/>
+                  <a16:creationId xmlns:a16="http://schemas.microsoft.com/office/drawing/2014/main" xmlns="" id="{54D791D7-08A3-C1A7-0EB0-EF7BF07A2162}"/>
                 </a:ext>
               </a:extLst>
             </p:cNvPr>
@@ -26267,7 +26374,7 @@
               <p:cNvPr id="37" name="Object 79">
                 <a:extLst>
                   <a:ext uri="{FF2B5EF4-FFF2-40B4-BE49-F238E27FC236}">
-                    <a16:creationId xmlns:a16="http://schemas.microsoft.com/office/drawing/2014/main" id="{7A0DE37B-7809-26D9-A54A-2B1CA6F13488}"/>
+                    <a16:creationId xmlns:a16="http://schemas.microsoft.com/office/drawing/2014/main" xmlns="" id="{7A0DE37B-7809-26D9-A54A-2B1CA6F13488}"/>
                   </a:ext>
                 </a:extLst>
               </p:cNvPr>
@@ -26299,7 +26406,7 @@
           <p:cNvPr id="40" name="TextBox 39">
             <a:extLst>
               <a:ext uri="{FF2B5EF4-FFF2-40B4-BE49-F238E27FC236}">
-                <a16:creationId xmlns:a16="http://schemas.microsoft.com/office/drawing/2014/main" id="{67776577-8BF8-BCED-C13C-73FAE8F81DC9}"/>
+                <a16:creationId xmlns:a16="http://schemas.microsoft.com/office/drawing/2014/main" xmlns="" id="{67776577-8BF8-BCED-C13C-73FAE8F81DC9}"/>
               </a:ext>
             </a:extLst>
           </p:cNvPr>
@@ -26367,7 +26474,7 @@
           <p:cNvPr id="41" name="TextBox 40">
             <a:extLst>
               <a:ext uri="{FF2B5EF4-FFF2-40B4-BE49-F238E27FC236}">
-                <a16:creationId xmlns:a16="http://schemas.microsoft.com/office/drawing/2014/main" id="{BDB5FB4E-65AD-F1CF-7B45-1EE76F100F92}"/>
+                <a16:creationId xmlns:a16="http://schemas.microsoft.com/office/drawing/2014/main" xmlns="" id="{BDB5FB4E-65AD-F1CF-7B45-1EE76F100F92}"/>
               </a:ext>
             </a:extLst>
           </p:cNvPr>
@@ -26445,7 +26552,7 @@
           <p:cNvPr id="6" name="그룹 1018">
             <a:extLst>
               <a:ext uri="{FF2B5EF4-FFF2-40B4-BE49-F238E27FC236}">
-                <a16:creationId xmlns:a16="http://schemas.microsoft.com/office/drawing/2014/main" id="{0804D430-F42E-AE32-A065-FFA8C471F092}"/>
+                <a16:creationId xmlns:a16="http://schemas.microsoft.com/office/drawing/2014/main" xmlns="" id="{0804D430-F42E-AE32-A065-FFA8C471F092}"/>
               </a:ext>
             </a:extLst>
           </p:cNvPr>
@@ -26465,7 +26572,7 @@
             <p:cNvPr id="7" name="Object 61">
               <a:extLst>
                 <a:ext uri="{FF2B5EF4-FFF2-40B4-BE49-F238E27FC236}">
-                  <a16:creationId xmlns:a16="http://schemas.microsoft.com/office/drawing/2014/main" id="{334A4C3A-641C-7CD9-8FEE-5EC92B28D640}"/>
+                  <a16:creationId xmlns:a16="http://schemas.microsoft.com/office/drawing/2014/main" xmlns="" id="{334A4C3A-641C-7CD9-8FEE-5EC92B28D640}"/>
                 </a:ext>
               </a:extLst>
             </p:cNvPr>
@@ -26537,7 +26644,7 @@
           <p:cNvPr id="5" name="TextBox 4">
             <a:extLst>
               <a:ext uri="{FF2B5EF4-FFF2-40B4-BE49-F238E27FC236}">
-                <a16:creationId xmlns:a16="http://schemas.microsoft.com/office/drawing/2014/main" id="{DF7DDD33-9412-2802-339A-E55446AC2DA7}"/>
+                <a16:creationId xmlns:a16="http://schemas.microsoft.com/office/drawing/2014/main" xmlns="" id="{DF7DDD33-9412-2802-339A-E55446AC2DA7}"/>
               </a:ext>
             </a:extLst>
           </p:cNvPr>
@@ -26645,7 +26752,7 @@
           <p:cNvPr id="10" name="TextBox 9">
             <a:extLst>
               <a:ext uri="{FF2B5EF4-FFF2-40B4-BE49-F238E27FC236}">
-                <a16:creationId xmlns:a16="http://schemas.microsoft.com/office/drawing/2014/main" id="{DF7DDD33-9412-2802-339A-E55446AC2DA7}"/>
+                <a16:creationId xmlns:a16="http://schemas.microsoft.com/office/drawing/2014/main" xmlns="" id="{DF7DDD33-9412-2802-339A-E55446AC2DA7}"/>
               </a:ext>
             </a:extLst>
           </p:cNvPr>
@@ -26703,7 +26810,7 @@
           <p:cNvPr id="11" name="그룹 1018">
             <a:extLst>
               <a:ext uri="{FF2B5EF4-FFF2-40B4-BE49-F238E27FC236}">
-                <a16:creationId xmlns:a16="http://schemas.microsoft.com/office/drawing/2014/main" id="{0804D430-F42E-AE32-A065-FFA8C471F092}"/>
+                <a16:creationId xmlns:a16="http://schemas.microsoft.com/office/drawing/2014/main" xmlns="" id="{0804D430-F42E-AE32-A065-FFA8C471F092}"/>
               </a:ext>
             </a:extLst>
           </p:cNvPr>
@@ -26723,7 +26830,7 @@
             <p:cNvPr id="12" name="Object 61">
               <a:extLst>
                 <a:ext uri="{FF2B5EF4-FFF2-40B4-BE49-F238E27FC236}">
-                  <a16:creationId xmlns:a16="http://schemas.microsoft.com/office/drawing/2014/main" id="{334A4C3A-641C-7CD9-8FEE-5EC92B28D640}"/>
+                  <a16:creationId xmlns:a16="http://schemas.microsoft.com/office/drawing/2014/main" xmlns="" id="{334A4C3A-641C-7CD9-8FEE-5EC92B28D640}"/>
                 </a:ext>
               </a:extLst>
             </p:cNvPr>
@@ -26754,7 +26861,7 @@
           <p:cNvPr id="13" name="TextBox 12">
             <a:extLst>
               <a:ext uri="{FF2B5EF4-FFF2-40B4-BE49-F238E27FC236}">
-                <a16:creationId xmlns:a16="http://schemas.microsoft.com/office/drawing/2014/main" id="{DF7DDD33-9412-2802-339A-E55446AC2DA7}"/>
+                <a16:creationId xmlns:a16="http://schemas.microsoft.com/office/drawing/2014/main" xmlns="" id="{DF7DDD33-9412-2802-339A-E55446AC2DA7}"/>
               </a:ext>
             </a:extLst>
           </p:cNvPr>
@@ -26862,7 +26969,7 @@
           <p:cNvPr id="14" name="TextBox 13">
             <a:extLst>
               <a:ext uri="{FF2B5EF4-FFF2-40B4-BE49-F238E27FC236}">
-                <a16:creationId xmlns:a16="http://schemas.microsoft.com/office/drawing/2014/main" id="{DF7DDD33-9412-2802-339A-E55446AC2DA7}"/>
+                <a16:creationId xmlns:a16="http://schemas.microsoft.com/office/drawing/2014/main" xmlns="" id="{DF7DDD33-9412-2802-339A-E55446AC2DA7}"/>
               </a:ext>
             </a:extLst>
           </p:cNvPr>
@@ -26950,7 +27057,7 @@
           <p:cNvPr id="4" name="TextBox 3">
             <a:extLst>
               <a:ext uri="{FF2B5EF4-FFF2-40B4-BE49-F238E27FC236}">
-                <a16:creationId xmlns:a16="http://schemas.microsoft.com/office/drawing/2014/main" id="{DF7DDD33-9412-2802-339A-E55446AC2DA7}"/>
+                <a16:creationId xmlns:a16="http://schemas.microsoft.com/office/drawing/2014/main" xmlns="" id="{DF7DDD33-9412-2802-339A-E55446AC2DA7}"/>
               </a:ext>
             </a:extLst>
           </p:cNvPr>
@@ -27028,7 +27135,7 @@
           <p:cNvPr id="4" name="그룹 1016">
             <a:extLst>
               <a:ext uri="{FF2B5EF4-FFF2-40B4-BE49-F238E27FC236}">
-                <a16:creationId xmlns:a16="http://schemas.microsoft.com/office/drawing/2014/main" id="{AA13A3EF-F488-87B4-3F87-5B52552891A6}"/>
+                <a16:creationId xmlns:a16="http://schemas.microsoft.com/office/drawing/2014/main" xmlns="" id="{AA13A3EF-F488-87B4-3F87-5B52552891A6}"/>
               </a:ext>
             </a:extLst>
           </p:cNvPr>
@@ -27048,7 +27155,7 @@
             <p:cNvPr id="5" name="그룹 1017">
               <a:extLst>
                 <a:ext uri="{FF2B5EF4-FFF2-40B4-BE49-F238E27FC236}">
-                  <a16:creationId xmlns:a16="http://schemas.microsoft.com/office/drawing/2014/main" id="{DD5B6348-D6C2-1E43-47F2-F015E70C50D0}"/>
+                  <a16:creationId xmlns:a16="http://schemas.microsoft.com/office/drawing/2014/main" xmlns="" id="{DD5B6348-D6C2-1E43-47F2-F015E70C50D0}"/>
                 </a:ext>
               </a:extLst>
             </p:cNvPr>
@@ -27068,7 +27175,7 @@
               <p:cNvPr id="8" name="Object 58">
                 <a:extLst>
                   <a:ext uri="{FF2B5EF4-FFF2-40B4-BE49-F238E27FC236}">
-                    <a16:creationId xmlns:a16="http://schemas.microsoft.com/office/drawing/2014/main" id="{E926E84F-387D-D73A-959B-A7BBDEA707C6}"/>
+                    <a16:creationId xmlns:a16="http://schemas.microsoft.com/office/drawing/2014/main" xmlns="" id="{E926E84F-387D-D73A-959B-A7BBDEA707C6}"/>
                   </a:ext>
                 </a:extLst>
               </p:cNvPr>
@@ -27099,7 +27206,7 @@
             <p:cNvPr id="6" name="그룹 1018">
               <a:extLst>
                 <a:ext uri="{FF2B5EF4-FFF2-40B4-BE49-F238E27FC236}">
-                  <a16:creationId xmlns:a16="http://schemas.microsoft.com/office/drawing/2014/main" id="{B51CCF3A-1468-51BC-27EE-7ACC4E2D0E92}"/>
+                  <a16:creationId xmlns:a16="http://schemas.microsoft.com/office/drawing/2014/main" xmlns="" id="{B51CCF3A-1468-51BC-27EE-7ACC4E2D0E92}"/>
                 </a:ext>
               </a:extLst>
             </p:cNvPr>
@@ -27119,7 +27226,7 @@
               <p:cNvPr id="7" name="Object 61">
                 <a:extLst>
                   <a:ext uri="{FF2B5EF4-FFF2-40B4-BE49-F238E27FC236}">
-                    <a16:creationId xmlns:a16="http://schemas.microsoft.com/office/drawing/2014/main" id="{7384DDFE-27C6-B967-21FA-834078595458}"/>
+                    <a16:creationId xmlns:a16="http://schemas.microsoft.com/office/drawing/2014/main" xmlns="" id="{7384DDFE-27C6-B967-21FA-834078595458}"/>
                   </a:ext>
                 </a:extLst>
               </p:cNvPr>
@@ -27151,7 +27258,7 @@
           <p:cNvPr id="9" name="그룹 1006">
             <a:extLst>
               <a:ext uri="{FF2B5EF4-FFF2-40B4-BE49-F238E27FC236}">
-                <a16:creationId xmlns:a16="http://schemas.microsoft.com/office/drawing/2014/main" id="{DA5AECD5-4C6B-C6E0-9057-4A4BB838FB29}"/>
+                <a16:creationId xmlns:a16="http://schemas.microsoft.com/office/drawing/2014/main" xmlns="" id="{DA5AECD5-4C6B-C6E0-9057-4A4BB838FB29}"/>
               </a:ext>
             </a:extLst>
           </p:cNvPr>
@@ -27171,7 +27278,7 @@
             <p:cNvPr id="10" name="Object 18">
               <a:extLst>
                 <a:ext uri="{FF2B5EF4-FFF2-40B4-BE49-F238E27FC236}">
-                  <a16:creationId xmlns:a16="http://schemas.microsoft.com/office/drawing/2014/main" id="{F33E73BC-B877-CC26-0C7F-B5AF2D91EACC}"/>
+                  <a16:creationId xmlns:a16="http://schemas.microsoft.com/office/drawing/2014/main" xmlns="" id="{F33E73BC-B877-CC26-0C7F-B5AF2D91EACC}"/>
                 </a:ext>
               </a:extLst>
             </p:cNvPr>
@@ -27202,7 +27309,7 @@
           <p:cNvPr id="11" name="그룹 1007">
             <a:extLst>
               <a:ext uri="{FF2B5EF4-FFF2-40B4-BE49-F238E27FC236}">
-                <a16:creationId xmlns:a16="http://schemas.microsoft.com/office/drawing/2014/main" id="{DD95D7BB-8D63-9E75-4010-C518E4FDBAD6}"/>
+                <a16:creationId xmlns:a16="http://schemas.microsoft.com/office/drawing/2014/main" xmlns="" id="{DD95D7BB-8D63-9E75-4010-C518E4FDBAD6}"/>
               </a:ext>
             </a:extLst>
           </p:cNvPr>
@@ -27222,7 +27329,7 @@
             <p:cNvPr id="12" name="Object 21">
               <a:extLst>
                 <a:ext uri="{FF2B5EF4-FFF2-40B4-BE49-F238E27FC236}">
-                  <a16:creationId xmlns:a16="http://schemas.microsoft.com/office/drawing/2014/main" id="{EEEB3107-045B-4D5F-02F6-7F9BAB218DBA}"/>
+                  <a16:creationId xmlns:a16="http://schemas.microsoft.com/office/drawing/2014/main" xmlns="" id="{EEEB3107-045B-4D5F-02F6-7F9BAB218DBA}"/>
                 </a:ext>
               </a:extLst>
             </p:cNvPr>
@@ -27253,7 +27360,7 @@
           <p:cNvPr id="13" name="그룹 1008">
             <a:extLst>
               <a:ext uri="{FF2B5EF4-FFF2-40B4-BE49-F238E27FC236}">
-                <a16:creationId xmlns:a16="http://schemas.microsoft.com/office/drawing/2014/main" id="{98838A85-E5D7-77FE-4B20-58C3FF9B6C5E}"/>
+                <a16:creationId xmlns:a16="http://schemas.microsoft.com/office/drawing/2014/main" xmlns="" id="{98838A85-E5D7-77FE-4B20-58C3FF9B6C5E}"/>
               </a:ext>
             </a:extLst>
           </p:cNvPr>
@@ -27273,7 +27380,7 @@
             <p:cNvPr id="14" name="Object 24">
               <a:extLst>
                 <a:ext uri="{FF2B5EF4-FFF2-40B4-BE49-F238E27FC236}">
-                  <a16:creationId xmlns:a16="http://schemas.microsoft.com/office/drawing/2014/main" id="{468F2CB3-563F-9B41-1294-A0B328A9C03F}"/>
+                  <a16:creationId xmlns:a16="http://schemas.microsoft.com/office/drawing/2014/main" xmlns="" id="{468F2CB3-563F-9B41-1294-A0B328A9C03F}"/>
                 </a:ext>
               </a:extLst>
             </p:cNvPr>
@@ -27304,7 +27411,7 @@
           <p:cNvPr id="17" name="그룹 1019">
             <a:extLst>
               <a:ext uri="{FF2B5EF4-FFF2-40B4-BE49-F238E27FC236}">
-                <a16:creationId xmlns:a16="http://schemas.microsoft.com/office/drawing/2014/main" id="{29E0DFB5-4178-3B03-0A70-95EE17DCE53D}"/>
+                <a16:creationId xmlns:a16="http://schemas.microsoft.com/office/drawing/2014/main" xmlns="" id="{29E0DFB5-4178-3B03-0A70-95EE17DCE53D}"/>
               </a:ext>
             </a:extLst>
           </p:cNvPr>
@@ -27324,7 +27431,7 @@
             <p:cNvPr id="18" name="Object 61">
               <a:extLst>
                 <a:ext uri="{FF2B5EF4-FFF2-40B4-BE49-F238E27FC236}">
-                  <a16:creationId xmlns:a16="http://schemas.microsoft.com/office/drawing/2014/main" id="{3CE8DCA4-38A6-DE0E-C169-95883351E90B}"/>
+                  <a16:creationId xmlns:a16="http://schemas.microsoft.com/office/drawing/2014/main" xmlns="" id="{3CE8DCA4-38A6-DE0E-C169-95883351E90B}"/>
                 </a:ext>
               </a:extLst>
             </p:cNvPr>
@@ -27355,7 +27462,7 @@
           <p:cNvPr id="19" name="그룹 1024">
             <a:extLst>
               <a:ext uri="{FF2B5EF4-FFF2-40B4-BE49-F238E27FC236}">
-                <a16:creationId xmlns:a16="http://schemas.microsoft.com/office/drawing/2014/main" id="{D63117C1-65D4-0F5A-875E-7A548566C74C}"/>
+                <a16:creationId xmlns:a16="http://schemas.microsoft.com/office/drawing/2014/main" xmlns="" id="{D63117C1-65D4-0F5A-875E-7A548566C74C}"/>
               </a:ext>
             </a:extLst>
           </p:cNvPr>
@@ -27375,7 +27482,7 @@
             <p:cNvPr id="20" name="Object 76">
               <a:extLst>
                 <a:ext uri="{FF2B5EF4-FFF2-40B4-BE49-F238E27FC236}">
-                  <a16:creationId xmlns:a16="http://schemas.microsoft.com/office/drawing/2014/main" id="{3EB012B7-6446-A40C-6894-F9969F5F72B5}"/>
+                  <a16:creationId xmlns:a16="http://schemas.microsoft.com/office/drawing/2014/main" xmlns="" id="{3EB012B7-6446-A40C-6894-F9969F5F72B5}"/>
                 </a:ext>
               </a:extLst>
             </p:cNvPr>
@@ -27406,7 +27513,7 @@
           <p:cNvPr id="21" name="그룹 1025">
             <a:extLst>
               <a:ext uri="{FF2B5EF4-FFF2-40B4-BE49-F238E27FC236}">
-                <a16:creationId xmlns:a16="http://schemas.microsoft.com/office/drawing/2014/main" id="{CDAC6F02-2AB4-415D-5A43-9517998CEC9C}"/>
+                <a16:creationId xmlns:a16="http://schemas.microsoft.com/office/drawing/2014/main" xmlns="" id="{CDAC6F02-2AB4-415D-5A43-9517998CEC9C}"/>
               </a:ext>
             </a:extLst>
           </p:cNvPr>
@@ -27426,7 +27533,7 @@
             <p:cNvPr id="22" name="Object 79">
               <a:extLst>
                 <a:ext uri="{FF2B5EF4-FFF2-40B4-BE49-F238E27FC236}">
-                  <a16:creationId xmlns:a16="http://schemas.microsoft.com/office/drawing/2014/main" id="{1C226E7E-F1AB-0597-037F-A83B97CA9C34}"/>
+                  <a16:creationId xmlns:a16="http://schemas.microsoft.com/office/drawing/2014/main" xmlns="" id="{1C226E7E-F1AB-0597-037F-A83B97CA9C34}"/>
                 </a:ext>
               </a:extLst>
             </p:cNvPr>
@@ -27457,7 +27564,7 @@
           <p:cNvPr id="23" name="그룹 1033">
             <a:extLst>
               <a:ext uri="{FF2B5EF4-FFF2-40B4-BE49-F238E27FC236}">
-                <a16:creationId xmlns:a16="http://schemas.microsoft.com/office/drawing/2014/main" id="{6EE9B338-E8AD-C370-2B87-7DDE74453CE8}"/>
+                <a16:creationId xmlns:a16="http://schemas.microsoft.com/office/drawing/2014/main" xmlns="" id="{6EE9B338-E8AD-C370-2B87-7DDE74453CE8}"/>
               </a:ext>
             </a:extLst>
           </p:cNvPr>
@@ -27477,7 +27584,7 @@
             <p:cNvPr id="24" name="Object 106">
               <a:extLst>
                 <a:ext uri="{FF2B5EF4-FFF2-40B4-BE49-F238E27FC236}">
-                  <a16:creationId xmlns:a16="http://schemas.microsoft.com/office/drawing/2014/main" id="{4D1CFF03-41AC-FC94-C020-AE39D7B9ACB0}"/>
+                  <a16:creationId xmlns:a16="http://schemas.microsoft.com/office/drawing/2014/main" xmlns="" id="{4D1CFF03-41AC-FC94-C020-AE39D7B9ACB0}"/>
                 </a:ext>
               </a:extLst>
             </p:cNvPr>
@@ -27507,7 +27614,7 @@
             <p:cNvPr id="25" name="Object 107">
               <a:extLst>
                 <a:ext uri="{FF2B5EF4-FFF2-40B4-BE49-F238E27FC236}">
-                  <a16:creationId xmlns:a16="http://schemas.microsoft.com/office/drawing/2014/main" id="{F5995CE4-9E5D-6746-11D0-F309607BA6DB}"/>
+                  <a16:creationId xmlns:a16="http://schemas.microsoft.com/office/drawing/2014/main" xmlns="" id="{F5995CE4-9E5D-6746-11D0-F309607BA6DB}"/>
                 </a:ext>
               </a:extLst>
             </p:cNvPr>
@@ -27538,7 +27645,7 @@
           <p:cNvPr id="26" name="그룹 1034">
             <a:extLst>
               <a:ext uri="{FF2B5EF4-FFF2-40B4-BE49-F238E27FC236}">
-                <a16:creationId xmlns:a16="http://schemas.microsoft.com/office/drawing/2014/main" id="{6BFD2D92-9058-F5E7-B251-3AF21D631A80}"/>
+                <a16:creationId xmlns:a16="http://schemas.microsoft.com/office/drawing/2014/main" xmlns="" id="{6BFD2D92-9058-F5E7-B251-3AF21D631A80}"/>
               </a:ext>
             </a:extLst>
           </p:cNvPr>
@@ -27558,7 +27665,7 @@
             <p:cNvPr id="27" name="Object 110">
               <a:extLst>
                 <a:ext uri="{FF2B5EF4-FFF2-40B4-BE49-F238E27FC236}">
-                  <a16:creationId xmlns:a16="http://schemas.microsoft.com/office/drawing/2014/main" id="{2C9A0473-B72D-885C-161C-FD9A7B5B3181}"/>
+                  <a16:creationId xmlns:a16="http://schemas.microsoft.com/office/drawing/2014/main" xmlns="" id="{2C9A0473-B72D-885C-161C-FD9A7B5B3181}"/>
                 </a:ext>
               </a:extLst>
             </p:cNvPr>
@@ -27589,7 +27696,7 @@
           <p:cNvPr id="28" name="TextBox 27">
             <a:extLst>
               <a:ext uri="{FF2B5EF4-FFF2-40B4-BE49-F238E27FC236}">
-                <a16:creationId xmlns:a16="http://schemas.microsoft.com/office/drawing/2014/main" id="{D3A03209-5681-7969-A244-E4CA8DA6226E}"/>
+                <a16:creationId xmlns:a16="http://schemas.microsoft.com/office/drawing/2014/main" xmlns="" id="{D3A03209-5681-7969-A244-E4CA8DA6226E}"/>
               </a:ext>
             </a:extLst>
           </p:cNvPr>
@@ -27667,7 +27774,7 @@
           <p:cNvPr id="30" name="그룹 1016">
             <a:extLst>
               <a:ext uri="{FF2B5EF4-FFF2-40B4-BE49-F238E27FC236}">
-                <a16:creationId xmlns:a16="http://schemas.microsoft.com/office/drawing/2014/main" id="{5891CDDE-F777-31FE-014E-6E79EFE369BC}"/>
+                <a16:creationId xmlns:a16="http://schemas.microsoft.com/office/drawing/2014/main" xmlns="" id="{5891CDDE-F777-31FE-014E-6E79EFE369BC}"/>
               </a:ext>
             </a:extLst>
           </p:cNvPr>
@@ -27687,7 +27794,7 @@
             <p:cNvPr id="31" name="그룹 1017">
               <a:extLst>
                 <a:ext uri="{FF2B5EF4-FFF2-40B4-BE49-F238E27FC236}">
-                  <a16:creationId xmlns:a16="http://schemas.microsoft.com/office/drawing/2014/main" id="{A40B3531-B460-1F2F-9DC7-76FFEA96A365}"/>
+                  <a16:creationId xmlns:a16="http://schemas.microsoft.com/office/drawing/2014/main" xmlns="" id="{A40B3531-B460-1F2F-9DC7-76FFEA96A365}"/>
                 </a:ext>
               </a:extLst>
             </p:cNvPr>
@@ -27707,7 +27814,7 @@
               <p:cNvPr id="34" name="Object 58">
                 <a:extLst>
                   <a:ext uri="{FF2B5EF4-FFF2-40B4-BE49-F238E27FC236}">
-                    <a16:creationId xmlns:a16="http://schemas.microsoft.com/office/drawing/2014/main" id="{77EDB72F-2E14-2BB1-1340-A5E5E4C6270D}"/>
+                    <a16:creationId xmlns:a16="http://schemas.microsoft.com/office/drawing/2014/main" xmlns="" id="{77EDB72F-2E14-2BB1-1340-A5E5E4C6270D}"/>
                   </a:ext>
                 </a:extLst>
               </p:cNvPr>
@@ -27738,7 +27845,7 @@
             <p:cNvPr id="32" name="그룹 1018">
               <a:extLst>
                 <a:ext uri="{FF2B5EF4-FFF2-40B4-BE49-F238E27FC236}">
-                  <a16:creationId xmlns:a16="http://schemas.microsoft.com/office/drawing/2014/main" id="{1A00891F-AAB3-D218-8730-F8F1C5A32DDE}"/>
+                  <a16:creationId xmlns:a16="http://schemas.microsoft.com/office/drawing/2014/main" xmlns="" id="{1A00891F-AAB3-D218-8730-F8F1C5A32DDE}"/>
                 </a:ext>
               </a:extLst>
             </p:cNvPr>
@@ -27758,7 +27865,7 @@
               <p:cNvPr id="33" name="Object 61">
                 <a:extLst>
                   <a:ext uri="{FF2B5EF4-FFF2-40B4-BE49-F238E27FC236}">
-                    <a16:creationId xmlns:a16="http://schemas.microsoft.com/office/drawing/2014/main" id="{6E058ED6-3BFB-26F7-3F79-68521C3CCDC8}"/>
+                    <a16:creationId xmlns:a16="http://schemas.microsoft.com/office/drawing/2014/main" xmlns="" id="{6E058ED6-3BFB-26F7-3F79-68521C3CCDC8}"/>
                   </a:ext>
                 </a:extLst>
               </p:cNvPr>
@@ -27790,7 +27897,7 @@
           <p:cNvPr id="35" name="TextBox 34">
             <a:extLst>
               <a:ext uri="{FF2B5EF4-FFF2-40B4-BE49-F238E27FC236}">
-                <a16:creationId xmlns:a16="http://schemas.microsoft.com/office/drawing/2014/main" id="{A6DFFD1A-E672-81C5-2C05-729C2701FE05}"/>
+                <a16:creationId xmlns:a16="http://schemas.microsoft.com/office/drawing/2014/main" xmlns="" id="{A6DFFD1A-E672-81C5-2C05-729C2701FE05}"/>
               </a:ext>
             </a:extLst>
           </p:cNvPr>
@@ -27848,7 +27955,7 @@
           <p:cNvPr id="36" name="그룹 1016">
             <a:extLst>
               <a:ext uri="{FF2B5EF4-FFF2-40B4-BE49-F238E27FC236}">
-                <a16:creationId xmlns:a16="http://schemas.microsoft.com/office/drawing/2014/main" id="{E90C37B5-C463-F705-13B7-5806753E01F5}"/>
+                <a16:creationId xmlns:a16="http://schemas.microsoft.com/office/drawing/2014/main" xmlns="" id="{E90C37B5-C463-F705-13B7-5806753E01F5}"/>
               </a:ext>
             </a:extLst>
           </p:cNvPr>
@@ -27868,7 +27975,7 @@
             <p:cNvPr id="37" name="그룹 1017">
               <a:extLst>
                 <a:ext uri="{FF2B5EF4-FFF2-40B4-BE49-F238E27FC236}">
-                  <a16:creationId xmlns:a16="http://schemas.microsoft.com/office/drawing/2014/main" id="{C717D910-BE22-50C2-22B1-75E7C62B4282}"/>
+                  <a16:creationId xmlns:a16="http://schemas.microsoft.com/office/drawing/2014/main" xmlns="" id="{C717D910-BE22-50C2-22B1-75E7C62B4282}"/>
                 </a:ext>
               </a:extLst>
             </p:cNvPr>
@@ -27888,7 +27995,7 @@
               <p:cNvPr id="40" name="Object 58">
                 <a:extLst>
                   <a:ext uri="{FF2B5EF4-FFF2-40B4-BE49-F238E27FC236}">
-                    <a16:creationId xmlns:a16="http://schemas.microsoft.com/office/drawing/2014/main" id="{B80EC2FE-CC22-6DD2-9B7E-C79E1A12BE1A}"/>
+                    <a16:creationId xmlns:a16="http://schemas.microsoft.com/office/drawing/2014/main" xmlns="" id="{B80EC2FE-CC22-6DD2-9B7E-C79E1A12BE1A}"/>
                   </a:ext>
                 </a:extLst>
               </p:cNvPr>
@@ -27919,7 +28026,7 @@
             <p:cNvPr id="38" name="그룹 1018">
               <a:extLst>
                 <a:ext uri="{FF2B5EF4-FFF2-40B4-BE49-F238E27FC236}">
-                  <a16:creationId xmlns:a16="http://schemas.microsoft.com/office/drawing/2014/main" id="{055D9BC8-6D51-F88C-C523-40F76A7807E1}"/>
+                  <a16:creationId xmlns:a16="http://schemas.microsoft.com/office/drawing/2014/main" xmlns="" id="{055D9BC8-6D51-F88C-C523-40F76A7807E1}"/>
                 </a:ext>
               </a:extLst>
             </p:cNvPr>
@@ -27939,7 +28046,7 @@
               <p:cNvPr id="39" name="Object 61">
                 <a:extLst>
                   <a:ext uri="{FF2B5EF4-FFF2-40B4-BE49-F238E27FC236}">
-                    <a16:creationId xmlns:a16="http://schemas.microsoft.com/office/drawing/2014/main" id="{2F7B0521-2B3F-98C3-0A5E-E5A11D8E57DC}"/>
+                    <a16:creationId xmlns:a16="http://schemas.microsoft.com/office/drawing/2014/main" xmlns="" id="{2F7B0521-2B3F-98C3-0A5E-E5A11D8E57DC}"/>
                   </a:ext>
                 </a:extLst>
               </p:cNvPr>
@@ -27971,7 +28078,7 @@
           <p:cNvPr id="41" name="그룹 1016">
             <a:extLst>
               <a:ext uri="{FF2B5EF4-FFF2-40B4-BE49-F238E27FC236}">
-                <a16:creationId xmlns:a16="http://schemas.microsoft.com/office/drawing/2014/main" id="{2B593D9F-D2EA-2555-8A3A-3ED72B2E7EE3}"/>
+                <a16:creationId xmlns:a16="http://schemas.microsoft.com/office/drawing/2014/main" xmlns="" id="{2B593D9F-D2EA-2555-8A3A-3ED72B2E7EE3}"/>
               </a:ext>
             </a:extLst>
           </p:cNvPr>
@@ -27991,7 +28098,7 @@
             <p:cNvPr id="42" name="그룹 1017">
               <a:extLst>
                 <a:ext uri="{FF2B5EF4-FFF2-40B4-BE49-F238E27FC236}">
-                  <a16:creationId xmlns:a16="http://schemas.microsoft.com/office/drawing/2014/main" id="{9A0A01D1-DBBB-F313-F83F-ABFC80F3DE3C}"/>
+                  <a16:creationId xmlns:a16="http://schemas.microsoft.com/office/drawing/2014/main" xmlns="" id="{9A0A01D1-DBBB-F313-F83F-ABFC80F3DE3C}"/>
                 </a:ext>
               </a:extLst>
             </p:cNvPr>
@@ -28011,7 +28118,7 @@
               <p:cNvPr id="45" name="Object 58">
                 <a:extLst>
                   <a:ext uri="{FF2B5EF4-FFF2-40B4-BE49-F238E27FC236}">
-                    <a16:creationId xmlns:a16="http://schemas.microsoft.com/office/drawing/2014/main" id="{0999AD20-B928-C547-61AB-CA61815CA03A}"/>
+                    <a16:creationId xmlns:a16="http://schemas.microsoft.com/office/drawing/2014/main" xmlns="" id="{0999AD20-B928-C547-61AB-CA61815CA03A}"/>
                   </a:ext>
                 </a:extLst>
               </p:cNvPr>
@@ -28042,7 +28149,7 @@
             <p:cNvPr id="43" name="그룹 1018">
               <a:extLst>
                 <a:ext uri="{FF2B5EF4-FFF2-40B4-BE49-F238E27FC236}">
-                  <a16:creationId xmlns:a16="http://schemas.microsoft.com/office/drawing/2014/main" id="{4DE0DCA4-01F9-5A32-0A53-A8456AEC9493}"/>
+                  <a16:creationId xmlns:a16="http://schemas.microsoft.com/office/drawing/2014/main" xmlns="" id="{4DE0DCA4-01F9-5A32-0A53-A8456AEC9493}"/>
                 </a:ext>
               </a:extLst>
             </p:cNvPr>
@@ -28062,7 +28169,7 @@
               <p:cNvPr id="44" name="Object 61">
                 <a:extLst>
                   <a:ext uri="{FF2B5EF4-FFF2-40B4-BE49-F238E27FC236}">
-                    <a16:creationId xmlns:a16="http://schemas.microsoft.com/office/drawing/2014/main" id="{90E9B152-337D-7C64-558F-06AABB13A135}"/>
+                    <a16:creationId xmlns:a16="http://schemas.microsoft.com/office/drawing/2014/main" xmlns="" id="{90E9B152-337D-7C64-558F-06AABB13A135}"/>
                   </a:ext>
                 </a:extLst>
               </p:cNvPr>
@@ -28094,7 +28201,7 @@
           <p:cNvPr id="46" name="그룹 1016">
             <a:extLst>
               <a:ext uri="{FF2B5EF4-FFF2-40B4-BE49-F238E27FC236}">
-                <a16:creationId xmlns:a16="http://schemas.microsoft.com/office/drawing/2014/main" id="{E3CB7968-9415-2E6C-5C0C-4E7DF79F1C25}"/>
+                <a16:creationId xmlns:a16="http://schemas.microsoft.com/office/drawing/2014/main" xmlns="" id="{E3CB7968-9415-2E6C-5C0C-4E7DF79F1C25}"/>
               </a:ext>
             </a:extLst>
           </p:cNvPr>
@@ -28114,7 +28221,7 @@
             <p:cNvPr id="47" name="그룹 1017">
               <a:extLst>
                 <a:ext uri="{FF2B5EF4-FFF2-40B4-BE49-F238E27FC236}">
-                  <a16:creationId xmlns:a16="http://schemas.microsoft.com/office/drawing/2014/main" id="{2488BEC8-3BC9-3560-F28C-E0E606FBA514}"/>
+                  <a16:creationId xmlns:a16="http://schemas.microsoft.com/office/drawing/2014/main" xmlns="" id="{2488BEC8-3BC9-3560-F28C-E0E606FBA514}"/>
                 </a:ext>
               </a:extLst>
             </p:cNvPr>
@@ -28134,7 +28241,7 @@
               <p:cNvPr id="50" name="Object 58">
                 <a:extLst>
                   <a:ext uri="{FF2B5EF4-FFF2-40B4-BE49-F238E27FC236}">
-                    <a16:creationId xmlns:a16="http://schemas.microsoft.com/office/drawing/2014/main" id="{35A72115-3E91-417D-FFDD-F36E29A5ABEE}"/>
+                    <a16:creationId xmlns:a16="http://schemas.microsoft.com/office/drawing/2014/main" xmlns="" id="{35A72115-3E91-417D-FFDD-F36E29A5ABEE}"/>
                   </a:ext>
                 </a:extLst>
               </p:cNvPr>
@@ -28165,7 +28272,7 @@
             <p:cNvPr id="48" name="그룹 1018">
               <a:extLst>
                 <a:ext uri="{FF2B5EF4-FFF2-40B4-BE49-F238E27FC236}">
-                  <a16:creationId xmlns:a16="http://schemas.microsoft.com/office/drawing/2014/main" id="{DC5102D5-5BDC-F72A-FD92-7C240AAA2D82}"/>
+                  <a16:creationId xmlns:a16="http://schemas.microsoft.com/office/drawing/2014/main" xmlns="" id="{DC5102D5-5BDC-F72A-FD92-7C240AAA2D82}"/>
                 </a:ext>
               </a:extLst>
             </p:cNvPr>
@@ -28185,7 +28292,7 @@
               <p:cNvPr id="49" name="Object 61">
                 <a:extLst>
                   <a:ext uri="{FF2B5EF4-FFF2-40B4-BE49-F238E27FC236}">
-                    <a16:creationId xmlns:a16="http://schemas.microsoft.com/office/drawing/2014/main" id="{B33C3869-DD62-2C8D-2ACE-11DBF57D6578}"/>
+                    <a16:creationId xmlns:a16="http://schemas.microsoft.com/office/drawing/2014/main" xmlns="" id="{B33C3869-DD62-2C8D-2ACE-11DBF57D6578}"/>
                   </a:ext>
                 </a:extLst>
               </p:cNvPr>
@@ -28217,7 +28324,7 @@
           <p:cNvPr id="51" name="그룹 1016">
             <a:extLst>
               <a:ext uri="{FF2B5EF4-FFF2-40B4-BE49-F238E27FC236}">
-                <a16:creationId xmlns:a16="http://schemas.microsoft.com/office/drawing/2014/main" id="{7D12892B-D582-2EEF-6B33-947113859020}"/>
+                <a16:creationId xmlns:a16="http://schemas.microsoft.com/office/drawing/2014/main" xmlns="" id="{7D12892B-D582-2EEF-6B33-947113859020}"/>
               </a:ext>
             </a:extLst>
           </p:cNvPr>
@@ -28237,7 +28344,7 @@
             <p:cNvPr id="52" name="그룹 1017">
               <a:extLst>
                 <a:ext uri="{FF2B5EF4-FFF2-40B4-BE49-F238E27FC236}">
-                  <a16:creationId xmlns:a16="http://schemas.microsoft.com/office/drawing/2014/main" id="{8E932CDC-F225-9C47-4A89-7C313F9E3014}"/>
+                  <a16:creationId xmlns:a16="http://schemas.microsoft.com/office/drawing/2014/main" xmlns="" id="{8E932CDC-F225-9C47-4A89-7C313F9E3014}"/>
                 </a:ext>
               </a:extLst>
             </p:cNvPr>
@@ -28257,7 +28364,7 @@
               <p:cNvPr id="55" name="Object 58">
                 <a:extLst>
                   <a:ext uri="{FF2B5EF4-FFF2-40B4-BE49-F238E27FC236}">
-                    <a16:creationId xmlns:a16="http://schemas.microsoft.com/office/drawing/2014/main" id="{A98A2839-132F-DFE8-C17C-FAD43B1DFC0A}"/>
+                    <a16:creationId xmlns:a16="http://schemas.microsoft.com/office/drawing/2014/main" xmlns="" id="{A98A2839-132F-DFE8-C17C-FAD43B1DFC0A}"/>
                   </a:ext>
                 </a:extLst>
               </p:cNvPr>
@@ -28288,7 +28395,7 @@
             <p:cNvPr id="53" name="그룹 1018">
               <a:extLst>
                 <a:ext uri="{FF2B5EF4-FFF2-40B4-BE49-F238E27FC236}">
-                  <a16:creationId xmlns:a16="http://schemas.microsoft.com/office/drawing/2014/main" id="{6A74811F-8897-B181-B2E5-40D21D44B42D}"/>
+                  <a16:creationId xmlns:a16="http://schemas.microsoft.com/office/drawing/2014/main" xmlns="" id="{6A74811F-8897-B181-B2E5-40D21D44B42D}"/>
                 </a:ext>
               </a:extLst>
             </p:cNvPr>
@@ -28308,7 +28415,7 @@
               <p:cNvPr id="54" name="Object 61">
                 <a:extLst>
                   <a:ext uri="{FF2B5EF4-FFF2-40B4-BE49-F238E27FC236}">
-                    <a16:creationId xmlns:a16="http://schemas.microsoft.com/office/drawing/2014/main" id="{1142DB2F-DE69-AFD9-91A6-C47AFF2732BD}"/>
+                    <a16:creationId xmlns:a16="http://schemas.microsoft.com/office/drawing/2014/main" xmlns="" id="{1142DB2F-DE69-AFD9-91A6-C47AFF2732BD}"/>
                   </a:ext>
                 </a:extLst>
               </p:cNvPr>
@@ -28340,7 +28447,7 @@
           <p:cNvPr id="56" name="그룹 1016">
             <a:extLst>
               <a:ext uri="{FF2B5EF4-FFF2-40B4-BE49-F238E27FC236}">
-                <a16:creationId xmlns:a16="http://schemas.microsoft.com/office/drawing/2014/main" id="{A1A74DF9-E422-DCC7-3412-4F6ACCC0BCEA}"/>
+                <a16:creationId xmlns:a16="http://schemas.microsoft.com/office/drawing/2014/main" xmlns="" id="{A1A74DF9-E422-DCC7-3412-4F6ACCC0BCEA}"/>
               </a:ext>
             </a:extLst>
           </p:cNvPr>
@@ -28360,7 +28467,7 @@
             <p:cNvPr id="57" name="그룹 1017">
               <a:extLst>
                 <a:ext uri="{FF2B5EF4-FFF2-40B4-BE49-F238E27FC236}">
-                  <a16:creationId xmlns:a16="http://schemas.microsoft.com/office/drawing/2014/main" id="{EDBC55D9-1456-43C8-E429-D52936395A28}"/>
+                  <a16:creationId xmlns:a16="http://schemas.microsoft.com/office/drawing/2014/main" xmlns="" id="{EDBC55D9-1456-43C8-E429-D52936395A28}"/>
                 </a:ext>
               </a:extLst>
             </p:cNvPr>
@@ -28380,7 +28487,7 @@
               <p:cNvPr id="60" name="Object 58">
                 <a:extLst>
                   <a:ext uri="{FF2B5EF4-FFF2-40B4-BE49-F238E27FC236}">
-                    <a16:creationId xmlns:a16="http://schemas.microsoft.com/office/drawing/2014/main" id="{2065DFBB-9BB8-57A2-BCB5-9A79A6A7A47C}"/>
+                    <a16:creationId xmlns:a16="http://schemas.microsoft.com/office/drawing/2014/main" xmlns="" id="{2065DFBB-9BB8-57A2-BCB5-9A79A6A7A47C}"/>
                   </a:ext>
                 </a:extLst>
               </p:cNvPr>
@@ -28411,7 +28518,7 @@
             <p:cNvPr id="58" name="그룹 1018">
               <a:extLst>
                 <a:ext uri="{FF2B5EF4-FFF2-40B4-BE49-F238E27FC236}">
-                  <a16:creationId xmlns:a16="http://schemas.microsoft.com/office/drawing/2014/main" id="{153806A5-0D25-91AA-ECDF-1706E0C0F66B}"/>
+                  <a16:creationId xmlns:a16="http://schemas.microsoft.com/office/drawing/2014/main" xmlns="" id="{153806A5-0D25-91AA-ECDF-1706E0C0F66B}"/>
                 </a:ext>
               </a:extLst>
             </p:cNvPr>
@@ -28431,7 +28538,7 @@
               <p:cNvPr id="59" name="Object 61">
                 <a:extLst>
                   <a:ext uri="{FF2B5EF4-FFF2-40B4-BE49-F238E27FC236}">
-                    <a16:creationId xmlns:a16="http://schemas.microsoft.com/office/drawing/2014/main" id="{48702012-A54A-9A16-297C-00E155C252AD}"/>
+                    <a16:creationId xmlns:a16="http://schemas.microsoft.com/office/drawing/2014/main" xmlns="" id="{48702012-A54A-9A16-297C-00E155C252AD}"/>
                   </a:ext>
                 </a:extLst>
               </p:cNvPr>
@@ -28463,7 +28570,7 @@
           <p:cNvPr id="61" name="그룹 1018">
             <a:extLst>
               <a:ext uri="{FF2B5EF4-FFF2-40B4-BE49-F238E27FC236}">
-                <a16:creationId xmlns:a16="http://schemas.microsoft.com/office/drawing/2014/main" id="{BDF13B2A-7FC7-DAC8-84D6-AEAC5AE48574}"/>
+                <a16:creationId xmlns:a16="http://schemas.microsoft.com/office/drawing/2014/main" xmlns="" id="{BDF13B2A-7FC7-DAC8-84D6-AEAC5AE48574}"/>
               </a:ext>
             </a:extLst>
           </p:cNvPr>
@@ -28483,7 +28590,7 @@
             <p:cNvPr id="62" name="Object 61">
               <a:extLst>
                 <a:ext uri="{FF2B5EF4-FFF2-40B4-BE49-F238E27FC236}">
-                  <a16:creationId xmlns:a16="http://schemas.microsoft.com/office/drawing/2014/main" id="{23BB730F-780C-23E0-79BA-846E92196D84}"/>
+                  <a16:creationId xmlns:a16="http://schemas.microsoft.com/office/drawing/2014/main" xmlns="" id="{23BB730F-780C-23E0-79BA-846E92196D84}"/>
                 </a:ext>
               </a:extLst>
             </p:cNvPr>
@@ -28514,7 +28621,7 @@
           <p:cNvPr id="63" name="TextBox 62">
             <a:extLst>
               <a:ext uri="{FF2B5EF4-FFF2-40B4-BE49-F238E27FC236}">
-                <a16:creationId xmlns:a16="http://schemas.microsoft.com/office/drawing/2014/main" id="{F94679FE-4488-B2BF-0783-917E7119A982}"/>
+                <a16:creationId xmlns:a16="http://schemas.microsoft.com/office/drawing/2014/main" xmlns="" id="{F94679FE-4488-B2BF-0783-917E7119A982}"/>
               </a:ext>
             </a:extLst>
           </p:cNvPr>
@@ -28575,7 +28682,7 @@
           <p:cNvPr id="64" name="TextBox 63">
             <a:extLst>
               <a:ext uri="{FF2B5EF4-FFF2-40B4-BE49-F238E27FC236}">
-                <a16:creationId xmlns:a16="http://schemas.microsoft.com/office/drawing/2014/main" id="{ABF802F2-2D37-4E45-7059-BA98668B76CD}"/>
+                <a16:creationId xmlns:a16="http://schemas.microsoft.com/office/drawing/2014/main" xmlns="" id="{ABF802F2-2D37-4E45-7059-BA98668B76CD}"/>
               </a:ext>
             </a:extLst>
           </p:cNvPr>
@@ -28643,7 +28750,7 @@
           <p:cNvPr id="65" name="TextBox 64">
             <a:extLst>
               <a:ext uri="{FF2B5EF4-FFF2-40B4-BE49-F238E27FC236}">
-                <a16:creationId xmlns:a16="http://schemas.microsoft.com/office/drawing/2014/main" id="{1FA790F7-4DCB-BA82-2A67-D0763E624C8A}"/>
+                <a16:creationId xmlns:a16="http://schemas.microsoft.com/office/drawing/2014/main" xmlns="" id="{1FA790F7-4DCB-BA82-2A67-D0763E624C8A}"/>
               </a:ext>
             </a:extLst>
           </p:cNvPr>
@@ -28704,7 +28811,7 @@
           <p:cNvPr id="66" name="TextBox 65">
             <a:extLst>
               <a:ext uri="{FF2B5EF4-FFF2-40B4-BE49-F238E27FC236}">
-                <a16:creationId xmlns:a16="http://schemas.microsoft.com/office/drawing/2014/main" id="{1EF947EA-FD3F-232D-DFAE-F773DAC05E69}"/>
+                <a16:creationId xmlns:a16="http://schemas.microsoft.com/office/drawing/2014/main" xmlns="" id="{1EF947EA-FD3F-232D-DFAE-F773DAC05E69}"/>
               </a:ext>
             </a:extLst>
           </p:cNvPr>
@@ -28772,7 +28879,7 @@
           <p:cNvPr id="67" name="TextBox 66">
             <a:extLst>
               <a:ext uri="{FF2B5EF4-FFF2-40B4-BE49-F238E27FC236}">
-                <a16:creationId xmlns:a16="http://schemas.microsoft.com/office/drawing/2014/main" id="{AED2596D-7610-E0EA-C0AA-8B3C1E5F4C89}"/>
+                <a16:creationId xmlns:a16="http://schemas.microsoft.com/office/drawing/2014/main" xmlns="" id="{AED2596D-7610-E0EA-C0AA-8B3C1E5F4C89}"/>
               </a:ext>
             </a:extLst>
           </p:cNvPr>
@@ -28840,7 +28947,7 @@
           <p:cNvPr id="68" name="TextBox 67">
             <a:extLst>
               <a:ext uri="{FF2B5EF4-FFF2-40B4-BE49-F238E27FC236}">
-                <a16:creationId xmlns:a16="http://schemas.microsoft.com/office/drawing/2014/main" id="{F7B8511E-1ED4-7A98-9B66-EF90A6185908}"/>
+                <a16:creationId xmlns:a16="http://schemas.microsoft.com/office/drawing/2014/main" xmlns="" id="{F7B8511E-1ED4-7A98-9B66-EF90A6185908}"/>
               </a:ext>
             </a:extLst>
           </p:cNvPr>
@@ -28918,7 +29025,7 @@
           <p:cNvPr id="69" name="TextBox 68">
             <a:extLst>
               <a:ext uri="{FF2B5EF4-FFF2-40B4-BE49-F238E27FC236}">
-                <a16:creationId xmlns:a16="http://schemas.microsoft.com/office/drawing/2014/main" id="{E291A416-AE72-7E8E-EB2B-0F1C1FD17ED4}"/>
+                <a16:creationId xmlns:a16="http://schemas.microsoft.com/office/drawing/2014/main" xmlns="" id="{E291A416-AE72-7E8E-EB2B-0F1C1FD17ED4}"/>
               </a:ext>
             </a:extLst>
           </p:cNvPr>
@@ -28996,7 +29103,7 @@
           <p:cNvPr id="70" name="Object 61">
             <a:extLst>
               <a:ext uri="{FF2B5EF4-FFF2-40B4-BE49-F238E27FC236}">
-                <a16:creationId xmlns:a16="http://schemas.microsoft.com/office/drawing/2014/main" id="{FF3898E8-B556-0008-847A-EF0AB57277F7}"/>
+                <a16:creationId xmlns:a16="http://schemas.microsoft.com/office/drawing/2014/main" xmlns="" id="{FF3898E8-B556-0008-847A-EF0AB57277F7}"/>
               </a:ext>
             </a:extLst>
           </p:cNvPr>
@@ -29026,7 +29133,7 @@
           <p:cNvPr id="71" name="TextBox 70">
             <a:extLst>
               <a:ext uri="{FF2B5EF4-FFF2-40B4-BE49-F238E27FC236}">
-                <a16:creationId xmlns:a16="http://schemas.microsoft.com/office/drawing/2014/main" id="{568B1923-E98F-B42E-EC9B-71CF7062B1EF}"/>
+                <a16:creationId xmlns:a16="http://schemas.microsoft.com/office/drawing/2014/main" xmlns="" id="{568B1923-E98F-B42E-EC9B-71CF7062B1EF}"/>
               </a:ext>
             </a:extLst>
           </p:cNvPr>
@@ -29106,7 +29213,7 @@
           <p:cNvPr id="72" name="TextBox 71">
             <a:extLst>
               <a:ext uri="{FF2B5EF4-FFF2-40B4-BE49-F238E27FC236}">
-                <a16:creationId xmlns:a16="http://schemas.microsoft.com/office/drawing/2014/main" id="{39902223-A073-1031-4CC7-6ED4D7DA1F24}"/>
+                <a16:creationId xmlns:a16="http://schemas.microsoft.com/office/drawing/2014/main" xmlns="" id="{39902223-A073-1031-4CC7-6ED4D7DA1F24}"/>
               </a:ext>
             </a:extLst>
           </p:cNvPr>
@@ -29154,7 +29261,7 @@
           <p:cNvPr id="73" name="Object 61">
             <a:extLst>
               <a:ext uri="{FF2B5EF4-FFF2-40B4-BE49-F238E27FC236}">
-                <a16:creationId xmlns:a16="http://schemas.microsoft.com/office/drawing/2014/main" id="{F1490AD6-C9E8-C7C9-4B68-1E508CDC029D}"/>
+                <a16:creationId xmlns:a16="http://schemas.microsoft.com/office/drawing/2014/main" xmlns="" id="{F1490AD6-C9E8-C7C9-4B68-1E508CDC029D}"/>
               </a:ext>
             </a:extLst>
           </p:cNvPr>
@@ -29184,7 +29291,7 @@
           <p:cNvPr id="74" name="TextBox 73">
             <a:extLst>
               <a:ext uri="{FF2B5EF4-FFF2-40B4-BE49-F238E27FC236}">
-                <a16:creationId xmlns:a16="http://schemas.microsoft.com/office/drawing/2014/main" id="{659AEB15-7EF8-CBF8-44EF-88B6D968D6EA}"/>
+                <a16:creationId xmlns:a16="http://schemas.microsoft.com/office/drawing/2014/main" xmlns="" id="{659AEB15-7EF8-CBF8-44EF-88B6D968D6EA}"/>
               </a:ext>
             </a:extLst>
           </p:cNvPr>
@@ -29257,7 +29364,7 @@
           <p:cNvPr id="75" name="TextBox 74">
             <a:extLst>
               <a:ext uri="{FF2B5EF4-FFF2-40B4-BE49-F238E27FC236}">
-                <a16:creationId xmlns:a16="http://schemas.microsoft.com/office/drawing/2014/main" id="{2516D735-AD54-AB7D-D67A-A05A702441E9}"/>
+                <a16:creationId xmlns:a16="http://schemas.microsoft.com/office/drawing/2014/main" xmlns="" id="{2516D735-AD54-AB7D-D67A-A05A702441E9}"/>
               </a:ext>
             </a:extLst>
           </p:cNvPr>
@@ -29305,7 +29412,7 @@
           <p:cNvPr id="76" name="Object 61">
             <a:extLst>
               <a:ext uri="{FF2B5EF4-FFF2-40B4-BE49-F238E27FC236}">
-                <a16:creationId xmlns:a16="http://schemas.microsoft.com/office/drawing/2014/main" id="{D209C632-9165-38C0-9BAB-E0B2E7F7C56F}"/>
+                <a16:creationId xmlns:a16="http://schemas.microsoft.com/office/drawing/2014/main" xmlns="" id="{D209C632-9165-38C0-9BAB-E0B2E7F7C56F}"/>
               </a:ext>
             </a:extLst>
           </p:cNvPr>
@@ -29335,7 +29442,7 @@
           <p:cNvPr id="77" name="TextBox 76">
             <a:extLst>
               <a:ext uri="{FF2B5EF4-FFF2-40B4-BE49-F238E27FC236}">
-                <a16:creationId xmlns:a16="http://schemas.microsoft.com/office/drawing/2014/main" id="{83BC3C99-3712-7BAC-9AEF-6935945BD9DD}"/>
+                <a16:creationId xmlns:a16="http://schemas.microsoft.com/office/drawing/2014/main" xmlns="" id="{83BC3C99-3712-7BAC-9AEF-6935945BD9DD}"/>
               </a:ext>
             </a:extLst>
           </p:cNvPr>
@@ -29408,7 +29515,7 @@
           <p:cNvPr id="78" name="TextBox 77">
             <a:extLst>
               <a:ext uri="{FF2B5EF4-FFF2-40B4-BE49-F238E27FC236}">
-                <a16:creationId xmlns:a16="http://schemas.microsoft.com/office/drawing/2014/main" id="{2FFA887A-95A0-BAD8-7227-333B5FC09348}"/>
+                <a16:creationId xmlns:a16="http://schemas.microsoft.com/office/drawing/2014/main" xmlns="" id="{2FFA887A-95A0-BAD8-7227-333B5FC09348}"/>
               </a:ext>
             </a:extLst>
           </p:cNvPr>
@@ -29456,7 +29563,7 @@
           <p:cNvPr id="79" name="그룹 1016">
             <a:extLst>
               <a:ext uri="{FF2B5EF4-FFF2-40B4-BE49-F238E27FC236}">
-                <a16:creationId xmlns:a16="http://schemas.microsoft.com/office/drawing/2014/main" id="{084DE66F-0839-ED1D-6033-747A1F186CFA}"/>
+                <a16:creationId xmlns:a16="http://schemas.microsoft.com/office/drawing/2014/main" xmlns="" id="{084DE66F-0839-ED1D-6033-747A1F186CFA}"/>
               </a:ext>
             </a:extLst>
           </p:cNvPr>
@@ -29476,7 +29583,7 @@
             <p:cNvPr id="80" name="Object 46">
               <a:extLst>
                 <a:ext uri="{FF2B5EF4-FFF2-40B4-BE49-F238E27FC236}">
-                  <a16:creationId xmlns:a16="http://schemas.microsoft.com/office/drawing/2014/main" id="{35A55889-D7B2-DE9B-6F1B-5F37F6DEFA60}"/>
+                  <a16:creationId xmlns:a16="http://schemas.microsoft.com/office/drawing/2014/main" xmlns="" id="{35A55889-D7B2-DE9B-6F1B-5F37F6DEFA60}"/>
                 </a:ext>
               </a:extLst>
             </p:cNvPr>
@@ -29507,7 +29614,7 @@
           <p:cNvPr id="81" name="그룹 1023">
             <a:extLst>
               <a:ext uri="{FF2B5EF4-FFF2-40B4-BE49-F238E27FC236}">
-                <a16:creationId xmlns:a16="http://schemas.microsoft.com/office/drawing/2014/main" id="{708B6D14-F782-5F95-F978-8091F086F26C}"/>
+                <a16:creationId xmlns:a16="http://schemas.microsoft.com/office/drawing/2014/main" xmlns="" id="{708B6D14-F782-5F95-F978-8091F086F26C}"/>
               </a:ext>
             </a:extLst>
           </p:cNvPr>
@@ -29527,7 +29634,7 @@
             <p:cNvPr id="82" name="그룹 1024">
               <a:extLst>
                 <a:ext uri="{FF2B5EF4-FFF2-40B4-BE49-F238E27FC236}">
-                  <a16:creationId xmlns:a16="http://schemas.microsoft.com/office/drawing/2014/main" id="{E3A6C851-4B69-F552-2BD9-689B46EE1C14}"/>
+                  <a16:creationId xmlns:a16="http://schemas.microsoft.com/office/drawing/2014/main" xmlns="" id="{E3A6C851-4B69-F552-2BD9-689B46EE1C14}"/>
                 </a:ext>
               </a:extLst>
             </p:cNvPr>
@@ -29547,7 +29654,7 @@
               <p:cNvPr id="87" name="Object 73">
                 <a:extLst>
                   <a:ext uri="{FF2B5EF4-FFF2-40B4-BE49-F238E27FC236}">
-                    <a16:creationId xmlns:a16="http://schemas.microsoft.com/office/drawing/2014/main" id="{5A930143-E783-9F58-AA14-91792A63AFFF}"/>
+                    <a16:creationId xmlns:a16="http://schemas.microsoft.com/office/drawing/2014/main" xmlns="" id="{5A930143-E783-9F58-AA14-91792A63AFFF}"/>
                   </a:ext>
                 </a:extLst>
               </p:cNvPr>
@@ -29578,7 +29685,7 @@
             <p:cNvPr id="83" name="그룹 1025">
               <a:extLst>
                 <a:ext uri="{FF2B5EF4-FFF2-40B4-BE49-F238E27FC236}">
-                  <a16:creationId xmlns:a16="http://schemas.microsoft.com/office/drawing/2014/main" id="{8082DEAA-9215-6545-05A9-0588BA8A78AE}"/>
+                  <a16:creationId xmlns:a16="http://schemas.microsoft.com/office/drawing/2014/main" xmlns="" id="{8082DEAA-9215-6545-05A9-0588BA8A78AE}"/>
                 </a:ext>
               </a:extLst>
             </p:cNvPr>
@@ -29598,7 +29705,7 @@
               <p:cNvPr id="86" name="Object 76">
                 <a:extLst>
                   <a:ext uri="{FF2B5EF4-FFF2-40B4-BE49-F238E27FC236}">
-                    <a16:creationId xmlns:a16="http://schemas.microsoft.com/office/drawing/2014/main" id="{7937164E-263C-063C-E226-B1AE844DCB1E}"/>
+                    <a16:creationId xmlns:a16="http://schemas.microsoft.com/office/drawing/2014/main" xmlns="" id="{7937164E-263C-063C-E226-B1AE844DCB1E}"/>
                   </a:ext>
                 </a:extLst>
               </p:cNvPr>
@@ -29629,7 +29736,7 @@
             <p:cNvPr id="84" name="그룹 1026">
               <a:extLst>
                 <a:ext uri="{FF2B5EF4-FFF2-40B4-BE49-F238E27FC236}">
-                  <a16:creationId xmlns:a16="http://schemas.microsoft.com/office/drawing/2014/main" id="{04C77165-7711-37FA-379F-50994B648F86}"/>
+                  <a16:creationId xmlns:a16="http://schemas.microsoft.com/office/drawing/2014/main" xmlns="" id="{04C77165-7711-37FA-379F-50994B648F86}"/>
                 </a:ext>
               </a:extLst>
             </p:cNvPr>
@@ -29649,7 +29756,7 @@
               <p:cNvPr id="85" name="Object 79">
                 <a:extLst>
                   <a:ext uri="{FF2B5EF4-FFF2-40B4-BE49-F238E27FC236}">
-                    <a16:creationId xmlns:a16="http://schemas.microsoft.com/office/drawing/2014/main" id="{8EEB598A-ABD1-B4EA-2ADB-1A49BCCBFD8A}"/>
+                    <a16:creationId xmlns:a16="http://schemas.microsoft.com/office/drawing/2014/main" xmlns="" id="{8EEB598A-ABD1-B4EA-2ADB-1A49BCCBFD8A}"/>
                   </a:ext>
                 </a:extLst>
               </p:cNvPr>
@@ -29681,7 +29788,7 @@
           <p:cNvPr id="88" name="TextBox 87">
             <a:extLst>
               <a:ext uri="{FF2B5EF4-FFF2-40B4-BE49-F238E27FC236}">
-                <a16:creationId xmlns:a16="http://schemas.microsoft.com/office/drawing/2014/main" id="{6F51D7F0-F6BB-8D16-9E54-1C8CB35E41BE}"/>
+                <a16:creationId xmlns:a16="http://schemas.microsoft.com/office/drawing/2014/main" xmlns="" id="{6F51D7F0-F6BB-8D16-9E54-1C8CB35E41BE}"/>
               </a:ext>
             </a:extLst>
           </p:cNvPr>
@@ -29732,7 +29839,7 @@
           <p:cNvPr id="89" name="TextBox 88">
             <a:extLst>
               <a:ext uri="{FF2B5EF4-FFF2-40B4-BE49-F238E27FC236}">
-                <a16:creationId xmlns:a16="http://schemas.microsoft.com/office/drawing/2014/main" id="{32F281A7-8CA8-205F-D1E4-F8FB16044C1F}"/>
+                <a16:creationId xmlns:a16="http://schemas.microsoft.com/office/drawing/2014/main" xmlns="" id="{32F281A7-8CA8-205F-D1E4-F8FB16044C1F}"/>
               </a:ext>
             </a:extLst>
           </p:cNvPr>
@@ -29780,7 +29887,7 @@
           <p:cNvPr id="90" name="TextBox 89">
             <a:extLst>
               <a:ext uri="{FF2B5EF4-FFF2-40B4-BE49-F238E27FC236}">
-                <a16:creationId xmlns:a16="http://schemas.microsoft.com/office/drawing/2014/main" id="{CD044177-5399-419E-C189-ED4BEF268240}"/>
+                <a16:creationId xmlns:a16="http://schemas.microsoft.com/office/drawing/2014/main" xmlns="" id="{CD044177-5399-419E-C189-ED4BEF268240}"/>
               </a:ext>
             </a:extLst>
           </p:cNvPr>
@@ -29858,7 +29965,7 @@
           <p:cNvPr id="4" name="TextBox 3">
             <a:extLst>
               <a:ext uri="{FF2B5EF4-FFF2-40B4-BE49-F238E27FC236}">
-                <a16:creationId xmlns:a16="http://schemas.microsoft.com/office/drawing/2014/main" id="{6E4771BE-09DF-3E15-A9B6-2ADE45DB9301}"/>
+                <a16:creationId xmlns:a16="http://schemas.microsoft.com/office/drawing/2014/main" xmlns="" id="{6E4771BE-09DF-3E15-A9B6-2ADE45DB9301}"/>
               </a:ext>
             </a:extLst>
           </p:cNvPr>
@@ -29906,7 +30013,7 @@
           <p:cNvPr id="5" name="그룹 1008">
             <a:extLst>
               <a:ext uri="{FF2B5EF4-FFF2-40B4-BE49-F238E27FC236}">
-                <a16:creationId xmlns:a16="http://schemas.microsoft.com/office/drawing/2014/main" id="{E8E9C254-782A-FBC1-55AF-F4C24417CFC9}"/>
+                <a16:creationId xmlns:a16="http://schemas.microsoft.com/office/drawing/2014/main" xmlns="" id="{E8E9C254-782A-FBC1-55AF-F4C24417CFC9}"/>
               </a:ext>
             </a:extLst>
           </p:cNvPr>
@@ -29926,7 +30033,7 @@
             <p:cNvPr id="6" name="그룹 1009">
               <a:extLst>
                 <a:ext uri="{FF2B5EF4-FFF2-40B4-BE49-F238E27FC236}">
-                  <a16:creationId xmlns:a16="http://schemas.microsoft.com/office/drawing/2014/main" id="{3CA2B294-22E1-B252-200F-DD750B2F7A87}"/>
+                  <a16:creationId xmlns:a16="http://schemas.microsoft.com/office/drawing/2014/main" xmlns="" id="{3CA2B294-22E1-B252-200F-DD750B2F7A87}"/>
                 </a:ext>
               </a:extLst>
             </p:cNvPr>
@@ -29946,7 +30053,7 @@
               <p:cNvPr id="11" name="Object 29">
                 <a:extLst>
                   <a:ext uri="{FF2B5EF4-FFF2-40B4-BE49-F238E27FC236}">
-                    <a16:creationId xmlns:a16="http://schemas.microsoft.com/office/drawing/2014/main" id="{6B409735-98BE-1B36-586B-4F9EF716FDDD}"/>
+                    <a16:creationId xmlns:a16="http://schemas.microsoft.com/office/drawing/2014/main" xmlns="" id="{6B409735-98BE-1B36-586B-4F9EF716FDDD}"/>
                   </a:ext>
                 </a:extLst>
               </p:cNvPr>
@@ -29977,7 +30084,7 @@
             <p:cNvPr id="7" name="그룹 1010">
               <a:extLst>
                 <a:ext uri="{FF2B5EF4-FFF2-40B4-BE49-F238E27FC236}">
-                  <a16:creationId xmlns:a16="http://schemas.microsoft.com/office/drawing/2014/main" id="{2F0FF62E-BE82-B028-45C5-E34CF026296A}"/>
+                  <a16:creationId xmlns:a16="http://schemas.microsoft.com/office/drawing/2014/main" xmlns="" id="{2F0FF62E-BE82-B028-45C5-E34CF026296A}"/>
                 </a:ext>
               </a:extLst>
             </p:cNvPr>
@@ -29997,7 +30104,7 @@
               <p:cNvPr id="10" name="Object 32">
                 <a:extLst>
                   <a:ext uri="{FF2B5EF4-FFF2-40B4-BE49-F238E27FC236}">
-                    <a16:creationId xmlns:a16="http://schemas.microsoft.com/office/drawing/2014/main" id="{E1B6A43A-991F-7AEE-FFB7-8FF7B74BF5FB}"/>
+                    <a16:creationId xmlns:a16="http://schemas.microsoft.com/office/drawing/2014/main" xmlns="" id="{E1B6A43A-991F-7AEE-FFB7-8FF7B74BF5FB}"/>
                   </a:ext>
                 </a:extLst>
               </p:cNvPr>
@@ -30028,7 +30135,7 @@
             <p:cNvPr id="8" name="그룹 1011">
               <a:extLst>
                 <a:ext uri="{FF2B5EF4-FFF2-40B4-BE49-F238E27FC236}">
-                  <a16:creationId xmlns:a16="http://schemas.microsoft.com/office/drawing/2014/main" id="{BA042914-01E9-46DE-808E-0745148414A3}"/>
+                  <a16:creationId xmlns:a16="http://schemas.microsoft.com/office/drawing/2014/main" xmlns="" id="{BA042914-01E9-46DE-808E-0745148414A3}"/>
                 </a:ext>
               </a:extLst>
             </p:cNvPr>
@@ -30048,7 +30155,7 @@
               <p:cNvPr id="9" name="Object 35">
                 <a:extLst>
                   <a:ext uri="{FF2B5EF4-FFF2-40B4-BE49-F238E27FC236}">
-                    <a16:creationId xmlns:a16="http://schemas.microsoft.com/office/drawing/2014/main" id="{01A65668-30BA-528E-0B2F-B165CE76C550}"/>
+                    <a16:creationId xmlns:a16="http://schemas.microsoft.com/office/drawing/2014/main" xmlns="" id="{01A65668-30BA-528E-0B2F-B165CE76C550}"/>
                   </a:ext>
                 </a:extLst>
               </p:cNvPr>
@@ -30080,7 +30187,7 @@
           <p:cNvPr id="12" name="TextBox 11">
             <a:extLst>
               <a:ext uri="{FF2B5EF4-FFF2-40B4-BE49-F238E27FC236}">
-                <a16:creationId xmlns:a16="http://schemas.microsoft.com/office/drawing/2014/main" id="{181EA334-B1AD-2028-A3D8-FA8B4093DA7C}"/>
+                <a16:creationId xmlns:a16="http://schemas.microsoft.com/office/drawing/2014/main" xmlns="" id="{181EA334-B1AD-2028-A3D8-FA8B4093DA7C}"/>
               </a:ext>
             </a:extLst>
           </p:cNvPr>
@@ -30128,7 +30235,7 @@
           <p:cNvPr id="13" name="TextBox 12">
             <a:extLst>
               <a:ext uri="{FF2B5EF4-FFF2-40B4-BE49-F238E27FC236}">
-                <a16:creationId xmlns:a16="http://schemas.microsoft.com/office/drawing/2014/main" id="{7EEA8891-3A23-D49B-90DA-7E8C1C088F3B}"/>
+                <a16:creationId xmlns:a16="http://schemas.microsoft.com/office/drawing/2014/main" xmlns="" id="{7EEA8891-3A23-D49B-90DA-7E8C1C088F3B}"/>
               </a:ext>
             </a:extLst>
           </p:cNvPr>
@@ -30176,7 +30283,7 @@
           <p:cNvPr id="14" name="그룹 1008">
             <a:extLst>
               <a:ext uri="{FF2B5EF4-FFF2-40B4-BE49-F238E27FC236}">
-                <a16:creationId xmlns:a16="http://schemas.microsoft.com/office/drawing/2014/main" id="{7AD220EA-989C-A03E-35E2-3E1C89CE832F}"/>
+                <a16:creationId xmlns:a16="http://schemas.microsoft.com/office/drawing/2014/main" xmlns="" id="{7AD220EA-989C-A03E-35E2-3E1C89CE832F}"/>
               </a:ext>
             </a:extLst>
           </p:cNvPr>
@@ -30196,7 +30303,7 @@
             <p:cNvPr id="15" name="그룹 1009">
               <a:extLst>
                 <a:ext uri="{FF2B5EF4-FFF2-40B4-BE49-F238E27FC236}">
-                  <a16:creationId xmlns:a16="http://schemas.microsoft.com/office/drawing/2014/main" id="{068815AF-E19C-E57B-B49A-7F9C7ECBB6F5}"/>
+                  <a16:creationId xmlns:a16="http://schemas.microsoft.com/office/drawing/2014/main" xmlns="" id="{068815AF-E19C-E57B-B49A-7F9C7ECBB6F5}"/>
                 </a:ext>
               </a:extLst>
             </p:cNvPr>
@@ -30216,7 +30323,7 @@
               <p:cNvPr id="20" name="Object 29">
                 <a:extLst>
                   <a:ext uri="{FF2B5EF4-FFF2-40B4-BE49-F238E27FC236}">
-                    <a16:creationId xmlns:a16="http://schemas.microsoft.com/office/drawing/2014/main" id="{7068BEFE-DEF3-4498-0B24-75B57099F18E}"/>
+                    <a16:creationId xmlns:a16="http://schemas.microsoft.com/office/drawing/2014/main" xmlns="" id="{7068BEFE-DEF3-4498-0B24-75B57099F18E}"/>
                   </a:ext>
                 </a:extLst>
               </p:cNvPr>
@@ -30247,7 +30354,7 @@
             <p:cNvPr id="16" name="그룹 1010">
               <a:extLst>
                 <a:ext uri="{FF2B5EF4-FFF2-40B4-BE49-F238E27FC236}">
-                  <a16:creationId xmlns:a16="http://schemas.microsoft.com/office/drawing/2014/main" id="{49A21C64-1979-6CD0-5AFB-2197D9BC56DA}"/>
+                  <a16:creationId xmlns:a16="http://schemas.microsoft.com/office/drawing/2014/main" xmlns="" id="{49A21C64-1979-6CD0-5AFB-2197D9BC56DA}"/>
                 </a:ext>
               </a:extLst>
             </p:cNvPr>
@@ -30267,7 +30374,7 @@
               <p:cNvPr id="19" name="Object 32">
                 <a:extLst>
                   <a:ext uri="{FF2B5EF4-FFF2-40B4-BE49-F238E27FC236}">
-                    <a16:creationId xmlns:a16="http://schemas.microsoft.com/office/drawing/2014/main" id="{E38D1436-77FD-6470-968D-737D22EC338E}"/>
+                    <a16:creationId xmlns:a16="http://schemas.microsoft.com/office/drawing/2014/main" xmlns="" id="{E38D1436-77FD-6470-968D-737D22EC338E}"/>
                   </a:ext>
                 </a:extLst>
               </p:cNvPr>
@@ -30298,7 +30405,7 @@
             <p:cNvPr id="17" name="그룹 1011">
               <a:extLst>
                 <a:ext uri="{FF2B5EF4-FFF2-40B4-BE49-F238E27FC236}">
-                  <a16:creationId xmlns:a16="http://schemas.microsoft.com/office/drawing/2014/main" id="{79DA82F1-FC84-20B7-EB0B-C76926DB8862}"/>
+                  <a16:creationId xmlns:a16="http://schemas.microsoft.com/office/drawing/2014/main" xmlns="" id="{79DA82F1-FC84-20B7-EB0B-C76926DB8862}"/>
                 </a:ext>
               </a:extLst>
             </p:cNvPr>
@@ -30318,7 +30425,7 @@
               <p:cNvPr id="18" name="Object 35">
                 <a:extLst>
                   <a:ext uri="{FF2B5EF4-FFF2-40B4-BE49-F238E27FC236}">
-                    <a16:creationId xmlns:a16="http://schemas.microsoft.com/office/drawing/2014/main" id="{AEC81504-BC52-D5D0-3109-8B4F983D7456}"/>
+                    <a16:creationId xmlns:a16="http://schemas.microsoft.com/office/drawing/2014/main" xmlns="" id="{AEC81504-BC52-D5D0-3109-8B4F983D7456}"/>
                   </a:ext>
                 </a:extLst>
               </p:cNvPr>

--- a/JavaLecture/LectureFile/java 6강.pptx
+++ b/JavaLecture/LectureFile/java 6강.pptx
@@ -5,7 +5,7 @@
     <p:sldMasterId id="2147483648" r:id="rId1"/>
   </p:sldMasterIdLst>
   <p:notesMasterIdLst>
-    <p:notesMasterId r:id="rId47"/>
+    <p:notesMasterId r:id="rId50"/>
   </p:notesMasterIdLst>
   <p:sldIdLst>
     <p:sldId id="257" r:id="rId2"/>
@@ -34,25 +34,28 @@
     <p:sldId id="552" r:id="rId25"/>
     <p:sldId id="539" r:id="rId26"/>
     <p:sldId id="544" r:id="rId27"/>
-    <p:sldId id="547" r:id="rId28"/>
-    <p:sldId id="548" r:id="rId29"/>
-    <p:sldId id="545" r:id="rId30"/>
-    <p:sldId id="536" r:id="rId31"/>
-    <p:sldId id="374" r:id="rId32"/>
-    <p:sldId id="546" r:id="rId33"/>
-    <p:sldId id="554" r:id="rId34"/>
-    <p:sldId id="555" r:id="rId35"/>
-    <p:sldId id="556" r:id="rId36"/>
-    <p:sldId id="557" r:id="rId37"/>
-    <p:sldId id="558" r:id="rId38"/>
-    <p:sldId id="549" r:id="rId39"/>
-    <p:sldId id="559" r:id="rId40"/>
-    <p:sldId id="560" r:id="rId41"/>
-    <p:sldId id="562" r:id="rId42"/>
-    <p:sldId id="561" r:id="rId43"/>
-    <p:sldId id="553" r:id="rId44"/>
-    <p:sldId id="563" r:id="rId45"/>
-    <p:sldId id="275" r:id="rId46"/>
+    <p:sldId id="564" r:id="rId28"/>
+    <p:sldId id="565" r:id="rId29"/>
+    <p:sldId id="566" r:id="rId30"/>
+    <p:sldId id="547" r:id="rId31"/>
+    <p:sldId id="548" r:id="rId32"/>
+    <p:sldId id="545" r:id="rId33"/>
+    <p:sldId id="536" r:id="rId34"/>
+    <p:sldId id="374" r:id="rId35"/>
+    <p:sldId id="546" r:id="rId36"/>
+    <p:sldId id="554" r:id="rId37"/>
+    <p:sldId id="555" r:id="rId38"/>
+    <p:sldId id="556" r:id="rId39"/>
+    <p:sldId id="557" r:id="rId40"/>
+    <p:sldId id="558" r:id="rId41"/>
+    <p:sldId id="549" r:id="rId42"/>
+    <p:sldId id="559" r:id="rId43"/>
+    <p:sldId id="560" r:id="rId44"/>
+    <p:sldId id="562" r:id="rId45"/>
+    <p:sldId id="561" r:id="rId46"/>
+    <p:sldId id="553" r:id="rId47"/>
+    <p:sldId id="563" r:id="rId48"/>
+    <p:sldId id="275" r:id="rId49"/>
   </p:sldIdLst>
   <p:sldSz cx="18288000" cy="10287000"/>
   <p:notesSz cx="10287000" cy="18288000"/>
@@ -252,7 +255,7 @@
           <a:p>
             <a:fld id="{D79F2C30-10E1-4C46-91DC-BBDB9629E720}" type="datetimeFigureOut">
               <a:rPr lang="ko-KR" altLang="en-US" smtClean="0"/>
-              <a:t>2023-02-02</a:t>
+              <a:t>2023-02-04</a:t>
             </a:fld>
             <a:endParaRPr lang="ko-KR" altLang="en-US"/>
           </a:p>
@@ -668,7 +671,7 @@
           <a:p>
             <a:fld id="{50FC2DCF-6074-47D8-9A40-8DDAA9ED0A57}" type="slidenum">
               <a:rPr lang="ko-KR" altLang="en-US" smtClean="0"/>
-              <a:t>38</a:t>
+              <a:t>41</a:t>
             </a:fld>
             <a:endParaRPr lang="ko-KR" altLang="en-US"/>
           </a:p>
@@ -752,7 +755,7 @@
           <a:p>
             <a:fld id="{50FC2DCF-6074-47D8-9A40-8DDAA9ED0A57}" type="slidenum">
               <a:rPr lang="ko-KR" altLang="en-US" smtClean="0"/>
-              <a:t>39</a:t>
+              <a:t>42</a:t>
             </a:fld>
             <a:endParaRPr lang="ko-KR" altLang="en-US"/>
           </a:p>
@@ -950,7 +953,7 @@
           <a:p>
             <a:fld id="{F8166F1F-CE9B-4651-A6AA-CD717754106B}" type="datetimeFigureOut">
               <a:rPr lang="en-US" smtClean="0"/>
-              <a:t>2/2/2023</a:t>
+              <a:t>2/4/2023</a:t>
             </a:fld>
             <a:endParaRPr lang="en-US"/>
           </a:p>
@@ -1113,7 +1116,7 @@
           <a:p>
             <a:fld id="{A76116CE-C4A3-4A05-B2D7-7C2E9A889C0F}" type="datetimeFigureOut">
               <a:rPr lang="en-US" smtClean="0"/>
-              <a:t>2/2/2023</a:t>
+              <a:t>2/4/2023</a:t>
             </a:fld>
             <a:endParaRPr lang="en-US"/>
           </a:p>
@@ -1286,7 +1289,7 @@
           <a:p>
             <a:fld id="{A76116CE-C4A3-4A05-B2D7-7C2E9A889C0F}" type="datetimeFigureOut">
               <a:rPr lang="en-US" smtClean="0"/>
-              <a:t>2/2/2023</a:t>
+              <a:t>2/4/2023</a:t>
             </a:fld>
             <a:endParaRPr lang="en-US"/>
           </a:p>
@@ -1451,7 +1454,7 @@
           <a:p>
             <a:fld id="{A76116CE-C4A3-4A05-B2D7-7C2E9A889C0F}" type="datetimeFigureOut">
               <a:rPr lang="en-US" smtClean="0"/>
-              <a:t>2/2/2023</a:t>
+              <a:t>2/4/2023</a:t>
             </a:fld>
             <a:endParaRPr lang="en-US"/>
           </a:p>
@@ -1691,7 +1694,7 @@
           <a:p>
             <a:fld id="{A76116CE-C4A3-4A05-B2D7-7C2E9A889C0F}" type="datetimeFigureOut">
               <a:rPr lang="en-US" smtClean="0"/>
-              <a:t>2/2/2023</a:t>
+              <a:t>2/4/2023</a:t>
             </a:fld>
             <a:endParaRPr lang="en-US"/>
           </a:p>
@@ -1971,7 +1974,7 @@
           <a:p>
             <a:fld id="{A76116CE-C4A3-4A05-B2D7-7C2E9A889C0F}" type="datetimeFigureOut">
               <a:rPr lang="en-US" smtClean="0"/>
-              <a:t>2/2/2023</a:t>
+              <a:t>2/4/2023</a:t>
             </a:fld>
             <a:endParaRPr lang="en-US"/>
           </a:p>
@@ -2385,7 +2388,7 @@
           <a:p>
             <a:fld id="{A76116CE-C4A3-4A05-B2D7-7C2E9A889C0F}" type="datetimeFigureOut">
               <a:rPr lang="en-US" smtClean="0"/>
-              <a:t>2/2/2023</a:t>
+              <a:t>2/4/2023</a:t>
             </a:fld>
             <a:endParaRPr lang="en-US"/>
           </a:p>
@@ -2497,7 +2500,7 @@
           <a:p>
             <a:fld id="{A76116CE-C4A3-4A05-B2D7-7C2E9A889C0F}" type="datetimeFigureOut">
               <a:rPr lang="en-US" smtClean="0"/>
-              <a:t>2/2/2023</a:t>
+              <a:t>2/4/2023</a:t>
             </a:fld>
             <a:endParaRPr lang="en-US"/>
           </a:p>
@@ -2587,7 +2590,7 @@
           <a:p>
             <a:fld id="{A76116CE-C4A3-4A05-B2D7-7C2E9A889C0F}" type="datetimeFigureOut">
               <a:rPr lang="en-US" smtClean="0"/>
-              <a:t>2/2/2023</a:t>
+              <a:t>2/4/2023</a:t>
             </a:fld>
             <a:endParaRPr lang="en-US"/>
           </a:p>
@@ -2857,7 +2860,7 @@
           <a:p>
             <a:fld id="{A76116CE-C4A3-4A05-B2D7-7C2E9A889C0F}" type="datetimeFigureOut">
               <a:rPr lang="en-US" smtClean="0"/>
-              <a:t>2/2/2023</a:t>
+              <a:t>2/4/2023</a:t>
             </a:fld>
             <a:endParaRPr lang="en-US"/>
           </a:p>
@@ -3104,7 +3107,7 @@
           <a:p>
             <a:fld id="{A76116CE-C4A3-4A05-B2D7-7C2E9A889C0F}" type="datetimeFigureOut">
               <a:rPr lang="en-US" smtClean="0"/>
-              <a:t>2/2/2023</a:t>
+              <a:t>2/4/2023</a:t>
             </a:fld>
             <a:endParaRPr lang="en-US"/>
           </a:p>
@@ -3310,7 +3313,7 @@
           <a:p>
             <a:fld id="{F8166F1F-CE9B-4651-A6AA-CD717754106B}" type="datetimeFigureOut">
               <a:rPr lang="en-US" smtClean="0"/>
-              <a:t>2/2/2023</a:t>
+              <a:t>2/4/2023</a:t>
             </a:fld>
             <a:endParaRPr lang="en-US"/>
           </a:p>
@@ -18314,6 +18317,2858 @@
       </p:grpSpPr>
       <p:sp>
         <p:nvSpPr>
+          <p:cNvPr id="5" name="TextBox 4">
+            <a:extLst>
+              <a:ext uri="{FF2B5EF4-FFF2-40B4-BE49-F238E27FC236}">
+                <a16:creationId xmlns="" xmlns:a16="http://schemas.microsoft.com/office/drawing/2014/main" id="{37C30BAF-D498-C798-BC14-1718488A3435}"/>
+              </a:ext>
+            </a:extLst>
+          </p:cNvPr>
+          <p:cNvSpPr txBox="1"/>
+          <p:nvPr/>
+        </p:nvSpPr>
+        <p:spPr>
+          <a:xfrm>
+            <a:off x="990600" y="495300"/>
+            <a:ext cx="4876800" cy="830997"/>
+          </a:xfrm>
+          <a:prstGeom prst="rect">
+            <a:avLst/>
+          </a:prstGeom>
+          <a:noFill/>
+        </p:spPr>
+        <p:txBody>
+          <a:bodyPr wrap="square" rtlCol="0">
+            <a:spAutoFit/>
+          </a:bodyPr>
+          <a:lstStyle/>
+          <a:p>
+            <a:r>
+              <a:rPr lang="ko-KR" altLang="en-US" sz="4800" smtClean="0">
+                <a:solidFill>
+                  <a:srgbClr val="4C50BC"/>
+                </a:solidFill>
+                <a:latin typeface="G마켓 산스 Medium" panose="02000000000000000000" pitchFamily="50" charset="-127"/>
+                <a:ea typeface="G마켓 산스 Medium" panose="02000000000000000000" pitchFamily="50" charset="-127"/>
+              </a:rPr>
+              <a:t>참조형 매개변수</a:t>
+            </a:r>
+            <a:endParaRPr lang="en-US" altLang="ko-KR" sz="4800" dirty="0">
+              <a:solidFill>
+                <a:srgbClr val="4C50BC"/>
+              </a:solidFill>
+              <a:latin typeface="G마켓 산스 Medium" panose="02000000000000000000" pitchFamily="50" charset="-127"/>
+              <a:ea typeface="G마켓 산스 Medium" panose="02000000000000000000" pitchFamily="50" charset="-127"/>
+            </a:endParaRPr>
+          </a:p>
+        </p:txBody>
+      </p:sp>
+      <p:pic>
+        <p:nvPicPr>
+          <p:cNvPr id="6" name="그림 5"/>
+          <p:cNvPicPr>
+            <a:picLocks noChangeAspect="1"/>
+          </p:cNvPicPr>
+          <p:nvPr/>
+        </p:nvPicPr>
+        <p:blipFill>
+          <a:blip r:embed="rId2"/>
+          <a:stretch>
+            <a:fillRect/>
+          </a:stretch>
+        </p:blipFill>
+        <p:spPr>
+          <a:xfrm>
+            <a:off x="1007012" y="1562100"/>
+            <a:ext cx="5825515" cy="2971800"/>
+          </a:xfrm>
+          <a:prstGeom prst="rect">
+            <a:avLst/>
+          </a:prstGeom>
+        </p:spPr>
+      </p:pic>
+      <p:cxnSp>
+        <p:nvCxnSpPr>
+          <p:cNvPr id="7" name="직선 화살표 연결선 6">
+            <a:extLst>
+              <a:ext uri="{FF2B5EF4-FFF2-40B4-BE49-F238E27FC236}">
+                <a16:creationId xmlns="" xmlns:a16="http://schemas.microsoft.com/office/drawing/2014/main" id="{299DF5EC-9DF4-5255-06AC-0A7CE4FF58C3}"/>
+              </a:ext>
+            </a:extLst>
+          </p:cNvPr>
+          <p:cNvCxnSpPr>
+            <a:cxnSpLocks/>
+          </p:cNvCxnSpPr>
+          <p:nvPr/>
+        </p:nvCxnSpPr>
+        <p:spPr>
+          <a:xfrm>
+            <a:off x="6169543" y="2739614"/>
+            <a:ext cx="1219200" cy="0"/>
+          </a:xfrm>
+          <a:prstGeom prst="straightConnector1">
+            <a:avLst/>
+          </a:prstGeom>
+          <a:ln w="38100">
+            <a:tailEnd type="triangle"/>
+          </a:ln>
+        </p:spPr>
+        <p:style>
+          <a:lnRef idx="1">
+            <a:schemeClr val="accent2"/>
+          </a:lnRef>
+          <a:fillRef idx="0">
+            <a:schemeClr val="accent2"/>
+          </a:fillRef>
+          <a:effectRef idx="0">
+            <a:schemeClr val="accent2"/>
+          </a:effectRef>
+          <a:fontRef idx="minor">
+            <a:schemeClr val="tx1"/>
+          </a:fontRef>
+        </p:style>
+      </p:cxnSp>
+      <p:sp>
+        <p:nvSpPr>
+          <p:cNvPr id="8" name="직사각형 7">
+            <a:extLst>
+              <a:ext uri="{FF2B5EF4-FFF2-40B4-BE49-F238E27FC236}">
+                <a16:creationId xmlns="" xmlns:a16="http://schemas.microsoft.com/office/drawing/2014/main" id="{FFF506F9-840A-0508-4CAF-3AC711D8D5CE}"/>
+              </a:ext>
+            </a:extLst>
+          </p:cNvPr>
+          <p:cNvSpPr/>
+          <p:nvPr/>
+        </p:nvSpPr>
+        <p:spPr>
+          <a:xfrm>
+            <a:off x="3578743" y="2499717"/>
+            <a:ext cx="2590800" cy="457200"/>
+          </a:xfrm>
+          <a:prstGeom prst="rect">
+            <a:avLst/>
+          </a:prstGeom>
+          <a:noFill/>
+          <a:ln>
+            <a:solidFill>
+              <a:srgbClr val="FF0000"/>
+            </a:solidFill>
+          </a:ln>
+        </p:spPr>
+        <p:style>
+          <a:lnRef idx="2">
+            <a:schemeClr val="accent2">
+              <a:shade val="50000"/>
+            </a:schemeClr>
+          </a:lnRef>
+          <a:fillRef idx="1">
+            <a:schemeClr val="accent2"/>
+          </a:fillRef>
+          <a:effectRef idx="0">
+            <a:schemeClr val="accent2"/>
+          </a:effectRef>
+          <a:fontRef idx="minor">
+            <a:schemeClr val="lt1"/>
+          </a:fontRef>
+        </p:style>
+        <p:txBody>
+          <a:bodyPr rtlCol="0" anchor="ctr"/>
+          <a:lstStyle/>
+          <a:p>
+            <a:pPr algn="ctr"/>
+            <a:endParaRPr lang="ko-KR" altLang="en-US"/>
+          </a:p>
+        </p:txBody>
+      </p:sp>
+      <p:sp>
+        <p:nvSpPr>
+          <p:cNvPr id="9" name="TextBox 8">
+            <a:extLst>
+              <a:ext uri="{FF2B5EF4-FFF2-40B4-BE49-F238E27FC236}">
+                <a16:creationId xmlns="" xmlns:a16="http://schemas.microsoft.com/office/drawing/2014/main" id="{C6D113C6-EA5C-788F-0C77-E7CE6EBB865F}"/>
+              </a:ext>
+            </a:extLst>
+          </p:cNvPr>
+          <p:cNvSpPr txBox="1"/>
+          <p:nvPr/>
+        </p:nvSpPr>
+        <p:spPr>
+          <a:xfrm>
+            <a:off x="7543800" y="2324100"/>
+            <a:ext cx="4114800" cy="707886"/>
+          </a:xfrm>
+          <a:prstGeom prst="rect">
+            <a:avLst/>
+          </a:prstGeom>
+          <a:noFill/>
+        </p:spPr>
+        <p:txBody>
+          <a:bodyPr wrap="square" rtlCol="0">
+            <a:spAutoFit/>
+          </a:bodyPr>
+          <a:lstStyle/>
+          <a:p>
+            <a:r>
+              <a:rPr lang="ko-KR" altLang="en-US" sz="4000" smtClean="0">
+                <a:solidFill>
+                  <a:srgbClr val="FF0000"/>
+                </a:solidFill>
+                <a:latin typeface="G마켓 산스 Medium" panose="02000000000000000000" pitchFamily="50" charset="-127"/>
+                <a:ea typeface="G마켓 산스 Medium" panose="02000000000000000000" pitchFamily="50" charset="-127"/>
+              </a:rPr>
+              <a:t>기본형 매개변수</a:t>
+            </a:r>
+            <a:endParaRPr lang="en-US" altLang="ko-KR" sz="4000" dirty="0">
+              <a:solidFill>
+                <a:srgbClr val="FF0000"/>
+              </a:solidFill>
+              <a:latin typeface="G마켓 산스 Medium" panose="02000000000000000000" pitchFamily="50" charset="-127"/>
+              <a:ea typeface="G마켓 산스 Medium" panose="02000000000000000000" pitchFamily="50" charset="-127"/>
+            </a:endParaRPr>
+          </a:p>
+        </p:txBody>
+      </p:sp>
+      <p:pic>
+        <p:nvPicPr>
+          <p:cNvPr id="10" name="그림 9"/>
+          <p:cNvPicPr>
+            <a:picLocks noChangeAspect="1"/>
+          </p:cNvPicPr>
+          <p:nvPr/>
+        </p:nvPicPr>
+        <p:blipFill>
+          <a:blip r:embed="rId3"/>
+          <a:stretch>
+            <a:fillRect/>
+          </a:stretch>
+        </p:blipFill>
+        <p:spPr>
+          <a:xfrm>
+            <a:off x="4876800" y="4769703"/>
+            <a:ext cx="5840755" cy="3027816"/>
+          </a:xfrm>
+          <a:prstGeom prst="rect">
+            <a:avLst/>
+          </a:prstGeom>
+        </p:spPr>
+      </p:pic>
+      <p:cxnSp>
+        <p:nvCxnSpPr>
+          <p:cNvPr id="11" name="직선 화살표 연결선 10">
+            <a:extLst>
+              <a:ext uri="{FF2B5EF4-FFF2-40B4-BE49-F238E27FC236}">
+                <a16:creationId xmlns="" xmlns:a16="http://schemas.microsoft.com/office/drawing/2014/main" id="{299DF5EC-9DF4-5255-06AC-0A7CE4FF58C3}"/>
+              </a:ext>
+            </a:extLst>
+          </p:cNvPr>
+          <p:cNvCxnSpPr>
+            <a:cxnSpLocks/>
+          </p:cNvCxnSpPr>
+          <p:nvPr/>
+        </p:nvCxnSpPr>
+        <p:spPr>
+          <a:xfrm>
+            <a:off x="9899514" y="5981731"/>
+            <a:ext cx="1219200" cy="0"/>
+          </a:xfrm>
+          <a:prstGeom prst="straightConnector1">
+            <a:avLst/>
+          </a:prstGeom>
+          <a:ln w="38100">
+            <a:tailEnd type="triangle"/>
+          </a:ln>
+        </p:spPr>
+        <p:style>
+          <a:lnRef idx="1">
+            <a:schemeClr val="accent2"/>
+          </a:lnRef>
+          <a:fillRef idx="0">
+            <a:schemeClr val="accent2"/>
+          </a:fillRef>
+          <a:effectRef idx="0">
+            <a:schemeClr val="accent2"/>
+          </a:effectRef>
+          <a:fontRef idx="minor">
+            <a:schemeClr val="tx1"/>
+          </a:fontRef>
+        </p:style>
+      </p:cxnSp>
+      <p:sp>
+        <p:nvSpPr>
+          <p:cNvPr id="12" name="직사각형 11">
+            <a:extLst>
+              <a:ext uri="{FF2B5EF4-FFF2-40B4-BE49-F238E27FC236}">
+                <a16:creationId xmlns="" xmlns:a16="http://schemas.microsoft.com/office/drawing/2014/main" id="{FFF506F9-840A-0508-4CAF-3AC711D8D5CE}"/>
+              </a:ext>
+            </a:extLst>
+          </p:cNvPr>
+          <p:cNvSpPr/>
+          <p:nvPr/>
+        </p:nvSpPr>
+        <p:spPr>
+          <a:xfrm>
+            <a:off x="7308714" y="5741834"/>
+            <a:ext cx="2590800" cy="457200"/>
+          </a:xfrm>
+          <a:prstGeom prst="rect">
+            <a:avLst/>
+          </a:prstGeom>
+          <a:noFill/>
+          <a:ln>
+            <a:solidFill>
+              <a:srgbClr val="FF0000"/>
+            </a:solidFill>
+          </a:ln>
+        </p:spPr>
+        <p:style>
+          <a:lnRef idx="2">
+            <a:schemeClr val="accent2">
+              <a:shade val="50000"/>
+            </a:schemeClr>
+          </a:lnRef>
+          <a:fillRef idx="1">
+            <a:schemeClr val="accent2"/>
+          </a:fillRef>
+          <a:effectRef idx="0">
+            <a:schemeClr val="accent2"/>
+          </a:effectRef>
+          <a:fontRef idx="minor">
+            <a:schemeClr val="lt1"/>
+          </a:fontRef>
+        </p:style>
+        <p:txBody>
+          <a:bodyPr rtlCol="0" anchor="ctr"/>
+          <a:lstStyle/>
+          <a:p>
+            <a:pPr algn="ctr"/>
+            <a:endParaRPr lang="ko-KR" altLang="en-US"/>
+          </a:p>
+        </p:txBody>
+      </p:sp>
+      <p:sp>
+        <p:nvSpPr>
+          <p:cNvPr id="13" name="TextBox 12">
+            <a:extLst>
+              <a:ext uri="{FF2B5EF4-FFF2-40B4-BE49-F238E27FC236}">
+                <a16:creationId xmlns="" xmlns:a16="http://schemas.microsoft.com/office/drawing/2014/main" id="{C6D113C6-EA5C-788F-0C77-E7CE6EBB865F}"/>
+              </a:ext>
+            </a:extLst>
+          </p:cNvPr>
+          <p:cNvSpPr txBox="1"/>
+          <p:nvPr/>
+        </p:nvSpPr>
+        <p:spPr>
+          <a:xfrm>
+            <a:off x="11273771" y="5566217"/>
+            <a:ext cx="4114800" cy="707886"/>
+          </a:xfrm>
+          <a:prstGeom prst="rect">
+            <a:avLst/>
+          </a:prstGeom>
+          <a:noFill/>
+        </p:spPr>
+        <p:txBody>
+          <a:bodyPr wrap="square" rtlCol="0">
+            <a:spAutoFit/>
+          </a:bodyPr>
+          <a:lstStyle/>
+          <a:p>
+            <a:r>
+              <a:rPr lang="ko-KR" altLang="en-US" sz="4000" smtClean="0">
+                <a:solidFill>
+                  <a:srgbClr val="FF0000"/>
+                </a:solidFill>
+                <a:latin typeface="G마켓 산스 Medium" panose="02000000000000000000" pitchFamily="50" charset="-127"/>
+                <a:ea typeface="G마켓 산스 Medium" panose="02000000000000000000" pitchFamily="50" charset="-127"/>
+              </a:rPr>
+              <a:t>참조형 매개 변수</a:t>
+            </a:r>
+            <a:endParaRPr lang="en-US" altLang="ko-KR" sz="4000" dirty="0">
+              <a:solidFill>
+                <a:srgbClr val="FF0000"/>
+              </a:solidFill>
+              <a:latin typeface="G마켓 산스 Medium" panose="02000000000000000000" pitchFamily="50" charset="-127"/>
+              <a:ea typeface="G마켓 산스 Medium" panose="02000000000000000000" pitchFamily="50" charset="-127"/>
+            </a:endParaRPr>
+          </a:p>
+        </p:txBody>
+      </p:sp>
+      <p:pic>
+        <p:nvPicPr>
+          <p:cNvPr id="14" name="그림 13"/>
+          <p:cNvPicPr>
+            <a:picLocks noChangeAspect="1"/>
+          </p:cNvPicPr>
+          <p:nvPr/>
+        </p:nvPicPr>
+        <p:blipFill>
+          <a:blip r:embed="rId4"/>
+          <a:stretch>
+            <a:fillRect/>
+          </a:stretch>
+        </p:blipFill>
+        <p:spPr>
+          <a:xfrm>
+            <a:off x="1024596" y="4762500"/>
+            <a:ext cx="3107511" cy="2934872"/>
+          </a:xfrm>
+          <a:prstGeom prst="rect">
+            <a:avLst/>
+          </a:prstGeom>
+        </p:spPr>
+      </p:pic>
+    </p:spTree>
+    <p:extLst>
+      <p:ext uri="{BB962C8B-B14F-4D97-AF65-F5344CB8AC3E}">
+        <p14:creationId xmlns:p14="http://schemas.microsoft.com/office/powerpoint/2010/main" val="2712131180"/>
+      </p:ext>
+    </p:extLst>
+  </p:cSld>
+  <p:clrMapOvr>
+    <a:masterClrMapping/>
+  </p:clrMapOvr>
+  <p:timing>
+    <p:tnLst>
+      <p:par>
+        <p:cTn id="1" dur="indefinite" restart="never" nodeType="tmRoot"/>
+      </p:par>
+    </p:tnLst>
+  </p:timing>
+</p:sld>
+</file>
+
+<file path=ppt/slides/slide28.xml><?xml version="1.0" encoding="utf-8"?>
+<p:sld xmlns:a="http://schemas.openxmlformats.org/drawingml/2006/main" xmlns:r="http://schemas.openxmlformats.org/officeDocument/2006/relationships" xmlns:p="http://schemas.openxmlformats.org/presentationml/2006/main">
+  <p:cSld>
+    <p:spTree>
+      <p:nvGrpSpPr>
+        <p:cNvPr id="1" name=""/>
+        <p:cNvGrpSpPr/>
+        <p:nvPr/>
+      </p:nvGrpSpPr>
+      <p:grpSpPr>
+        <a:xfrm>
+          <a:off x="0" y="0"/>
+          <a:ext cx="0" cy="0"/>
+          <a:chOff x="0" y="0"/>
+          <a:chExt cx="0" cy="0"/>
+        </a:xfrm>
+      </p:grpSpPr>
+      <p:pic>
+        <p:nvPicPr>
+          <p:cNvPr id="30" name="그림 29"/>
+          <p:cNvPicPr>
+            <a:picLocks noChangeAspect="1"/>
+          </p:cNvPicPr>
+          <p:nvPr/>
+        </p:nvPicPr>
+        <p:blipFill>
+          <a:blip r:embed="rId2"/>
+          <a:stretch>
+            <a:fillRect/>
+          </a:stretch>
+        </p:blipFill>
+        <p:spPr>
+          <a:xfrm>
+            <a:off x="1066800" y="1326297"/>
+            <a:ext cx="5554520" cy="8558495"/>
+          </a:xfrm>
+          <a:prstGeom prst="rect">
+            <a:avLst/>
+          </a:prstGeom>
+        </p:spPr>
+      </p:pic>
+      <p:sp>
+        <p:nvSpPr>
+          <p:cNvPr id="4" name="TextBox 3">
+            <a:extLst>
+              <a:ext uri="{FF2B5EF4-FFF2-40B4-BE49-F238E27FC236}">
+                <a16:creationId xmlns="" xmlns:a16="http://schemas.microsoft.com/office/drawing/2014/main" id="{37C30BAF-D498-C798-BC14-1718488A3435}"/>
+              </a:ext>
+            </a:extLst>
+          </p:cNvPr>
+          <p:cNvSpPr txBox="1"/>
+          <p:nvPr/>
+        </p:nvSpPr>
+        <p:spPr>
+          <a:xfrm>
+            <a:off x="990600" y="495300"/>
+            <a:ext cx="4876800" cy="830997"/>
+          </a:xfrm>
+          <a:prstGeom prst="rect">
+            <a:avLst/>
+          </a:prstGeom>
+          <a:noFill/>
+        </p:spPr>
+        <p:txBody>
+          <a:bodyPr wrap="square" rtlCol="0">
+            <a:spAutoFit/>
+          </a:bodyPr>
+          <a:lstStyle/>
+          <a:p>
+            <a:r>
+              <a:rPr lang="ko-KR" altLang="en-US" sz="4800" smtClean="0">
+                <a:solidFill>
+                  <a:srgbClr val="4C50BC"/>
+                </a:solidFill>
+                <a:latin typeface="G마켓 산스 Medium" panose="02000000000000000000" pitchFamily="50" charset="-127"/>
+                <a:ea typeface="G마켓 산스 Medium" panose="02000000000000000000" pitchFamily="50" charset="-127"/>
+              </a:rPr>
+              <a:t>참조형 매개변수</a:t>
+            </a:r>
+            <a:endParaRPr lang="en-US" altLang="ko-KR" sz="4800" dirty="0">
+              <a:solidFill>
+                <a:srgbClr val="4C50BC"/>
+              </a:solidFill>
+              <a:latin typeface="G마켓 산스 Medium" panose="02000000000000000000" pitchFamily="50" charset="-127"/>
+              <a:ea typeface="G마켓 산스 Medium" panose="02000000000000000000" pitchFamily="50" charset="-127"/>
+            </a:endParaRPr>
+          </a:p>
+        </p:txBody>
+      </p:sp>
+      <p:pic>
+        <p:nvPicPr>
+          <p:cNvPr id="5" name="그림 4"/>
+          <p:cNvPicPr>
+            <a:picLocks noChangeAspect="1"/>
+          </p:cNvPicPr>
+          <p:nvPr/>
+        </p:nvPicPr>
+        <p:blipFill>
+          <a:blip r:embed="rId3"/>
+          <a:stretch>
+            <a:fillRect/>
+          </a:stretch>
+        </p:blipFill>
+        <p:spPr>
+          <a:xfrm>
+            <a:off x="6858000" y="190500"/>
+            <a:ext cx="3810000" cy="2225914"/>
+          </a:xfrm>
+          <a:prstGeom prst="rect">
+            <a:avLst/>
+          </a:prstGeom>
+        </p:spPr>
+      </p:pic>
+      <p:cxnSp>
+        <p:nvCxnSpPr>
+          <p:cNvPr id="7" name="직선 화살표 연결선 6">
+            <a:extLst>
+              <a:ext uri="{FF2B5EF4-FFF2-40B4-BE49-F238E27FC236}">
+                <a16:creationId xmlns="" xmlns:a16="http://schemas.microsoft.com/office/drawing/2014/main" id="{299DF5EC-9DF4-5255-06AC-0A7CE4FF58C3}"/>
+              </a:ext>
+            </a:extLst>
+          </p:cNvPr>
+          <p:cNvCxnSpPr>
+            <a:cxnSpLocks/>
+            <a:endCxn id="9" idx="1"/>
+          </p:cNvCxnSpPr>
+          <p:nvPr/>
+        </p:nvCxnSpPr>
+        <p:spPr>
+          <a:xfrm flipV="1">
+            <a:off x="5102743" y="3189377"/>
+            <a:ext cx="2212457" cy="3325723"/>
+          </a:xfrm>
+          <a:prstGeom prst="straightConnector1">
+            <a:avLst/>
+          </a:prstGeom>
+          <a:ln w="38100">
+            <a:tailEnd type="triangle"/>
+          </a:ln>
+        </p:spPr>
+        <p:style>
+          <a:lnRef idx="1">
+            <a:schemeClr val="accent2"/>
+          </a:lnRef>
+          <a:fillRef idx="0">
+            <a:schemeClr val="accent2"/>
+          </a:fillRef>
+          <a:effectRef idx="0">
+            <a:schemeClr val="accent2"/>
+          </a:effectRef>
+          <a:fontRef idx="minor">
+            <a:schemeClr val="tx1"/>
+          </a:fontRef>
+        </p:style>
+      </p:cxnSp>
+      <p:sp>
+        <p:nvSpPr>
+          <p:cNvPr id="8" name="직사각형 7">
+            <a:extLst>
+              <a:ext uri="{FF2B5EF4-FFF2-40B4-BE49-F238E27FC236}">
+                <a16:creationId xmlns="" xmlns:a16="http://schemas.microsoft.com/office/drawing/2014/main" id="{FFF506F9-840A-0508-4CAF-3AC711D8D5CE}"/>
+              </a:ext>
+            </a:extLst>
+          </p:cNvPr>
+          <p:cNvSpPr/>
+          <p:nvPr/>
+        </p:nvSpPr>
+        <p:spPr>
+          <a:xfrm>
+            <a:off x="2511943" y="6385917"/>
+            <a:ext cx="2590800" cy="457200"/>
+          </a:xfrm>
+          <a:prstGeom prst="rect">
+            <a:avLst/>
+          </a:prstGeom>
+          <a:noFill/>
+          <a:ln>
+            <a:solidFill>
+              <a:srgbClr val="FF0000"/>
+            </a:solidFill>
+          </a:ln>
+        </p:spPr>
+        <p:style>
+          <a:lnRef idx="2">
+            <a:schemeClr val="accent2">
+              <a:shade val="50000"/>
+            </a:schemeClr>
+          </a:lnRef>
+          <a:fillRef idx="1">
+            <a:schemeClr val="accent2"/>
+          </a:fillRef>
+          <a:effectRef idx="0">
+            <a:schemeClr val="accent2"/>
+          </a:effectRef>
+          <a:fontRef idx="minor">
+            <a:schemeClr val="lt1"/>
+          </a:fontRef>
+        </p:style>
+        <p:txBody>
+          <a:bodyPr rtlCol="0" anchor="ctr"/>
+          <a:lstStyle/>
+          <a:p>
+            <a:pPr algn="ctr"/>
+            <a:endParaRPr lang="ko-KR" altLang="en-US"/>
+          </a:p>
+        </p:txBody>
+      </p:sp>
+      <p:sp>
+        <p:nvSpPr>
+          <p:cNvPr id="9" name="TextBox 8">
+            <a:extLst>
+              <a:ext uri="{FF2B5EF4-FFF2-40B4-BE49-F238E27FC236}">
+                <a16:creationId xmlns="" xmlns:a16="http://schemas.microsoft.com/office/drawing/2014/main" id="{C6D113C6-EA5C-788F-0C77-E7CE6EBB865F}"/>
+              </a:ext>
+            </a:extLst>
+          </p:cNvPr>
+          <p:cNvSpPr txBox="1"/>
+          <p:nvPr/>
+        </p:nvSpPr>
+        <p:spPr>
+          <a:xfrm>
+            <a:off x="7315200" y="2527657"/>
+            <a:ext cx="9220200" cy="1323439"/>
+          </a:xfrm>
+          <a:prstGeom prst="rect">
+            <a:avLst/>
+          </a:prstGeom>
+          <a:noFill/>
+        </p:spPr>
+        <p:txBody>
+          <a:bodyPr wrap="square" rtlCol="0">
+            <a:spAutoFit/>
+          </a:bodyPr>
+          <a:lstStyle/>
+          <a:p>
+            <a:r>
+              <a:rPr lang="ko-KR" altLang="en-US" sz="4000" smtClean="0">
+                <a:solidFill>
+                  <a:srgbClr val="FF0000"/>
+                </a:solidFill>
+                <a:latin typeface="G마켓 산스 Medium" panose="02000000000000000000" pitchFamily="50" charset="-127"/>
+                <a:ea typeface="G마켓 산스 Medium" panose="02000000000000000000" pitchFamily="50" charset="-127"/>
+              </a:rPr>
+              <a:t>넘겨준 인수 </a:t>
+            </a:r>
+            <a:r>
+              <a:rPr lang="en-US" altLang="ko-KR" sz="4000" smtClean="0">
+                <a:solidFill>
+                  <a:srgbClr val="FF0000"/>
+                </a:solidFill>
+                <a:latin typeface="G마켓 산스 Medium" panose="02000000000000000000" pitchFamily="50" charset="-127"/>
+                <a:ea typeface="G마켓 산스 Medium" panose="02000000000000000000" pitchFamily="50" charset="-127"/>
+              </a:rPr>
+              <a:t>x</a:t>
+            </a:r>
+            <a:r>
+              <a:rPr lang="ko-KR" altLang="en-US" sz="4000" smtClean="0">
+                <a:solidFill>
+                  <a:srgbClr val="FF0000"/>
+                </a:solidFill>
+                <a:latin typeface="G마켓 산스 Medium" panose="02000000000000000000" pitchFamily="50" charset="-127"/>
+                <a:ea typeface="G마켓 산스 Medium" panose="02000000000000000000" pitchFamily="50" charset="-127"/>
+              </a:rPr>
+              <a:t>와 지역변수 </a:t>
+            </a:r>
+            <a:r>
+              <a:rPr lang="en-US" altLang="ko-KR" sz="4000" smtClean="0">
+                <a:solidFill>
+                  <a:srgbClr val="FF0000"/>
+                </a:solidFill>
+                <a:latin typeface="G마켓 산스 Medium" panose="02000000000000000000" pitchFamily="50" charset="-127"/>
+                <a:ea typeface="G마켓 산스 Medium" panose="02000000000000000000" pitchFamily="50" charset="-127"/>
+              </a:rPr>
+              <a:t>localx</a:t>
+            </a:r>
+            <a:r>
+              <a:rPr lang="ko-KR" altLang="en-US" sz="4000" smtClean="0">
+                <a:solidFill>
+                  <a:srgbClr val="FF0000"/>
+                </a:solidFill>
+                <a:latin typeface="G마켓 산스 Medium" panose="02000000000000000000" pitchFamily="50" charset="-127"/>
+                <a:ea typeface="G마켓 산스 Medium" panose="02000000000000000000" pitchFamily="50" charset="-127"/>
+              </a:rPr>
+              <a:t>는 서로 다른 메모리영역이다</a:t>
+            </a:r>
+            <a:r>
+              <a:rPr lang="en-US" altLang="ko-KR" sz="4000" smtClean="0">
+                <a:solidFill>
+                  <a:srgbClr val="FF0000"/>
+                </a:solidFill>
+                <a:latin typeface="G마켓 산스 Medium" panose="02000000000000000000" pitchFamily="50" charset="-127"/>
+                <a:ea typeface="G마켓 산스 Medium" panose="02000000000000000000" pitchFamily="50" charset="-127"/>
+              </a:rPr>
+              <a:t>.</a:t>
+            </a:r>
+            <a:endParaRPr lang="en-US" altLang="ko-KR" sz="4000" dirty="0">
+              <a:solidFill>
+                <a:srgbClr val="FF0000"/>
+              </a:solidFill>
+              <a:latin typeface="G마켓 산스 Medium" panose="02000000000000000000" pitchFamily="50" charset="-127"/>
+              <a:ea typeface="G마켓 산스 Medium" panose="02000000000000000000" pitchFamily="50" charset="-127"/>
+            </a:endParaRPr>
+          </a:p>
+        </p:txBody>
+      </p:sp>
+      <p:pic>
+        <p:nvPicPr>
+          <p:cNvPr id="10" name="그림 9"/>
+          <p:cNvPicPr>
+            <a:picLocks noChangeAspect="1"/>
+          </p:cNvPicPr>
+          <p:nvPr/>
+        </p:nvPicPr>
+        <p:blipFill>
+          <a:blip r:embed="rId4"/>
+          <a:stretch>
+            <a:fillRect/>
+          </a:stretch>
+        </p:blipFill>
+        <p:spPr>
+          <a:xfrm>
+            <a:off x="11430000" y="190500"/>
+            <a:ext cx="1830705" cy="1780319"/>
+          </a:xfrm>
+          <a:prstGeom prst="rect">
+            <a:avLst/>
+          </a:prstGeom>
+        </p:spPr>
+      </p:pic>
+      <p:grpSp>
+        <p:nvGrpSpPr>
+          <p:cNvPr id="12" name="그룹 1018">
+            <a:extLst>
+              <a:ext uri="{FF2B5EF4-FFF2-40B4-BE49-F238E27FC236}">
+                <a16:creationId xmlns="" xmlns:a16="http://schemas.microsoft.com/office/drawing/2014/main" id="{0804D430-F42E-AE32-A065-FFA8C471F092}"/>
+              </a:ext>
+            </a:extLst>
+          </p:cNvPr>
+          <p:cNvGrpSpPr/>
+          <p:nvPr/>
+        </p:nvGrpSpPr>
+        <p:grpSpPr>
+          <a:xfrm>
+            <a:off x="7579178" y="7159095"/>
+            <a:ext cx="3393622" cy="1114286"/>
+            <a:chOff x="2803727" y="4828571"/>
+            <a:chExt cx="3393622" cy="1114286"/>
+          </a:xfrm>
+        </p:grpSpPr>
+        <p:pic>
+          <p:nvPicPr>
+            <p:cNvPr id="13" name="Object 61">
+              <a:extLst>
+                <a:ext uri="{FF2B5EF4-FFF2-40B4-BE49-F238E27FC236}">
+                  <a16:creationId xmlns="" xmlns:a16="http://schemas.microsoft.com/office/drawing/2014/main" id="{334A4C3A-641C-7CD9-8FEE-5EC92B28D640}"/>
+                </a:ext>
+              </a:extLst>
+            </p:cNvPr>
+            <p:cNvPicPr>
+              <a:picLocks noChangeAspect="1"/>
+            </p:cNvPicPr>
+            <p:nvPr/>
+          </p:nvPicPr>
+          <p:blipFill>
+            <a:blip r:embed="rId5" cstate="print"/>
+            <a:stretch>
+              <a:fillRect/>
+            </a:stretch>
+          </p:blipFill>
+          <p:spPr>
+            <a:xfrm>
+              <a:off x="2803727" y="4828571"/>
+              <a:ext cx="3393622" cy="1114286"/>
+            </a:xfrm>
+            <a:prstGeom prst="rect">
+              <a:avLst/>
+            </a:prstGeom>
+          </p:spPr>
+        </p:pic>
+      </p:grpSp>
+      <p:sp>
+        <p:nvSpPr>
+          <p:cNvPr id="14" name="TextBox 13">
+            <a:extLst>
+              <a:ext uri="{FF2B5EF4-FFF2-40B4-BE49-F238E27FC236}">
+                <a16:creationId xmlns="" xmlns:a16="http://schemas.microsoft.com/office/drawing/2014/main" id="{A2AD056B-97A4-5BCC-4460-250160F3E171}"/>
+              </a:ext>
+            </a:extLst>
+          </p:cNvPr>
+          <p:cNvSpPr txBox="1"/>
+          <p:nvPr/>
+        </p:nvSpPr>
+        <p:spPr>
+          <a:xfrm>
+            <a:off x="8503687" y="6438900"/>
+            <a:ext cx="1097513" cy="707886"/>
+          </a:xfrm>
+          <a:prstGeom prst="rect">
+            <a:avLst/>
+          </a:prstGeom>
+          <a:noFill/>
+        </p:spPr>
+        <p:txBody>
+          <a:bodyPr wrap="square" rtlCol="0">
+            <a:spAutoFit/>
+          </a:bodyPr>
+          <a:lstStyle/>
+          <a:p>
+            <a:r>
+              <a:rPr lang="en-US" altLang="ko-KR" sz="4000" smtClean="0">
+                <a:solidFill>
+                  <a:schemeClr val="tx1">
+                    <a:lumMod val="50000"/>
+                    <a:lumOff val="50000"/>
+                  </a:schemeClr>
+                </a:solidFill>
+                <a:latin typeface="G마켓 산스 Medium" panose="02000000000000000000" pitchFamily="50" charset="-127"/>
+                <a:ea typeface="G마켓 산스 Medium" panose="02000000000000000000" pitchFamily="50" charset="-127"/>
+              </a:rPr>
+              <a:t>pt</a:t>
+            </a:r>
+            <a:endParaRPr lang="en-US" altLang="ko-KR" sz="4000" dirty="0">
+              <a:solidFill>
+                <a:schemeClr val="tx1">
+                  <a:lumMod val="50000"/>
+                  <a:lumOff val="50000"/>
+                </a:schemeClr>
+              </a:solidFill>
+              <a:latin typeface="G마켓 산스 Medium" panose="02000000000000000000" pitchFamily="50" charset="-127"/>
+              <a:ea typeface="G마켓 산스 Medium" panose="02000000000000000000" pitchFamily="50" charset="-127"/>
+            </a:endParaRPr>
+          </a:p>
+        </p:txBody>
+      </p:sp>
+      <p:sp>
+        <p:nvSpPr>
+          <p:cNvPr id="15" name="TextBox 14">
+            <a:extLst>
+              <a:ext uri="{FF2B5EF4-FFF2-40B4-BE49-F238E27FC236}">
+                <a16:creationId xmlns="" xmlns:a16="http://schemas.microsoft.com/office/drawing/2014/main" id="{52176D31-35F7-8916-46FA-6095EFEC1E49}"/>
+              </a:ext>
+            </a:extLst>
+          </p:cNvPr>
+          <p:cNvSpPr txBox="1"/>
+          <p:nvPr/>
+        </p:nvSpPr>
+        <p:spPr>
+          <a:xfrm>
+            <a:off x="7985291" y="7353787"/>
+            <a:ext cx="2556531" cy="707886"/>
+          </a:xfrm>
+          <a:prstGeom prst="rect">
+            <a:avLst/>
+          </a:prstGeom>
+          <a:noFill/>
+        </p:spPr>
+        <p:txBody>
+          <a:bodyPr wrap="square" rtlCol="0">
+            <a:spAutoFit/>
+          </a:bodyPr>
+          <a:lstStyle/>
+          <a:p>
+            <a:r>
+              <a:rPr lang="en-US" altLang="ko-KR" sz="4000" dirty="0">
+                <a:solidFill>
+                  <a:schemeClr val="tx1">
+                    <a:lumMod val="50000"/>
+                    <a:lumOff val="50000"/>
+                  </a:schemeClr>
+                </a:solidFill>
+                <a:latin typeface="G마켓 산스 Medium" panose="02000000000000000000" pitchFamily="50" charset="-127"/>
+                <a:ea typeface="G마켓 산스 Medium" panose="02000000000000000000" pitchFamily="50" charset="-127"/>
+              </a:rPr>
+              <a:t>0x000A</a:t>
+            </a:r>
+          </a:p>
+        </p:txBody>
+      </p:sp>
+      <p:pic>
+        <p:nvPicPr>
+          <p:cNvPr id="17" name="그림 16"/>
+          <p:cNvPicPr>
+            <a:picLocks noChangeAspect="1"/>
+          </p:cNvPicPr>
+          <p:nvPr/>
+        </p:nvPicPr>
+        <p:blipFill>
+          <a:blip r:embed="rId6"/>
+          <a:stretch>
+            <a:fillRect/>
+          </a:stretch>
+        </p:blipFill>
+        <p:spPr>
+          <a:xfrm>
+            <a:off x="6948376" y="4076700"/>
+            <a:ext cx="3913148" cy="2367385"/>
+          </a:xfrm>
+          <a:prstGeom prst="rect">
+            <a:avLst/>
+          </a:prstGeom>
+        </p:spPr>
+      </p:pic>
+      <p:pic>
+        <p:nvPicPr>
+          <p:cNvPr id="18" name="그림 17"/>
+          <p:cNvPicPr>
+            <a:picLocks noChangeAspect="1"/>
+          </p:cNvPicPr>
+          <p:nvPr/>
+        </p:nvPicPr>
+        <p:blipFill>
+          <a:blip r:embed="rId7"/>
+          <a:stretch>
+            <a:fillRect/>
+          </a:stretch>
+        </p:blipFill>
+        <p:spPr>
+          <a:xfrm>
+            <a:off x="11588334" y="4229100"/>
+            <a:ext cx="1975266" cy="1747351"/>
+          </a:xfrm>
+          <a:prstGeom prst="rect">
+            <a:avLst/>
+          </a:prstGeom>
+        </p:spPr>
+      </p:pic>
+      <p:graphicFrame>
+        <p:nvGraphicFramePr>
+          <p:cNvPr id="19" name="표 18"/>
+          <p:cNvGraphicFramePr>
+            <a:graphicFrameLocks noGrp="1"/>
+          </p:cNvGraphicFramePr>
+          <p:nvPr>
+            <p:extLst>
+              <p:ext uri="{D42A27DB-BD31-4B8C-83A1-F6EECF244321}">
+                <p14:modId xmlns:p14="http://schemas.microsoft.com/office/powerpoint/2010/main" val="29141702"/>
+              </p:ext>
+            </p:extLst>
+          </p:nvPr>
+        </p:nvGraphicFramePr>
+        <p:xfrm>
+          <a:off x="14020800" y="6709791"/>
+          <a:ext cx="3429000" cy="2558145"/>
+        </p:xfrm>
+        <a:graphic>
+          <a:graphicData uri="http://schemas.openxmlformats.org/drawingml/2006/table">
+            <a:tbl>
+              <a:tblPr firstRow="1" bandRow="1">
+                <a:tableStyleId>{5C22544A-7EE6-4342-B048-85BDC9FD1C3A}</a:tableStyleId>
+              </a:tblPr>
+              <a:tblGrid>
+                <a:gridCol w="1295400"/>
+                <a:gridCol w="2133600"/>
+              </a:tblGrid>
+              <a:tr h="511629">
+                <a:tc>
+                  <a:txBody>
+                    <a:bodyPr/>
+                    <a:lstStyle/>
+                    <a:p>
+                      <a:pPr latinLnBrk="1"/>
+                      <a:r>
+                        <a:rPr lang="ko-KR" altLang="en-US" dirty="0">
+                          <a:solidFill>
+                            <a:schemeClr val="tx1">
+                              <a:lumMod val="65000"/>
+                              <a:lumOff val="35000"/>
+                            </a:schemeClr>
+                          </a:solidFill>
+                        </a:rPr>
+                        <a:t>메모리주소</a:t>
+                      </a:r>
+                    </a:p>
+                  </a:txBody>
+                  <a:tcPr>
+                    <a:lnL w="12700" cap="flat" cmpd="sng" algn="ctr">
+                      <a:solidFill>
+                        <a:schemeClr val="tx1"/>
+                      </a:solidFill>
+                      <a:prstDash val="solid"/>
+                      <a:round/>
+                      <a:headEnd type="none" w="med" len="med"/>
+                      <a:tailEnd type="none" w="med" len="med"/>
+                    </a:lnL>
+                    <a:lnR w="12700" cap="flat" cmpd="sng" algn="ctr">
+                      <a:solidFill>
+                        <a:schemeClr val="tx1"/>
+                      </a:solidFill>
+                      <a:prstDash val="solid"/>
+                      <a:round/>
+                      <a:headEnd type="none" w="med" len="med"/>
+                      <a:tailEnd type="none" w="med" len="med"/>
+                    </a:lnR>
+                    <a:lnT w="12700" cap="flat" cmpd="sng" algn="ctr">
+                      <a:solidFill>
+                        <a:schemeClr val="tx1"/>
+                      </a:solidFill>
+                      <a:prstDash val="solid"/>
+                      <a:round/>
+                      <a:headEnd type="none" w="med" len="med"/>
+                      <a:tailEnd type="none" w="med" len="med"/>
+                    </a:lnT>
+                    <a:lnB w="12700" cap="flat" cmpd="sng" algn="ctr">
+                      <a:solidFill>
+                        <a:schemeClr val="tx1"/>
+                      </a:solidFill>
+                      <a:prstDash val="solid"/>
+                      <a:round/>
+                      <a:headEnd type="none" w="med" len="med"/>
+                      <a:tailEnd type="none" w="med" len="med"/>
+                    </a:lnB>
+                    <a:noFill/>
+                  </a:tcPr>
+                </a:tc>
+                <a:tc>
+                  <a:txBody>
+                    <a:bodyPr/>
+                    <a:lstStyle/>
+                    <a:p>
+                      <a:pPr latinLnBrk="1"/>
+                      <a:r>
+                        <a:rPr lang="ko-KR" altLang="en-US" dirty="0">
+                          <a:solidFill>
+                            <a:schemeClr val="tx1">
+                              <a:lumMod val="65000"/>
+                              <a:lumOff val="35000"/>
+                            </a:schemeClr>
+                          </a:solidFill>
+                        </a:rPr>
+                        <a:t>값</a:t>
+                      </a:r>
+                    </a:p>
+                  </a:txBody>
+                  <a:tcPr>
+                    <a:lnL w="12700" cap="flat" cmpd="sng" algn="ctr">
+                      <a:solidFill>
+                        <a:schemeClr val="tx1"/>
+                      </a:solidFill>
+                      <a:prstDash val="solid"/>
+                      <a:round/>
+                      <a:headEnd type="none" w="med" len="med"/>
+                      <a:tailEnd type="none" w="med" len="med"/>
+                    </a:lnL>
+                    <a:lnR w="12700" cap="flat" cmpd="sng" algn="ctr">
+                      <a:solidFill>
+                        <a:schemeClr val="tx1"/>
+                      </a:solidFill>
+                      <a:prstDash val="solid"/>
+                      <a:round/>
+                      <a:headEnd type="none" w="med" len="med"/>
+                      <a:tailEnd type="none" w="med" len="med"/>
+                    </a:lnR>
+                    <a:lnT w="12700" cap="flat" cmpd="sng" algn="ctr">
+                      <a:solidFill>
+                        <a:schemeClr val="tx1"/>
+                      </a:solidFill>
+                      <a:prstDash val="solid"/>
+                      <a:round/>
+                      <a:headEnd type="none" w="med" len="med"/>
+                      <a:tailEnd type="none" w="med" len="med"/>
+                    </a:lnT>
+                    <a:lnB w="12700" cap="flat" cmpd="sng" algn="ctr">
+                      <a:solidFill>
+                        <a:schemeClr val="tx1"/>
+                      </a:solidFill>
+                      <a:prstDash val="solid"/>
+                      <a:round/>
+                      <a:headEnd type="none" w="med" len="med"/>
+                      <a:tailEnd type="none" w="med" len="med"/>
+                    </a:lnB>
+                    <a:noFill/>
+                  </a:tcPr>
+                </a:tc>
+              </a:tr>
+              <a:tr h="511629">
+                <a:tc>
+                  <a:txBody>
+                    <a:bodyPr/>
+                    <a:lstStyle/>
+                    <a:p>
+                      <a:pPr latinLnBrk="1"/>
+                      <a:r>
+                        <a:rPr lang="en-US" altLang="ko-KR" dirty="0"/>
+                        <a:t>0x000A</a:t>
+                      </a:r>
+                      <a:endParaRPr lang="ko-KR" altLang="en-US" dirty="0"/>
+                    </a:p>
+                  </a:txBody>
+                  <a:tcPr>
+                    <a:lnL w="12700" cap="flat" cmpd="sng" algn="ctr">
+                      <a:solidFill>
+                        <a:schemeClr val="tx1"/>
+                      </a:solidFill>
+                      <a:prstDash val="solid"/>
+                      <a:round/>
+                      <a:headEnd type="none" w="med" len="med"/>
+                      <a:tailEnd type="none" w="med" len="med"/>
+                    </a:lnL>
+                    <a:lnR w="12700" cap="flat" cmpd="sng" algn="ctr">
+                      <a:solidFill>
+                        <a:schemeClr val="tx1"/>
+                      </a:solidFill>
+                      <a:prstDash val="solid"/>
+                      <a:round/>
+                      <a:headEnd type="none" w="med" len="med"/>
+                      <a:tailEnd type="none" w="med" len="med"/>
+                    </a:lnR>
+                    <a:lnT w="12700" cap="flat" cmpd="sng" algn="ctr">
+                      <a:solidFill>
+                        <a:schemeClr val="tx1"/>
+                      </a:solidFill>
+                      <a:prstDash val="solid"/>
+                      <a:round/>
+                      <a:headEnd type="none" w="med" len="med"/>
+                      <a:tailEnd type="none" w="med" len="med"/>
+                    </a:lnT>
+                    <a:lnB w="12700" cap="flat" cmpd="sng" algn="ctr">
+                      <a:solidFill>
+                        <a:schemeClr val="tx1"/>
+                      </a:solidFill>
+                      <a:prstDash val="solid"/>
+                      <a:round/>
+                      <a:headEnd type="none" w="med" len="med"/>
+                      <a:tailEnd type="none" w="med" len="med"/>
+                    </a:lnB>
+                    <a:noFill/>
+                  </a:tcPr>
+                </a:tc>
+                <a:tc>
+                  <a:txBody>
+                    <a:bodyPr/>
+                    <a:lstStyle/>
+                    <a:p>
+                      <a:pPr marL="0" marR="0" lvl="0" indent="0" algn="l" defTabSz="914400" rtl="0" eaLnBrk="1" fontAlgn="auto" latinLnBrk="1" hangingPunct="1">
+                        <a:lnSpc>
+                          <a:spcPct val="100000"/>
+                        </a:lnSpc>
+                        <a:spcBef>
+                          <a:spcPts val="0"/>
+                        </a:spcBef>
+                        <a:spcAft>
+                          <a:spcPts val="0"/>
+                        </a:spcAft>
+                        <a:buClrTx/>
+                        <a:buSzTx/>
+                        <a:buFontTx/>
+                        <a:buNone/>
+                        <a:tabLst/>
+                        <a:defRPr/>
+                      </a:pPr>
+                      <a:r>
+                        <a:rPr lang="en-US" altLang="ko-KR" smtClean="0"/>
+                        <a:t>x </a:t>
+                      </a:r>
+                      <a:r>
+                        <a:rPr lang="ko-KR" altLang="en-US" smtClean="0"/>
+                        <a:t>값 </a:t>
+                      </a:r>
+                      <a:endParaRPr lang="ko-KR" altLang="en-US" dirty="0"/>
+                    </a:p>
+                  </a:txBody>
+                  <a:tcPr>
+                    <a:lnL w="12700" cap="flat" cmpd="sng" algn="ctr">
+                      <a:solidFill>
+                        <a:schemeClr val="tx1"/>
+                      </a:solidFill>
+                      <a:prstDash val="solid"/>
+                      <a:round/>
+                      <a:headEnd type="none" w="med" len="med"/>
+                      <a:tailEnd type="none" w="med" len="med"/>
+                    </a:lnL>
+                    <a:lnR w="12700" cap="flat" cmpd="sng" algn="ctr">
+                      <a:solidFill>
+                        <a:schemeClr val="tx1"/>
+                      </a:solidFill>
+                      <a:prstDash val="solid"/>
+                      <a:round/>
+                      <a:headEnd type="none" w="med" len="med"/>
+                      <a:tailEnd type="none" w="med" len="med"/>
+                    </a:lnR>
+                    <a:lnT w="12700" cap="flat" cmpd="sng" algn="ctr">
+                      <a:solidFill>
+                        <a:schemeClr val="tx1"/>
+                      </a:solidFill>
+                      <a:prstDash val="solid"/>
+                      <a:round/>
+                      <a:headEnd type="none" w="med" len="med"/>
+                      <a:tailEnd type="none" w="med" len="med"/>
+                    </a:lnT>
+                    <a:lnB w="12700" cap="flat" cmpd="sng" algn="ctr">
+                      <a:solidFill>
+                        <a:schemeClr val="tx1"/>
+                      </a:solidFill>
+                      <a:prstDash val="solid"/>
+                      <a:round/>
+                      <a:headEnd type="none" w="med" len="med"/>
+                      <a:tailEnd type="none" w="med" len="med"/>
+                    </a:lnB>
+                    <a:noFill/>
+                  </a:tcPr>
+                </a:tc>
+              </a:tr>
+              <a:tr h="511629">
+                <a:tc>
+                  <a:txBody>
+                    <a:bodyPr/>
+                    <a:lstStyle/>
+                    <a:p>
+                      <a:pPr latinLnBrk="1"/>
+                      <a:r>
+                        <a:rPr lang="en-US" altLang="ko-KR" dirty="0"/>
+                        <a:t>0x000B</a:t>
+                      </a:r>
+                      <a:endParaRPr lang="ko-KR" altLang="en-US" dirty="0"/>
+                    </a:p>
+                  </a:txBody>
+                  <a:tcPr>
+                    <a:lnL w="12700" cap="flat" cmpd="sng" algn="ctr">
+                      <a:solidFill>
+                        <a:schemeClr val="tx1"/>
+                      </a:solidFill>
+                      <a:prstDash val="solid"/>
+                      <a:round/>
+                      <a:headEnd type="none" w="med" len="med"/>
+                      <a:tailEnd type="none" w="med" len="med"/>
+                    </a:lnL>
+                    <a:lnR w="12700" cap="flat" cmpd="sng" algn="ctr">
+                      <a:solidFill>
+                        <a:schemeClr val="tx1"/>
+                      </a:solidFill>
+                      <a:prstDash val="solid"/>
+                      <a:round/>
+                      <a:headEnd type="none" w="med" len="med"/>
+                      <a:tailEnd type="none" w="med" len="med"/>
+                    </a:lnR>
+                    <a:lnT w="12700" cap="flat" cmpd="sng" algn="ctr">
+                      <a:solidFill>
+                        <a:schemeClr val="tx1"/>
+                      </a:solidFill>
+                      <a:prstDash val="solid"/>
+                      <a:round/>
+                      <a:headEnd type="none" w="med" len="med"/>
+                      <a:tailEnd type="none" w="med" len="med"/>
+                    </a:lnT>
+                    <a:lnB w="12700" cap="flat" cmpd="sng" algn="ctr">
+                      <a:solidFill>
+                        <a:schemeClr val="tx1"/>
+                      </a:solidFill>
+                      <a:prstDash val="solid"/>
+                      <a:round/>
+                      <a:headEnd type="none" w="med" len="med"/>
+                      <a:tailEnd type="none" w="med" len="med"/>
+                    </a:lnB>
+                    <a:noFill/>
+                  </a:tcPr>
+                </a:tc>
+                <a:tc>
+                  <a:txBody>
+                    <a:bodyPr/>
+                    <a:lstStyle/>
+                    <a:p>
+                      <a:pPr latinLnBrk="1"/>
+                      <a:r>
+                        <a:rPr lang="en-US" altLang="ko-KR" smtClean="0"/>
+                        <a:t>y</a:t>
+                      </a:r>
+                      <a:r>
+                        <a:rPr lang="ko-KR" altLang="en-US" smtClean="0"/>
+                        <a:t>값</a:t>
+                      </a:r>
+                      <a:endParaRPr lang="ko-KR" altLang="en-US" dirty="0"/>
+                    </a:p>
+                  </a:txBody>
+                  <a:tcPr>
+                    <a:lnL w="12700" cap="flat" cmpd="sng" algn="ctr">
+                      <a:solidFill>
+                        <a:schemeClr val="tx1"/>
+                      </a:solidFill>
+                      <a:prstDash val="solid"/>
+                      <a:round/>
+                      <a:headEnd type="none" w="med" len="med"/>
+                      <a:tailEnd type="none" w="med" len="med"/>
+                    </a:lnL>
+                    <a:lnR w="12700" cap="flat" cmpd="sng" algn="ctr">
+                      <a:solidFill>
+                        <a:schemeClr val="tx1"/>
+                      </a:solidFill>
+                      <a:prstDash val="solid"/>
+                      <a:round/>
+                      <a:headEnd type="none" w="med" len="med"/>
+                      <a:tailEnd type="none" w="med" len="med"/>
+                    </a:lnR>
+                    <a:lnT w="12700" cap="flat" cmpd="sng" algn="ctr">
+                      <a:solidFill>
+                        <a:schemeClr val="tx1"/>
+                      </a:solidFill>
+                      <a:prstDash val="solid"/>
+                      <a:round/>
+                      <a:headEnd type="none" w="med" len="med"/>
+                      <a:tailEnd type="none" w="med" len="med"/>
+                    </a:lnT>
+                    <a:lnB w="12700" cap="flat" cmpd="sng" algn="ctr">
+                      <a:solidFill>
+                        <a:schemeClr val="tx1"/>
+                      </a:solidFill>
+                      <a:prstDash val="solid"/>
+                      <a:round/>
+                      <a:headEnd type="none" w="med" len="med"/>
+                      <a:tailEnd type="none" w="med" len="med"/>
+                    </a:lnB>
+                    <a:noFill/>
+                  </a:tcPr>
+                </a:tc>
+              </a:tr>
+              <a:tr h="511629">
+                <a:tc>
+                  <a:txBody>
+                    <a:bodyPr/>
+                    <a:lstStyle/>
+                    <a:p>
+                      <a:pPr latinLnBrk="1"/>
+                      <a:r>
+                        <a:rPr lang="en-US" altLang="ko-KR" dirty="0"/>
+                        <a:t>0x000C</a:t>
+                      </a:r>
+                      <a:endParaRPr lang="ko-KR" altLang="en-US" dirty="0"/>
+                    </a:p>
+                  </a:txBody>
+                  <a:tcPr>
+                    <a:lnL w="12700" cap="flat" cmpd="sng" algn="ctr">
+                      <a:solidFill>
+                        <a:schemeClr val="tx1"/>
+                      </a:solidFill>
+                      <a:prstDash val="solid"/>
+                      <a:round/>
+                      <a:headEnd type="none" w="med" len="med"/>
+                      <a:tailEnd type="none" w="med" len="med"/>
+                    </a:lnL>
+                    <a:lnR w="12700" cap="flat" cmpd="sng" algn="ctr">
+                      <a:solidFill>
+                        <a:schemeClr val="tx1"/>
+                      </a:solidFill>
+                      <a:prstDash val="solid"/>
+                      <a:round/>
+                      <a:headEnd type="none" w="med" len="med"/>
+                      <a:tailEnd type="none" w="med" len="med"/>
+                    </a:lnR>
+                    <a:lnT w="12700" cap="flat" cmpd="sng" algn="ctr">
+                      <a:solidFill>
+                        <a:schemeClr val="tx1"/>
+                      </a:solidFill>
+                      <a:prstDash val="solid"/>
+                      <a:round/>
+                      <a:headEnd type="none" w="med" len="med"/>
+                      <a:tailEnd type="none" w="med" len="med"/>
+                    </a:lnT>
+                    <a:lnB w="12700" cap="flat" cmpd="sng" algn="ctr">
+                      <a:solidFill>
+                        <a:schemeClr val="tx1"/>
+                      </a:solidFill>
+                      <a:prstDash val="solid"/>
+                      <a:round/>
+                      <a:headEnd type="none" w="med" len="med"/>
+                      <a:tailEnd type="none" w="med" len="med"/>
+                    </a:lnB>
+                    <a:noFill/>
+                  </a:tcPr>
+                </a:tc>
+                <a:tc>
+                  <a:txBody>
+                    <a:bodyPr/>
+                    <a:lstStyle/>
+                    <a:p>
+                      <a:pPr latinLnBrk="1"/>
+                      <a:endParaRPr lang="ko-KR" altLang="en-US" dirty="0"/>
+                    </a:p>
+                  </a:txBody>
+                  <a:tcPr>
+                    <a:lnL w="12700" cap="flat" cmpd="sng" algn="ctr">
+                      <a:solidFill>
+                        <a:schemeClr val="tx1"/>
+                      </a:solidFill>
+                      <a:prstDash val="solid"/>
+                      <a:round/>
+                      <a:headEnd type="none" w="med" len="med"/>
+                      <a:tailEnd type="none" w="med" len="med"/>
+                    </a:lnL>
+                    <a:lnR w="12700" cap="flat" cmpd="sng" algn="ctr">
+                      <a:solidFill>
+                        <a:schemeClr val="tx1"/>
+                      </a:solidFill>
+                      <a:prstDash val="solid"/>
+                      <a:round/>
+                      <a:headEnd type="none" w="med" len="med"/>
+                      <a:tailEnd type="none" w="med" len="med"/>
+                    </a:lnR>
+                    <a:lnT w="12700" cap="flat" cmpd="sng" algn="ctr">
+                      <a:solidFill>
+                        <a:schemeClr val="tx1"/>
+                      </a:solidFill>
+                      <a:prstDash val="solid"/>
+                      <a:round/>
+                      <a:headEnd type="none" w="med" len="med"/>
+                      <a:tailEnd type="none" w="med" len="med"/>
+                    </a:lnT>
+                    <a:lnB w="12700" cap="flat" cmpd="sng" algn="ctr">
+                      <a:solidFill>
+                        <a:schemeClr val="tx1"/>
+                      </a:solidFill>
+                      <a:prstDash val="solid"/>
+                      <a:round/>
+                      <a:headEnd type="none" w="med" len="med"/>
+                      <a:tailEnd type="none" w="med" len="med"/>
+                    </a:lnB>
+                    <a:noFill/>
+                  </a:tcPr>
+                </a:tc>
+              </a:tr>
+              <a:tr h="511629">
+                <a:tc>
+                  <a:txBody>
+                    <a:bodyPr/>
+                    <a:lstStyle/>
+                    <a:p>
+                      <a:pPr latinLnBrk="1"/>
+                      <a:r>
+                        <a:rPr lang="en-US" altLang="ko-KR" dirty="0"/>
+                        <a:t>0x000D</a:t>
+                      </a:r>
+                      <a:endParaRPr lang="ko-KR" altLang="en-US" dirty="0"/>
+                    </a:p>
+                  </a:txBody>
+                  <a:tcPr>
+                    <a:lnL w="12700" cap="flat" cmpd="sng" algn="ctr">
+                      <a:solidFill>
+                        <a:schemeClr val="tx1"/>
+                      </a:solidFill>
+                      <a:prstDash val="solid"/>
+                      <a:round/>
+                      <a:headEnd type="none" w="med" len="med"/>
+                      <a:tailEnd type="none" w="med" len="med"/>
+                    </a:lnL>
+                    <a:lnR w="12700" cap="flat" cmpd="sng" algn="ctr">
+                      <a:solidFill>
+                        <a:schemeClr val="tx1"/>
+                      </a:solidFill>
+                      <a:prstDash val="solid"/>
+                      <a:round/>
+                      <a:headEnd type="none" w="med" len="med"/>
+                      <a:tailEnd type="none" w="med" len="med"/>
+                    </a:lnR>
+                    <a:lnT w="12700" cap="flat" cmpd="sng" algn="ctr">
+                      <a:solidFill>
+                        <a:schemeClr val="tx1"/>
+                      </a:solidFill>
+                      <a:prstDash val="solid"/>
+                      <a:round/>
+                      <a:headEnd type="none" w="med" len="med"/>
+                      <a:tailEnd type="none" w="med" len="med"/>
+                    </a:lnT>
+                    <a:lnB w="12700" cap="flat" cmpd="sng" algn="ctr">
+                      <a:solidFill>
+                        <a:schemeClr val="tx1"/>
+                      </a:solidFill>
+                      <a:prstDash val="solid"/>
+                      <a:round/>
+                      <a:headEnd type="none" w="med" len="med"/>
+                      <a:tailEnd type="none" w="med" len="med"/>
+                    </a:lnB>
+                    <a:noFill/>
+                  </a:tcPr>
+                </a:tc>
+                <a:tc>
+                  <a:txBody>
+                    <a:bodyPr/>
+                    <a:lstStyle/>
+                    <a:p>
+                      <a:pPr latinLnBrk="1"/>
+                      <a:endParaRPr lang="ko-KR" altLang="en-US" dirty="0"/>
+                    </a:p>
+                  </a:txBody>
+                  <a:tcPr>
+                    <a:lnL w="12700" cap="flat" cmpd="sng" algn="ctr">
+                      <a:solidFill>
+                        <a:schemeClr val="tx1"/>
+                      </a:solidFill>
+                      <a:prstDash val="solid"/>
+                      <a:round/>
+                      <a:headEnd type="none" w="med" len="med"/>
+                      <a:tailEnd type="none" w="med" len="med"/>
+                    </a:lnL>
+                    <a:lnR w="12700" cap="flat" cmpd="sng" algn="ctr">
+                      <a:solidFill>
+                        <a:schemeClr val="tx1"/>
+                      </a:solidFill>
+                      <a:prstDash val="solid"/>
+                      <a:round/>
+                      <a:headEnd type="none" w="med" len="med"/>
+                      <a:tailEnd type="none" w="med" len="med"/>
+                    </a:lnR>
+                    <a:lnT w="12700" cap="flat" cmpd="sng" algn="ctr">
+                      <a:solidFill>
+                        <a:schemeClr val="tx1"/>
+                      </a:solidFill>
+                      <a:prstDash val="solid"/>
+                      <a:round/>
+                      <a:headEnd type="none" w="med" len="med"/>
+                      <a:tailEnd type="none" w="med" len="med"/>
+                    </a:lnT>
+                    <a:lnB w="12700" cap="flat" cmpd="sng" algn="ctr">
+                      <a:solidFill>
+                        <a:schemeClr val="tx1"/>
+                      </a:solidFill>
+                      <a:prstDash val="solid"/>
+                      <a:round/>
+                      <a:headEnd type="none" w="med" len="med"/>
+                      <a:tailEnd type="none" w="med" len="med"/>
+                    </a:lnB>
+                    <a:noFill/>
+                  </a:tcPr>
+                </a:tc>
+              </a:tr>
+            </a:tbl>
+          </a:graphicData>
+        </a:graphic>
+      </p:graphicFrame>
+      <p:grpSp>
+        <p:nvGrpSpPr>
+          <p:cNvPr id="20" name="그룹 1018">
+            <a:extLst>
+              <a:ext uri="{FF2B5EF4-FFF2-40B4-BE49-F238E27FC236}">
+                <a16:creationId xmlns="" xmlns:a16="http://schemas.microsoft.com/office/drawing/2014/main" id="{0804D430-F42E-AE32-A065-FFA8C471F092}"/>
+              </a:ext>
+            </a:extLst>
+          </p:cNvPr>
+          <p:cNvGrpSpPr/>
+          <p:nvPr/>
+        </p:nvGrpSpPr>
+        <p:grpSpPr>
+          <a:xfrm>
+            <a:off x="7696200" y="8982214"/>
+            <a:ext cx="3393622" cy="1114286"/>
+            <a:chOff x="2803727" y="4828571"/>
+            <a:chExt cx="3393622" cy="1114286"/>
+          </a:xfrm>
+        </p:grpSpPr>
+        <p:pic>
+          <p:nvPicPr>
+            <p:cNvPr id="21" name="Object 61">
+              <a:extLst>
+                <a:ext uri="{FF2B5EF4-FFF2-40B4-BE49-F238E27FC236}">
+                  <a16:creationId xmlns="" xmlns:a16="http://schemas.microsoft.com/office/drawing/2014/main" id="{334A4C3A-641C-7CD9-8FEE-5EC92B28D640}"/>
+                </a:ext>
+              </a:extLst>
+            </p:cNvPr>
+            <p:cNvPicPr>
+              <a:picLocks noChangeAspect="1"/>
+            </p:cNvPicPr>
+            <p:nvPr/>
+          </p:nvPicPr>
+          <p:blipFill>
+            <a:blip r:embed="rId5" cstate="print"/>
+            <a:stretch>
+              <a:fillRect/>
+            </a:stretch>
+          </p:blipFill>
+          <p:spPr>
+            <a:xfrm>
+              <a:off x="2803727" y="4828571"/>
+              <a:ext cx="3393622" cy="1114286"/>
+            </a:xfrm>
+            <a:prstGeom prst="rect">
+              <a:avLst/>
+            </a:prstGeom>
+          </p:spPr>
+        </p:pic>
+      </p:grpSp>
+      <p:sp>
+        <p:nvSpPr>
+          <p:cNvPr id="22" name="TextBox 21">
+            <a:extLst>
+              <a:ext uri="{FF2B5EF4-FFF2-40B4-BE49-F238E27FC236}">
+                <a16:creationId xmlns="" xmlns:a16="http://schemas.microsoft.com/office/drawing/2014/main" id="{A2AD056B-97A4-5BCC-4460-250160F3E171}"/>
+              </a:ext>
+            </a:extLst>
+          </p:cNvPr>
+          <p:cNvSpPr txBox="1"/>
+          <p:nvPr/>
+        </p:nvSpPr>
+        <p:spPr>
+          <a:xfrm>
+            <a:off x="8153400" y="8262019"/>
+            <a:ext cx="3190291" cy="707886"/>
+          </a:xfrm>
+          <a:prstGeom prst="rect">
+            <a:avLst/>
+          </a:prstGeom>
+          <a:noFill/>
+        </p:spPr>
+        <p:txBody>
+          <a:bodyPr wrap="square" rtlCol="0">
+            <a:spAutoFit/>
+          </a:bodyPr>
+          <a:lstStyle/>
+          <a:p>
+            <a:r>
+              <a:rPr lang="en-US" altLang="ko-KR" sz="4000" smtClean="0">
+                <a:solidFill>
+                  <a:schemeClr val="tx1">
+                    <a:lumMod val="50000"/>
+                    <a:lumOff val="50000"/>
+                  </a:schemeClr>
+                </a:solidFill>
+                <a:latin typeface="G마켓 산스 Medium" panose="02000000000000000000" pitchFamily="50" charset="-127"/>
+                <a:ea typeface="G마켓 산스 Medium" panose="02000000000000000000" pitchFamily="50" charset="-127"/>
+              </a:rPr>
+              <a:t>localPt</a:t>
+            </a:r>
+            <a:endParaRPr lang="en-US" altLang="ko-KR" sz="4000" dirty="0">
+              <a:solidFill>
+                <a:schemeClr val="tx1">
+                  <a:lumMod val="50000"/>
+                  <a:lumOff val="50000"/>
+                </a:schemeClr>
+              </a:solidFill>
+              <a:latin typeface="G마켓 산스 Medium" panose="02000000000000000000" pitchFamily="50" charset="-127"/>
+              <a:ea typeface="G마켓 산스 Medium" panose="02000000000000000000" pitchFamily="50" charset="-127"/>
+            </a:endParaRPr>
+          </a:p>
+        </p:txBody>
+      </p:sp>
+      <p:sp>
+        <p:nvSpPr>
+          <p:cNvPr id="23" name="TextBox 22">
+            <a:extLst>
+              <a:ext uri="{FF2B5EF4-FFF2-40B4-BE49-F238E27FC236}">
+                <a16:creationId xmlns="" xmlns:a16="http://schemas.microsoft.com/office/drawing/2014/main" id="{52176D31-35F7-8916-46FA-6095EFEC1E49}"/>
+              </a:ext>
+            </a:extLst>
+          </p:cNvPr>
+          <p:cNvSpPr txBox="1"/>
+          <p:nvPr/>
+        </p:nvSpPr>
+        <p:spPr>
+          <a:xfrm>
+            <a:off x="8102313" y="9176906"/>
+            <a:ext cx="2556531" cy="707886"/>
+          </a:xfrm>
+          <a:prstGeom prst="rect">
+            <a:avLst/>
+          </a:prstGeom>
+          <a:noFill/>
+        </p:spPr>
+        <p:txBody>
+          <a:bodyPr wrap="square" rtlCol="0">
+            <a:spAutoFit/>
+          </a:bodyPr>
+          <a:lstStyle/>
+          <a:p>
+            <a:r>
+              <a:rPr lang="en-US" altLang="ko-KR" sz="4000" dirty="0">
+                <a:solidFill>
+                  <a:schemeClr val="tx1">
+                    <a:lumMod val="50000"/>
+                    <a:lumOff val="50000"/>
+                  </a:schemeClr>
+                </a:solidFill>
+                <a:latin typeface="G마켓 산스 Medium" panose="02000000000000000000" pitchFamily="50" charset="-127"/>
+                <a:ea typeface="G마켓 산스 Medium" panose="02000000000000000000" pitchFamily="50" charset="-127"/>
+              </a:rPr>
+              <a:t>0x000A</a:t>
+            </a:r>
+          </a:p>
+        </p:txBody>
+      </p:sp>
+      <p:cxnSp>
+        <p:nvCxnSpPr>
+          <p:cNvPr id="25" name="직선 화살표 연결선 24">
+            <a:extLst>
+              <a:ext uri="{FF2B5EF4-FFF2-40B4-BE49-F238E27FC236}">
+                <a16:creationId xmlns="" xmlns:a16="http://schemas.microsoft.com/office/drawing/2014/main" id="{299DF5EC-9DF4-5255-06AC-0A7CE4FF58C3}"/>
+              </a:ext>
+            </a:extLst>
+          </p:cNvPr>
+          <p:cNvCxnSpPr>
+            <a:cxnSpLocks/>
+          </p:cNvCxnSpPr>
+          <p:nvPr/>
+        </p:nvCxnSpPr>
+        <p:spPr>
+          <a:xfrm flipV="1">
+            <a:off x="10082061" y="7547009"/>
+            <a:ext cx="4208349" cy="160722"/>
+          </a:xfrm>
+          <a:prstGeom prst="straightConnector1">
+            <a:avLst/>
+          </a:prstGeom>
+          <a:ln w="38100">
+            <a:tailEnd type="triangle"/>
+          </a:ln>
+        </p:spPr>
+        <p:style>
+          <a:lnRef idx="1">
+            <a:schemeClr val="accent2"/>
+          </a:lnRef>
+          <a:fillRef idx="0">
+            <a:schemeClr val="accent2"/>
+          </a:fillRef>
+          <a:effectRef idx="0">
+            <a:schemeClr val="accent2"/>
+          </a:effectRef>
+          <a:fontRef idx="minor">
+            <a:schemeClr val="tx1"/>
+          </a:fontRef>
+        </p:style>
+      </p:cxnSp>
+      <p:cxnSp>
+        <p:nvCxnSpPr>
+          <p:cNvPr id="27" name="직선 화살표 연결선 26">
+            <a:extLst>
+              <a:ext uri="{FF2B5EF4-FFF2-40B4-BE49-F238E27FC236}">
+                <a16:creationId xmlns="" xmlns:a16="http://schemas.microsoft.com/office/drawing/2014/main" id="{299DF5EC-9DF4-5255-06AC-0A7CE4FF58C3}"/>
+              </a:ext>
+            </a:extLst>
+          </p:cNvPr>
+          <p:cNvCxnSpPr>
+            <a:cxnSpLocks/>
+          </p:cNvCxnSpPr>
+          <p:nvPr/>
+        </p:nvCxnSpPr>
+        <p:spPr>
+          <a:xfrm flipV="1">
+            <a:off x="10668000" y="7534700"/>
+            <a:ext cx="3606669" cy="2144038"/>
+          </a:xfrm>
+          <a:prstGeom prst="straightConnector1">
+            <a:avLst/>
+          </a:prstGeom>
+          <a:ln w="38100">
+            <a:tailEnd type="triangle"/>
+          </a:ln>
+        </p:spPr>
+        <p:style>
+          <a:lnRef idx="1">
+            <a:schemeClr val="accent2"/>
+          </a:lnRef>
+          <a:fillRef idx="0">
+            <a:schemeClr val="accent2"/>
+          </a:fillRef>
+          <a:effectRef idx="0">
+            <a:schemeClr val="accent2"/>
+          </a:effectRef>
+          <a:fontRef idx="minor">
+            <a:schemeClr val="tx1"/>
+          </a:fontRef>
+        </p:style>
+      </p:cxnSp>
+    </p:spTree>
+    <p:extLst>
+      <p:ext uri="{BB962C8B-B14F-4D97-AF65-F5344CB8AC3E}">
+        <p14:creationId xmlns:p14="http://schemas.microsoft.com/office/powerpoint/2010/main" val="416812462"/>
+      </p:ext>
+    </p:extLst>
+  </p:cSld>
+  <p:clrMapOvr>
+    <a:masterClrMapping/>
+  </p:clrMapOvr>
+  <p:timing>
+    <p:tnLst>
+      <p:par>
+        <p:cTn id="1" dur="indefinite" restart="never" nodeType="tmRoot">
+          <p:childTnLst>
+            <p:seq concurrent="1" nextAc="seek">
+              <p:cTn id="2" dur="indefinite" nodeType="mainSeq">
+                <p:childTnLst>
+                  <p:par>
+                    <p:cTn id="3" fill="hold">
+                      <p:stCondLst>
+                        <p:cond delay="indefinite"/>
+                      </p:stCondLst>
+                      <p:childTnLst>
+                        <p:par>
+                          <p:cTn id="4" fill="hold">
+                            <p:stCondLst>
+                              <p:cond delay="0"/>
+                            </p:stCondLst>
+                            <p:childTnLst>
+                              <p:par>
+                                <p:cTn id="5" presetID="1" presetClass="entr" presetSubtype="0" fill="hold" nodeType="clickEffect">
+                                  <p:stCondLst>
+                                    <p:cond delay="0"/>
+                                  </p:stCondLst>
+                                  <p:childTnLst>
+                                    <p:set>
+                                      <p:cBhvr>
+                                        <p:cTn id="6" dur="1" fill="hold">
+                                          <p:stCondLst>
+                                            <p:cond delay="0"/>
+                                          </p:stCondLst>
+                                        </p:cTn>
+                                        <p:tgtEl>
+                                          <p:spTgt spid="10"/>
+                                        </p:tgtEl>
+                                        <p:attrNameLst>
+                                          <p:attrName>style.visibility</p:attrName>
+                                        </p:attrNameLst>
+                                      </p:cBhvr>
+                                      <p:to>
+                                        <p:strVal val="visible"/>
+                                      </p:to>
+                                    </p:set>
+                                  </p:childTnLst>
+                                </p:cTn>
+                              </p:par>
+                            </p:childTnLst>
+                          </p:cTn>
+                        </p:par>
+                      </p:childTnLst>
+                    </p:cTn>
+                  </p:par>
+                  <p:par>
+                    <p:cTn id="7" fill="hold">
+                      <p:stCondLst>
+                        <p:cond delay="indefinite"/>
+                      </p:stCondLst>
+                      <p:childTnLst>
+                        <p:par>
+                          <p:cTn id="8" fill="hold">
+                            <p:stCondLst>
+                              <p:cond delay="0"/>
+                            </p:stCondLst>
+                            <p:childTnLst>
+                              <p:par>
+                                <p:cTn id="9" presetID="1" presetClass="entr" presetSubtype="0" fill="hold" grpId="0" nodeType="clickEffect">
+                                  <p:stCondLst>
+                                    <p:cond delay="0"/>
+                                  </p:stCondLst>
+                                  <p:childTnLst>
+                                    <p:set>
+                                      <p:cBhvr>
+                                        <p:cTn id="10" dur="1" fill="hold">
+                                          <p:stCondLst>
+                                            <p:cond delay="0"/>
+                                          </p:stCondLst>
+                                        </p:cTn>
+                                        <p:tgtEl>
+                                          <p:spTgt spid="8"/>
+                                        </p:tgtEl>
+                                        <p:attrNameLst>
+                                          <p:attrName>style.visibility</p:attrName>
+                                        </p:attrNameLst>
+                                      </p:cBhvr>
+                                      <p:to>
+                                        <p:strVal val="visible"/>
+                                      </p:to>
+                                    </p:set>
+                                  </p:childTnLst>
+                                </p:cTn>
+                              </p:par>
+                              <p:par>
+                                <p:cTn id="11" presetID="1" presetClass="entr" presetSubtype="0" fill="hold" nodeType="withEffect">
+                                  <p:stCondLst>
+                                    <p:cond delay="0"/>
+                                  </p:stCondLst>
+                                  <p:childTnLst>
+                                    <p:set>
+                                      <p:cBhvr>
+                                        <p:cTn id="12" dur="1" fill="hold">
+                                          <p:stCondLst>
+                                            <p:cond delay="0"/>
+                                          </p:stCondLst>
+                                        </p:cTn>
+                                        <p:tgtEl>
+                                          <p:spTgt spid="7"/>
+                                        </p:tgtEl>
+                                        <p:attrNameLst>
+                                          <p:attrName>style.visibility</p:attrName>
+                                        </p:attrNameLst>
+                                      </p:cBhvr>
+                                      <p:to>
+                                        <p:strVal val="visible"/>
+                                      </p:to>
+                                    </p:set>
+                                  </p:childTnLst>
+                                </p:cTn>
+                              </p:par>
+                              <p:par>
+                                <p:cTn id="13" presetID="1" presetClass="entr" presetSubtype="0" fill="hold" grpId="0" nodeType="withEffect">
+                                  <p:stCondLst>
+                                    <p:cond delay="0"/>
+                                  </p:stCondLst>
+                                  <p:childTnLst>
+                                    <p:set>
+                                      <p:cBhvr>
+                                        <p:cTn id="14" dur="1" fill="hold">
+                                          <p:stCondLst>
+                                            <p:cond delay="0"/>
+                                          </p:stCondLst>
+                                        </p:cTn>
+                                        <p:tgtEl>
+                                          <p:spTgt spid="9"/>
+                                        </p:tgtEl>
+                                        <p:attrNameLst>
+                                          <p:attrName>style.visibility</p:attrName>
+                                        </p:attrNameLst>
+                                      </p:cBhvr>
+                                      <p:to>
+                                        <p:strVal val="visible"/>
+                                      </p:to>
+                                    </p:set>
+                                  </p:childTnLst>
+                                </p:cTn>
+                              </p:par>
+                            </p:childTnLst>
+                          </p:cTn>
+                        </p:par>
+                      </p:childTnLst>
+                    </p:cTn>
+                  </p:par>
+                  <p:par>
+                    <p:cTn id="15" fill="hold">
+                      <p:stCondLst>
+                        <p:cond delay="indefinite"/>
+                      </p:stCondLst>
+                      <p:childTnLst>
+                        <p:par>
+                          <p:cTn id="16" fill="hold">
+                            <p:stCondLst>
+                              <p:cond delay="0"/>
+                            </p:stCondLst>
+                            <p:childTnLst>
+                              <p:par>
+                                <p:cTn id="17" presetID="1" presetClass="entr" presetSubtype="0" fill="hold" nodeType="clickEffect">
+                                  <p:stCondLst>
+                                    <p:cond delay="0"/>
+                                  </p:stCondLst>
+                                  <p:childTnLst>
+                                    <p:set>
+                                      <p:cBhvr>
+                                        <p:cTn id="18" dur="1" fill="hold">
+                                          <p:stCondLst>
+                                            <p:cond delay="0"/>
+                                          </p:stCondLst>
+                                        </p:cTn>
+                                        <p:tgtEl>
+                                          <p:spTgt spid="17"/>
+                                        </p:tgtEl>
+                                        <p:attrNameLst>
+                                          <p:attrName>style.visibility</p:attrName>
+                                        </p:attrNameLst>
+                                      </p:cBhvr>
+                                      <p:to>
+                                        <p:strVal val="visible"/>
+                                      </p:to>
+                                    </p:set>
+                                  </p:childTnLst>
+                                </p:cTn>
+                              </p:par>
+                            </p:childTnLst>
+                          </p:cTn>
+                        </p:par>
+                      </p:childTnLst>
+                    </p:cTn>
+                  </p:par>
+                  <p:par>
+                    <p:cTn id="19" fill="hold">
+                      <p:stCondLst>
+                        <p:cond delay="indefinite"/>
+                      </p:stCondLst>
+                      <p:childTnLst>
+                        <p:par>
+                          <p:cTn id="20" fill="hold">
+                            <p:stCondLst>
+                              <p:cond delay="0"/>
+                            </p:stCondLst>
+                            <p:childTnLst>
+                              <p:par>
+                                <p:cTn id="21" presetID="1" presetClass="entr" presetSubtype="0" fill="hold" nodeType="clickEffect">
+                                  <p:stCondLst>
+                                    <p:cond delay="0"/>
+                                  </p:stCondLst>
+                                  <p:childTnLst>
+                                    <p:set>
+                                      <p:cBhvr>
+                                        <p:cTn id="22" dur="1" fill="hold">
+                                          <p:stCondLst>
+                                            <p:cond delay="0"/>
+                                          </p:stCondLst>
+                                        </p:cTn>
+                                        <p:tgtEl>
+                                          <p:spTgt spid="18"/>
+                                        </p:tgtEl>
+                                        <p:attrNameLst>
+                                          <p:attrName>style.visibility</p:attrName>
+                                        </p:attrNameLst>
+                                      </p:cBhvr>
+                                      <p:to>
+                                        <p:strVal val="visible"/>
+                                      </p:to>
+                                    </p:set>
+                                  </p:childTnLst>
+                                </p:cTn>
+                              </p:par>
+                            </p:childTnLst>
+                          </p:cTn>
+                        </p:par>
+                      </p:childTnLst>
+                    </p:cTn>
+                  </p:par>
+                  <p:par>
+                    <p:cTn id="23" fill="hold">
+                      <p:stCondLst>
+                        <p:cond delay="indefinite"/>
+                      </p:stCondLst>
+                      <p:childTnLst>
+                        <p:par>
+                          <p:cTn id="24" fill="hold">
+                            <p:stCondLst>
+                              <p:cond delay="0"/>
+                            </p:stCondLst>
+                            <p:childTnLst>
+                              <p:par>
+                                <p:cTn id="25" presetID="1" presetClass="entr" presetSubtype="0" fill="hold" nodeType="clickEffect">
+                                  <p:stCondLst>
+                                    <p:cond delay="0"/>
+                                  </p:stCondLst>
+                                  <p:childTnLst>
+                                    <p:set>
+                                      <p:cBhvr>
+                                        <p:cTn id="26" dur="1" fill="hold">
+                                          <p:stCondLst>
+                                            <p:cond delay="0"/>
+                                          </p:stCondLst>
+                                        </p:cTn>
+                                        <p:tgtEl>
+                                          <p:spTgt spid="12"/>
+                                        </p:tgtEl>
+                                        <p:attrNameLst>
+                                          <p:attrName>style.visibility</p:attrName>
+                                        </p:attrNameLst>
+                                      </p:cBhvr>
+                                      <p:to>
+                                        <p:strVal val="visible"/>
+                                      </p:to>
+                                    </p:set>
+                                  </p:childTnLst>
+                                </p:cTn>
+                              </p:par>
+                              <p:par>
+                                <p:cTn id="27" presetID="1" presetClass="entr" presetSubtype="0" fill="hold" grpId="0" nodeType="withEffect">
+                                  <p:stCondLst>
+                                    <p:cond delay="0"/>
+                                  </p:stCondLst>
+                                  <p:childTnLst>
+                                    <p:set>
+                                      <p:cBhvr>
+                                        <p:cTn id="28" dur="1" fill="hold">
+                                          <p:stCondLst>
+                                            <p:cond delay="0"/>
+                                          </p:stCondLst>
+                                        </p:cTn>
+                                        <p:tgtEl>
+                                          <p:spTgt spid="14"/>
+                                        </p:tgtEl>
+                                        <p:attrNameLst>
+                                          <p:attrName>style.visibility</p:attrName>
+                                        </p:attrNameLst>
+                                      </p:cBhvr>
+                                      <p:to>
+                                        <p:strVal val="visible"/>
+                                      </p:to>
+                                    </p:set>
+                                  </p:childTnLst>
+                                </p:cTn>
+                              </p:par>
+                              <p:par>
+                                <p:cTn id="29" presetID="1" presetClass="entr" presetSubtype="0" fill="hold" grpId="0" nodeType="withEffect">
+                                  <p:stCondLst>
+                                    <p:cond delay="0"/>
+                                  </p:stCondLst>
+                                  <p:childTnLst>
+                                    <p:set>
+                                      <p:cBhvr>
+                                        <p:cTn id="30" dur="1" fill="hold">
+                                          <p:stCondLst>
+                                            <p:cond delay="0"/>
+                                          </p:stCondLst>
+                                        </p:cTn>
+                                        <p:tgtEl>
+                                          <p:spTgt spid="15"/>
+                                        </p:tgtEl>
+                                        <p:attrNameLst>
+                                          <p:attrName>style.visibility</p:attrName>
+                                        </p:attrNameLst>
+                                      </p:cBhvr>
+                                      <p:to>
+                                        <p:strVal val="visible"/>
+                                      </p:to>
+                                    </p:set>
+                                  </p:childTnLst>
+                                </p:cTn>
+                              </p:par>
+                              <p:par>
+                                <p:cTn id="31" presetID="1" presetClass="entr" presetSubtype="0" fill="hold" nodeType="withEffect">
+                                  <p:stCondLst>
+                                    <p:cond delay="0"/>
+                                  </p:stCondLst>
+                                  <p:childTnLst>
+                                    <p:set>
+                                      <p:cBhvr>
+                                        <p:cTn id="32" dur="1" fill="hold">
+                                          <p:stCondLst>
+                                            <p:cond delay="0"/>
+                                          </p:stCondLst>
+                                        </p:cTn>
+                                        <p:tgtEl>
+                                          <p:spTgt spid="19"/>
+                                        </p:tgtEl>
+                                        <p:attrNameLst>
+                                          <p:attrName>style.visibility</p:attrName>
+                                        </p:attrNameLst>
+                                      </p:cBhvr>
+                                      <p:to>
+                                        <p:strVal val="visible"/>
+                                      </p:to>
+                                    </p:set>
+                                  </p:childTnLst>
+                                </p:cTn>
+                              </p:par>
+                              <p:par>
+                                <p:cTn id="33" presetID="1" presetClass="entr" presetSubtype="0" fill="hold" nodeType="withEffect">
+                                  <p:stCondLst>
+                                    <p:cond delay="0"/>
+                                  </p:stCondLst>
+                                  <p:childTnLst>
+                                    <p:set>
+                                      <p:cBhvr>
+                                        <p:cTn id="34" dur="1" fill="hold">
+                                          <p:stCondLst>
+                                            <p:cond delay="0"/>
+                                          </p:stCondLst>
+                                        </p:cTn>
+                                        <p:tgtEl>
+                                          <p:spTgt spid="20"/>
+                                        </p:tgtEl>
+                                        <p:attrNameLst>
+                                          <p:attrName>style.visibility</p:attrName>
+                                        </p:attrNameLst>
+                                      </p:cBhvr>
+                                      <p:to>
+                                        <p:strVal val="visible"/>
+                                      </p:to>
+                                    </p:set>
+                                  </p:childTnLst>
+                                </p:cTn>
+                              </p:par>
+                              <p:par>
+                                <p:cTn id="35" presetID="1" presetClass="entr" presetSubtype="0" fill="hold" grpId="0" nodeType="withEffect">
+                                  <p:stCondLst>
+                                    <p:cond delay="0"/>
+                                  </p:stCondLst>
+                                  <p:childTnLst>
+                                    <p:set>
+                                      <p:cBhvr>
+                                        <p:cTn id="36" dur="1" fill="hold">
+                                          <p:stCondLst>
+                                            <p:cond delay="0"/>
+                                          </p:stCondLst>
+                                        </p:cTn>
+                                        <p:tgtEl>
+                                          <p:spTgt spid="22"/>
+                                        </p:tgtEl>
+                                        <p:attrNameLst>
+                                          <p:attrName>style.visibility</p:attrName>
+                                        </p:attrNameLst>
+                                      </p:cBhvr>
+                                      <p:to>
+                                        <p:strVal val="visible"/>
+                                      </p:to>
+                                    </p:set>
+                                  </p:childTnLst>
+                                </p:cTn>
+                              </p:par>
+                              <p:par>
+                                <p:cTn id="37" presetID="1" presetClass="entr" presetSubtype="0" fill="hold" grpId="0" nodeType="withEffect">
+                                  <p:stCondLst>
+                                    <p:cond delay="0"/>
+                                  </p:stCondLst>
+                                  <p:childTnLst>
+                                    <p:set>
+                                      <p:cBhvr>
+                                        <p:cTn id="38" dur="1" fill="hold">
+                                          <p:stCondLst>
+                                            <p:cond delay="0"/>
+                                          </p:stCondLst>
+                                        </p:cTn>
+                                        <p:tgtEl>
+                                          <p:spTgt spid="23"/>
+                                        </p:tgtEl>
+                                        <p:attrNameLst>
+                                          <p:attrName>style.visibility</p:attrName>
+                                        </p:attrNameLst>
+                                      </p:cBhvr>
+                                      <p:to>
+                                        <p:strVal val="visible"/>
+                                      </p:to>
+                                    </p:set>
+                                  </p:childTnLst>
+                                </p:cTn>
+                              </p:par>
+                              <p:par>
+                                <p:cTn id="39" presetID="1" presetClass="entr" presetSubtype="0" fill="hold" nodeType="withEffect">
+                                  <p:stCondLst>
+                                    <p:cond delay="0"/>
+                                  </p:stCondLst>
+                                  <p:childTnLst>
+                                    <p:set>
+                                      <p:cBhvr>
+                                        <p:cTn id="40" dur="1" fill="hold">
+                                          <p:stCondLst>
+                                            <p:cond delay="0"/>
+                                          </p:stCondLst>
+                                        </p:cTn>
+                                        <p:tgtEl>
+                                          <p:spTgt spid="25"/>
+                                        </p:tgtEl>
+                                        <p:attrNameLst>
+                                          <p:attrName>style.visibility</p:attrName>
+                                        </p:attrNameLst>
+                                      </p:cBhvr>
+                                      <p:to>
+                                        <p:strVal val="visible"/>
+                                      </p:to>
+                                    </p:set>
+                                  </p:childTnLst>
+                                </p:cTn>
+                              </p:par>
+                              <p:par>
+                                <p:cTn id="41" presetID="1" presetClass="entr" presetSubtype="0" fill="hold" nodeType="withEffect">
+                                  <p:stCondLst>
+                                    <p:cond delay="0"/>
+                                  </p:stCondLst>
+                                  <p:childTnLst>
+                                    <p:set>
+                                      <p:cBhvr>
+                                        <p:cTn id="42" dur="1" fill="hold">
+                                          <p:stCondLst>
+                                            <p:cond delay="0"/>
+                                          </p:stCondLst>
+                                        </p:cTn>
+                                        <p:tgtEl>
+                                          <p:spTgt spid="27"/>
+                                        </p:tgtEl>
+                                        <p:attrNameLst>
+                                          <p:attrName>style.visibility</p:attrName>
+                                        </p:attrNameLst>
+                                      </p:cBhvr>
+                                      <p:to>
+                                        <p:strVal val="visible"/>
+                                      </p:to>
+                                    </p:set>
+                                  </p:childTnLst>
+                                </p:cTn>
+                              </p:par>
+                            </p:childTnLst>
+                          </p:cTn>
+                        </p:par>
+                      </p:childTnLst>
+                    </p:cTn>
+                  </p:par>
+                </p:childTnLst>
+              </p:cTn>
+              <p:prevCondLst>
+                <p:cond evt="onPrev" delay="0">
+                  <p:tgtEl>
+                    <p:sldTgt/>
+                  </p:tgtEl>
+                </p:cond>
+              </p:prevCondLst>
+              <p:nextCondLst>
+                <p:cond evt="onNext" delay="0">
+                  <p:tgtEl>
+                    <p:sldTgt/>
+                  </p:tgtEl>
+                </p:cond>
+              </p:nextCondLst>
+            </p:seq>
+          </p:childTnLst>
+        </p:cTn>
+      </p:par>
+    </p:tnLst>
+    <p:bldLst>
+      <p:bldP spid="8" grpId="0" animBg="1"/>
+      <p:bldP spid="9" grpId="0"/>
+      <p:bldP spid="14" grpId="0"/>
+      <p:bldP spid="15" grpId="0"/>
+      <p:bldP spid="22" grpId="0"/>
+      <p:bldP spid="23" grpId="0"/>
+    </p:bldLst>
+  </p:timing>
+</p:sld>
+</file>
+
+<file path=ppt/slides/slide29.xml><?xml version="1.0" encoding="utf-8"?>
+<p:sld xmlns:a="http://schemas.openxmlformats.org/drawingml/2006/main" xmlns:r="http://schemas.openxmlformats.org/officeDocument/2006/relationships" xmlns:p="http://schemas.openxmlformats.org/presentationml/2006/main">
+  <p:cSld>
+    <p:spTree>
+      <p:nvGrpSpPr>
+        <p:cNvPr id="1" name=""/>
+        <p:cNvGrpSpPr/>
+        <p:nvPr/>
+      </p:nvGrpSpPr>
+      <p:grpSpPr>
+        <a:xfrm>
+          <a:off x="0" y="0"/>
+          <a:ext cx="0" cy="0"/>
+          <a:chOff x="0" y="0"/>
+          <a:chExt cx="0" cy="0"/>
+        </a:xfrm>
+      </p:grpSpPr>
+      <p:pic>
+        <p:nvPicPr>
+          <p:cNvPr id="9" name="그림 8"/>
+          <p:cNvPicPr>
+            <a:picLocks noChangeAspect="1"/>
+          </p:cNvPicPr>
+          <p:nvPr/>
+        </p:nvPicPr>
+        <p:blipFill>
+          <a:blip r:embed="rId2"/>
+          <a:stretch>
+            <a:fillRect/>
+          </a:stretch>
+        </p:blipFill>
+        <p:spPr>
+          <a:xfrm>
+            <a:off x="762000" y="1312814"/>
+            <a:ext cx="6248400" cy="6539023"/>
+          </a:xfrm>
+          <a:prstGeom prst="rect">
+            <a:avLst/>
+          </a:prstGeom>
+        </p:spPr>
+      </p:pic>
+      <p:sp>
+        <p:nvSpPr>
+          <p:cNvPr id="4" name="TextBox 3">
+            <a:extLst>
+              <a:ext uri="{FF2B5EF4-FFF2-40B4-BE49-F238E27FC236}">
+                <a16:creationId xmlns="" xmlns:a16="http://schemas.microsoft.com/office/drawing/2014/main" id="{37C30BAF-D498-C798-BC14-1718488A3435}"/>
+              </a:ext>
+            </a:extLst>
+          </p:cNvPr>
+          <p:cNvSpPr txBox="1"/>
+          <p:nvPr/>
+        </p:nvSpPr>
+        <p:spPr>
+          <a:xfrm>
+            <a:off x="990600" y="190500"/>
+            <a:ext cx="3581400" cy="830997"/>
+          </a:xfrm>
+          <a:prstGeom prst="rect">
+            <a:avLst/>
+          </a:prstGeom>
+          <a:noFill/>
+        </p:spPr>
+        <p:txBody>
+          <a:bodyPr wrap="square" rtlCol="0">
+            <a:spAutoFit/>
+          </a:bodyPr>
+          <a:lstStyle/>
+          <a:p>
+            <a:r>
+              <a:rPr lang="ko-KR" altLang="en-US" sz="4800" smtClean="0">
+                <a:solidFill>
+                  <a:srgbClr val="4C50BC"/>
+                </a:solidFill>
+                <a:latin typeface="G마켓 산스 Medium" panose="02000000000000000000" pitchFamily="50" charset="-127"/>
+                <a:ea typeface="G마켓 산스 Medium" panose="02000000000000000000" pitchFamily="50" charset="-127"/>
+              </a:rPr>
+              <a:t>참조형 </a:t>
+            </a:r>
+            <a:r>
+              <a:rPr lang="ko-KR" altLang="en-US" sz="4800" smtClean="0">
+                <a:solidFill>
+                  <a:srgbClr val="4C50BC"/>
+                </a:solidFill>
+                <a:latin typeface="G마켓 산스 Medium" panose="02000000000000000000" pitchFamily="50" charset="-127"/>
+                <a:ea typeface="G마켓 산스 Medium" panose="02000000000000000000" pitchFamily="50" charset="-127"/>
+              </a:rPr>
+              <a:t>반환</a:t>
+            </a:r>
+            <a:endParaRPr lang="en-US" altLang="ko-KR" sz="4800" dirty="0">
+              <a:solidFill>
+                <a:srgbClr val="4C50BC"/>
+              </a:solidFill>
+              <a:latin typeface="G마켓 산스 Medium" panose="02000000000000000000" pitchFamily="50" charset="-127"/>
+              <a:ea typeface="G마켓 산스 Medium" panose="02000000000000000000" pitchFamily="50" charset="-127"/>
+            </a:endParaRPr>
+          </a:p>
+        </p:txBody>
+      </p:sp>
+      <p:pic>
+        <p:nvPicPr>
+          <p:cNvPr id="6" name="그림 5"/>
+          <p:cNvPicPr>
+            <a:picLocks noChangeAspect="1"/>
+          </p:cNvPicPr>
+          <p:nvPr/>
+        </p:nvPicPr>
+        <p:blipFill>
+          <a:blip r:embed="rId3"/>
+          <a:stretch>
+            <a:fillRect/>
+          </a:stretch>
+        </p:blipFill>
+        <p:spPr>
+          <a:xfrm>
+            <a:off x="8381999" y="1484141"/>
+            <a:ext cx="5151961" cy="2287759"/>
+          </a:xfrm>
+          <a:prstGeom prst="rect">
+            <a:avLst/>
+          </a:prstGeom>
+        </p:spPr>
+      </p:pic>
+      <p:pic>
+        <p:nvPicPr>
+          <p:cNvPr id="7" name="그림 6"/>
+          <p:cNvPicPr>
+            <a:picLocks noChangeAspect="1"/>
+          </p:cNvPicPr>
+          <p:nvPr/>
+        </p:nvPicPr>
+        <p:blipFill>
+          <a:blip r:embed="rId4"/>
+          <a:stretch>
+            <a:fillRect/>
+          </a:stretch>
+        </p:blipFill>
+        <p:spPr>
+          <a:xfrm>
+            <a:off x="8381998" y="4000500"/>
+            <a:ext cx="5614737" cy="2667000"/>
+          </a:xfrm>
+          <a:prstGeom prst="rect">
+            <a:avLst/>
+          </a:prstGeom>
+        </p:spPr>
+      </p:pic>
+      <p:cxnSp>
+        <p:nvCxnSpPr>
+          <p:cNvPr id="8" name="직선 화살표 연결선 7">
+            <a:extLst>
+              <a:ext uri="{FF2B5EF4-FFF2-40B4-BE49-F238E27FC236}">
+                <a16:creationId xmlns="" xmlns:a16="http://schemas.microsoft.com/office/drawing/2014/main" id="{299DF5EC-9DF4-5255-06AC-0A7CE4FF58C3}"/>
+              </a:ext>
+            </a:extLst>
+          </p:cNvPr>
+          <p:cNvCxnSpPr>
+            <a:cxnSpLocks/>
+          </p:cNvCxnSpPr>
+          <p:nvPr/>
+        </p:nvCxnSpPr>
+        <p:spPr>
+          <a:xfrm flipH="1">
+            <a:off x="6998676" y="5448300"/>
+            <a:ext cx="4226789" cy="1447800"/>
+          </a:xfrm>
+          <a:prstGeom prst="straightConnector1">
+            <a:avLst/>
+          </a:prstGeom>
+          <a:ln w="38100">
+            <a:tailEnd type="triangle"/>
+          </a:ln>
+        </p:spPr>
+        <p:style>
+          <a:lnRef idx="1">
+            <a:schemeClr val="accent2"/>
+          </a:lnRef>
+          <a:fillRef idx="0">
+            <a:schemeClr val="accent2"/>
+          </a:fillRef>
+          <a:effectRef idx="0">
+            <a:schemeClr val="accent2"/>
+          </a:effectRef>
+          <a:fontRef idx="minor">
+            <a:schemeClr val="tx1"/>
+          </a:fontRef>
+        </p:style>
+      </p:cxnSp>
+      <p:cxnSp>
+        <p:nvCxnSpPr>
+          <p:cNvPr id="11" name="직선 화살표 연결선 10">
+            <a:extLst>
+              <a:ext uri="{FF2B5EF4-FFF2-40B4-BE49-F238E27FC236}">
+                <a16:creationId xmlns="" xmlns:a16="http://schemas.microsoft.com/office/drawing/2014/main" id="{299DF5EC-9DF4-5255-06AC-0A7CE4FF58C3}"/>
+              </a:ext>
+            </a:extLst>
+          </p:cNvPr>
+          <p:cNvCxnSpPr>
+            <a:cxnSpLocks/>
+          </p:cNvCxnSpPr>
+          <p:nvPr/>
+        </p:nvCxnSpPr>
+        <p:spPr>
+          <a:xfrm flipH="1" flipV="1">
+            <a:off x="12115800" y="3467100"/>
+            <a:ext cx="990600" cy="2438400"/>
+          </a:xfrm>
+          <a:prstGeom prst="straightConnector1">
+            <a:avLst/>
+          </a:prstGeom>
+          <a:ln w="38100">
+            <a:tailEnd type="triangle"/>
+          </a:ln>
+        </p:spPr>
+        <p:style>
+          <a:lnRef idx="1">
+            <a:schemeClr val="accent2"/>
+          </a:lnRef>
+          <a:fillRef idx="0">
+            <a:schemeClr val="accent2"/>
+          </a:fillRef>
+          <a:effectRef idx="0">
+            <a:schemeClr val="accent2"/>
+          </a:effectRef>
+          <a:fontRef idx="minor">
+            <a:schemeClr val="tx1"/>
+          </a:fontRef>
+        </p:style>
+      </p:cxnSp>
+    </p:spTree>
+    <p:extLst>
+      <p:ext uri="{BB962C8B-B14F-4D97-AF65-F5344CB8AC3E}">
+        <p14:creationId xmlns:p14="http://schemas.microsoft.com/office/powerpoint/2010/main" val="3591520269"/>
+      </p:ext>
+    </p:extLst>
+  </p:cSld>
+  <p:clrMapOvr>
+    <a:masterClrMapping/>
+  </p:clrMapOvr>
+  <p:timing>
+    <p:tnLst>
+      <p:par>
+        <p:cTn id="1" dur="indefinite" restart="never" nodeType="tmRoot"/>
+      </p:par>
+    </p:tnLst>
+  </p:timing>
+</p:sld>
+</file>
+
+<file path=ppt/slides/slide3.xml><?xml version="1.0" encoding="utf-8"?>
+<p:sld xmlns:a="http://schemas.openxmlformats.org/drawingml/2006/main" xmlns:r="http://schemas.openxmlformats.org/officeDocument/2006/relationships" xmlns:p="http://schemas.openxmlformats.org/presentationml/2006/main">
+  <p:cSld name="Slide 4">
+    <p:bg>
+      <p:bgPr>
+        <a:solidFill>
+          <a:srgbClr val="4C50BB"/>
+        </a:solidFill>
+        <a:effectLst/>
+      </p:bgPr>
+    </p:bg>
+    <p:spTree>
+      <p:nvGrpSpPr>
+        <p:cNvPr id="1" name=""/>
+        <p:cNvGrpSpPr/>
+        <p:nvPr/>
+      </p:nvGrpSpPr>
+      <p:grpSpPr>
+        <a:xfrm>
+          <a:off x="0" y="0"/>
+          <a:ext cx="0" cy="0"/>
+          <a:chOff x="0" y="0"/>
+          <a:chExt cx="0" cy="0"/>
+        </a:xfrm>
+      </p:grpSpPr>
+      <p:grpSp>
+        <p:nvGrpSpPr>
+          <p:cNvPr id="1001" name="그룹 1001"/>
+          <p:cNvGrpSpPr/>
+          <p:nvPr/>
+        </p:nvGrpSpPr>
+        <p:grpSpPr>
+          <a:xfrm>
+            <a:off x="16986360" y="3561542"/>
+            <a:ext cx="1432688" cy="191978"/>
+            <a:chOff x="16986360" y="3561542"/>
+            <a:chExt cx="1432688" cy="191978"/>
+          </a:xfrm>
+        </p:grpSpPr>
+        <p:pic>
+          <p:nvPicPr>
+            <p:cNvPr id="3" name="Object 2"/>
+            <p:cNvPicPr>
+              <a:picLocks noChangeAspect="1"/>
+            </p:cNvPicPr>
+            <p:nvPr/>
+          </p:nvPicPr>
+          <p:blipFill>
+            <a:blip r:embed="rId2" cstate="print"/>
+            <a:stretch>
+              <a:fillRect/>
+            </a:stretch>
+          </p:blipFill>
+          <p:spPr>
+            <a:xfrm>
+              <a:off x="16986360" y="3561542"/>
+              <a:ext cx="1432688" cy="191978"/>
+            </a:xfrm>
+            <a:prstGeom prst="rect">
+              <a:avLst/>
+            </a:prstGeom>
+          </p:spPr>
+        </p:pic>
+      </p:grpSp>
+      <p:grpSp>
+        <p:nvGrpSpPr>
+          <p:cNvPr id="1002" name="그룹 1002"/>
+          <p:cNvGrpSpPr/>
+          <p:nvPr/>
+        </p:nvGrpSpPr>
+        <p:grpSpPr>
+          <a:xfrm>
+            <a:off x="5686747" y="-1286436"/>
+            <a:ext cx="4461240" cy="4417966"/>
+            <a:chOff x="5686747" y="-1286436"/>
+            <a:chExt cx="4461240" cy="4417966"/>
+          </a:xfrm>
+        </p:grpSpPr>
+        <p:pic>
+          <p:nvPicPr>
+            <p:cNvPr id="6" name="Object 5"/>
+            <p:cNvPicPr>
+              <a:picLocks noChangeAspect="1"/>
+            </p:cNvPicPr>
+            <p:nvPr/>
+          </p:nvPicPr>
+          <p:blipFill>
+            <a:blip r:embed="rId3" cstate="print"/>
+            <a:stretch>
+              <a:fillRect/>
+            </a:stretch>
+          </p:blipFill>
+          <p:spPr>
+            <a:xfrm>
+              <a:off x="5686747" y="-1286436"/>
+              <a:ext cx="4461240" cy="4417966"/>
+            </a:xfrm>
+            <a:prstGeom prst="rect">
+              <a:avLst/>
+            </a:prstGeom>
+          </p:spPr>
+        </p:pic>
+      </p:grpSp>
+      <p:grpSp>
+        <p:nvGrpSpPr>
+          <p:cNvPr id="1003" name="그룹 1003"/>
+          <p:cNvGrpSpPr/>
+          <p:nvPr/>
+        </p:nvGrpSpPr>
+        <p:grpSpPr>
+          <a:xfrm>
+            <a:off x="-901071" y="6888297"/>
+            <a:ext cx="4182908" cy="4182908"/>
+            <a:chOff x="-901071" y="6888297"/>
+            <a:chExt cx="4182908" cy="4182908"/>
+          </a:xfrm>
+        </p:grpSpPr>
+        <p:pic>
+          <p:nvPicPr>
+            <p:cNvPr id="9" name="Object 8"/>
+            <p:cNvPicPr>
+              <a:picLocks noChangeAspect="1"/>
+            </p:cNvPicPr>
+            <p:nvPr/>
+          </p:nvPicPr>
+          <p:blipFill>
+            <a:blip r:embed="rId4" cstate="print"/>
+            <a:stretch>
+              <a:fillRect/>
+            </a:stretch>
+          </p:blipFill>
+          <p:spPr>
+            <a:xfrm rot="-2700000">
+              <a:off x="-901071" y="6888297"/>
+              <a:ext cx="4182908" cy="4182908"/>
+            </a:xfrm>
+            <a:prstGeom prst="rect">
+              <a:avLst/>
+            </a:prstGeom>
+          </p:spPr>
+        </p:pic>
+      </p:grpSp>
+      <p:grpSp>
+        <p:nvGrpSpPr>
+          <p:cNvPr id="1004" name="그룹 1004"/>
+          <p:cNvGrpSpPr/>
+          <p:nvPr/>
+        </p:nvGrpSpPr>
+        <p:grpSpPr>
+          <a:xfrm>
+            <a:off x="1972602" y="5957321"/>
+            <a:ext cx="3452527" cy="3419037"/>
+            <a:chOff x="1972602" y="5957321"/>
+            <a:chExt cx="3452527" cy="3419037"/>
+          </a:xfrm>
+        </p:grpSpPr>
+        <p:pic>
+          <p:nvPicPr>
+            <p:cNvPr id="12" name="Object 11"/>
+            <p:cNvPicPr>
+              <a:picLocks noChangeAspect="1"/>
+            </p:cNvPicPr>
+            <p:nvPr/>
+          </p:nvPicPr>
+          <p:blipFill>
+            <a:blip r:embed="rId5" cstate="print"/>
+            <a:stretch>
+              <a:fillRect/>
+            </a:stretch>
+          </p:blipFill>
+          <p:spPr>
+            <a:xfrm>
+              <a:off x="1972602" y="5957321"/>
+              <a:ext cx="3452527" cy="3419037"/>
+            </a:xfrm>
+            <a:prstGeom prst="rect">
+              <a:avLst/>
+            </a:prstGeom>
+          </p:spPr>
+        </p:pic>
+      </p:grpSp>
+      <p:pic>
+        <p:nvPicPr>
+          <p:cNvPr id="14" name="Object 13"/>
+          <p:cNvPicPr>
+            <a:picLocks noChangeAspect="1"/>
+          </p:cNvPicPr>
+          <p:nvPr/>
+        </p:nvPicPr>
+        <p:blipFill>
+          <a:blip r:embed="rId6" cstate="print"/>
+          <a:stretch>
+            <a:fillRect/>
+          </a:stretch>
+        </p:blipFill>
+        <p:spPr>
+          <a:xfrm>
+            <a:off x="13669052" y="2416536"/>
+            <a:ext cx="3674181" cy="3286626"/>
+          </a:xfrm>
+          <a:prstGeom prst="rect">
+            <a:avLst/>
+          </a:prstGeom>
+        </p:spPr>
+      </p:pic>
+      <p:sp>
+        <p:nvSpPr>
+          <p:cNvPr id="2" name="TextBox 1">
+            <a:extLst>
+              <a:ext uri="{FF2B5EF4-FFF2-40B4-BE49-F238E27FC236}">
+                <a16:creationId xmlns="" xmlns:a16="http://schemas.microsoft.com/office/drawing/2014/main" id="{8D19D88B-9541-32D7-90F1-0C45C993E21C}"/>
+              </a:ext>
+            </a:extLst>
+          </p:cNvPr>
+          <p:cNvSpPr txBox="1"/>
+          <p:nvPr/>
+        </p:nvSpPr>
+        <p:spPr>
+          <a:xfrm>
+            <a:off x="10287000" y="5254704"/>
+            <a:ext cx="6407523" cy="1107996"/>
+          </a:xfrm>
+          <a:prstGeom prst="rect">
+            <a:avLst/>
+          </a:prstGeom>
+          <a:noFill/>
+        </p:spPr>
+        <p:txBody>
+          <a:bodyPr wrap="none" rtlCol="0">
+            <a:spAutoFit/>
+          </a:bodyPr>
+          <a:lstStyle/>
+          <a:p>
+            <a:r>
+              <a:rPr lang="ko-KR" altLang="en-US" sz="6600" dirty="0">
+                <a:solidFill>
+                  <a:schemeClr val="bg1"/>
+                </a:solidFill>
+                <a:latin typeface="G마켓 산스 Medium" panose="02000000000000000000" pitchFamily="50" charset="-127"/>
+                <a:ea typeface="G마켓 산스 Medium" panose="02000000000000000000" pitchFamily="50" charset="-127"/>
+              </a:rPr>
+              <a:t>객체지향의 이해</a:t>
+            </a:r>
+            <a:endParaRPr lang="en-US" altLang="ko-KR" sz="6600" dirty="0">
+              <a:solidFill>
+                <a:schemeClr val="bg1"/>
+              </a:solidFill>
+              <a:latin typeface="G마켓 산스 Medium" panose="02000000000000000000" pitchFamily="50" charset="-127"/>
+              <a:ea typeface="G마켓 산스 Medium" panose="02000000000000000000" pitchFamily="50" charset="-127"/>
+            </a:endParaRPr>
+          </a:p>
+        </p:txBody>
+      </p:sp>
+    </p:spTree>
+  </p:cSld>
+  <p:clrMapOvr>
+    <a:masterClrMapping/>
+  </p:clrMapOvr>
+</p:sld>
+</file>
+
+<file path=ppt/slides/slide30.xml><?xml version="1.0" encoding="utf-8"?>
+<p:sld xmlns:a="http://schemas.openxmlformats.org/drawingml/2006/main" xmlns:r="http://schemas.openxmlformats.org/officeDocument/2006/relationships" xmlns:p="http://schemas.openxmlformats.org/presentationml/2006/main">
+  <p:cSld>
+    <p:spTree>
+      <p:nvGrpSpPr>
+        <p:cNvPr id="1" name=""/>
+        <p:cNvGrpSpPr/>
+        <p:nvPr/>
+      </p:nvGrpSpPr>
+      <p:grpSpPr>
+        <a:xfrm>
+          <a:off x="0" y="0"/>
+          <a:ext cx="0" cy="0"/>
+          <a:chOff x="0" y="0"/>
+          <a:chExt cx="0" cy="0"/>
+        </a:xfrm>
+      </p:grpSpPr>
+      <p:sp>
+        <p:nvSpPr>
           <p:cNvPr id="4" name="TextBox 3">
             <a:extLst>
               <a:ext uri="{FF2B5EF4-FFF2-40B4-BE49-F238E27FC236}">
@@ -19196,10 +22051,17 @@
   <p:clrMapOvr>
     <a:masterClrMapping/>
   </p:clrMapOvr>
+  <p:timing>
+    <p:tnLst>
+      <p:par>
+        <p:cTn id="1" dur="indefinite" restart="never" nodeType="tmRoot"/>
+      </p:par>
+    </p:tnLst>
+  </p:timing>
 </p:sld>
 </file>
 
-<file path=ppt/slides/slide28.xml><?xml version="1.0" encoding="utf-8"?>
+<file path=ppt/slides/slide31.xml><?xml version="1.0" encoding="utf-8"?>
 <p:sld xmlns:a="http://schemas.openxmlformats.org/drawingml/2006/main" xmlns:r="http://schemas.openxmlformats.org/officeDocument/2006/relationships" xmlns:p="http://schemas.openxmlformats.org/presentationml/2006/main">
   <p:cSld>
     <p:spTree>
@@ -19540,7 +22402,7 @@
 </p:sld>
 </file>
 
-<file path=ppt/slides/slide29.xml><?xml version="1.0" encoding="utf-8"?>
+<file path=ppt/slides/slide32.xml><?xml version="1.0" encoding="utf-8"?>
 <p:sld xmlns:a="http://schemas.openxmlformats.org/drawingml/2006/main" xmlns:r="http://schemas.openxmlformats.org/officeDocument/2006/relationships" xmlns:p="http://schemas.openxmlformats.org/presentationml/2006/main">
   <p:cSld>
     <p:spTree>
@@ -19648,268 +22510,7 @@
 </p:sld>
 </file>
 
-<file path=ppt/slides/slide3.xml><?xml version="1.0" encoding="utf-8"?>
-<p:sld xmlns:a="http://schemas.openxmlformats.org/drawingml/2006/main" xmlns:r="http://schemas.openxmlformats.org/officeDocument/2006/relationships" xmlns:p="http://schemas.openxmlformats.org/presentationml/2006/main">
-  <p:cSld name="Slide 4">
-    <p:bg>
-      <p:bgPr>
-        <a:solidFill>
-          <a:srgbClr val="4C50BB"/>
-        </a:solidFill>
-        <a:effectLst/>
-      </p:bgPr>
-    </p:bg>
-    <p:spTree>
-      <p:nvGrpSpPr>
-        <p:cNvPr id="1" name=""/>
-        <p:cNvGrpSpPr/>
-        <p:nvPr/>
-      </p:nvGrpSpPr>
-      <p:grpSpPr>
-        <a:xfrm>
-          <a:off x="0" y="0"/>
-          <a:ext cx="0" cy="0"/>
-          <a:chOff x="0" y="0"/>
-          <a:chExt cx="0" cy="0"/>
-        </a:xfrm>
-      </p:grpSpPr>
-      <p:grpSp>
-        <p:nvGrpSpPr>
-          <p:cNvPr id="1001" name="그룹 1001"/>
-          <p:cNvGrpSpPr/>
-          <p:nvPr/>
-        </p:nvGrpSpPr>
-        <p:grpSpPr>
-          <a:xfrm>
-            <a:off x="16986360" y="3561542"/>
-            <a:ext cx="1432688" cy="191978"/>
-            <a:chOff x="16986360" y="3561542"/>
-            <a:chExt cx="1432688" cy="191978"/>
-          </a:xfrm>
-        </p:grpSpPr>
-        <p:pic>
-          <p:nvPicPr>
-            <p:cNvPr id="3" name="Object 2"/>
-            <p:cNvPicPr>
-              <a:picLocks noChangeAspect="1"/>
-            </p:cNvPicPr>
-            <p:nvPr/>
-          </p:nvPicPr>
-          <p:blipFill>
-            <a:blip r:embed="rId2" cstate="print"/>
-            <a:stretch>
-              <a:fillRect/>
-            </a:stretch>
-          </p:blipFill>
-          <p:spPr>
-            <a:xfrm>
-              <a:off x="16986360" y="3561542"/>
-              <a:ext cx="1432688" cy="191978"/>
-            </a:xfrm>
-            <a:prstGeom prst="rect">
-              <a:avLst/>
-            </a:prstGeom>
-          </p:spPr>
-        </p:pic>
-      </p:grpSp>
-      <p:grpSp>
-        <p:nvGrpSpPr>
-          <p:cNvPr id="1002" name="그룹 1002"/>
-          <p:cNvGrpSpPr/>
-          <p:nvPr/>
-        </p:nvGrpSpPr>
-        <p:grpSpPr>
-          <a:xfrm>
-            <a:off x="5686747" y="-1286436"/>
-            <a:ext cx="4461240" cy="4417966"/>
-            <a:chOff x="5686747" y="-1286436"/>
-            <a:chExt cx="4461240" cy="4417966"/>
-          </a:xfrm>
-        </p:grpSpPr>
-        <p:pic>
-          <p:nvPicPr>
-            <p:cNvPr id="6" name="Object 5"/>
-            <p:cNvPicPr>
-              <a:picLocks noChangeAspect="1"/>
-            </p:cNvPicPr>
-            <p:nvPr/>
-          </p:nvPicPr>
-          <p:blipFill>
-            <a:blip r:embed="rId3" cstate="print"/>
-            <a:stretch>
-              <a:fillRect/>
-            </a:stretch>
-          </p:blipFill>
-          <p:spPr>
-            <a:xfrm>
-              <a:off x="5686747" y="-1286436"/>
-              <a:ext cx="4461240" cy="4417966"/>
-            </a:xfrm>
-            <a:prstGeom prst="rect">
-              <a:avLst/>
-            </a:prstGeom>
-          </p:spPr>
-        </p:pic>
-      </p:grpSp>
-      <p:grpSp>
-        <p:nvGrpSpPr>
-          <p:cNvPr id="1003" name="그룹 1003"/>
-          <p:cNvGrpSpPr/>
-          <p:nvPr/>
-        </p:nvGrpSpPr>
-        <p:grpSpPr>
-          <a:xfrm>
-            <a:off x="-901071" y="6888297"/>
-            <a:ext cx="4182908" cy="4182908"/>
-            <a:chOff x="-901071" y="6888297"/>
-            <a:chExt cx="4182908" cy="4182908"/>
-          </a:xfrm>
-        </p:grpSpPr>
-        <p:pic>
-          <p:nvPicPr>
-            <p:cNvPr id="9" name="Object 8"/>
-            <p:cNvPicPr>
-              <a:picLocks noChangeAspect="1"/>
-            </p:cNvPicPr>
-            <p:nvPr/>
-          </p:nvPicPr>
-          <p:blipFill>
-            <a:blip r:embed="rId4" cstate="print"/>
-            <a:stretch>
-              <a:fillRect/>
-            </a:stretch>
-          </p:blipFill>
-          <p:spPr>
-            <a:xfrm rot="-2700000">
-              <a:off x="-901071" y="6888297"/>
-              <a:ext cx="4182908" cy="4182908"/>
-            </a:xfrm>
-            <a:prstGeom prst="rect">
-              <a:avLst/>
-            </a:prstGeom>
-          </p:spPr>
-        </p:pic>
-      </p:grpSp>
-      <p:grpSp>
-        <p:nvGrpSpPr>
-          <p:cNvPr id="1004" name="그룹 1004"/>
-          <p:cNvGrpSpPr/>
-          <p:nvPr/>
-        </p:nvGrpSpPr>
-        <p:grpSpPr>
-          <a:xfrm>
-            <a:off x="1972602" y="5957321"/>
-            <a:ext cx="3452527" cy="3419037"/>
-            <a:chOff x="1972602" y="5957321"/>
-            <a:chExt cx="3452527" cy="3419037"/>
-          </a:xfrm>
-        </p:grpSpPr>
-        <p:pic>
-          <p:nvPicPr>
-            <p:cNvPr id="12" name="Object 11"/>
-            <p:cNvPicPr>
-              <a:picLocks noChangeAspect="1"/>
-            </p:cNvPicPr>
-            <p:nvPr/>
-          </p:nvPicPr>
-          <p:blipFill>
-            <a:blip r:embed="rId5" cstate="print"/>
-            <a:stretch>
-              <a:fillRect/>
-            </a:stretch>
-          </p:blipFill>
-          <p:spPr>
-            <a:xfrm>
-              <a:off x="1972602" y="5957321"/>
-              <a:ext cx="3452527" cy="3419037"/>
-            </a:xfrm>
-            <a:prstGeom prst="rect">
-              <a:avLst/>
-            </a:prstGeom>
-          </p:spPr>
-        </p:pic>
-      </p:grpSp>
-      <p:pic>
-        <p:nvPicPr>
-          <p:cNvPr id="14" name="Object 13"/>
-          <p:cNvPicPr>
-            <a:picLocks noChangeAspect="1"/>
-          </p:cNvPicPr>
-          <p:nvPr/>
-        </p:nvPicPr>
-        <p:blipFill>
-          <a:blip r:embed="rId6" cstate="print"/>
-          <a:stretch>
-            <a:fillRect/>
-          </a:stretch>
-        </p:blipFill>
-        <p:spPr>
-          <a:xfrm>
-            <a:off x="13669052" y="2416536"/>
-            <a:ext cx="3674181" cy="3286626"/>
-          </a:xfrm>
-          <a:prstGeom prst="rect">
-            <a:avLst/>
-          </a:prstGeom>
-        </p:spPr>
-      </p:pic>
-      <p:sp>
-        <p:nvSpPr>
-          <p:cNvPr id="2" name="TextBox 1">
-            <a:extLst>
-              <a:ext uri="{FF2B5EF4-FFF2-40B4-BE49-F238E27FC236}">
-                <a16:creationId xmlns="" xmlns:a16="http://schemas.microsoft.com/office/drawing/2014/main" id="{8D19D88B-9541-32D7-90F1-0C45C993E21C}"/>
-              </a:ext>
-            </a:extLst>
-          </p:cNvPr>
-          <p:cNvSpPr txBox="1"/>
-          <p:nvPr/>
-        </p:nvSpPr>
-        <p:spPr>
-          <a:xfrm>
-            <a:off x="10287000" y="5254704"/>
-            <a:ext cx="6407523" cy="1107996"/>
-          </a:xfrm>
-          <a:prstGeom prst="rect">
-            <a:avLst/>
-          </a:prstGeom>
-          <a:noFill/>
-        </p:spPr>
-        <p:txBody>
-          <a:bodyPr wrap="none" rtlCol="0">
-            <a:spAutoFit/>
-          </a:bodyPr>
-          <a:lstStyle/>
-          <a:p>
-            <a:r>
-              <a:rPr lang="ko-KR" altLang="en-US" sz="6600" dirty="0">
-                <a:solidFill>
-                  <a:schemeClr val="bg1"/>
-                </a:solidFill>
-                <a:latin typeface="G마켓 산스 Medium" panose="02000000000000000000" pitchFamily="50" charset="-127"/>
-                <a:ea typeface="G마켓 산스 Medium" panose="02000000000000000000" pitchFamily="50" charset="-127"/>
-              </a:rPr>
-              <a:t>객체지향의 이해</a:t>
-            </a:r>
-            <a:endParaRPr lang="en-US" altLang="ko-KR" sz="6600" dirty="0">
-              <a:solidFill>
-                <a:schemeClr val="bg1"/>
-              </a:solidFill>
-              <a:latin typeface="G마켓 산스 Medium" panose="02000000000000000000" pitchFamily="50" charset="-127"/>
-              <a:ea typeface="G마켓 산스 Medium" panose="02000000000000000000" pitchFamily="50" charset="-127"/>
-            </a:endParaRPr>
-          </a:p>
-        </p:txBody>
-      </p:sp>
-    </p:spTree>
-  </p:cSld>
-  <p:clrMapOvr>
-    <a:masterClrMapping/>
-  </p:clrMapOvr>
-</p:sld>
-</file>
-
-<file path=ppt/slides/slide30.xml><?xml version="1.0" encoding="utf-8"?>
+<file path=ppt/slides/slide33.xml><?xml version="1.0" encoding="utf-8"?>
 <p:sld xmlns:a="http://schemas.openxmlformats.org/drawingml/2006/main" xmlns:r="http://schemas.openxmlformats.org/officeDocument/2006/relationships" xmlns:p="http://schemas.openxmlformats.org/presentationml/2006/main">
   <p:cSld>
     <p:spTree>
@@ -24753,7 +27354,7 @@
 </p:sld>
 </file>
 
-<file path=ppt/slides/slide31.xml><?xml version="1.0" encoding="utf-8"?>
+<file path=ppt/slides/slide34.xml><?xml version="1.0" encoding="utf-8"?>
 <p:sld xmlns:a="http://schemas.openxmlformats.org/drawingml/2006/main" xmlns:r="http://schemas.openxmlformats.org/officeDocument/2006/relationships" xmlns:p="http://schemas.openxmlformats.org/presentationml/2006/main">
   <p:cSld>
     <p:bg>
@@ -25073,7 +27674,7 @@
 </p:sld>
 </file>
 
-<file path=ppt/slides/slide32.xml><?xml version="1.0" encoding="utf-8"?>
+<file path=ppt/slides/slide35.xml><?xml version="1.0" encoding="utf-8"?>
 <p:sld xmlns:a="http://schemas.openxmlformats.org/drawingml/2006/main" xmlns:r="http://schemas.openxmlformats.org/officeDocument/2006/relationships" xmlns:p="http://schemas.openxmlformats.org/presentationml/2006/main">
   <p:cSld>
     <p:spTree>
@@ -25653,7 +28254,7 @@
 </p:sld>
 </file>
 
-<file path=ppt/slides/slide33.xml><?xml version="1.0" encoding="utf-8"?>
+<file path=ppt/slides/slide36.xml><?xml version="1.0" encoding="utf-8"?>
 <p:sld xmlns:a="http://schemas.openxmlformats.org/drawingml/2006/main" xmlns:r="http://schemas.openxmlformats.org/officeDocument/2006/relationships" xmlns:p="http://schemas.openxmlformats.org/presentationml/2006/main">
   <p:cSld>
     <p:spTree>
@@ -25768,7 +28369,7 @@
 </p:sld>
 </file>
 
-<file path=ppt/slides/slide34.xml><?xml version="1.0" encoding="utf-8"?>
+<file path=ppt/slides/slide37.xml><?xml version="1.0" encoding="utf-8"?>
 <p:sld xmlns:a="http://schemas.openxmlformats.org/drawingml/2006/main" xmlns:r="http://schemas.openxmlformats.org/officeDocument/2006/relationships" xmlns:p="http://schemas.openxmlformats.org/presentationml/2006/main">
   <p:cSld>
     <p:spTree>
@@ -25883,7 +28484,7 @@
 </p:sld>
 </file>
 
-<file path=ppt/slides/slide35.xml><?xml version="1.0" encoding="utf-8"?>
+<file path=ppt/slides/slide38.xml><?xml version="1.0" encoding="utf-8"?>
 <p:sld xmlns:a="http://schemas.openxmlformats.org/drawingml/2006/main" xmlns:r="http://schemas.openxmlformats.org/officeDocument/2006/relationships" xmlns:p="http://schemas.openxmlformats.org/presentationml/2006/main">
   <p:cSld>
     <p:spTree>
@@ -26781,7 +29382,7 @@
 </p:sld>
 </file>
 
-<file path=ppt/slides/slide36.xml><?xml version="1.0" encoding="utf-8"?>
+<file path=ppt/slides/slide39.xml><?xml version="1.0" encoding="utf-8"?>
 <p:sld xmlns:a="http://schemas.openxmlformats.org/drawingml/2006/main" xmlns:r="http://schemas.openxmlformats.org/officeDocument/2006/relationships" xmlns:p="http://schemas.openxmlformats.org/presentationml/2006/main">
   <p:cSld>
     <p:spTree>
@@ -28578,7 +31179,105 @@
 </p:sld>
 </file>
 
-<file path=ppt/slides/slide37.xml><?xml version="1.0" encoding="utf-8"?>
+<file path=ppt/slides/slide4.xml><?xml version="1.0" encoding="utf-8"?>
+<p:sld xmlns:a="http://schemas.openxmlformats.org/drawingml/2006/main" xmlns:r="http://schemas.openxmlformats.org/officeDocument/2006/relationships" xmlns:p="http://schemas.openxmlformats.org/presentationml/2006/main">
+  <p:cSld>
+    <p:spTree>
+      <p:nvGrpSpPr>
+        <p:cNvPr id="1" name=""/>
+        <p:cNvGrpSpPr/>
+        <p:nvPr/>
+      </p:nvGrpSpPr>
+      <p:grpSpPr>
+        <a:xfrm>
+          <a:off x="0" y="0"/>
+          <a:ext cx="0" cy="0"/>
+          <a:chOff x="0" y="0"/>
+          <a:chExt cx="0" cy="0"/>
+        </a:xfrm>
+      </p:grpSpPr>
+      <p:sp>
+        <p:nvSpPr>
+          <p:cNvPr id="4" name="TextBox 3">
+            <a:extLst>
+              <a:ext uri="{FF2B5EF4-FFF2-40B4-BE49-F238E27FC236}">
+                <a16:creationId xmlns="" xmlns:a16="http://schemas.microsoft.com/office/drawing/2014/main" id="{DF7DDD33-9412-2802-339A-E55446AC2DA7}"/>
+              </a:ext>
+            </a:extLst>
+          </p:cNvPr>
+          <p:cNvSpPr txBox="1"/>
+          <p:nvPr/>
+        </p:nvSpPr>
+        <p:spPr>
+          <a:xfrm>
+            <a:off x="4572000" y="4152900"/>
+            <a:ext cx="9562233" cy="1107996"/>
+          </a:xfrm>
+          <a:prstGeom prst="rect">
+            <a:avLst/>
+          </a:prstGeom>
+          <a:noFill/>
+        </p:spPr>
+        <p:txBody>
+          <a:bodyPr wrap="none" rtlCol="0">
+            <a:spAutoFit/>
+          </a:bodyPr>
+          <a:lstStyle/>
+          <a:p>
+            <a:r>
+              <a:rPr lang="ko-KR" altLang="en-US" sz="6600">
+                <a:solidFill>
+                  <a:srgbClr val="4C50BC"/>
+                </a:solidFill>
+                <a:latin typeface="G마켓 산스 Bold"/>
+                <a:ea typeface="G마켓 산스 Medium" panose="02000000000000000000" pitchFamily="50" charset="-127"/>
+              </a:rPr>
+              <a:t>객체 </a:t>
+            </a:r>
+            <a:r>
+              <a:rPr lang="en-US" altLang="ko-KR" sz="6600">
+                <a:solidFill>
+                  <a:srgbClr val="4C50BC"/>
+                </a:solidFill>
+                <a:latin typeface="G마켓 산스 Bold"/>
+                <a:ea typeface="G마켓 산스 Medium" panose="02000000000000000000" pitchFamily="50" charset="-127"/>
+              </a:rPr>
+              <a:t>= </a:t>
+            </a:r>
+            <a:r>
+              <a:rPr lang="ko-KR" altLang="en-US" sz="6600">
+                <a:solidFill>
+                  <a:srgbClr val="4C50BC"/>
+                </a:solidFill>
+                <a:latin typeface="G마켓 산스 Bold"/>
+                <a:ea typeface="G마켓 산스 Medium" panose="02000000000000000000" pitchFamily="50" charset="-127"/>
+              </a:rPr>
+              <a:t>실제로 존재하는것</a:t>
+            </a:r>
+            <a:endParaRPr lang="ko-KR" altLang="en-US" sz="5400" dirty="0">
+              <a:solidFill>
+                <a:srgbClr val="4C50BC"/>
+              </a:solidFill>
+              <a:latin typeface="G마켓 산스 Bold"/>
+              <a:ea typeface="G마켓 산스 Medium" panose="02000000000000000000" pitchFamily="50" charset="-127"/>
+            </a:endParaRPr>
+          </a:p>
+        </p:txBody>
+      </p:sp>
+    </p:spTree>
+    <p:extLst>
+      <p:ext uri="{BB962C8B-B14F-4D97-AF65-F5344CB8AC3E}">
+        <p14:creationId xmlns:p14="http://schemas.microsoft.com/office/powerpoint/2010/main" val="4097097114"/>
+      </p:ext>
+    </p:extLst>
+  </p:cSld>
+  <p:clrMapOvr>
+    <a:masterClrMapping/>
+  </p:clrMapOvr>
+</p:sld>
+</file>
+
+<file path=ppt/slides/slide40.xml><?xml version="1.0" encoding="utf-8"?>
 <p:sld xmlns:a="http://schemas.openxmlformats.org/drawingml/2006/main" xmlns:r="http://schemas.openxmlformats.org/officeDocument/2006/relationships" xmlns:p="http://schemas.openxmlformats.org/presentationml/2006/main">
   <p:cSld>
     <p:spTree>
@@ -28839,7 +31538,7 @@
 </p:sld>
 </file>
 
-<file path=ppt/slides/slide38.xml><?xml version="1.0" encoding="utf-8"?>
+<file path=ppt/slides/slide41.xml><?xml version="1.0" encoding="utf-8"?>
 <p:sld xmlns:a="http://schemas.openxmlformats.org/drawingml/2006/main" xmlns:r="http://schemas.openxmlformats.org/officeDocument/2006/relationships" xmlns:p="http://schemas.openxmlformats.org/presentationml/2006/main">
   <p:cSld>
     <p:spTree>
@@ -30419,7 +33118,7 @@
 </p:sld>
 </file>
 
-<file path=ppt/slides/slide39.xml><?xml version="1.0" encoding="utf-8"?>
+<file path=ppt/slides/slide42.xml><?xml version="1.0" encoding="utf-8"?>
 <p:sld xmlns:a="http://schemas.openxmlformats.org/drawingml/2006/main" xmlns:r="http://schemas.openxmlformats.org/officeDocument/2006/relationships" xmlns:p="http://schemas.openxmlformats.org/presentationml/2006/main">
   <p:cSld>
     <p:spTree>
@@ -30821,105 +33520,7 @@
 </p:sld>
 </file>
 
-<file path=ppt/slides/slide4.xml><?xml version="1.0" encoding="utf-8"?>
-<p:sld xmlns:a="http://schemas.openxmlformats.org/drawingml/2006/main" xmlns:r="http://schemas.openxmlformats.org/officeDocument/2006/relationships" xmlns:p="http://schemas.openxmlformats.org/presentationml/2006/main">
-  <p:cSld>
-    <p:spTree>
-      <p:nvGrpSpPr>
-        <p:cNvPr id="1" name=""/>
-        <p:cNvGrpSpPr/>
-        <p:nvPr/>
-      </p:nvGrpSpPr>
-      <p:grpSpPr>
-        <a:xfrm>
-          <a:off x="0" y="0"/>
-          <a:ext cx="0" cy="0"/>
-          <a:chOff x="0" y="0"/>
-          <a:chExt cx="0" cy="0"/>
-        </a:xfrm>
-      </p:grpSpPr>
-      <p:sp>
-        <p:nvSpPr>
-          <p:cNvPr id="4" name="TextBox 3">
-            <a:extLst>
-              <a:ext uri="{FF2B5EF4-FFF2-40B4-BE49-F238E27FC236}">
-                <a16:creationId xmlns="" xmlns:a16="http://schemas.microsoft.com/office/drawing/2014/main" id="{DF7DDD33-9412-2802-339A-E55446AC2DA7}"/>
-              </a:ext>
-            </a:extLst>
-          </p:cNvPr>
-          <p:cNvSpPr txBox="1"/>
-          <p:nvPr/>
-        </p:nvSpPr>
-        <p:spPr>
-          <a:xfrm>
-            <a:off x="4572000" y="4152900"/>
-            <a:ext cx="9562233" cy="1107996"/>
-          </a:xfrm>
-          <a:prstGeom prst="rect">
-            <a:avLst/>
-          </a:prstGeom>
-          <a:noFill/>
-        </p:spPr>
-        <p:txBody>
-          <a:bodyPr wrap="none" rtlCol="0">
-            <a:spAutoFit/>
-          </a:bodyPr>
-          <a:lstStyle/>
-          <a:p>
-            <a:r>
-              <a:rPr lang="ko-KR" altLang="en-US" sz="6600">
-                <a:solidFill>
-                  <a:srgbClr val="4C50BC"/>
-                </a:solidFill>
-                <a:latin typeface="G마켓 산스 Bold"/>
-                <a:ea typeface="G마켓 산스 Medium" panose="02000000000000000000" pitchFamily="50" charset="-127"/>
-              </a:rPr>
-              <a:t>객체 </a:t>
-            </a:r>
-            <a:r>
-              <a:rPr lang="en-US" altLang="ko-KR" sz="6600">
-                <a:solidFill>
-                  <a:srgbClr val="4C50BC"/>
-                </a:solidFill>
-                <a:latin typeface="G마켓 산스 Bold"/>
-                <a:ea typeface="G마켓 산스 Medium" panose="02000000000000000000" pitchFamily="50" charset="-127"/>
-              </a:rPr>
-              <a:t>= </a:t>
-            </a:r>
-            <a:r>
-              <a:rPr lang="ko-KR" altLang="en-US" sz="6600">
-                <a:solidFill>
-                  <a:srgbClr val="4C50BC"/>
-                </a:solidFill>
-                <a:latin typeface="G마켓 산스 Bold"/>
-                <a:ea typeface="G마켓 산스 Medium" panose="02000000000000000000" pitchFamily="50" charset="-127"/>
-              </a:rPr>
-              <a:t>실제로 존재하는것</a:t>
-            </a:r>
-            <a:endParaRPr lang="ko-KR" altLang="en-US" sz="5400" dirty="0">
-              <a:solidFill>
-                <a:srgbClr val="4C50BC"/>
-              </a:solidFill>
-              <a:latin typeface="G마켓 산스 Bold"/>
-              <a:ea typeface="G마켓 산스 Medium" panose="02000000000000000000" pitchFamily="50" charset="-127"/>
-            </a:endParaRPr>
-          </a:p>
-        </p:txBody>
-      </p:sp>
-    </p:spTree>
-    <p:extLst>
-      <p:ext uri="{BB962C8B-B14F-4D97-AF65-F5344CB8AC3E}">
-        <p14:creationId xmlns:p14="http://schemas.microsoft.com/office/powerpoint/2010/main" val="4097097114"/>
-      </p:ext>
-    </p:extLst>
-  </p:cSld>
-  <p:clrMapOvr>
-    <a:masterClrMapping/>
-  </p:clrMapOvr>
-</p:sld>
-</file>
-
-<file path=ppt/slides/slide40.xml><?xml version="1.0" encoding="utf-8"?>
+<file path=ppt/slides/slide43.xml><?xml version="1.0" encoding="utf-8"?>
 <p:sld xmlns:a="http://schemas.openxmlformats.org/drawingml/2006/main" xmlns:r="http://schemas.openxmlformats.org/officeDocument/2006/relationships" xmlns:p="http://schemas.openxmlformats.org/presentationml/2006/main">
   <p:cSld>
     <p:spTree>
@@ -32159,7 +34760,7 @@
 </p:sld>
 </file>
 
-<file path=ppt/slides/slide41.xml><?xml version="1.0" encoding="utf-8"?>
+<file path=ppt/slides/slide44.xml><?xml version="1.0" encoding="utf-8"?>
 <p:sld xmlns:a="http://schemas.openxmlformats.org/drawingml/2006/main" xmlns:r="http://schemas.openxmlformats.org/officeDocument/2006/relationships" xmlns:p="http://schemas.openxmlformats.org/presentationml/2006/main">
   <p:cSld>
     <p:spTree>
@@ -32326,7 +34927,7 @@
 </p:sld>
 </file>
 
-<file path=ppt/slides/slide42.xml><?xml version="1.0" encoding="utf-8"?>
+<file path=ppt/slides/slide45.xml><?xml version="1.0" encoding="utf-8"?>
 <p:sld xmlns:a="http://schemas.openxmlformats.org/drawingml/2006/main" xmlns:r="http://schemas.openxmlformats.org/officeDocument/2006/relationships" xmlns:p="http://schemas.openxmlformats.org/presentationml/2006/main">
   <p:cSld>
     <p:spTree>
@@ -32507,7 +35108,7 @@
 </p:sld>
 </file>
 
-<file path=ppt/slides/slide43.xml><?xml version="1.0" encoding="utf-8"?>
+<file path=ppt/slides/slide46.xml><?xml version="1.0" encoding="utf-8"?>
 <p:sld xmlns:a="http://schemas.openxmlformats.org/drawingml/2006/main" xmlns:r="http://schemas.openxmlformats.org/officeDocument/2006/relationships" xmlns:p="http://schemas.openxmlformats.org/presentationml/2006/main">
   <p:cSld>
     <p:spTree>
@@ -32614,20 +35215,7 @@
                 <a:latin typeface="G마켓 산스 Medium" panose="02000000000000000000" pitchFamily="50" charset="-127"/>
                 <a:ea typeface="G마켓 산스 Medium" panose="02000000000000000000" pitchFamily="50" charset="-127"/>
               </a:rPr>
-              <a:t>3. </a:t>
-            </a:r>
-            <a:r>
-              <a:rPr lang="en-US" altLang="ko-KR" sz="2800" smtClean="0">
-                <a:solidFill>
-                  <a:schemeClr val="tx1">
-                    <a:lumMod val="50000"/>
-                    <a:lumOff val="50000"/>
-                  </a:schemeClr>
-                </a:solidFill>
-                <a:latin typeface="G마켓 산스 Medium" panose="02000000000000000000" pitchFamily="50" charset="-127"/>
-                <a:ea typeface="G마켓 산스 Medium" panose="02000000000000000000" pitchFamily="50" charset="-127"/>
-              </a:rPr>
-              <a:t>MyMath </a:t>
+              <a:t>3. MyMath </a:t>
             </a:r>
             <a:r>
               <a:rPr lang="ko-KR" altLang="en-US" sz="2800" smtClean="0">
@@ -32706,16 +35294,6 @@
               </a:rPr>
               <a:t>power(3,4)  -&gt; 3x3x3x3  =81</a:t>
             </a:r>
-            <a:endParaRPr lang="en-US" altLang="ko-KR" sz="2800" smtClean="0">
-              <a:solidFill>
-                <a:schemeClr val="tx1">
-                  <a:lumMod val="50000"/>
-                  <a:lumOff val="50000"/>
-                </a:schemeClr>
-              </a:solidFill>
-              <a:latin typeface="G마켓 산스 Medium" panose="02000000000000000000" pitchFamily="50" charset="-127"/>
-              <a:ea typeface="G마켓 산스 Medium" panose="02000000000000000000" pitchFamily="50" charset="-127"/>
-            </a:endParaRPr>
           </a:p>
         </p:txBody>
       </p:sp>
@@ -32849,20 +35427,7 @@
                 <a:latin typeface="G마켓 산스 Medium" panose="02000000000000000000" pitchFamily="50" charset="-127"/>
                 <a:ea typeface="G마켓 산스 Medium" panose="02000000000000000000" pitchFamily="50" charset="-127"/>
               </a:rPr>
-              <a:t>메서드</a:t>
-            </a:r>
-            <a:r>
-              <a:rPr lang="ko-KR" altLang="en-US" sz="2800" smtClean="0">
-                <a:solidFill>
-                  <a:schemeClr val="tx1">
-                    <a:lumMod val="50000"/>
-                    <a:lumOff val="50000"/>
-                  </a:schemeClr>
-                </a:solidFill>
-                <a:latin typeface="G마켓 산스 Medium" panose="02000000000000000000" pitchFamily="50" charset="-127"/>
-                <a:ea typeface="G마켓 산스 Medium" panose="02000000000000000000" pitchFamily="50" charset="-127"/>
-              </a:rPr>
-              <a:t>를 </a:t>
+              <a:t>메서드를 </a:t>
             </a:r>
             <a:r>
               <a:rPr lang="en-US" altLang="ko-KR" sz="2800" smtClean="0">
@@ -32968,20 +35533,7 @@
                 <a:latin typeface="G마켓 산스 Medium" panose="02000000000000000000" pitchFamily="50" charset="-127"/>
                 <a:ea typeface="G마켓 산스 Medium" panose="02000000000000000000" pitchFamily="50" charset="-127"/>
               </a:rPr>
-              <a:t>2.</a:t>
-            </a:r>
-            <a:r>
-              <a:rPr lang="en-US" altLang="ko-KR" sz="2800" smtClean="0">
-                <a:solidFill>
-                  <a:schemeClr val="tx1">
-                    <a:lumMod val="50000"/>
-                    <a:lumOff val="50000"/>
-                  </a:schemeClr>
-                </a:solidFill>
-                <a:latin typeface="G마켓 산스 Medium" panose="02000000000000000000" pitchFamily="50" charset="-127"/>
-                <a:ea typeface="G마켓 산스 Medium" panose="02000000000000000000" pitchFamily="50" charset="-127"/>
-              </a:rPr>
-              <a:t>MyMath </a:t>
+              <a:t>2.MyMath </a:t>
             </a:r>
             <a:r>
               <a:rPr lang="ko-KR" altLang="en-US" sz="2800" smtClean="0">
@@ -34502,7 +37054,7 @@
         </p:nvSpPr>
         <p:spPr>
           <a:xfrm>
-            <a:off x="969498" y="6134100"/>
+            <a:off x="609600" y="6134100"/>
             <a:ext cx="16632702" cy="1815882"/>
           </a:xfrm>
           <a:prstGeom prst="rect">
@@ -34624,20 +37176,7 @@
                 <a:latin typeface="G마켓 산스 Medium" panose="02000000000000000000" pitchFamily="50" charset="-127"/>
                 <a:ea typeface="G마켓 산스 Medium" panose="02000000000000000000" pitchFamily="50" charset="-127"/>
               </a:rPr>
-              <a:t>한번에 하나의 원판만 옮길수 </a:t>
-            </a:r>
-            <a:r>
-              <a:rPr lang="ko-KR" altLang="en-US" sz="2800">
-                <a:solidFill>
-                  <a:schemeClr val="tx1">
-                    <a:lumMod val="50000"/>
-                    <a:lumOff val="50000"/>
-                  </a:schemeClr>
-                </a:solidFill>
-                <a:latin typeface="G마켓 산스 Medium" panose="02000000000000000000" pitchFamily="50" charset="-127"/>
-                <a:ea typeface="G마켓 산스 Medium" panose="02000000000000000000" pitchFamily="50" charset="-127"/>
-              </a:rPr>
-              <a:t>있다</a:t>
+              <a:t>한번에 하나의 원판만 옮길수 있다</a:t>
             </a:r>
             <a:r>
               <a:rPr lang="en-US" altLang="ko-KR" sz="2800" smtClean="0">
@@ -34792,7 +37331,7 @@
         </p:blipFill>
         <p:spPr>
           <a:xfrm>
-            <a:off x="1524000" y="8267700"/>
+            <a:off x="304800" y="8267700"/>
             <a:ext cx="3876675" cy="1371600"/>
           </a:xfrm>
           <a:prstGeom prst="rect">
@@ -34816,7 +37355,7 @@
         </p:blipFill>
         <p:spPr>
           <a:xfrm>
-            <a:off x="7128942" y="8375616"/>
+            <a:off x="5181600" y="8375616"/>
             <a:ext cx="3924747" cy="1216791"/>
           </a:xfrm>
           <a:prstGeom prst="rect">
@@ -34838,7 +37377,7 @@
         </p:nvGrpSpPr>
         <p:grpSpPr>
           <a:xfrm>
-            <a:off x="5995767" y="8659996"/>
+            <a:off x="4419600" y="8659996"/>
             <a:ext cx="720996" cy="587007"/>
             <a:chOff x="9011713" y="5350533"/>
             <a:chExt cx="720996" cy="587007"/>
@@ -34998,6 +37537,579 @@
           </p:pic>
         </p:grpSp>
       </p:grpSp>
+      <p:pic>
+        <p:nvPicPr>
+          <p:cNvPr id="18" name="그림 17"/>
+          <p:cNvPicPr>
+            <a:picLocks noChangeAspect="1"/>
+          </p:cNvPicPr>
+          <p:nvPr/>
+        </p:nvPicPr>
+        <p:blipFill>
+          <a:blip r:embed="rId7"/>
+          <a:stretch>
+            <a:fillRect/>
+          </a:stretch>
+        </p:blipFill>
+        <p:spPr>
+          <a:xfrm>
+            <a:off x="9220200" y="6568329"/>
+            <a:ext cx="2645225" cy="3604371"/>
+          </a:xfrm>
+          <a:prstGeom prst="rect">
+            <a:avLst/>
+          </a:prstGeom>
+        </p:spPr>
+      </p:pic>
+      <p:graphicFrame>
+        <p:nvGraphicFramePr>
+          <p:cNvPr id="19" name="표 2">
+            <a:extLst>
+              <a:ext uri="{FF2B5EF4-FFF2-40B4-BE49-F238E27FC236}">
+                <a16:creationId xmlns="" xmlns:a16="http://schemas.microsoft.com/office/drawing/2014/main" id="{D2CC6F32-611A-E22D-EB8C-52D626A5B319}"/>
+              </a:ext>
+            </a:extLst>
+          </p:cNvPr>
+          <p:cNvGraphicFramePr>
+            <a:graphicFrameLocks noGrp="1"/>
+          </p:cNvGraphicFramePr>
+          <p:nvPr>
+            <p:extLst>
+              <p:ext uri="{D42A27DB-BD31-4B8C-83A1-F6EECF244321}">
+                <p14:modId xmlns:p14="http://schemas.microsoft.com/office/powerpoint/2010/main" val="1129566302"/>
+              </p:ext>
+            </p:extLst>
+          </p:nvPr>
+        </p:nvGraphicFramePr>
+        <p:xfrm>
+          <a:off x="11887199" y="6974079"/>
+          <a:ext cx="6355227" cy="1767840"/>
+        </p:xfrm>
+        <a:graphic>
+          <a:graphicData uri="http://schemas.openxmlformats.org/drawingml/2006/table">
+            <a:tbl>
+              <a:tblPr firstRow="1" bandRow="1">
+                <a:tableStyleId>{5C22544A-7EE6-4342-B048-85BDC9FD1C3A}</a:tableStyleId>
+              </a:tblPr>
+              <a:tblGrid>
+                <a:gridCol w="1360600">
+                  <a:extLst>
+                    <a:ext uri="{9D8B030D-6E8A-4147-A177-3AD203B41FA5}">
+                      <a16:colId xmlns="" xmlns:a16="http://schemas.microsoft.com/office/drawing/2014/main" val="1960770391"/>
+                    </a:ext>
+                  </a:extLst>
+                </a:gridCol>
+                <a:gridCol w="1246559">
+                  <a:extLst>
+                    <a:ext uri="{9D8B030D-6E8A-4147-A177-3AD203B41FA5}">
+                      <a16:colId xmlns="" xmlns:a16="http://schemas.microsoft.com/office/drawing/2014/main" val="733308553"/>
+                    </a:ext>
+                  </a:extLst>
+                </a:gridCol>
+                <a:gridCol w="3748068">
+                  <a:extLst>
+                    <a:ext uri="{9D8B030D-6E8A-4147-A177-3AD203B41FA5}">
+                      <a16:colId xmlns="" xmlns:a16="http://schemas.microsoft.com/office/drawing/2014/main" val="1661322813"/>
+                    </a:ext>
+                  </a:extLst>
+                </a:gridCol>
+              </a:tblGrid>
+              <a:tr h="370840">
+                <a:tc>
+                  <a:txBody>
+                    <a:bodyPr/>
+                    <a:lstStyle/>
+                    <a:p>
+                      <a:pPr latinLnBrk="1"/>
+                      <a:r>
+                        <a:rPr lang="ko-KR" altLang="en-US" sz="2200" dirty="0">
+                          <a:solidFill>
+                            <a:schemeClr val="bg1"/>
+                          </a:solidFill>
+                          <a:ea typeface="G마켓 산스 Medium" panose="02000000000000000000"/>
+                        </a:rPr>
+                        <a:t>클래스명</a:t>
+                      </a:r>
+                    </a:p>
+                  </a:txBody>
+                  <a:tcPr>
+                    <a:lnL w="12700" cap="flat" cmpd="sng" algn="ctr">
+                      <a:solidFill>
+                        <a:schemeClr val="tx1"/>
+                      </a:solidFill>
+                      <a:prstDash val="solid"/>
+                      <a:round/>
+                      <a:headEnd type="none" w="med" len="med"/>
+                      <a:tailEnd type="none" w="med" len="med"/>
+                    </a:lnL>
+                    <a:lnR w="12700" cap="flat" cmpd="sng" algn="ctr">
+                      <a:solidFill>
+                        <a:schemeClr val="tx1"/>
+                      </a:solidFill>
+                      <a:prstDash val="solid"/>
+                      <a:round/>
+                      <a:headEnd type="none" w="med" len="med"/>
+                      <a:tailEnd type="none" w="med" len="med"/>
+                    </a:lnR>
+                    <a:lnT w="12700" cap="flat" cmpd="sng" algn="ctr">
+                      <a:solidFill>
+                        <a:schemeClr val="tx1"/>
+                      </a:solidFill>
+                      <a:prstDash val="solid"/>
+                      <a:round/>
+                      <a:headEnd type="none" w="med" len="med"/>
+                      <a:tailEnd type="none" w="med" len="med"/>
+                    </a:lnT>
+                    <a:lnB w="12700" cap="flat" cmpd="sng" algn="ctr">
+                      <a:solidFill>
+                        <a:schemeClr val="tx1"/>
+                      </a:solidFill>
+                      <a:prstDash val="solid"/>
+                      <a:round/>
+                      <a:headEnd type="none" w="med" len="med"/>
+                      <a:tailEnd type="none" w="med" len="med"/>
+                    </a:lnB>
+                    <a:solidFill>
+                      <a:srgbClr val="4C50BC"/>
+                    </a:solidFill>
+                  </a:tcPr>
+                </a:tc>
+                <a:tc>
+                  <a:txBody>
+                    <a:bodyPr/>
+                    <a:lstStyle/>
+                    <a:p>
+                      <a:pPr latinLnBrk="1"/>
+                      <a:r>
+                        <a:rPr lang="en-US" altLang="ko-KR" sz="2200" smtClean="0">
+                          <a:solidFill>
+                            <a:schemeClr val="bg1"/>
+                          </a:solidFill>
+                          <a:ea typeface="G마켓 산스 Medium" panose="02000000000000000000"/>
+                        </a:rPr>
+                        <a:t>HanoiTower</a:t>
+                      </a:r>
+                      <a:endParaRPr lang="ko-KR" altLang="en-US" sz="2200" dirty="0">
+                        <a:solidFill>
+                          <a:schemeClr val="bg1"/>
+                        </a:solidFill>
+                        <a:ea typeface="G마켓 산스 Medium" panose="02000000000000000000"/>
+                      </a:endParaRPr>
+                    </a:p>
+                  </a:txBody>
+                  <a:tcPr>
+                    <a:lnL w="12700" cap="flat" cmpd="sng" algn="ctr">
+                      <a:solidFill>
+                        <a:schemeClr val="tx1"/>
+                      </a:solidFill>
+                      <a:prstDash val="solid"/>
+                      <a:round/>
+                      <a:headEnd type="none" w="med" len="med"/>
+                      <a:tailEnd type="none" w="med" len="med"/>
+                    </a:lnL>
+                    <a:lnR w="12700" cap="flat" cmpd="sng" algn="ctr">
+                      <a:solidFill>
+                        <a:schemeClr val="tx1"/>
+                      </a:solidFill>
+                      <a:prstDash val="solid"/>
+                      <a:round/>
+                      <a:headEnd type="none" w="med" len="med"/>
+                      <a:tailEnd type="none" w="med" len="med"/>
+                    </a:lnR>
+                    <a:lnT w="12700" cap="flat" cmpd="sng" algn="ctr">
+                      <a:solidFill>
+                        <a:schemeClr val="tx1"/>
+                      </a:solidFill>
+                      <a:prstDash val="solid"/>
+                      <a:round/>
+                      <a:headEnd type="none" w="med" len="med"/>
+                      <a:tailEnd type="none" w="med" len="med"/>
+                    </a:lnT>
+                    <a:lnB w="12700" cap="flat" cmpd="sng" algn="ctr">
+                      <a:solidFill>
+                        <a:schemeClr val="tx1"/>
+                      </a:solidFill>
+                      <a:prstDash val="solid"/>
+                      <a:round/>
+                      <a:headEnd type="none" w="med" len="med"/>
+                      <a:tailEnd type="none" w="med" len="med"/>
+                    </a:lnB>
+                    <a:solidFill>
+                      <a:srgbClr val="4C50BC"/>
+                    </a:solidFill>
+                  </a:tcPr>
+                </a:tc>
+                <a:tc>
+                  <a:txBody>
+                    <a:bodyPr/>
+                    <a:lstStyle/>
+                    <a:p>
+                      <a:pPr latinLnBrk="1"/>
+                      <a:endParaRPr lang="ko-KR" altLang="en-US" sz="2000" dirty="0">
+                        <a:solidFill>
+                          <a:schemeClr val="bg1"/>
+                        </a:solidFill>
+                        <a:ea typeface="G마켓 산스 Medium" panose="02000000000000000000"/>
+                      </a:endParaRPr>
+                    </a:p>
+                  </a:txBody>
+                  <a:tcPr>
+                    <a:lnL w="12700" cap="flat" cmpd="sng" algn="ctr">
+                      <a:solidFill>
+                        <a:schemeClr val="tx1"/>
+                      </a:solidFill>
+                      <a:prstDash val="solid"/>
+                      <a:round/>
+                      <a:headEnd type="none" w="med" len="med"/>
+                      <a:tailEnd type="none" w="med" len="med"/>
+                    </a:lnL>
+                    <a:lnR w="12700" cap="flat" cmpd="sng" algn="ctr">
+                      <a:solidFill>
+                        <a:schemeClr val="tx1"/>
+                      </a:solidFill>
+                      <a:prstDash val="solid"/>
+                      <a:round/>
+                      <a:headEnd type="none" w="med" len="med"/>
+                      <a:tailEnd type="none" w="med" len="med"/>
+                    </a:lnR>
+                    <a:lnT w="12700" cap="flat" cmpd="sng" algn="ctr">
+                      <a:solidFill>
+                        <a:schemeClr val="tx1"/>
+                      </a:solidFill>
+                      <a:prstDash val="solid"/>
+                      <a:round/>
+                      <a:headEnd type="none" w="med" len="med"/>
+                      <a:tailEnd type="none" w="med" len="med"/>
+                    </a:lnT>
+                    <a:lnB w="12700" cap="flat" cmpd="sng" algn="ctr">
+                      <a:solidFill>
+                        <a:schemeClr val="tx1"/>
+                      </a:solidFill>
+                      <a:prstDash val="solid"/>
+                      <a:round/>
+                      <a:headEnd type="none" w="med" len="med"/>
+                      <a:tailEnd type="none" w="med" len="med"/>
+                    </a:lnB>
+                    <a:solidFill>
+                      <a:srgbClr val="4C50BC"/>
+                    </a:solidFill>
+                  </a:tcPr>
+                </a:tc>
+                <a:extLst>
+                  <a:ext uri="{0D108BD9-81ED-4DB2-BD59-A6C34878D82A}">
+                    <a16:rowId xmlns="" xmlns:a16="http://schemas.microsoft.com/office/drawing/2014/main" val="2452905565"/>
+                  </a:ext>
+                </a:extLst>
+              </a:tr>
+              <a:tr h="381000">
+                <a:tc>
+                  <a:txBody>
+                    <a:bodyPr/>
+                    <a:lstStyle/>
+                    <a:p>
+                      <a:pPr marL="0" marR="0" lvl="0" indent="0" algn="l" defTabSz="914400" rtl="0" eaLnBrk="1" fontAlgn="auto" latinLnBrk="1" hangingPunct="1">
+                        <a:lnSpc>
+                          <a:spcPct val="100000"/>
+                        </a:lnSpc>
+                        <a:spcBef>
+                          <a:spcPts val="0"/>
+                        </a:spcBef>
+                        <a:spcAft>
+                          <a:spcPts val="0"/>
+                        </a:spcAft>
+                        <a:buClrTx/>
+                        <a:buSzTx/>
+                        <a:buFontTx/>
+                        <a:buNone/>
+                        <a:tabLst/>
+                        <a:defRPr/>
+                      </a:pPr>
+                      <a:r>
+                        <a:rPr lang="ko-KR" altLang="en-US" sz="2200" dirty="0">
+                          <a:ea typeface="G마켓 산스 Medium" panose="02000000000000000000"/>
+                        </a:rPr>
+                        <a:t>메서드</a:t>
+                      </a:r>
+                    </a:p>
+                    <a:p>
+                      <a:pPr latinLnBrk="1"/>
+                      <a:endParaRPr lang="ko-KR" altLang="en-US" sz="2200" dirty="0">
+                        <a:ea typeface="G마켓 산스 Medium" panose="02000000000000000000"/>
+                      </a:endParaRPr>
+                    </a:p>
+                  </a:txBody>
+                  <a:tcPr>
+                    <a:lnL w="12700" cap="flat" cmpd="sng" algn="ctr">
+                      <a:solidFill>
+                        <a:schemeClr val="tx1"/>
+                      </a:solidFill>
+                      <a:prstDash val="solid"/>
+                      <a:round/>
+                      <a:headEnd type="none" w="med" len="med"/>
+                      <a:tailEnd type="none" w="med" len="med"/>
+                    </a:lnL>
+                    <a:lnR w="12700" cap="flat" cmpd="sng" algn="ctr">
+                      <a:solidFill>
+                        <a:schemeClr val="tx1"/>
+                      </a:solidFill>
+                      <a:prstDash val="solid"/>
+                      <a:round/>
+                      <a:headEnd type="none" w="med" len="med"/>
+                      <a:tailEnd type="none" w="med" len="med"/>
+                    </a:lnR>
+                    <a:lnT w="12700" cap="flat" cmpd="sng" algn="ctr">
+                      <a:solidFill>
+                        <a:schemeClr val="tx1"/>
+                      </a:solidFill>
+                      <a:prstDash val="solid"/>
+                      <a:round/>
+                      <a:headEnd type="none" w="med" len="med"/>
+                      <a:tailEnd type="none" w="med" len="med"/>
+                    </a:lnT>
+                    <a:lnB w="12700" cap="flat" cmpd="sng" algn="ctr">
+                      <a:solidFill>
+                        <a:schemeClr val="tx1"/>
+                      </a:solidFill>
+                      <a:prstDash val="solid"/>
+                      <a:round/>
+                      <a:headEnd type="none" w="med" len="med"/>
+                      <a:tailEnd type="none" w="med" len="med"/>
+                    </a:lnB>
+                    <a:noFill/>
+                  </a:tcPr>
+                </a:tc>
+                <a:tc>
+                  <a:txBody>
+                    <a:bodyPr/>
+                    <a:lstStyle/>
+                    <a:p>
+                      <a:pPr latinLnBrk="1"/>
+                      <a:r>
+                        <a:rPr lang="en-US" altLang="ko-KR" sz="2200" smtClean="0">
+                          <a:ea typeface="G마켓 산스 Medium" panose="02000000000000000000"/>
+                        </a:rPr>
+                        <a:t>resolve()</a:t>
+                      </a:r>
+                      <a:endParaRPr lang="ko-KR" altLang="en-US" sz="2200" dirty="0">
+                        <a:ea typeface="G마켓 산스 Medium" panose="02000000000000000000"/>
+                      </a:endParaRPr>
+                    </a:p>
+                  </a:txBody>
+                  <a:tcPr>
+                    <a:lnL w="12700" cap="flat" cmpd="sng" algn="ctr">
+                      <a:solidFill>
+                        <a:schemeClr val="tx1"/>
+                      </a:solidFill>
+                      <a:prstDash val="solid"/>
+                      <a:round/>
+                      <a:headEnd type="none" w="med" len="med"/>
+                      <a:tailEnd type="none" w="med" len="med"/>
+                    </a:lnL>
+                    <a:lnR w="12700" cap="flat" cmpd="sng" algn="ctr">
+                      <a:solidFill>
+                        <a:schemeClr val="tx1"/>
+                      </a:solidFill>
+                      <a:prstDash val="solid"/>
+                      <a:round/>
+                      <a:headEnd type="none" w="med" len="med"/>
+                      <a:tailEnd type="none" w="med" len="med"/>
+                    </a:lnR>
+                    <a:lnT w="12700" cap="flat" cmpd="sng" algn="ctr">
+                      <a:solidFill>
+                        <a:schemeClr val="tx1"/>
+                      </a:solidFill>
+                      <a:prstDash val="solid"/>
+                      <a:round/>
+                      <a:headEnd type="none" w="med" len="med"/>
+                      <a:tailEnd type="none" w="med" len="med"/>
+                    </a:lnT>
+                    <a:lnB w="12700" cap="flat" cmpd="sng" algn="ctr">
+                      <a:solidFill>
+                        <a:schemeClr val="tx1"/>
+                      </a:solidFill>
+                      <a:prstDash val="solid"/>
+                      <a:round/>
+                      <a:headEnd type="none" w="med" len="med"/>
+                      <a:tailEnd type="none" w="med" len="med"/>
+                    </a:lnB>
+                    <a:noFill/>
+                  </a:tcPr>
+                </a:tc>
+                <a:tc>
+                  <a:txBody>
+                    <a:bodyPr/>
+                    <a:lstStyle/>
+                    <a:p>
+                      <a:pPr latinLnBrk="1"/>
+                      <a:r>
+                        <a:rPr lang="ko-KR" altLang="en-US" sz="2000" dirty="0">
+                          <a:ea typeface="G마켓 산스 Medium" panose="02000000000000000000"/>
+                        </a:rPr>
+                        <a:t>매개변수</a:t>
+                      </a:r>
+                      <a:r>
+                        <a:rPr lang="en-US" altLang="ko-KR" sz="2000">
+                          <a:ea typeface="G마켓 산스 Medium" panose="02000000000000000000"/>
+                        </a:rPr>
+                        <a:t>: </a:t>
+                      </a:r>
+                      <a:r>
+                        <a:rPr lang="ko-KR" altLang="en-US" sz="2000" smtClean="0">
+                          <a:ea typeface="G마켓 산스 Medium" panose="02000000000000000000"/>
+                        </a:rPr>
+                        <a:t>원판수</a:t>
+                      </a:r>
+                      <a:r>
+                        <a:rPr lang="en-US" altLang="ko-KR" sz="2000" smtClean="0">
+                          <a:ea typeface="G마켓 산스 Medium" panose="02000000000000000000"/>
+                        </a:rPr>
+                        <a:t>,</a:t>
+                      </a:r>
+                      <a:r>
+                        <a:rPr lang="ko-KR" altLang="en-US" sz="2000" smtClean="0">
+                          <a:ea typeface="G마켓 산스 Medium" panose="02000000000000000000"/>
+                        </a:rPr>
+                        <a:t>출발</a:t>
+                      </a:r>
+                      <a:r>
+                        <a:rPr lang="en-US" altLang="ko-KR" sz="2000" smtClean="0">
+                          <a:ea typeface="G마켓 산스 Medium" panose="02000000000000000000"/>
+                        </a:rPr>
+                        <a:t>,</a:t>
+                      </a:r>
+                      <a:r>
+                        <a:rPr lang="ko-KR" altLang="en-US" sz="2000" smtClean="0">
+                          <a:ea typeface="G마켓 산스 Medium" panose="02000000000000000000"/>
+                        </a:rPr>
+                        <a:t>임시</a:t>
+                      </a:r>
+                      <a:r>
+                        <a:rPr lang="en-US" altLang="ko-KR" sz="2000" smtClean="0">
+                          <a:ea typeface="G마켓 산스 Medium" panose="02000000000000000000"/>
+                        </a:rPr>
+                        <a:t>,</a:t>
+                      </a:r>
+                      <a:r>
+                        <a:rPr lang="ko-KR" altLang="en-US" sz="2000" smtClean="0">
+                          <a:ea typeface="G마켓 산스 Medium" panose="02000000000000000000"/>
+                        </a:rPr>
+                        <a:t>도착</a:t>
+                      </a:r>
+                      <a:endParaRPr lang="en-US" altLang="ko-KR" sz="2000" smtClean="0">
+                        <a:ea typeface="G마켓 산스 Medium" panose="02000000000000000000"/>
+                      </a:endParaRPr>
+                    </a:p>
+                    <a:p>
+                      <a:pPr latinLnBrk="1"/>
+                      <a:r>
+                        <a:rPr lang="ko-KR" altLang="en-US" sz="2000" smtClean="0">
+                          <a:ea typeface="G마켓 산스 Medium" panose="02000000000000000000"/>
+                        </a:rPr>
+                        <a:t>내용</a:t>
+                      </a:r>
+                      <a:r>
+                        <a:rPr lang="en-US" altLang="ko-KR" sz="2000" smtClean="0">
+                          <a:ea typeface="G마켓 산스 Medium" panose="02000000000000000000"/>
+                        </a:rPr>
+                        <a:t>: </a:t>
+                      </a:r>
+                      <a:r>
+                        <a:rPr lang="ko-KR" altLang="en-US" sz="2000" smtClean="0">
+                          <a:ea typeface="G마켓 산스 Medium" panose="02000000000000000000"/>
+                        </a:rPr>
+                        <a:t>원판을 도착지로 옮긴다</a:t>
+                      </a:r>
+                      <a:r>
+                        <a:rPr lang="en-US" altLang="ko-KR" sz="2000" smtClean="0">
+                          <a:ea typeface="G마켓 산스 Medium" panose="02000000000000000000"/>
+                        </a:rPr>
+                        <a:t>.</a:t>
+                      </a:r>
+                      <a:endParaRPr lang="en-US" altLang="ko-KR" sz="2000" dirty="0">
+                        <a:ea typeface="G마켓 산스 Medium" panose="02000000000000000000"/>
+                      </a:endParaRPr>
+                    </a:p>
+                    <a:p>
+                      <a:pPr latinLnBrk="1"/>
+                      <a:r>
+                        <a:rPr lang="ko-KR" altLang="en-US" sz="2000" dirty="0">
+                          <a:ea typeface="G마켓 산스 Medium" panose="02000000000000000000"/>
+                        </a:rPr>
+                        <a:t>리턴</a:t>
+                      </a:r>
+                      <a:r>
+                        <a:rPr lang="en-US" altLang="ko-KR" sz="2000">
+                          <a:ea typeface="G마켓 산스 Medium" panose="02000000000000000000"/>
+                        </a:rPr>
+                        <a:t>: </a:t>
+                      </a:r>
+                      <a:r>
+                        <a:rPr lang="ko-KR" altLang="en-US" sz="2000">
+                          <a:ea typeface="G마켓 산스 Medium" panose="02000000000000000000"/>
+                        </a:rPr>
+                        <a:t> </a:t>
+                      </a:r>
+                      <a:r>
+                        <a:rPr lang="ko-KR" altLang="en-US" sz="2000" smtClean="0">
+                          <a:ea typeface="G마켓 산스 Medium" panose="02000000000000000000"/>
+                        </a:rPr>
+                        <a:t>없음</a:t>
+                      </a:r>
+                      <a:endParaRPr lang="en-US" altLang="ko-KR" sz="2000" smtClean="0">
+                        <a:ea typeface="G마켓 산스 Medium" panose="02000000000000000000"/>
+                      </a:endParaRPr>
+                    </a:p>
+                  </a:txBody>
+                  <a:tcPr>
+                    <a:lnL w="12700" cap="flat" cmpd="sng" algn="ctr">
+                      <a:solidFill>
+                        <a:schemeClr val="tx1"/>
+                      </a:solidFill>
+                      <a:prstDash val="solid"/>
+                      <a:round/>
+                      <a:headEnd type="none" w="med" len="med"/>
+                      <a:tailEnd type="none" w="med" len="med"/>
+                    </a:lnL>
+                    <a:lnR w="12700" cap="flat" cmpd="sng" algn="ctr">
+                      <a:solidFill>
+                        <a:schemeClr val="tx1"/>
+                      </a:solidFill>
+                      <a:prstDash val="solid"/>
+                      <a:round/>
+                      <a:headEnd type="none" w="med" len="med"/>
+                      <a:tailEnd type="none" w="med" len="med"/>
+                    </a:lnR>
+                    <a:lnT w="12700" cap="flat" cmpd="sng" algn="ctr">
+                      <a:solidFill>
+                        <a:schemeClr val="tx1"/>
+                      </a:solidFill>
+                      <a:prstDash val="solid"/>
+                      <a:round/>
+                      <a:headEnd type="none" w="med" len="med"/>
+                      <a:tailEnd type="none" w="med" len="med"/>
+                    </a:lnT>
+                    <a:lnB w="12700" cap="flat" cmpd="sng" algn="ctr">
+                      <a:solidFill>
+                        <a:schemeClr val="tx1"/>
+                      </a:solidFill>
+                      <a:prstDash val="solid"/>
+                      <a:round/>
+                      <a:headEnd type="none" w="med" len="med"/>
+                      <a:tailEnd type="none" w="med" len="med"/>
+                    </a:lnB>
+                    <a:noFill/>
+                  </a:tcPr>
+                </a:tc>
+                <a:extLst>
+                  <a:ext uri="{0D108BD9-81ED-4DB2-BD59-A6C34878D82A}">
+                    <a16:rowId xmlns="" xmlns:a16="http://schemas.microsoft.com/office/drawing/2014/main" val="2488866604"/>
+                  </a:ext>
+                </a:extLst>
+              </a:tr>
+            </a:tbl>
+          </a:graphicData>
+        </a:graphic>
+      </p:graphicFrame>
     </p:spTree>
     <p:extLst>
       <p:ext uri="{BB962C8B-B14F-4D97-AF65-F5344CB8AC3E}">
@@ -35018,7 +38130,7 @@
 </p:sld>
 </file>
 
-<file path=ppt/slides/slide44.xml><?xml version="1.0" encoding="utf-8"?>
+<file path=ppt/slides/slide47.xml><?xml version="1.0" encoding="utf-8"?>
 <p:sld xmlns:a="http://schemas.openxmlformats.org/drawingml/2006/main" xmlns:r="http://schemas.openxmlformats.org/officeDocument/2006/relationships" xmlns:p="http://schemas.openxmlformats.org/presentationml/2006/main">
   <p:cSld>
     <p:spTree>
@@ -35291,7 +38403,7 @@
 </p:sld>
 </file>
 
-<file path=ppt/slides/slide45.xml><?xml version="1.0" encoding="utf-8"?>
+<file path=ppt/slides/slide48.xml><?xml version="1.0" encoding="utf-8"?>
 <p:sld xmlns:a="http://schemas.openxmlformats.org/drawingml/2006/main" xmlns:r="http://schemas.openxmlformats.org/officeDocument/2006/relationships" xmlns:p="http://schemas.openxmlformats.org/presentationml/2006/main">
   <p:cSld name="Slide 20">
     <p:bg>

--- a/JavaLecture/LectureFile/java 6강.pptx
+++ b/JavaLecture/LectureFile/java 6강.pptx
@@ -255,7 +255,7 @@
           <a:p>
             <a:fld id="{D79F2C30-10E1-4C46-91DC-BBDB9629E720}" type="datetimeFigureOut">
               <a:rPr lang="ko-KR" altLang="en-US" smtClean="0"/>
-              <a:t>2023-02-04</a:t>
+              <a:t>2023-02-04 Saturday</a:t>
             </a:fld>
             <a:endParaRPr lang="ko-KR" altLang="en-US"/>
           </a:p>
@@ -3969,7 +3969,7 @@
           <p:cNvPr id="2" name="TextBox 1">
             <a:extLst>
               <a:ext uri="{FF2B5EF4-FFF2-40B4-BE49-F238E27FC236}">
-                <a16:creationId xmlns="" xmlns:a16="http://schemas.microsoft.com/office/drawing/2014/main" id="{E9A453A8-9968-67AB-7B4A-83EEB4662AA6}"/>
+                <a16:creationId xmlns:a16="http://schemas.microsoft.com/office/drawing/2014/main" id="{E9A453A8-9968-67AB-7B4A-83EEB4662AA6}"/>
               </a:ext>
             </a:extLst>
           </p:cNvPr>
@@ -4017,7 +4017,7 @@
           <p:cNvPr id="4" name="TextBox 3">
             <a:extLst>
               <a:ext uri="{FF2B5EF4-FFF2-40B4-BE49-F238E27FC236}">
-                <a16:creationId xmlns="" xmlns:a16="http://schemas.microsoft.com/office/drawing/2014/main" id="{F4B7A35A-8AAC-4622-64BC-CAD1472D4115}"/>
+                <a16:creationId xmlns:a16="http://schemas.microsoft.com/office/drawing/2014/main" id="{F4B7A35A-8AAC-4622-64BC-CAD1472D4115}"/>
               </a:ext>
             </a:extLst>
           </p:cNvPr>
@@ -4089,7 +4089,7 @@
           <p:cNvPr id="7" name="TextBox 6">
             <a:extLst>
               <a:ext uri="{FF2B5EF4-FFF2-40B4-BE49-F238E27FC236}">
-                <a16:creationId xmlns="" xmlns:a16="http://schemas.microsoft.com/office/drawing/2014/main" id="{3ACE900A-D779-4343-6623-8588B376F0A1}"/>
+                <a16:creationId xmlns:a16="http://schemas.microsoft.com/office/drawing/2014/main" id="{3ACE900A-D779-4343-6623-8588B376F0A1}"/>
               </a:ext>
             </a:extLst>
           </p:cNvPr>
@@ -4153,7 +4153,7 @@
           <p:cNvPr id="4" name="Picture 2">
             <a:extLst>
               <a:ext uri="{FF2B5EF4-FFF2-40B4-BE49-F238E27FC236}">
-                <a16:creationId xmlns="" xmlns:a16="http://schemas.microsoft.com/office/drawing/2014/main" id="{5349EC00-55D4-A2A3-625B-D0BC1634A8C7}"/>
+                <a16:creationId xmlns:a16="http://schemas.microsoft.com/office/drawing/2014/main" id="{5349EC00-55D4-A2A3-625B-D0BC1634A8C7}"/>
               </a:ext>
             </a:extLst>
           </p:cNvPr>
@@ -4200,7 +4200,7 @@
           <p:cNvPr id="5" name="TextBox 4">
             <a:extLst>
               <a:ext uri="{FF2B5EF4-FFF2-40B4-BE49-F238E27FC236}">
-                <a16:creationId xmlns="" xmlns:a16="http://schemas.microsoft.com/office/drawing/2014/main" id="{5716CAD0-9453-E46F-22E1-4C17A785BF58}"/>
+                <a16:creationId xmlns:a16="http://schemas.microsoft.com/office/drawing/2014/main" id="{5716CAD0-9453-E46F-22E1-4C17A785BF58}"/>
               </a:ext>
             </a:extLst>
           </p:cNvPr>
@@ -4248,7 +4248,7 @@
           <p:cNvPr id="6" name="그룹 1023">
             <a:extLst>
               <a:ext uri="{FF2B5EF4-FFF2-40B4-BE49-F238E27FC236}">
-                <a16:creationId xmlns="" xmlns:a16="http://schemas.microsoft.com/office/drawing/2014/main" id="{25922995-7C90-A2A0-B277-9D20599DAC8C}"/>
+                <a16:creationId xmlns:a16="http://schemas.microsoft.com/office/drawing/2014/main" id="{25922995-7C90-A2A0-B277-9D20599DAC8C}"/>
               </a:ext>
             </a:extLst>
           </p:cNvPr>
@@ -4268,7 +4268,7 @@
             <p:cNvPr id="7" name="그룹 1024">
               <a:extLst>
                 <a:ext uri="{FF2B5EF4-FFF2-40B4-BE49-F238E27FC236}">
-                  <a16:creationId xmlns="" xmlns:a16="http://schemas.microsoft.com/office/drawing/2014/main" id="{1C864C9B-D35F-49DE-20AE-AAA52F3C897B}"/>
+                  <a16:creationId xmlns:a16="http://schemas.microsoft.com/office/drawing/2014/main" id="{1C864C9B-D35F-49DE-20AE-AAA52F3C897B}"/>
                 </a:ext>
               </a:extLst>
             </p:cNvPr>
@@ -4288,7 +4288,7 @@
               <p:cNvPr id="12" name="Object 73">
                 <a:extLst>
                   <a:ext uri="{FF2B5EF4-FFF2-40B4-BE49-F238E27FC236}">
-                    <a16:creationId xmlns="" xmlns:a16="http://schemas.microsoft.com/office/drawing/2014/main" id="{DAF19786-B4F3-6B59-E087-9445B4BD8E49}"/>
+                    <a16:creationId xmlns:a16="http://schemas.microsoft.com/office/drawing/2014/main" id="{DAF19786-B4F3-6B59-E087-9445B4BD8E49}"/>
                   </a:ext>
                 </a:extLst>
               </p:cNvPr>
@@ -4319,7 +4319,7 @@
             <p:cNvPr id="8" name="그룹 1025">
               <a:extLst>
                 <a:ext uri="{FF2B5EF4-FFF2-40B4-BE49-F238E27FC236}">
-                  <a16:creationId xmlns="" xmlns:a16="http://schemas.microsoft.com/office/drawing/2014/main" id="{2CAA926C-56A0-F21C-893B-EC3C4EB24533}"/>
+                  <a16:creationId xmlns:a16="http://schemas.microsoft.com/office/drawing/2014/main" id="{2CAA926C-56A0-F21C-893B-EC3C4EB24533}"/>
                 </a:ext>
               </a:extLst>
             </p:cNvPr>
@@ -4339,7 +4339,7 @@
               <p:cNvPr id="11" name="Object 76">
                 <a:extLst>
                   <a:ext uri="{FF2B5EF4-FFF2-40B4-BE49-F238E27FC236}">
-                    <a16:creationId xmlns="" xmlns:a16="http://schemas.microsoft.com/office/drawing/2014/main" id="{6B906307-B3BF-FDDE-D70B-CFB78A713DC6}"/>
+                    <a16:creationId xmlns:a16="http://schemas.microsoft.com/office/drawing/2014/main" id="{6B906307-B3BF-FDDE-D70B-CFB78A713DC6}"/>
                   </a:ext>
                 </a:extLst>
               </p:cNvPr>
@@ -4370,7 +4370,7 @@
             <p:cNvPr id="9" name="그룹 1026">
               <a:extLst>
                 <a:ext uri="{FF2B5EF4-FFF2-40B4-BE49-F238E27FC236}">
-                  <a16:creationId xmlns="" xmlns:a16="http://schemas.microsoft.com/office/drawing/2014/main" id="{F63608E4-E0A7-F2E7-73C7-D8B0243DD635}"/>
+                  <a16:creationId xmlns:a16="http://schemas.microsoft.com/office/drawing/2014/main" id="{F63608E4-E0A7-F2E7-73C7-D8B0243DD635}"/>
                 </a:ext>
               </a:extLst>
             </p:cNvPr>
@@ -4390,7 +4390,7 @@
               <p:cNvPr id="10" name="Object 79">
                 <a:extLst>
                   <a:ext uri="{FF2B5EF4-FFF2-40B4-BE49-F238E27FC236}">
-                    <a16:creationId xmlns="" xmlns:a16="http://schemas.microsoft.com/office/drawing/2014/main" id="{21647FB7-2C7A-9793-46A0-ADFCF18309CB}"/>
+                    <a16:creationId xmlns:a16="http://schemas.microsoft.com/office/drawing/2014/main" id="{21647FB7-2C7A-9793-46A0-ADFCF18309CB}"/>
                   </a:ext>
                 </a:extLst>
               </p:cNvPr>
@@ -4422,7 +4422,7 @@
           <p:cNvPr id="13" name="Picture 4">
             <a:extLst>
               <a:ext uri="{FF2B5EF4-FFF2-40B4-BE49-F238E27FC236}">
-                <a16:creationId xmlns="" xmlns:a16="http://schemas.microsoft.com/office/drawing/2014/main" id="{6E4B4F43-31DF-4CBA-8527-1C87B35CDB9A}"/>
+                <a16:creationId xmlns:a16="http://schemas.microsoft.com/office/drawing/2014/main" id="{6E4B4F43-31DF-4CBA-8527-1C87B35CDB9A}"/>
               </a:ext>
             </a:extLst>
           </p:cNvPr>
@@ -4469,7 +4469,7 @@
           <p:cNvPr id="14" name="TextBox 13">
             <a:extLst>
               <a:ext uri="{FF2B5EF4-FFF2-40B4-BE49-F238E27FC236}">
-                <a16:creationId xmlns="" xmlns:a16="http://schemas.microsoft.com/office/drawing/2014/main" id="{131CAA11-625D-884F-94CC-6654A5C13F00}"/>
+                <a16:creationId xmlns:a16="http://schemas.microsoft.com/office/drawing/2014/main" id="{131CAA11-625D-884F-94CC-6654A5C13F00}"/>
               </a:ext>
             </a:extLst>
           </p:cNvPr>
@@ -4540,7 +4540,7 @@
           <p:cNvPr id="15" name="TextBox 14">
             <a:extLst>
               <a:ext uri="{FF2B5EF4-FFF2-40B4-BE49-F238E27FC236}">
-                <a16:creationId xmlns="" xmlns:a16="http://schemas.microsoft.com/office/drawing/2014/main" id="{5716CAD0-9453-E46F-22E1-4C17A785BF58}"/>
+                <a16:creationId xmlns:a16="http://schemas.microsoft.com/office/drawing/2014/main" id="{5716CAD0-9453-E46F-22E1-4C17A785BF58}"/>
               </a:ext>
             </a:extLst>
           </p:cNvPr>
@@ -4618,7 +4618,7 @@
           <p:cNvPr id="4" name="그룹 1018">
             <a:extLst>
               <a:ext uri="{FF2B5EF4-FFF2-40B4-BE49-F238E27FC236}">
-                <a16:creationId xmlns="" xmlns:a16="http://schemas.microsoft.com/office/drawing/2014/main" id="{0804D430-F42E-AE32-A065-FFA8C471F092}"/>
+                <a16:creationId xmlns:a16="http://schemas.microsoft.com/office/drawing/2014/main" id="{0804D430-F42E-AE32-A065-FFA8C471F092}"/>
               </a:ext>
             </a:extLst>
           </p:cNvPr>
@@ -4638,7 +4638,7 @@
             <p:cNvPr id="5" name="Object 61">
               <a:extLst>
                 <a:ext uri="{FF2B5EF4-FFF2-40B4-BE49-F238E27FC236}">
-                  <a16:creationId xmlns="" xmlns:a16="http://schemas.microsoft.com/office/drawing/2014/main" id="{334A4C3A-641C-7CD9-8FEE-5EC92B28D640}"/>
+                  <a16:creationId xmlns:a16="http://schemas.microsoft.com/office/drawing/2014/main" id="{334A4C3A-641C-7CD9-8FEE-5EC92B28D640}"/>
                 </a:ext>
               </a:extLst>
             </p:cNvPr>
@@ -4669,7 +4669,7 @@
           <p:cNvPr id="7" name="TextBox 6">
             <a:extLst>
               <a:ext uri="{FF2B5EF4-FFF2-40B4-BE49-F238E27FC236}">
-                <a16:creationId xmlns="" xmlns:a16="http://schemas.microsoft.com/office/drawing/2014/main" id="{DF7DDD33-9412-2802-339A-E55446AC2DA7}"/>
+                <a16:creationId xmlns:a16="http://schemas.microsoft.com/office/drawing/2014/main" id="{DF7DDD33-9412-2802-339A-E55446AC2DA7}"/>
               </a:ext>
             </a:extLst>
           </p:cNvPr>
@@ -4777,7 +4777,7 @@
           <p:cNvPr id="8" name="TextBox 7">
             <a:extLst>
               <a:ext uri="{FF2B5EF4-FFF2-40B4-BE49-F238E27FC236}">
-                <a16:creationId xmlns="" xmlns:a16="http://schemas.microsoft.com/office/drawing/2014/main" id="{DF7DDD33-9412-2802-339A-E55446AC2DA7}"/>
+                <a16:creationId xmlns:a16="http://schemas.microsoft.com/office/drawing/2014/main" id="{DF7DDD33-9412-2802-339A-E55446AC2DA7}"/>
               </a:ext>
             </a:extLst>
           </p:cNvPr>
@@ -4835,7 +4835,7 @@
           <p:cNvPr id="9" name="그룹 1018">
             <a:extLst>
               <a:ext uri="{FF2B5EF4-FFF2-40B4-BE49-F238E27FC236}">
-                <a16:creationId xmlns="" xmlns:a16="http://schemas.microsoft.com/office/drawing/2014/main" id="{0804D430-F42E-AE32-A065-FFA8C471F092}"/>
+                <a16:creationId xmlns:a16="http://schemas.microsoft.com/office/drawing/2014/main" id="{0804D430-F42E-AE32-A065-FFA8C471F092}"/>
               </a:ext>
             </a:extLst>
           </p:cNvPr>
@@ -4855,7 +4855,7 @@
             <p:cNvPr id="10" name="Object 61">
               <a:extLst>
                 <a:ext uri="{FF2B5EF4-FFF2-40B4-BE49-F238E27FC236}">
-                  <a16:creationId xmlns="" xmlns:a16="http://schemas.microsoft.com/office/drawing/2014/main" id="{334A4C3A-641C-7CD9-8FEE-5EC92B28D640}"/>
+                  <a16:creationId xmlns:a16="http://schemas.microsoft.com/office/drawing/2014/main" id="{334A4C3A-641C-7CD9-8FEE-5EC92B28D640}"/>
                 </a:ext>
               </a:extLst>
             </p:cNvPr>
@@ -4886,7 +4886,7 @@
           <p:cNvPr id="11" name="TextBox 10">
             <a:extLst>
               <a:ext uri="{FF2B5EF4-FFF2-40B4-BE49-F238E27FC236}">
-                <a16:creationId xmlns="" xmlns:a16="http://schemas.microsoft.com/office/drawing/2014/main" id="{DF7DDD33-9412-2802-339A-E55446AC2DA7}"/>
+                <a16:creationId xmlns:a16="http://schemas.microsoft.com/office/drawing/2014/main" id="{DF7DDD33-9412-2802-339A-E55446AC2DA7}"/>
               </a:ext>
             </a:extLst>
           </p:cNvPr>
@@ -4994,7 +4994,7 @@
           <p:cNvPr id="12" name="TextBox 11">
             <a:extLst>
               <a:ext uri="{FF2B5EF4-FFF2-40B4-BE49-F238E27FC236}">
-                <a16:creationId xmlns="" xmlns:a16="http://schemas.microsoft.com/office/drawing/2014/main" id="{DF7DDD33-9412-2802-339A-E55446AC2DA7}"/>
+                <a16:creationId xmlns:a16="http://schemas.microsoft.com/office/drawing/2014/main" id="{DF7DDD33-9412-2802-339A-E55446AC2DA7}"/>
               </a:ext>
             </a:extLst>
           </p:cNvPr>
@@ -5171,7 +5171,7 @@
           <p:cNvPr id="6" name="TextBox 5">
             <a:extLst>
               <a:ext uri="{FF2B5EF4-FFF2-40B4-BE49-F238E27FC236}">
-                <a16:creationId xmlns="" xmlns:a16="http://schemas.microsoft.com/office/drawing/2014/main" id="{DF7DDD33-9412-2802-339A-E55446AC2DA7}"/>
+                <a16:creationId xmlns:a16="http://schemas.microsoft.com/office/drawing/2014/main" id="{DF7DDD33-9412-2802-339A-E55446AC2DA7}"/>
               </a:ext>
             </a:extLst>
           </p:cNvPr>
@@ -5219,7 +5219,7 @@
           <p:cNvPr id="7" name="표 16">
             <a:extLst>
               <a:ext uri="{FF2B5EF4-FFF2-40B4-BE49-F238E27FC236}">
-                <a16:creationId xmlns="" xmlns:a16="http://schemas.microsoft.com/office/drawing/2014/main" id="{F03C45C7-6EB1-7871-F0F7-945F667135C4}"/>
+                <a16:creationId xmlns:a16="http://schemas.microsoft.com/office/drawing/2014/main" id="{F03C45C7-6EB1-7871-F0F7-945F667135C4}"/>
               </a:ext>
             </a:extLst>
           </p:cNvPr>
@@ -5248,14 +5248,14 @@
                 <a:gridCol w="1600200">
                   <a:extLst>
                     <a:ext uri="{9D8B030D-6E8A-4147-A177-3AD203B41FA5}">
-                      <a16:colId xmlns="" xmlns:a16="http://schemas.microsoft.com/office/drawing/2014/main" val="2433761377"/>
+                      <a16:colId xmlns:a16="http://schemas.microsoft.com/office/drawing/2014/main" val="2433761377"/>
                     </a:ext>
                   </a:extLst>
                 </a:gridCol>
                 <a:gridCol w="1828800">
                   <a:extLst>
                     <a:ext uri="{9D8B030D-6E8A-4147-A177-3AD203B41FA5}">
-                      <a16:colId xmlns="" xmlns:a16="http://schemas.microsoft.com/office/drawing/2014/main" val="926389809"/>
+                      <a16:colId xmlns:a16="http://schemas.microsoft.com/office/drawing/2014/main" val="926389809"/>
                     </a:ext>
                   </a:extLst>
                 </a:gridCol>
@@ -5397,7 +5397,7 @@
                 </a:tc>
                 <a:extLst>
                   <a:ext uri="{0D108BD9-81ED-4DB2-BD59-A6C34878D82A}">
-                    <a16:rowId xmlns="" xmlns:a16="http://schemas.microsoft.com/office/drawing/2014/main" val="2504948727"/>
+                    <a16:rowId xmlns:a16="http://schemas.microsoft.com/office/drawing/2014/main" val="2504948727"/>
                   </a:ext>
                 </a:extLst>
               </a:tr>
@@ -5522,7 +5522,7 @@
                 </a:tc>
                 <a:extLst>
                   <a:ext uri="{0D108BD9-81ED-4DB2-BD59-A6C34878D82A}">
-                    <a16:rowId xmlns="" xmlns:a16="http://schemas.microsoft.com/office/drawing/2014/main" val="3647525178"/>
+                    <a16:rowId xmlns:a16="http://schemas.microsoft.com/office/drawing/2014/main" val="3647525178"/>
                   </a:ext>
                 </a:extLst>
               </a:tr>
@@ -5635,7 +5635,7 @@
                 </a:tc>
                 <a:extLst>
                   <a:ext uri="{0D108BD9-81ED-4DB2-BD59-A6C34878D82A}">
-                    <a16:rowId xmlns="" xmlns:a16="http://schemas.microsoft.com/office/drawing/2014/main" val="2672623231"/>
+                    <a16:rowId xmlns:a16="http://schemas.microsoft.com/office/drawing/2014/main" val="2672623231"/>
                   </a:ext>
                 </a:extLst>
               </a:tr>
@@ -5748,7 +5748,7 @@
                 </a:tc>
                 <a:extLst>
                   <a:ext uri="{0D108BD9-81ED-4DB2-BD59-A6C34878D82A}">
-                    <a16:rowId xmlns="" xmlns:a16="http://schemas.microsoft.com/office/drawing/2014/main" val="2996999142"/>
+                    <a16:rowId xmlns:a16="http://schemas.microsoft.com/office/drawing/2014/main" val="2996999142"/>
                   </a:ext>
                 </a:extLst>
               </a:tr>
@@ -5857,7 +5857,7 @@
                 </a:tc>
                 <a:extLst>
                   <a:ext uri="{0D108BD9-81ED-4DB2-BD59-A6C34878D82A}">
-                    <a16:rowId xmlns="" xmlns:a16="http://schemas.microsoft.com/office/drawing/2014/main" val="2275222586"/>
+                    <a16:rowId xmlns:a16="http://schemas.microsoft.com/office/drawing/2014/main" val="2275222586"/>
                   </a:ext>
                 </a:extLst>
               </a:tr>
@@ -5966,7 +5966,7 @@
                 </a:tc>
                 <a:extLst>
                   <a:ext uri="{0D108BD9-81ED-4DB2-BD59-A6C34878D82A}">
-                    <a16:rowId xmlns="" xmlns:a16="http://schemas.microsoft.com/office/drawing/2014/main" val="1918467740"/>
+                    <a16:rowId xmlns:a16="http://schemas.microsoft.com/office/drawing/2014/main" val="1918467740"/>
                   </a:ext>
                 </a:extLst>
               </a:tr>
@@ -6075,7 +6075,7 @@
                 </a:tc>
                 <a:extLst>
                   <a:ext uri="{0D108BD9-81ED-4DB2-BD59-A6C34878D82A}">
-                    <a16:rowId xmlns="" xmlns:a16="http://schemas.microsoft.com/office/drawing/2014/main" val="168351104"/>
+                    <a16:rowId xmlns:a16="http://schemas.microsoft.com/office/drawing/2014/main" val="168351104"/>
                   </a:ext>
                 </a:extLst>
               </a:tr>
@@ -6200,7 +6200,7 @@
                 </a:tc>
                 <a:extLst>
                   <a:ext uri="{0D108BD9-81ED-4DB2-BD59-A6C34878D82A}">
-                    <a16:rowId xmlns="" xmlns:a16="http://schemas.microsoft.com/office/drawing/2014/main" val="1446898692"/>
+                    <a16:rowId xmlns:a16="http://schemas.microsoft.com/office/drawing/2014/main" val="1446898692"/>
                   </a:ext>
                 </a:extLst>
               </a:tr>
@@ -6213,7 +6213,7 @@
           <p:cNvPr id="8" name="그룹 1018">
             <a:extLst>
               <a:ext uri="{FF2B5EF4-FFF2-40B4-BE49-F238E27FC236}">
-                <a16:creationId xmlns="" xmlns:a16="http://schemas.microsoft.com/office/drawing/2014/main" id="{0804D430-F42E-AE32-A065-FFA8C471F092}"/>
+                <a16:creationId xmlns:a16="http://schemas.microsoft.com/office/drawing/2014/main" id="{0804D430-F42E-AE32-A065-FFA8C471F092}"/>
               </a:ext>
             </a:extLst>
           </p:cNvPr>
@@ -6233,7 +6233,7 @@
             <p:cNvPr id="9" name="Object 61">
               <a:extLst>
                 <a:ext uri="{FF2B5EF4-FFF2-40B4-BE49-F238E27FC236}">
-                  <a16:creationId xmlns="" xmlns:a16="http://schemas.microsoft.com/office/drawing/2014/main" id="{334A4C3A-641C-7CD9-8FEE-5EC92B28D640}"/>
+                  <a16:creationId xmlns:a16="http://schemas.microsoft.com/office/drawing/2014/main" id="{334A4C3A-641C-7CD9-8FEE-5EC92B28D640}"/>
                 </a:ext>
               </a:extLst>
             </p:cNvPr>
@@ -6264,7 +6264,7 @@
           <p:cNvPr id="10" name="TextBox 9">
             <a:extLst>
               <a:ext uri="{FF2B5EF4-FFF2-40B4-BE49-F238E27FC236}">
-                <a16:creationId xmlns="" xmlns:a16="http://schemas.microsoft.com/office/drawing/2014/main" id="{DF7DDD33-9412-2802-339A-E55446AC2DA7}"/>
+                <a16:creationId xmlns:a16="http://schemas.microsoft.com/office/drawing/2014/main" id="{DF7DDD33-9412-2802-339A-E55446AC2DA7}"/>
               </a:ext>
             </a:extLst>
           </p:cNvPr>
@@ -6312,7 +6312,7 @@
           <p:cNvPr id="12" name="TextBox 11">
             <a:extLst>
               <a:ext uri="{FF2B5EF4-FFF2-40B4-BE49-F238E27FC236}">
-                <a16:creationId xmlns="" xmlns:a16="http://schemas.microsoft.com/office/drawing/2014/main" id="{52176D31-35F7-8916-46FA-6095EFEC1E49}"/>
+                <a16:creationId xmlns:a16="http://schemas.microsoft.com/office/drawing/2014/main" id="{52176D31-35F7-8916-46FA-6095EFEC1E49}"/>
               </a:ext>
             </a:extLst>
           </p:cNvPr>
@@ -6356,7 +6356,7 @@
           <p:cNvPr id="13" name="TextBox 12">
             <a:extLst>
               <a:ext uri="{FF2B5EF4-FFF2-40B4-BE49-F238E27FC236}">
-                <a16:creationId xmlns="" xmlns:a16="http://schemas.microsoft.com/office/drawing/2014/main" id="{52176D31-35F7-8916-46FA-6095EFEC1E49}"/>
+                <a16:creationId xmlns:a16="http://schemas.microsoft.com/office/drawing/2014/main" id="{52176D31-35F7-8916-46FA-6095EFEC1E49}"/>
               </a:ext>
             </a:extLst>
           </p:cNvPr>
@@ -6400,7 +6400,7 @@
           <p:cNvPr id="14" name="직선 화살표 연결선 13">
             <a:extLst>
               <a:ext uri="{FF2B5EF4-FFF2-40B4-BE49-F238E27FC236}">
-                <a16:creationId xmlns="" xmlns:a16="http://schemas.microsoft.com/office/drawing/2014/main" id="{299DF5EC-9DF4-5255-06AC-0A7CE4FF58C3}"/>
+                <a16:creationId xmlns:a16="http://schemas.microsoft.com/office/drawing/2014/main" id="{299DF5EC-9DF4-5255-06AC-0A7CE4FF58C3}"/>
               </a:ext>
             </a:extLst>
           </p:cNvPr>
@@ -6442,7 +6442,7 @@
           <p:cNvPr id="17" name="TextBox 16">
             <a:extLst>
               <a:ext uri="{FF2B5EF4-FFF2-40B4-BE49-F238E27FC236}">
-                <a16:creationId xmlns="" xmlns:a16="http://schemas.microsoft.com/office/drawing/2014/main" id="{A2AD056B-97A4-5BCC-4460-250160F3E171}"/>
+                <a16:creationId xmlns:a16="http://schemas.microsoft.com/office/drawing/2014/main" id="{A2AD056B-97A4-5BCC-4460-250160F3E171}"/>
               </a:ext>
             </a:extLst>
           </p:cNvPr>
@@ -6847,7 +6847,7 @@
           <p:cNvPr id="5" name="TextBox 4">
             <a:extLst>
               <a:ext uri="{FF2B5EF4-FFF2-40B4-BE49-F238E27FC236}">
-                <a16:creationId xmlns="" xmlns:a16="http://schemas.microsoft.com/office/drawing/2014/main" id="{DF7DDD33-9412-2802-339A-E55446AC2DA7}"/>
+                <a16:creationId xmlns:a16="http://schemas.microsoft.com/office/drawing/2014/main" id="{DF7DDD33-9412-2802-339A-E55446AC2DA7}"/>
               </a:ext>
             </a:extLst>
           </p:cNvPr>
@@ -6929,7 +6929,7 @@
           <p:cNvPr id="7" name="표 16">
             <a:extLst>
               <a:ext uri="{FF2B5EF4-FFF2-40B4-BE49-F238E27FC236}">
-                <a16:creationId xmlns="" xmlns:a16="http://schemas.microsoft.com/office/drawing/2014/main" id="{F03C45C7-6EB1-7871-F0F7-945F667135C4}"/>
+                <a16:creationId xmlns:a16="http://schemas.microsoft.com/office/drawing/2014/main" id="{F03C45C7-6EB1-7871-F0F7-945F667135C4}"/>
               </a:ext>
             </a:extLst>
           </p:cNvPr>
@@ -6958,14 +6958,14 @@
                 <a:gridCol w="1600200">
                   <a:extLst>
                     <a:ext uri="{9D8B030D-6E8A-4147-A177-3AD203B41FA5}">
-                      <a16:colId xmlns="" xmlns:a16="http://schemas.microsoft.com/office/drawing/2014/main" val="2433761377"/>
+                      <a16:colId xmlns:a16="http://schemas.microsoft.com/office/drawing/2014/main" val="2433761377"/>
                     </a:ext>
                   </a:extLst>
                 </a:gridCol>
                 <a:gridCol w="1828800">
                   <a:extLst>
                     <a:ext uri="{9D8B030D-6E8A-4147-A177-3AD203B41FA5}">
-                      <a16:colId xmlns="" xmlns:a16="http://schemas.microsoft.com/office/drawing/2014/main" val="926389809"/>
+                      <a16:colId xmlns:a16="http://schemas.microsoft.com/office/drawing/2014/main" val="926389809"/>
                     </a:ext>
                   </a:extLst>
                 </a:gridCol>
@@ -7107,7 +7107,7 @@
                 </a:tc>
                 <a:extLst>
                   <a:ext uri="{0D108BD9-81ED-4DB2-BD59-A6C34878D82A}">
-                    <a16:rowId xmlns="" xmlns:a16="http://schemas.microsoft.com/office/drawing/2014/main" val="2504948727"/>
+                    <a16:rowId xmlns:a16="http://schemas.microsoft.com/office/drawing/2014/main" val="2504948727"/>
                   </a:ext>
                 </a:extLst>
               </a:tr>
@@ -7236,7 +7236,7 @@
                 </a:tc>
                 <a:extLst>
                   <a:ext uri="{0D108BD9-81ED-4DB2-BD59-A6C34878D82A}">
-                    <a16:rowId xmlns="" xmlns:a16="http://schemas.microsoft.com/office/drawing/2014/main" val="3647525178"/>
+                    <a16:rowId xmlns:a16="http://schemas.microsoft.com/office/drawing/2014/main" val="3647525178"/>
                   </a:ext>
                 </a:extLst>
               </a:tr>
@@ -7349,7 +7349,7 @@
                 </a:tc>
                 <a:extLst>
                   <a:ext uri="{0D108BD9-81ED-4DB2-BD59-A6C34878D82A}">
-                    <a16:rowId xmlns="" xmlns:a16="http://schemas.microsoft.com/office/drawing/2014/main" val="2672623231"/>
+                    <a16:rowId xmlns:a16="http://schemas.microsoft.com/office/drawing/2014/main" val="2672623231"/>
                   </a:ext>
                 </a:extLst>
               </a:tr>
@@ -7462,7 +7462,7 @@
                 </a:tc>
                 <a:extLst>
                   <a:ext uri="{0D108BD9-81ED-4DB2-BD59-A6C34878D82A}">
-                    <a16:rowId xmlns="" xmlns:a16="http://schemas.microsoft.com/office/drawing/2014/main" val="2996999142"/>
+                    <a16:rowId xmlns:a16="http://schemas.microsoft.com/office/drawing/2014/main" val="2996999142"/>
                   </a:ext>
                 </a:extLst>
               </a:tr>
@@ -7571,7 +7571,7 @@
                 </a:tc>
                 <a:extLst>
                   <a:ext uri="{0D108BD9-81ED-4DB2-BD59-A6C34878D82A}">
-                    <a16:rowId xmlns="" xmlns:a16="http://schemas.microsoft.com/office/drawing/2014/main" val="2275222586"/>
+                    <a16:rowId xmlns:a16="http://schemas.microsoft.com/office/drawing/2014/main" val="2275222586"/>
                   </a:ext>
                 </a:extLst>
               </a:tr>
@@ -7680,7 +7680,7 @@
                 </a:tc>
                 <a:extLst>
                   <a:ext uri="{0D108BD9-81ED-4DB2-BD59-A6C34878D82A}">
-                    <a16:rowId xmlns="" xmlns:a16="http://schemas.microsoft.com/office/drawing/2014/main" val="1918467740"/>
+                    <a16:rowId xmlns:a16="http://schemas.microsoft.com/office/drawing/2014/main" val="1918467740"/>
                   </a:ext>
                 </a:extLst>
               </a:tr>
@@ -7789,7 +7789,7 @@
                 </a:tc>
                 <a:extLst>
                   <a:ext uri="{0D108BD9-81ED-4DB2-BD59-A6C34878D82A}">
-                    <a16:rowId xmlns="" xmlns:a16="http://schemas.microsoft.com/office/drawing/2014/main" val="168351104"/>
+                    <a16:rowId xmlns:a16="http://schemas.microsoft.com/office/drawing/2014/main" val="168351104"/>
                   </a:ext>
                 </a:extLst>
               </a:tr>
@@ -7914,7 +7914,7 @@
                 </a:tc>
                 <a:extLst>
                   <a:ext uri="{0D108BD9-81ED-4DB2-BD59-A6C34878D82A}">
-                    <a16:rowId xmlns="" xmlns:a16="http://schemas.microsoft.com/office/drawing/2014/main" val="1446898692"/>
+                    <a16:rowId xmlns:a16="http://schemas.microsoft.com/office/drawing/2014/main" val="1446898692"/>
                   </a:ext>
                 </a:extLst>
               </a:tr>
@@ -7927,7 +7927,7 @@
           <p:cNvPr id="8" name="그룹 1018">
             <a:extLst>
               <a:ext uri="{FF2B5EF4-FFF2-40B4-BE49-F238E27FC236}">
-                <a16:creationId xmlns="" xmlns:a16="http://schemas.microsoft.com/office/drawing/2014/main" id="{0804D430-F42E-AE32-A065-FFA8C471F092}"/>
+                <a16:creationId xmlns:a16="http://schemas.microsoft.com/office/drawing/2014/main" id="{0804D430-F42E-AE32-A065-FFA8C471F092}"/>
               </a:ext>
             </a:extLst>
           </p:cNvPr>
@@ -7947,7 +7947,7 @@
             <p:cNvPr id="9" name="Object 61">
               <a:extLst>
                 <a:ext uri="{FF2B5EF4-FFF2-40B4-BE49-F238E27FC236}">
-                  <a16:creationId xmlns="" xmlns:a16="http://schemas.microsoft.com/office/drawing/2014/main" id="{334A4C3A-641C-7CD9-8FEE-5EC92B28D640}"/>
+                  <a16:creationId xmlns:a16="http://schemas.microsoft.com/office/drawing/2014/main" id="{334A4C3A-641C-7CD9-8FEE-5EC92B28D640}"/>
                 </a:ext>
               </a:extLst>
             </p:cNvPr>
@@ -7978,7 +7978,7 @@
           <p:cNvPr id="10" name="TextBox 9">
             <a:extLst>
               <a:ext uri="{FF2B5EF4-FFF2-40B4-BE49-F238E27FC236}">
-                <a16:creationId xmlns="" xmlns:a16="http://schemas.microsoft.com/office/drawing/2014/main" id="{DF7DDD33-9412-2802-339A-E55446AC2DA7}"/>
+                <a16:creationId xmlns:a16="http://schemas.microsoft.com/office/drawing/2014/main" id="{DF7DDD33-9412-2802-339A-E55446AC2DA7}"/>
               </a:ext>
             </a:extLst>
           </p:cNvPr>
@@ -8026,7 +8026,7 @@
           <p:cNvPr id="11" name="TextBox 10">
             <a:extLst>
               <a:ext uri="{FF2B5EF4-FFF2-40B4-BE49-F238E27FC236}">
-                <a16:creationId xmlns="" xmlns:a16="http://schemas.microsoft.com/office/drawing/2014/main" id="{52176D31-35F7-8916-46FA-6095EFEC1E49}"/>
+                <a16:creationId xmlns:a16="http://schemas.microsoft.com/office/drawing/2014/main" id="{52176D31-35F7-8916-46FA-6095EFEC1E49}"/>
               </a:ext>
             </a:extLst>
           </p:cNvPr>
@@ -8070,7 +8070,7 @@
           <p:cNvPr id="12" name="TextBox 11">
             <a:extLst>
               <a:ext uri="{FF2B5EF4-FFF2-40B4-BE49-F238E27FC236}">
-                <a16:creationId xmlns="" xmlns:a16="http://schemas.microsoft.com/office/drawing/2014/main" id="{52176D31-35F7-8916-46FA-6095EFEC1E49}"/>
+                <a16:creationId xmlns:a16="http://schemas.microsoft.com/office/drawing/2014/main" id="{52176D31-35F7-8916-46FA-6095EFEC1E49}"/>
               </a:ext>
             </a:extLst>
           </p:cNvPr>
@@ -8114,7 +8114,7 @@
           <p:cNvPr id="13" name="직선 화살표 연결선 12">
             <a:extLst>
               <a:ext uri="{FF2B5EF4-FFF2-40B4-BE49-F238E27FC236}">
-                <a16:creationId xmlns="" xmlns:a16="http://schemas.microsoft.com/office/drawing/2014/main" id="{299DF5EC-9DF4-5255-06AC-0A7CE4FF58C3}"/>
+                <a16:creationId xmlns:a16="http://schemas.microsoft.com/office/drawing/2014/main" id="{299DF5EC-9DF4-5255-06AC-0A7CE4FF58C3}"/>
               </a:ext>
             </a:extLst>
           </p:cNvPr>
@@ -8156,7 +8156,7 @@
           <p:cNvPr id="18" name="표 16">
             <a:extLst>
               <a:ext uri="{FF2B5EF4-FFF2-40B4-BE49-F238E27FC236}">
-                <a16:creationId xmlns="" xmlns:a16="http://schemas.microsoft.com/office/drawing/2014/main" id="{F03C45C7-6EB1-7871-F0F7-945F667135C4}"/>
+                <a16:creationId xmlns:a16="http://schemas.microsoft.com/office/drawing/2014/main" id="{F03C45C7-6EB1-7871-F0F7-945F667135C4}"/>
               </a:ext>
             </a:extLst>
           </p:cNvPr>
@@ -8185,14 +8185,14 @@
                 <a:gridCol w="1600200">
                   <a:extLst>
                     <a:ext uri="{9D8B030D-6E8A-4147-A177-3AD203B41FA5}">
-                      <a16:colId xmlns="" xmlns:a16="http://schemas.microsoft.com/office/drawing/2014/main" val="2433761377"/>
+                      <a16:colId xmlns:a16="http://schemas.microsoft.com/office/drawing/2014/main" val="2433761377"/>
                     </a:ext>
                   </a:extLst>
                 </a:gridCol>
                 <a:gridCol w="1828800">
                   <a:extLst>
                     <a:ext uri="{9D8B030D-6E8A-4147-A177-3AD203B41FA5}">
-                      <a16:colId xmlns="" xmlns:a16="http://schemas.microsoft.com/office/drawing/2014/main" val="926389809"/>
+                      <a16:colId xmlns:a16="http://schemas.microsoft.com/office/drawing/2014/main" val="926389809"/>
                     </a:ext>
                   </a:extLst>
                 </a:gridCol>
@@ -8334,7 +8334,7 @@
                 </a:tc>
                 <a:extLst>
                   <a:ext uri="{0D108BD9-81ED-4DB2-BD59-A6C34878D82A}">
-                    <a16:rowId xmlns="" xmlns:a16="http://schemas.microsoft.com/office/drawing/2014/main" val="2504948727"/>
+                    <a16:rowId xmlns:a16="http://schemas.microsoft.com/office/drawing/2014/main" val="2504948727"/>
                   </a:ext>
                 </a:extLst>
               </a:tr>
@@ -8463,7 +8463,7 @@
                 </a:tc>
                 <a:extLst>
                   <a:ext uri="{0D108BD9-81ED-4DB2-BD59-A6C34878D82A}">
-                    <a16:rowId xmlns="" xmlns:a16="http://schemas.microsoft.com/office/drawing/2014/main" val="3647525178"/>
+                    <a16:rowId xmlns:a16="http://schemas.microsoft.com/office/drawing/2014/main" val="3647525178"/>
                   </a:ext>
                 </a:extLst>
               </a:tr>
@@ -8576,7 +8576,7 @@
                 </a:tc>
                 <a:extLst>
                   <a:ext uri="{0D108BD9-81ED-4DB2-BD59-A6C34878D82A}">
-                    <a16:rowId xmlns="" xmlns:a16="http://schemas.microsoft.com/office/drawing/2014/main" val="2672623231"/>
+                    <a16:rowId xmlns:a16="http://schemas.microsoft.com/office/drawing/2014/main" val="2672623231"/>
                   </a:ext>
                 </a:extLst>
               </a:tr>
@@ -8689,7 +8689,7 @@
                 </a:tc>
                 <a:extLst>
                   <a:ext uri="{0D108BD9-81ED-4DB2-BD59-A6C34878D82A}">
-                    <a16:rowId xmlns="" xmlns:a16="http://schemas.microsoft.com/office/drawing/2014/main" val="2996999142"/>
+                    <a16:rowId xmlns:a16="http://schemas.microsoft.com/office/drawing/2014/main" val="2996999142"/>
                   </a:ext>
                 </a:extLst>
               </a:tr>
@@ -8798,7 +8798,7 @@
                 </a:tc>
                 <a:extLst>
                   <a:ext uri="{0D108BD9-81ED-4DB2-BD59-A6C34878D82A}">
-                    <a16:rowId xmlns="" xmlns:a16="http://schemas.microsoft.com/office/drawing/2014/main" val="2275222586"/>
+                    <a16:rowId xmlns:a16="http://schemas.microsoft.com/office/drawing/2014/main" val="2275222586"/>
                   </a:ext>
                 </a:extLst>
               </a:tr>
@@ -8907,7 +8907,7 @@
                 </a:tc>
                 <a:extLst>
                   <a:ext uri="{0D108BD9-81ED-4DB2-BD59-A6C34878D82A}">
-                    <a16:rowId xmlns="" xmlns:a16="http://schemas.microsoft.com/office/drawing/2014/main" val="1918467740"/>
+                    <a16:rowId xmlns:a16="http://schemas.microsoft.com/office/drawing/2014/main" val="1918467740"/>
                   </a:ext>
                 </a:extLst>
               </a:tr>
@@ -9016,7 +9016,7 @@
                 </a:tc>
                 <a:extLst>
                   <a:ext uri="{0D108BD9-81ED-4DB2-BD59-A6C34878D82A}">
-                    <a16:rowId xmlns="" xmlns:a16="http://schemas.microsoft.com/office/drawing/2014/main" val="168351104"/>
+                    <a16:rowId xmlns:a16="http://schemas.microsoft.com/office/drawing/2014/main" val="168351104"/>
                   </a:ext>
                 </a:extLst>
               </a:tr>
@@ -9141,7 +9141,7 @@
                 </a:tc>
                 <a:extLst>
                   <a:ext uri="{0D108BD9-81ED-4DB2-BD59-A6C34878D82A}">
-                    <a16:rowId xmlns="" xmlns:a16="http://schemas.microsoft.com/office/drawing/2014/main" val="1446898692"/>
+                    <a16:rowId xmlns:a16="http://schemas.microsoft.com/office/drawing/2014/main" val="1446898692"/>
                   </a:ext>
                 </a:extLst>
               </a:tr>
@@ -9154,7 +9154,7 @@
           <p:cNvPr id="19" name="그룹 1018">
             <a:extLst>
               <a:ext uri="{FF2B5EF4-FFF2-40B4-BE49-F238E27FC236}">
-                <a16:creationId xmlns="" xmlns:a16="http://schemas.microsoft.com/office/drawing/2014/main" id="{0804D430-F42E-AE32-A065-FFA8C471F092}"/>
+                <a16:creationId xmlns:a16="http://schemas.microsoft.com/office/drawing/2014/main" id="{0804D430-F42E-AE32-A065-FFA8C471F092}"/>
               </a:ext>
             </a:extLst>
           </p:cNvPr>
@@ -9174,7 +9174,7 @@
             <p:cNvPr id="20" name="Object 61">
               <a:extLst>
                 <a:ext uri="{FF2B5EF4-FFF2-40B4-BE49-F238E27FC236}">
-                  <a16:creationId xmlns="" xmlns:a16="http://schemas.microsoft.com/office/drawing/2014/main" id="{334A4C3A-641C-7CD9-8FEE-5EC92B28D640}"/>
+                  <a16:creationId xmlns:a16="http://schemas.microsoft.com/office/drawing/2014/main" id="{334A4C3A-641C-7CD9-8FEE-5EC92B28D640}"/>
                 </a:ext>
               </a:extLst>
             </p:cNvPr>
@@ -9205,7 +9205,7 @@
           <p:cNvPr id="21" name="TextBox 20">
             <a:extLst>
               <a:ext uri="{FF2B5EF4-FFF2-40B4-BE49-F238E27FC236}">
-                <a16:creationId xmlns="" xmlns:a16="http://schemas.microsoft.com/office/drawing/2014/main" id="{DF7DDD33-9412-2802-339A-E55446AC2DA7}"/>
+                <a16:creationId xmlns:a16="http://schemas.microsoft.com/office/drawing/2014/main" id="{DF7DDD33-9412-2802-339A-E55446AC2DA7}"/>
               </a:ext>
             </a:extLst>
           </p:cNvPr>
@@ -9253,7 +9253,7 @@
           <p:cNvPr id="22" name="TextBox 21">
             <a:extLst>
               <a:ext uri="{FF2B5EF4-FFF2-40B4-BE49-F238E27FC236}">
-                <a16:creationId xmlns="" xmlns:a16="http://schemas.microsoft.com/office/drawing/2014/main" id="{52176D31-35F7-8916-46FA-6095EFEC1E49}"/>
+                <a16:creationId xmlns:a16="http://schemas.microsoft.com/office/drawing/2014/main" id="{52176D31-35F7-8916-46FA-6095EFEC1E49}"/>
               </a:ext>
             </a:extLst>
           </p:cNvPr>
@@ -9307,7 +9307,7 @@
           <p:cNvPr id="23" name="TextBox 22">
             <a:extLst>
               <a:ext uri="{FF2B5EF4-FFF2-40B4-BE49-F238E27FC236}">
-                <a16:creationId xmlns="" xmlns:a16="http://schemas.microsoft.com/office/drawing/2014/main" id="{52176D31-35F7-8916-46FA-6095EFEC1E49}"/>
+                <a16:creationId xmlns:a16="http://schemas.microsoft.com/office/drawing/2014/main" id="{52176D31-35F7-8916-46FA-6095EFEC1E49}"/>
               </a:ext>
             </a:extLst>
           </p:cNvPr>
@@ -9361,7 +9361,7 @@
           <p:cNvPr id="24" name="직선 화살표 연결선 23">
             <a:extLst>
               <a:ext uri="{FF2B5EF4-FFF2-40B4-BE49-F238E27FC236}">
-                <a16:creationId xmlns="" xmlns:a16="http://schemas.microsoft.com/office/drawing/2014/main" id="{299DF5EC-9DF4-5255-06AC-0A7CE4FF58C3}"/>
+                <a16:creationId xmlns:a16="http://schemas.microsoft.com/office/drawing/2014/main" id="{299DF5EC-9DF4-5255-06AC-0A7CE4FF58C3}"/>
               </a:ext>
             </a:extLst>
           </p:cNvPr>
@@ -9433,7 +9433,7 @@
           <p:cNvPr id="4" name="TextBox 3">
             <a:extLst>
               <a:ext uri="{FF2B5EF4-FFF2-40B4-BE49-F238E27FC236}">
-                <a16:creationId xmlns="" xmlns:a16="http://schemas.microsoft.com/office/drawing/2014/main" id="{DF7DDD33-9412-2802-339A-E55446AC2DA7}"/>
+                <a16:creationId xmlns:a16="http://schemas.microsoft.com/office/drawing/2014/main" id="{DF7DDD33-9412-2802-339A-E55446AC2DA7}"/>
               </a:ext>
             </a:extLst>
           </p:cNvPr>
@@ -9491,7 +9491,7 @@
           <p:cNvPr id="6" name="표 16">
             <a:extLst>
               <a:ext uri="{FF2B5EF4-FFF2-40B4-BE49-F238E27FC236}">
-                <a16:creationId xmlns="" xmlns:a16="http://schemas.microsoft.com/office/drawing/2014/main" id="{F03C45C7-6EB1-7871-F0F7-945F667135C4}"/>
+                <a16:creationId xmlns:a16="http://schemas.microsoft.com/office/drawing/2014/main" id="{F03C45C7-6EB1-7871-F0F7-945F667135C4}"/>
               </a:ext>
             </a:extLst>
           </p:cNvPr>
@@ -9520,14 +9520,14 @@
                 <a:gridCol w="1600200">
                   <a:extLst>
                     <a:ext uri="{9D8B030D-6E8A-4147-A177-3AD203B41FA5}">
-                      <a16:colId xmlns="" xmlns:a16="http://schemas.microsoft.com/office/drawing/2014/main" val="2433761377"/>
+                      <a16:colId xmlns:a16="http://schemas.microsoft.com/office/drawing/2014/main" val="2433761377"/>
                     </a:ext>
                   </a:extLst>
                 </a:gridCol>
                 <a:gridCol w="1828800">
                   <a:extLst>
                     <a:ext uri="{9D8B030D-6E8A-4147-A177-3AD203B41FA5}">
-                      <a16:colId xmlns="" xmlns:a16="http://schemas.microsoft.com/office/drawing/2014/main" val="926389809"/>
+                      <a16:colId xmlns:a16="http://schemas.microsoft.com/office/drawing/2014/main" val="926389809"/>
                     </a:ext>
                   </a:extLst>
                 </a:gridCol>
@@ -9669,7 +9669,7 @@
                 </a:tc>
                 <a:extLst>
                   <a:ext uri="{0D108BD9-81ED-4DB2-BD59-A6C34878D82A}">
-                    <a16:rowId xmlns="" xmlns:a16="http://schemas.microsoft.com/office/drawing/2014/main" val="2504948727"/>
+                    <a16:rowId xmlns:a16="http://schemas.microsoft.com/office/drawing/2014/main" val="2504948727"/>
                   </a:ext>
                 </a:extLst>
               </a:tr>
@@ -9798,7 +9798,7 @@
                 </a:tc>
                 <a:extLst>
                   <a:ext uri="{0D108BD9-81ED-4DB2-BD59-A6C34878D82A}">
-                    <a16:rowId xmlns="" xmlns:a16="http://schemas.microsoft.com/office/drawing/2014/main" val="3647525178"/>
+                    <a16:rowId xmlns:a16="http://schemas.microsoft.com/office/drawing/2014/main" val="3647525178"/>
                   </a:ext>
                 </a:extLst>
               </a:tr>
@@ -9911,7 +9911,7 @@
                 </a:tc>
                 <a:extLst>
                   <a:ext uri="{0D108BD9-81ED-4DB2-BD59-A6C34878D82A}">
-                    <a16:rowId xmlns="" xmlns:a16="http://schemas.microsoft.com/office/drawing/2014/main" val="2672623231"/>
+                    <a16:rowId xmlns:a16="http://schemas.microsoft.com/office/drawing/2014/main" val="2672623231"/>
                   </a:ext>
                 </a:extLst>
               </a:tr>
@@ -10024,7 +10024,7 @@
                 </a:tc>
                 <a:extLst>
                   <a:ext uri="{0D108BD9-81ED-4DB2-BD59-A6C34878D82A}">
-                    <a16:rowId xmlns="" xmlns:a16="http://schemas.microsoft.com/office/drawing/2014/main" val="2996999142"/>
+                    <a16:rowId xmlns:a16="http://schemas.microsoft.com/office/drawing/2014/main" val="2996999142"/>
                   </a:ext>
                 </a:extLst>
               </a:tr>
@@ -10133,7 +10133,7 @@
                 </a:tc>
                 <a:extLst>
                   <a:ext uri="{0D108BD9-81ED-4DB2-BD59-A6C34878D82A}">
-                    <a16:rowId xmlns="" xmlns:a16="http://schemas.microsoft.com/office/drawing/2014/main" val="2275222586"/>
+                    <a16:rowId xmlns:a16="http://schemas.microsoft.com/office/drawing/2014/main" val="2275222586"/>
                   </a:ext>
                 </a:extLst>
               </a:tr>
@@ -10242,7 +10242,7 @@
                 </a:tc>
                 <a:extLst>
                   <a:ext uri="{0D108BD9-81ED-4DB2-BD59-A6C34878D82A}">
-                    <a16:rowId xmlns="" xmlns:a16="http://schemas.microsoft.com/office/drawing/2014/main" val="1918467740"/>
+                    <a16:rowId xmlns:a16="http://schemas.microsoft.com/office/drawing/2014/main" val="1918467740"/>
                   </a:ext>
                 </a:extLst>
               </a:tr>
@@ -10351,7 +10351,7 @@
                 </a:tc>
                 <a:extLst>
                   <a:ext uri="{0D108BD9-81ED-4DB2-BD59-A6C34878D82A}">
-                    <a16:rowId xmlns="" xmlns:a16="http://schemas.microsoft.com/office/drawing/2014/main" val="168351104"/>
+                    <a16:rowId xmlns:a16="http://schemas.microsoft.com/office/drawing/2014/main" val="168351104"/>
                   </a:ext>
                 </a:extLst>
               </a:tr>
@@ -10476,7 +10476,7 @@
                 </a:tc>
                 <a:extLst>
                   <a:ext uri="{0D108BD9-81ED-4DB2-BD59-A6C34878D82A}">
-                    <a16:rowId xmlns="" xmlns:a16="http://schemas.microsoft.com/office/drawing/2014/main" val="1446898692"/>
+                    <a16:rowId xmlns:a16="http://schemas.microsoft.com/office/drawing/2014/main" val="1446898692"/>
                   </a:ext>
                 </a:extLst>
               </a:tr>
@@ -10489,7 +10489,7 @@
           <p:cNvPr id="7" name="그룹 1018">
             <a:extLst>
               <a:ext uri="{FF2B5EF4-FFF2-40B4-BE49-F238E27FC236}">
-                <a16:creationId xmlns="" xmlns:a16="http://schemas.microsoft.com/office/drawing/2014/main" id="{0804D430-F42E-AE32-A065-FFA8C471F092}"/>
+                <a16:creationId xmlns:a16="http://schemas.microsoft.com/office/drawing/2014/main" id="{0804D430-F42E-AE32-A065-FFA8C471F092}"/>
               </a:ext>
             </a:extLst>
           </p:cNvPr>
@@ -10509,7 +10509,7 @@
             <p:cNvPr id="8" name="Object 61">
               <a:extLst>
                 <a:ext uri="{FF2B5EF4-FFF2-40B4-BE49-F238E27FC236}">
-                  <a16:creationId xmlns="" xmlns:a16="http://schemas.microsoft.com/office/drawing/2014/main" id="{334A4C3A-641C-7CD9-8FEE-5EC92B28D640}"/>
+                  <a16:creationId xmlns:a16="http://schemas.microsoft.com/office/drawing/2014/main" id="{334A4C3A-641C-7CD9-8FEE-5EC92B28D640}"/>
                 </a:ext>
               </a:extLst>
             </p:cNvPr>
@@ -10540,7 +10540,7 @@
           <p:cNvPr id="9" name="TextBox 8">
             <a:extLst>
               <a:ext uri="{FF2B5EF4-FFF2-40B4-BE49-F238E27FC236}">
-                <a16:creationId xmlns="" xmlns:a16="http://schemas.microsoft.com/office/drawing/2014/main" id="{DF7DDD33-9412-2802-339A-E55446AC2DA7}"/>
+                <a16:creationId xmlns:a16="http://schemas.microsoft.com/office/drawing/2014/main" id="{DF7DDD33-9412-2802-339A-E55446AC2DA7}"/>
               </a:ext>
             </a:extLst>
           </p:cNvPr>
@@ -10588,7 +10588,7 @@
           <p:cNvPr id="10" name="TextBox 9">
             <a:extLst>
               <a:ext uri="{FF2B5EF4-FFF2-40B4-BE49-F238E27FC236}">
-                <a16:creationId xmlns="" xmlns:a16="http://schemas.microsoft.com/office/drawing/2014/main" id="{52176D31-35F7-8916-46FA-6095EFEC1E49}"/>
+                <a16:creationId xmlns:a16="http://schemas.microsoft.com/office/drawing/2014/main" id="{52176D31-35F7-8916-46FA-6095EFEC1E49}"/>
               </a:ext>
             </a:extLst>
           </p:cNvPr>
@@ -10632,7 +10632,7 @@
           <p:cNvPr id="11" name="TextBox 10">
             <a:extLst>
               <a:ext uri="{FF2B5EF4-FFF2-40B4-BE49-F238E27FC236}">
-                <a16:creationId xmlns="" xmlns:a16="http://schemas.microsoft.com/office/drawing/2014/main" id="{52176D31-35F7-8916-46FA-6095EFEC1E49}"/>
+                <a16:creationId xmlns:a16="http://schemas.microsoft.com/office/drawing/2014/main" id="{52176D31-35F7-8916-46FA-6095EFEC1E49}"/>
               </a:ext>
             </a:extLst>
           </p:cNvPr>
@@ -10676,7 +10676,7 @@
           <p:cNvPr id="12" name="직선 화살표 연결선 11">
             <a:extLst>
               <a:ext uri="{FF2B5EF4-FFF2-40B4-BE49-F238E27FC236}">
-                <a16:creationId xmlns="" xmlns:a16="http://schemas.microsoft.com/office/drawing/2014/main" id="{299DF5EC-9DF4-5255-06AC-0A7CE4FF58C3}"/>
+                <a16:creationId xmlns:a16="http://schemas.microsoft.com/office/drawing/2014/main" id="{299DF5EC-9DF4-5255-06AC-0A7CE4FF58C3}"/>
               </a:ext>
             </a:extLst>
           </p:cNvPr>
@@ -10718,7 +10718,7 @@
           <p:cNvPr id="13" name="표 16">
             <a:extLst>
               <a:ext uri="{FF2B5EF4-FFF2-40B4-BE49-F238E27FC236}">
-                <a16:creationId xmlns="" xmlns:a16="http://schemas.microsoft.com/office/drawing/2014/main" id="{F03C45C7-6EB1-7871-F0F7-945F667135C4}"/>
+                <a16:creationId xmlns:a16="http://schemas.microsoft.com/office/drawing/2014/main" id="{F03C45C7-6EB1-7871-F0F7-945F667135C4}"/>
               </a:ext>
             </a:extLst>
           </p:cNvPr>
@@ -10747,14 +10747,14 @@
                 <a:gridCol w="1600200">
                   <a:extLst>
                     <a:ext uri="{9D8B030D-6E8A-4147-A177-3AD203B41FA5}">
-                      <a16:colId xmlns="" xmlns:a16="http://schemas.microsoft.com/office/drawing/2014/main" val="2433761377"/>
+                      <a16:colId xmlns:a16="http://schemas.microsoft.com/office/drawing/2014/main" val="2433761377"/>
                     </a:ext>
                   </a:extLst>
                 </a:gridCol>
                 <a:gridCol w="1828800">
                   <a:extLst>
                     <a:ext uri="{9D8B030D-6E8A-4147-A177-3AD203B41FA5}">
-                      <a16:colId xmlns="" xmlns:a16="http://schemas.microsoft.com/office/drawing/2014/main" val="926389809"/>
+                      <a16:colId xmlns:a16="http://schemas.microsoft.com/office/drawing/2014/main" val="926389809"/>
                     </a:ext>
                   </a:extLst>
                 </a:gridCol>
@@ -10896,7 +10896,7 @@
                 </a:tc>
                 <a:extLst>
                   <a:ext uri="{0D108BD9-81ED-4DB2-BD59-A6C34878D82A}">
-                    <a16:rowId xmlns="" xmlns:a16="http://schemas.microsoft.com/office/drawing/2014/main" val="2504948727"/>
+                    <a16:rowId xmlns:a16="http://schemas.microsoft.com/office/drawing/2014/main" val="2504948727"/>
                   </a:ext>
                 </a:extLst>
               </a:tr>
@@ -11025,7 +11025,7 @@
                 </a:tc>
                 <a:extLst>
                   <a:ext uri="{0D108BD9-81ED-4DB2-BD59-A6C34878D82A}">
-                    <a16:rowId xmlns="" xmlns:a16="http://schemas.microsoft.com/office/drawing/2014/main" val="3647525178"/>
+                    <a16:rowId xmlns:a16="http://schemas.microsoft.com/office/drawing/2014/main" val="3647525178"/>
                   </a:ext>
                 </a:extLst>
               </a:tr>
@@ -11138,7 +11138,7 @@
                 </a:tc>
                 <a:extLst>
                   <a:ext uri="{0D108BD9-81ED-4DB2-BD59-A6C34878D82A}">
-                    <a16:rowId xmlns="" xmlns:a16="http://schemas.microsoft.com/office/drawing/2014/main" val="2672623231"/>
+                    <a16:rowId xmlns:a16="http://schemas.microsoft.com/office/drawing/2014/main" val="2672623231"/>
                   </a:ext>
                 </a:extLst>
               </a:tr>
@@ -11251,7 +11251,7 @@
                 </a:tc>
                 <a:extLst>
                   <a:ext uri="{0D108BD9-81ED-4DB2-BD59-A6C34878D82A}">
-                    <a16:rowId xmlns="" xmlns:a16="http://schemas.microsoft.com/office/drawing/2014/main" val="2996999142"/>
+                    <a16:rowId xmlns:a16="http://schemas.microsoft.com/office/drawing/2014/main" val="2996999142"/>
                   </a:ext>
                 </a:extLst>
               </a:tr>
@@ -11360,7 +11360,7 @@
                 </a:tc>
                 <a:extLst>
                   <a:ext uri="{0D108BD9-81ED-4DB2-BD59-A6C34878D82A}">
-                    <a16:rowId xmlns="" xmlns:a16="http://schemas.microsoft.com/office/drawing/2014/main" val="2275222586"/>
+                    <a16:rowId xmlns:a16="http://schemas.microsoft.com/office/drawing/2014/main" val="2275222586"/>
                   </a:ext>
                 </a:extLst>
               </a:tr>
@@ -11469,7 +11469,7 @@
                 </a:tc>
                 <a:extLst>
                   <a:ext uri="{0D108BD9-81ED-4DB2-BD59-A6C34878D82A}">
-                    <a16:rowId xmlns="" xmlns:a16="http://schemas.microsoft.com/office/drawing/2014/main" val="1918467740"/>
+                    <a16:rowId xmlns:a16="http://schemas.microsoft.com/office/drawing/2014/main" val="1918467740"/>
                   </a:ext>
                 </a:extLst>
               </a:tr>
@@ -11578,7 +11578,7 @@
                 </a:tc>
                 <a:extLst>
                   <a:ext uri="{0D108BD9-81ED-4DB2-BD59-A6C34878D82A}">
-                    <a16:rowId xmlns="" xmlns:a16="http://schemas.microsoft.com/office/drawing/2014/main" val="168351104"/>
+                    <a16:rowId xmlns:a16="http://schemas.microsoft.com/office/drawing/2014/main" val="168351104"/>
                   </a:ext>
                 </a:extLst>
               </a:tr>
@@ -11703,7 +11703,7 @@
                 </a:tc>
                 <a:extLst>
                   <a:ext uri="{0D108BD9-81ED-4DB2-BD59-A6C34878D82A}">
-                    <a16:rowId xmlns="" xmlns:a16="http://schemas.microsoft.com/office/drawing/2014/main" val="1446898692"/>
+                    <a16:rowId xmlns:a16="http://schemas.microsoft.com/office/drawing/2014/main" val="1446898692"/>
                   </a:ext>
                 </a:extLst>
               </a:tr>
@@ -11716,7 +11716,7 @@
           <p:cNvPr id="14" name="그룹 1018">
             <a:extLst>
               <a:ext uri="{FF2B5EF4-FFF2-40B4-BE49-F238E27FC236}">
-                <a16:creationId xmlns="" xmlns:a16="http://schemas.microsoft.com/office/drawing/2014/main" id="{0804D430-F42E-AE32-A065-FFA8C471F092}"/>
+                <a16:creationId xmlns:a16="http://schemas.microsoft.com/office/drawing/2014/main" id="{0804D430-F42E-AE32-A065-FFA8C471F092}"/>
               </a:ext>
             </a:extLst>
           </p:cNvPr>
@@ -11736,7 +11736,7 @@
             <p:cNvPr id="15" name="Object 61">
               <a:extLst>
                 <a:ext uri="{FF2B5EF4-FFF2-40B4-BE49-F238E27FC236}">
-                  <a16:creationId xmlns="" xmlns:a16="http://schemas.microsoft.com/office/drawing/2014/main" id="{334A4C3A-641C-7CD9-8FEE-5EC92B28D640}"/>
+                  <a16:creationId xmlns:a16="http://schemas.microsoft.com/office/drawing/2014/main" id="{334A4C3A-641C-7CD9-8FEE-5EC92B28D640}"/>
                 </a:ext>
               </a:extLst>
             </p:cNvPr>
@@ -11767,7 +11767,7 @@
           <p:cNvPr id="16" name="TextBox 15">
             <a:extLst>
               <a:ext uri="{FF2B5EF4-FFF2-40B4-BE49-F238E27FC236}">
-                <a16:creationId xmlns="" xmlns:a16="http://schemas.microsoft.com/office/drawing/2014/main" id="{DF7DDD33-9412-2802-339A-E55446AC2DA7}"/>
+                <a16:creationId xmlns:a16="http://schemas.microsoft.com/office/drawing/2014/main" id="{DF7DDD33-9412-2802-339A-E55446AC2DA7}"/>
               </a:ext>
             </a:extLst>
           </p:cNvPr>
@@ -11815,7 +11815,7 @@
           <p:cNvPr id="17" name="TextBox 16">
             <a:extLst>
               <a:ext uri="{FF2B5EF4-FFF2-40B4-BE49-F238E27FC236}">
-                <a16:creationId xmlns="" xmlns:a16="http://schemas.microsoft.com/office/drawing/2014/main" id="{52176D31-35F7-8916-46FA-6095EFEC1E49}"/>
+                <a16:creationId xmlns:a16="http://schemas.microsoft.com/office/drawing/2014/main" id="{52176D31-35F7-8916-46FA-6095EFEC1E49}"/>
               </a:ext>
             </a:extLst>
           </p:cNvPr>
@@ -11869,7 +11869,7 @@
           <p:cNvPr id="18" name="TextBox 17">
             <a:extLst>
               <a:ext uri="{FF2B5EF4-FFF2-40B4-BE49-F238E27FC236}">
-                <a16:creationId xmlns="" xmlns:a16="http://schemas.microsoft.com/office/drawing/2014/main" id="{52176D31-35F7-8916-46FA-6095EFEC1E49}"/>
+                <a16:creationId xmlns:a16="http://schemas.microsoft.com/office/drawing/2014/main" id="{52176D31-35F7-8916-46FA-6095EFEC1E49}"/>
               </a:ext>
             </a:extLst>
           </p:cNvPr>
@@ -11923,7 +11923,7 @@
           <p:cNvPr id="19" name="직선 화살표 연결선 18">
             <a:extLst>
               <a:ext uri="{FF2B5EF4-FFF2-40B4-BE49-F238E27FC236}">
-                <a16:creationId xmlns="" xmlns:a16="http://schemas.microsoft.com/office/drawing/2014/main" id="{299DF5EC-9DF4-5255-06AC-0A7CE4FF58C3}"/>
+                <a16:creationId xmlns:a16="http://schemas.microsoft.com/office/drawing/2014/main" id="{299DF5EC-9DF4-5255-06AC-0A7CE4FF58C3}"/>
               </a:ext>
             </a:extLst>
           </p:cNvPr>
@@ -11989,7 +11989,7 @@
           <p:cNvPr id="21" name="직사각형 20">
             <a:extLst>
               <a:ext uri="{FF2B5EF4-FFF2-40B4-BE49-F238E27FC236}">
-                <a16:creationId xmlns="" xmlns:a16="http://schemas.microsoft.com/office/drawing/2014/main" id="{FFF506F9-840A-0508-4CAF-3AC711D8D5CE}"/>
+                <a16:creationId xmlns:a16="http://schemas.microsoft.com/office/drawing/2014/main" id="{FFF506F9-840A-0508-4CAF-3AC711D8D5CE}"/>
               </a:ext>
             </a:extLst>
           </p:cNvPr>
@@ -12387,7 +12387,7 @@
           <p:cNvPr id="2" name="TextBox 1">
             <a:extLst>
               <a:ext uri="{FF2B5EF4-FFF2-40B4-BE49-F238E27FC236}">
-                <a16:creationId xmlns="" xmlns:a16="http://schemas.microsoft.com/office/drawing/2014/main" id="{76F36AE5-79B5-0B9F-E510-1C27AAC4B649}"/>
+                <a16:creationId xmlns:a16="http://schemas.microsoft.com/office/drawing/2014/main" id="{76F36AE5-79B5-0B9F-E510-1C27AAC4B649}"/>
               </a:ext>
             </a:extLst>
           </p:cNvPr>
@@ -12465,7 +12465,7 @@
           <p:cNvPr id="4" name="TextBox 3">
             <a:extLst>
               <a:ext uri="{FF2B5EF4-FFF2-40B4-BE49-F238E27FC236}">
-                <a16:creationId xmlns="" xmlns:a16="http://schemas.microsoft.com/office/drawing/2014/main" id="{37C30BAF-D498-C798-BC14-1718488A3435}"/>
+                <a16:creationId xmlns:a16="http://schemas.microsoft.com/office/drawing/2014/main" id="{37C30BAF-D498-C798-BC14-1718488A3435}"/>
               </a:ext>
             </a:extLst>
           </p:cNvPr>
@@ -12700,7 +12700,7 @@
           <p:cNvPr id="4" name="TextBox 3">
             <a:extLst>
               <a:ext uri="{FF2B5EF4-FFF2-40B4-BE49-F238E27FC236}">
-                <a16:creationId xmlns="" xmlns:a16="http://schemas.microsoft.com/office/drawing/2014/main" id="{37C30BAF-D498-C798-BC14-1718488A3435}"/>
+                <a16:creationId xmlns:a16="http://schemas.microsoft.com/office/drawing/2014/main" id="{37C30BAF-D498-C798-BC14-1718488A3435}"/>
               </a:ext>
             </a:extLst>
           </p:cNvPr>
@@ -12850,7 +12850,7 @@
           <p:cNvPr id="4" name="TextBox 3">
             <a:extLst>
               <a:ext uri="{FF2B5EF4-FFF2-40B4-BE49-F238E27FC236}">
-                <a16:creationId xmlns="" xmlns:a16="http://schemas.microsoft.com/office/drawing/2014/main" id="{37C30BAF-D498-C798-BC14-1718488A3435}"/>
+                <a16:creationId xmlns:a16="http://schemas.microsoft.com/office/drawing/2014/main" id="{37C30BAF-D498-C798-BC14-1718488A3435}"/>
               </a:ext>
             </a:extLst>
           </p:cNvPr>
@@ -12922,7 +12922,7 @@
           <p:cNvPr id="6" name="직선 화살표 연결선 5">
             <a:extLst>
               <a:ext uri="{FF2B5EF4-FFF2-40B4-BE49-F238E27FC236}">
-                <a16:creationId xmlns="" xmlns:a16="http://schemas.microsoft.com/office/drawing/2014/main" id="{299DF5EC-9DF4-5255-06AC-0A7CE4FF58C3}"/>
+                <a16:creationId xmlns:a16="http://schemas.microsoft.com/office/drawing/2014/main" id="{299DF5EC-9DF4-5255-06AC-0A7CE4FF58C3}"/>
               </a:ext>
             </a:extLst>
           </p:cNvPr>
@@ -12963,7 +12963,7 @@
           <p:cNvPr id="7" name="직사각형 6">
             <a:extLst>
               <a:ext uri="{FF2B5EF4-FFF2-40B4-BE49-F238E27FC236}">
-                <a16:creationId xmlns="" xmlns:a16="http://schemas.microsoft.com/office/drawing/2014/main" id="{FFF506F9-840A-0508-4CAF-3AC711D8D5CE}"/>
+                <a16:creationId xmlns:a16="http://schemas.microsoft.com/office/drawing/2014/main" id="{FFF506F9-840A-0508-4CAF-3AC711D8D5CE}"/>
               </a:ext>
             </a:extLst>
           </p:cNvPr>
@@ -13015,7 +13015,7 @@
           <p:cNvPr id="8" name="TextBox 7">
             <a:extLst>
               <a:ext uri="{FF2B5EF4-FFF2-40B4-BE49-F238E27FC236}">
-                <a16:creationId xmlns="" xmlns:a16="http://schemas.microsoft.com/office/drawing/2014/main" id="{C6D113C6-EA5C-788F-0C77-E7CE6EBB865F}"/>
+                <a16:creationId xmlns:a16="http://schemas.microsoft.com/office/drawing/2014/main" id="{C6D113C6-EA5C-788F-0C77-E7CE6EBB865F}"/>
               </a:ext>
             </a:extLst>
           </p:cNvPr>
@@ -13073,7 +13073,7 @@
           <p:cNvPr id="9" name="직선 화살표 연결선 8">
             <a:extLst>
               <a:ext uri="{FF2B5EF4-FFF2-40B4-BE49-F238E27FC236}">
-                <a16:creationId xmlns="" xmlns:a16="http://schemas.microsoft.com/office/drawing/2014/main" id="{299DF5EC-9DF4-5255-06AC-0A7CE4FF58C3}"/>
+                <a16:creationId xmlns:a16="http://schemas.microsoft.com/office/drawing/2014/main" id="{299DF5EC-9DF4-5255-06AC-0A7CE4FF58C3}"/>
               </a:ext>
             </a:extLst>
           </p:cNvPr>
@@ -13114,7 +13114,7 @@
           <p:cNvPr id="10" name="직사각형 9">
             <a:extLst>
               <a:ext uri="{FF2B5EF4-FFF2-40B4-BE49-F238E27FC236}">
-                <a16:creationId xmlns="" xmlns:a16="http://schemas.microsoft.com/office/drawing/2014/main" id="{FFF506F9-840A-0508-4CAF-3AC711D8D5CE}"/>
+                <a16:creationId xmlns:a16="http://schemas.microsoft.com/office/drawing/2014/main" id="{FFF506F9-840A-0508-4CAF-3AC711D8D5CE}"/>
               </a:ext>
             </a:extLst>
           </p:cNvPr>
@@ -13166,7 +13166,7 @@
           <p:cNvPr id="11" name="TextBox 10">
             <a:extLst>
               <a:ext uri="{FF2B5EF4-FFF2-40B4-BE49-F238E27FC236}">
-                <a16:creationId xmlns="" xmlns:a16="http://schemas.microsoft.com/office/drawing/2014/main" id="{C6D113C6-EA5C-788F-0C77-E7CE6EBB865F}"/>
+                <a16:creationId xmlns:a16="http://schemas.microsoft.com/office/drawing/2014/main" id="{C6D113C6-EA5C-788F-0C77-E7CE6EBB865F}"/>
               </a:ext>
             </a:extLst>
           </p:cNvPr>
@@ -13411,7 +13411,7 @@
           <p:cNvPr id="4" name="TextBox 3">
             <a:extLst>
               <a:ext uri="{FF2B5EF4-FFF2-40B4-BE49-F238E27FC236}">
-                <a16:creationId xmlns="" xmlns:a16="http://schemas.microsoft.com/office/drawing/2014/main" id="{37C30BAF-D498-C798-BC14-1718488A3435}"/>
+                <a16:creationId xmlns:a16="http://schemas.microsoft.com/office/drawing/2014/main" id="{37C30BAF-D498-C798-BC14-1718488A3435}"/>
               </a:ext>
             </a:extLst>
           </p:cNvPr>
@@ -13542,7 +13542,7 @@
           <p:cNvPr id="6" name="직사각형 5">
             <a:extLst>
               <a:ext uri="{FF2B5EF4-FFF2-40B4-BE49-F238E27FC236}">
-                <a16:creationId xmlns="" xmlns:a16="http://schemas.microsoft.com/office/drawing/2014/main" id="{FFF506F9-840A-0508-4CAF-3AC711D8D5CE}"/>
+                <a16:creationId xmlns:a16="http://schemas.microsoft.com/office/drawing/2014/main" id="{FFF506F9-840A-0508-4CAF-3AC711D8D5CE}"/>
               </a:ext>
             </a:extLst>
           </p:cNvPr>
@@ -13594,7 +13594,7 @@
           <p:cNvPr id="8" name="TextBox 7">
             <a:extLst>
               <a:ext uri="{FF2B5EF4-FFF2-40B4-BE49-F238E27FC236}">
-                <a16:creationId xmlns="" xmlns:a16="http://schemas.microsoft.com/office/drawing/2014/main" id="{37C30BAF-D498-C798-BC14-1718488A3435}"/>
+                <a16:creationId xmlns:a16="http://schemas.microsoft.com/office/drawing/2014/main" id="{37C30BAF-D498-C798-BC14-1718488A3435}"/>
               </a:ext>
             </a:extLst>
           </p:cNvPr>
@@ -13672,7 +13672,7 @@
           <p:cNvPr id="10" name="그룹 1008">
             <a:extLst>
               <a:ext uri="{FF2B5EF4-FFF2-40B4-BE49-F238E27FC236}">
-                <a16:creationId xmlns="" xmlns:a16="http://schemas.microsoft.com/office/drawing/2014/main" id="{678F6342-C505-E8AD-ADA4-022CB2C2088E}"/>
+                <a16:creationId xmlns:a16="http://schemas.microsoft.com/office/drawing/2014/main" id="{678F6342-C505-E8AD-ADA4-022CB2C2088E}"/>
               </a:ext>
             </a:extLst>
           </p:cNvPr>
@@ -13692,7 +13692,7 @@
             <p:cNvPr id="11" name="그룹 1009">
               <a:extLst>
                 <a:ext uri="{FF2B5EF4-FFF2-40B4-BE49-F238E27FC236}">
-                  <a16:creationId xmlns="" xmlns:a16="http://schemas.microsoft.com/office/drawing/2014/main" id="{4E1F1FED-812B-9BBB-925A-84B54A077414}"/>
+                  <a16:creationId xmlns:a16="http://schemas.microsoft.com/office/drawing/2014/main" id="{4E1F1FED-812B-9BBB-925A-84B54A077414}"/>
                 </a:ext>
               </a:extLst>
             </p:cNvPr>
@@ -13712,7 +13712,7 @@
               <p:cNvPr id="16" name="Object 29">
                 <a:extLst>
                   <a:ext uri="{FF2B5EF4-FFF2-40B4-BE49-F238E27FC236}">
-                    <a16:creationId xmlns="" xmlns:a16="http://schemas.microsoft.com/office/drawing/2014/main" id="{7B078609-4286-7B00-51EB-809C8E2DE289}"/>
+                    <a16:creationId xmlns:a16="http://schemas.microsoft.com/office/drawing/2014/main" id="{7B078609-4286-7B00-51EB-809C8E2DE289}"/>
                   </a:ext>
                 </a:extLst>
               </p:cNvPr>
@@ -13743,7 +13743,7 @@
             <p:cNvPr id="12" name="그룹 1010">
               <a:extLst>
                 <a:ext uri="{FF2B5EF4-FFF2-40B4-BE49-F238E27FC236}">
-                  <a16:creationId xmlns="" xmlns:a16="http://schemas.microsoft.com/office/drawing/2014/main" id="{02A649BF-B5B5-FBAF-7DFD-E118A4DF8907}"/>
+                  <a16:creationId xmlns:a16="http://schemas.microsoft.com/office/drawing/2014/main" id="{02A649BF-B5B5-FBAF-7DFD-E118A4DF8907}"/>
                 </a:ext>
               </a:extLst>
             </p:cNvPr>
@@ -13763,7 +13763,7 @@
               <p:cNvPr id="15" name="Object 32">
                 <a:extLst>
                   <a:ext uri="{FF2B5EF4-FFF2-40B4-BE49-F238E27FC236}">
-                    <a16:creationId xmlns="" xmlns:a16="http://schemas.microsoft.com/office/drawing/2014/main" id="{2A0FFF23-B3C9-3EA0-1C1B-A87D4FF098AE}"/>
+                    <a16:creationId xmlns:a16="http://schemas.microsoft.com/office/drawing/2014/main" id="{2A0FFF23-B3C9-3EA0-1C1B-A87D4FF098AE}"/>
                   </a:ext>
                 </a:extLst>
               </p:cNvPr>
@@ -13794,7 +13794,7 @@
             <p:cNvPr id="13" name="그룹 1011">
               <a:extLst>
                 <a:ext uri="{FF2B5EF4-FFF2-40B4-BE49-F238E27FC236}">
-                  <a16:creationId xmlns="" xmlns:a16="http://schemas.microsoft.com/office/drawing/2014/main" id="{881F5410-F7FB-F261-A584-707359BAC593}"/>
+                  <a16:creationId xmlns:a16="http://schemas.microsoft.com/office/drawing/2014/main" id="{881F5410-F7FB-F261-A584-707359BAC593}"/>
                 </a:ext>
               </a:extLst>
             </p:cNvPr>
@@ -13814,7 +13814,7 @@
               <p:cNvPr id="14" name="Object 35">
                 <a:extLst>
                   <a:ext uri="{FF2B5EF4-FFF2-40B4-BE49-F238E27FC236}">
-                    <a16:creationId xmlns="" xmlns:a16="http://schemas.microsoft.com/office/drawing/2014/main" id="{4E99E669-73EB-F9F4-EFE8-DC107035C265}"/>
+                    <a16:creationId xmlns:a16="http://schemas.microsoft.com/office/drawing/2014/main" id="{4E99E669-73EB-F9F4-EFE8-DC107035C265}"/>
                   </a:ext>
                 </a:extLst>
               </p:cNvPr>
@@ -13870,7 +13870,7 @@
           <p:cNvPr id="3" name="그림 2">
             <a:extLst>
               <a:ext uri="{FF2B5EF4-FFF2-40B4-BE49-F238E27FC236}">
-                <a16:creationId xmlns="" xmlns:a16="http://schemas.microsoft.com/office/drawing/2014/main" id="{C85DFD94-7DEB-7BA9-EEDC-E6113A99C80C}"/>
+                <a16:creationId xmlns:a16="http://schemas.microsoft.com/office/drawing/2014/main" id="{C85DFD94-7DEB-7BA9-EEDC-E6113A99C80C}"/>
               </a:ext>
             </a:extLst>
           </p:cNvPr>
@@ -14253,7 +14253,7 @@
           <p:cNvPr id="11" name="TextBox 10">
             <a:extLst>
               <a:ext uri="{FF2B5EF4-FFF2-40B4-BE49-F238E27FC236}">
-                <a16:creationId xmlns="" xmlns:a16="http://schemas.microsoft.com/office/drawing/2014/main" id="{9F88F580-08BE-88C2-D640-13F0026591CB}"/>
+                <a16:creationId xmlns:a16="http://schemas.microsoft.com/office/drawing/2014/main" id="{9F88F580-08BE-88C2-D640-13F0026591CB}"/>
               </a:ext>
             </a:extLst>
           </p:cNvPr>
@@ -14304,7 +14304,7 @@
           <p:cNvPr id="13" name="TextBox 12">
             <a:extLst>
               <a:ext uri="{FF2B5EF4-FFF2-40B4-BE49-F238E27FC236}">
-                <a16:creationId xmlns="" xmlns:a16="http://schemas.microsoft.com/office/drawing/2014/main" id="{72769C28-9BB6-DE9C-7B6F-264B77B8DD0E}"/>
+                <a16:creationId xmlns:a16="http://schemas.microsoft.com/office/drawing/2014/main" id="{72769C28-9BB6-DE9C-7B6F-264B77B8DD0E}"/>
               </a:ext>
             </a:extLst>
           </p:cNvPr>
@@ -14345,7 +14345,7 @@
           <p:cNvPr id="14" name="TextBox 13">
             <a:extLst>
               <a:ext uri="{FF2B5EF4-FFF2-40B4-BE49-F238E27FC236}">
-                <a16:creationId xmlns="" xmlns:a16="http://schemas.microsoft.com/office/drawing/2014/main" id="{270FBB6A-01CE-5637-78DA-58F0C974145C}"/>
+                <a16:creationId xmlns:a16="http://schemas.microsoft.com/office/drawing/2014/main" id="{270FBB6A-01CE-5637-78DA-58F0C974145C}"/>
               </a:ext>
             </a:extLst>
           </p:cNvPr>
@@ -14393,7 +14393,7 @@
           <p:cNvPr id="2" name="Object 17">
             <a:extLst>
               <a:ext uri="{FF2B5EF4-FFF2-40B4-BE49-F238E27FC236}">
-                <a16:creationId xmlns="" xmlns:a16="http://schemas.microsoft.com/office/drawing/2014/main" id="{140B283D-FE58-FA6F-6F7C-E0F1DBB62A65}"/>
+                <a16:creationId xmlns:a16="http://schemas.microsoft.com/office/drawing/2014/main" id="{140B283D-FE58-FA6F-6F7C-E0F1DBB62A65}"/>
               </a:ext>
             </a:extLst>
           </p:cNvPr>
@@ -14423,7 +14423,7 @@
           <p:cNvPr id="4" name="TextBox 3">
             <a:extLst>
               <a:ext uri="{FF2B5EF4-FFF2-40B4-BE49-F238E27FC236}">
-                <a16:creationId xmlns="" xmlns:a16="http://schemas.microsoft.com/office/drawing/2014/main" id="{2C8D0998-79BC-6FD2-59D9-8052B4A25F65}"/>
+                <a16:creationId xmlns:a16="http://schemas.microsoft.com/office/drawing/2014/main" id="{2C8D0998-79BC-6FD2-59D9-8052B4A25F65}"/>
               </a:ext>
             </a:extLst>
           </p:cNvPr>
@@ -14464,7 +14464,7 @@
           <p:cNvPr id="5" name="Object 18">
             <a:extLst>
               <a:ext uri="{FF2B5EF4-FFF2-40B4-BE49-F238E27FC236}">
-                <a16:creationId xmlns="" xmlns:a16="http://schemas.microsoft.com/office/drawing/2014/main" id="{3F58EA3E-1018-64D3-FAB2-4F6B9618FA56}"/>
+                <a16:creationId xmlns:a16="http://schemas.microsoft.com/office/drawing/2014/main" id="{3F58EA3E-1018-64D3-FAB2-4F6B9618FA56}"/>
               </a:ext>
             </a:extLst>
           </p:cNvPr>
@@ -14494,7 +14494,7 @@
           <p:cNvPr id="8" name="TextBox 7">
             <a:extLst>
               <a:ext uri="{FF2B5EF4-FFF2-40B4-BE49-F238E27FC236}">
-                <a16:creationId xmlns="" xmlns:a16="http://schemas.microsoft.com/office/drawing/2014/main" id="{681D3F16-7DCF-41AD-F5F1-0558C78C0E4D}"/>
+                <a16:creationId xmlns:a16="http://schemas.microsoft.com/office/drawing/2014/main" id="{681D3F16-7DCF-41AD-F5F1-0558C78C0E4D}"/>
               </a:ext>
             </a:extLst>
           </p:cNvPr>
@@ -14567,7 +14567,7 @@
           <p:cNvPr id="5" name="그림 4">
             <a:extLst>
               <a:ext uri="{FF2B5EF4-FFF2-40B4-BE49-F238E27FC236}">
-                <a16:creationId xmlns="" xmlns:a16="http://schemas.microsoft.com/office/drawing/2014/main" id="{5800D7CB-7243-2BE7-E09F-3CE8B142071D}"/>
+                <a16:creationId xmlns:a16="http://schemas.microsoft.com/office/drawing/2014/main" id="{5800D7CB-7243-2BE7-E09F-3CE8B142071D}"/>
               </a:ext>
             </a:extLst>
           </p:cNvPr>
@@ -14597,7 +14597,7 @@
           <p:cNvPr id="8" name="TextBox 7">
             <a:extLst>
               <a:ext uri="{FF2B5EF4-FFF2-40B4-BE49-F238E27FC236}">
-                <a16:creationId xmlns="" xmlns:a16="http://schemas.microsoft.com/office/drawing/2014/main" id="{A4133906-7502-9BC0-F6CB-B924688D157A}"/>
+                <a16:creationId xmlns:a16="http://schemas.microsoft.com/office/drawing/2014/main" id="{A4133906-7502-9BC0-F6CB-B924688D157A}"/>
               </a:ext>
             </a:extLst>
           </p:cNvPr>
@@ -14698,7 +14698,7 @@
           <p:cNvPr id="4" name="TextBox 3">
             <a:extLst>
               <a:ext uri="{FF2B5EF4-FFF2-40B4-BE49-F238E27FC236}">
-                <a16:creationId xmlns="" xmlns:a16="http://schemas.microsoft.com/office/drawing/2014/main" id="{37C30BAF-D498-C798-BC14-1718488A3435}"/>
+                <a16:creationId xmlns:a16="http://schemas.microsoft.com/office/drawing/2014/main" id="{37C30BAF-D498-C798-BC14-1718488A3435}"/>
               </a:ext>
             </a:extLst>
           </p:cNvPr>
@@ -14794,7 +14794,7 @@
           <p:cNvPr id="7" name="직선 화살표 연결선 6">
             <a:extLst>
               <a:ext uri="{FF2B5EF4-FFF2-40B4-BE49-F238E27FC236}">
-                <a16:creationId xmlns="" xmlns:a16="http://schemas.microsoft.com/office/drawing/2014/main" id="{299DF5EC-9DF4-5255-06AC-0A7CE4FF58C3}"/>
+                <a16:creationId xmlns:a16="http://schemas.microsoft.com/office/drawing/2014/main" id="{299DF5EC-9DF4-5255-06AC-0A7CE4FF58C3}"/>
               </a:ext>
             </a:extLst>
           </p:cNvPr>
@@ -14835,7 +14835,7 @@
           <p:cNvPr id="8" name="직사각형 7">
             <a:extLst>
               <a:ext uri="{FF2B5EF4-FFF2-40B4-BE49-F238E27FC236}">
-                <a16:creationId xmlns="" xmlns:a16="http://schemas.microsoft.com/office/drawing/2014/main" id="{FFF506F9-840A-0508-4CAF-3AC711D8D5CE}"/>
+                <a16:creationId xmlns:a16="http://schemas.microsoft.com/office/drawing/2014/main" id="{FFF506F9-840A-0508-4CAF-3AC711D8D5CE}"/>
               </a:ext>
             </a:extLst>
           </p:cNvPr>
@@ -14887,7 +14887,7 @@
           <p:cNvPr id="9" name="TextBox 8">
             <a:extLst>
               <a:ext uri="{FF2B5EF4-FFF2-40B4-BE49-F238E27FC236}">
-                <a16:creationId xmlns="" xmlns:a16="http://schemas.microsoft.com/office/drawing/2014/main" id="{C6D113C6-EA5C-788F-0C77-E7CE6EBB865F}"/>
+                <a16:creationId xmlns:a16="http://schemas.microsoft.com/office/drawing/2014/main" id="{C6D113C6-EA5C-788F-0C77-E7CE6EBB865F}"/>
               </a:ext>
             </a:extLst>
           </p:cNvPr>
@@ -14911,7 +14911,7 @@
           <a:lstStyle/>
           <a:p>
             <a:r>
-              <a:rPr lang="ko-KR" altLang="en-US" sz="4000" smtClean="0">
+              <a:rPr lang="ko-KR" altLang="en-US" sz="4000">
                 <a:solidFill>
                   <a:srgbClr val="FF0000"/>
                 </a:solidFill>
@@ -14921,7 +14921,7 @@
               <a:t>인수</a:t>
             </a:r>
             <a:r>
-              <a:rPr lang="en-US" altLang="ko-KR" sz="4000" smtClean="0">
+              <a:rPr lang="en-US" altLang="ko-KR" sz="4000">
                 <a:solidFill>
                   <a:srgbClr val="FF0000"/>
                 </a:solidFill>
@@ -14945,7 +14945,7 @@
           <p:cNvPr id="10" name="직선 화살표 연결선 9">
             <a:extLst>
               <a:ext uri="{FF2B5EF4-FFF2-40B4-BE49-F238E27FC236}">
-                <a16:creationId xmlns="" xmlns:a16="http://schemas.microsoft.com/office/drawing/2014/main" id="{299DF5EC-9DF4-5255-06AC-0A7CE4FF58C3}"/>
+                <a16:creationId xmlns:a16="http://schemas.microsoft.com/office/drawing/2014/main" id="{299DF5EC-9DF4-5255-06AC-0A7CE4FF58C3}"/>
               </a:ext>
             </a:extLst>
           </p:cNvPr>
@@ -14987,7 +14987,7 @@
           <p:cNvPr id="11" name="직사각형 10">
             <a:extLst>
               <a:ext uri="{FF2B5EF4-FFF2-40B4-BE49-F238E27FC236}">
-                <a16:creationId xmlns="" xmlns:a16="http://schemas.microsoft.com/office/drawing/2014/main" id="{FFF506F9-840A-0508-4CAF-3AC711D8D5CE}"/>
+                <a16:creationId xmlns:a16="http://schemas.microsoft.com/office/drawing/2014/main" id="{FFF506F9-840A-0508-4CAF-3AC711D8D5CE}"/>
               </a:ext>
             </a:extLst>
           </p:cNvPr>
@@ -15039,7 +15039,7 @@
           <p:cNvPr id="12" name="TextBox 11">
             <a:extLst>
               <a:ext uri="{FF2B5EF4-FFF2-40B4-BE49-F238E27FC236}">
-                <a16:creationId xmlns="" xmlns:a16="http://schemas.microsoft.com/office/drawing/2014/main" id="{C6D113C6-EA5C-788F-0C77-E7CE6EBB865F}"/>
+                <a16:creationId xmlns:a16="http://schemas.microsoft.com/office/drawing/2014/main" id="{C6D113C6-EA5C-788F-0C77-E7CE6EBB865F}"/>
               </a:ext>
             </a:extLst>
           </p:cNvPr>
@@ -15100,17 +15100,7 @@
                 <a:latin typeface="G마켓 산스 Medium" panose="02000000000000000000" pitchFamily="50" charset="-127"/>
                 <a:ea typeface="G마켓 산스 Medium" panose="02000000000000000000" pitchFamily="50" charset="-127"/>
               </a:rPr>
-              <a:t>, </a:t>
-            </a:r>
-            <a:r>
-              <a:rPr lang="en-US" altLang="ko-KR" sz="4000" smtClean="0">
-                <a:solidFill>
-                  <a:srgbClr val="FF0000"/>
-                </a:solidFill>
-                <a:latin typeface="G마켓 산스 Medium" panose="02000000000000000000" pitchFamily="50" charset="-127"/>
-                <a:ea typeface="G마켓 산스 Medium" panose="02000000000000000000" pitchFamily="50" charset="-127"/>
-              </a:rPr>
-              <a:t>parameter</a:t>
+              <a:t>, parameter</a:t>
             </a:r>
             <a:endParaRPr lang="en-US" altLang="ko-KR" sz="4000" dirty="0">
               <a:solidFill>
@@ -15280,7 +15270,7 @@
           <p:cNvPr id="6" name="직선 화살표 연결선 5">
             <a:extLst>
               <a:ext uri="{FF2B5EF4-FFF2-40B4-BE49-F238E27FC236}">
-                <a16:creationId xmlns="" xmlns:a16="http://schemas.microsoft.com/office/drawing/2014/main" id="{299DF5EC-9DF4-5255-06AC-0A7CE4FF58C3}"/>
+                <a16:creationId xmlns:a16="http://schemas.microsoft.com/office/drawing/2014/main" id="{299DF5EC-9DF4-5255-06AC-0A7CE4FF58C3}"/>
               </a:ext>
             </a:extLst>
           </p:cNvPr>
@@ -15321,7 +15311,7 @@
           <p:cNvPr id="7" name="직사각형 6">
             <a:extLst>
               <a:ext uri="{FF2B5EF4-FFF2-40B4-BE49-F238E27FC236}">
-                <a16:creationId xmlns="" xmlns:a16="http://schemas.microsoft.com/office/drawing/2014/main" id="{FFF506F9-840A-0508-4CAF-3AC711D8D5CE}"/>
+                <a16:creationId xmlns:a16="http://schemas.microsoft.com/office/drawing/2014/main" id="{FFF506F9-840A-0508-4CAF-3AC711D8D5CE}"/>
               </a:ext>
             </a:extLst>
           </p:cNvPr>
@@ -15373,7 +15363,7 @@
           <p:cNvPr id="8" name="TextBox 7">
             <a:extLst>
               <a:ext uri="{FF2B5EF4-FFF2-40B4-BE49-F238E27FC236}">
-                <a16:creationId xmlns="" xmlns:a16="http://schemas.microsoft.com/office/drawing/2014/main" id="{C6D113C6-EA5C-788F-0C77-E7CE6EBB865F}"/>
+                <a16:creationId xmlns:a16="http://schemas.microsoft.com/office/drawing/2014/main" id="{C6D113C6-EA5C-788F-0C77-E7CE6EBB865F}"/>
               </a:ext>
             </a:extLst>
           </p:cNvPr>
@@ -15455,7 +15445,7 @@
           <p:cNvPr id="10" name="직선 화살표 연결선 9">
             <a:extLst>
               <a:ext uri="{FF2B5EF4-FFF2-40B4-BE49-F238E27FC236}">
-                <a16:creationId xmlns="" xmlns:a16="http://schemas.microsoft.com/office/drawing/2014/main" id="{299DF5EC-9DF4-5255-06AC-0A7CE4FF58C3}"/>
+                <a16:creationId xmlns:a16="http://schemas.microsoft.com/office/drawing/2014/main" id="{299DF5EC-9DF4-5255-06AC-0A7CE4FF58C3}"/>
               </a:ext>
             </a:extLst>
           </p:cNvPr>
@@ -15497,7 +15487,7 @@
           <p:cNvPr id="11" name="TextBox 10">
             <a:extLst>
               <a:ext uri="{FF2B5EF4-FFF2-40B4-BE49-F238E27FC236}">
-                <a16:creationId xmlns="" xmlns:a16="http://schemas.microsoft.com/office/drawing/2014/main" id="{C6D113C6-EA5C-788F-0C77-E7CE6EBB865F}"/>
+                <a16:creationId xmlns:a16="http://schemas.microsoft.com/office/drawing/2014/main" id="{C6D113C6-EA5C-788F-0C77-E7CE6EBB865F}"/>
               </a:ext>
             </a:extLst>
           </p:cNvPr>
@@ -15579,7 +15569,7 @@
           <p:cNvPr id="14" name="직선 화살표 연결선 13">
             <a:extLst>
               <a:ext uri="{FF2B5EF4-FFF2-40B4-BE49-F238E27FC236}">
-                <a16:creationId xmlns="" xmlns:a16="http://schemas.microsoft.com/office/drawing/2014/main" id="{299DF5EC-9DF4-5255-06AC-0A7CE4FF58C3}"/>
+                <a16:creationId xmlns:a16="http://schemas.microsoft.com/office/drawing/2014/main" id="{299DF5EC-9DF4-5255-06AC-0A7CE4FF58C3}"/>
               </a:ext>
             </a:extLst>
           </p:cNvPr>
@@ -15622,7 +15612,7 @@
           <p:cNvPr id="15" name="TextBox 14">
             <a:extLst>
               <a:ext uri="{FF2B5EF4-FFF2-40B4-BE49-F238E27FC236}">
-                <a16:creationId xmlns="" xmlns:a16="http://schemas.microsoft.com/office/drawing/2014/main" id="{C6D113C6-EA5C-788F-0C77-E7CE6EBB865F}"/>
+                <a16:creationId xmlns:a16="http://schemas.microsoft.com/office/drawing/2014/main" id="{C6D113C6-EA5C-788F-0C77-E7CE6EBB865F}"/>
               </a:ext>
             </a:extLst>
           </p:cNvPr>
@@ -15916,7 +15906,7 @@
           <p:cNvPr id="19" name="그림 18">
             <a:extLst>
               <a:ext uri="{FF2B5EF4-FFF2-40B4-BE49-F238E27FC236}">
-                <a16:creationId xmlns="" xmlns:a16="http://schemas.microsoft.com/office/drawing/2014/main" id="{73EA9AD5-652A-E633-4DF9-DE18E43E5236}"/>
+                <a16:creationId xmlns:a16="http://schemas.microsoft.com/office/drawing/2014/main" id="{73EA9AD5-652A-E633-4DF9-DE18E43E5236}"/>
               </a:ext>
             </a:extLst>
           </p:cNvPr>
@@ -15946,7 +15936,7 @@
           <p:cNvPr id="6" name="직선 화살표 연결선 5">
             <a:extLst>
               <a:ext uri="{FF2B5EF4-FFF2-40B4-BE49-F238E27FC236}">
-                <a16:creationId xmlns="" xmlns:a16="http://schemas.microsoft.com/office/drawing/2014/main" id="{B454D3EE-79E4-3E9B-C0E9-E6F440C2E6D9}"/>
+                <a16:creationId xmlns:a16="http://schemas.microsoft.com/office/drawing/2014/main" id="{B454D3EE-79E4-3E9B-C0E9-E6F440C2E6D9}"/>
               </a:ext>
             </a:extLst>
           </p:cNvPr>
@@ -15987,7 +15977,7 @@
           <p:cNvPr id="7" name="직사각형 6">
             <a:extLst>
               <a:ext uri="{FF2B5EF4-FFF2-40B4-BE49-F238E27FC236}">
-                <a16:creationId xmlns="" xmlns:a16="http://schemas.microsoft.com/office/drawing/2014/main" id="{49102FF6-64E0-3A65-8A38-3CDE903E1B3D}"/>
+                <a16:creationId xmlns:a16="http://schemas.microsoft.com/office/drawing/2014/main" id="{49102FF6-64E0-3A65-8A38-3CDE903E1B3D}"/>
               </a:ext>
             </a:extLst>
           </p:cNvPr>
@@ -16039,7 +16029,7 @@
           <p:cNvPr id="8" name="TextBox 7">
             <a:extLst>
               <a:ext uri="{FF2B5EF4-FFF2-40B4-BE49-F238E27FC236}">
-                <a16:creationId xmlns="" xmlns:a16="http://schemas.microsoft.com/office/drawing/2014/main" id="{707F4EFA-3C95-00C7-9741-B85907CE299C}"/>
+                <a16:creationId xmlns:a16="http://schemas.microsoft.com/office/drawing/2014/main" id="{707F4EFA-3C95-00C7-9741-B85907CE299C}"/>
               </a:ext>
             </a:extLst>
           </p:cNvPr>
@@ -16107,7 +16097,7 @@
           <p:cNvPr id="17" name="TextBox 16">
             <a:extLst>
               <a:ext uri="{FF2B5EF4-FFF2-40B4-BE49-F238E27FC236}">
-                <a16:creationId xmlns="" xmlns:a16="http://schemas.microsoft.com/office/drawing/2014/main" id="{4510504D-D75A-B25A-F54D-62EB885FF6BC}"/>
+                <a16:creationId xmlns:a16="http://schemas.microsoft.com/office/drawing/2014/main" id="{4510504D-D75A-B25A-F54D-62EB885FF6BC}"/>
               </a:ext>
             </a:extLst>
           </p:cNvPr>
@@ -16318,7 +16308,7 @@
           <p:cNvPr id="16" name="그림 15">
             <a:extLst>
               <a:ext uri="{FF2B5EF4-FFF2-40B4-BE49-F238E27FC236}">
-                <a16:creationId xmlns="" xmlns:a16="http://schemas.microsoft.com/office/drawing/2014/main" id="{5D682A7D-C013-47D5-B98C-043624107A0C}"/>
+                <a16:creationId xmlns:a16="http://schemas.microsoft.com/office/drawing/2014/main" id="{5D682A7D-C013-47D5-B98C-043624107A0C}"/>
               </a:ext>
             </a:extLst>
           </p:cNvPr>
@@ -16348,7 +16338,7 @@
           <p:cNvPr id="5" name="직선 화살표 연결선 4">
             <a:extLst>
               <a:ext uri="{FF2B5EF4-FFF2-40B4-BE49-F238E27FC236}">
-                <a16:creationId xmlns="" xmlns:a16="http://schemas.microsoft.com/office/drawing/2014/main" id="{849FF84F-5E2E-13B0-C5F0-E0C2C521985E}"/>
+                <a16:creationId xmlns:a16="http://schemas.microsoft.com/office/drawing/2014/main" id="{849FF84F-5E2E-13B0-C5F0-E0C2C521985E}"/>
               </a:ext>
             </a:extLst>
           </p:cNvPr>
@@ -16389,7 +16379,7 @@
           <p:cNvPr id="6" name="직사각형 5">
             <a:extLst>
               <a:ext uri="{FF2B5EF4-FFF2-40B4-BE49-F238E27FC236}">
-                <a16:creationId xmlns="" xmlns:a16="http://schemas.microsoft.com/office/drawing/2014/main" id="{BCBF0863-B701-91CD-9E69-D294D555B027}"/>
+                <a16:creationId xmlns:a16="http://schemas.microsoft.com/office/drawing/2014/main" id="{BCBF0863-B701-91CD-9E69-D294D555B027}"/>
               </a:ext>
             </a:extLst>
           </p:cNvPr>
@@ -16441,7 +16431,7 @@
           <p:cNvPr id="7" name="TextBox 6">
             <a:extLst>
               <a:ext uri="{FF2B5EF4-FFF2-40B4-BE49-F238E27FC236}">
-                <a16:creationId xmlns="" xmlns:a16="http://schemas.microsoft.com/office/drawing/2014/main" id="{82CA2684-25EE-0D78-9BC7-923D687A3B16}"/>
+                <a16:creationId xmlns:a16="http://schemas.microsoft.com/office/drawing/2014/main" id="{82CA2684-25EE-0D78-9BC7-923D687A3B16}"/>
               </a:ext>
             </a:extLst>
           </p:cNvPr>
@@ -16489,7 +16479,7 @@
           <p:cNvPr id="8" name="그룹 1008">
             <a:extLst>
               <a:ext uri="{FF2B5EF4-FFF2-40B4-BE49-F238E27FC236}">
-                <a16:creationId xmlns="" xmlns:a16="http://schemas.microsoft.com/office/drawing/2014/main" id="{2D9296B5-342D-0AD4-0D62-4ECA9D8945E1}"/>
+                <a16:creationId xmlns:a16="http://schemas.microsoft.com/office/drawing/2014/main" id="{2D9296B5-342D-0AD4-0D62-4ECA9D8945E1}"/>
               </a:ext>
             </a:extLst>
           </p:cNvPr>
@@ -16509,7 +16499,7 @@
             <p:cNvPr id="9" name="그룹 1009">
               <a:extLst>
                 <a:ext uri="{FF2B5EF4-FFF2-40B4-BE49-F238E27FC236}">
-                  <a16:creationId xmlns="" xmlns:a16="http://schemas.microsoft.com/office/drawing/2014/main" id="{5209375F-E531-2D26-89C2-D0D0F1662046}"/>
+                  <a16:creationId xmlns:a16="http://schemas.microsoft.com/office/drawing/2014/main" id="{5209375F-E531-2D26-89C2-D0D0F1662046}"/>
                 </a:ext>
               </a:extLst>
             </p:cNvPr>
@@ -16529,7 +16519,7 @@
               <p:cNvPr id="14" name="Object 29">
                 <a:extLst>
                   <a:ext uri="{FF2B5EF4-FFF2-40B4-BE49-F238E27FC236}">
-                    <a16:creationId xmlns="" xmlns:a16="http://schemas.microsoft.com/office/drawing/2014/main" id="{3253EA13-9867-F960-B461-0D31ED8736A6}"/>
+                    <a16:creationId xmlns:a16="http://schemas.microsoft.com/office/drawing/2014/main" id="{3253EA13-9867-F960-B461-0D31ED8736A6}"/>
                   </a:ext>
                 </a:extLst>
               </p:cNvPr>
@@ -16560,7 +16550,7 @@
             <p:cNvPr id="10" name="그룹 1010">
               <a:extLst>
                 <a:ext uri="{FF2B5EF4-FFF2-40B4-BE49-F238E27FC236}">
-                  <a16:creationId xmlns="" xmlns:a16="http://schemas.microsoft.com/office/drawing/2014/main" id="{20C6E498-D690-BF83-088D-DA5C5F9845FD}"/>
+                  <a16:creationId xmlns:a16="http://schemas.microsoft.com/office/drawing/2014/main" id="{20C6E498-D690-BF83-088D-DA5C5F9845FD}"/>
                 </a:ext>
               </a:extLst>
             </p:cNvPr>
@@ -16580,7 +16570,7 @@
               <p:cNvPr id="13" name="Object 32">
                 <a:extLst>
                   <a:ext uri="{FF2B5EF4-FFF2-40B4-BE49-F238E27FC236}">
-                    <a16:creationId xmlns="" xmlns:a16="http://schemas.microsoft.com/office/drawing/2014/main" id="{F97412D2-E4BC-9ED9-AC67-674C66CE7B90}"/>
+                    <a16:creationId xmlns:a16="http://schemas.microsoft.com/office/drawing/2014/main" id="{F97412D2-E4BC-9ED9-AC67-674C66CE7B90}"/>
                   </a:ext>
                 </a:extLst>
               </p:cNvPr>
@@ -16611,7 +16601,7 @@
             <p:cNvPr id="11" name="그룹 1011">
               <a:extLst>
                 <a:ext uri="{FF2B5EF4-FFF2-40B4-BE49-F238E27FC236}">
-                  <a16:creationId xmlns="" xmlns:a16="http://schemas.microsoft.com/office/drawing/2014/main" id="{23C3A701-1BBC-7D96-7E2E-B65A0171F907}"/>
+                  <a16:creationId xmlns:a16="http://schemas.microsoft.com/office/drawing/2014/main" id="{23C3A701-1BBC-7D96-7E2E-B65A0171F907}"/>
                 </a:ext>
               </a:extLst>
             </p:cNvPr>
@@ -16631,7 +16621,7 @@
               <p:cNvPr id="12" name="Object 35">
                 <a:extLst>
                   <a:ext uri="{FF2B5EF4-FFF2-40B4-BE49-F238E27FC236}">
-                    <a16:creationId xmlns="" xmlns:a16="http://schemas.microsoft.com/office/drawing/2014/main" id="{00ABB164-581B-E3B7-55B9-28AAD0DD719E}"/>
+                    <a16:creationId xmlns:a16="http://schemas.microsoft.com/office/drawing/2014/main" id="{00ABB164-581B-E3B7-55B9-28AAD0DD719E}"/>
                   </a:ext>
                 </a:extLst>
               </p:cNvPr>
@@ -16663,7 +16653,7 @@
           <p:cNvPr id="19" name="그림 18">
             <a:extLst>
               <a:ext uri="{FF2B5EF4-FFF2-40B4-BE49-F238E27FC236}">
-                <a16:creationId xmlns="" xmlns:a16="http://schemas.microsoft.com/office/drawing/2014/main" id="{49E82C32-8C16-80B8-55ED-01DE21B59655}"/>
+                <a16:creationId xmlns:a16="http://schemas.microsoft.com/office/drawing/2014/main" id="{49E82C32-8C16-80B8-55ED-01DE21B59655}"/>
               </a:ext>
             </a:extLst>
           </p:cNvPr>
@@ -16918,7 +16908,7 @@
           <p:cNvPr id="4" name="TextBox 3">
             <a:extLst>
               <a:ext uri="{FF2B5EF4-FFF2-40B4-BE49-F238E27FC236}">
-                <a16:creationId xmlns="" xmlns:a16="http://schemas.microsoft.com/office/drawing/2014/main" id="{37C30BAF-D498-C798-BC14-1718488A3435}"/>
+                <a16:creationId xmlns:a16="http://schemas.microsoft.com/office/drawing/2014/main" id="{37C30BAF-D498-C798-BC14-1718488A3435}"/>
               </a:ext>
             </a:extLst>
           </p:cNvPr>
@@ -16990,7 +16980,7 @@
           <p:cNvPr id="6" name="직선 화살표 연결선 5">
             <a:extLst>
               <a:ext uri="{FF2B5EF4-FFF2-40B4-BE49-F238E27FC236}">
-                <a16:creationId xmlns="" xmlns:a16="http://schemas.microsoft.com/office/drawing/2014/main" id="{299DF5EC-9DF4-5255-06AC-0A7CE4FF58C3}"/>
+                <a16:creationId xmlns:a16="http://schemas.microsoft.com/office/drawing/2014/main" id="{299DF5EC-9DF4-5255-06AC-0A7CE4FF58C3}"/>
               </a:ext>
             </a:extLst>
           </p:cNvPr>
@@ -17032,7 +17022,7 @@
           <p:cNvPr id="7" name="직사각형 6">
             <a:extLst>
               <a:ext uri="{FF2B5EF4-FFF2-40B4-BE49-F238E27FC236}">
-                <a16:creationId xmlns="" xmlns:a16="http://schemas.microsoft.com/office/drawing/2014/main" id="{FFF506F9-840A-0508-4CAF-3AC711D8D5CE}"/>
+                <a16:creationId xmlns:a16="http://schemas.microsoft.com/office/drawing/2014/main" id="{FFF506F9-840A-0508-4CAF-3AC711D8D5CE}"/>
               </a:ext>
             </a:extLst>
           </p:cNvPr>
@@ -17084,7 +17074,7 @@
           <p:cNvPr id="8" name="TextBox 7">
             <a:extLst>
               <a:ext uri="{FF2B5EF4-FFF2-40B4-BE49-F238E27FC236}">
-                <a16:creationId xmlns="" xmlns:a16="http://schemas.microsoft.com/office/drawing/2014/main" id="{C6D113C6-EA5C-788F-0C77-E7CE6EBB865F}"/>
+                <a16:creationId xmlns:a16="http://schemas.microsoft.com/office/drawing/2014/main" id="{C6D113C6-EA5C-788F-0C77-E7CE6EBB865F}"/>
               </a:ext>
             </a:extLst>
           </p:cNvPr>
@@ -17176,7 +17166,7 @@
           <p:cNvPr id="12" name="직선 화살표 연결선 11">
             <a:extLst>
               <a:ext uri="{FF2B5EF4-FFF2-40B4-BE49-F238E27FC236}">
-                <a16:creationId xmlns="" xmlns:a16="http://schemas.microsoft.com/office/drawing/2014/main" id="{299DF5EC-9DF4-5255-06AC-0A7CE4FF58C3}"/>
+                <a16:creationId xmlns:a16="http://schemas.microsoft.com/office/drawing/2014/main" id="{299DF5EC-9DF4-5255-06AC-0A7CE4FF58C3}"/>
               </a:ext>
             </a:extLst>
           </p:cNvPr>
@@ -17218,7 +17208,7 @@
           <p:cNvPr id="13" name="직사각형 12">
             <a:extLst>
               <a:ext uri="{FF2B5EF4-FFF2-40B4-BE49-F238E27FC236}">
-                <a16:creationId xmlns="" xmlns:a16="http://schemas.microsoft.com/office/drawing/2014/main" id="{FFF506F9-840A-0508-4CAF-3AC711D8D5CE}"/>
+                <a16:creationId xmlns:a16="http://schemas.microsoft.com/office/drawing/2014/main" id="{FFF506F9-840A-0508-4CAF-3AC711D8D5CE}"/>
               </a:ext>
             </a:extLst>
           </p:cNvPr>
@@ -17270,7 +17260,7 @@
           <p:cNvPr id="14" name="TextBox 13">
             <a:extLst>
               <a:ext uri="{FF2B5EF4-FFF2-40B4-BE49-F238E27FC236}">
-                <a16:creationId xmlns="" xmlns:a16="http://schemas.microsoft.com/office/drawing/2014/main" id="{C6D113C6-EA5C-788F-0C77-E7CE6EBB865F}"/>
+                <a16:creationId xmlns:a16="http://schemas.microsoft.com/office/drawing/2014/main" id="{C6D113C6-EA5C-788F-0C77-E7CE6EBB865F}"/>
               </a:ext>
             </a:extLst>
           </p:cNvPr>
@@ -17555,7 +17545,7 @@
           <p:cNvPr id="6" name="직선 화살표 연결선 5">
             <a:extLst>
               <a:ext uri="{FF2B5EF4-FFF2-40B4-BE49-F238E27FC236}">
-                <a16:creationId xmlns="" xmlns:a16="http://schemas.microsoft.com/office/drawing/2014/main" id="{299DF5EC-9DF4-5255-06AC-0A7CE4FF58C3}"/>
+                <a16:creationId xmlns:a16="http://schemas.microsoft.com/office/drawing/2014/main" id="{299DF5EC-9DF4-5255-06AC-0A7CE4FF58C3}"/>
               </a:ext>
             </a:extLst>
           </p:cNvPr>
@@ -17596,7 +17586,7 @@
           <p:cNvPr id="7" name="직사각형 6">
             <a:extLst>
               <a:ext uri="{FF2B5EF4-FFF2-40B4-BE49-F238E27FC236}">
-                <a16:creationId xmlns="" xmlns:a16="http://schemas.microsoft.com/office/drawing/2014/main" id="{FFF506F9-840A-0508-4CAF-3AC711D8D5CE}"/>
+                <a16:creationId xmlns:a16="http://schemas.microsoft.com/office/drawing/2014/main" id="{FFF506F9-840A-0508-4CAF-3AC711D8D5CE}"/>
               </a:ext>
             </a:extLst>
           </p:cNvPr>
@@ -17648,7 +17638,7 @@
           <p:cNvPr id="8" name="TextBox 7">
             <a:extLst>
               <a:ext uri="{FF2B5EF4-FFF2-40B4-BE49-F238E27FC236}">
-                <a16:creationId xmlns="" xmlns:a16="http://schemas.microsoft.com/office/drawing/2014/main" id="{C6D113C6-EA5C-788F-0C77-E7CE6EBB865F}"/>
+                <a16:creationId xmlns:a16="http://schemas.microsoft.com/office/drawing/2014/main" id="{C6D113C6-EA5C-788F-0C77-E7CE6EBB865F}"/>
               </a:ext>
             </a:extLst>
           </p:cNvPr>
@@ -17788,7 +17778,7 @@
           <p:cNvPr id="14" name="직선 화살표 연결선 13">
             <a:extLst>
               <a:ext uri="{FF2B5EF4-FFF2-40B4-BE49-F238E27FC236}">
-                <a16:creationId xmlns="" xmlns:a16="http://schemas.microsoft.com/office/drawing/2014/main" id="{299DF5EC-9DF4-5255-06AC-0A7CE4FF58C3}"/>
+                <a16:creationId xmlns:a16="http://schemas.microsoft.com/office/drawing/2014/main" id="{299DF5EC-9DF4-5255-06AC-0A7CE4FF58C3}"/>
               </a:ext>
             </a:extLst>
           </p:cNvPr>
@@ -17829,7 +17819,7 @@
           <p:cNvPr id="15" name="직사각형 14">
             <a:extLst>
               <a:ext uri="{FF2B5EF4-FFF2-40B4-BE49-F238E27FC236}">
-                <a16:creationId xmlns="" xmlns:a16="http://schemas.microsoft.com/office/drawing/2014/main" id="{FFF506F9-840A-0508-4CAF-3AC711D8D5CE}"/>
+                <a16:creationId xmlns:a16="http://schemas.microsoft.com/office/drawing/2014/main" id="{FFF506F9-840A-0508-4CAF-3AC711D8D5CE}"/>
               </a:ext>
             </a:extLst>
           </p:cNvPr>
@@ -17881,7 +17871,7 @@
           <p:cNvPr id="16" name="TextBox 15">
             <a:extLst>
               <a:ext uri="{FF2B5EF4-FFF2-40B4-BE49-F238E27FC236}">
-                <a16:creationId xmlns="" xmlns:a16="http://schemas.microsoft.com/office/drawing/2014/main" id="{C6D113C6-EA5C-788F-0C77-E7CE6EBB865F}"/>
+                <a16:creationId xmlns:a16="http://schemas.microsoft.com/office/drawing/2014/main" id="{C6D113C6-EA5C-788F-0C77-E7CE6EBB865F}"/>
               </a:ext>
             </a:extLst>
           </p:cNvPr>
@@ -18320,7 +18310,7 @@
           <p:cNvPr id="5" name="TextBox 4">
             <a:extLst>
               <a:ext uri="{FF2B5EF4-FFF2-40B4-BE49-F238E27FC236}">
-                <a16:creationId xmlns="" xmlns:a16="http://schemas.microsoft.com/office/drawing/2014/main" id="{37C30BAF-D498-C798-BC14-1718488A3435}"/>
+                <a16:creationId xmlns:a16="http://schemas.microsoft.com/office/drawing/2014/main" id="{37C30BAF-D498-C798-BC14-1718488A3435}"/>
               </a:ext>
             </a:extLst>
           </p:cNvPr>
@@ -18344,7 +18334,7 @@
           <a:lstStyle/>
           <a:p>
             <a:r>
-              <a:rPr lang="ko-KR" altLang="en-US" sz="4800" smtClean="0">
+              <a:rPr lang="ko-KR" altLang="en-US" sz="4800">
                 <a:solidFill>
                   <a:srgbClr val="4C50BC"/>
                 </a:solidFill>
@@ -18392,7 +18382,7 @@
           <p:cNvPr id="7" name="직선 화살표 연결선 6">
             <a:extLst>
               <a:ext uri="{FF2B5EF4-FFF2-40B4-BE49-F238E27FC236}">
-                <a16:creationId xmlns="" xmlns:a16="http://schemas.microsoft.com/office/drawing/2014/main" id="{299DF5EC-9DF4-5255-06AC-0A7CE4FF58C3}"/>
+                <a16:creationId xmlns:a16="http://schemas.microsoft.com/office/drawing/2014/main" id="{299DF5EC-9DF4-5255-06AC-0A7CE4FF58C3}"/>
               </a:ext>
             </a:extLst>
           </p:cNvPr>
@@ -18433,7 +18423,7 @@
           <p:cNvPr id="8" name="직사각형 7">
             <a:extLst>
               <a:ext uri="{FF2B5EF4-FFF2-40B4-BE49-F238E27FC236}">
-                <a16:creationId xmlns="" xmlns:a16="http://schemas.microsoft.com/office/drawing/2014/main" id="{FFF506F9-840A-0508-4CAF-3AC711D8D5CE}"/>
+                <a16:creationId xmlns:a16="http://schemas.microsoft.com/office/drawing/2014/main" id="{FFF506F9-840A-0508-4CAF-3AC711D8D5CE}"/>
               </a:ext>
             </a:extLst>
           </p:cNvPr>
@@ -18485,7 +18475,7 @@
           <p:cNvPr id="9" name="TextBox 8">
             <a:extLst>
               <a:ext uri="{FF2B5EF4-FFF2-40B4-BE49-F238E27FC236}">
-                <a16:creationId xmlns="" xmlns:a16="http://schemas.microsoft.com/office/drawing/2014/main" id="{C6D113C6-EA5C-788F-0C77-E7CE6EBB865F}"/>
+                <a16:creationId xmlns:a16="http://schemas.microsoft.com/office/drawing/2014/main" id="{C6D113C6-EA5C-788F-0C77-E7CE6EBB865F}"/>
               </a:ext>
             </a:extLst>
           </p:cNvPr>
@@ -18509,7 +18499,7 @@
           <a:lstStyle/>
           <a:p>
             <a:r>
-              <a:rPr lang="ko-KR" altLang="en-US" sz="4000" smtClean="0">
+              <a:rPr lang="ko-KR" altLang="en-US" sz="4000">
                 <a:solidFill>
                   <a:srgbClr val="FF0000"/>
                 </a:solidFill>
@@ -18557,7 +18547,7 @@
           <p:cNvPr id="11" name="직선 화살표 연결선 10">
             <a:extLst>
               <a:ext uri="{FF2B5EF4-FFF2-40B4-BE49-F238E27FC236}">
-                <a16:creationId xmlns="" xmlns:a16="http://schemas.microsoft.com/office/drawing/2014/main" id="{299DF5EC-9DF4-5255-06AC-0A7CE4FF58C3}"/>
+                <a16:creationId xmlns:a16="http://schemas.microsoft.com/office/drawing/2014/main" id="{299DF5EC-9DF4-5255-06AC-0A7CE4FF58C3}"/>
               </a:ext>
             </a:extLst>
           </p:cNvPr>
@@ -18598,7 +18588,7 @@
           <p:cNvPr id="12" name="직사각형 11">
             <a:extLst>
               <a:ext uri="{FF2B5EF4-FFF2-40B4-BE49-F238E27FC236}">
-                <a16:creationId xmlns="" xmlns:a16="http://schemas.microsoft.com/office/drawing/2014/main" id="{FFF506F9-840A-0508-4CAF-3AC711D8D5CE}"/>
+                <a16:creationId xmlns:a16="http://schemas.microsoft.com/office/drawing/2014/main" id="{FFF506F9-840A-0508-4CAF-3AC711D8D5CE}"/>
               </a:ext>
             </a:extLst>
           </p:cNvPr>
@@ -18650,7 +18640,7 @@
           <p:cNvPr id="13" name="TextBox 12">
             <a:extLst>
               <a:ext uri="{FF2B5EF4-FFF2-40B4-BE49-F238E27FC236}">
-                <a16:creationId xmlns="" xmlns:a16="http://schemas.microsoft.com/office/drawing/2014/main" id="{C6D113C6-EA5C-788F-0C77-E7CE6EBB865F}"/>
+                <a16:creationId xmlns:a16="http://schemas.microsoft.com/office/drawing/2014/main" id="{C6D113C6-EA5C-788F-0C77-E7CE6EBB865F}"/>
               </a:ext>
             </a:extLst>
           </p:cNvPr>
@@ -18674,7 +18664,7 @@
           <a:lstStyle/>
           <a:p>
             <a:r>
-              <a:rPr lang="ko-KR" altLang="en-US" sz="4000" smtClean="0">
+              <a:rPr lang="ko-KR" altLang="en-US" sz="4000">
                 <a:solidFill>
                   <a:srgbClr val="FF0000"/>
                 </a:solidFill>
@@ -18727,13 +18717,6 @@
   <p:clrMapOvr>
     <a:masterClrMapping/>
   </p:clrMapOvr>
-  <p:timing>
-    <p:tnLst>
-      <p:par>
-        <p:cTn id="1" dur="indefinite" restart="never" nodeType="tmRoot"/>
-      </p:par>
-    </p:tnLst>
-  </p:timing>
 </p:sld>
 </file>
 
@@ -18783,7 +18766,7 @@
           <p:cNvPr id="4" name="TextBox 3">
             <a:extLst>
               <a:ext uri="{FF2B5EF4-FFF2-40B4-BE49-F238E27FC236}">
-                <a16:creationId xmlns="" xmlns:a16="http://schemas.microsoft.com/office/drawing/2014/main" id="{37C30BAF-D498-C798-BC14-1718488A3435}"/>
+                <a16:creationId xmlns:a16="http://schemas.microsoft.com/office/drawing/2014/main" id="{37C30BAF-D498-C798-BC14-1718488A3435}"/>
               </a:ext>
             </a:extLst>
           </p:cNvPr>
@@ -18807,7 +18790,7 @@
           <a:lstStyle/>
           <a:p>
             <a:r>
-              <a:rPr lang="ko-KR" altLang="en-US" sz="4800" smtClean="0">
+              <a:rPr lang="ko-KR" altLang="en-US" sz="4800">
                 <a:solidFill>
                   <a:srgbClr val="4C50BC"/>
                 </a:solidFill>
@@ -18855,7 +18838,7 @@
           <p:cNvPr id="7" name="직선 화살표 연결선 6">
             <a:extLst>
               <a:ext uri="{FF2B5EF4-FFF2-40B4-BE49-F238E27FC236}">
-                <a16:creationId xmlns="" xmlns:a16="http://schemas.microsoft.com/office/drawing/2014/main" id="{299DF5EC-9DF4-5255-06AC-0A7CE4FF58C3}"/>
+                <a16:creationId xmlns:a16="http://schemas.microsoft.com/office/drawing/2014/main" id="{299DF5EC-9DF4-5255-06AC-0A7CE4FF58C3}"/>
               </a:ext>
             </a:extLst>
           </p:cNvPr>
@@ -18897,7 +18880,7 @@
           <p:cNvPr id="8" name="직사각형 7">
             <a:extLst>
               <a:ext uri="{FF2B5EF4-FFF2-40B4-BE49-F238E27FC236}">
-                <a16:creationId xmlns="" xmlns:a16="http://schemas.microsoft.com/office/drawing/2014/main" id="{FFF506F9-840A-0508-4CAF-3AC711D8D5CE}"/>
+                <a16:creationId xmlns:a16="http://schemas.microsoft.com/office/drawing/2014/main" id="{FFF506F9-840A-0508-4CAF-3AC711D8D5CE}"/>
               </a:ext>
             </a:extLst>
           </p:cNvPr>
@@ -18949,7 +18932,7 @@
           <p:cNvPr id="9" name="TextBox 8">
             <a:extLst>
               <a:ext uri="{FF2B5EF4-FFF2-40B4-BE49-F238E27FC236}">
-                <a16:creationId xmlns="" xmlns:a16="http://schemas.microsoft.com/office/drawing/2014/main" id="{C6D113C6-EA5C-788F-0C77-E7CE6EBB865F}"/>
+                <a16:creationId xmlns:a16="http://schemas.microsoft.com/office/drawing/2014/main" id="{C6D113C6-EA5C-788F-0C77-E7CE6EBB865F}"/>
               </a:ext>
             </a:extLst>
           </p:cNvPr>
@@ -18973,7 +18956,7 @@
           <a:lstStyle/>
           <a:p>
             <a:r>
-              <a:rPr lang="ko-KR" altLang="en-US" sz="4000" smtClean="0">
+              <a:rPr lang="ko-KR" altLang="en-US" sz="4000">
                 <a:solidFill>
                   <a:srgbClr val="FF0000"/>
                 </a:solidFill>
@@ -18983,7 +18966,7 @@
               <a:t>넘겨준 인수 </a:t>
             </a:r>
             <a:r>
-              <a:rPr lang="en-US" altLang="ko-KR" sz="4000" smtClean="0">
+              <a:rPr lang="en-US" altLang="ko-KR" sz="4000">
                 <a:solidFill>
                   <a:srgbClr val="FF0000"/>
                 </a:solidFill>
@@ -18993,7 +18976,7 @@
               <a:t>x</a:t>
             </a:r>
             <a:r>
-              <a:rPr lang="ko-KR" altLang="en-US" sz="4000" smtClean="0">
+              <a:rPr lang="ko-KR" altLang="en-US" sz="4000">
                 <a:solidFill>
                   <a:srgbClr val="FF0000"/>
                 </a:solidFill>
@@ -19003,7 +18986,7 @@
               <a:t>와 지역변수 </a:t>
             </a:r>
             <a:r>
-              <a:rPr lang="en-US" altLang="ko-KR" sz="4000" smtClean="0">
+              <a:rPr lang="en-US" altLang="ko-KR" sz="4000">
                 <a:solidFill>
                   <a:srgbClr val="FF0000"/>
                 </a:solidFill>
@@ -19013,7 +18996,7 @@
               <a:t>localx</a:t>
             </a:r>
             <a:r>
-              <a:rPr lang="ko-KR" altLang="en-US" sz="4000" smtClean="0">
+              <a:rPr lang="ko-KR" altLang="en-US" sz="4000">
                 <a:solidFill>
                   <a:srgbClr val="FF0000"/>
                 </a:solidFill>
@@ -19023,7 +19006,7 @@
               <a:t>는 서로 다른 메모리영역이다</a:t>
             </a:r>
             <a:r>
-              <a:rPr lang="en-US" altLang="ko-KR" sz="4000" smtClean="0">
+              <a:rPr lang="en-US" altLang="ko-KR" sz="4000">
                 <a:solidFill>
                   <a:srgbClr val="FF0000"/>
                 </a:solidFill>
@@ -19071,7 +19054,7 @@
           <p:cNvPr id="12" name="그룹 1018">
             <a:extLst>
               <a:ext uri="{FF2B5EF4-FFF2-40B4-BE49-F238E27FC236}">
-                <a16:creationId xmlns="" xmlns:a16="http://schemas.microsoft.com/office/drawing/2014/main" id="{0804D430-F42E-AE32-A065-FFA8C471F092}"/>
+                <a16:creationId xmlns:a16="http://schemas.microsoft.com/office/drawing/2014/main" id="{0804D430-F42E-AE32-A065-FFA8C471F092}"/>
               </a:ext>
             </a:extLst>
           </p:cNvPr>
@@ -19091,7 +19074,7 @@
             <p:cNvPr id="13" name="Object 61">
               <a:extLst>
                 <a:ext uri="{FF2B5EF4-FFF2-40B4-BE49-F238E27FC236}">
-                  <a16:creationId xmlns="" xmlns:a16="http://schemas.microsoft.com/office/drawing/2014/main" id="{334A4C3A-641C-7CD9-8FEE-5EC92B28D640}"/>
+                  <a16:creationId xmlns:a16="http://schemas.microsoft.com/office/drawing/2014/main" id="{334A4C3A-641C-7CD9-8FEE-5EC92B28D640}"/>
                 </a:ext>
               </a:extLst>
             </p:cNvPr>
@@ -19122,7 +19105,7 @@
           <p:cNvPr id="14" name="TextBox 13">
             <a:extLst>
               <a:ext uri="{FF2B5EF4-FFF2-40B4-BE49-F238E27FC236}">
-                <a16:creationId xmlns="" xmlns:a16="http://schemas.microsoft.com/office/drawing/2014/main" id="{A2AD056B-97A4-5BCC-4460-250160F3E171}"/>
+                <a16:creationId xmlns:a16="http://schemas.microsoft.com/office/drawing/2014/main" id="{A2AD056B-97A4-5BCC-4460-250160F3E171}"/>
               </a:ext>
             </a:extLst>
           </p:cNvPr>
@@ -19146,7 +19129,7 @@
           <a:lstStyle/>
           <a:p>
             <a:r>
-              <a:rPr lang="en-US" altLang="ko-KR" sz="4000" smtClean="0">
+              <a:rPr lang="en-US" altLang="ko-KR" sz="4000">
                 <a:solidFill>
                   <a:schemeClr val="tx1">
                     <a:lumMod val="50000"/>
@@ -19176,7 +19159,7 @@
           <p:cNvPr id="15" name="TextBox 14">
             <a:extLst>
               <a:ext uri="{FF2B5EF4-FFF2-40B4-BE49-F238E27FC236}">
-                <a16:creationId xmlns="" xmlns:a16="http://schemas.microsoft.com/office/drawing/2014/main" id="{52176D31-35F7-8916-46FA-6095EFEC1E49}"/>
+                <a16:creationId xmlns:a16="http://schemas.microsoft.com/office/drawing/2014/main" id="{52176D31-35F7-8916-46FA-6095EFEC1E49}"/>
               </a:ext>
             </a:extLst>
           </p:cNvPr>
@@ -19279,7 +19262,7 @@
         </p:nvGraphicFramePr>
         <p:xfrm>
           <a:off x="14020800" y="6709791"/>
-          <a:ext cx="3429000" cy="2558145"/>
+          <a:ext cx="3429000" cy="2686596"/>
         </p:xfrm>
         <a:graphic>
           <a:graphicData uri="http://schemas.openxmlformats.org/drawingml/2006/table">
@@ -19288,8 +19271,20 @@
                 <a:tableStyleId>{5C22544A-7EE6-4342-B048-85BDC9FD1C3A}</a:tableStyleId>
               </a:tblPr>
               <a:tblGrid>
-                <a:gridCol w="1295400"/>
-                <a:gridCol w="2133600"/>
+                <a:gridCol w="1295400">
+                  <a:extLst>
+                    <a:ext uri="{9D8B030D-6E8A-4147-A177-3AD203B41FA5}">
+                      <a16:colId xmlns:a16="http://schemas.microsoft.com/office/drawing/2014/main" val="20000"/>
+                    </a:ext>
+                  </a:extLst>
+                </a:gridCol>
+                <a:gridCol w="2133600">
+                  <a:extLst>
+                    <a:ext uri="{9D8B030D-6E8A-4147-A177-3AD203B41FA5}">
+                      <a16:colId xmlns:a16="http://schemas.microsoft.com/office/drawing/2014/main" val="20001"/>
+                    </a:ext>
+                  </a:extLst>
+                </a:gridCol>
               </a:tblGrid>
               <a:tr h="511629">
                 <a:tc>
@@ -19410,6 +19405,11 @@
                     <a:noFill/>
                   </a:tcPr>
                 </a:tc>
+                <a:extLst>
+                  <a:ext uri="{0D108BD9-81ED-4DB2-BD59-A6C34878D82A}">
+                    <a16:rowId xmlns:a16="http://schemas.microsoft.com/office/drawing/2014/main" val="10000"/>
+                  </a:ext>
+                </a:extLst>
               </a:tr>
               <a:tr h="511629">
                 <a:tc>
@@ -19488,11 +19488,11 @@
                         <a:defRPr/>
                       </a:pPr>
                       <a:r>
-                        <a:rPr lang="en-US" altLang="ko-KR" smtClean="0"/>
+                        <a:rPr lang="en-US" altLang="ko-KR"/>
                         <a:t>x </a:t>
                       </a:r>
                       <a:r>
-                        <a:rPr lang="ko-KR" altLang="en-US" smtClean="0"/>
+                        <a:rPr lang="ko-KR" altLang="en-US"/>
                         <a:t>값 </a:t>
                       </a:r>
                       <a:endParaRPr lang="ko-KR" altLang="en-US" dirty="0"/>
@@ -19538,6 +19538,11 @@
                     <a:noFill/>
                   </a:tcPr>
                 </a:tc>
+                <a:extLst>
+                  <a:ext uri="{0D108BD9-81ED-4DB2-BD59-A6C34878D82A}">
+                    <a16:rowId xmlns:a16="http://schemas.microsoft.com/office/drawing/2014/main" val="10001"/>
+                  </a:ext>
+                </a:extLst>
               </a:tr>
               <a:tr h="511629">
                 <a:tc>
@@ -19600,11 +19605,11 @@
                     <a:p>
                       <a:pPr latinLnBrk="1"/>
                       <a:r>
-                        <a:rPr lang="en-US" altLang="ko-KR" smtClean="0"/>
+                        <a:rPr lang="en-US" altLang="ko-KR"/>
                         <a:t>y</a:t>
                       </a:r>
                       <a:r>
-                        <a:rPr lang="ko-KR" altLang="en-US" smtClean="0"/>
+                        <a:rPr lang="ko-KR" altLang="en-US"/>
                         <a:t>값</a:t>
                       </a:r>
                       <a:endParaRPr lang="ko-KR" altLang="en-US" dirty="0"/>
@@ -19650,6 +19655,11 @@
                     <a:noFill/>
                   </a:tcPr>
                 </a:tc>
+                <a:extLst>
+                  <a:ext uri="{0D108BD9-81ED-4DB2-BD59-A6C34878D82A}">
+                    <a16:rowId xmlns:a16="http://schemas.microsoft.com/office/drawing/2014/main" val="10002"/>
+                  </a:ext>
+                </a:extLst>
               </a:tr>
               <a:tr h="511629">
                 <a:tc>
@@ -19754,6 +19764,11 @@
                     <a:noFill/>
                   </a:tcPr>
                 </a:tc>
+                <a:extLst>
+                  <a:ext uri="{0D108BD9-81ED-4DB2-BD59-A6C34878D82A}">
+                    <a16:rowId xmlns:a16="http://schemas.microsoft.com/office/drawing/2014/main" val="10003"/>
+                  </a:ext>
+                </a:extLst>
               </a:tr>
               <a:tr h="511629">
                 <a:tc>
@@ -19858,6 +19873,11 @@
                     <a:noFill/>
                   </a:tcPr>
                 </a:tc>
+                <a:extLst>
+                  <a:ext uri="{0D108BD9-81ED-4DB2-BD59-A6C34878D82A}">
+                    <a16:rowId xmlns:a16="http://schemas.microsoft.com/office/drawing/2014/main" val="10004"/>
+                  </a:ext>
+                </a:extLst>
               </a:tr>
             </a:tbl>
           </a:graphicData>
@@ -19868,7 +19888,7 @@
           <p:cNvPr id="20" name="그룹 1018">
             <a:extLst>
               <a:ext uri="{FF2B5EF4-FFF2-40B4-BE49-F238E27FC236}">
-                <a16:creationId xmlns="" xmlns:a16="http://schemas.microsoft.com/office/drawing/2014/main" id="{0804D430-F42E-AE32-A065-FFA8C471F092}"/>
+                <a16:creationId xmlns:a16="http://schemas.microsoft.com/office/drawing/2014/main" id="{0804D430-F42E-AE32-A065-FFA8C471F092}"/>
               </a:ext>
             </a:extLst>
           </p:cNvPr>
@@ -19888,7 +19908,7 @@
             <p:cNvPr id="21" name="Object 61">
               <a:extLst>
                 <a:ext uri="{FF2B5EF4-FFF2-40B4-BE49-F238E27FC236}">
-                  <a16:creationId xmlns="" xmlns:a16="http://schemas.microsoft.com/office/drawing/2014/main" id="{334A4C3A-641C-7CD9-8FEE-5EC92B28D640}"/>
+                  <a16:creationId xmlns:a16="http://schemas.microsoft.com/office/drawing/2014/main" id="{334A4C3A-641C-7CD9-8FEE-5EC92B28D640}"/>
                 </a:ext>
               </a:extLst>
             </p:cNvPr>
@@ -19919,7 +19939,7 @@
           <p:cNvPr id="22" name="TextBox 21">
             <a:extLst>
               <a:ext uri="{FF2B5EF4-FFF2-40B4-BE49-F238E27FC236}">
-                <a16:creationId xmlns="" xmlns:a16="http://schemas.microsoft.com/office/drawing/2014/main" id="{A2AD056B-97A4-5BCC-4460-250160F3E171}"/>
+                <a16:creationId xmlns:a16="http://schemas.microsoft.com/office/drawing/2014/main" id="{A2AD056B-97A4-5BCC-4460-250160F3E171}"/>
               </a:ext>
             </a:extLst>
           </p:cNvPr>
@@ -19943,7 +19963,7 @@
           <a:lstStyle/>
           <a:p>
             <a:r>
-              <a:rPr lang="en-US" altLang="ko-KR" sz="4000" smtClean="0">
+              <a:rPr lang="en-US" altLang="ko-KR" sz="4000">
                 <a:solidFill>
                   <a:schemeClr val="tx1">
                     <a:lumMod val="50000"/>
@@ -19973,7 +19993,7 @@
           <p:cNvPr id="23" name="TextBox 22">
             <a:extLst>
               <a:ext uri="{FF2B5EF4-FFF2-40B4-BE49-F238E27FC236}">
-                <a16:creationId xmlns="" xmlns:a16="http://schemas.microsoft.com/office/drawing/2014/main" id="{52176D31-35F7-8916-46FA-6095EFEC1E49}"/>
+                <a16:creationId xmlns:a16="http://schemas.microsoft.com/office/drawing/2014/main" id="{52176D31-35F7-8916-46FA-6095EFEC1E49}"/>
               </a:ext>
             </a:extLst>
           </p:cNvPr>
@@ -20017,7 +20037,7 @@
           <p:cNvPr id="25" name="직선 화살표 연결선 24">
             <a:extLst>
               <a:ext uri="{FF2B5EF4-FFF2-40B4-BE49-F238E27FC236}">
-                <a16:creationId xmlns="" xmlns:a16="http://schemas.microsoft.com/office/drawing/2014/main" id="{299DF5EC-9DF4-5255-06AC-0A7CE4FF58C3}"/>
+                <a16:creationId xmlns:a16="http://schemas.microsoft.com/office/drawing/2014/main" id="{299DF5EC-9DF4-5255-06AC-0A7CE4FF58C3}"/>
               </a:ext>
             </a:extLst>
           </p:cNvPr>
@@ -20058,7 +20078,7 @@
           <p:cNvPr id="27" name="직선 화살표 연결선 26">
             <a:extLst>
               <a:ext uri="{FF2B5EF4-FFF2-40B4-BE49-F238E27FC236}">
-                <a16:creationId xmlns="" xmlns:a16="http://schemas.microsoft.com/office/drawing/2014/main" id="{299DF5EC-9DF4-5255-06AC-0A7CE4FF58C3}"/>
+                <a16:creationId xmlns:a16="http://schemas.microsoft.com/office/drawing/2014/main" id="{299DF5EC-9DF4-5255-06AC-0A7CE4FF58C3}"/>
               </a:ext>
             </a:extLst>
           </p:cNvPr>
@@ -20686,7 +20706,7 @@
           <p:cNvPr id="4" name="TextBox 3">
             <a:extLst>
               <a:ext uri="{FF2B5EF4-FFF2-40B4-BE49-F238E27FC236}">
-                <a16:creationId xmlns="" xmlns:a16="http://schemas.microsoft.com/office/drawing/2014/main" id="{37C30BAF-D498-C798-BC14-1718488A3435}"/>
+                <a16:creationId xmlns:a16="http://schemas.microsoft.com/office/drawing/2014/main" id="{37C30BAF-D498-C798-BC14-1718488A3435}"/>
               </a:ext>
             </a:extLst>
           </p:cNvPr>
@@ -20710,24 +20730,14 @@
           <a:lstStyle/>
           <a:p>
             <a:r>
-              <a:rPr lang="ko-KR" altLang="en-US" sz="4800" smtClean="0">
+              <a:rPr lang="ko-KR" altLang="en-US" sz="4800">
                 <a:solidFill>
                   <a:srgbClr val="4C50BC"/>
                 </a:solidFill>
                 <a:latin typeface="G마켓 산스 Medium" panose="02000000000000000000" pitchFamily="50" charset="-127"/>
                 <a:ea typeface="G마켓 산스 Medium" panose="02000000000000000000" pitchFamily="50" charset="-127"/>
               </a:rPr>
-              <a:t>참조형 </a:t>
-            </a:r>
-            <a:r>
-              <a:rPr lang="ko-KR" altLang="en-US" sz="4800" smtClean="0">
-                <a:solidFill>
-                  <a:srgbClr val="4C50BC"/>
-                </a:solidFill>
-                <a:latin typeface="G마켓 산스 Medium" panose="02000000000000000000" pitchFamily="50" charset="-127"/>
-                <a:ea typeface="G마켓 산스 Medium" panose="02000000000000000000" pitchFamily="50" charset="-127"/>
-              </a:rPr>
-              <a:t>반환</a:t>
+              <a:t>참조형 리턴</a:t>
             </a:r>
             <a:endParaRPr lang="en-US" altLang="ko-KR" sz="4800" dirty="0">
               <a:solidFill>
@@ -20792,7 +20802,7 @@
           <p:cNvPr id="8" name="직선 화살표 연결선 7">
             <a:extLst>
               <a:ext uri="{FF2B5EF4-FFF2-40B4-BE49-F238E27FC236}">
-                <a16:creationId xmlns="" xmlns:a16="http://schemas.microsoft.com/office/drawing/2014/main" id="{299DF5EC-9DF4-5255-06AC-0A7CE4FF58C3}"/>
+                <a16:creationId xmlns:a16="http://schemas.microsoft.com/office/drawing/2014/main" id="{299DF5EC-9DF4-5255-06AC-0A7CE4FF58C3}"/>
               </a:ext>
             </a:extLst>
           </p:cNvPr>
@@ -20833,7 +20843,7 @@
           <p:cNvPr id="11" name="직선 화살표 연결선 10">
             <a:extLst>
               <a:ext uri="{FF2B5EF4-FFF2-40B4-BE49-F238E27FC236}">
-                <a16:creationId xmlns="" xmlns:a16="http://schemas.microsoft.com/office/drawing/2014/main" id="{299DF5EC-9DF4-5255-06AC-0A7CE4FF58C3}"/>
+                <a16:creationId xmlns:a16="http://schemas.microsoft.com/office/drawing/2014/main" id="{299DF5EC-9DF4-5255-06AC-0A7CE4FF58C3}"/>
               </a:ext>
             </a:extLst>
           </p:cNvPr>
@@ -20879,13 +20889,6 @@
   <p:clrMapOvr>
     <a:masterClrMapping/>
   </p:clrMapOvr>
-  <p:timing>
-    <p:tnLst>
-      <p:par>
-        <p:cTn id="1" dur="indefinite" restart="never" nodeType="tmRoot"/>
-      </p:par>
-    </p:tnLst>
-  </p:timing>
 </p:sld>
 </file>
 
@@ -21099,7 +21102,7 @@
           <p:cNvPr id="2" name="TextBox 1">
             <a:extLst>
               <a:ext uri="{FF2B5EF4-FFF2-40B4-BE49-F238E27FC236}">
-                <a16:creationId xmlns="" xmlns:a16="http://schemas.microsoft.com/office/drawing/2014/main" id="{8D19D88B-9541-32D7-90F1-0C45C993E21C}"/>
+                <a16:creationId xmlns:a16="http://schemas.microsoft.com/office/drawing/2014/main" id="{8D19D88B-9541-32D7-90F1-0C45C993E21C}"/>
               </a:ext>
             </a:extLst>
           </p:cNvPr>
@@ -21172,7 +21175,7 @@
           <p:cNvPr id="4" name="TextBox 3">
             <a:extLst>
               <a:ext uri="{FF2B5EF4-FFF2-40B4-BE49-F238E27FC236}">
-                <a16:creationId xmlns="" xmlns:a16="http://schemas.microsoft.com/office/drawing/2014/main" id="{285026BA-691B-4C6B-7FE4-C079A30ABF7D}"/>
+                <a16:creationId xmlns:a16="http://schemas.microsoft.com/office/drawing/2014/main" id="{285026BA-691B-4C6B-7FE4-C079A30ABF7D}"/>
               </a:ext>
             </a:extLst>
           </p:cNvPr>
@@ -21220,7 +21223,7 @@
           <p:cNvPr id="6" name="그림 5">
             <a:extLst>
               <a:ext uri="{FF2B5EF4-FFF2-40B4-BE49-F238E27FC236}">
-                <a16:creationId xmlns="" xmlns:a16="http://schemas.microsoft.com/office/drawing/2014/main" id="{57B34894-D873-26C0-EBAE-9AB3C4973910}"/>
+                <a16:creationId xmlns:a16="http://schemas.microsoft.com/office/drawing/2014/main" id="{57B34894-D873-26C0-EBAE-9AB3C4973910}"/>
               </a:ext>
             </a:extLst>
           </p:cNvPr>
@@ -21250,7 +21253,7 @@
           <p:cNvPr id="7" name="그룹 1008">
             <a:extLst>
               <a:ext uri="{FF2B5EF4-FFF2-40B4-BE49-F238E27FC236}">
-                <a16:creationId xmlns="" xmlns:a16="http://schemas.microsoft.com/office/drawing/2014/main" id="{675FF79A-CC06-55F6-0EA3-4BEE3D62798B}"/>
+                <a16:creationId xmlns:a16="http://schemas.microsoft.com/office/drawing/2014/main" id="{675FF79A-CC06-55F6-0EA3-4BEE3D62798B}"/>
               </a:ext>
             </a:extLst>
           </p:cNvPr>
@@ -21270,7 +21273,7 @@
             <p:cNvPr id="8" name="그룹 1009">
               <a:extLst>
                 <a:ext uri="{FF2B5EF4-FFF2-40B4-BE49-F238E27FC236}">
-                  <a16:creationId xmlns="" xmlns:a16="http://schemas.microsoft.com/office/drawing/2014/main" id="{3281A4DC-BBA0-8CBD-9EFD-FE6461B490F3}"/>
+                  <a16:creationId xmlns:a16="http://schemas.microsoft.com/office/drawing/2014/main" id="{3281A4DC-BBA0-8CBD-9EFD-FE6461B490F3}"/>
                 </a:ext>
               </a:extLst>
             </p:cNvPr>
@@ -21290,7 +21293,7 @@
               <p:cNvPr id="13" name="Object 29">
                 <a:extLst>
                   <a:ext uri="{FF2B5EF4-FFF2-40B4-BE49-F238E27FC236}">
-                    <a16:creationId xmlns="" xmlns:a16="http://schemas.microsoft.com/office/drawing/2014/main" id="{FE82FD63-28CE-1823-FF05-60E6DC99F07D}"/>
+                    <a16:creationId xmlns:a16="http://schemas.microsoft.com/office/drawing/2014/main" id="{FE82FD63-28CE-1823-FF05-60E6DC99F07D}"/>
                   </a:ext>
                 </a:extLst>
               </p:cNvPr>
@@ -21321,7 +21324,7 @@
             <p:cNvPr id="9" name="그룹 1010">
               <a:extLst>
                 <a:ext uri="{FF2B5EF4-FFF2-40B4-BE49-F238E27FC236}">
-                  <a16:creationId xmlns="" xmlns:a16="http://schemas.microsoft.com/office/drawing/2014/main" id="{936DBA6D-D2E1-74F6-3F3D-F641987B8E7C}"/>
+                  <a16:creationId xmlns:a16="http://schemas.microsoft.com/office/drawing/2014/main" id="{936DBA6D-D2E1-74F6-3F3D-F641987B8E7C}"/>
                 </a:ext>
               </a:extLst>
             </p:cNvPr>
@@ -21341,7 +21344,7 @@
               <p:cNvPr id="12" name="Object 32">
                 <a:extLst>
                   <a:ext uri="{FF2B5EF4-FFF2-40B4-BE49-F238E27FC236}">
-                    <a16:creationId xmlns="" xmlns:a16="http://schemas.microsoft.com/office/drawing/2014/main" id="{9016AA37-3384-54A6-5811-2F29A254C878}"/>
+                    <a16:creationId xmlns:a16="http://schemas.microsoft.com/office/drawing/2014/main" id="{9016AA37-3384-54A6-5811-2F29A254C878}"/>
                   </a:ext>
                 </a:extLst>
               </p:cNvPr>
@@ -21372,7 +21375,7 @@
             <p:cNvPr id="10" name="그룹 1011">
               <a:extLst>
                 <a:ext uri="{FF2B5EF4-FFF2-40B4-BE49-F238E27FC236}">
-                  <a16:creationId xmlns="" xmlns:a16="http://schemas.microsoft.com/office/drawing/2014/main" id="{CFF9506A-B157-5C3E-94A8-690B8E737F40}"/>
+                  <a16:creationId xmlns:a16="http://schemas.microsoft.com/office/drawing/2014/main" id="{CFF9506A-B157-5C3E-94A8-690B8E737F40}"/>
                 </a:ext>
               </a:extLst>
             </p:cNvPr>
@@ -21392,7 +21395,7 @@
               <p:cNvPr id="11" name="Object 35">
                 <a:extLst>
                   <a:ext uri="{FF2B5EF4-FFF2-40B4-BE49-F238E27FC236}">
-                    <a16:creationId xmlns="" xmlns:a16="http://schemas.microsoft.com/office/drawing/2014/main" id="{6E31A9ED-06CF-71F7-1C23-93DDEB6E1610}"/>
+                    <a16:creationId xmlns:a16="http://schemas.microsoft.com/office/drawing/2014/main" id="{6E31A9ED-06CF-71F7-1C23-93DDEB6E1610}"/>
                   </a:ext>
                 </a:extLst>
               </p:cNvPr>
@@ -21424,7 +21427,7 @@
           <p:cNvPr id="15" name="그림 14">
             <a:extLst>
               <a:ext uri="{FF2B5EF4-FFF2-40B4-BE49-F238E27FC236}">
-                <a16:creationId xmlns="" xmlns:a16="http://schemas.microsoft.com/office/drawing/2014/main" id="{AF844051-AEF1-D9BE-B040-F725EF659824}"/>
+                <a16:creationId xmlns:a16="http://schemas.microsoft.com/office/drawing/2014/main" id="{AF844051-AEF1-D9BE-B040-F725EF659824}"/>
               </a:ext>
             </a:extLst>
           </p:cNvPr>
@@ -21454,7 +21457,7 @@
           <p:cNvPr id="17" name="그림 16">
             <a:extLst>
               <a:ext uri="{FF2B5EF4-FFF2-40B4-BE49-F238E27FC236}">
-                <a16:creationId xmlns="" xmlns:a16="http://schemas.microsoft.com/office/drawing/2014/main" id="{1E5E9906-31C5-B3CF-1652-AE7B069979D1}"/>
+                <a16:creationId xmlns:a16="http://schemas.microsoft.com/office/drawing/2014/main" id="{1E5E9906-31C5-B3CF-1652-AE7B069979D1}"/>
               </a:ext>
             </a:extLst>
           </p:cNvPr>
@@ -21484,7 +21487,7 @@
           <p:cNvPr id="19" name="그림 18">
             <a:extLst>
               <a:ext uri="{FF2B5EF4-FFF2-40B4-BE49-F238E27FC236}">
-                <a16:creationId xmlns="" xmlns:a16="http://schemas.microsoft.com/office/drawing/2014/main" id="{4D230BDC-9685-A6B9-0B73-5A689B8AF20B}"/>
+                <a16:creationId xmlns:a16="http://schemas.microsoft.com/office/drawing/2014/main" id="{4D230BDC-9685-A6B9-0B73-5A689B8AF20B}"/>
               </a:ext>
             </a:extLst>
           </p:cNvPr>
@@ -21514,7 +21517,7 @@
           <p:cNvPr id="21" name="그림 20">
             <a:extLst>
               <a:ext uri="{FF2B5EF4-FFF2-40B4-BE49-F238E27FC236}">
-                <a16:creationId xmlns="" xmlns:a16="http://schemas.microsoft.com/office/drawing/2014/main" id="{9BA489AA-5F58-89FC-C78B-73E8EE58E1EA}"/>
+                <a16:creationId xmlns:a16="http://schemas.microsoft.com/office/drawing/2014/main" id="{9BA489AA-5F58-89FC-C78B-73E8EE58E1EA}"/>
               </a:ext>
             </a:extLst>
           </p:cNvPr>
@@ -21544,7 +21547,7 @@
           <p:cNvPr id="22" name="직선 화살표 연결선 21">
             <a:extLst>
               <a:ext uri="{FF2B5EF4-FFF2-40B4-BE49-F238E27FC236}">
-                <a16:creationId xmlns="" xmlns:a16="http://schemas.microsoft.com/office/drawing/2014/main" id="{26D066D3-DD05-BC85-E587-62C624651B60}"/>
+                <a16:creationId xmlns:a16="http://schemas.microsoft.com/office/drawing/2014/main" id="{26D066D3-DD05-BC85-E587-62C624651B60}"/>
               </a:ext>
             </a:extLst>
           </p:cNvPr>
@@ -21585,7 +21588,7 @@
           <p:cNvPr id="23" name="직사각형 22">
             <a:extLst>
               <a:ext uri="{FF2B5EF4-FFF2-40B4-BE49-F238E27FC236}">
-                <a16:creationId xmlns="" xmlns:a16="http://schemas.microsoft.com/office/drawing/2014/main" id="{7CFAD552-2193-DA33-3DA7-0F624E7D3246}"/>
+                <a16:creationId xmlns:a16="http://schemas.microsoft.com/office/drawing/2014/main" id="{7CFAD552-2193-DA33-3DA7-0F624E7D3246}"/>
               </a:ext>
             </a:extLst>
           </p:cNvPr>
@@ -21637,7 +21640,7 @@
           <p:cNvPr id="24" name="TextBox 23">
             <a:extLst>
               <a:ext uri="{FF2B5EF4-FFF2-40B4-BE49-F238E27FC236}">
-                <a16:creationId xmlns="" xmlns:a16="http://schemas.microsoft.com/office/drawing/2014/main" id="{F458A569-51FA-5919-3C87-7002835C20D6}"/>
+                <a16:creationId xmlns:a16="http://schemas.microsoft.com/office/drawing/2014/main" id="{F458A569-51FA-5919-3C87-7002835C20D6}"/>
               </a:ext>
             </a:extLst>
           </p:cNvPr>
@@ -21708,7 +21711,7 @@
           <p:cNvPr id="26" name="직선 화살표 연결선 25">
             <a:extLst>
               <a:ext uri="{FF2B5EF4-FFF2-40B4-BE49-F238E27FC236}">
-                <a16:creationId xmlns="" xmlns:a16="http://schemas.microsoft.com/office/drawing/2014/main" id="{9CB099DF-F76F-F806-55AB-58039A746071}"/>
+                <a16:creationId xmlns:a16="http://schemas.microsoft.com/office/drawing/2014/main" id="{9CB099DF-F76F-F806-55AB-58039A746071}"/>
               </a:ext>
             </a:extLst>
           </p:cNvPr>
@@ -21749,7 +21752,7 @@
           <p:cNvPr id="27" name="직사각형 26">
             <a:extLst>
               <a:ext uri="{FF2B5EF4-FFF2-40B4-BE49-F238E27FC236}">
-                <a16:creationId xmlns="" xmlns:a16="http://schemas.microsoft.com/office/drawing/2014/main" id="{5A7AAD2F-31D1-08A9-91F4-43557D7E1E37}"/>
+                <a16:creationId xmlns:a16="http://schemas.microsoft.com/office/drawing/2014/main" id="{5A7AAD2F-31D1-08A9-91F4-43557D7E1E37}"/>
               </a:ext>
             </a:extLst>
           </p:cNvPr>
@@ -21801,7 +21804,7 @@
           <p:cNvPr id="28" name="TextBox 27">
             <a:extLst>
               <a:ext uri="{FF2B5EF4-FFF2-40B4-BE49-F238E27FC236}">
-                <a16:creationId xmlns="" xmlns:a16="http://schemas.microsoft.com/office/drawing/2014/main" id="{63FFCB2A-A17A-1B03-53D3-074DB4282B6D}"/>
+                <a16:creationId xmlns:a16="http://schemas.microsoft.com/office/drawing/2014/main" id="{63FFCB2A-A17A-1B03-53D3-074DB4282B6D}"/>
               </a:ext>
             </a:extLst>
           </p:cNvPr>
@@ -21872,7 +21875,7 @@
           <p:cNvPr id="29" name="직선 화살표 연결선 28">
             <a:extLst>
               <a:ext uri="{FF2B5EF4-FFF2-40B4-BE49-F238E27FC236}">
-                <a16:creationId xmlns="" xmlns:a16="http://schemas.microsoft.com/office/drawing/2014/main" id="{FDA538EC-2136-2F05-EDD0-9341A93EBA3C}"/>
+                <a16:creationId xmlns:a16="http://schemas.microsoft.com/office/drawing/2014/main" id="{FDA538EC-2136-2F05-EDD0-9341A93EBA3C}"/>
               </a:ext>
             </a:extLst>
           </p:cNvPr>
@@ -21913,7 +21916,7 @@
           <p:cNvPr id="30" name="직사각형 29">
             <a:extLst>
               <a:ext uri="{FF2B5EF4-FFF2-40B4-BE49-F238E27FC236}">
-                <a16:creationId xmlns="" xmlns:a16="http://schemas.microsoft.com/office/drawing/2014/main" id="{BC8C2B1F-D3CB-C021-0AA9-9134F2920BF2}"/>
+                <a16:creationId xmlns:a16="http://schemas.microsoft.com/office/drawing/2014/main" id="{BC8C2B1F-D3CB-C021-0AA9-9134F2920BF2}"/>
               </a:ext>
             </a:extLst>
           </p:cNvPr>
@@ -21965,7 +21968,7 @@
           <p:cNvPr id="31" name="TextBox 30">
             <a:extLst>
               <a:ext uri="{FF2B5EF4-FFF2-40B4-BE49-F238E27FC236}">
-                <a16:creationId xmlns="" xmlns:a16="http://schemas.microsoft.com/office/drawing/2014/main" id="{B7B8453C-ED90-DA53-786C-114068471BA4}"/>
+                <a16:creationId xmlns:a16="http://schemas.microsoft.com/office/drawing/2014/main" id="{B7B8453C-ED90-DA53-786C-114068471BA4}"/>
               </a:ext>
             </a:extLst>
           </p:cNvPr>
@@ -22051,13 +22054,6 @@
   <p:clrMapOvr>
     <a:masterClrMapping/>
   </p:clrMapOvr>
-  <p:timing>
-    <p:tnLst>
-      <p:par>
-        <p:cTn id="1" dur="indefinite" restart="never" nodeType="tmRoot"/>
-      </p:par>
-    </p:tnLst>
-  </p:timing>
 </p:sld>
 </file>
 
@@ -22083,7 +22079,7 @@
           <p:cNvPr id="4" name="TextBox 3">
             <a:extLst>
               <a:ext uri="{FF2B5EF4-FFF2-40B4-BE49-F238E27FC236}">
-                <a16:creationId xmlns="" xmlns:a16="http://schemas.microsoft.com/office/drawing/2014/main" id="{F136A7AB-2DB9-1BA5-4C06-B1C1755E48BA}"/>
+                <a16:creationId xmlns:a16="http://schemas.microsoft.com/office/drawing/2014/main" id="{F136A7AB-2DB9-1BA5-4C06-B1C1755E48BA}"/>
               </a:ext>
             </a:extLst>
           </p:cNvPr>
@@ -22131,7 +22127,7 @@
           <p:cNvPr id="6" name="그림 5">
             <a:extLst>
               <a:ext uri="{FF2B5EF4-FFF2-40B4-BE49-F238E27FC236}">
-                <a16:creationId xmlns="" xmlns:a16="http://schemas.microsoft.com/office/drawing/2014/main" id="{5147447C-EC79-73BC-A921-D260D974856E}"/>
+                <a16:creationId xmlns:a16="http://schemas.microsoft.com/office/drawing/2014/main" id="{5147447C-EC79-73BC-A921-D260D974856E}"/>
               </a:ext>
             </a:extLst>
           </p:cNvPr>
@@ -22161,7 +22157,7 @@
           <p:cNvPr id="8" name="그림 7">
             <a:extLst>
               <a:ext uri="{FF2B5EF4-FFF2-40B4-BE49-F238E27FC236}">
-                <a16:creationId xmlns="" xmlns:a16="http://schemas.microsoft.com/office/drawing/2014/main" id="{B7E400F5-22A2-CD02-A59A-208CD483A2E5}"/>
+                <a16:creationId xmlns:a16="http://schemas.microsoft.com/office/drawing/2014/main" id="{B7E400F5-22A2-CD02-A59A-208CD483A2E5}"/>
               </a:ext>
             </a:extLst>
           </p:cNvPr>
@@ -22191,7 +22187,7 @@
           <p:cNvPr id="9" name="직선 화살표 연결선 8">
             <a:extLst>
               <a:ext uri="{FF2B5EF4-FFF2-40B4-BE49-F238E27FC236}">
-                <a16:creationId xmlns="" xmlns:a16="http://schemas.microsoft.com/office/drawing/2014/main" id="{2FC66BE3-5CEA-38C7-E0F8-CCCC0CEA6FFE}"/>
+                <a16:creationId xmlns:a16="http://schemas.microsoft.com/office/drawing/2014/main" id="{2FC66BE3-5CEA-38C7-E0F8-CCCC0CEA6FFE}"/>
               </a:ext>
             </a:extLst>
           </p:cNvPr>
@@ -22232,7 +22228,7 @@
           <p:cNvPr id="10" name="직사각형 9">
             <a:extLst>
               <a:ext uri="{FF2B5EF4-FFF2-40B4-BE49-F238E27FC236}">
-                <a16:creationId xmlns="" xmlns:a16="http://schemas.microsoft.com/office/drawing/2014/main" id="{1216D2CB-8460-FDDF-2209-1657E94BA337}"/>
+                <a16:creationId xmlns:a16="http://schemas.microsoft.com/office/drawing/2014/main" id="{1216D2CB-8460-FDDF-2209-1657E94BA337}"/>
               </a:ext>
             </a:extLst>
           </p:cNvPr>
@@ -22284,7 +22280,7 @@
           <p:cNvPr id="11" name="TextBox 10">
             <a:extLst>
               <a:ext uri="{FF2B5EF4-FFF2-40B4-BE49-F238E27FC236}">
-                <a16:creationId xmlns="" xmlns:a16="http://schemas.microsoft.com/office/drawing/2014/main" id="{FE0D57FE-2BC4-7E5B-790B-E9C4129EF7BA}"/>
+                <a16:creationId xmlns:a16="http://schemas.microsoft.com/office/drawing/2014/main" id="{FE0D57FE-2BC4-7E5B-790B-E9C4129EF7BA}"/>
               </a:ext>
             </a:extLst>
           </p:cNvPr>
@@ -22424,7 +22420,7 @@
           <p:cNvPr id="2" name="TextBox 1">
             <a:extLst>
               <a:ext uri="{FF2B5EF4-FFF2-40B4-BE49-F238E27FC236}">
-                <a16:creationId xmlns="" xmlns:a16="http://schemas.microsoft.com/office/drawing/2014/main" id="{F48E4781-197F-9A58-25F3-183870C4E628}"/>
+                <a16:creationId xmlns:a16="http://schemas.microsoft.com/office/drawing/2014/main" id="{F48E4781-197F-9A58-25F3-183870C4E628}"/>
               </a:ext>
             </a:extLst>
           </p:cNvPr>
@@ -22472,7 +22468,7 @@
           <p:cNvPr id="8" name="그림 7">
             <a:extLst>
               <a:ext uri="{FF2B5EF4-FFF2-40B4-BE49-F238E27FC236}">
-                <a16:creationId xmlns="" xmlns:a16="http://schemas.microsoft.com/office/drawing/2014/main" id="{3667D498-5355-17D9-54F5-7996E85A82B2}"/>
+                <a16:creationId xmlns:a16="http://schemas.microsoft.com/office/drawing/2014/main" id="{3667D498-5355-17D9-54F5-7996E85A82B2}"/>
               </a:ext>
             </a:extLst>
           </p:cNvPr>
@@ -22532,7 +22528,7 @@
           <p:cNvPr id="5" name="TextBox 4">
             <a:extLst>
               <a:ext uri="{FF2B5EF4-FFF2-40B4-BE49-F238E27FC236}">
-                <a16:creationId xmlns="" xmlns:a16="http://schemas.microsoft.com/office/drawing/2014/main" id="{37C30BAF-D498-C798-BC14-1718488A3435}"/>
+                <a16:creationId xmlns:a16="http://schemas.microsoft.com/office/drawing/2014/main" id="{37C30BAF-D498-C798-BC14-1718488A3435}"/>
               </a:ext>
             </a:extLst>
           </p:cNvPr>
@@ -22583,7 +22579,7 @@
           <p:cNvPr id="3" name="TextBox 2">
             <a:extLst>
               <a:ext uri="{FF2B5EF4-FFF2-40B4-BE49-F238E27FC236}">
-                <a16:creationId xmlns="" xmlns:a16="http://schemas.microsoft.com/office/drawing/2014/main" id="{A2AD056B-97A4-5BCC-4460-250160F3E171}"/>
+                <a16:creationId xmlns:a16="http://schemas.microsoft.com/office/drawing/2014/main" id="{A2AD056B-97A4-5BCC-4460-250160F3E171}"/>
               </a:ext>
             </a:extLst>
           </p:cNvPr>
@@ -22695,7 +22691,7 @@
           <p:cNvPr id="4" name="TextBox 3">
             <a:extLst>
               <a:ext uri="{FF2B5EF4-FFF2-40B4-BE49-F238E27FC236}">
-                <a16:creationId xmlns="" xmlns:a16="http://schemas.microsoft.com/office/drawing/2014/main" id="{CB1290AD-28C5-5AE5-FB1A-6013AB973312}"/>
+                <a16:creationId xmlns:a16="http://schemas.microsoft.com/office/drawing/2014/main" id="{CB1290AD-28C5-5AE5-FB1A-6013AB973312}"/>
               </a:ext>
             </a:extLst>
           </p:cNvPr>
@@ -22814,7 +22810,7 @@
           <p:cNvPr id="9" name="표 2">
             <a:extLst>
               <a:ext uri="{FF2B5EF4-FFF2-40B4-BE49-F238E27FC236}">
-                <a16:creationId xmlns="" xmlns:a16="http://schemas.microsoft.com/office/drawing/2014/main" id="{875F795B-D8D4-554B-4108-B6D9B3AF35C2}"/>
+                <a16:creationId xmlns:a16="http://schemas.microsoft.com/office/drawing/2014/main" id="{875F795B-D8D4-554B-4108-B6D9B3AF35C2}"/>
               </a:ext>
             </a:extLst>
           </p:cNvPr>
@@ -22843,21 +22839,21 @@
                 <a:gridCol w="1648638">
                   <a:extLst>
                     <a:ext uri="{9D8B030D-6E8A-4147-A177-3AD203B41FA5}">
-                      <a16:colId xmlns="" xmlns:a16="http://schemas.microsoft.com/office/drawing/2014/main" val="1960770391"/>
+                      <a16:colId xmlns:a16="http://schemas.microsoft.com/office/drawing/2014/main" val="1960770391"/>
                     </a:ext>
                   </a:extLst>
                 </a:gridCol>
                 <a:gridCol w="1668750">
                   <a:extLst>
                     <a:ext uri="{9D8B030D-6E8A-4147-A177-3AD203B41FA5}">
-                      <a16:colId xmlns="" xmlns:a16="http://schemas.microsoft.com/office/drawing/2014/main" val="733308553"/>
+                      <a16:colId xmlns:a16="http://schemas.microsoft.com/office/drawing/2014/main" val="733308553"/>
                     </a:ext>
                   </a:extLst>
                 </a:gridCol>
                 <a:gridCol w="2898356">
                   <a:extLst>
                     <a:ext uri="{9D8B030D-6E8A-4147-A177-3AD203B41FA5}">
-                      <a16:colId xmlns="" xmlns:a16="http://schemas.microsoft.com/office/drawing/2014/main" val="1661322813"/>
+                      <a16:colId xmlns:a16="http://schemas.microsoft.com/office/drawing/2014/main" val="1661322813"/>
                     </a:ext>
                   </a:extLst>
                 </a:gridCol>
@@ -23045,7 +23041,7 @@
                 </a:tc>
                 <a:extLst>
                   <a:ext uri="{0D108BD9-81ED-4DB2-BD59-A6C34878D82A}">
-                    <a16:rowId xmlns="" xmlns:a16="http://schemas.microsoft.com/office/drawing/2014/main" val="2452905565"/>
+                    <a16:rowId xmlns:a16="http://schemas.microsoft.com/office/drawing/2014/main" val="2452905565"/>
                   </a:ext>
                 </a:extLst>
               </a:tr>
@@ -23243,7 +23239,7 @@
                 </a:tc>
                 <a:extLst>
                   <a:ext uri="{0D108BD9-81ED-4DB2-BD59-A6C34878D82A}">
-                    <a16:rowId xmlns="" xmlns:a16="http://schemas.microsoft.com/office/drawing/2014/main" val="3551452526"/>
+                    <a16:rowId xmlns:a16="http://schemas.microsoft.com/office/drawing/2014/main" val="3551452526"/>
                   </a:ext>
                 </a:extLst>
               </a:tr>
@@ -23463,7 +23459,7 @@
                 </a:tc>
                 <a:extLst>
                   <a:ext uri="{0D108BD9-81ED-4DB2-BD59-A6C34878D82A}">
-                    <a16:rowId xmlns="" xmlns:a16="http://schemas.microsoft.com/office/drawing/2014/main" val="3645064171"/>
+                    <a16:rowId xmlns:a16="http://schemas.microsoft.com/office/drawing/2014/main" val="3645064171"/>
                   </a:ext>
                 </a:extLst>
               </a:tr>
@@ -23680,7 +23676,7 @@
                 </a:tc>
                 <a:extLst>
                   <a:ext uri="{0D108BD9-81ED-4DB2-BD59-A6C34878D82A}">
-                    <a16:rowId xmlns="" xmlns:a16="http://schemas.microsoft.com/office/drawing/2014/main" val="1362299918"/>
+                    <a16:rowId xmlns:a16="http://schemas.microsoft.com/office/drawing/2014/main" val="1362299918"/>
                   </a:ext>
                 </a:extLst>
               </a:tr>
@@ -23897,7 +23893,7 @@
                 </a:tc>
                 <a:extLst>
                   <a:ext uri="{0D108BD9-81ED-4DB2-BD59-A6C34878D82A}">
-                    <a16:rowId xmlns="" xmlns:a16="http://schemas.microsoft.com/office/drawing/2014/main" val="2488866604"/>
+                    <a16:rowId xmlns:a16="http://schemas.microsoft.com/office/drawing/2014/main" val="2488866604"/>
                   </a:ext>
                 </a:extLst>
               </a:tr>
@@ -24114,7 +24110,7 @@
                 </a:tc>
                 <a:extLst>
                   <a:ext uri="{0D108BD9-81ED-4DB2-BD59-A6C34878D82A}">
-                    <a16:rowId xmlns="" xmlns:a16="http://schemas.microsoft.com/office/drawing/2014/main" val="2632365449"/>
+                    <a16:rowId xmlns:a16="http://schemas.microsoft.com/office/drawing/2014/main" val="2632365449"/>
                   </a:ext>
                 </a:extLst>
               </a:tr>
@@ -24127,7 +24123,7 @@
           <p:cNvPr id="10" name="표 2">
             <a:extLst>
               <a:ext uri="{FF2B5EF4-FFF2-40B4-BE49-F238E27FC236}">
-                <a16:creationId xmlns="" xmlns:a16="http://schemas.microsoft.com/office/drawing/2014/main" id="{D2CC6F32-611A-E22D-EB8C-52D626A5B319}"/>
+                <a16:creationId xmlns:a16="http://schemas.microsoft.com/office/drawing/2014/main" id="{D2CC6F32-611A-E22D-EB8C-52D626A5B319}"/>
               </a:ext>
             </a:extLst>
           </p:cNvPr>
@@ -24156,21 +24152,21 @@
                 <a:gridCol w="1731833">
                   <a:extLst>
                     <a:ext uri="{9D8B030D-6E8A-4147-A177-3AD203B41FA5}">
-                      <a16:colId xmlns="" xmlns:a16="http://schemas.microsoft.com/office/drawing/2014/main" val="1960770391"/>
+                      <a16:colId xmlns:a16="http://schemas.microsoft.com/office/drawing/2014/main" val="1960770391"/>
                     </a:ext>
                   </a:extLst>
                 </a:gridCol>
                 <a:gridCol w="1752960">
                   <a:extLst>
                     <a:ext uri="{9D8B030D-6E8A-4147-A177-3AD203B41FA5}">
-                      <a16:colId xmlns="" xmlns:a16="http://schemas.microsoft.com/office/drawing/2014/main" val="733308553"/>
+                      <a16:colId xmlns:a16="http://schemas.microsoft.com/office/drawing/2014/main" val="733308553"/>
                     </a:ext>
                   </a:extLst>
                 </a:gridCol>
                 <a:gridCol w="2730951">
                   <a:extLst>
                     <a:ext uri="{9D8B030D-6E8A-4147-A177-3AD203B41FA5}">
-                      <a16:colId xmlns="" xmlns:a16="http://schemas.microsoft.com/office/drawing/2014/main" val="1661322813"/>
+                      <a16:colId xmlns:a16="http://schemas.microsoft.com/office/drawing/2014/main" val="1661322813"/>
                     </a:ext>
                   </a:extLst>
                 </a:gridCol>
@@ -24358,7 +24354,7 @@
                 </a:tc>
                 <a:extLst>
                   <a:ext uri="{0D108BD9-81ED-4DB2-BD59-A6C34878D82A}">
-                    <a16:rowId xmlns="" xmlns:a16="http://schemas.microsoft.com/office/drawing/2014/main" val="2452905565"/>
+                    <a16:rowId xmlns:a16="http://schemas.microsoft.com/office/drawing/2014/main" val="2452905565"/>
                   </a:ext>
                 </a:extLst>
               </a:tr>
@@ -24562,7 +24558,7 @@
                 </a:tc>
                 <a:extLst>
                   <a:ext uri="{0D108BD9-81ED-4DB2-BD59-A6C34878D82A}">
-                    <a16:rowId xmlns="" xmlns:a16="http://schemas.microsoft.com/office/drawing/2014/main" val="3551452526"/>
+                    <a16:rowId xmlns:a16="http://schemas.microsoft.com/office/drawing/2014/main" val="3551452526"/>
                   </a:ext>
                 </a:extLst>
               </a:tr>
@@ -24737,7 +24733,7 @@
                 </a:tc>
                 <a:extLst>
                   <a:ext uri="{0D108BD9-81ED-4DB2-BD59-A6C34878D82A}">
-                    <a16:rowId xmlns="" xmlns:a16="http://schemas.microsoft.com/office/drawing/2014/main" val="3645064171"/>
+                    <a16:rowId xmlns:a16="http://schemas.microsoft.com/office/drawing/2014/main" val="3645064171"/>
                   </a:ext>
                 </a:extLst>
               </a:tr>
@@ -24912,7 +24908,7 @@
                 </a:tc>
                 <a:extLst>
                   <a:ext uri="{0D108BD9-81ED-4DB2-BD59-A6C34878D82A}">
-                    <a16:rowId xmlns="" xmlns:a16="http://schemas.microsoft.com/office/drawing/2014/main" val="2802120283"/>
+                    <a16:rowId xmlns:a16="http://schemas.microsoft.com/office/drawing/2014/main" val="2802120283"/>
                   </a:ext>
                 </a:extLst>
               </a:tr>
@@ -25081,7 +25077,7 @@
                 </a:tc>
                 <a:extLst>
                   <a:ext uri="{0D108BD9-81ED-4DB2-BD59-A6C34878D82A}">
-                    <a16:rowId xmlns="" xmlns:a16="http://schemas.microsoft.com/office/drawing/2014/main" val="1362299918"/>
+                    <a16:rowId xmlns:a16="http://schemas.microsoft.com/office/drawing/2014/main" val="1362299918"/>
                   </a:ext>
                 </a:extLst>
               </a:tr>
@@ -25317,7 +25313,7 @@
                 </a:tc>
                 <a:extLst>
                   <a:ext uri="{0D108BD9-81ED-4DB2-BD59-A6C34878D82A}">
-                    <a16:rowId xmlns="" xmlns:a16="http://schemas.microsoft.com/office/drawing/2014/main" val="2488866604"/>
+                    <a16:rowId xmlns:a16="http://schemas.microsoft.com/office/drawing/2014/main" val="2488866604"/>
                   </a:ext>
                 </a:extLst>
               </a:tr>
@@ -25540,7 +25536,7 @@
                 </a:tc>
                 <a:extLst>
                   <a:ext uri="{0D108BD9-81ED-4DB2-BD59-A6C34878D82A}">
-                    <a16:rowId xmlns="" xmlns:a16="http://schemas.microsoft.com/office/drawing/2014/main" val="2632365449"/>
+                    <a16:rowId xmlns:a16="http://schemas.microsoft.com/office/drawing/2014/main" val="2632365449"/>
                   </a:ext>
                 </a:extLst>
               </a:tr>
@@ -25553,7 +25549,7 @@
           <p:cNvPr id="2" name="TextBox 1">
             <a:extLst>
               <a:ext uri="{FF2B5EF4-FFF2-40B4-BE49-F238E27FC236}">
-                <a16:creationId xmlns="" xmlns:a16="http://schemas.microsoft.com/office/drawing/2014/main" id="{AE3DCC98-4BB0-EA62-AD96-B0C8D6180C73}"/>
+                <a16:creationId xmlns:a16="http://schemas.microsoft.com/office/drawing/2014/main" id="{AE3DCC98-4BB0-EA62-AD96-B0C8D6180C73}"/>
               </a:ext>
             </a:extLst>
           </p:cNvPr>
@@ -25695,7 +25691,7 @@
           <p:cNvPr id="6" name="표 2">
             <a:extLst>
               <a:ext uri="{FF2B5EF4-FFF2-40B4-BE49-F238E27FC236}">
-                <a16:creationId xmlns="" xmlns:a16="http://schemas.microsoft.com/office/drawing/2014/main" id="{F902164B-C843-8740-78C7-6C579992DE64}"/>
+                <a16:creationId xmlns:a16="http://schemas.microsoft.com/office/drawing/2014/main" id="{F902164B-C843-8740-78C7-6C579992DE64}"/>
               </a:ext>
             </a:extLst>
           </p:cNvPr>
@@ -25724,21 +25720,21 @@
                 <a:gridCol w="1731833">
                   <a:extLst>
                     <a:ext uri="{9D8B030D-6E8A-4147-A177-3AD203B41FA5}">
-                      <a16:colId xmlns="" xmlns:a16="http://schemas.microsoft.com/office/drawing/2014/main" val="1960770391"/>
+                      <a16:colId xmlns:a16="http://schemas.microsoft.com/office/drawing/2014/main" val="1960770391"/>
                     </a:ext>
                   </a:extLst>
                 </a:gridCol>
                 <a:gridCol w="1752960">
                   <a:extLst>
                     <a:ext uri="{9D8B030D-6E8A-4147-A177-3AD203B41FA5}">
-                      <a16:colId xmlns="" xmlns:a16="http://schemas.microsoft.com/office/drawing/2014/main" val="733308553"/>
+                      <a16:colId xmlns:a16="http://schemas.microsoft.com/office/drawing/2014/main" val="733308553"/>
                     </a:ext>
                   </a:extLst>
                 </a:gridCol>
                 <a:gridCol w="2730951">
                   <a:extLst>
                     <a:ext uri="{9D8B030D-6E8A-4147-A177-3AD203B41FA5}">
-                      <a16:colId xmlns="" xmlns:a16="http://schemas.microsoft.com/office/drawing/2014/main" val="1661322813"/>
+                      <a16:colId xmlns:a16="http://schemas.microsoft.com/office/drawing/2014/main" val="1661322813"/>
                     </a:ext>
                   </a:extLst>
                 </a:gridCol>
@@ -25926,7 +25922,7 @@
                 </a:tc>
                 <a:extLst>
                   <a:ext uri="{0D108BD9-81ED-4DB2-BD59-A6C34878D82A}">
-                    <a16:rowId xmlns="" xmlns:a16="http://schemas.microsoft.com/office/drawing/2014/main" val="2452905565"/>
+                    <a16:rowId xmlns:a16="http://schemas.microsoft.com/office/drawing/2014/main" val="2452905565"/>
                   </a:ext>
                 </a:extLst>
               </a:tr>
@@ -26133,7 +26129,7 @@
                 </a:tc>
                 <a:extLst>
                   <a:ext uri="{0D108BD9-81ED-4DB2-BD59-A6C34878D82A}">
-                    <a16:rowId xmlns="" xmlns:a16="http://schemas.microsoft.com/office/drawing/2014/main" val="3551452526"/>
+                    <a16:rowId xmlns:a16="http://schemas.microsoft.com/office/drawing/2014/main" val="3551452526"/>
                   </a:ext>
                 </a:extLst>
               </a:tr>
@@ -26317,7 +26313,7 @@
                 </a:tc>
                 <a:extLst>
                   <a:ext uri="{0D108BD9-81ED-4DB2-BD59-A6C34878D82A}">
-                    <a16:rowId xmlns="" xmlns:a16="http://schemas.microsoft.com/office/drawing/2014/main" val="3645064171"/>
+                    <a16:rowId xmlns:a16="http://schemas.microsoft.com/office/drawing/2014/main" val="3645064171"/>
                   </a:ext>
                 </a:extLst>
               </a:tr>
@@ -26501,7 +26497,7 @@
                 </a:tc>
                 <a:extLst>
                   <a:ext uri="{0D108BD9-81ED-4DB2-BD59-A6C34878D82A}">
-                    <a16:rowId xmlns="" xmlns:a16="http://schemas.microsoft.com/office/drawing/2014/main" val="2802120283"/>
+                    <a16:rowId xmlns:a16="http://schemas.microsoft.com/office/drawing/2014/main" val="2802120283"/>
                   </a:ext>
                 </a:extLst>
               </a:tr>
@@ -26685,7 +26681,7 @@
                 </a:tc>
                 <a:extLst>
                   <a:ext uri="{0D108BD9-81ED-4DB2-BD59-A6C34878D82A}">
-                    <a16:rowId xmlns="" xmlns:a16="http://schemas.microsoft.com/office/drawing/2014/main" val="1362299918"/>
+                    <a16:rowId xmlns:a16="http://schemas.microsoft.com/office/drawing/2014/main" val="1362299918"/>
                   </a:ext>
                 </a:extLst>
               </a:tr>
@@ -26894,7 +26890,7 @@
                 </a:tc>
                 <a:extLst>
                   <a:ext uri="{0D108BD9-81ED-4DB2-BD59-A6C34878D82A}">
-                    <a16:rowId xmlns="" xmlns:a16="http://schemas.microsoft.com/office/drawing/2014/main" val="2488866604"/>
+                    <a16:rowId xmlns:a16="http://schemas.microsoft.com/office/drawing/2014/main" val="2488866604"/>
                   </a:ext>
                 </a:extLst>
               </a:tr>
@@ -27093,7 +27089,7 @@
                 </a:tc>
                 <a:extLst>
                   <a:ext uri="{0D108BD9-81ED-4DB2-BD59-A6C34878D82A}">
-                    <a16:rowId xmlns="" xmlns:a16="http://schemas.microsoft.com/office/drawing/2014/main" val="2632365449"/>
+                    <a16:rowId xmlns:a16="http://schemas.microsoft.com/office/drawing/2014/main" val="2632365449"/>
                   </a:ext>
                 </a:extLst>
               </a:tr>
@@ -27106,7 +27102,7 @@
           <p:cNvPr id="8" name="그림 7">
             <a:extLst>
               <a:ext uri="{FF2B5EF4-FFF2-40B4-BE49-F238E27FC236}">
-                <a16:creationId xmlns="" xmlns:a16="http://schemas.microsoft.com/office/drawing/2014/main" id="{442A7CE7-1BDF-A0A1-1252-625C786E29E2}"/>
+                <a16:creationId xmlns:a16="http://schemas.microsoft.com/office/drawing/2014/main" id="{442A7CE7-1BDF-A0A1-1252-625C786E29E2}"/>
               </a:ext>
             </a:extLst>
           </p:cNvPr>
@@ -27136,7 +27132,7 @@
           <p:cNvPr id="12" name="그림 11">
             <a:extLst>
               <a:ext uri="{FF2B5EF4-FFF2-40B4-BE49-F238E27FC236}">
-                <a16:creationId xmlns="" xmlns:a16="http://schemas.microsoft.com/office/drawing/2014/main" id="{D669BF8B-28CB-C031-EC33-EC1103111E97}"/>
+                <a16:creationId xmlns:a16="http://schemas.microsoft.com/office/drawing/2014/main" id="{D669BF8B-28CB-C031-EC33-EC1103111E97}"/>
               </a:ext>
             </a:extLst>
           </p:cNvPr>
@@ -27166,7 +27162,7 @@
           <p:cNvPr id="14" name="그림 13">
             <a:extLst>
               <a:ext uri="{FF2B5EF4-FFF2-40B4-BE49-F238E27FC236}">
-                <a16:creationId xmlns="" xmlns:a16="http://schemas.microsoft.com/office/drawing/2014/main" id="{1E7F22C3-6735-B286-C1ED-9D5B3D8FBE40}"/>
+                <a16:creationId xmlns:a16="http://schemas.microsoft.com/office/drawing/2014/main" id="{1E7F22C3-6735-B286-C1ED-9D5B3D8FBE40}"/>
               </a:ext>
             </a:extLst>
           </p:cNvPr>
@@ -27196,7 +27192,7 @@
           <p:cNvPr id="15" name="TextBox 14">
             <a:extLst>
               <a:ext uri="{FF2B5EF4-FFF2-40B4-BE49-F238E27FC236}">
-                <a16:creationId xmlns="" xmlns:a16="http://schemas.microsoft.com/office/drawing/2014/main" id="{D7951096-E5FC-1D77-EF4A-4E366621FCFC}"/>
+                <a16:creationId xmlns:a16="http://schemas.microsoft.com/office/drawing/2014/main" id="{D7951096-E5FC-1D77-EF4A-4E366621FCFC}"/>
               </a:ext>
             </a:extLst>
           </p:cNvPr>
@@ -27344,13 +27340,6 @@
   <p:clrMapOvr>
     <a:masterClrMapping/>
   </p:clrMapOvr>
-  <p:timing>
-    <p:tnLst>
-      <p:par>
-        <p:cTn id="1" dur="indefinite" restart="never" nodeType="tmRoot"/>
-      </p:par>
-    </p:tnLst>
-  </p:timing>
 </p:sld>
 </file>
 
@@ -27384,7 +27373,7 @@
           <p:cNvPr id="4" name="Object 1">
             <a:extLst>
               <a:ext uri="{FF2B5EF4-FFF2-40B4-BE49-F238E27FC236}">
-                <a16:creationId xmlns="" xmlns:a16="http://schemas.microsoft.com/office/drawing/2014/main" id="{B0329035-BE76-33A8-0F2E-44624FCC1DED}"/>
+                <a16:creationId xmlns:a16="http://schemas.microsoft.com/office/drawing/2014/main" id="{B0329035-BE76-33A8-0F2E-44624FCC1DED}"/>
               </a:ext>
             </a:extLst>
           </p:cNvPr>
@@ -27414,7 +27403,7 @@
           <p:cNvPr id="7" name="그룹 1001">
             <a:extLst>
               <a:ext uri="{FF2B5EF4-FFF2-40B4-BE49-F238E27FC236}">
-                <a16:creationId xmlns="" xmlns:a16="http://schemas.microsoft.com/office/drawing/2014/main" id="{CD24CE9D-AC18-B6CD-F397-7E8E03D6FE26}"/>
+                <a16:creationId xmlns:a16="http://schemas.microsoft.com/office/drawing/2014/main" id="{CD24CE9D-AC18-B6CD-F397-7E8E03D6FE26}"/>
               </a:ext>
             </a:extLst>
           </p:cNvPr>
@@ -27434,7 +27423,7 @@
             <p:cNvPr id="8" name="Object 5">
               <a:extLst>
                 <a:ext uri="{FF2B5EF4-FFF2-40B4-BE49-F238E27FC236}">
-                  <a16:creationId xmlns="" xmlns:a16="http://schemas.microsoft.com/office/drawing/2014/main" id="{0EEF25E8-3BA8-EBAA-6DC2-66D70C3F9F4D}"/>
+                  <a16:creationId xmlns:a16="http://schemas.microsoft.com/office/drawing/2014/main" id="{0EEF25E8-3BA8-EBAA-6DC2-66D70C3F9F4D}"/>
                 </a:ext>
               </a:extLst>
             </p:cNvPr>
@@ -27465,7 +27454,7 @@
           <p:cNvPr id="9" name="그룹 1002">
             <a:extLst>
               <a:ext uri="{FF2B5EF4-FFF2-40B4-BE49-F238E27FC236}">
-                <a16:creationId xmlns="" xmlns:a16="http://schemas.microsoft.com/office/drawing/2014/main" id="{0F281BC9-DE1F-D1FE-E64C-C4640398F00C}"/>
+                <a16:creationId xmlns:a16="http://schemas.microsoft.com/office/drawing/2014/main" id="{0F281BC9-DE1F-D1FE-E64C-C4640398F00C}"/>
               </a:ext>
             </a:extLst>
           </p:cNvPr>
@@ -27485,7 +27474,7 @@
             <p:cNvPr id="10" name="Object 8">
               <a:extLst>
                 <a:ext uri="{FF2B5EF4-FFF2-40B4-BE49-F238E27FC236}">
-                  <a16:creationId xmlns="" xmlns:a16="http://schemas.microsoft.com/office/drawing/2014/main" id="{F669DCEF-04BB-7046-3F7F-5B513213556E}"/>
+                  <a16:creationId xmlns:a16="http://schemas.microsoft.com/office/drawing/2014/main" id="{F669DCEF-04BB-7046-3F7F-5B513213556E}"/>
                 </a:ext>
               </a:extLst>
             </p:cNvPr>
@@ -27516,7 +27505,7 @@
           <p:cNvPr id="11" name="그룹 1003">
             <a:extLst>
               <a:ext uri="{FF2B5EF4-FFF2-40B4-BE49-F238E27FC236}">
-                <a16:creationId xmlns="" xmlns:a16="http://schemas.microsoft.com/office/drawing/2014/main" id="{1F91EEF9-13EA-BB7F-B056-D35E7DB989AC}"/>
+                <a16:creationId xmlns:a16="http://schemas.microsoft.com/office/drawing/2014/main" id="{1F91EEF9-13EA-BB7F-B056-D35E7DB989AC}"/>
               </a:ext>
             </a:extLst>
           </p:cNvPr>
@@ -27536,7 +27525,7 @@
             <p:cNvPr id="12" name="Object 11">
               <a:extLst>
                 <a:ext uri="{FF2B5EF4-FFF2-40B4-BE49-F238E27FC236}">
-                  <a16:creationId xmlns="" xmlns:a16="http://schemas.microsoft.com/office/drawing/2014/main" id="{2CFFB217-AEFB-2C9E-5F86-6EE19510FFC6}"/>
+                  <a16:creationId xmlns:a16="http://schemas.microsoft.com/office/drawing/2014/main" id="{2CFFB217-AEFB-2C9E-5F86-6EE19510FFC6}"/>
                 </a:ext>
               </a:extLst>
             </p:cNvPr>
@@ -27567,7 +27556,7 @@
           <p:cNvPr id="13" name="그룹 1004">
             <a:extLst>
               <a:ext uri="{FF2B5EF4-FFF2-40B4-BE49-F238E27FC236}">
-                <a16:creationId xmlns="" xmlns:a16="http://schemas.microsoft.com/office/drawing/2014/main" id="{123B9C7E-94E8-E7E1-81BE-D59EA0299187}"/>
+                <a16:creationId xmlns:a16="http://schemas.microsoft.com/office/drawing/2014/main" id="{123B9C7E-94E8-E7E1-81BE-D59EA0299187}"/>
               </a:ext>
             </a:extLst>
           </p:cNvPr>
@@ -27587,7 +27576,7 @@
             <p:cNvPr id="14" name="Object 14">
               <a:extLst>
                 <a:ext uri="{FF2B5EF4-FFF2-40B4-BE49-F238E27FC236}">
-                  <a16:creationId xmlns="" xmlns:a16="http://schemas.microsoft.com/office/drawing/2014/main" id="{B6291552-2D89-A79F-7ACD-EA0EF9A4C389}"/>
+                  <a16:creationId xmlns:a16="http://schemas.microsoft.com/office/drawing/2014/main" id="{B6291552-2D89-A79F-7ACD-EA0EF9A4C389}"/>
                 </a:ext>
               </a:extLst>
             </p:cNvPr>
@@ -27618,7 +27607,7 @@
           <p:cNvPr id="15" name="TextBox 14">
             <a:extLst>
               <a:ext uri="{FF2B5EF4-FFF2-40B4-BE49-F238E27FC236}">
-                <a16:creationId xmlns="" xmlns:a16="http://schemas.microsoft.com/office/drawing/2014/main" id="{7D99763A-FC24-23F5-5BA9-D7B042E0F323}"/>
+                <a16:creationId xmlns:a16="http://schemas.microsoft.com/office/drawing/2014/main" id="{7D99763A-FC24-23F5-5BA9-D7B042E0F323}"/>
               </a:ext>
             </a:extLst>
           </p:cNvPr>
@@ -27696,7 +27685,7 @@
           <p:cNvPr id="4" name="TextBox 3">
             <a:extLst>
               <a:ext uri="{FF2B5EF4-FFF2-40B4-BE49-F238E27FC236}">
-                <a16:creationId xmlns="" xmlns:a16="http://schemas.microsoft.com/office/drawing/2014/main" id="{76F06958-28E9-486A-AA9F-B499E4463946}"/>
+                <a16:creationId xmlns:a16="http://schemas.microsoft.com/office/drawing/2014/main" id="{76F06958-28E9-486A-AA9F-B499E4463946}"/>
               </a:ext>
             </a:extLst>
           </p:cNvPr>
@@ -27744,7 +27733,7 @@
           <p:cNvPr id="2" name="TextBox 1">
             <a:extLst>
               <a:ext uri="{FF2B5EF4-FFF2-40B4-BE49-F238E27FC236}">
-                <a16:creationId xmlns="" xmlns:a16="http://schemas.microsoft.com/office/drawing/2014/main" id="{0E86E673-C349-1F90-5FF0-A0C001424B03}"/>
+                <a16:creationId xmlns:a16="http://schemas.microsoft.com/office/drawing/2014/main" id="{0E86E673-C349-1F90-5FF0-A0C001424B03}"/>
               </a:ext>
             </a:extLst>
           </p:cNvPr>
@@ -27811,7 +27800,7 @@
           <p:cNvPr id="5" name="그림 4">
             <a:extLst>
               <a:ext uri="{FF2B5EF4-FFF2-40B4-BE49-F238E27FC236}">
-                <a16:creationId xmlns="" xmlns:a16="http://schemas.microsoft.com/office/drawing/2014/main" id="{65FE89ED-EA83-DC74-81B9-24974163F7D9}"/>
+                <a16:creationId xmlns:a16="http://schemas.microsoft.com/office/drawing/2014/main" id="{65FE89ED-EA83-DC74-81B9-24974163F7D9}"/>
               </a:ext>
             </a:extLst>
           </p:cNvPr>
@@ -27841,7 +27830,7 @@
           <p:cNvPr id="6" name="TextBox 5">
             <a:extLst>
               <a:ext uri="{FF2B5EF4-FFF2-40B4-BE49-F238E27FC236}">
-                <a16:creationId xmlns="" xmlns:a16="http://schemas.microsoft.com/office/drawing/2014/main" id="{4DC5D4D7-4330-CA07-29D7-2FC957BDDF60}"/>
+                <a16:creationId xmlns:a16="http://schemas.microsoft.com/office/drawing/2014/main" id="{4DC5D4D7-4330-CA07-29D7-2FC957BDDF60}"/>
               </a:ext>
             </a:extLst>
           </p:cNvPr>
@@ -27892,7 +27881,7 @@
           <p:cNvPr id="23" name="그룹 1008">
             <a:extLst>
               <a:ext uri="{FF2B5EF4-FFF2-40B4-BE49-F238E27FC236}">
-                <a16:creationId xmlns="" xmlns:a16="http://schemas.microsoft.com/office/drawing/2014/main" id="{81DFFA05-EE6E-3CD5-4810-DF5B88AAACAF}"/>
+                <a16:creationId xmlns:a16="http://schemas.microsoft.com/office/drawing/2014/main" id="{81DFFA05-EE6E-3CD5-4810-DF5B88AAACAF}"/>
               </a:ext>
             </a:extLst>
           </p:cNvPr>
@@ -27912,7 +27901,7 @@
             <p:cNvPr id="24" name="그룹 1009">
               <a:extLst>
                 <a:ext uri="{FF2B5EF4-FFF2-40B4-BE49-F238E27FC236}">
-                  <a16:creationId xmlns="" xmlns:a16="http://schemas.microsoft.com/office/drawing/2014/main" id="{7CA6D16F-9A33-AB5D-EA54-3D75899D43AE}"/>
+                  <a16:creationId xmlns:a16="http://schemas.microsoft.com/office/drawing/2014/main" id="{7CA6D16F-9A33-AB5D-EA54-3D75899D43AE}"/>
                 </a:ext>
               </a:extLst>
             </p:cNvPr>
@@ -27932,7 +27921,7 @@
               <p:cNvPr id="29" name="Object 29">
                 <a:extLst>
                   <a:ext uri="{FF2B5EF4-FFF2-40B4-BE49-F238E27FC236}">
-                    <a16:creationId xmlns="" xmlns:a16="http://schemas.microsoft.com/office/drawing/2014/main" id="{F581A80B-F53B-1FDB-0BFE-B49ED3AB0D93}"/>
+                    <a16:creationId xmlns:a16="http://schemas.microsoft.com/office/drawing/2014/main" id="{F581A80B-F53B-1FDB-0BFE-B49ED3AB0D93}"/>
                   </a:ext>
                 </a:extLst>
               </p:cNvPr>
@@ -27963,7 +27952,7 @@
             <p:cNvPr id="25" name="그룹 1010">
               <a:extLst>
                 <a:ext uri="{FF2B5EF4-FFF2-40B4-BE49-F238E27FC236}">
-                  <a16:creationId xmlns="" xmlns:a16="http://schemas.microsoft.com/office/drawing/2014/main" id="{263445D0-0D59-DAB0-326A-FA9A22E6A702}"/>
+                  <a16:creationId xmlns:a16="http://schemas.microsoft.com/office/drawing/2014/main" id="{263445D0-0D59-DAB0-326A-FA9A22E6A702}"/>
                 </a:ext>
               </a:extLst>
             </p:cNvPr>
@@ -27983,7 +27972,7 @@
               <p:cNvPr id="28" name="Object 32">
                 <a:extLst>
                   <a:ext uri="{FF2B5EF4-FFF2-40B4-BE49-F238E27FC236}">
-                    <a16:creationId xmlns="" xmlns:a16="http://schemas.microsoft.com/office/drawing/2014/main" id="{D036B9F8-9AE6-73A9-4C97-51D48FFE55CF}"/>
+                    <a16:creationId xmlns:a16="http://schemas.microsoft.com/office/drawing/2014/main" id="{D036B9F8-9AE6-73A9-4C97-51D48FFE55CF}"/>
                   </a:ext>
                 </a:extLst>
               </p:cNvPr>
@@ -28014,7 +28003,7 @@
             <p:cNvPr id="26" name="그룹 1011">
               <a:extLst>
                 <a:ext uri="{FF2B5EF4-FFF2-40B4-BE49-F238E27FC236}">
-                  <a16:creationId xmlns="" xmlns:a16="http://schemas.microsoft.com/office/drawing/2014/main" id="{92A9988F-B3F3-D61E-C60A-0C1BEA761B1B}"/>
+                  <a16:creationId xmlns:a16="http://schemas.microsoft.com/office/drawing/2014/main" id="{92A9988F-B3F3-D61E-C60A-0C1BEA761B1B}"/>
                 </a:ext>
               </a:extLst>
             </p:cNvPr>
@@ -28034,7 +28023,7 @@
               <p:cNvPr id="27" name="Object 35">
                 <a:extLst>
                   <a:ext uri="{FF2B5EF4-FFF2-40B4-BE49-F238E27FC236}">
-                    <a16:creationId xmlns="" xmlns:a16="http://schemas.microsoft.com/office/drawing/2014/main" id="{9B375B0F-F41D-95EC-D329-D3C401A98EF3}"/>
+                    <a16:creationId xmlns:a16="http://schemas.microsoft.com/office/drawing/2014/main" id="{9B375B0F-F41D-95EC-D329-D3C401A98EF3}"/>
                   </a:ext>
                 </a:extLst>
               </p:cNvPr>
@@ -28066,7 +28055,7 @@
           <p:cNvPr id="31" name="그림 30">
             <a:extLst>
               <a:ext uri="{FF2B5EF4-FFF2-40B4-BE49-F238E27FC236}">
-                <a16:creationId xmlns="" xmlns:a16="http://schemas.microsoft.com/office/drawing/2014/main" id="{620A2D5B-49C7-1419-105E-661767528874}"/>
+                <a16:creationId xmlns:a16="http://schemas.microsoft.com/office/drawing/2014/main" id="{620A2D5B-49C7-1419-105E-661767528874}"/>
               </a:ext>
             </a:extLst>
           </p:cNvPr>
@@ -28276,7 +28265,7 @@
           <p:cNvPr id="5" name="그림 4">
             <a:extLst>
               <a:ext uri="{FF2B5EF4-FFF2-40B4-BE49-F238E27FC236}">
-                <a16:creationId xmlns="" xmlns:a16="http://schemas.microsoft.com/office/drawing/2014/main" id="{DB0C8385-E0E7-4893-7A6A-722C740EB2A9}"/>
+                <a16:creationId xmlns:a16="http://schemas.microsoft.com/office/drawing/2014/main" id="{DB0C8385-E0E7-4893-7A6A-722C740EB2A9}"/>
               </a:ext>
             </a:extLst>
           </p:cNvPr>
@@ -28306,7 +28295,7 @@
           <p:cNvPr id="6" name="TextBox 5">
             <a:extLst>
               <a:ext uri="{FF2B5EF4-FFF2-40B4-BE49-F238E27FC236}">
-                <a16:creationId xmlns="" xmlns:a16="http://schemas.microsoft.com/office/drawing/2014/main" id="{9A8229E9-EB65-F905-4261-66E50BCA2CF3}"/>
+                <a16:creationId xmlns:a16="http://schemas.microsoft.com/office/drawing/2014/main" id="{9A8229E9-EB65-F905-4261-66E50BCA2CF3}"/>
               </a:ext>
             </a:extLst>
           </p:cNvPr>
@@ -28359,13 +28348,6 @@
   <p:clrMapOvr>
     <a:masterClrMapping/>
   </p:clrMapOvr>
-  <p:timing>
-    <p:tnLst>
-      <p:par>
-        <p:cTn id="1" dur="indefinite" restart="never" nodeType="tmRoot"/>
-      </p:par>
-    </p:tnLst>
-  </p:timing>
 </p:sld>
 </file>
 
@@ -28391,7 +28373,7 @@
           <p:cNvPr id="4" name="TextBox 3">
             <a:extLst>
               <a:ext uri="{FF2B5EF4-FFF2-40B4-BE49-F238E27FC236}">
-                <a16:creationId xmlns="" xmlns:a16="http://schemas.microsoft.com/office/drawing/2014/main" id="{F1478710-E2EE-B0C7-6BBB-1625FA088142}"/>
+                <a16:creationId xmlns:a16="http://schemas.microsoft.com/office/drawing/2014/main" id="{F1478710-E2EE-B0C7-6BBB-1625FA088142}"/>
               </a:ext>
             </a:extLst>
           </p:cNvPr>
@@ -28474,13 +28456,6 @@
   <p:clrMapOvr>
     <a:masterClrMapping/>
   </p:clrMapOvr>
-  <p:timing>
-    <p:tnLst>
-      <p:par>
-        <p:cTn id="1" dur="indefinite" restart="never" nodeType="tmRoot"/>
-      </p:par>
-    </p:tnLst>
-  </p:timing>
 </p:sld>
 </file>
 
@@ -28506,7 +28481,7 @@
           <p:cNvPr id="36" name="그룹 1016">
             <a:extLst>
               <a:ext uri="{FF2B5EF4-FFF2-40B4-BE49-F238E27FC236}">
-                <a16:creationId xmlns="" xmlns:a16="http://schemas.microsoft.com/office/drawing/2014/main" id="{54A67850-E454-4FB6-9972-D45AD5944D22}"/>
+                <a16:creationId xmlns:a16="http://schemas.microsoft.com/office/drawing/2014/main" id="{54A67850-E454-4FB6-9972-D45AD5944D22}"/>
               </a:ext>
             </a:extLst>
           </p:cNvPr>
@@ -28526,7 +28501,7 @@
             <p:cNvPr id="37" name="Object 49">
               <a:extLst>
                 <a:ext uri="{FF2B5EF4-FFF2-40B4-BE49-F238E27FC236}">
-                  <a16:creationId xmlns="" xmlns:a16="http://schemas.microsoft.com/office/drawing/2014/main" id="{5F0358BD-68D5-2C8A-01A9-8CF584C61C7C}"/>
+                  <a16:creationId xmlns:a16="http://schemas.microsoft.com/office/drawing/2014/main" id="{5F0358BD-68D5-2C8A-01A9-8CF584C61C7C}"/>
                 </a:ext>
               </a:extLst>
             </p:cNvPr>
@@ -28557,7 +28532,7 @@
           <p:cNvPr id="45" name="그룹 1019">
             <a:extLst>
               <a:ext uri="{FF2B5EF4-FFF2-40B4-BE49-F238E27FC236}">
-                <a16:creationId xmlns="" xmlns:a16="http://schemas.microsoft.com/office/drawing/2014/main" id="{6B69C343-DD18-F34E-F12E-D0774B8EF435}"/>
+                <a16:creationId xmlns:a16="http://schemas.microsoft.com/office/drawing/2014/main" id="{6B69C343-DD18-F34E-F12E-D0774B8EF435}"/>
               </a:ext>
             </a:extLst>
           </p:cNvPr>
@@ -28577,7 +28552,7 @@
             <p:cNvPr id="46" name="Object 61">
               <a:extLst>
                 <a:ext uri="{FF2B5EF4-FFF2-40B4-BE49-F238E27FC236}">
-                  <a16:creationId xmlns="" xmlns:a16="http://schemas.microsoft.com/office/drawing/2014/main" id="{600B8B3A-726A-4DED-B19E-3C68D18CF8CA}"/>
+                  <a16:creationId xmlns:a16="http://schemas.microsoft.com/office/drawing/2014/main" id="{600B8B3A-726A-4DED-B19E-3C68D18CF8CA}"/>
                 </a:ext>
               </a:extLst>
             </p:cNvPr>
@@ -28608,7 +28583,7 @@
           <p:cNvPr id="53" name="그룹 1023">
             <a:extLst>
               <a:ext uri="{FF2B5EF4-FFF2-40B4-BE49-F238E27FC236}">
-                <a16:creationId xmlns="" xmlns:a16="http://schemas.microsoft.com/office/drawing/2014/main" id="{AAB2255C-7D6F-0E11-6FB5-ED3977EAEC85}"/>
+                <a16:creationId xmlns:a16="http://schemas.microsoft.com/office/drawing/2014/main" id="{AAB2255C-7D6F-0E11-6FB5-ED3977EAEC85}"/>
               </a:ext>
             </a:extLst>
           </p:cNvPr>
@@ -28628,7 +28603,7 @@
             <p:cNvPr id="54" name="Object 73">
               <a:extLst>
                 <a:ext uri="{FF2B5EF4-FFF2-40B4-BE49-F238E27FC236}">
-                  <a16:creationId xmlns="" xmlns:a16="http://schemas.microsoft.com/office/drawing/2014/main" id="{0D22F622-37E6-1712-C655-58E26D4A68DD}"/>
+                  <a16:creationId xmlns:a16="http://schemas.microsoft.com/office/drawing/2014/main" id="{0D22F622-37E6-1712-C655-58E26D4A68DD}"/>
                 </a:ext>
               </a:extLst>
             </p:cNvPr>
@@ -28659,7 +28634,7 @@
           <p:cNvPr id="55" name="그룹 1024">
             <a:extLst>
               <a:ext uri="{FF2B5EF4-FFF2-40B4-BE49-F238E27FC236}">
-                <a16:creationId xmlns="" xmlns:a16="http://schemas.microsoft.com/office/drawing/2014/main" id="{219CB247-D712-B844-304C-A4AA71074F3A}"/>
+                <a16:creationId xmlns:a16="http://schemas.microsoft.com/office/drawing/2014/main" id="{219CB247-D712-B844-304C-A4AA71074F3A}"/>
               </a:ext>
             </a:extLst>
           </p:cNvPr>
@@ -28679,7 +28654,7 @@
             <p:cNvPr id="56" name="Object 76">
               <a:extLst>
                 <a:ext uri="{FF2B5EF4-FFF2-40B4-BE49-F238E27FC236}">
-                  <a16:creationId xmlns="" xmlns:a16="http://schemas.microsoft.com/office/drawing/2014/main" id="{C854F900-0C6C-097F-89BE-6CC66DAB7E53}"/>
+                  <a16:creationId xmlns:a16="http://schemas.microsoft.com/office/drawing/2014/main" id="{C854F900-0C6C-097F-89BE-6CC66DAB7E53}"/>
                 </a:ext>
               </a:extLst>
             </p:cNvPr>
@@ -28710,7 +28685,7 @@
           <p:cNvPr id="57" name="그룹 1025">
             <a:extLst>
               <a:ext uri="{FF2B5EF4-FFF2-40B4-BE49-F238E27FC236}">
-                <a16:creationId xmlns="" xmlns:a16="http://schemas.microsoft.com/office/drawing/2014/main" id="{FF4EEDBD-F51A-D06C-372A-9976F07A98BC}"/>
+                <a16:creationId xmlns:a16="http://schemas.microsoft.com/office/drawing/2014/main" id="{FF4EEDBD-F51A-D06C-372A-9976F07A98BC}"/>
               </a:ext>
             </a:extLst>
           </p:cNvPr>
@@ -28730,7 +28705,7 @@
             <p:cNvPr id="58" name="Object 79">
               <a:extLst>
                 <a:ext uri="{FF2B5EF4-FFF2-40B4-BE49-F238E27FC236}">
-                  <a16:creationId xmlns="" xmlns:a16="http://schemas.microsoft.com/office/drawing/2014/main" id="{4FD9F1F7-F9F4-373A-31D8-AFD094055F49}"/>
+                  <a16:creationId xmlns:a16="http://schemas.microsoft.com/office/drawing/2014/main" id="{4FD9F1F7-F9F4-373A-31D8-AFD094055F49}"/>
                 </a:ext>
               </a:extLst>
             </p:cNvPr>
@@ -28761,7 +28736,7 @@
           <p:cNvPr id="64" name="그룹 1029">
             <a:extLst>
               <a:ext uri="{FF2B5EF4-FFF2-40B4-BE49-F238E27FC236}">
-                <a16:creationId xmlns="" xmlns:a16="http://schemas.microsoft.com/office/drawing/2014/main" id="{A90A8FF5-E3F5-F795-C0E8-AC530FF7C8B1}"/>
+                <a16:creationId xmlns:a16="http://schemas.microsoft.com/office/drawing/2014/main" id="{A90A8FF5-E3F5-F795-C0E8-AC530FF7C8B1}"/>
               </a:ext>
             </a:extLst>
           </p:cNvPr>
@@ -28781,7 +28756,7 @@
             <p:cNvPr id="65" name="Object 90">
               <a:extLst>
                 <a:ext uri="{FF2B5EF4-FFF2-40B4-BE49-F238E27FC236}">
-                  <a16:creationId xmlns="" xmlns:a16="http://schemas.microsoft.com/office/drawing/2014/main" id="{3BC9E597-19B0-39F9-44D3-9AC6937AE8E9}"/>
+                  <a16:creationId xmlns:a16="http://schemas.microsoft.com/office/drawing/2014/main" id="{3BC9E597-19B0-39F9-44D3-9AC6937AE8E9}"/>
                 </a:ext>
               </a:extLst>
             </p:cNvPr>
@@ -28812,7 +28787,7 @@
           <p:cNvPr id="67" name="그룹 1030">
             <a:extLst>
               <a:ext uri="{FF2B5EF4-FFF2-40B4-BE49-F238E27FC236}">
-                <a16:creationId xmlns="" xmlns:a16="http://schemas.microsoft.com/office/drawing/2014/main" id="{04004D30-1162-EEA0-B5DE-2B7AA5D6852D}"/>
+                <a16:creationId xmlns:a16="http://schemas.microsoft.com/office/drawing/2014/main" id="{04004D30-1162-EEA0-B5DE-2B7AA5D6852D}"/>
               </a:ext>
             </a:extLst>
           </p:cNvPr>
@@ -28832,7 +28807,7 @@
             <p:cNvPr id="68" name="Object 94">
               <a:extLst>
                 <a:ext uri="{FF2B5EF4-FFF2-40B4-BE49-F238E27FC236}">
-                  <a16:creationId xmlns="" xmlns:a16="http://schemas.microsoft.com/office/drawing/2014/main" id="{D4D931A9-B041-86A3-F804-C999954CEF07}"/>
+                  <a16:creationId xmlns:a16="http://schemas.microsoft.com/office/drawing/2014/main" id="{D4D931A9-B041-86A3-F804-C999954CEF07}"/>
                 </a:ext>
               </a:extLst>
             </p:cNvPr>
@@ -28863,7 +28838,7 @@
           <p:cNvPr id="76" name="그룹 1033">
             <a:extLst>
               <a:ext uri="{FF2B5EF4-FFF2-40B4-BE49-F238E27FC236}">
-                <a16:creationId xmlns="" xmlns:a16="http://schemas.microsoft.com/office/drawing/2014/main" id="{A3029704-98EF-DB97-2587-888E5A70AC7B}"/>
+                <a16:creationId xmlns:a16="http://schemas.microsoft.com/office/drawing/2014/main" id="{A3029704-98EF-DB97-2587-888E5A70AC7B}"/>
               </a:ext>
             </a:extLst>
           </p:cNvPr>
@@ -28883,7 +28858,7 @@
             <p:cNvPr id="77" name="Object 106">
               <a:extLst>
                 <a:ext uri="{FF2B5EF4-FFF2-40B4-BE49-F238E27FC236}">
-                  <a16:creationId xmlns="" xmlns:a16="http://schemas.microsoft.com/office/drawing/2014/main" id="{17D0DB0F-095C-9B1B-BBE3-F6437F47A712}"/>
+                  <a16:creationId xmlns:a16="http://schemas.microsoft.com/office/drawing/2014/main" id="{17D0DB0F-095C-9B1B-BBE3-F6437F47A712}"/>
                 </a:ext>
               </a:extLst>
             </p:cNvPr>
@@ -28913,7 +28888,7 @@
             <p:cNvPr id="78" name="Object 107">
               <a:extLst>
                 <a:ext uri="{FF2B5EF4-FFF2-40B4-BE49-F238E27FC236}">
-                  <a16:creationId xmlns="" xmlns:a16="http://schemas.microsoft.com/office/drawing/2014/main" id="{B5F5C157-D6A9-9B33-D522-803803AB10EF}"/>
+                  <a16:creationId xmlns:a16="http://schemas.microsoft.com/office/drawing/2014/main" id="{B5F5C157-D6A9-9B33-D522-803803AB10EF}"/>
                 </a:ext>
               </a:extLst>
             </p:cNvPr>
@@ -28944,7 +28919,7 @@
           <p:cNvPr id="79" name="그룹 1034">
             <a:extLst>
               <a:ext uri="{FF2B5EF4-FFF2-40B4-BE49-F238E27FC236}">
-                <a16:creationId xmlns="" xmlns:a16="http://schemas.microsoft.com/office/drawing/2014/main" id="{85A7CAAF-B959-1338-755E-BF20C4AC7A1E}"/>
+                <a16:creationId xmlns:a16="http://schemas.microsoft.com/office/drawing/2014/main" id="{85A7CAAF-B959-1338-755E-BF20C4AC7A1E}"/>
               </a:ext>
             </a:extLst>
           </p:cNvPr>
@@ -28964,7 +28939,7 @@
             <p:cNvPr id="80" name="Object 110">
               <a:extLst>
                 <a:ext uri="{FF2B5EF4-FFF2-40B4-BE49-F238E27FC236}">
-                  <a16:creationId xmlns="" xmlns:a16="http://schemas.microsoft.com/office/drawing/2014/main" id="{EB44F4BD-6CB6-3C58-A07A-97BEFA44C307}"/>
+                  <a16:creationId xmlns:a16="http://schemas.microsoft.com/office/drawing/2014/main" id="{EB44F4BD-6CB6-3C58-A07A-97BEFA44C307}"/>
                 </a:ext>
               </a:extLst>
             </p:cNvPr>
@@ -28995,7 +28970,7 @@
           <p:cNvPr id="81" name="TextBox 80">
             <a:extLst>
               <a:ext uri="{FF2B5EF4-FFF2-40B4-BE49-F238E27FC236}">
-                <a16:creationId xmlns="" xmlns:a16="http://schemas.microsoft.com/office/drawing/2014/main" id="{E0322117-BBD0-A4C9-7376-4301DB7A556B}"/>
+                <a16:creationId xmlns:a16="http://schemas.microsoft.com/office/drawing/2014/main" id="{E0322117-BBD0-A4C9-7376-4301DB7A556B}"/>
               </a:ext>
             </a:extLst>
           </p:cNvPr>
@@ -29043,7 +29018,7 @@
           <p:cNvPr id="82" name="TextBox 81">
             <a:extLst>
               <a:ext uri="{FF2B5EF4-FFF2-40B4-BE49-F238E27FC236}">
-                <a16:creationId xmlns="" xmlns:a16="http://schemas.microsoft.com/office/drawing/2014/main" id="{C8D84E21-806E-AEC6-DE72-4082AA67ABDB}"/>
+                <a16:creationId xmlns:a16="http://schemas.microsoft.com/office/drawing/2014/main" id="{C8D84E21-806E-AEC6-DE72-4082AA67ABDB}"/>
               </a:ext>
             </a:extLst>
           </p:cNvPr>
@@ -29091,7 +29066,7 @@
           <p:cNvPr id="84" name="그룹 1015">
             <a:extLst>
               <a:ext uri="{FF2B5EF4-FFF2-40B4-BE49-F238E27FC236}">
-                <a16:creationId xmlns="" xmlns:a16="http://schemas.microsoft.com/office/drawing/2014/main" id="{A0D4ABA4-4695-3E9D-1609-83C613A9FA7E}"/>
+                <a16:creationId xmlns:a16="http://schemas.microsoft.com/office/drawing/2014/main" id="{A0D4ABA4-4695-3E9D-1609-83C613A9FA7E}"/>
               </a:ext>
             </a:extLst>
           </p:cNvPr>
@@ -29111,7 +29086,7 @@
             <p:cNvPr id="86" name="Object 44">
               <a:extLst>
                 <a:ext uri="{FF2B5EF4-FFF2-40B4-BE49-F238E27FC236}">
-                  <a16:creationId xmlns="" xmlns:a16="http://schemas.microsoft.com/office/drawing/2014/main" id="{50E5CCC1-019B-CDBF-8450-40D17909D944}"/>
+                  <a16:creationId xmlns:a16="http://schemas.microsoft.com/office/drawing/2014/main" id="{50E5CCC1-019B-CDBF-8450-40D17909D944}"/>
                 </a:ext>
               </a:extLst>
             </p:cNvPr>
@@ -29142,7 +29117,7 @@
           <p:cNvPr id="87" name="TextBox 86">
             <a:extLst>
               <a:ext uri="{FF2B5EF4-FFF2-40B4-BE49-F238E27FC236}">
-                <a16:creationId xmlns="" xmlns:a16="http://schemas.microsoft.com/office/drawing/2014/main" id="{095BDCA4-3049-CECE-826A-80CAA82B4FB1}"/>
+                <a16:creationId xmlns:a16="http://schemas.microsoft.com/office/drawing/2014/main" id="{095BDCA4-3049-CECE-826A-80CAA82B4FB1}"/>
               </a:ext>
             </a:extLst>
           </p:cNvPr>
@@ -29196,7 +29171,7 @@
           <p:cNvPr id="88" name="TextBox 87">
             <a:extLst>
               <a:ext uri="{FF2B5EF4-FFF2-40B4-BE49-F238E27FC236}">
-                <a16:creationId xmlns="" xmlns:a16="http://schemas.microsoft.com/office/drawing/2014/main" id="{3CDD64B9-6609-FC6C-C85F-70D28C60A1D4}"/>
+                <a16:creationId xmlns:a16="http://schemas.microsoft.com/office/drawing/2014/main" id="{3CDD64B9-6609-FC6C-C85F-70D28C60A1D4}"/>
               </a:ext>
             </a:extLst>
           </p:cNvPr>
@@ -29253,7 +29228,7 @@
           <p:cNvPr id="89" name="TextBox 88">
             <a:extLst>
               <a:ext uri="{FF2B5EF4-FFF2-40B4-BE49-F238E27FC236}">
-                <a16:creationId xmlns="" xmlns:a16="http://schemas.microsoft.com/office/drawing/2014/main" id="{E1378157-8663-9B56-AC3D-C7404C0AD4B0}"/>
+                <a16:creationId xmlns:a16="http://schemas.microsoft.com/office/drawing/2014/main" id="{E1378157-8663-9B56-AC3D-C7404C0AD4B0}"/>
               </a:ext>
             </a:extLst>
           </p:cNvPr>
@@ -29310,7 +29285,7 @@
           <p:cNvPr id="90" name="TextBox 89">
             <a:extLst>
               <a:ext uri="{FF2B5EF4-FFF2-40B4-BE49-F238E27FC236}">
-                <a16:creationId xmlns="" xmlns:a16="http://schemas.microsoft.com/office/drawing/2014/main" id="{BF2BF8EF-B7E3-72AE-11F4-614B6AAF39E5}"/>
+                <a16:creationId xmlns:a16="http://schemas.microsoft.com/office/drawing/2014/main" id="{BF2BF8EF-B7E3-72AE-11F4-614B6AAF39E5}"/>
               </a:ext>
             </a:extLst>
           </p:cNvPr>
@@ -29372,13 +29347,6 @@
   <p:clrMapOvr>
     <a:masterClrMapping/>
   </p:clrMapOvr>
-  <p:timing>
-    <p:tnLst>
-      <p:par>
-        <p:cTn id="1" dur="indefinite" restart="never" nodeType="tmRoot"/>
-      </p:par>
-    </p:tnLst>
-  </p:timing>
 </p:sld>
 </file>
 
@@ -29404,7 +29372,7 @@
           <p:cNvPr id="4" name="TextBox 3">
             <a:extLst>
               <a:ext uri="{FF2B5EF4-FFF2-40B4-BE49-F238E27FC236}">
-                <a16:creationId xmlns="" xmlns:a16="http://schemas.microsoft.com/office/drawing/2014/main" id="{3F415FE5-76FD-FB97-5474-3CDB77C77FA9}"/>
+                <a16:creationId xmlns:a16="http://schemas.microsoft.com/office/drawing/2014/main" id="{3F415FE5-76FD-FB97-5474-3CDB77C77FA9}"/>
               </a:ext>
             </a:extLst>
           </p:cNvPr>
@@ -29472,7 +29440,7 @@
           <p:cNvPr id="5" name="TextBox 4">
             <a:extLst>
               <a:ext uri="{FF2B5EF4-FFF2-40B4-BE49-F238E27FC236}">
-                <a16:creationId xmlns="" xmlns:a16="http://schemas.microsoft.com/office/drawing/2014/main" id="{D2E052D2-F463-06C3-07F5-83CB390D3112}"/>
+                <a16:creationId xmlns:a16="http://schemas.microsoft.com/office/drawing/2014/main" id="{D2E052D2-F463-06C3-07F5-83CB390D3112}"/>
               </a:ext>
             </a:extLst>
           </p:cNvPr>
@@ -29516,7 +29484,7 @@
           <p:cNvPr id="7" name="그림 6">
             <a:extLst>
               <a:ext uri="{FF2B5EF4-FFF2-40B4-BE49-F238E27FC236}">
-                <a16:creationId xmlns="" xmlns:a16="http://schemas.microsoft.com/office/drawing/2014/main" id="{7C003FF6-E554-6F96-DE2A-C4F74DA566CA}"/>
+                <a16:creationId xmlns:a16="http://schemas.microsoft.com/office/drawing/2014/main" id="{7C003FF6-E554-6F96-DE2A-C4F74DA566CA}"/>
               </a:ext>
             </a:extLst>
           </p:cNvPr>
@@ -29546,7 +29514,7 @@
           <p:cNvPr id="17" name="그림 16">
             <a:extLst>
               <a:ext uri="{FF2B5EF4-FFF2-40B4-BE49-F238E27FC236}">
-                <a16:creationId xmlns="" xmlns:a16="http://schemas.microsoft.com/office/drawing/2014/main" id="{8CC7E3E3-89E3-4515-2FA8-EA80F6A58D47}"/>
+                <a16:creationId xmlns:a16="http://schemas.microsoft.com/office/drawing/2014/main" id="{8CC7E3E3-89E3-4515-2FA8-EA80F6A58D47}"/>
               </a:ext>
             </a:extLst>
           </p:cNvPr>
@@ -29576,7 +29544,7 @@
           <p:cNvPr id="18" name="그림 17">
             <a:extLst>
               <a:ext uri="{FF2B5EF4-FFF2-40B4-BE49-F238E27FC236}">
-                <a16:creationId xmlns="" xmlns:a16="http://schemas.microsoft.com/office/drawing/2014/main" id="{C53618FB-7FB8-AD3E-3445-384D020D97B3}"/>
+                <a16:creationId xmlns:a16="http://schemas.microsoft.com/office/drawing/2014/main" id="{C53618FB-7FB8-AD3E-3445-384D020D97B3}"/>
               </a:ext>
             </a:extLst>
           </p:cNvPr>
@@ -29606,7 +29574,7 @@
           <p:cNvPr id="19" name="그림 18">
             <a:extLst>
               <a:ext uri="{FF2B5EF4-FFF2-40B4-BE49-F238E27FC236}">
-                <a16:creationId xmlns="" xmlns:a16="http://schemas.microsoft.com/office/drawing/2014/main" id="{74FDD2A2-1FF5-D08D-445F-4BD16209F1D3}"/>
+                <a16:creationId xmlns:a16="http://schemas.microsoft.com/office/drawing/2014/main" id="{74FDD2A2-1FF5-D08D-445F-4BD16209F1D3}"/>
               </a:ext>
             </a:extLst>
           </p:cNvPr>
@@ -29636,7 +29604,7 @@
           <p:cNvPr id="20" name="그림 19">
             <a:extLst>
               <a:ext uri="{FF2B5EF4-FFF2-40B4-BE49-F238E27FC236}">
-                <a16:creationId xmlns="" xmlns:a16="http://schemas.microsoft.com/office/drawing/2014/main" id="{179B4922-2424-08AA-5BBF-BD43FD18E551}"/>
+                <a16:creationId xmlns:a16="http://schemas.microsoft.com/office/drawing/2014/main" id="{179B4922-2424-08AA-5BBF-BD43FD18E551}"/>
               </a:ext>
             </a:extLst>
           </p:cNvPr>
@@ -29666,7 +29634,7 @@
           <p:cNvPr id="21" name="그림 20">
             <a:extLst>
               <a:ext uri="{FF2B5EF4-FFF2-40B4-BE49-F238E27FC236}">
-                <a16:creationId xmlns="" xmlns:a16="http://schemas.microsoft.com/office/drawing/2014/main" id="{FC1A38A8-F255-BF2A-F5D8-F66BABD7B277}"/>
+                <a16:creationId xmlns:a16="http://schemas.microsoft.com/office/drawing/2014/main" id="{FC1A38A8-F255-BF2A-F5D8-F66BABD7B277}"/>
               </a:ext>
             </a:extLst>
           </p:cNvPr>
@@ -29696,7 +29664,7 @@
           <p:cNvPr id="22" name="TextBox 21">
             <a:extLst>
               <a:ext uri="{FF2B5EF4-FFF2-40B4-BE49-F238E27FC236}">
-                <a16:creationId xmlns="" xmlns:a16="http://schemas.microsoft.com/office/drawing/2014/main" id="{CFF7A884-BA8D-FF71-4905-99ED2A9B46B1}"/>
+                <a16:creationId xmlns:a16="http://schemas.microsoft.com/office/drawing/2014/main" id="{CFF7A884-BA8D-FF71-4905-99ED2A9B46B1}"/>
               </a:ext>
             </a:extLst>
           </p:cNvPr>
@@ -29737,7 +29705,7 @@
           <p:cNvPr id="23" name="TextBox 22">
             <a:extLst>
               <a:ext uri="{FF2B5EF4-FFF2-40B4-BE49-F238E27FC236}">
-                <a16:creationId xmlns="" xmlns:a16="http://schemas.microsoft.com/office/drawing/2014/main" id="{DA940BE0-753B-E21B-7F31-F220E357478A}"/>
+                <a16:creationId xmlns:a16="http://schemas.microsoft.com/office/drawing/2014/main" id="{DA940BE0-753B-E21B-7F31-F220E357478A}"/>
               </a:ext>
             </a:extLst>
           </p:cNvPr>
@@ -29778,7 +29746,7 @@
           <p:cNvPr id="24" name="TextBox 23">
             <a:extLst>
               <a:ext uri="{FF2B5EF4-FFF2-40B4-BE49-F238E27FC236}">
-                <a16:creationId xmlns="" xmlns:a16="http://schemas.microsoft.com/office/drawing/2014/main" id="{252B4051-490D-F760-F48A-14AFC0110187}"/>
+                <a16:creationId xmlns:a16="http://schemas.microsoft.com/office/drawing/2014/main" id="{252B4051-490D-F760-F48A-14AFC0110187}"/>
               </a:ext>
             </a:extLst>
           </p:cNvPr>
@@ -29819,7 +29787,7 @@
           <p:cNvPr id="25" name="TextBox 24">
             <a:extLst>
               <a:ext uri="{FF2B5EF4-FFF2-40B4-BE49-F238E27FC236}">
-                <a16:creationId xmlns="" xmlns:a16="http://schemas.microsoft.com/office/drawing/2014/main" id="{42002CF9-F120-A996-7FF6-01FE79FC6695}"/>
+                <a16:creationId xmlns:a16="http://schemas.microsoft.com/office/drawing/2014/main" id="{42002CF9-F120-A996-7FF6-01FE79FC6695}"/>
               </a:ext>
             </a:extLst>
           </p:cNvPr>
@@ -29860,7 +29828,7 @@
           <p:cNvPr id="26" name="TextBox 25">
             <a:extLst>
               <a:ext uri="{FF2B5EF4-FFF2-40B4-BE49-F238E27FC236}">
-                <a16:creationId xmlns="" xmlns:a16="http://schemas.microsoft.com/office/drawing/2014/main" id="{615B5811-236B-BEA4-02F0-1CADCB6EBDB9}"/>
+                <a16:creationId xmlns:a16="http://schemas.microsoft.com/office/drawing/2014/main" id="{615B5811-236B-BEA4-02F0-1CADCB6EBDB9}"/>
               </a:ext>
             </a:extLst>
           </p:cNvPr>
@@ -29901,7 +29869,7 @@
           <p:cNvPr id="27" name="TextBox 26">
             <a:extLst>
               <a:ext uri="{FF2B5EF4-FFF2-40B4-BE49-F238E27FC236}">
-                <a16:creationId xmlns="" xmlns:a16="http://schemas.microsoft.com/office/drawing/2014/main" id="{34F87272-6EB0-4FBA-3852-85D0DE167050}"/>
+                <a16:creationId xmlns:a16="http://schemas.microsoft.com/office/drawing/2014/main" id="{34F87272-6EB0-4FBA-3852-85D0DE167050}"/>
               </a:ext>
             </a:extLst>
           </p:cNvPr>
@@ -29942,7 +29910,7 @@
           <p:cNvPr id="28" name="TextBox 27">
             <a:extLst>
               <a:ext uri="{FF2B5EF4-FFF2-40B4-BE49-F238E27FC236}">
-                <a16:creationId xmlns="" xmlns:a16="http://schemas.microsoft.com/office/drawing/2014/main" id="{A3AD7700-2068-CFCD-CCF3-54B2F6C46BFD}"/>
+                <a16:creationId xmlns:a16="http://schemas.microsoft.com/office/drawing/2014/main" id="{A3AD7700-2068-CFCD-CCF3-54B2F6C46BFD}"/>
               </a:ext>
             </a:extLst>
           </p:cNvPr>
@@ -29983,7 +29951,7 @@
           <p:cNvPr id="29" name="TextBox 28">
             <a:extLst>
               <a:ext uri="{FF2B5EF4-FFF2-40B4-BE49-F238E27FC236}">
-                <a16:creationId xmlns="" xmlns:a16="http://schemas.microsoft.com/office/drawing/2014/main" id="{4197ADEC-5FE2-838C-63B7-08A3103635ED}"/>
+                <a16:creationId xmlns:a16="http://schemas.microsoft.com/office/drawing/2014/main" id="{4197ADEC-5FE2-838C-63B7-08A3103635ED}"/>
               </a:ext>
             </a:extLst>
           </p:cNvPr>
@@ -30024,7 +29992,7 @@
           <p:cNvPr id="30" name="TextBox 29">
             <a:extLst>
               <a:ext uri="{FF2B5EF4-FFF2-40B4-BE49-F238E27FC236}">
-                <a16:creationId xmlns="" xmlns:a16="http://schemas.microsoft.com/office/drawing/2014/main" id="{5DB8A77A-28EF-00B7-40CC-3E52C306196C}"/>
+                <a16:creationId xmlns:a16="http://schemas.microsoft.com/office/drawing/2014/main" id="{5DB8A77A-28EF-00B7-40CC-3E52C306196C}"/>
               </a:ext>
             </a:extLst>
           </p:cNvPr>
@@ -30065,7 +30033,7 @@
           <p:cNvPr id="31" name="TextBox 30">
             <a:extLst>
               <a:ext uri="{FF2B5EF4-FFF2-40B4-BE49-F238E27FC236}">
-                <a16:creationId xmlns="" xmlns:a16="http://schemas.microsoft.com/office/drawing/2014/main" id="{5C771742-C17A-0D40-3B69-3A2C56008BD0}"/>
+                <a16:creationId xmlns:a16="http://schemas.microsoft.com/office/drawing/2014/main" id="{5C771742-C17A-0D40-3B69-3A2C56008BD0}"/>
               </a:ext>
             </a:extLst>
           </p:cNvPr>
@@ -30106,7 +30074,7 @@
           <p:cNvPr id="32" name="TextBox 31">
             <a:extLst>
               <a:ext uri="{FF2B5EF4-FFF2-40B4-BE49-F238E27FC236}">
-                <a16:creationId xmlns="" xmlns:a16="http://schemas.microsoft.com/office/drawing/2014/main" id="{DD00BD43-0250-B3D9-49D0-B0DFAD56C193}"/>
+                <a16:creationId xmlns:a16="http://schemas.microsoft.com/office/drawing/2014/main" id="{DD00BD43-0250-B3D9-49D0-B0DFAD56C193}"/>
               </a:ext>
             </a:extLst>
           </p:cNvPr>
@@ -30147,7 +30115,7 @@
           <p:cNvPr id="33" name="TextBox 32">
             <a:extLst>
               <a:ext uri="{FF2B5EF4-FFF2-40B4-BE49-F238E27FC236}">
-                <a16:creationId xmlns="" xmlns:a16="http://schemas.microsoft.com/office/drawing/2014/main" id="{ED079721-F936-F673-44F3-C99E8C84C06C}"/>
+                <a16:creationId xmlns:a16="http://schemas.microsoft.com/office/drawing/2014/main" id="{ED079721-F936-F673-44F3-C99E8C84C06C}"/>
               </a:ext>
             </a:extLst>
           </p:cNvPr>
@@ -30188,7 +30156,7 @@
           <p:cNvPr id="34" name="TextBox 33">
             <a:extLst>
               <a:ext uri="{FF2B5EF4-FFF2-40B4-BE49-F238E27FC236}">
-                <a16:creationId xmlns="" xmlns:a16="http://schemas.microsoft.com/office/drawing/2014/main" id="{D925FB5E-792F-9FDD-BD3E-99CFCEBA20D3}"/>
+                <a16:creationId xmlns:a16="http://schemas.microsoft.com/office/drawing/2014/main" id="{D925FB5E-792F-9FDD-BD3E-99CFCEBA20D3}"/>
               </a:ext>
             </a:extLst>
           </p:cNvPr>
@@ -30229,7 +30197,7 @@
           <p:cNvPr id="35" name="TextBox 34">
             <a:extLst>
               <a:ext uri="{FF2B5EF4-FFF2-40B4-BE49-F238E27FC236}">
-                <a16:creationId xmlns="" xmlns:a16="http://schemas.microsoft.com/office/drawing/2014/main" id="{DF6AA7ED-5665-8EF9-3A66-AC8A2C361B48}"/>
+                <a16:creationId xmlns:a16="http://schemas.microsoft.com/office/drawing/2014/main" id="{DF6AA7ED-5665-8EF9-3A66-AC8A2C361B48}"/>
               </a:ext>
             </a:extLst>
           </p:cNvPr>
@@ -31201,7 +31169,7 @@
           <p:cNvPr id="4" name="TextBox 3">
             <a:extLst>
               <a:ext uri="{FF2B5EF4-FFF2-40B4-BE49-F238E27FC236}">
-                <a16:creationId xmlns="" xmlns:a16="http://schemas.microsoft.com/office/drawing/2014/main" id="{DF7DDD33-9412-2802-339A-E55446AC2DA7}"/>
+                <a16:creationId xmlns:a16="http://schemas.microsoft.com/office/drawing/2014/main" id="{DF7DDD33-9412-2802-339A-E55446AC2DA7}"/>
               </a:ext>
             </a:extLst>
           </p:cNvPr>
@@ -31299,7 +31267,7 @@
           <p:cNvPr id="5" name="그림 4">
             <a:extLst>
               <a:ext uri="{FF2B5EF4-FFF2-40B4-BE49-F238E27FC236}">
-                <a16:creationId xmlns="" xmlns:a16="http://schemas.microsoft.com/office/drawing/2014/main" id="{CEE2DE3F-058D-C522-8D11-5AB0CCBF2B08}"/>
+                <a16:creationId xmlns:a16="http://schemas.microsoft.com/office/drawing/2014/main" id="{CEE2DE3F-058D-C522-8D11-5AB0CCBF2B08}"/>
               </a:ext>
             </a:extLst>
           </p:cNvPr>
@@ -31329,7 +31297,7 @@
           <p:cNvPr id="6" name="직선 화살표 연결선 5">
             <a:extLst>
               <a:ext uri="{FF2B5EF4-FFF2-40B4-BE49-F238E27FC236}">
-                <a16:creationId xmlns="" xmlns:a16="http://schemas.microsoft.com/office/drawing/2014/main" id="{DACE99B5-2B6E-2D61-1FA2-17305EEC34F4}"/>
+                <a16:creationId xmlns:a16="http://schemas.microsoft.com/office/drawing/2014/main" id="{DACE99B5-2B6E-2D61-1FA2-17305EEC34F4}"/>
               </a:ext>
             </a:extLst>
           </p:cNvPr>
@@ -31370,7 +31338,7 @@
           <p:cNvPr id="7" name="직사각형 6">
             <a:extLst>
               <a:ext uri="{FF2B5EF4-FFF2-40B4-BE49-F238E27FC236}">
-                <a16:creationId xmlns="" xmlns:a16="http://schemas.microsoft.com/office/drawing/2014/main" id="{4469FA68-206D-3A87-3872-B35D14D8136C}"/>
+                <a16:creationId xmlns:a16="http://schemas.microsoft.com/office/drawing/2014/main" id="{4469FA68-206D-3A87-3872-B35D14D8136C}"/>
               </a:ext>
             </a:extLst>
           </p:cNvPr>
@@ -31422,7 +31390,7 @@
           <p:cNvPr id="8" name="TextBox 7">
             <a:extLst>
               <a:ext uri="{FF2B5EF4-FFF2-40B4-BE49-F238E27FC236}">
-                <a16:creationId xmlns="" xmlns:a16="http://schemas.microsoft.com/office/drawing/2014/main" id="{3639943C-2D6D-9CBF-67F7-16ADE685FFFB}"/>
+                <a16:creationId xmlns:a16="http://schemas.microsoft.com/office/drawing/2014/main" id="{3639943C-2D6D-9CBF-67F7-16ADE685FFFB}"/>
               </a:ext>
             </a:extLst>
           </p:cNvPr>
@@ -31528,13 +31496,6 @@
   <p:clrMapOvr>
     <a:masterClrMapping/>
   </p:clrMapOvr>
-  <p:timing>
-    <p:tnLst>
-      <p:par>
-        <p:cTn id="1" dur="indefinite" restart="never" nodeType="tmRoot"/>
-      </p:par>
-    </p:tnLst>
-  </p:timing>
 </p:sld>
 </file>
 
@@ -31560,7 +31521,7 @@
           <p:cNvPr id="24" name="그림 23">
             <a:extLst>
               <a:ext uri="{FF2B5EF4-FFF2-40B4-BE49-F238E27FC236}">
-                <a16:creationId xmlns="" xmlns:a16="http://schemas.microsoft.com/office/drawing/2014/main" id="{253C9234-233D-2B45-BDE3-4715CDA6F520}"/>
+                <a16:creationId xmlns:a16="http://schemas.microsoft.com/office/drawing/2014/main" id="{253C9234-233D-2B45-BDE3-4715CDA6F520}"/>
               </a:ext>
             </a:extLst>
           </p:cNvPr>
@@ -31590,7 +31551,7 @@
           <p:cNvPr id="4" name="TextBox 3">
             <a:extLst>
               <a:ext uri="{FF2B5EF4-FFF2-40B4-BE49-F238E27FC236}">
-                <a16:creationId xmlns="" xmlns:a16="http://schemas.microsoft.com/office/drawing/2014/main" id="{1001AA19-EB49-83CD-69C8-9716F9EF3D96}"/>
+                <a16:creationId xmlns:a16="http://schemas.microsoft.com/office/drawing/2014/main" id="{1001AA19-EB49-83CD-69C8-9716F9EF3D96}"/>
               </a:ext>
             </a:extLst>
           </p:cNvPr>
@@ -31638,7 +31599,7 @@
           <p:cNvPr id="5" name="TextBox 4">
             <a:extLst>
               <a:ext uri="{FF2B5EF4-FFF2-40B4-BE49-F238E27FC236}">
-                <a16:creationId xmlns="" xmlns:a16="http://schemas.microsoft.com/office/drawing/2014/main" id="{7E939D8B-373F-458C-69BF-5BFA8EABD4A8}"/>
+                <a16:creationId xmlns:a16="http://schemas.microsoft.com/office/drawing/2014/main" id="{7E939D8B-373F-458C-69BF-5BFA8EABD4A8}"/>
               </a:ext>
             </a:extLst>
           </p:cNvPr>
@@ -31760,7 +31721,7 @@
           <p:cNvPr id="10" name="직선 화살표 연결선 9">
             <a:extLst>
               <a:ext uri="{FF2B5EF4-FFF2-40B4-BE49-F238E27FC236}">
-                <a16:creationId xmlns="" xmlns:a16="http://schemas.microsoft.com/office/drawing/2014/main" id="{9F202F4A-2F19-E98B-17D7-D60E83B7D3B1}"/>
+                <a16:creationId xmlns:a16="http://schemas.microsoft.com/office/drawing/2014/main" id="{9F202F4A-2F19-E98B-17D7-D60E83B7D3B1}"/>
               </a:ext>
             </a:extLst>
           </p:cNvPr>
@@ -31801,7 +31762,7 @@
           <p:cNvPr id="11" name="직사각형 10">
             <a:extLst>
               <a:ext uri="{FF2B5EF4-FFF2-40B4-BE49-F238E27FC236}">
-                <a16:creationId xmlns="" xmlns:a16="http://schemas.microsoft.com/office/drawing/2014/main" id="{16D82765-091C-9A16-BCA1-DAF404C058B8}"/>
+                <a16:creationId xmlns:a16="http://schemas.microsoft.com/office/drawing/2014/main" id="{16D82765-091C-9A16-BCA1-DAF404C058B8}"/>
               </a:ext>
             </a:extLst>
           </p:cNvPr>
@@ -31853,7 +31814,7 @@
           <p:cNvPr id="12" name="TextBox 11">
             <a:extLst>
               <a:ext uri="{FF2B5EF4-FFF2-40B4-BE49-F238E27FC236}">
-                <a16:creationId xmlns="" xmlns:a16="http://schemas.microsoft.com/office/drawing/2014/main" id="{09A473CF-93CE-C5F5-C3C1-2013620AC2D2}"/>
+                <a16:creationId xmlns:a16="http://schemas.microsoft.com/office/drawing/2014/main" id="{09A473CF-93CE-C5F5-C3C1-2013620AC2D2}"/>
               </a:ext>
             </a:extLst>
           </p:cNvPr>
@@ -31901,7 +31862,7 @@
           <p:cNvPr id="14" name="직선 화살표 연결선 13">
             <a:extLst>
               <a:ext uri="{FF2B5EF4-FFF2-40B4-BE49-F238E27FC236}">
-                <a16:creationId xmlns="" xmlns:a16="http://schemas.microsoft.com/office/drawing/2014/main" id="{37C134AC-B056-F261-4166-6DECF03F86B0}"/>
+                <a16:creationId xmlns:a16="http://schemas.microsoft.com/office/drawing/2014/main" id="{37C134AC-B056-F261-4166-6DECF03F86B0}"/>
               </a:ext>
             </a:extLst>
           </p:cNvPr>
@@ -31942,7 +31903,7 @@
           <p:cNvPr id="15" name="직사각형 14">
             <a:extLst>
               <a:ext uri="{FF2B5EF4-FFF2-40B4-BE49-F238E27FC236}">
-                <a16:creationId xmlns="" xmlns:a16="http://schemas.microsoft.com/office/drawing/2014/main" id="{FCE6D1B2-A592-84B9-6F0D-48A1EB40288A}"/>
+                <a16:creationId xmlns:a16="http://schemas.microsoft.com/office/drawing/2014/main" id="{FCE6D1B2-A592-84B9-6F0D-48A1EB40288A}"/>
               </a:ext>
             </a:extLst>
           </p:cNvPr>
@@ -31994,7 +31955,7 @@
           <p:cNvPr id="16" name="TextBox 15">
             <a:extLst>
               <a:ext uri="{FF2B5EF4-FFF2-40B4-BE49-F238E27FC236}">
-                <a16:creationId xmlns="" xmlns:a16="http://schemas.microsoft.com/office/drawing/2014/main" id="{B508FE84-70CF-B7F2-9D30-242856A55685}"/>
+                <a16:creationId xmlns:a16="http://schemas.microsoft.com/office/drawing/2014/main" id="{B508FE84-70CF-B7F2-9D30-242856A55685}"/>
               </a:ext>
             </a:extLst>
           </p:cNvPr>
@@ -32062,7 +32023,7 @@
           <p:cNvPr id="17" name="직선 화살표 연결선 16">
             <a:extLst>
               <a:ext uri="{FF2B5EF4-FFF2-40B4-BE49-F238E27FC236}">
-                <a16:creationId xmlns="" xmlns:a16="http://schemas.microsoft.com/office/drawing/2014/main" id="{50CD9ED6-2484-6806-EFE3-47FC9B9C53AC}"/>
+                <a16:creationId xmlns:a16="http://schemas.microsoft.com/office/drawing/2014/main" id="{50CD9ED6-2484-6806-EFE3-47FC9B9C53AC}"/>
               </a:ext>
             </a:extLst>
           </p:cNvPr>
@@ -32103,7 +32064,7 @@
           <p:cNvPr id="18" name="직사각형 17">
             <a:extLst>
               <a:ext uri="{FF2B5EF4-FFF2-40B4-BE49-F238E27FC236}">
-                <a16:creationId xmlns="" xmlns:a16="http://schemas.microsoft.com/office/drawing/2014/main" id="{A9460056-5F7E-CBAE-0178-6A4DDFB4983E}"/>
+                <a16:creationId xmlns:a16="http://schemas.microsoft.com/office/drawing/2014/main" id="{A9460056-5F7E-CBAE-0178-6A4DDFB4983E}"/>
               </a:ext>
             </a:extLst>
           </p:cNvPr>
@@ -32155,7 +32116,7 @@
           <p:cNvPr id="19" name="TextBox 18">
             <a:extLst>
               <a:ext uri="{FF2B5EF4-FFF2-40B4-BE49-F238E27FC236}">
-                <a16:creationId xmlns="" xmlns:a16="http://schemas.microsoft.com/office/drawing/2014/main" id="{72A02F68-954B-3873-F0E9-85464875A691}"/>
+                <a16:creationId xmlns:a16="http://schemas.microsoft.com/office/drawing/2014/main" id="{72A02F68-954B-3873-F0E9-85464875A691}"/>
               </a:ext>
             </a:extLst>
           </p:cNvPr>
@@ -32203,7 +32164,7 @@
           <p:cNvPr id="20" name="직선 화살표 연결선 19">
             <a:extLst>
               <a:ext uri="{FF2B5EF4-FFF2-40B4-BE49-F238E27FC236}">
-                <a16:creationId xmlns="" xmlns:a16="http://schemas.microsoft.com/office/drawing/2014/main" id="{FA904C2A-F419-20D6-F26E-879577D2F4A1}"/>
+                <a16:creationId xmlns:a16="http://schemas.microsoft.com/office/drawing/2014/main" id="{FA904C2A-F419-20D6-F26E-879577D2F4A1}"/>
               </a:ext>
             </a:extLst>
           </p:cNvPr>
@@ -32244,7 +32205,7 @@
           <p:cNvPr id="21" name="직사각형 20">
             <a:extLst>
               <a:ext uri="{FF2B5EF4-FFF2-40B4-BE49-F238E27FC236}">
-                <a16:creationId xmlns="" xmlns:a16="http://schemas.microsoft.com/office/drawing/2014/main" id="{B69DBF7A-885F-D633-7CD6-79B3CCDD0DC9}"/>
+                <a16:creationId xmlns:a16="http://schemas.microsoft.com/office/drawing/2014/main" id="{B69DBF7A-885F-D633-7CD6-79B3CCDD0DC9}"/>
               </a:ext>
             </a:extLst>
           </p:cNvPr>
@@ -32296,7 +32257,7 @@
           <p:cNvPr id="22" name="TextBox 21">
             <a:extLst>
               <a:ext uri="{FF2B5EF4-FFF2-40B4-BE49-F238E27FC236}">
-                <a16:creationId xmlns="" xmlns:a16="http://schemas.microsoft.com/office/drawing/2014/main" id="{E961A43C-5328-47FE-9361-8032ACFDDE1D}"/>
+                <a16:creationId xmlns:a16="http://schemas.microsoft.com/office/drawing/2014/main" id="{E961A43C-5328-47FE-9361-8032ACFDDE1D}"/>
               </a:ext>
             </a:extLst>
           </p:cNvPr>
@@ -32377,7 +32338,7 @@
           <p:cNvPr id="28" name="직선 화살표 연결선 27">
             <a:extLst>
               <a:ext uri="{FF2B5EF4-FFF2-40B4-BE49-F238E27FC236}">
-                <a16:creationId xmlns="" xmlns:a16="http://schemas.microsoft.com/office/drawing/2014/main" id="{8206E367-7BF3-41C1-5304-E8237D3E4725}"/>
+                <a16:creationId xmlns:a16="http://schemas.microsoft.com/office/drawing/2014/main" id="{8206E367-7BF3-41C1-5304-E8237D3E4725}"/>
               </a:ext>
             </a:extLst>
           </p:cNvPr>
@@ -32418,7 +32379,7 @@
           <p:cNvPr id="29" name="직사각형 28">
             <a:extLst>
               <a:ext uri="{FF2B5EF4-FFF2-40B4-BE49-F238E27FC236}">
-                <a16:creationId xmlns="" xmlns:a16="http://schemas.microsoft.com/office/drawing/2014/main" id="{CB1753CB-2DBE-5169-310F-67C4DE02622D}"/>
+                <a16:creationId xmlns:a16="http://schemas.microsoft.com/office/drawing/2014/main" id="{CB1753CB-2DBE-5169-310F-67C4DE02622D}"/>
               </a:ext>
             </a:extLst>
           </p:cNvPr>
@@ -32470,7 +32431,7 @@
           <p:cNvPr id="30" name="TextBox 29">
             <a:extLst>
               <a:ext uri="{FF2B5EF4-FFF2-40B4-BE49-F238E27FC236}">
-                <a16:creationId xmlns="" xmlns:a16="http://schemas.microsoft.com/office/drawing/2014/main" id="{C7B1E8B8-920B-F182-7A54-4EC4C49D4C67}"/>
+                <a16:creationId xmlns:a16="http://schemas.microsoft.com/office/drawing/2014/main" id="{C7B1E8B8-920B-F182-7A54-4EC4C49D4C67}"/>
               </a:ext>
             </a:extLst>
           </p:cNvPr>
@@ -32543,7 +32504,7 @@
           <p:cNvPr id="32" name="그림 31">
             <a:extLst>
               <a:ext uri="{FF2B5EF4-FFF2-40B4-BE49-F238E27FC236}">
-                <a16:creationId xmlns="" xmlns:a16="http://schemas.microsoft.com/office/drawing/2014/main" id="{53FF96D3-B2CF-234B-D580-E9BD7020DD00}"/>
+                <a16:creationId xmlns:a16="http://schemas.microsoft.com/office/drawing/2014/main" id="{53FF96D3-B2CF-234B-D580-E9BD7020DD00}"/>
               </a:ext>
             </a:extLst>
           </p:cNvPr>
@@ -33140,7 +33101,7 @@
           <p:cNvPr id="2" name="TextBox 1">
             <a:extLst>
               <a:ext uri="{FF2B5EF4-FFF2-40B4-BE49-F238E27FC236}">
-                <a16:creationId xmlns="" xmlns:a16="http://schemas.microsoft.com/office/drawing/2014/main" id="{1001AA19-EB49-83CD-69C8-9716F9EF3D96}"/>
+                <a16:creationId xmlns:a16="http://schemas.microsoft.com/office/drawing/2014/main" id="{1001AA19-EB49-83CD-69C8-9716F9EF3D96}"/>
               </a:ext>
             </a:extLst>
           </p:cNvPr>
@@ -33164,7 +33125,7 @@
           <a:lstStyle/>
           <a:p>
             <a:r>
-              <a:rPr lang="ko-KR" altLang="en-US" sz="4800" smtClean="0">
+              <a:rPr lang="ko-KR" altLang="en-US" sz="4800">
                 <a:solidFill>
                   <a:srgbClr val="4C50BC"/>
                 </a:solidFill>
@@ -33188,7 +33149,7 @@
           <p:cNvPr id="3" name="TextBox 2">
             <a:extLst>
               <a:ext uri="{FF2B5EF4-FFF2-40B4-BE49-F238E27FC236}">
-                <a16:creationId xmlns="" xmlns:a16="http://schemas.microsoft.com/office/drawing/2014/main" id="{7E939D8B-373F-458C-69BF-5BFA8EABD4A8}"/>
+                <a16:creationId xmlns:a16="http://schemas.microsoft.com/office/drawing/2014/main" id="{7E939D8B-373F-458C-69BF-5BFA8EABD4A8}"/>
               </a:ext>
             </a:extLst>
           </p:cNvPr>
@@ -33215,7 +33176,7 @@
               <a:buAutoNum type="arabicPeriod"/>
             </a:pPr>
             <a:r>
-              <a:rPr lang="ko-KR" altLang="en-US" sz="4000" smtClean="0">
+              <a:rPr lang="ko-KR" altLang="en-US" sz="4000">
                 <a:solidFill>
                   <a:schemeClr val="tx1">
                     <a:lumMod val="50000"/>
@@ -33227,7 +33188,7 @@
               </a:rPr>
               <a:t>매개변수의 개수를 지정하지 않는것</a:t>
             </a:r>
-            <a:endParaRPr lang="en-US" altLang="ko-KR" sz="4000" smtClean="0">
+            <a:endParaRPr lang="en-US" altLang="ko-KR" sz="4000">
               <a:solidFill>
                 <a:schemeClr val="tx1">
                   <a:lumMod val="50000"/>
@@ -33243,7 +33204,7 @@
               <a:buAutoNum type="arabicPeriod"/>
             </a:pPr>
             <a:r>
-              <a:rPr lang="en-US" altLang="ko-KR" sz="4000" smtClean="0">
+              <a:rPr lang="en-US" altLang="ko-KR" sz="4000">
                 <a:solidFill>
                   <a:schemeClr val="tx1">
                     <a:lumMod val="50000"/>
@@ -33256,7 +33217,7 @@
               <a:t>JDK1.5 </a:t>
             </a:r>
             <a:r>
-              <a:rPr lang="ko-KR" altLang="en-US" sz="4000" smtClean="0">
+              <a:rPr lang="ko-KR" altLang="en-US" sz="4000">
                 <a:solidFill>
                   <a:schemeClr val="tx1">
                     <a:lumMod val="50000"/>
@@ -33334,7 +33295,7 @@
           <p:cNvPr id="6" name="직선 화살표 연결선 5">
             <a:extLst>
               <a:ext uri="{FF2B5EF4-FFF2-40B4-BE49-F238E27FC236}">
-                <a16:creationId xmlns="" xmlns:a16="http://schemas.microsoft.com/office/drawing/2014/main" id="{299DF5EC-9DF4-5255-06AC-0A7CE4FF58C3}"/>
+                <a16:creationId xmlns:a16="http://schemas.microsoft.com/office/drawing/2014/main" id="{299DF5EC-9DF4-5255-06AC-0A7CE4FF58C3}"/>
               </a:ext>
             </a:extLst>
           </p:cNvPr>
@@ -33375,7 +33336,7 @@
           <p:cNvPr id="7" name="직사각형 6">
             <a:extLst>
               <a:ext uri="{FF2B5EF4-FFF2-40B4-BE49-F238E27FC236}">
-                <a16:creationId xmlns="" xmlns:a16="http://schemas.microsoft.com/office/drawing/2014/main" id="{FFF506F9-840A-0508-4CAF-3AC711D8D5CE}"/>
+                <a16:creationId xmlns:a16="http://schemas.microsoft.com/office/drawing/2014/main" id="{FFF506F9-840A-0508-4CAF-3AC711D8D5CE}"/>
               </a:ext>
             </a:extLst>
           </p:cNvPr>
@@ -33427,7 +33388,7 @@
           <p:cNvPr id="8" name="TextBox 7">
             <a:extLst>
               <a:ext uri="{FF2B5EF4-FFF2-40B4-BE49-F238E27FC236}">
-                <a16:creationId xmlns="" xmlns:a16="http://schemas.microsoft.com/office/drawing/2014/main" id="{C6D113C6-EA5C-788F-0C77-E7CE6EBB865F}"/>
+                <a16:creationId xmlns:a16="http://schemas.microsoft.com/office/drawing/2014/main" id="{C6D113C6-EA5C-788F-0C77-E7CE6EBB865F}"/>
               </a:ext>
             </a:extLst>
           </p:cNvPr>
@@ -33451,7 +33412,7 @@
           <a:lstStyle/>
           <a:p>
             <a:r>
-              <a:rPr lang="ko-KR" altLang="en-US" sz="4000" smtClean="0">
+              <a:rPr lang="ko-KR" altLang="en-US" sz="4000">
                 <a:solidFill>
                   <a:srgbClr val="FF0000"/>
                 </a:solidFill>
@@ -33461,7 +33422,7 @@
               <a:t>배열로 생성되며 배열의 길이는 호출하는쪽에서 인수</a:t>
             </a:r>
             <a:r>
-              <a:rPr lang="en-US" altLang="ko-KR" sz="4000" smtClean="0">
+              <a:rPr lang="en-US" altLang="ko-KR" sz="4000">
                 <a:solidFill>
                   <a:srgbClr val="FF0000"/>
                 </a:solidFill>
@@ -33471,7 +33432,7 @@
               <a:t>(argument)</a:t>
             </a:r>
             <a:r>
-              <a:rPr lang="ko-KR" altLang="en-US" sz="4000" smtClean="0">
+              <a:rPr lang="ko-KR" altLang="en-US" sz="4000">
                 <a:solidFill>
                   <a:srgbClr val="FF0000"/>
                 </a:solidFill>
@@ -33481,7 +33442,7 @@
               <a:t>의 개수로 정해진다</a:t>
             </a:r>
             <a:r>
-              <a:rPr lang="en-US" altLang="ko-KR" sz="4000" smtClean="0">
+              <a:rPr lang="en-US" altLang="ko-KR" sz="4000">
                 <a:solidFill>
                   <a:srgbClr val="FF0000"/>
                 </a:solidFill>
@@ -33510,13 +33471,6 @@
   <p:clrMapOvr>
     <a:masterClrMapping/>
   </p:clrMapOvr>
-  <p:timing>
-    <p:tnLst>
-      <p:par>
-        <p:cTn id="1" dur="indefinite" restart="never" nodeType="tmRoot"/>
-      </p:par>
-    </p:tnLst>
-  </p:timing>
 </p:sld>
 </file>
 
@@ -33566,7 +33520,7 @@
           <p:cNvPr id="5" name="직선 화살표 연결선 4">
             <a:extLst>
               <a:ext uri="{FF2B5EF4-FFF2-40B4-BE49-F238E27FC236}">
-                <a16:creationId xmlns="" xmlns:a16="http://schemas.microsoft.com/office/drawing/2014/main" id="{299DF5EC-9DF4-5255-06AC-0A7CE4FF58C3}"/>
+                <a16:creationId xmlns:a16="http://schemas.microsoft.com/office/drawing/2014/main" id="{299DF5EC-9DF4-5255-06AC-0A7CE4FF58C3}"/>
               </a:ext>
             </a:extLst>
           </p:cNvPr>
@@ -33607,7 +33561,7 @@
           <p:cNvPr id="6" name="직사각형 5">
             <a:extLst>
               <a:ext uri="{FF2B5EF4-FFF2-40B4-BE49-F238E27FC236}">
-                <a16:creationId xmlns="" xmlns:a16="http://schemas.microsoft.com/office/drawing/2014/main" id="{FFF506F9-840A-0508-4CAF-3AC711D8D5CE}"/>
+                <a16:creationId xmlns:a16="http://schemas.microsoft.com/office/drawing/2014/main" id="{FFF506F9-840A-0508-4CAF-3AC711D8D5CE}"/>
               </a:ext>
             </a:extLst>
           </p:cNvPr>
@@ -33659,7 +33613,7 @@
           <p:cNvPr id="7" name="TextBox 6">
             <a:extLst>
               <a:ext uri="{FF2B5EF4-FFF2-40B4-BE49-F238E27FC236}">
-                <a16:creationId xmlns="" xmlns:a16="http://schemas.microsoft.com/office/drawing/2014/main" id="{C6D113C6-EA5C-788F-0C77-E7CE6EBB865F}"/>
+                <a16:creationId xmlns:a16="http://schemas.microsoft.com/office/drawing/2014/main" id="{C6D113C6-EA5C-788F-0C77-E7CE6EBB865F}"/>
               </a:ext>
             </a:extLst>
           </p:cNvPr>
@@ -33683,7 +33637,7 @@
           <a:lstStyle/>
           <a:p>
             <a:r>
-              <a:rPr lang="en-US" altLang="ko-KR" sz="4000" smtClean="0">
+              <a:rPr lang="en-US" altLang="ko-KR" sz="4000">
                 <a:solidFill>
                   <a:srgbClr val="FF0000"/>
                 </a:solidFill>
@@ -33693,7 +33647,7 @@
               <a:t>add(32,12) </a:t>
             </a:r>
             <a:r>
-              <a:rPr lang="ko-KR" altLang="en-US" sz="4000" smtClean="0">
+              <a:rPr lang="ko-KR" altLang="en-US" sz="4000">
                 <a:solidFill>
                   <a:srgbClr val="FF0000"/>
                 </a:solidFill>
@@ -33703,7 +33657,7 @@
               <a:t>호출 했을때 </a:t>
             </a:r>
             <a:r>
-              <a:rPr lang="en-US" altLang="ko-KR" sz="4000" smtClean="0">
+              <a:rPr lang="en-US" altLang="ko-KR" sz="4000">
                 <a:solidFill>
                   <a:srgbClr val="FF0000"/>
                 </a:solidFill>
@@ -33713,7 +33667,7 @@
               <a:t>12</a:t>
             </a:r>
             <a:r>
-              <a:rPr lang="ko-KR" altLang="en-US" sz="4000" smtClean="0">
+              <a:rPr lang="ko-KR" altLang="en-US" sz="4000">
                 <a:solidFill>
                   <a:srgbClr val="FF0000"/>
                 </a:solidFill>
@@ -33723,7 +33677,7 @@
               <a:t>가 </a:t>
             </a:r>
             <a:r>
-              <a:rPr lang="en-US" altLang="ko-KR" sz="4000" smtClean="0">
+              <a:rPr lang="en-US" altLang="ko-KR" sz="4000">
                 <a:solidFill>
                   <a:srgbClr val="FF0000"/>
                 </a:solidFill>
@@ -33733,7 +33687,7 @@
               <a:t>n </a:t>
             </a:r>
             <a:r>
-              <a:rPr lang="ko-KR" altLang="en-US" sz="4000" smtClean="0">
+              <a:rPr lang="ko-KR" altLang="en-US" sz="4000">
                 <a:solidFill>
                   <a:srgbClr val="FF0000"/>
                 </a:solidFill>
@@ -33743,7 +33697,7 @@
               <a:t>인지 </a:t>
             </a:r>
             <a:r>
-              <a:rPr lang="en-US" altLang="ko-KR" sz="4000" smtClean="0">
+              <a:rPr lang="en-US" altLang="ko-KR" sz="4000">
                 <a:solidFill>
                   <a:srgbClr val="FF0000"/>
                 </a:solidFill>
@@ -33753,7 +33707,7 @@
               <a:t>a </a:t>
             </a:r>
             <a:r>
-              <a:rPr lang="ko-KR" altLang="en-US" sz="4000" smtClean="0">
+              <a:rPr lang="ko-KR" altLang="en-US" sz="4000">
                 <a:solidFill>
                   <a:srgbClr val="FF0000"/>
                 </a:solidFill>
@@ -33763,7 +33717,7 @@
               <a:t>인지 불분명 하다</a:t>
             </a:r>
             <a:r>
-              <a:rPr lang="en-US" altLang="ko-KR" sz="4000" smtClean="0">
+              <a:rPr lang="en-US" altLang="ko-KR" sz="4000">
                 <a:solidFill>
                   <a:srgbClr val="FF0000"/>
                 </a:solidFill>
@@ -33773,7 +33727,7 @@
               <a:t>.</a:t>
             </a:r>
             <a:r>
-              <a:rPr lang="ko-KR" altLang="en-US" sz="4000" smtClean="0">
+              <a:rPr lang="ko-KR" altLang="en-US" sz="4000">
                 <a:solidFill>
                   <a:srgbClr val="FF0000"/>
                 </a:solidFill>
@@ -33831,7 +33785,7 @@
           <p:cNvPr id="11" name="직선 화살표 연결선 10">
             <a:extLst>
               <a:ext uri="{FF2B5EF4-FFF2-40B4-BE49-F238E27FC236}">
-                <a16:creationId xmlns="" xmlns:a16="http://schemas.microsoft.com/office/drawing/2014/main" id="{299DF5EC-9DF4-5255-06AC-0A7CE4FF58C3}"/>
+                <a16:creationId xmlns:a16="http://schemas.microsoft.com/office/drawing/2014/main" id="{299DF5EC-9DF4-5255-06AC-0A7CE4FF58C3}"/>
               </a:ext>
             </a:extLst>
           </p:cNvPr>
@@ -33872,7 +33826,7 @@
           <p:cNvPr id="13" name="TextBox 12">
             <a:extLst>
               <a:ext uri="{FF2B5EF4-FFF2-40B4-BE49-F238E27FC236}">
-                <a16:creationId xmlns="" xmlns:a16="http://schemas.microsoft.com/office/drawing/2014/main" id="{C6D113C6-EA5C-788F-0C77-E7CE6EBB865F}"/>
+                <a16:creationId xmlns:a16="http://schemas.microsoft.com/office/drawing/2014/main" id="{C6D113C6-EA5C-788F-0C77-E7CE6EBB865F}"/>
               </a:ext>
             </a:extLst>
           </p:cNvPr>
@@ -33896,7 +33850,7 @@
           <a:lstStyle/>
           <a:p>
             <a:r>
-              <a:rPr lang="ko-KR" altLang="en-US" sz="4000" smtClean="0">
+              <a:rPr lang="ko-KR" altLang="en-US" sz="4000">
                 <a:solidFill>
                   <a:srgbClr val="FF0000"/>
                 </a:solidFill>
@@ -33906,7 +33860,7 @@
               <a:t>혼란을 방지하기 위해 가변인자는 항상 마지막에 위치해야 한다</a:t>
             </a:r>
             <a:r>
-              <a:rPr lang="en-US" altLang="ko-KR" sz="4000" smtClean="0">
+              <a:rPr lang="en-US" altLang="ko-KR" sz="4000">
                 <a:solidFill>
                   <a:srgbClr val="FF0000"/>
                 </a:solidFill>
@@ -33954,7 +33908,7 @@
           <p:cNvPr id="15" name="직선 화살표 연결선 14">
             <a:extLst>
               <a:ext uri="{FF2B5EF4-FFF2-40B4-BE49-F238E27FC236}">
-                <a16:creationId xmlns="" xmlns:a16="http://schemas.microsoft.com/office/drawing/2014/main" id="{299DF5EC-9DF4-5255-06AC-0A7CE4FF58C3}"/>
+                <a16:creationId xmlns:a16="http://schemas.microsoft.com/office/drawing/2014/main" id="{299DF5EC-9DF4-5255-06AC-0A7CE4FF58C3}"/>
               </a:ext>
             </a:extLst>
           </p:cNvPr>
@@ -33995,7 +33949,7 @@
           <p:cNvPr id="16" name="TextBox 15">
             <a:extLst>
               <a:ext uri="{FF2B5EF4-FFF2-40B4-BE49-F238E27FC236}">
-                <a16:creationId xmlns="" xmlns:a16="http://schemas.microsoft.com/office/drawing/2014/main" id="{C6D113C6-EA5C-788F-0C77-E7CE6EBB865F}"/>
+                <a16:creationId xmlns:a16="http://schemas.microsoft.com/office/drawing/2014/main" id="{C6D113C6-EA5C-788F-0C77-E7CE6EBB865F}"/>
               </a:ext>
             </a:extLst>
           </p:cNvPr>
@@ -34019,7 +33973,7 @@
           <a:lstStyle/>
           <a:p>
             <a:r>
-              <a:rPr lang="ko-KR" altLang="en-US" sz="4000" smtClean="0">
+              <a:rPr lang="ko-KR" altLang="en-US" sz="4000">
                 <a:solidFill>
                   <a:srgbClr val="FF0000"/>
                 </a:solidFill>
@@ -34029,7 +33983,7 @@
               <a:t>길이</a:t>
             </a:r>
             <a:r>
-              <a:rPr lang="en-US" altLang="ko-KR" sz="4000" smtClean="0">
+              <a:rPr lang="en-US" altLang="ko-KR" sz="4000">
                 <a:solidFill>
                   <a:srgbClr val="FF0000"/>
                 </a:solidFill>
@@ -34039,7 +33993,7 @@
               <a:t>0 </a:t>
             </a:r>
             <a:r>
-              <a:rPr lang="ko-KR" altLang="en-US" sz="4000" smtClean="0">
+              <a:rPr lang="ko-KR" altLang="en-US" sz="4000">
                 <a:solidFill>
                   <a:srgbClr val="FF0000"/>
                 </a:solidFill>
@@ -34049,7 +34003,7 @@
               <a:t>배열이 만들어진다</a:t>
             </a:r>
             <a:r>
-              <a:rPr lang="en-US" altLang="ko-KR" sz="4000" smtClean="0">
+              <a:rPr lang="en-US" altLang="ko-KR" sz="4000">
                 <a:solidFill>
                   <a:srgbClr val="FF0000"/>
                 </a:solidFill>
@@ -34121,7 +34075,7 @@
           <p:cNvPr id="19" name="직선 화살표 연결선 18">
             <a:extLst>
               <a:ext uri="{FF2B5EF4-FFF2-40B4-BE49-F238E27FC236}">
-                <a16:creationId xmlns="" xmlns:a16="http://schemas.microsoft.com/office/drawing/2014/main" id="{299DF5EC-9DF4-5255-06AC-0A7CE4FF58C3}"/>
+                <a16:creationId xmlns:a16="http://schemas.microsoft.com/office/drawing/2014/main" id="{299DF5EC-9DF4-5255-06AC-0A7CE4FF58C3}"/>
               </a:ext>
             </a:extLst>
           </p:cNvPr>
@@ -34162,7 +34116,7 @@
           <p:cNvPr id="20" name="TextBox 19">
             <a:extLst>
               <a:ext uri="{FF2B5EF4-FFF2-40B4-BE49-F238E27FC236}">
-                <a16:creationId xmlns="" xmlns:a16="http://schemas.microsoft.com/office/drawing/2014/main" id="{C6D113C6-EA5C-788F-0C77-E7CE6EBB865F}"/>
+                <a16:creationId xmlns:a16="http://schemas.microsoft.com/office/drawing/2014/main" id="{C6D113C6-EA5C-788F-0C77-E7CE6EBB865F}"/>
               </a:ext>
             </a:extLst>
           </p:cNvPr>
@@ -34186,7 +34140,7 @@
           <a:lstStyle/>
           <a:p>
             <a:r>
-              <a:rPr lang="ko-KR" altLang="en-US" sz="4000" smtClean="0">
+              <a:rPr lang="ko-KR" altLang="en-US" sz="4000">
                 <a:solidFill>
                   <a:srgbClr val="FF0000"/>
                 </a:solidFill>
@@ -34196,7 +34150,7 @@
               <a:t>배열을 넘겨줘도 된다</a:t>
             </a:r>
             <a:r>
-              <a:rPr lang="en-US" altLang="ko-KR" sz="4000" smtClean="0">
+              <a:rPr lang="en-US" altLang="ko-KR" sz="4000">
                 <a:solidFill>
                   <a:srgbClr val="FF0000"/>
                 </a:solidFill>
@@ -34782,7 +34736,7 @@
           <p:cNvPr id="4" name="TextBox 3">
             <a:extLst>
               <a:ext uri="{FF2B5EF4-FFF2-40B4-BE49-F238E27FC236}">
-                <a16:creationId xmlns="" xmlns:a16="http://schemas.microsoft.com/office/drawing/2014/main" id="{F2BD73FC-CE60-89D8-0057-91C1B7653DFF}"/>
+                <a16:creationId xmlns:a16="http://schemas.microsoft.com/office/drawing/2014/main" id="{F2BD73FC-CE60-89D8-0057-91C1B7653DFF}"/>
               </a:ext>
             </a:extLst>
           </p:cNvPr>
@@ -34806,7 +34760,7 @@
           <a:lstStyle/>
           <a:p>
             <a:r>
-              <a:rPr lang="ko-KR" altLang="en-US" sz="4800" smtClean="0">
+              <a:rPr lang="ko-KR" altLang="en-US" sz="4800">
                 <a:solidFill>
                   <a:srgbClr val="4C50BC"/>
                 </a:solidFill>
@@ -34816,7 +34770,7 @@
               <a:t>그냥 매개변수를 배열로 만들면 되지 않나</a:t>
             </a:r>
             <a:r>
-              <a:rPr lang="en-US" altLang="ko-KR" sz="4800" smtClean="0">
+              <a:rPr lang="en-US" altLang="ko-KR" sz="4800">
                 <a:solidFill>
                   <a:srgbClr val="4C50BC"/>
                 </a:solidFill>
@@ -34917,13 +34871,6 @@
   <p:clrMapOvr>
     <a:masterClrMapping/>
   </p:clrMapOvr>
-  <p:timing>
-    <p:tnLst>
-      <p:par>
-        <p:cTn id="1" dur="indefinite" restart="never" nodeType="tmRoot"/>
-      </p:par>
-    </p:tnLst>
-  </p:timing>
 </p:sld>
 </file>
 
@@ -34949,7 +34896,7 @@
           <p:cNvPr id="4" name="TextBox 3">
             <a:extLst>
               <a:ext uri="{FF2B5EF4-FFF2-40B4-BE49-F238E27FC236}">
-                <a16:creationId xmlns="" xmlns:a16="http://schemas.microsoft.com/office/drawing/2014/main" id="{F2BD73FC-CE60-89D8-0057-91C1B7653DFF}"/>
+                <a16:creationId xmlns:a16="http://schemas.microsoft.com/office/drawing/2014/main" id="{F2BD73FC-CE60-89D8-0057-91C1B7653DFF}"/>
               </a:ext>
             </a:extLst>
           </p:cNvPr>
@@ -34973,7 +34920,7 @@
           <a:lstStyle/>
           <a:p>
             <a:r>
-              <a:rPr lang="ko-KR" altLang="en-US" sz="4800" smtClean="0">
+              <a:rPr lang="ko-KR" altLang="en-US" sz="4800">
                 <a:solidFill>
                   <a:srgbClr val="4C50BC"/>
                 </a:solidFill>
@@ -35045,7 +34992,7 @@
           <p:cNvPr id="7" name="TextBox 6">
             <a:extLst>
               <a:ext uri="{FF2B5EF4-FFF2-40B4-BE49-F238E27FC236}">
-                <a16:creationId xmlns="" xmlns:a16="http://schemas.microsoft.com/office/drawing/2014/main" id="{F2BD73FC-CE60-89D8-0057-91C1B7653DFF}"/>
+                <a16:creationId xmlns:a16="http://schemas.microsoft.com/office/drawing/2014/main" id="{F2BD73FC-CE60-89D8-0057-91C1B7653DFF}"/>
               </a:ext>
             </a:extLst>
           </p:cNvPr>
@@ -35069,7 +35016,7 @@
           <a:lstStyle/>
           <a:p>
             <a:r>
-              <a:rPr lang="en-US" altLang="ko-KR" sz="6000" smtClean="0">
+              <a:rPr lang="en-US" altLang="ko-KR" sz="6000">
                 <a:solidFill>
                   <a:srgbClr val="4C50BC"/>
                 </a:solidFill>
@@ -35098,13 +35045,6 @@
   <p:clrMapOvr>
     <a:masterClrMapping/>
   </p:clrMapOvr>
-  <p:timing>
-    <p:tnLst>
-      <p:par>
-        <p:cTn id="1" dur="indefinite" restart="never" nodeType="tmRoot"/>
-      </p:par>
-    </p:tnLst>
-  </p:timing>
 </p:sld>
 </file>
 
@@ -35130,7 +35070,7 @@
           <p:cNvPr id="5" name="TextBox 4">
             <a:extLst>
               <a:ext uri="{FF2B5EF4-FFF2-40B4-BE49-F238E27FC236}">
-                <a16:creationId xmlns="" xmlns:a16="http://schemas.microsoft.com/office/drawing/2014/main" id="{F2BD73FC-CE60-89D8-0057-91C1B7653DFF}"/>
+                <a16:creationId xmlns:a16="http://schemas.microsoft.com/office/drawing/2014/main" id="{F2BD73FC-CE60-89D8-0057-91C1B7653DFF}"/>
               </a:ext>
             </a:extLst>
           </p:cNvPr>
@@ -35181,7 +35121,7 @@
           <p:cNvPr id="6" name="TextBox 5">
             <a:extLst>
               <a:ext uri="{FF2B5EF4-FFF2-40B4-BE49-F238E27FC236}">
-                <a16:creationId xmlns="" xmlns:a16="http://schemas.microsoft.com/office/drawing/2014/main" id="{F0FF9E4E-0550-E648-378E-A52F5B0499D4}"/>
+                <a16:creationId xmlns:a16="http://schemas.microsoft.com/office/drawing/2014/main" id="{F0FF9E4E-0550-E648-378E-A52F5B0499D4}"/>
               </a:ext>
             </a:extLst>
           </p:cNvPr>
@@ -35205,7 +35145,7 @@
           <a:lstStyle/>
           <a:p>
             <a:r>
-              <a:rPr lang="en-US" altLang="ko-KR" sz="2800" smtClean="0">
+              <a:rPr lang="en-US" altLang="ko-KR" sz="2800">
                 <a:solidFill>
                   <a:schemeClr val="tx1">
                     <a:lumMod val="50000"/>
@@ -35218,7 +35158,7 @@
               <a:t>3. MyMath </a:t>
             </a:r>
             <a:r>
-              <a:rPr lang="ko-KR" altLang="en-US" sz="2800" smtClean="0">
+              <a:rPr lang="ko-KR" altLang="en-US" sz="2800">
                 <a:solidFill>
                   <a:schemeClr val="tx1">
                     <a:lumMod val="50000"/>
@@ -35243,7 +35183,7 @@
           </a:p>
           <a:p>
             <a:r>
-              <a:rPr lang="en-US" altLang="ko-KR" sz="2800" smtClean="0">
+              <a:rPr lang="en-US" altLang="ko-KR" sz="2800">
                 <a:solidFill>
                   <a:srgbClr val="FF0000"/>
                 </a:solidFill>
@@ -35253,7 +35193,7 @@
               <a:t>(</a:t>
             </a:r>
             <a:r>
-              <a:rPr lang="ko-KR" altLang="en-US" sz="2800" smtClean="0">
+              <a:rPr lang="ko-KR" altLang="en-US" sz="2800">
                 <a:solidFill>
                   <a:srgbClr val="FF0000"/>
                 </a:solidFill>
@@ -35263,7 +35203,7 @@
               <a:t>재귀호출 사용할것</a:t>
             </a:r>
             <a:r>
-              <a:rPr lang="en-US" altLang="ko-KR" sz="2800" smtClean="0">
+              <a:rPr lang="en-US" altLang="ko-KR" sz="2800">
                 <a:solidFill>
                   <a:srgbClr val="FF0000"/>
                 </a:solidFill>
@@ -35282,7 +35222,7 @@
           </a:p>
           <a:p>
             <a:r>
-              <a:rPr lang="en-US" altLang="ko-KR" sz="2800" smtClean="0">
+              <a:rPr lang="en-US" altLang="ko-KR" sz="2800">
                 <a:solidFill>
                   <a:schemeClr val="tx1">
                     <a:lumMod val="50000"/>
@@ -35302,7 +35242,7 @@
           <p:cNvPr id="4" name="TextBox 3">
             <a:extLst>
               <a:ext uri="{FF2B5EF4-FFF2-40B4-BE49-F238E27FC236}">
-                <a16:creationId xmlns="" xmlns:a16="http://schemas.microsoft.com/office/drawing/2014/main" id="{F0FF9E4E-0550-E648-378E-A52F5B0499D4}"/>
+                <a16:creationId xmlns:a16="http://schemas.microsoft.com/office/drawing/2014/main" id="{F0FF9E4E-0550-E648-378E-A52F5B0499D4}"/>
               </a:ext>
             </a:extLst>
           </p:cNvPr>
@@ -35326,7 +35266,7 @@
           <a:lstStyle/>
           <a:p>
             <a:r>
-              <a:rPr lang="en-US" altLang="ko-KR" sz="2800" smtClean="0">
+              <a:rPr lang="en-US" altLang="ko-KR" sz="2800">
                 <a:solidFill>
                   <a:schemeClr val="tx1">
                     <a:lumMod val="50000"/>
@@ -35339,7 +35279,7 @@
               <a:t>1. </a:t>
             </a:r>
             <a:r>
-              <a:rPr lang="ko-KR" altLang="en-US" sz="2800" smtClean="0">
+              <a:rPr lang="ko-KR" altLang="en-US" sz="2800">
                 <a:solidFill>
                   <a:schemeClr val="tx1">
                     <a:lumMod val="50000"/>
@@ -35352,7 +35292,7 @@
               <a:t>실습문제</a:t>
             </a:r>
             <a:r>
-              <a:rPr lang="en-US" altLang="ko-KR" sz="2800" smtClean="0">
+              <a:rPr lang="en-US" altLang="ko-KR" sz="2800">
                 <a:solidFill>
                   <a:schemeClr val="tx1">
                     <a:lumMod val="50000"/>
@@ -35365,7 +35305,7 @@
               <a:t>1</a:t>
             </a:r>
             <a:r>
-              <a:rPr lang="ko-KR" altLang="en-US" sz="2800" smtClean="0">
+              <a:rPr lang="ko-KR" altLang="en-US" sz="2800">
                 <a:solidFill>
                   <a:schemeClr val="tx1">
                     <a:lumMod val="50000"/>
@@ -35378,7 +35318,7 @@
               <a:t>에서 구현한 </a:t>
             </a:r>
             <a:r>
-              <a:rPr lang="en-US" altLang="ko-KR" sz="2800" smtClean="0">
+              <a:rPr lang="en-US" altLang="ko-KR" sz="2800">
                 <a:solidFill>
                   <a:schemeClr val="tx1">
                     <a:lumMod val="50000"/>
@@ -35391,7 +35331,7 @@
               <a:t>MyMath </a:t>
             </a:r>
             <a:r>
-              <a:rPr lang="ko-KR" altLang="en-US" sz="2800" smtClean="0">
+              <a:rPr lang="ko-KR" altLang="en-US" sz="2800">
                 <a:solidFill>
                   <a:schemeClr val="tx1">
                     <a:lumMod val="50000"/>
@@ -35404,7 +35344,7 @@
               <a:t>클래스의 </a:t>
             </a:r>
             <a:r>
-              <a:rPr lang="en-US" altLang="ko-KR" sz="2800" smtClean="0">
+              <a:rPr lang="en-US" altLang="ko-KR" sz="2800">
                 <a:solidFill>
                   <a:schemeClr val="tx1">
                     <a:lumMod val="50000"/>
@@ -35417,7 +35357,7 @@
               <a:t>add</a:t>
             </a:r>
             <a:r>
-              <a:rPr lang="ko-KR" altLang="en-US" sz="2800" smtClean="0">
+              <a:rPr lang="ko-KR" altLang="en-US" sz="2800">
                 <a:solidFill>
                   <a:schemeClr val="tx1">
                     <a:lumMod val="50000"/>
@@ -35430,7 +35370,7 @@
               <a:t>메서드를 </a:t>
             </a:r>
             <a:r>
-              <a:rPr lang="en-US" altLang="ko-KR" sz="2800" smtClean="0">
+              <a:rPr lang="en-US" altLang="ko-KR" sz="2800">
                 <a:solidFill>
                   <a:schemeClr val="tx1">
                     <a:lumMod val="50000"/>
@@ -35443,7 +35383,7 @@
               <a:t>float </a:t>
             </a:r>
             <a:r>
-              <a:rPr lang="ko-KR" altLang="en-US" sz="2800" smtClean="0">
+              <a:rPr lang="ko-KR" altLang="en-US" sz="2800">
                 <a:solidFill>
                   <a:schemeClr val="tx1">
                     <a:lumMod val="50000"/>
@@ -35456,7 +35396,7 @@
               <a:t>과 </a:t>
             </a:r>
             <a:r>
-              <a:rPr lang="en-US" altLang="ko-KR" sz="2800" smtClean="0">
+              <a:rPr lang="en-US" altLang="ko-KR" sz="2800">
                 <a:solidFill>
                   <a:schemeClr val="tx1">
                     <a:lumMod val="50000"/>
@@ -35469,7 +35409,7 @@
               <a:t>double</a:t>
             </a:r>
             <a:r>
-              <a:rPr lang="ko-KR" altLang="en-US" sz="2800" smtClean="0">
+              <a:rPr lang="ko-KR" altLang="en-US" sz="2800">
                 <a:solidFill>
                   <a:schemeClr val="tx1">
                     <a:lumMod val="50000"/>
@@ -35499,7 +35439,7 @@
           <p:cNvPr id="7" name="TextBox 6">
             <a:extLst>
               <a:ext uri="{FF2B5EF4-FFF2-40B4-BE49-F238E27FC236}">
-                <a16:creationId xmlns="" xmlns:a16="http://schemas.microsoft.com/office/drawing/2014/main" id="{F0FF9E4E-0550-E648-378E-A52F5B0499D4}"/>
+                <a16:creationId xmlns:a16="http://schemas.microsoft.com/office/drawing/2014/main" id="{F0FF9E4E-0550-E648-378E-A52F5B0499D4}"/>
               </a:ext>
             </a:extLst>
           </p:cNvPr>
@@ -35523,7 +35463,7 @@
           <a:lstStyle/>
           <a:p>
             <a:r>
-              <a:rPr lang="en-US" altLang="ko-KR" sz="2800" smtClean="0">
+              <a:rPr lang="en-US" altLang="ko-KR" sz="2800">
                 <a:solidFill>
                   <a:schemeClr val="tx1">
                     <a:lumMod val="50000"/>
@@ -35536,7 +35476,7 @@
               <a:t>2.MyMath </a:t>
             </a:r>
             <a:r>
-              <a:rPr lang="ko-KR" altLang="en-US" sz="2800" smtClean="0">
+              <a:rPr lang="ko-KR" altLang="en-US" sz="2800">
                 <a:solidFill>
                   <a:schemeClr val="tx1">
                     <a:lumMod val="50000"/>
@@ -35549,7 +35489,7 @@
               <a:t>클래스에 평균</a:t>
             </a:r>
             <a:r>
-              <a:rPr lang="en-US" altLang="ko-KR" sz="2800" smtClean="0">
+              <a:rPr lang="en-US" altLang="ko-KR" sz="2800">
                 <a:solidFill>
                   <a:schemeClr val="tx1">
                     <a:lumMod val="50000"/>
@@ -35562,7 +35502,7 @@
               <a:t>, </a:t>
             </a:r>
             <a:r>
-              <a:rPr lang="ko-KR" altLang="en-US" sz="2800" smtClean="0">
+              <a:rPr lang="ko-KR" altLang="en-US" sz="2800">
                 <a:solidFill>
                   <a:schemeClr val="tx1">
                     <a:lumMod val="50000"/>
@@ -35575,7 +35515,7 @@
               <a:t>최대</a:t>
             </a:r>
             <a:r>
-              <a:rPr lang="en-US" altLang="ko-KR" sz="2800" smtClean="0">
+              <a:rPr lang="en-US" altLang="ko-KR" sz="2800">
                 <a:solidFill>
                   <a:schemeClr val="tx1">
                     <a:lumMod val="50000"/>
@@ -35588,7 +35528,7 @@
               <a:t>, </a:t>
             </a:r>
             <a:r>
-              <a:rPr lang="ko-KR" altLang="en-US" sz="2800" smtClean="0">
+              <a:rPr lang="ko-KR" altLang="en-US" sz="2800">
                 <a:solidFill>
                   <a:schemeClr val="tx1">
                     <a:lumMod val="50000"/>
@@ -35601,7 +35541,7 @@
               <a:t>최소값을 구하는 메서드를 추가 하자</a:t>
             </a:r>
             <a:r>
-              <a:rPr lang="en-US" altLang="ko-KR" sz="2800" smtClean="0">
+              <a:rPr lang="en-US" altLang="ko-KR" sz="2800">
                 <a:solidFill>
                   <a:schemeClr val="tx1">
                     <a:lumMod val="50000"/>
@@ -35631,7 +35571,7 @@
           <p:cNvPr id="8" name="표 2">
             <a:extLst>
               <a:ext uri="{FF2B5EF4-FFF2-40B4-BE49-F238E27FC236}">
-                <a16:creationId xmlns="" xmlns:a16="http://schemas.microsoft.com/office/drawing/2014/main" id="{D2CC6F32-611A-E22D-EB8C-52D626A5B319}"/>
+                <a16:creationId xmlns:a16="http://schemas.microsoft.com/office/drawing/2014/main" id="{D2CC6F32-611A-E22D-EB8C-52D626A5B319}"/>
               </a:ext>
             </a:extLst>
           </p:cNvPr>
@@ -35660,21 +35600,21 @@
                 <a:gridCol w="1731833">
                   <a:extLst>
                     <a:ext uri="{9D8B030D-6E8A-4147-A177-3AD203B41FA5}">
-                      <a16:colId xmlns="" xmlns:a16="http://schemas.microsoft.com/office/drawing/2014/main" val="1960770391"/>
+                      <a16:colId xmlns:a16="http://schemas.microsoft.com/office/drawing/2014/main" val="1960770391"/>
                     </a:ext>
                   </a:extLst>
                 </a:gridCol>
                 <a:gridCol w="1752960">
                   <a:extLst>
                     <a:ext uri="{9D8B030D-6E8A-4147-A177-3AD203B41FA5}">
-                      <a16:colId xmlns="" xmlns:a16="http://schemas.microsoft.com/office/drawing/2014/main" val="733308553"/>
+                      <a16:colId xmlns:a16="http://schemas.microsoft.com/office/drawing/2014/main" val="733308553"/>
                     </a:ext>
                   </a:extLst>
                 </a:gridCol>
                 <a:gridCol w="2730951">
                   <a:extLst>
                     <a:ext uri="{9D8B030D-6E8A-4147-A177-3AD203B41FA5}">
-                      <a16:colId xmlns="" xmlns:a16="http://schemas.microsoft.com/office/drawing/2014/main" val="1661322813"/>
+                      <a16:colId xmlns:a16="http://schemas.microsoft.com/office/drawing/2014/main" val="1661322813"/>
                     </a:ext>
                   </a:extLst>
                 </a:gridCol>
@@ -35746,7 +35686,7 @@
                     <a:p>
                       <a:pPr latinLnBrk="1"/>
                       <a:r>
-                        <a:rPr lang="en-US" altLang="ko-KR" sz="2200" smtClean="0">
+                        <a:rPr lang="en-US" altLang="ko-KR" sz="2200">
                           <a:solidFill>
                             <a:schemeClr val="bg1"/>
                           </a:solidFill>
@@ -35862,7 +35802,7 @@
                 </a:tc>
                 <a:extLst>
                   <a:ext uri="{0D108BD9-81ED-4DB2-BD59-A6C34878D82A}">
-                    <a16:rowId xmlns="" xmlns:a16="http://schemas.microsoft.com/office/drawing/2014/main" val="2452905565"/>
+                    <a16:rowId xmlns:a16="http://schemas.microsoft.com/office/drawing/2014/main" val="2452905565"/>
                   </a:ext>
                 </a:extLst>
               </a:tr>
@@ -35950,7 +35890,7 @@
                     <a:p>
                       <a:pPr latinLnBrk="1"/>
                       <a:r>
-                        <a:rPr lang="en-US" altLang="ko-KR" sz="2200" smtClean="0">
+                        <a:rPr lang="en-US" altLang="ko-KR" sz="2200">
                           <a:ea typeface="G마켓 산스 Medium" panose="02000000000000000000"/>
                         </a:rPr>
                         <a:t>avg()</a:t>
@@ -36016,22 +35956,16 @@
                         <a:rPr lang="en-US" altLang="ko-KR" sz="2000">
                           <a:ea typeface="G마켓 산스 Medium" panose="02000000000000000000"/>
                         </a:rPr>
-                        <a:t>: </a:t>
+                        <a:t>: int</a:t>
                       </a:r>
                       <a:r>
-                        <a:rPr lang="en-US" altLang="ko-KR" sz="2000" smtClean="0">
-                          <a:ea typeface="G마켓 산스 Medium" panose="02000000000000000000"/>
-                        </a:rPr>
-                        <a:t>int</a:t>
-                      </a:r>
-                      <a:r>
-                        <a:rPr lang="en-US" altLang="ko-KR" sz="2000" baseline="0" smtClean="0">
+                        <a:rPr lang="en-US" altLang="ko-KR" sz="2000" baseline="0">
                           <a:ea typeface="G마켓 산스 Medium" panose="02000000000000000000"/>
                         </a:rPr>
                         <a:t> </a:t>
                       </a:r>
                       <a:r>
-                        <a:rPr lang="ko-KR" altLang="en-US" sz="2000" baseline="0" smtClean="0">
+                        <a:rPr lang="ko-KR" altLang="en-US" sz="2000" baseline="0">
                           <a:ea typeface="G마켓 산스 Medium" panose="02000000000000000000"/>
                         </a:rPr>
                         <a:t>가변인자</a:t>
@@ -36061,18 +35995,18 @@
                         <a:t> </a:t>
                       </a:r>
                       <a:r>
-                        <a:rPr lang="en-US" altLang="ko-KR" sz="2000" smtClean="0">
+                        <a:rPr lang="en-US" altLang="ko-KR" sz="2000">
                           <a:ea typeface="G마켓 산스 Medium" panose="02000000000000000000"/>
                         </a:rPr>
                         <a:t>int</a:t>
                       </a:r>
                       <a:r>
-                        <a:rPr lang="ko-KR" altLang="en-US" sz="2000" smtClean="0">
+                        <a:rPr lang="ko-KR" altLang="en-US" sz="2000">
                           <a:ea typeface="G마켓 산스 Medium" panose="02000000000000000000"/>
                         </a:rPr>
                         <a:t>형 평균</a:t>
                       </a:r>
-                      <a:endParaRPr lang="en-US" altLang="ko-KR" sz="2000" smtClean="0">
+                      <a:endParaRPr lang="en-US" altLang="ko-KR" sz="2000">
                         <a:ea typeface="G마켓 산스 Medium" panose="02000000000000000000"/>
                       </a:endParaRPr>
                     </a:p>
@@ -36119,7 +36053,7 @@
                 </a:tc>
                 <a:extLst>
                   <a:ext uri="{0D108BD9-81ED-4DB2-BD59-A6C34878D82A}">
-                    <a16:rowId xmlns="" xmlns:a16="http://schemas.microsoft.com/office/drawing/2014/main" val="2488866604"/>
+                    <a16:rowId xmlns:a16="http://schemas.microsoft.com/office/drawing/2014/main" val="2488866604"/>
                   </a:ext>
                 </a:extLst>
               </a:tr>
@@ -36182,7 +36116,7 @@
                     <a:p>
                       <a:pPr latinLnBrk="1"/>
                       <a:r>
-                        <a:rPr lang="en-US" altLang="ko-KR" sz="2200" smtClean="0">
+                        <a:rPr lang="en-US" altLang="ko-KR" sz="2200">
                           <a:ea typeface="G마켓 산스 Medium" panose="02000000000000000000"/>
                         </a:rPr>
                         <a:t>max()</a:t>
@@ -36239,48 +36173,48 @@
                     <a:p>
                       <a:pPr latinLnBrk="1"/>
                       <a:r>
-                        <a:rPr lang="ko-KR" altLang="en-US" sz="2000" smtClean="0">
+                        <a:rPr lang="ko-KR" altLang="en-US" sz="2000">
                           <a:ea typeface="G마켓 산스 Medium" panose="02000000000000000000"/>
                         </a:rPr>
                         <a:t>매개변수</a:t>
                       </a:r>
                       <a:r>
-                        <a:rPr lang="en-US" altLang="ko-KR" sz="2000" smtClean="0">
+                        <a:rPr lang="en-US" altLang="ko-KR" sz="2000">
                           <a:ea typeface="G마켓 산스 Medium" panose="02000000000000000000"/>
                         </a:rPr>
                         <a:t>:int </a:t>
                       </a:r>
                       <a:r>
-                        <a:rPr lang="ko-KR" altLang="en-US" sz="2000" smtClean="0">
+                        <a:rPr lang="ko-KR" altLang="en-US" sz="2000">
                           <a:ea typeface="G마켓 산스 Medium" panose="02000000000000000000"/>
                         </a:rPr>
                         <a:t>가변인자</a:t>
                       </a:r>
-                      <a:endParaRPr lang="en-US" altLang="ko-KR" sz="2000" smtClean="0">
+                      <a:endParaRPr lang="en-US" altLang="ko-KR" sz="2000">
                         <a:ea typeface="G마켓 산스 Medium" panose="02000000000000000000"/>
                       </a:endParaRPr>
                     </a:p>
                     <a:p>
                       <a:pPr latinLnBrk="1"/>
                       <a:r>
-                        <a:rPr lang="ko-KR" altLang="en-US" sz="2000" smtClean="0">
+                        <a:rPr lang="ko-KR" altLang="en-US" sz="2000">
                           <a:ea typeface="G마켓 산스 Medium" panose="02000000000000000000"/>
                         </a:rPr>
                         <a:t>리턴</a:t>
                       </a:r>
                       <a:r>
-                        <a:rPr lang="en-US" altLang="ko-KR" sz="2000" smtClean="0">
+                        <a:rPr lang="en-US" altLang="ko-KR" sz="2000">
                           <a:ea typeface="G마켓 산스 Medium" panose="02000000000000000000"/>
                         </a:rPr>
                         <a:t>: int</a:t>
                       </a:r>
                       <a:r>
-                        <a:rPr lang="ko-KR" altLang="en-US" sz="2000" smtClean="0">
+                        <a:rPr lang="ko-KR" altLang="en-US" sz="2000">
                           <a:ea typeface="G마켓 산스 Medium" panose="02000000000000000000"/>
                         </a:rPr>
                         <a:t>형 최대값</a:t>
                       </a:r>
-                      <a:endParaRPr lang="en-US" altLang="ko-KR" sz="2000" smtClean="0">
+                      <a:endParaRPr lang="en-US" altLang="ko-KR" sz="2000">
                         <a:ea typeface="G마켓 산스 Medium" panose="02000000000000000000"/>
                       </a:endParaRPr>
                     </a:p>
@@ -36325,6 +36259,11 @@
                     <a:noFill/>
                   </a:tcPr>
                 </a:tc>
+                <a:extLst>
+                  <a:ext uri="{0D108BD9-81ED-4DB2-BD59-A6C34878D82A}">
+                    <a16:rowId xmlns:a16="http://schemas.microsoft.com/office/drawing/2014/main" val="10002"/>
+                  </a:ext>
+                </a:extLst>
               </a:tr>
               <a:tr h="350520">
                 <a:tc>
@@ -36385,7 +36324,7 @@
                     <a:p>
                       <a:pPr latinLnBrk="1"/>
                       <a:r>
-                        <a:rPr lang="en-US" altLang="ko-KR" sz="2200" smtClean="0">
+                        <a:rPr lang="en-US" altLang="ko-KR" sz="2200">
                           <a:ea typeface="G마켓 산스 Medium" panose="02000000000000000000"/>
                         </a:rPr>
                         <a:t>min()</a:t>
@@ -36442,48 +36381,48 @@
                     <a:p>
                       <a:pPr latinLnBrk="1"/>
                       <a:r>
-                        <a:rPr lang="ko-KR" altLang="en-US" sz="2000" smtClean="0">
+                        <a:rPr lang="ko-KR" altLang="en-US" sz="2000">
                           <a:ea typeface="G마켓 산스 Medium" panose="02000000000000000000"/>
                         </a:rPr>
                         <a:t>매개변수</a:t>
                       </a:r>
                       <a:r>
-                        <a:rPr lang="en-US" altLang="ko-KR" sz="2000" smtClean="0">
+                        <a:rPr lang="en-US" altLang="ko-KR" sz="2000">
                           <a:ea typeface="G마켓 산스 Medium" panose="02000000000000000000"/>
                         </a:rPr>
                         <a:t>:int </a:t>
                       </a:r>
                       <a:r>
-                        <a:rPr lang="ko-KR" altLang="en-US" sz="2000" smtClean="0">
+                        <a:rPr lang="ko-KR" altLang="en-US" sz="2000">
                           <a:ea typeface="G마켓 산스 Medium" panose="02000000000000000000"/>
                         </a:rPr>
                         <a:t>가변인자</a:t>
                       </a:r>
-                      <a:endParaRPr lang="en-US" altLang="ko-KR" sz="2000" smtClean="0">
+                      <a:endParaRPr lang="en-US" altLang="ko-KR" sz="2000">
                         <a:ea typeface="G마켓 산스 Medium" panose="02000000000000000000"/>
                       </a:endParaRPr>
                     </a:p>
                     <a:p>
                       <a:pPr latinLnBrk="1"/>
                       <a:r>
-                        <a:rPr lang="ko-KR" altLang="en-US" sz="2000" smtClean="0">
+                        <a:rPr lang="ko-KR" altLang="en-US" sz="2000">
                           <a:ea typeface="G마켓 산스 Medium" panose="02000000000000000000"/>
                         </a:rPr>
                         <a:t>리턴</a:t>
                       </a:r>
                       <a:r>
-                        <a:rPr lang="en-US" altLang="ko-KR" sz="2000" smtClean="0">
+                        <a:rPr lang="en-US" altLang="ko-KR" sz="2000">
                           <a:ea typeface="G마켓 산스 Medium" panose="02000000000000000000"/>
                         </a:rPr>
                         <a:t>: int</a:t>
                       </a:r>
                       <a:r>
-                        <a:rPr lang="ko-KR" altLang="en-US" sz="2000" smtClean="0">
+                        <a:rPr lang="ko-KR" altLang="en-US" sz="2000">
                           <a:ea typeface="G마켓 산스 Medium" panose="02000000000000000000"/>
                         </a:rPr>
                         <a:t>형 최소값</a:t>
                       </a:r>
-                      <a:endParaRPr lang="en-US" altLang="ko-KR" sz="2000" smtClean="0">
+                      <a:endParaRPr lang="en-US" altLang="ko-KR" sz="2000">
                         <a:ea typeface="G마켓 산스 Medium" panose="02000000000000000000"/>
                       </a:endParaRPr>
                     </a:p>
@@ -36528,6 +36467,11 @@
                     <a:noFill/>
                   </a:tcPr>
                 </a:tc>
+                <a:extLst>
+                  <a:ext uri="{0D108BD9-81ED-4DB2-BD59-A6C34878D82A}">
+                    <a16:rowId xmlns:a16="http://schemas.microsoft.com/office/drawing/2014/main" val="10003"/>
+                  </a:ext>
+                </a:extLst>
               </a:tr>
             </a:tbl>
           </a:graphicData>
@@ -36538,7 +36482,7 @@
           <p:cNvPr id="9" name="표 2">
             <a:extLst>
               <a:ext uri="{FF2B5EF4-FFF2-40B4-BE49-F238E27FC236}">
-                <a16:creationId xmlns="" xmlns:a16="http://schemas.microsoft.com/office/drawing/2014/main" id="{D2CC6F32-611A-E22D-EB8C-52D626A5B319}"/>
+                <a16:creationId xmlns:a16="http://schemas.microsoft.com/office/drawing/2014/main" id="{D2CC6F32-611A-E22D-EB8C-52D626A5B319}"/>
               </a:ext>
             </a:extLst>
           </p:cNvPr>
@@ -36567,21 +36511,21 @@
                 <a:gridCol w="1447800">
                   <a:extLst>
                     <a:ext uri="{9D8B030D-6E8A-4147-A177-3AD203B41FA5}">
-                      <a16:colId xmlns="" xmlns:a16="http://schemas.microsoft.com/office/drawing/2014/main" val="1960770391"/>
+                      <a16:colId xmlns:a16="http://schemas.microsoft.com/office/drawing/2014/main" val="1960770391"/>
                     </a:ext>
                   </a:extLst>
                 </a:gridCol>
                 <a:gridCol w="1295400">
                   <a:extLst>
                     <a:ext uri="{9D8B030D-6E8A-4147-A177-3AD203B41FA5}">
-                      <a16:colId xmlns="" xmlns:a16="http://schemas.microsoft.com/office/drawing/2014/main" val="733308553"/>
+                      <a16:colId xmlns:a16="http://schemas.microsoft.com/office/drawing/2014/main" val="733308553"/>
                     </a:ext>
                   </a:extLst>
                 </a:gridCol>
                 <a:gridCol w="3472544">
                   <a:extLst>
                     <a:ext uri="{9D8B030D-6E8A-4147-A177-3AD203B41FA5}">
-                      <a16:colId xmlns="" xmlns:a16="http://schemas.microsoft.com/office/drawing/2014/main" val="1661322813"/>
+                      <a16:colId xmlns:a16="http://schemas.microsoft.com/office/drawing/2014/main" val="1661322813"/>
                     </a:ext>
                   </a:extLst>
                 </a:gridCol>
@@ -36653,7 +36597,7 @@
                     <a:p>
                       <a:pPr latinLnBrk="1"/>
                       <a:r>
-                        <a:rPr lang="en-US" altLang="ko-KR" sz="2200" smtClean="0">
+                        <a:rPr lang="en-US" altLang="ko-KR" sz="2200">
                           <a:solidFill>
                             <a:schemeClr val="bg1"/>
                           </a:solidFill>
@@ -36769,7 +36713,7 @@
                 </a:tc>
                 <a:extLst>
                   <a:ext uri="{0D108BD9-81ED-4DB2-BD59-A6C34878D82A}">
-                    <a16:rowId xmlns="" xmlns:a16="http://schemas.microsoft.com/office/drawing/2014/main" val="2452905565"/>
+                    <a16:rowId xmlns:a16="http://schemas.microsoft.com/office/drawing/2014/main" val="2452905565"/>
                   </a:ext>
                 </a:extLst>
               </a:tr>
@@ -36857,7 +36801,7 @@
                     <a:p>
                       <a:pPr latinLnBrk="1"/>
                       <a:r>
-                        <a:rPr lang="en-US" altLang="ko-KR" sz="2200" smtClean="0">
+                        <a:rPr lang="en-US" altLang="ko-KR" sz="2200">
                           <a:ea typeface="G마켓 산스 Medium" panose="02000000000000000000"/>
                         </a:rPr>
                         <a:t>power()</a:t>
@@ -36923,16 +36867,10 @@
                         <a:rPr lang="en-US" altLang="ko-KR" sz="2000">
                           <a:ea typeface="G마켓 산스 Medium" panose="02000000000000000000"/>
                         </a:rPr>
-                        <a:t>: </a:t>
+                        <a:t>: int</a:t>
                       </a:r>
                       <a:r>
-                        <a:rPr lang="en-US" altLang="ko-KR" sz="2000" smtClean="0">
-                          <a:ea typeface="G마켓 산스 Medium" panose="02000000000000000000"/>
-                        </a:rPr>
-                        <a:t>int</a:t>
-                      </a:r>
-                      <a:r>
-                        <a:rPr lang="en-US" altLang="ko-KR" sz="2000" baseline="0" smtClean="0">
+                        <a:rPr lang="en-US" altLang="ko-KR" sz="2000" baseline="0">
                           <a:ea typeface="G마켓 산스 Medium" panose="02000000000000000000"/>
                         </a:rPr>
                         <a:t> x, int n</a:t>
@@ -36962,30 +36900,30 @@
                         <a:t> </a:t>
                       </a:r>
                       <a:r>
-                        <a:rPr lang="en-US" altLang="ko-KR" sz="2000" smtClean="0">
+                        <a:rPr lang="en-US" altLang="ko-KR" sz="2000">
                           <a:ea typeface="G마켓 산스 Medium" panose="02000000000000000000"/>
                         </a:rPr>
                         <a:t>x</a:t>
                       </a:r>
                       <a:r>
-                        <a:rPr lang="ko-KR" altLang="en-US" sz="2000" smtClean="0">
+                        <a:rPr lang="ko-KR" altLang="en-US" sz="2000">
                           <a:ea typeface="G마켓 산스 Medium" panose="02000000000000000000"/>
                         </a:rPr>
                         <a:t>를 </a:t>
                       </a:r>
                       <a:r>
-                        <a:rPr lang="en-US" altLang="ko-KR" sz="2000" smtClean="0">
+                        <a:rPr lang="en-US" altLang="ko-KR" sz="2000">
                           <a:ea typeface="G마켓 산스 Medium" panose="02000000000000000000"/>
                         </a:rPr>
                         <a:t>n</a:t>
                       </a:r>
                       <a:r>
-                        <a:rPr lang="ko-KR" altLang="en-US" sz="2000" smtClean="0">
+                        <a:rPr lang="ko-KR" altLang="en-US" sz="2000">
                           <a:ea typeface="G마켓 산스 Medium" panose="02000000000000000000"/>
                         </a:rPr>
                         <a:t>제곱한 결과</a:t>
                       </a:r>
-                      <a:endParaRPr lang="en-US" altLang="ko-KR" sz="2000" smtClean="0">
+                      <a:endParaRPr lang="en-US" altLang="ko-KR" sz="2000">
                         <a:ea typeface="G마켓 산스 Medium" panose="02000000000000000000"/>
                       </a:endParaRPr>
                     </a:p>
@@ -37032,7 +36970,7 @@
                 </a:tc>
                 <a:extLst>
                   <a:ext uri="{0D108BD9-81ED-4DB2-BD59-A6C34878D82A}">
-                    <a16:rowId xmlns="" xmlns:a16="http://schemas.microsoft.com/office/drawing/2014/main" val="2488866604"/>
+                    <a16:rowId xmlns:a16="http://schemas.microsoft.com/office/drawing/2014/main" val="2488866604"/>
                   </a:ext>
                 </a:extLst>
               </a:tr>
@@ -37045,7 +36983,7 @@
           <p:cNvPr id="10" name="TextBox 9">
             <a:extLst>
               <a:ext uri="{FF2B5EF4-FFF2-40B4-BE49-F238E27FC236}">
-                <a16:creationId xmlns="" xmlns:a16="http://schemas.microsoft.com/office/drawing/2014/main" id="{F0FF9E4E-0550-E648-378E-A52F5B0499D4}"/>
+                <a16:creationId xmlns:a16="http://schemas.microsoft.com/office/drawing/2014/main" id="{F0FF9E4E-0550-E648-378E-A52F5B0499D4}"/>
               </a:ext>
             </a:extLst>
           </p:cNvPr>
@@ -37079,23 +37017,10 @@
                 <a:latin typeface="G마켓 산스 Medium" panose="02000000000000000000" pitchFamily="50" charset="-127"/>
                 <a:ea typeface="G마켓 산스 Medium" panose="02000000000000000000" pitchFamily="50" charset="-127"/>
               </a:rPr>
-              <a:t>4</a:t>
-            </a:r>
-            <a:r>
-              <a:rPr lang="en-US" altLang="ko-KR" sz="2800" smtClean="0">
-                <a:solidFill>
-                  <a:schemeClr val="tx1">
-                    <a:lumMod val="50000"/>
-                    <a:lumOff val="50000"/>
-                  </a:schemeClr>
-                </a:solidFill>
-                <a:latin typeface="G마켓 산스 Medium" panose="02000000000000000000" pitchFamily="50" charset="-127"/>
-                <a:ea typeface="G마켓 산스 Medium" panose="02000000000000000000" pitchFamily="50" charset="-127"/>
-              </a:rPr>
-              <a:t>. </a:t>
-            </a:r>
-            <a:r>
-              <a:rPr lang="ko-KR" altLang="en-US" sz="2800" smtClean="0">
+              <a:t>4. </a:t>
+            </a:r>
+            <a:r>
+              <a:rPr lang="ko-KR" altLang="en-US" sz="2800">
                 <a:solidFill>
                   <a:schemeClr val="tx1">
                     <a:lumMod val="50000"/>
@@ -37108,7 +37033,7 @@
               <a:t>하노이타워 문제를 재귀호출을 이용하여 풀이과정을 출력해보자</a:t>
             </a:r>
             <a:r>
-              <a:rPr lang="en-US" altLang="ko-KR" sz="2800" smtClean="0">
+              <a:rPr lang="en-US" altLang="ko-KR" sz="2800">
                 <a:solidFill>
                   <a:schemeClr val="tx1">
                     <a:lumMod val="50000"/>
@@ -37121,7 +37046,7 @@
               <a:t>.</a:t>
             </a:r>
             <a:r>
-              <a:rPr lang="en-US" altLang="ko-KR" sz="2800" smtClean="0">
+              <a:rPr lang="en-US" altLang="ko-KR" sz="2800">
                 <a:solidFill>
                   <a:srgbClr val="FF0000"/>
                 </a:solidFill>
@@ -37131,7 +37056,7 @@
               <a:t>(</a:t>
             </a:r>
             <a:r>
-              <a:rPr lang="ko-KR" altLang="en-US" sz="2800" smtClean="0">
+              <a:rPr lang="ko-KR" altLang="en-US" sz="2800">
                 <a:solidFill>
                   <a:srgbClr val="FF0000"/>
                 </a:solidFill>
@@ -37141,7 +37066,7 @@
               <a:t>원판의 개수가 늘어나도 풀려야 한다</a:t>
             </a:r>
             <a:r>
-              <a:rPr lang="en-US" altLang="ko-KR" sz="2800" smtClean="0">
+              <a:rPr lang="en-US" altLang="ko-KR" sz="2800">
                 <a:solidFill>
                   <a:srgbClr val="FF0000"/>
                 </a:solidFill>
@@ -37153,7 +37078,7 @@
           </a:p>
           <a:p>
             <a:r>
-              <a:rPr lang="en-US" altLang="ko-KR" sz="2800" smtClean="0">
+              <a:rPr lang="en-US" altLang="ko-KR" sz="2800">
                 <a:solidFill>
                   <a:schemeClr val="tx1">
                     <a:lumMod val="50000"/>
@@ -37179,7 +37104,7 @@
               <a:t>한번에 하나의 원판만 옮길수 있다</a:t>
             </a:r>
             <a:r>
-              <a:rPr lang="en-US" altLang="ko-KR" sz="2800" smtClean="0">
+              <a:rPr lang="en-US" altLang="ko-KR" sz="2800">
                 <a:solidFill>
                   <a:schemeClr val="tx1">
                     <a:lumMod val="50000"/>
@@ -37194,7 +37119,7 @@
           </a:p>
           <a:p>
             <a:r>
-              <a:rPr lang="en-US" altLang="ko-KR" sz="2800" smtClean="0">
+              <a:rPr lang="en-US" altLang="ko-KR" sz="2800">
                 <a:solidFill>
                   <a:schemeClr val="tx1">
                     <a:lumMod val="50000"/>
@@ -37207,7 +37132,7 @@
               <a:t>	- </a:t>
             </a:r>
             <a:r>
-              <a:rPr lang="ko-KR" altLang="en-US" sz="2800" smtClean="0">
+              <a:rPr lang="ko-KR" altLang="en-US" sz="2800">
                 <a:solidFill>
                   <a:schemeClr val="tx1">
                     <a:lumMod val="50000"/>
@@ -37220,7 +37145,7 @@
               <a:t>작은 원판 위에 큰 원판이 올수 없다</a:t>
             </a:r>
             <a:r>
-              <a:rPr lang="en-US" altLang="ko-KR" sz="2800" smtClean="0">
+              <a:rPr lang="en-US" altLang="ko-KR" sz="2800">
                 <a:solidFill>
                   <a:schemeClr val="tx1">
                     <a:lumMod val="50000"/>
@@ -37245,23 +37170,10 @@
                 <a:latin typeface="G마켓 산스 Medium" panose="02000000000000000000" pitchFamily="50" charset="-127"/>
                 <a:ea typeface="G마켓 산스 Medium" panose="02000000000000000000" pitchFamily="50" charset="-127"/>
               </a:rPr>
-              <a:t> </a:t>
-            </a:r>
-            <a:r>
-              <a:rPr lang="en-US" altLang="ko-KR" sz="2800" smtClean="0">
-                <a:solidFill>
-                  <a:schemeClr val="tx1">
-                    <a:lumMod val="50000"/>
-                    <a:lumOff val="50000"/>
-                  </a:schemeClr>
-                </a:solidFill>
-                <a:latin typeface="G마켓 산스 Medium" panose="02000000000000000000" pitchFamily="50" charset="-127"/>
-                <a:ea typeface="G마켓 산스 Medium" panose="02000000000000000000" pitchFamily="50" charset="-127"/>
-              </a:rPr>
-              <a:t>        - A</a:t>
-            </a:r>
-            <a:r>
-              <a:rPr lang="ko-KR" altLang="en-US" sz="2800" smtClean="0">
+              <a:t>         - A</a:t>
+            </a:r>
+            <a:r>
+              <a:rPr lang="ko-KR" altLang="en-US" sz="2800">
                 <a:solidFill>
                   <a:schemeClr val="tx1">
                     <a:lumMod val="50000"/>
@@ -37274,7 +37186,7 @@
               <a:t>에 있는 원판을 </a:t>
             </a:r>
             <a:r>
-              <a:rPr lang="en-US" altLang="ko-KR" sz="2800" smtClean="0">
+              <a:rPr lang="en-US" altLang="ko-KR" sz="2800">
                 <a:solidFill>
                   <a:schemeClr val="tx1">
                     <a:lumMod val="50000"/>
@@ -37287,7 +37199,7 @@
               <a:t>C</a:t>
             </a:r>
             <a:r>
-              <a:rPr lang="ko-KR" altLang="en-US" sz="2800" smtClean="0">
+              <a:rPr lang="ko-KR" altLang="en-US" sz="2800">
                 <a:solidFill>
                   <a:schemeClr val="tx1">
                     <a:lumMod val="50000"/>
@@ -37300,7 +37212,7 @@
               <a:t>로 모두 옮기는것이 목표다</a:t>
             </a:r>
             <a:r>
-              <a:rPr lang="en-US" altLang="ko-KR" sz="2800" smtClean="0">
+              <a:rPr lang="en-US" altLang="ko-KR" sz="2800">
                 <a:solidFill>
                   <a:schemeClr val="tx1">
                     <a:lumMod val="50000"/>
@@ -37368,7 +37280,7 @@
           <p:cNvPr id="11" name="그룹 1008">
             <a:extLst>
               <a:ext uri="{FF2B5EF4-FFF2-40B4-BE49-F238E27FC236}">
-                <a16:creationId xmlns:a16="http://schemas.microsoft.com/office/drawing/2014/main" xmlns="" id="{678F6342-C505-E8AD-ADA4-022CB2C2088E}"/>
+                <a16:creationId xmlns:a16="http://schemas.microsoft.com/office/drawing/2014/main" id="{678F6342-C505-E8AD-ADA4-022CB2C2088E}"/>
               </a:ext>
             </a:extLst>
           </p:cNvPr>
@@ -37388,7 +37300,7 @@
             <p:cNvPr id="12" name="그룹 1009">
               <a:extLst>
                 <a:ext uri="{FF2B5EF4-FFF2-40B4-BE49-F238E27FC236}">
-                  <a16:creationId xmlns:a16="http://schemas.microsoft.com/office/drawing/2014/main" xmlns="" id="{4E1F1FED-812B-9BBB-925A-84B54A077414}"/>
+                  <a16:creationId xmlns:a16="http://schemas.microsoft.com/office/drawing/2014/main" id="{4E1F1FED-812B-9BBB-925A-84B54A077414}"/>
                 </a:ext>
               </a:extLst>
             </p:cNvPr>
@@ -37408,7 +37320,7 @@
               <p:cNvPr id="17" name="Object 29">
                 <a:extLst>
                   <a:ext uri="{FF2B5EF4-FFF2-40B4-BE49-F238E27FC236}">
-                    <a16:creationId xmlns:a16="http://schemas.microsoft.com/office/drawing/2014/main" xmlns="" id="{7B078609-4286-7B00-51EB-809C8E2DE289}"/>
+                    <a16:creationId xmlns:a16="http://schemas.microsoft.com/office/drawing/2014/main" id="{7B078609-4286-7B00-51EB-809C8E2DE289}"/>
                   </a:ext>
                 </a:extLst>
               </p:cNvPr>
@@ -37439,7 +37351,7 @@
             <p:cNvPr id="13" name="그룹 1010">
               <a:extLst>
                 <a:ext uri="{FF2B5EF4-FFF2-40B4-BE49-F238E27FC236}">
-                  <a16:creationId xmlns:a16="http://schemas.microsoft.com/office/drawing/2014/main" xmlns="" id="{02A649BF-B5B5-FBAF-7DFD-E118A4DF8907}"/>
+                  <a16:creationId xmlns:a16="http://schemas.microsoft.com/office/drawing/2014/main" id="{02A649BF-B5B5-FBAF-7DFD-E118A4DF8907}"/>
                 </a:ext>
               </a:extLst>
             </p:cNvPr>
@@ -37459,7 +37371,7 @@
               <p:cNvPr id="16" name="Object 32">
                 <a:extLst>
                   <a:ext uri="{FF2B5EF4-FFF2-40B4-BE49-F238E27FC236}">
-                    <a16:creationId xmlns:a16="http://schemas.microsoft.com/office/drawing/2014/main" xmlns="" id="{2A0FFF23-B3C9-3EA0-1C1B-A87D4FF098AE}"/>
+                    <a16:creationId xmlns:a16="http://schemas.microsoft.com/office/drawing/2014/main" id="{2A0FFF23-B3C9-3EA0-1C1B-A87D4FF098AE}"/>
                   </a:ext>
                 </a:extLst>
               </p:cNvPr>
@@ -37490,7 +37402,7 @@
             <p:cNvPr id="14" name="그룹 1011">
               <a:extLst>
                 <a:ext uri="{FF2B5EF4-FFF2-40B4-BE49-F238E27FC236}">
-                  <a16:creationId xmlns:a16="http://schemas.microsoft.com/office/drawing/2014/main" xmlns="" id="{881F5410-F7FB-F261-A584-707359BAC593}"/>
+                  <a16:creationId xmlns:a16="http://schemas.microsoft.com/office/drawing/2014/main" id="{881F5410-F7FB-F261-A584-707359BAC593}"/>
                 </a:ext>
               </a:extLst>
             </p:cNvPr>
@@ -37510,7 +37422,7 @@
               <p:cNvPr id="15" name="Object 35">
                 <a:extLst>
                   <a:ext uri="{FF2B5EF4-FFF2-40B4-BE49-F238E27FC236}">
-                    <a16:creationId xmlns:a16="http://schemas.microsoft.com/office/drawing/2014/main" xmlns="" id="{4E99E669-73EB-F9F4-EFE8-DC107035C265}"/>
+                    <a16:creationId xmlns:a16="http://schemas.microsoft.com/office/drawing/2014/main" id="{4E99E669-73EB-F9F4-EFE8-DC107035C265}"/>
                   </a:ext>
                 </a:extLst>
               </p:cNvPr>
@@ -37566,7 +37478,7 @@
           <p:cNvPr id="19" name="표 2">
             <a:extLst>
               <a:ext uri="{FF2B5EF4-FFF2-40B4-BE49-F238E27FC236}">
-                <a16:creationId xmlns="" xmlns:a16="http://schemas.microsoft.com/office/drawing/2014/main" id="{D2CC6F32-611A-E22D-EB8C-52D626A5B319}"/>
+                <a16:creationId xmlns:a16="http://schemas.microsoft.com/office/drawing/2014/main" id="{D2CC6F32-611A-E22D-EB8C-52D626A5B319}"/>
               </a:ext>
             </a:extLst>
           </p:cNvPr>
@@ -37595,21 +37507,21 @@
                 <a:gridCol w="1360600">
                   <a:extLst>
                     <a:ext uri="{9D8B030D-6E8A-4147-A177-3AD203B41FA5}">
-                      <a16:colId xmlns="" xmlns:a16="http://schemas.microsoft.com/office/drawing/2014/main" val="1960770391"/>
+                      <a16:colId xmlns:a16="http://schemas.microsoft.com/office/drawing/2014/main" val="1960770391"/>
                     </a:ext>
                   </a:extLst>
                 </a:gridCol>
                 <a:gridCol w="1246559">
                   <a:extLst>
                     <a:ext uri="{9D8B030D-6E8A-4147-A177-3AD203B41FA5}">
-                      <a16:colId xmlns="" xmlns:a16="http://schemas.microsoft.com/office/drawing/2014/main" val="733308553"/>
+                      <a16:colId xmlns:a16="http://schemas.microsoft.com/office/drawing/2014/main" val="733308553"/>
                     </a:ext>
                   </a:extLst>
                 </a:gridCol>
                 <a:gridCol w="3748068">
                   <a:extLst>
                     <a:ext uri="{9D8B030D-6E8A-4147-A177-3AD203B41FA5}">
-                      <a16:colId xmlns="" xmlns:a16="http://schemas.microsoft.com/office/drawing/2014/main" val="1661322813"/>
+                      <a16:colId xmlns:a16="http://schemas.microsoft.com/office/drawing/2014/main" val="1661322813"/>
                     </a:ext>
                   </a:extLst>
                 </a:gridCol>
@@ -37681,7 +37593,7 @@
                     <a:p>
                       <a:pPr latinLnBrk="1"/>
                       <a:r>
-                        <a:rPr lang="en-US" altLang="ko-KR" sz="2200" smtClean="0">
+                        <a:rPr lang="en-US" altLang="ko-KR" sz="2200">
                           <a:solidFill>
                             <a:schemeClr val="bg1"/>
                           </a:solidFill>
@@ -37797,7 +37709,7 @@
                 </a:tc>
                 <a:extLst>
                   <a:ext uri="{0D108BD9-81ED-4DB2-BD59-A6C34878D82A}">
-                    <a16:rowId xmlns="" xmlns:a16="http://schemas.microsoft.com/office/drawing/2014/main" val="2452905565"/>
+                    <a16:rowId xmlns:a16="http://schemas.microsoft.com/office/drawing/2014/main" val="2452905565"/>
                   </a:ext>
                 </a:extLst>
               </a:tr>
@@ -37885,7 +37797,7 @@
                     <a:p>
                       <a:pPr latinLnBrk="1"/>
                       <a:r>
-                        <a:rPr lang="en-US" altLang="ko-KR" sz="2200" smtClean="0">
+                        <a:rPr lang="en-US" altLang="ko-KR" sz="2200">
                           <a:ea typeface="G마켓 산스 Medium" panose="02000000000000000000"/>
                         </a:rPr>
                         <a:t>resolve()</a:t>
@@ -37954,73 +37866,73 @@
                         <a:t>: </a:t>
                       </a:r>
                       <a:r>
-                        <a:rPr lang="ko-KR" altLang="en-US" sz="2000" smtClean="0">
+                        <a:rPr lang="ko-KR" altLang="en-US" sz="2000">
                           <a:ea typeface="G마켓 산스 Medium" panose="02000000000000000000"/>
                         </a:rPr>
                         <a:t>원판수</a:t>
                       </a:r>
                       <a:r>
-                        <a:rPr lang="en-US" altLang="ko-KR" sz="2000" smtClean="0">
+                        <a:rPr lang="en-US" altLang="ko-KR" sz="2000">
                           <a:ea typeface="G마켓 산스 Medium" panose="02000000000000000000"/>
                         </a:rPr>
                         <a:t>,</a:t>
                       </a:r>
                       <a:r>
-                        <a:rPr lang="ko-KR" altLang="en-US" sz="2000" smtClean="0">
+                        <a:rPr lang="ko-KR" altLang="en-US" sz="2000">
                           <a:ea typeface="G마켓 산스 Medium" panose="02000000000000000000"/>
                         </a:rPr>
                         <a:t>출발</a:t>
                       </a:r>
                       <a:r>
-                        <a:rPr lang="en-US" altLang="ko-KR" sz="2000" smtClean="0">
+                        <a:rPr lang="en-US" altLang="ko-KR" sz="2000">
                           <a:ea typeface="G마켓 산스 Medium" panose="02000000000000000000"/>
                         </a:rPr>
                         <a:t>,</a:t>
                       </a:r>
                       <a:r>
-                        <a:rPr lang="ko-KR" altLang="en-US" sz="2000" smtClean="0">
+                        <a:rPr lang="ko-KR" altLang="en-US" sz="2000">
                           <a:ea typeface="G마켓 산스 Medium" panose="02000000000000000000"/>
                         </a:rPr>
                         <a:t>임시</a:t>
                       </a:r>
                       <a:r>
-                        <a:rPr lang="en-US" altLang="ko-KR" sz="2000" smtClean="0">
+                        <a:rPr lang="en-US" altLang="ko-KR" sz="2000">
                           <a:ea typeface="G마켓 산스 Medium" panose="02000000000000000000"/>
                         </a:rPr>
                         <a:t>,</a:t>
                       </a:r>
                       <a:r>
-                        <a:rPr lang="ko-KR" altLang="en-US" sz="2000" smtClean="0">
+                        <a:rPr lang="ko-KR" altLang="en-US" sz="2000">
                           <a:ea typeface="G마켓 산스 Medium" panose="02000000000000000000"/>
                         </a:rPr>
                         <a:t>도착</a:t>
                       </a:r>
-                      <a:endParaRPr lang="en-US" altLang="ko-KR" sz="2000" smtClean="0">
+                      <a:endParaRPr lang="en-US" altLang="ko-KR" sz="2000">
                         <a:ea typeface="G마켓 산스 Medium" panose="02000000000000000000"/>
                       </a:endParaRPr>
                     </a:p>
                     <a:p>
                       <a:pPr latinLnBrk="1"/>
                       <a:r>
-                        <a:rPr lang="ko-KR" altLang="en-US" sz="2000" smtClean="0">
+                        <a:rPr lang="ko-KR" altLang="en-US" sz="2000">
                           <a:ea typeface="G마켓 산스 Medium" panose="02000000000000000000"/>
                         </a:rPr>
                         <a:t>내용</a:t>
                       </a:r>
                       <a:r>
-                        <a:rPr lang="en-US" altLang="ko-KR" sz="2000" smtClean="0">
+                        <a:rPr lang="en-US" altLang="ko-KR" sz="2000">
                           <a:ea typeface="G마켓 산스 Medium" panose="02000000000000000000"/>
                         </a:rPr>
                         <a:t>: </a:t>
                       </a:r>
                       <a:r>
-                        <a:rPr lang="ko-KR" altLang="en-US" sz="2000" smtClean="0">
+                        <a:rPr lang="ko-KR" altLang="en-US" sz="2000">
                           <a:ea typeface="G마켓 산스 Medium" panose="02000000000000000000"/>
                         </a:rPr>
                         <a:t>원판을 도착지로 옮긴다</a:t>
                       </a:r>
                       <a:r>
-                        <a:rPr lang="en-US" altLang="ko-KR" sz="2000" smtClean="0">
+                        <a:rPr lang="en-US" altLang="ko-KR" sz="2000">
                           <a:ea typeface="G마켓 산스 Medium" panose="02000000000000000000"/>
                         </a:rPr>
                         <a:t>.</a:t>
@@ -38047,15 +37959,9 @@
                         <a:rPr lang="ko-KR" altLang="en-US" sz="2000">
                           <a:ea typeface="G마켓 산스 Medium" panose="02000000000000000000"/>
                         </a:rPr>
-                        <a:t> </a:t>
+                        <a:t> 없음</a:t>
                       </a:r>
-                      <a:r>
-                        <a:rPr lang="ko-KR" altLang="en-US" sz="2000" smtClean="0">
-                          <a:ea typeface="G마켓 산스 Medium" panose="02000000000000000000"/>
-                        </a:rPr>
-                        <a:t>없음</a:t>
-                      </a:r>
-                      <a:endParaRPr lang="en-US" altLang="ko-KR" sz="2000" smtClean="0">
+                      <a:endParaRPr lang="en-US" altLang="ko-KR" sz="2000">
                         <a:ea typeface="G마켓 산스 Medium" panose="02000000000000000000"/>
                       </a:endParaRPr>
                     </a:p>
@@ -38102,7 +38008,7 @@
                 </a:tc>
                 <a:extLst>
                   <a:ext uri="{0D108BD9-81ED-4DB2-BD59-A6C34878D82A}">
-                    <a16:rowId xmlns="" xmlns:a16="http://schemas.microsoft.com/office/drawing/2014/main" val="2488866604"/>
+                    <a16:rowId xmlns:a16="http://schemas.microsoft.com/office/drawing/2014/main" val="2488866604"/>
                   </a:ext>
                 </a:extLst>
               </a:tr>
@@ -38120,13 +38026,6 @@
   <p:clrMapOvr>
     <a:masterClrMapping/>
   </p:clrMapOvr>
-  <p:timing>
-    <p:tnLst>
-      <p:par>
-        <p:cTn id="1" dur="indefinite" restart="never" nodeType="tmRoot"/>
-      </p:par>
-    </p:tnLst>
-  </p:timing>
 </p:sld>
 </file>
 
@@ -38272,7 +38171,7 @@
           <p:cNvPr id="12" name="TextBox 11">
             <a:extLst>
               <a:ext uri="{FF2B5EF4-FFF2-40B4-BE49-F238E27FC236}">
-                <a16:creationId xmlns="" xmlns:a16="http://schemas.microsoft.com/office/drawing/2014/main" id="{F2BD73FC-CE60-89D8-0057-91C1B7653DFF}"/>
+                <a16:creationId xmlns:a16="http://schemas.microsoft.com/office/drawing/2014/main" id="{F2BD73FC-CE60-89D8-0057-91C1B7653DFF}"/>
               </a:ext>
             </a:extLst>
           </p:cNvPr>
@@ -38296,7 +38195,7 @@
           <a:lstStyle/>
           <a:p>
             <a:r>
-              <a:rPr lang="ko-KR" altLang="en-US" sz="4800" smtClean="0">
+              <a:rPr lang="ko-KR" altLang="en-US" sz="4800">
                 <a:solidFill>
                   <a:srgbClr val="4C50BC"/>
                 </a:solidFill>
@@ -38306,7 +38205,7 @@
               <a:t>시간복잡도 </a:t>
             </a:r>
             <a:r>
-              <a:rPr lang="en-US" altLang="ko-KR" sz="4800" smtClean="0">
+              <a:rPr lang="en-US" altLang="ko-KR" sz="4800">
                 <a:solidFill>
                   <a:srgbClr val="4C50BC"/>
                 </a:solidFill>
@@ -38330,7 +38229,7 @@
           <p:cNvPr id="13" name="TextBox 12">
             <a:extLst>
               <a:ext uri="{FF2B5EF4-FFF2-40B4-BE49-F238E27FC236}">
-                <a16:creationId xmlns="" xmlns:a16="http://schemas.microsoft.com/office/drawing/2014/main" id="{F2BD73FC-CE60-89D8-0057-91C1B7653DFF}"/>
+                <a16:creationId xmlns:a16="http://schemas.microsoft.com/office/drawing/2014/main" id="{F2BD73FC-CE60-89D8-0057-91C1B7653DFF}"/>
               </a:ext>
             </a:extLst>
           </p:cNvPr>
@@ -38354,7 +38253,7 @@
           <a:lstStyle/>
           <a:p>
             <a:r>
-              <a:rPr lang="ko-KR" altLang="en-US" sz="4800" smtClean="0">
+              <a:rPr lang="ko-KR" altLang="en-US" sz="4800">
                 <a:solidFill>
                   <a:srgbClr val="4C50BC"/>
                 </a:solidFill>
@@ -38364,7 +38263,7 @@
               <a:t>시간복잡도 </a:t>
             </a:r>
             <a:r>
-              <a:rPr lang="en-US" altLang="ko-KR" sz="4800" smtClean="0">
+              <a:rPr lang="en-US" altLang="ko-KR" sz="4800">
                 <a:solidFill>
                   <a:srgbClr val="4C50BC"/>
                 </a:solidFill>
@@ -38393,13 +38292,6 @@
   <p:clrMapOvr>
     <a:masterClrMapping/>
   </p:clrMapOvr>
-  <p:timing>
-    <p:tnLst>
-      <p:par>
-        <p:cTn id="1" dur="indefinite" restart="never" nodeType="tmRoot"/>
-      </p:par>
-    </p:tnLst>
-  </p:timing>
 </p:sld>
 </file>
 
@@ -38691,7 +38583,7 @@
           <p:cNvPr id="2" name="TextBox 1">
             <a:extLst>
               <a:ext uri="{FF2B5EF4-FFF2-40B4-BE49-F238E27FC236}">
-                <a16:creationId xmlns="" xmlns:a16="http://schemas.microsoft.com/office/drawing/2014/main" id="{715D88A2-BD52-978B-A00A-540446126E3D}"/>
+                <a16:creationId xmlns:a16="http://schemas.microsoft.com/office/drawing/2014/main" id="{715D88A2-BD52-978B-A00A-540446126E3D}"/>
               </a:ext>
             </a:extLst>
           </p:cNvPr>
@@ -38739,13 +38631,6 @@
   <p:clrMapOvr>
     <a:masterClrMapping/>
   </p:clrMapOvr>
-  <p:timing>
-    <p:tnLst>
-      <p:par>
-        <p:cTn id="1" dur="indefinite" restart="never" nodeType="tmRoot"/>
-      </p:par>
-    </p:tnLst>
-  </p:timing>
 </p:sld>
 </file>
 
@@ -38771,7 +38656,7 @@
           <p:cNvPr id="4" name="그룹 1001">
             <a:extLst>
               <a:ext uri="{FF2B5EF4-FFF2-40B4-BE49-F238E27FC236}">
-                <a16:creationId xmlns="" xmlns:a16="http://schemas.microsoft.com/office/drawing/2014/main" id="{E0956EEE-BA6A-E249-6516-8E257FFD49E1}"/>
+                <a16:creationId xmlns:a16="http://schemas.microsoft.com/office/drawing/2014/main" id="{E0956EEE-BA6A-E249-6516-8E257FFD49E1}"/>
               </a:ext>
             </a:extLst>
           </p:cNvPr>
@@ -38791,7 +38676,7 @@
             <p:cNvPr id="5" name="그룹 1002">
               <a:extLst>
                 <a:ext uri="{FF2B5EF4-FFF2-40B4-BE49-F238E27FC236}">
-                  <a16:creationId xmlns="" xmlns:a16="http://schemas.microsoft.com/office/drawing/2014/main" id="{42BB6755-4490-ECB9-C760-68D4CA4D1D99}"/>
+                  <a16:creationId xmlns:a16="http://schemas.microsoft.com/office/drawing/2014/main" id="{42BB6755-4490-ECB9-C760-68D4CA4D1D99}"/>
                 </a:ext>
               </a:extLst>
             </p:cNvPr>
@@ -38811,7 +38696,7 @@
               <p:cNvPr id="30" name="Object 3">
                 <a:extLst>
                   <a:ext uri="{FF2B5EF4-FFF2-40B4-BE49-F238E27FC236}">
-                    <a16:creationId xmlns="" xmlns:a16="http://schemas.microsoft.com/office/drawing/2014/main" id="{435F3972-F6FE-6E95-390D-FE2951A201A5}"/>
+                    <a16:creationId xmlns:a16="http://schemas.microsoft.com/office/drawing/2014/main" id="{435F3972-F6FE-6E95-390D-FE2951A201A5}"/>
                   </a:ext>
                 </a:extLst>
               </p:cNvPr>
@@ -38842,7 +38727,7 @@
             <p:cNvPr id="6" name="그룹 1003">
               <a:extLst>
                 <a:ext uri="{FF2B5EF4-FFF2-40B4-BE49-F238E27FC236}">
-                  <a16:creationId xmlns="" xmlns:a16="http://schemas.microsoft.com/office/drawing/2014/main" id="{CEA14FEC-F70F-8BB1-3229-8B289D46B1BE}"/>
+                  <a16:creationId xmlns:a16="http://schemas.microsoft.com/office/drawing/2014/main" id="{CEA14FEC-F70F-8BB1-3229-8B289D46B1BE}"/>
                 </a:ext>
               </a:extLst>
             </p:cNvPr>
@@ -38862,7 +38747,7 @@
               <p:cNvPr id="29" name="Object 6">
                 <a:extLst>
                   <a:ext uri="{FF2B5EF4-FFF2-40B4-BE49-F238E27FC236}">
-                    <a16:creationId xmlns="" xmlns:a16="http://schemas.microsoft.com/office/drawing/2014/main" id="{7D8DFEA3-B447-FD80-229B-FE3F8B762A48}"/>
+                    <a16:creationId xmlns:a16="http://schemas.microsoft.com/office/drawing/2014/main" id="{7D8DFEA3-B447-FD80-229B-FE3F8B762A48}"/>
                   </a:ext>
                 </a:extLst>
               </p:cNvPr>
@@ -38893,7 +38778,7 @@
             <p:cNvPr id="7" name="그룹 1004">
               <a:extLst>
                 <a:ext uri="{FF2B5EF4-FFF2-40B4-BE49-F238E27FC236}">
-                  <a16:creationId xmlns="" xmlns:a16="http://schemas.microsoft.com/office/drawing/2014/main" id="{61049BDD-D8AB-1C05-3476-E0A7DFF10D1E}"/>
+                  <a16:creationId xmlns:a16="http://schemas.microsoft.com/office/drawing/2014/main" id="{61049BDD-D8AB-1C05-3476-E0A7DFF10D1E}"/>
                 </a:ext>
               </a:extLst>
             </p:cNvPr>
@@ -38913,7 +38798,7 @@
               <p:cNvPr id="28" name="Object 9">
                 <a:extLst>
                   <a:ext uri="{FF2B5EF4-FFF2-40B4-BE49-F238E27FC236}">
-                    <a16:creationId xmlns="" xmlns:a16="http://schemas.microsoft.com/office/drawing/2014/main" id="{BB75E1E0-AA47-136B-0062-3B2923DF50CC}"/>
+                    <a16:creationId xmlns:a16="http://schemas.microsoft.com/office/drawing/2014/main" id="{BB75E1E0-AA47-136B-0062-3B2923DF50CC}"/>
                   </a:ext>
                 </a:extLst>
               </p:cNvPr>
@@ -38944,7 +38829,7 @@
             <p:cNvPr id="8" name="그룹 1005">
               <a:extLst>
                 <a:ext uri="{FF2B5EF4-FFF2-40B4-BE49-F238E27FC236}">
-                  <a16:creationId xmlns="" xmlns:a16="http://schemas.microsoft.com/office/drawing/2014/main" id="{BBD37CDE-0996-DC37-B82B-81259E8E68F6}"/>
+                  <a16:creationId xmlns:a16="http://schemas.microsoft.com/office/drawing/2014/main" id="{BBD37CDE-0996-DC37-B82B-81259E8E68F6}"/>
                 </a:ext>
               </a:extLst>
             </p:cNvPr>
@@ -38964,7 +38849,7 @@
               <p:cNvPr id="27" name="Object 12">
                 <a:extLst>
                   <a:ext uri="{FF2B5EF4-FFF2-40B4-BE49-F238E27FC236}">
-                    <a16:creationId xmlns="" xmlns:a16="http://schemas.microsoft.com/office/drawing/2014/main" id="{2FEDB64D-D92F-9F75-699A-70AC411BF360}"/>
+                    <a16:creationId xmlns:a16="http://schemas.microsoft.com/office/drawing/2014/main" id="{2FEDB64D-D92F-9F75-699A-70AC411BF360}"/>
                   </a:ext>
                 </a:extLst>
               </p:cNvPr>
@@ -38995,7 +38880,7 @@
             <p:cNvPr id="9" name="그룹 1006">
               <a:extLst>
                 <a:ext uri="{FF2B5EF4-FFF2-40B4-BE49-F238E27FC236}">
-                  <a16:creationId xmlns="" xmlns:a16="http://schemas.microsoft.com/office/drawing/2014/main" id="{933FE248-46E3-EAFB-8CC8-C7AFD57C7A32}"/>
+                  <a16:creationId xmlns:a16="http://schemas.microsoft.com/office/drawing/2014/main" id="{933FE248-46E3-EAFB-8CC8-C7AFD57C7A32}"/>
                 </a:ext>
               </a:extLst>
             </p:cNvPr>
@@ -39015,7 +38900,7 @@
               <p:cNvPr id="26" name="Object 15">
                 <a:extLst>
                   <a:ext uri="{FF2B5EF4-FFF2-40B4-BE49-F238E27FC236}">
-                    <a16:creationId xmlns="" xmlns:a16="http://schemas.microsoft.com/office/drawing/2014/main" id="{0A60F11D-2A8F-8B6F-0287-13F728DEFE3B}"/>
+                    <a16:creationId xmlns:a16="http://schemas.microsoft.com/office/drawing/2014/main" id="{0A60F11D-2A8F-8B6F-0287-13F728DEFE3B}"/>
                   </a:ext>
                 </a:extLst>
               </p:cNvPr>
@@ -39046,7 +38931,7 @@
             <p:cNvPr id="10" name="그룹 1007">
               <a:extLst>
                 <a:ext uri="{FF2B5EF4-FFF2-40B4-BE49-F238E27FC236}">
-                  <a16:creationId xmlns="" xmlns:a16="http://schemas.microsoft.com/office/drawing/2014/main" id="{1109224B-448B-1B5F-6D84-E893DC2E1534}"/>
+                  <a16:creationId xmlns:a16="http://schemas.microsoft.com/office/drawing/2014/main" id="{1109224B-448B-1B5F-6D84-E893DC2E1534}"/>
                 </a:ext>
               </a:extLst>
             </p:cNvPr>
@@ -39066,7 +38951,7 @@
               <p:cNvPr id="25" name="Object 18">
                 <a:extLst>
                   <a:ext uri="{FF2B5EF4-FFF2-40B4-BE49-F238E27FC236}">
-                    <a16:creationId xmlns="" xmlns:a16="http://schemas.microsoft.com/office/drawing/2014/main" id="{C96F2A94-6828-264E-E3EE-3E7BB9D71EC0}"/>
+                    <a16:creationId xmlns:a16="http://schemas.microsoft.com/office/drawing/2014/main" id="{C96F2A94-6828-264E-E3EE-3E7BB9D71EC0}"/>
                   </a:ext>
                 </a:extLst>
               </p:cNvPr>
@@ -39097,7 +38982,7 @@
             <p:cNvPr id="11" name="그룹 1008">
               <a:extLst>
                 <a:ext uri="{FF2B5EF4-FFF2-40B4-BE49-F238E27FC236}">
-                  <a16:creationId xmlns="" xmlns:a16="http://schemas.microsoft.com/office/drawing/2014/main" id="{FA91F934-44D9-BE2C-2C9A-365BAD760020}"/>
+                  <a16:creationId xmlns:a16="http://schemas.microsoft.com/office/drawing/2014/main" id="{FA91F934-44D9-BE2C-2C9A-365BAD760020}"/>
                 </a:ext>
               </a:extLst>
             </p:cNvPr>
@@ -39117,7 +39002,7 @@
               <p:cNvPr id="24" name="Object 21">
                 <a:extLst>
                   <a:ext uri="{FF2B5EF4-FFF2-40B4-BE49-F238E27FC236}">
-                    <a16:creationId xmlns="" xmlns:a16="http://schemas.microsoft.com/office/drawing/2014/main" id="{B6A2858F-8DFA-9E99-8FD9-0EDD78662F6B}"/>
+                    <a16:creationId xmlns:a16="http://schemas.microsoft.com/office/drawing/2014/main" id="{B6A2858F-8DFA-9E99-8FD9-0EDD78662F6B}"/>
                   </a:ext>
                 </a:extLst>
               </p:cNvPr>
@@ -39148,7 +39033,7 @@
             <p:cNvPr id="12" name="그룹 1009">
               <a:extLst>
                 <a:ext uri="{FF2B5EF4-FFF2-40B4-BE49-F238E27FC236}">
-                  <a16:creationId xmlns="" xmlns:a16="http://schemas.microsoft.com/office/drawing/2014/main" id="{D6B3B607-7E92-1BF6-57D2-850B5FA959EC}"/>
+                  <a16:creationId xmlns:a16="http://schemas.microsoft.com/office/drawing/2014/main" id="{D6B3B607-7E92-1BF6-57D2-850B5FA959EC}"/>
                 </a:ext>
               </a:extLst>
             </p:cNvPr>
@@ -39168,7 +39053,7 @@
               <p:cNvPr id="23" name="Object 24">
                 <a:extLst>
                   <a:ext uri="{FF2B5EF4-FFF2-40B4-BE49-F238E27FC236}">
-                    <a16:creationId xmlns="" xmlns:a16="http://schemas.microsoft.com/office/drawing/2014/main" id="{F5824643-CE86-9262-BE34-479ABA316793}"/>
+                    <a16:creationId xmlns:a16="http://schemas.microsoft.com/office/drawing/2014/main" id="{F5824643-CE86-9262-BE34-479ABA316793}"/>
                   </a:ext>
                 </a:extLst>
               </p:cNvPr>
@@ -39199,7 +39084,7 @@
             <p:cNvPr id="13" name="그룹 1010">
               <a:extLst>
                 <a:ext uri="{FF2B5EF4-FFF2-40B4-BE49-F238E27FC236}">
-                  <a16:creationId xmlns="" xmlns:a16="http://schemas.microsoft.com/office/drawing/2014/main" id="{0F3DB597-C995-2892-6BB8-0676EAB1A7BE}"/>
+                  <a16:creationId xmlns:a16="http://schemas.microsoft.com/office/drawing/2014/main" id="{0F3DB597-C995-2892-6BB8-0676EAB1A7BE}"/>
                 </a:ext>
               </a:extLst>
             </p:cNvPr>
@@ -39219,7 +39104,7 @@
               <p:cNvPr id="22" name="Object 27">
                 <a:extLst>
                   <a:ext uri="{FF2B5EF4-FFF2-40B4-BE49-F238E27FC236}">
-                    <a16:creationId xmlns="" xmlns:a16="http://schemas.microsoft.com/office/drawing/2014/main" id="{1D952FFE-8620-6B1A-4A09-8A3CE15C92A2}"/>
+                    <a16:creationId xmlns:a16="http://schemas.microsoft.com/office/drawing/2014/main" id="{1D952FFE-8620-6B1A-4A09-8A3CE15C92A2}"/>
                   </a:ext>
                 </a:extLst>
               </p:cNvPr>
@@ -39250,7 +39135,7 @@
             <p:cNvPr id="14" name="그룹 1011">
               <a:extLst>
                 <a:ext uri="{FF2B5EF4-FFF2-40B4-BE49-F238E27FC236}">
-                  <a16:creationId xmlns="" xmlns:a16="http://schemas.microsoft.com/office/drawing/2014/main" id="{A47E0769-9D20-82DD-7450-2AFB133EA7F5}"/>
+                  <a16:creationId xmlns:a16="http://schemas.microsoft.com/office/drawing/2014/main" id="{A47E0769-9D20-82DD-7450-2AFB133EA7F5}"/>
                 </a:ext>
               </a:extLst>
             </p:cNvPr>
@@ -39270,7 +39155,7 @@
               <p:cNvPr id="21" name="Object 30">
                 <a:extLst>
                   <a:ext uri="{FF2B5EF4-FFF2-40B4-BE49-F238E27FC236}">
-                    <a16:creationId xmlns="" xmlns:a16="http://schemas.microsoft.com/office/drawing/2014/main" id="{D36DE068-EB6E-5849-A526-9C2090CED621}"/>
+                    <a16:creationId xmlns:a16="http://schemas.microsoft.com/office/drawing/2014/main" id="{D36DE068-EB6E-5849-A526-9C2090CED621}"/>
                   </a:ext>
                 </a:extLst>
               </p:cNvPr>
@@ -39301,7 +39186,7 @@
             <p:cNvPr id="15" name="그룹 1012">
               <a:extLst>
                 <a:ext uri="{FF2B5EF4-FFF2-40B4-BE49-F238E27FC236}">
-                  <a16:creationId xmlns="" xmlns:a16="http://schemas.microsoft.com/office/drawing/2014/main" id="{B0985FAA-83C7-085A-C309-FCB345532BDE}"/>
+                  <a16:creationId xmlns:a16="http://schemas.microsoft.com/office/drawing/2014/main" id="{B0985FAA-83C7-085A-C309-FCB345532BDE}"/>
                 </a:ext>
               </a:extLst>
             </p:cNvPr>
@@ -39321,7 +39206,7 @@
               <p:cNvPr id="20" name="Object 33">
                 <a:extLst>
                   <a:ext uri="{FF2B5EF4-FFF2-40B4-BE49-F238E27FC236}">
-                    <a16:creationId xmlns="" xmlns:a16="http://schemas.microsoft.com/office/drawing/2014/main" id="{D6517835-A230-5685-A8A5-D1DB8335CBFA}"/>
+                    <a16:creationId xmlns:a16="http://schemas.microsoft.com/office/drawing/2014/main" id="{D6517835-A230-5685-A8A5-D1DB8335CBFA}"/>
                   </a:ext>
                 </a:extLst>
               </p:cNvPr>
@@ -39352,7 +39237,7 @@
             <p:cNvPr id="16" name="그룹 1013">
               <a:extLst>
                 <a:ext uri="{FF2B5EF4-FFF2-40B4-BE49-F238E27FC236}">
-                  <a16:creationId xmlns="" xmlns:a16="http://schemas.microsoft.com/office/drawing/2014/main" id="{3D8CA25A-772D-749A-A22E-879E4C63D9E6}"/>
+                  <a16:creationId xmlns:a16="http://schemas.microsoft.com/office/drawing/2014/main" id="{3D8CA25A-772D-749A-A22E-879E4C63D9E6}"/>
                 </a:ext>
               </a:extLst>
             </p:cNvPr>
@@ -39372,7 +39257,7 @@
               <p:cNvPr id="19" name="Object 36">
                 <a:extLst>
                   <a:ext uri="{FF2B5EF4-FFF2-40B4-BE49-F238E27FC236}">
-                    <a16:creationId xmlns="" xmlns:a16="http://schemas.microsoft.com/office/drawing/2014/main" id="{2198454E-4F7C-8389-A1EA-B413F46643F4}"/>
+                    <a16:creationId xmlns:a16="http://schemas.microsoft.com/office/drawing/2014/main" id="{2198454E-4F7C-8389-A1EA-B413F46643F4}"/>
                   </a:ext>
                 </a:extLst>
               </p:cNvPr>
@@ -39403,7 +39288,7 @@
             <p:cNvPr id="17" name="그룹 1014">
               <a:extLst>
                 <a:ext uri="{FF2B5EF4-FFF2-40B4-BE49-F238E27FC236}">
-                  <a16:creationId xmlns="" xmlns:a16="http://schemas.microsoft.com/office/drawing/2014/main" id="{7B5B8359-6370-CD61-04F7-E7332B1269F8}"/>
+                  <a16:creationId xmlns:a16="http://schemas.microsoft.com/office/drawing/2014/main" id="{7B5B8359-6370-CD61-04F7-E7332B1269F8}"/>
                 </a:ext>
               </a:extLst>
             </p:cNvPr>
@@ -39423,7 +39308,7 @@
               <p:cNvPr id="18" name="Object 39">
                 <a:extLst>
                   <a:ext uri="{FF2B5EF4-FFF2-40B4-BE49-F238E27FC236}">
-                    <a16:creationId xmlns="" xmlns:a16="http://schemas.microsoft.com/office/drawing/2014/main" id="{6EC25CEC-C244-9ED0-1EA4-51E1C4D2C870}"/>
+                    <a16:creationId xmlns:a16="http://schemas.microsoft.com/office/drawing/2014/main" id="{6EC25CEC-C244-9ED0-1EA4-51E1C4D2C870}"/>
                   </a:ext>
                 </a:extLst>
               </p:cNvPr>
@@ -39455,7 +39340,7 @@
           <p:cNvPr id="31" name="그룹 1016">
             <a:extLst>
               <a:ext uri="{FF2B5EF4-FFF2-40B4-BE49-F238E27FC236}">
-                <a16:creationId xmlns="" xmlns:a16="http://schemas.microsoft.com/office/drawing/2014/main" id="{1DE47C6F-21FC-47D6-3F82-AD3D367DC4CB}"/>
+                <a16:creationId xmlns:a16="http://schemas.microsoft.com/office/drawing/2014/main" id="{1DE47C6F-21FC-47D6-3F82-AD3D367DC4CB}"/>
               </a:ext>
             </a:extLst>
           </p:cNvPr>
@@ -39475,7 +39360,7 @@
             <p:cNvPr id="32" name="Object 46">
               <a:extLst>
                 <a:ext uri="{FF2B5EF4-FFF2-40B4-BE49-F238E27FC236}">
-                  <a16:creationId xmlns="" xmlns:a16="http://schemas.microsoft.com/office/drawing/2014/main" id="{ADB560C1-17C4-1D68-5BD7-2DBA66CCB673}"/>
+                  <a16:creationId xmlns:a16="http://schemas.microsoft.com/office/drawing/2014/main" id="{ADB560C1-17C4-1D68-5BD7-2DBA66CCB673}"/>
                 </a:ext>
               </a:extLst>
             </p:cNvPr>
@@ -39506,7 +39391,7 @@
           <p:cNvPr id="33" name="그룹 1023">
             <a:extLst>
               <a:ext uri="{FF2B5EF4-FFF2-40B4-BE49-F238E27FC236}">
-                <a16:creationId xmlns="" xmlns:a16="http://schemas.microsoft.com/office/drawing/2014/main" id="{D6AF35F1-646F-F8C5-0E9B-773311A51399}"/>
+                <a16:creationId xmlns:a16="http://schemas.microsoft.com/office/drawing/2014/main" id="{D6AF35F1-646F-F8C5-0E9B-773311A51399}"/>
               </a:ext>
             </a:extLst>
           </p:cNvPr>
@@ -39526,7 +39411,7 @@
             <p:cNvPr id="34" name="그룹 1024">
               <a:extLst>
                 <a:ext uri="{FF2B5EF4-FFF2-40B4-BE49-F238E27FC236}">
-                  <a16:creationId xmlns="" xmlns:a16="http://schemas.microsoft.com/office/drawing/2014/main" id="{8C60895A-83EB-CF77-3918-E56384BB5793}"/>
+                  <a16:creationId xmlns:a16="http://schemas.microsoft.com/office/drawing/2014/main" id="{8C60895A-83EB-CF77-3918-E56384BB5793}"/>
                 </a:ext>
               </a:extLst>
             </p:cNvPr>
@@ -39546,7 +39431,7 @@
               <p:cNvPr id="39" name="Object 73">
                 <a:extLst>
                   <a:ext uri="{FF2B5EF4-FFF2-40B4-BE49-F238E27FC236}">
-                    <a16:creationId xmlns="" xmlns:a16="http://schemas.microsoft.com/office/drawing/2014/main" id="{A33A8D58-9259-76B4-574F-DC3FD3C09ED5}"/>
+                    <a16:creationId xmlns:a16="http://schemas.microsoft.com/office/drawing/2014/main" id="{A33A8D58-9259-76B4-574F-DC3FD3C09ED5}"/>
                   </a:ext>
                 </a:extLst>
               </p:cNvPr>
@@ -39577,7 +39462,7 @@
             <p:cNvPr id="35" name="그룹 1025">
               <a:extLst>
                 <a:ext uri="{FF2B5EF4-FFF2-40B4-BE49-F238E27FC236}">
-                  <a16:creationId xmlns="" xmlns:a16="http://schemas.microsoft.com/office/drawing/2014/main" id="{6DF0752A-0964-9D56-6135-A3D850ADA990}"/>
+                  <a16:creationId xmlns:a16="http://schemas.microsoft.com/office/drawing/2014/main" id="{6DF0752A-0964-9D56-6135-A3D850ADA990}"/>
                 </a:ext>
               </a:extLst>
             </p:cNvPr>
@@ -39597,7 +39482,7 @@
               <p:cNvPr id="38" name="Object 76">
                 <a:extLst>
                   <a:ext uri="{FF2B5EF4-FFF2-40B4-BE49-F238E27FC236}">
-                    <a16:creationId xmlns="" xmlns:a16="http://schemas.microsoft.com/office/drawing/2014/main" id="{26A406E1-6890-046D-41BA-A84840C6E21B}"/>
+                    <a16:creationId xmlns:a16="http://schemas.microsoft.com/office/drawing/2014/main" id="{26A406E1-6890-046D-41BA-A84840C6E21B}"/>
                   </a:ext>
                 </a:extLst>
               </p:cNvPr>
@@ -39628,7 +39513,7 @@
             <p:cNvPr id="36" name="그룹 1026">
               <a:extLst>
                 <a:ext uri="{FF2B5EF4-FFF2-40B4-BE49-F238E27FC236}">
-                  <a16:creationId xmlns="" xmlns:a16="http://schemas.microsoft.com/office/drawing/2014/main" id="{54D791D7-08A3-C1A7-0EB0-EF7BF07A2162}"/>
+                  <a16:creationId xmlns:a16="http://schemas.microsoft.com/office/drawing/2014/main" id="{54D791D7-08A3-C1A7-0EB0-EF7BF07A2162}"/>
                 </a:ext>
               </a:extLst>
             </p:cNvPr>
@@ -39648,7 +39533,7 @@
               <p:cNvPr id="37" name="Object 79">
                 <a:extLst>
                   <a:ext uri="{FF2B5EF4-FFF2-40B4-BE49-F238E27FC236}">
-                    <a16:creationId xmlns="" xmlns:a16="http://schemas.microsoft.com/office/drawing/2014/main" id="{7A0DE37B-7809-26D9-A54A-2B1CA6F13488}"/>
+                    <a16:creationId xmlns:a16="http://schemas.microsoft.com/office/drawing/2014/main" id="{7A0DE37B-7809-26D9-A54A-2B1CA6F13488}"/>
                   </a:ext>
                 </a:extLst>
               </p:cNvPr>
@@ -39680,7 +39565,7 @@
           <p:cNvPr id="40" name="TextBox 39">
             <a:extLst>
               <a:ext uri="{FF2B5EF4-FFF2-40B4-BE49-F238E27FC236}">
-                <a16:creationId xmlns="" xmlns:a16="http://schemas.microsoft.com/office/drawing/2014/main" id="{67776577-8BF8-BCED-C13C-73FAE8F81DC9}"/>
+                <a16:creationId xmlns:a16="http://schemas.microsoft.com/office/drawing/2014/main" id="{67776577-8BF8-BCED-C13C-73FAE8F81DC9}"/>
               </a:ext>
             </a:extLst>
           </p:cNvPr>
@@ -39748,7 +39633,7 @@
           <p:cNvPr id="41" name="TextBox 40">
             <a:extLst>
               <a:ext uri="{FF2B5EF4-FFF2-40B4-BE49-F238E27FC236}">
-                <a16:creationId xmlns="" xmlns:a16="http://schemas.microsoft.com/office/drawing/2014/main" id="{BDB5FB4E-65AD-F1CF-7B45-1EE76F100F92}"/>
+                <a16:creationId xmlns:a16="http://schemas.microsoft.com/office/drawing/2014/main" id="{BDB5FB4E-65AD-F1CF-7B45-1EE76F100F92}"/>
               </a:ext>
             </a:extLst>
           </p:cNvPr>
@@ -39826,7 +39711,7 @@
           <p:cNvPr id="6" name="그룹 1018">
             <a:extLst>
               <a:ext uri="{FF2B5EF4-FFF2-40B4-BE49-F238E27FC236}">
-                <a16:creationId xmlns="" xmlns:a16="http://schemas.microsoft.com/office/drawing/2014/main" id="{0804D430-F42E-AE32-A065-FFA8C471F092}"/>
+                <a16:creationId xmlns:a16="http://schemas.microsoft.com/office/drawing/2014/main" id="{0804D430-F42E-AE32-A065-FFA8C471F092}"/>
               </a:ext>
             </a:extLst>
           </p:cNvPr>
@@ -39846,7 +39731,7 @@
             <p:cNvPr id="7" name="Object 61">
               <a:extLst>
                 <a:ext uri="{FF2B5EF4-FFF2-40B4-BE49-F238E27FC236}">
-                  <a16:creationId xmlns="" xmlns:a16="http://schemas.microsoft.com/office/drawing/2014/main" id="{334A4C3A-641C-7CD9-8FEE-5EC92B28D640}"/>
+                  <a16:creationId xmlns:a16="http://schemas.microsoft.com/office/drawing/2014/main" id="{334A4C3A-641C-7CD9-8FEE-5EC92B28D640}"/>
                 </a:ext>
               </a:extLst>
             </p:cNvPr>
@@ -39918,7 +39803,7 @@
           <p:cNvPr id="5" name="TextBox 4">
             <a:extLst>
               <a:ext uri="{FF2B5EF4-FFF2-40B4-BE49-F238E27FC236}">
-                <a16:creationId xmlns="" xmlns:a16="http://schemas.microsoft.com/office/drawing/2014/main" id="{DF7DDD33-9412-2802-339A-E55446AC2DA7}"/>
+                <a16:creationId xmlns:a16="http://schemas.microsoft.com/office/drawing/2014/main" id="{DF7DDD33-9412-2802-339A-E55446AC2DA7}"/>
               </a:ext>
             </a:extLst>
           </p:cNvPr>
@@ -40026,7 +39911,7 @@
           <p:cNvPr id="10" name="TextBox 9">
             <a:extLst>
               <a:ext uri="{FF2B5EF4-FFF2-40B4-BE49-F238E27FC236}">
-                <a16:creationId xmlns="" xmlns:a16="http://schemas.microsoft.com/office/drawing/2014/main" id="{DF7DDD33-9412-2802-339A-E55446AC2DA7}"/>
+                <a16:creationId xmlns:a16="http://schemas.microsoft.com/office/drawing/2014/main" id="{DF7DDD33-9412-2802-339A-E55446AC2DA7}"/>
               </a:ext>
             </a:extLst>
           </p:cNvPr>
@@ -40084,7 +39969,7 @@
           <p:cNvPr id="11" name="그룹 1018">
             <a:extLst>
               <a:ext uri="{FF2B5EF4-FFF2-40B4-BE49-F238E27FC236}">
-                <a16:creationId xmlns="" xmlns:a16="http://schemas.microsoft.com/office/drawing/2014/main" id="{0804D430-F42E-AE32-A065-FFA8C471F092}"/>
+                <a16:creationId xmlns:a16="http://schemas.microsoft.com/office/drawing/2014/main" id="{0804D430-F42E-AE32-A065-FFA8C471F092}"/>
               </a:ext>
             </a:extLst>
           </p:cNvPr>
@@ -40104,7 +39989,7 @@
             <p:cNvPr id="12" name="Object 61">
               <a:extLst>
                 <a:ext uri="{FF2B5EF4-FFF2-40B4-BE49-F238E27FC236}">
-                  <a16:creationId xmlns="" xmlns:a16="http://schemas.microsoft.com/office/drawing/2014/main" id="{334A4C3A-641C-7CD9-8FEE-5EC92B28D640}"/>
+                  <a16:creationId xmlns:a16="http://schemas.microsoft.com/office/drawing/2014/main" id="{334A4C3A-641C-7CD9-8FEE-5EC92B28D640}"/>
                 </a:ext>
               </a:extLst>
             </p:cNvPr>
@@ -40135,7 +40020,7 @@
           <p:cNvPr id="13" name="TextBox 12">
             <a:extLst>
               <a:ext uri="{FF2B5EF4-FFF2-40B4-BE49-F238E27FC236}">
-                <a16:creationId xmlns="" xmlns:a16="http://schemas.microsoft.com/office/drawing/2014/main" id="{DF7DDD33-9412-2802-339A-E55446AC2DA7}"/>
+                <a16:creationId xmlns:a16="http://schemas.microsoft.com/office/drawing/2014/main" id="{DF7DDD33-9412-2802-339A-E55446AC2DA7}"/>
               </a:ext>
             </a:extLst>
           </p:cNvPr>
@@ -40243,7 +40128,7 @@
           <p:cNvPr id="14" name="TextBox 13">
             <a:extLst>
               <a:ext uri="{FF2B5EF4-FFF2-40B4-BE49-F238E27FC236}">
-                <a16:creationId xmlns="" xmlns:a16="http://schemas.microsoft.com/office/drawing/2014/main" id="{DF7DDD33-9412-2802-339A-E55446AC2DA7}"/>
+                <a16:creationId xmlns:a16="http://schemas.microsoft.com/office/drawing/2014/main" id="{DF7DDD33-9412-2802-339A-E55446AC2DA7}"/>
               </a:ext>
             </a:extLst>
           </p:cNvPr>
@@ -40331,7 +40216,7 @@
           <p:cNvPr id="4" name="TextBox 3">
             <a:extLst>
               <a:ext uri="{FF2B5EF4-FFF2-40B4-BE49-F238E27FC236}">
-                <a16:creationId xmlns="" xmlns:a16="http://schemas.microsoft.com/office/drawing/2014/main" id="{DF7DDD33-9412-2802-339A-E55446AC2DA7}"/>
+                <a16:creationId xmlns:a16="http://schemas.microsoft.com/office/drawing/2014/main" id="{DF7DDD33-9412-2802-339A-E55446AC2DA7}"/>
               </a:ext>
             </a:extLst>
           </p:cNvPr>
@@ -40409,7 +40294,7 @@
           <p:cNvPr id="4" name="그룹 1016">
             <a:extLst>
               <a:ext uri="{FF2B5EF4-FFF2-40B4-BE49-F238E27FC236}">
-                <a16:creationId xmlns="" xmlns:a16="http://schemas.microsoft.com/office/drawing/2014/main" id="{AA13A3EF-F488-87B4-3F87-5B52552891A6}"/>
+                <a16:creationId xmlns:a16="http://schemas.microsoft.com/office/drawing/2014/main" id="{AA13A3EF-F488-87B4-3F87-5B52552891A6}"/>
               </a:ext>
             </a:extLst>
           </p:cNvPr>
@@ -40429,7 +40314,7 @@
             <p:cNvPr id="5" name="그룹 1017">
               <a:extLst>
                 <a:ext uri="{FF2B5EF4-FFF2-40B4-BE49-F238E27FC236}">
-                  <a16:creationId xmlns="" xmlns:a16="http://schemas.microsoft.com/office/drawing/2014/main" id="{DD5B6348-D6C2-1E43-47F2-F015E70C50D0}"/>
+                  <a16:creationId xmlns:a16="http://schemas.microsoft.com/office/drawing/2014/main" id="{DD5B6348-D6C2-1E43-47F2-F015E70C50D0}"/>
                 </a:ext>
               </a:extLst>
             </p:cNvPr>
@@ -40449,7 +40334,7 @@
               <p:cNvPr id="8" name="Object 58">
                 <a:extLst>
                   <a:ext uri="{FF2B5EF4-FFF2-40B4-BE49-F238E27FC236}">
-                    <a16:creationId xmlns="" xmlns:a16="http://schemas.microsoft.com/office/drawing/2014/main" id="{E926E84F-387D-D73A-959B-A7BBDEA707C6}"/>
+                    <a16:creationId xmlns:a16="http://schemas.microsoft.com/office/drawing/2014/main" id="{E926E84F-387D-D73A-959B-A7BBDEA707C6}"/>
                   </a:ext>
                 </a:extLst>
               </p:cNvPr>
@@ -40480,7 +40365,7 @@
             <p:cNvPr id="6" name="그룹 1018">
               <a:extLst>
                 <a:ext uri="{FF2B5EF4-FFF2-40B4-BE49-F238E27FC236}">
-                  <a16:creationId xmlns="" xmlns:a16="http://schemas.microsoft.com/office/drawing/2014/main" id="{B51CCF3A-1468-51BC-27EE-7ACC4E2D0E92}"/>
+                  <a16:creationId xmlns:a16="http://schemas.microsoft.com/office/drawing/2014/main" id="{B51CCF3A-1468-51BC-27EE-7ACC4E2D0E92}"/>
                 </a:ext>
               </a:extLst>
             </p:cNvPr>
@@ -40500,7 +40385,7 @@
               <p:cNvPr id="7" name="Object 61">
                 <a:extLst>
                   <a:ext uri="{FF2B5EF4-FFF2-40B4-BE49-F238E27FC236}">
-                    <a16:creationId xmlns="" xmlns:a16="http://schemas.microsoft.com/office/drawing/2014/main" id="{7384DDFE-27C6-B967-21FA-834078595458}"/>
+                    <a16:creationId xmlns:a16="http://schemas.microsoft.com/office/drawing/2014/main" id="{7384DDFE-27C6-B967-21FA-834078595458}"/>
                   </a:ext>
                 </a:extLst>
               </p:cNvPr>
@@ -40532,7 +40417,7 @@
           <p:cNvPr id="9" name="그룹 1006">
             <a:extLst>
               <a:ext uri="{FF2B5EF4-FFF2-40B4-BE49-F238E27FC236}">
-                <a16:creationId xmlns="" xmlns:a16="http://schemas.microsoft.com/office/drawing/2014/main" id="{DA5AECD5-4C6B-C6E0-9057-4A4BB838FB29}"/>
+                <a16:creationId xmlns:a16="http://schemas.microsoft.com/office/drawing/2014/main" id="{DA5AECD5-4C6B-C6E0-9057-4A4BB838FB29}"/>
               </a:ext>
             </a:extLst>
           </p:cNvPr>
@@ -40552,7 +40437,7 @@
             <p:cNvPr id="10" name="Object 18">
               <a:extLst>
                 <a:ext uri="{FF2B5EF4-FFF2-40B4-BE49-F238E27FC236}">
-                  <a16:creationId xmlns="" xmlns:a16="http://schemas.microsoft.com/office/drawing/2014/main" id="{F33E73BC-B877-CC26-0C7F-B5AF2D91EACC}"/>
+                  <a16:creationId xmlns:a16="http://schemas.microsoft.com/office/drawing/2014/main" id="{F33E73BC-B877-CC26-0C7F-B5AF2D91EACC}"/>
                 </a:ext>
               </a:extLst>
             </p:cNvPr>
@@ -40583,7 +40468,7 @@
           <p:cNvPr id="11" name="그룹 1007">
             <a:extLst>
               <a:ext uri="{FF2B5EF4-FFF2-40B4-BE49-F238E27FC236}">
-                <a16:creationId xmlns="" xmlns:a16="http://schemas.microsoft.com/office/drawing/2014/main" id="{DD95D7BB-8D63-9E75-4010-C518E4FDBAD6}"/>
+                <a16:creationId xmlns:a16="http://schemas.microsoft.com/office/drawing/2014/main" id="{DD95D7BB-8D63-9E75-4010-C518E4FDBAD6}"/>
               </a:ext>
             </a:extLst>
           </p:cNvPr>
@@ -40603,7 +40488,7 @@
             <p:cNvPr id="12" name="Object 21">
               <a:extLst>
                 <a:ext uri="{FF2B5EF4-FFF2-40B4-BE49-F238E27FC236}">
-                  <a16:creationId xmlns="" xmlns:a16="http://schemas.microsoft.com/office/drawing/2014/main" id="{EEEB3107-045B-4D5F-02F6-7F9BAB218DBA}"/>
+                  <a16:creationId xmlns:a16="http://schemas.microsoft.com/office/drawing/2014/main" id="{EEEB3107-045B-4D5F-02F6-7F9BAB218DBA}"/>
                 </a:ext>
               </a:extLst>
             </p:cNvPr>
@@ -40634,7 +40519,7 @@
           <p:cNvPr id="13" name="그룹 1008">
             <a:extLst>
               <a:ext uri="{FF2B5EF4-FFF2-40B4-BE49-F238E27FC236}">
-                <a16:creationId xmlns="" xmlns:a16="http://schemas.microsoft.com/office/drawing/2014/main" id="{98838A85-E5D7-77FE-4B20-58C3FF9B6C5E}"/>
+                <a16:creationId xmlns:a16="http://schemas.microsoft.com/office/drawing/2014/main" id="{98838A85-E5D7-77FE-4B20-58C3FF9B6C5E}"/>
               </a:ext>
             </a:extLst>
           </p:cNvPr>
@@ -40654,7 +40539,7 @@
             <p:cNvPr id="14" name="Object 24">
               <a:extLst>
                 <a:ext uri="{FF2B5EF4-FFF2-40B4-BE49-F238E27FC236}">
-                  <a16:creationId xmlns="" xmlns:a16="http://schemas.microsoft.com/office/drawing/2014/main" id="{468F2CB3-563F-9B41-1294-A0B328A9C03F}"/>
+                  <a16:creationId xmlns:a16="http://schemas.microsoft.com/office/drawing/2014/main" id="{468F2CB3-563F-9B41-1294-A0B328A9C03F}"/>
                 </a:ext>
               </a:extLst>
             </p:cNvPr>
@@ -40685,7 +40570,7 @@
           <p:cNvPr id="17" name="그룹 1019">
             <a:extLst>
               <a:ext uri="{FF2B5EF4-FFF2-40B4-BE49-F238E27FC236}">
-                <a16:creationId xmlns="" xmlns:a16="http://schemas.microsoft.com/office/drawing/2014/main" id="{29E0DFB5-4178-3B03-0A70-95EE17DCE53D}"/>
+                <a16:creationId xmlns:a16="http://schemas.microsoft.com/office/drawing/2014/main" id="{29E0DFB5-4178-3B03-0A70-95EE17DCE53D}"/>
               </a:ext>
             </a:extLst>
           </p:cNvPr>
@@ -40705,7 +40590,7 @@
             <p:cNvPr id="18" name="Object 61">
               <a:extLst>
                 <a:ext uri="{FF2B5EF4-FFF2-40B4-BE49-F238E27FC236}">
-                  <a16:creationId xmlns="" xmlns:a16="http://schemas.microsoft.com/office/drawing/2014/main" id="{3CE8DCA4-38A6-DE0E-C169-95883351E90B}"/>
+                  <a16:creationId xmlns:a16="http://schemas.microsoft.com/office/drawing/2014/main" id="{3CE8DCA4-38A6-DE0E-C169-95883351E90B}"/>
                 </a:ext>
               </a:extLst>
             </p:cNvPr>
@@ -40736,7 +40621,7 @@
           <p:cNvPr id="19" name="그룹 1024">
             <a:extLst>
               <a:ext uri="{FF2B5EF4-FFF2-40B4-BE49-F238E27FC236}">
-                <a16:creationId xmlns="" xmlns:a16="http://schemas.microsoft.com/office/drawing/2014/main" id="{D63117C1-65D4-0F5A-875E-7A548566C74C}"/>
+                <a16:creationId xmlns:a16="http://schemas.microsoft.com/office/drawing/2014/main" id="{D63117C1-65D4-0F5A-875E-7A548566C74C}"/>
               </a:ext>
             </a:extLst>
           </p:cNvPr>
@@ -40756,7 +40641,7 @@
             <p:cNvPr id="20" name="Object 76">
               <a:extLst>
                 <a:ext uri="{FF2B5EF4-FFF2-40B4-BE49-F238E27FC236}">
-                  <a16:creationId xmlns="" xmlns:a16="http://schemas.microsoft.com/office/drawing/2014/main" id="{3EB012B7-6446-A40C-6894-F9969F5F72B5}"/>
+                  <a16:creationId xmlns:a16="http://schemas.microsoft.com/office/drawing/2014/main" id="{3EB012B7-6446-A40C-6894-F9969F5F72B5}"/>
                 </a:ext>
               </a:extLst>
             </p:cNvPr>
@@ -40787,7 +40672,7 @@
           <p:cNvPr id="21" name="그룹 1025">
             <a:extLst>
               <a:ext uri="{FF2B5EF4-FFF2-40B4-BE49-F238E27FC236}">
-                <a16:creationId xmlns="" xmlns:a16="http://schemas.microsoft.com/office/drawing/2014/main" id="{CDAC6F02-2AB4-415D-5A43-9517998CEC9C}"/>
+                <a16:creationId xmlns:a16="http://schemas.microsoft.com/office/drawing/2014/main" id="{CDAC6F02-2AB4-415D-5A43-9517998CEC9C}"/>
               </a:ext>
             </a:extLst>
           </p:cNvPr>
@@ -40807,7 +40692,7 @@
             <p:cNvPr id="22" name="Object 79">
               <a:extLst>
                 <a:ext uri="{FF2B5EF4-FFF2-40B4-BE49-F238E27FC236}">
-                  <a16:creationId xmlns="" xmlns:a16="http://schemas.microsoft.com/office/drawing/2014/main" id="{1C226E7E-F1AB-0597-037F-A83B97CA9C34}"/>
+                  <a16:creationId xmlns:a16="http://schemas.microsoft.com/office/drawing/2014/main" id="{1C226E7E-F1AB-0597-037F-A83B97CA9C34}"/>
                 </a:ext>
               </a:extLst>
             </p:cNvPr>
@@ -40838,7 +40723,7 @@
           <p:cNvPr id="23" name="그룹 1033">
             <a:extLst>
               <a:ext uri="{FF2B5EF4-FFF2-40B4-BE49-F238E27FC236}">
-                <a16:creationId xmlns="" xmlns:a16="http://schemas.microsoft.com/office/drawing/2014/main" id="{6EE9B338-E8AD-C370-2B87-7DDE74453CE8}"/>
+                <a16:creationId xmlns:a16="http://schemas.microsoft.com/office/drawing/2014/main" id="{6EE9B338-E8AD-C370-2B87-7DDE74453CE8}"/>
               </a:ext>
             </a:extLst>
           </p:cNvPr>
@@ -40858,7 +40743,7 @@
             <p:cNvPr id="24" name="Object 106">
               <a:extLst>
                 <a:ext uri="{FF2B5EF4-FFF2-40B4-BE49-F238E27FC236}">
-                  <a16:creationId xmlns="" xmlns:a16="http://schemas.microsoft.com/office/drawing/2014/main" id="{4D1CFF03-41AC-FC94-C020-AE39D7B9ACB0}"/>
+                  <a16:creationId xmlns:a16="http://schemas.microsoft.com/office/drawing/2014/main" id="{4D1CFF03-41AC-FC94-C020-AE39D7B9ACB0}"/>
                 </a:ext>
               </a:extLst>
             </p:cNvPr>
@@ -40888,7 +40773,7 @@
             <p:cNvPr id="25" name="Object 107">
               <a:extLst>
                 <a:ext uri="{FF2B5EF4-FFF2-40B4-BE49-F238E27FC236}">
-                  <a16:creationId xmlns="" xmlns:a16="http://schemas.microsoft.com/office/drawing/2014/main" id="{F5995CE4-9E5D-6746-11D0-F309607BA6DB}"/>
+                  <a16:creationId xmlns:a16="http://schemas.microsoft.com/office/drawing/2014/main" id="{F5995CE4-9E5D-6746-11D0-F309607BA6DB}"/>
                 </a:ext>
               </a:extLst>
             </p:cNvPr>
@@ -40919,7 +40804,7 @@
           <p:cNvPr id="26" name="그룹 1034">
             <a:extLst>
               <a:ext uri="{FF2B5EF4-FFF2-40B4-BE49-F238E27FC236}">
-                <a16:creationId xmlns="" xmlns:a16="http://schemas.microsoft.com/office/drawing/2014/main" id="{6BFD2D92-9058-F5E7-B251-3AF21D631A80}"/>
+                <a16:creationId xmlns:a16="http://schemas.microsoft.com/office/drawing/2014/main" id="{6BFD2D92-9058-F5E7-B251-3AF21D631A80}"/>
               </a:ext>
             </a:extLst>
           </p:cNvPr>
@@ -40939,7 +40824,7 @@
             <p:cNvPr id="27" name="Object 110">
               <a:extLst>
                 <a:ext uri="{FF2B5EF4-FFF2-40B4-BE49-F238E27FC236}">
-                  <a16:creationId xmlns="" xmlns:a16="http://schemas.microsoft.com/office/drawing/2014/main" id="{2C9A0473-B72D-885C-161C-FD9A7B5B3181}"/>
+                  <a16:creationId xmlns:a16="http://schemas.microsoft.com/office/drawing/2014/main" id="{2C9A0473-B72D-885C-161C-FD9A7B5B3181}"/>
                 </a:ext>
               </a:extLst>
             </p:cNvPr>
@@ -40970,7 +40855,7 @@
           <p:cNvPr id="28" name="TextBox 27">
             <a:extLst>
               <a:ext uri="{FF2B5EF4-FFF2-40B4-BE49-F238E27FC236}">
-                <a16:creationId xmlns="" xmlns:a16="http://schemas.microsoft.com/office/drawing/2014/main" id="{D3A03209-5681-7969-A244-E4CA8DA6226E}"/>
+                <a16:creationId xmlns:a16="http://schemas.microsoft.com/office/drawing/2014/main" id="{D3A03209-5681-7969-A244-E4CA8DA6226E}"/>
               </a:ext>
             </a:extLst>
           </p:cNvPr>
@@ -41048,7 +40933,7 @@
           <p:cNvPr id="30" name="그룹 1016">
             <a:extLst>
               <a:ext uri="{FF2B5EF4-FFF2-40B4-BE49-F238E27FC236}">
-                <a16:creationId xmlns="" xmlns:a16="http://schemas.microsoft.com/office/drawing/2014/main" id="{5891CDDE-F777-31FE-014E-6E79EFE369BC}"/>
+                <a16:creationId xmlns:a16="http://schemas.microsoft.com/office/drawing/2014/main" id="{5891CDDE-F777-31FE-014E-6E79EFE369BC}"/>
               </a:ext>
             </a:extLst>
           </p:cNvPr>
@@ -41068,7 +40953,7 @@
             <p:cNvPr id="31" name="그룹 1017">
               <a:extLst>
                 <a:ext uri="{FF2B5EF4-FFF2-40B4-BE49-F238E27FC236}">
-                  <a16:creationId xmlns="" xmlns:a16="http://schemas.microsoft.com/office/drawing/2014/main" id="{A40B3531-B460-1F2F-9DC7-76FFEA96A365}"/>
+                  <a16:creationId xmlns:a16="http://schemas.microsoft.com/office/drawing/2014/main" id="{A40B3531-B460-1F2F-9DC7-76FFEA96A365}"/>
                 </a:ext>
               </a:extLst>
             </p:cNvPr>
@@ -41088,7 +40973,7 @@
               <p:cNvPr id="34" name="Object 58">
                 <a:extLst>
                   <a:ext uri="{FF2B5EF4-FFF2-40B4-BE49-F238E27FC236}">
-                    <a16:creationId xmlns="" xmlns:a16="http://schemas.microsoft.com/office/drawing/2014/main" id="{77EDB72F-2E14-2BB1-1340-A5E5E4C6270D}"/>
+                    <a16:creationId xmlns:a16="http://schemas.microsoft.com/office/drawing/2014/main" id="{77EDB72F-2E14-2BB1-1340-A5E5E4C6270D}"/>
                   </a:ext>
                 </a:extLst>
               </p:cNvPr>
@@ -41119,7 +41004,7 @@
             <p:cNvPr id="32" name="그룹 1018">
               <a:extLst>
                 <a:ext uri="{FF2B5EF4-FFF2-40B4-BE49-F238E27FC236}">
-                  <a16:creationId xmlns="" xmlns:a16="http://schemas.microsoft.com/office/drawing/2014/main" id="{1A00891F-AAB3-D218-8730-F8F1C5A32DDE}"/>
+                  <a16:creationId xmlns:a16="http://schemas.microsoft.com/office/drawing/2014/main" id="{1A00891F-AAB3-D218-8730-F8F1C5A32DDE}"/>
                 </a:ext>
               </a:extLst>
             </p:cNvPr>
@@ -41139,7 +41024,7 @@
               <p:cNvPr id="33" name="Object 61">
                 <a:extLst>
                   <a:ext uri="{FF2B5EF4-FFF2-40B4-BE49-F238E27FC236}">
-                    <a16:creationId xmlns="" xmlns:a16="http://schemas.microsoft.com/office/drawing/2014/main" id="{6E058ED6-3BFB-26F7-3F79-68521C3CCDC8}"/>
+                    <a16:creationId xmlns:a16="http://schemas.microsoft.com/office/drawing/2014/main" id="{6E058ED6-3BFB-26F7-3F79-68521C3CCDC8}"/>
                   </a:ext>
                 </a:extLst>
               </p:cNvPr>
@@ -41171,7 +41056,7 @@
           <p:cNvPr id="35" name="TextBox 34">
             <a:extLst>
               <a:ext uri="{FF2B5EF4-FFF2-40B4-BE49-F238E27FC236}">
-                <a16:creationId xmlns="" xmlns:a16="http://schemas.microsoft.com/office/drawing/2014/main" id="{A6DFFD1A-E672-81C5-2C05-729C2701FE05}"/>
+                <a16:creationId xmlns:a16="http://schemas.microsoft.com/office/drawing/2014/main" id="{A6DFFD1A-E672-81C5-2C05-729C2701FE05}"/>
               </a:ext>
             </a:extLst>
           </p:cNvPr>
@@ -41229,7 +41114,7 @@
           <p:cNvPr id="36" name="그룹 1016">
             <a:extLst>
               <a:ext uri="{FF2B5EF4-FFF2-40B4-BE49-F238E27FC236}">
-                <a16:creationId xmlns="" xmlns:a16="http://schemas.microsoft.com/office/drawing/2014/main" id="{E90C37B5-C463-F705-13B7-5806753E01F5}"/>
+                <a16:creationId xmlns:a16="http://schemas.microsoft.com/office/drawing/2014/main" id="{E90C37B5-C463-F705-13B7-5806753E01F5}"/>
               </a:ext>
             </a:extLst>
           </p:cNvPr>
@@ -41249,7 +41134,7 @@
             <p:cNvPr id="37" name="그룹 1017">
               <a:extLst>
                 <a:ext uri="{FF2B5EF4-FFF2-40B4-BE49-F238E27FC236}">
-                  <a16:creationId xmlns="" xmlns:a16="http://schemas.microsoft.com/office/drawing/2014/main" id="{C717D910-BE22-50C2-22B1-75E7C62B4282}"/>
+                  <a16:creationId xmlns:a16="http://schemas.microsoft.com/office/drawing/2014/main" id="{C717D910-BE22-50C2-22B1-75E7C62B4282}"/>
                 </a:ext>
               </a:extLst>
             </p:cNvPr>
@@ -41269,7 +41154,7 @@
               <p:cNvPr id="40" name="Object 58">
                 <a:extLst>
                   <a:ext uri="{FF2B5EF4-FFF2-40B4-BE49-F238E27FC236}">
-                    <a16:creationId xmlns="" xmlns:a16="http://schemas.microsoft.com/office/drawing/2014/main" id="{B80EC2FE-CC22-6DD2-9B7E-C79E1A12BE1A}"/>
+                    <a16:creationId xmlns:a16="http://schemas.microsoft.com/office/drawing/2014/main" id="{B80EC2FE-CC22-6DD2-9B7E-C79E1A12BE1A}"/>
                   </a:ext>
                 </a:extLst>
               </p:cNvPr>
@@ -41300,7 +41185,7 @@
             <p:cNvPr id="38" name="그룹 1018">
               <a:extLst>
                 <a:ext uri="{FF2B5EF4-FFF2-40B4-BE49-F238E27FC236}">
-                  <a16:creationId xmlns="" xmlns:a16="http://schemas.microsoft.com/office/drawing/2014/main" id="{055D9BC8-6D51-F88C-C523-40F76A7807E1}"/>
+                  <a16:creationId xmlns:a16="http://schemas.microsoft.com/office/drawing/2014/main" id="{055D9BC8-6D51-F88C-C523-40F76A7807E1}"/>
                 </a:ext>
               </a:extLst>
             </p:cNvPr>
@@ -41320,7 +41205,7 @@
               <p:cNvPr id="39" name="Object 61">
                 <a:extLst>
                   <a:ext uri="{FF2B5EF4-FFF2-40B4-BE49-F238E27FC236}">
-                    <a16:creationId xmlns="" xmlns:a16="http://schemas.microsoft.com/office/drawing/2014/main" id="{2F7B0521-2B3F-98C3-0A5E-E5A11D8E57DC}"/>
+                    <a16:creationId xmlns:a16="http://schemas.microsoft.com/office/drawing/2014/main" id="{2F7B0521-2B3F-98C3-0A5E-E5A11D8E57DC}"/>
                   </a:ext>
                 </a:extLst>
               </p:cNvPr>
@@ -41352,7 +41237,7 @@
           <p:cNvPr id="41" name="그룹 1016">
             <a:extLst>
               <a:ext uri="{FF2B5EF4-FFF2-40B4-BE49-F238E27FC236}">
-                <a16:creationId xmlns="" xmlns:a16="http://schemas.microsoft.com/office/drawing/2014/main" id="{2B593D9F-D2EA-2555-8A3A-3ED72B2E7EE3}"/>
+                <a16:creationId xmlns:a16="http://schemas.microsoft.com/office/drawing/2014/main" id="{2B593D9F-D2EA-2555-8A3A-3ED72B2E7EE3}"/>
               </a:ext>
             </a:extLst>
           </p:cNvPr>
@@ -41372,7 +41257,7 @@
             <p:cNvPr id="42" name="그룹 1017">
               <a:extLst>
                 <a:ext uri="{FF2B5EF4-FFF2-40B4-BE49-F238E27FC236}">
-                  <a16:creationId xmlns="" xmlns:a16="http://schemas.microsoft.com/office/drawing/2014/main" id="{9A0A01D1-DBBB-F313-F83F-ABFC80F3DE3C}"/>
+                  <a16:creationId xmlns:a16="http://schemas.microsoft.com/office/drawing/2014/main" id="{9A0A01D1-DBBB-F313-F83F-ABFC80F3DE3C}"/>
                 </a:ext>
               </a:extLst>
             </p:cNvPr>
@@ -41392,7 +41277,7 @@
               <p:cNvPr id="45" name="Object 58">
                 <a:extLst>
                   <a:ext uri="{FF2B5EF4-FFF2-40B4-BE49-F238E27FC236}">
-                    <a16:creationId xmlns="" xmlns:a16="http://schemas.microsoft.com/office/drawing/2014/main" id="{0999AD20-B928-C547-61AB-CA61815CA03A}"/>
+                    <a16:creationId xmlns:a16="http://schemas.microsoft.com/office/drawing/2014/main" id="{0999AD20-B928-C547-61AB-CA61815CA03A}"/>
                   </a:ext>
                 </a:extLst>
               </p:cNvPr>
@@ -41423,7 +41308,7 @@
             <p:cNvPr id="43" name="그룹 1018">
               <a:extLst>
                 <a:ext uri="{FF2B5EF4-FFF2-40B4-BE49-F238E27FC236}">
-                  <a16:creationId xmlns="" xmlns:a16="http://schemas.microsoft.com/office/drawing/2014/main" id="{4DE0DCA4-01F9-5A32-0A53-A8456AEC9493}"/>
+                  <a16:creationId xmlns:a16="http://schemas.microsoft.com/office/drawing/2014/main" id="{4DE0DCA4-01F9-5A32-0A53-A8456AEC9493}"/>
                 </a:ext>
               </a:extLst>
             </p:cNvPr>
@@ -41443,7 +41328,7 @@
               <p:cNvPr id="44" name="Object 61">
                 <a:extLst>
                   <a:ext uri="{FF2B5EF4-FFF2-40B4-BE49-F238E27FC236}">
-                    <a16:creationId xmlns="" xmlns:a16="http://schemas.microsoft.com/office/drawing/2014/main" id="{90E9B152-337D-7C64-558F-06AABB13A135}"/>
+                    <a16:creationId xmlns:a16="http://schemas.microsoft.com/office/drawing/2014/main" id="{90E9B152-337D-7C64-558F-06AABB13A135}"/>
                   </a:ext>
                 </a:extLst>
               </p:cNvPr>
@@ -41475,7 +41360,7 @@
           <p:cNvPr id="46" name="그룹 1016">
             <a:extLst>
               <a:ext uri="{FF2B5EF4-FFF2-40B4-BE49-F238E27FC236}">
-                <a16:creationId xmlns="" xmlns:a16="http://schemas.microsoft.com/office/drawing/2014/main" id="{E3CB7968-9415-2E6C-5C0C-4E7DF79F1C25}"/>
+                <a16:creationId xmlns:a16="http://schemas.microsoft.com/office/drawing/2014/main" id="{E3CB7968-9415-2E6C-5C0C-4E7DF79F1C25}"/>
               </a:ext>
             </a:extLst>
           </p:cNvPr>
@@ -41495,7 +41380,7 @@
             <p:cNvPr id="47" name="그룹 1017">
               <a:extLst>
                 <a:ext uri="{FF2B5EF4-FFF2-40B4-BE49-F238E27FC236}">
-                  <a16:creationId xmlns="" xmlns:a16="http://schemas.microsoft.com/office/drawing/2014/main" id="{2488BEC8-3BC9-3560-F28C-E0E606FBA514}"/>
+                  <a16:creationId xmlns:a16="http://schemas.microsoft.com/office/drawing/2014/main" id="{2488BEC8-3BC9-3560-F28C-E0E606FBA514}"/>
                 </a:ext>
               </a:extLst>
             </p:cNvPr>
@@ -41515,7 +41400,7 @@
               <p:cNvPr id="50" name="Object 58">
                 <a:extLst>
                   <a:ext uri="{FF2B5EF4-FFF2-40B4-BE49-F238E27FC236}">
-                    <a16:creationId xmlns="" xmlns:a16="http://schemas.microsoft.com/office/drawing/2014/main" id="{35A72115-3E91-417D-FFDD-F36E29A5ABEE}"/>
+                    <a16:creationId xmlns:a16="http://schemas.microsoft.com/office/drawing/2014/main" id="{35A72115-3E91-417D-FFDD-F36E29A5ABEE}"/>
                   </a:ext>
                 </a:extLst>
               </p:cNvPr>
@@ -41546,7 +41431,7 @@
             <p:cNvPr id="48" name="그룹 1018">
               <a:extLst>
                 <a:ext uri="{FF2B5EF4-FFF2-40B4-BE49-F238E27FC236}">
-                  <a16:creationId xmlns="" xmlns:a16="http://schemas.microsoft.com/office/drawing/2014/main" id="{DC5102D5-5BDC-F72A-FD92-7C240AAA2D82}"/>
+                  <a16:creationId xmlns:a16="http://schemas.microsoft.com/office/drawing/2014/main" id="{DC5102D5-5BDC-F72A-FD92-7C240AAA2D82}"/>
                 </a:ext>
               </a:extLst>
             </p:cNvPr>
@@ -41566,7 +41451,7 @@
               <p:cNvPr id="49" name="Object 61">
                 <a:extLst>
                   <a:ext uri="{FF2B5EF4-FFF2-40B4-BE49-F238E27FC236}">
-                    <a16:creationId xmlns="" xmlns:a16="http://schemas.microsoft.com/office/drawing/2014/main" id="{B33C3869-DD62-2C8D-2ACE-11DBF57D6578}"/>
+                    <a16:creationId xmlns:a16="http://schemas.microsoft.com/office/drawing/2014/main" id="{B33C3869-DD62-2C8D-2ACE-11DBF57D6578}"/>
                   </a:ext>
                 </a:extLst>
               </p:cNvPr>
@@ -41598,7 +41483,7 @@
           <p:cNvPr id="51" name="그룹 1016">
             <a:extLst>
               <a:ext uri="{FF2B5EF4-FFF2-40B4-BE49-F238E27FC236}">
-                <a16:creationId xmlns="" xmlns:a16="http://schemas.microsoft.com/office/drawing/2014/main" id="{7D12892B-D582-2EEF-6B33-947113859020}"/>
+                <a16:creationId xmlns:a16="http://schemas.microsoft.com/office/drawing/2014/main" id="{7D12892B-D582-2EEF-6B33-947113859020}"/>
               </a:ext>
             </a:extLst>
           </p:cNvPr>
@@ -41618,7 +41503,7 @@
             <p:cNvPr id="52" name="그룹 1017">
               <a:extLst>
                 <a:ext uri="{FF2B5EF4-FFF2-40B4-BE49-F238E27FC236}">
-                  <a16:creationId xmlns="" xmlns:a16="http://schemas.microsoft.com/office/drawing/2014/main" id="{8E932CDC-F225-9C47-4A89-7C313F9E3014}"/>
+                  <a16:creationId xmlns:a16="http://schemas.microsoft.com/office/drawing/2014/main" id="{8E932CDC-F225-9C47-4A89-7C313F9E3014}"/>
                 </a:ext>
               </a:extLst>
             </p:cNvPr>
@@ -41638,7 +41523,7 @@
               <p:cNvPr id="55" name="Object 58">
                 <a:extLst>
                   <a:ext uri="{FF2B5EF4-FFF2-40B4-BE49-F238E27FC236}">
-                    <a16:creationId xmlns="" xmlns:a16="http://schemas.microsoft.com/office/drawing/2014/main" id="{A98A2839-132F-DFE8-C17C-FAD43B1DFC0A}"/>
+                    <a16:creationId xmlns:a16="http://schemas.microsoft.com/office/drawing/2014/main" id="{A98A2839-132F-DFE8-C17C-FAD43B1DFC0A}"/>
                   </a:ext>
                 </a:extLst>
               </p:cNvPr>
@@ -41669,7 +41554,7 @@
             <p:cNvPr id="53" name="그룹 1018">
               <a:extLst>
                 <a:ext uri="{FF2B5EF4-FFF2-40B4-BE49-F238E27FC236}">
-                  <a16:creationId xmlns="" xmlns:a16="http://schemas.microsoft.com/office/drawing/2014/main" id="{6A74811F-8897-B181-B2E5-40D21D44B42D}"/>
+                  <a16:creationId xmlns:a16="http://schemas.microsoft.com/office/drawing/2014/main" id="{6A74811F-8897-B181-B2E5-40D21D44B42D}"/>
                 </a:ext>
               </a:extLst>
             </p:cNvPr>
@@ -41689,7 +41574,7 @@
               <p:cNvPr id="54" name="Object 61">
                 <a:extLst>
                   <a:ext uri="{FF2B5EF4-FFF2-40B4-BE49-F238E27FC236}">
-                    <a16:creationId xmlns="" xmlns:a16="http://schemas.microsoft.com/office/drawing/2014/main" id="{1142DB2F-DE69-AFD9-91A6-C47AFF2732BD}"/>
+                    <a16:creationId xmlns:a16="http://schemas.microsoft.com/office/drawing/2014/main" id="{1142DB2F-DE69-AFD9-91A6-C47AFF2732BD}"/>
                   </a:ext>
                 </a:extLst>
               </p:cNvPr>
@@ -41721,7 +41606,7 @@
           <p:cNvPr id="56" name="그룹 1016">
             <a:extLst>
               <a:ext uri="{FF2B5EF4-FFF2-40B4-BE49-F238E27FC236}">
-                <a16:creationId xmlns="" xmlns:a16="http://schemas.microsoft.com/office/drawing/2014/main" id="{A1A74DF9-E422-DCC7-3412-4F6ACCC0BCEA}"/>
+                <a16:creationId xmlns:a16="http://schemas.microsoft.com/office/drawing/2014/main" id="{A1A74DF9-E422-DCC7-3412-4F6ACCC0BCEA}"/>
               </a:ext>
             </a:extLst>
           </p:cNvPr>
@@ -41741,7 +41626,7 @@
             <p:cNvPr id="57" name="그룹 1017">
               <a:extLst>
                 <a:ext uri="{FF2B5EF4-FFF2-40B4-BE49-F238E27FC236}">
-                  <a16:creationId xmlns="" xmlns:a16="http://schemas.microsoft.com/office/drawing/2014/main" id="{EDBC55D9-1456-43C8-E429-D52936395A28}"/>
+                  <a16:creationId xmlns:a16="http://schemas.microsoft.com/office/drawing/2014/main" id="{EDBC55D9-1456-43C8-E429-D52936395A28}"/>
                 </a:ext>
               </a:extLst>
             </p:cNvPr>
@@ -41761,7 +41646,7 @@
               <p:cNvPr id="60" name="Object 58">
                 <a:extLst>
                   <a:ext uri="{FF2B5EF4-FFF2-40B4-BE49-F238E27FC236}">
-                    <a16:creationId xmlns="" xmlns:a16="http://schemas.microsoft.com/office/drawing/2014/main" id="{2065DFBB-9BB8-57A2-BCB5-9A79A6A7A47C}"/>
+                    <a16:creationId xmlns:a16="http://schemas.microsoft.com/office/drawing/2014/main" id="{2065DFBB-9BB8-57A2-BCB5-9A79A6A7A47C}"/>
                   </a:ext>
                 </a:extLst>
               </p:cNvPr>
@@ -41792,7 +41677,7 @@
             <p:cNvPr id="58" name="그룹 1018">
               <a:extLst>
                 <a:ext uri="{FF2B5EF4-FFF2-40B4-BE49-F238E27FC236}">
-                  <a16:creationId xmlns="" xmlns:a16="http://schemas.microsoft.com/office/drawing/2014/main" id="{153806A5-0D25-91AA-ECDF-1706E0C0F66B}"/>
+                  <a16:creationId xmlns:a16="http://schemas.microsoft.com/office/drawing/2014/main" id="{153806A5-0D25-91AA-ECDF-1706E0C0F66B}"/>
                 </a:ext>
               </a:extLst>
             </p:cNvPr>
@@ -41812,7 +41697,7 @@
               <p:cNvPr id="59" name="Object 61">
                 <a:extLst>
                   <a:ext uri="{FF2B5EF4-FFF2-40B4-BE49-F238E27FC236}">
-                    <a16:creationId xmlns="" xmlns:a16="http://schemas.microsoft.com/office/drawing/2014/main" id="{48702012-A54A-9A16-297C-00E155C252AD}"/>
+                    <a16:creationId xmlns:a16="http://schemas.microsoft.com/office/drawing/2014/main" id="{48702012-A54A-9A16-297C-00E155C252AD}"/>
                   </a:ext>
                 </a:extLst>
               </p:cNvPr>
@@ -41844,7 +41729,7 @@
           <p:cNvPr id="61" name="그룹 1018">
             <a:extLst>
               <a:ext uri="{FF2B5EF4-FFF2-40B4-BE49-F238E27FC236}">
-                <a16:creationId xmlns="" xmlns:a16="http://schemas.microsoft.com/office/drawing/2014/main" id="{BDF13B2A-7FC7-DAC8-84D6-AEAC5AE48574}"/>
+                <a16:creationId xmlns:a16="http://schemas.microsoft.com/office/drawing/2014/main" id="{BDF13B2A-7FC7-DAC8-84D6-AEAC5AE48574}"/>
               </a:ext>
             </a:extLst>
           </p:cNvPr>
@@ -41864,7 +41749,7 @@
             <p:cNvPr id="62" name="Object 61">
               <a:extLst>
                 <a:ext uri="{FF2B5EF4-FFF2-40B4-BE49-F238E27FC236}">
-                  <a16:creationId xmlns="" xmlns:a16="http://schemas.microsoft.com/office/drawing/2014/main" id="{23BB730F-780C-23E0-79BA-846E92196D84}"/>
+                  <a16:creationId xmlns:a16="http://schemas.microsoft.com/office/drawing/2014/main" id="{23BB730F-780C-23E0-79BA-846E92196D84}"/>
                 </a:ext>
               </a:extLst>
             </p:cNvPr>
@@ -41895,7 +41780,7 @@
           <p:cNvPr id="63" name="TextBox 62">
             <a:extLst>
               <a:ext uri="{FF2B5EF4-FFF2-40B4-BE49-F238E27FC236}">
-                <a16:creationId xmlns="" xmlns:a16="http://schemas.microsoft.com/office/drawing/2014/main" id="{F94679FE-4488-B2BF-0783-917E7119A982}"/>
+                <a16:creationId xmlns:a16="http://schemas.microsoft.com/office/drawing/2014/main" id="{F94679FE-4488-B2BF-0783-917E7119A982}"/>
               </a:ext>
             </a:extLst>
           </p:cNvPr>
@@ -41956,7 +41841,7 @@
           <p:cNvPr id="64" name="TextBox 63">
             <a:extLst>
               <a:ext uri="{FF2B5EF4-FFF2-40B4-BE49-F238E27FC236}">
-                <a16:creationId xmlns="" xmlns:a16="http://schemas.microsoft.com/office/drawing/2014/main" id="{ABF802F2-2D37-4E45-7059-BA98668B76CD}"/>
+                <a16:creationId xmlns:a16="http://schemas.microsoft.com/office/drawing/2014/main" id="{ABF802F2-2D37-4E45-7059-BA98668B76CD}"/>
               </a:ext>
             </a:extLst>
           </p:cNvPr>
@@ -42024,7 +41909,7 @@
           <p:cNvPr id="65" name="TextBox 64">
             <a:extLst>
               <a:ext uri="{FF2B5EF4-FFF2-40B4-BE49-F238E27FC236}">
-                <a16:creationId xmlns="" xmlns:a16="http://schemas.microsoft.com/office/drawing/2014/main" id="{1FA790F7-4DCB-BA82-2A67-D0763E624C8A}"/>
+                <a16:creationId xmlns:a16="http://schemas.microsoft.com/office/drawing/2014/main" id="{1FA790F7-4DCB-BA82-2A67-D0763E624C8A}"/>
               </a:ext>
             </a:extLst>
           </p:cNvPr>
@@ -42085,7 +41970,7 @@
           <p:cNvPr id="66" name="TextBox 65">
             <a:extLst>
               <a:ext uri="{FF2B5EF4-FFF2-40B4-BE49-F238E27FC236}">
-                <a16:creationId xmlns="" xmlns:a16="http://schemas.microsoft.com/office/drawing/2014/main" id="{1EF947EA-FD3F-232D-DFAE-F773DAC05E69}"/>
+                <a16:creationId xmlns:a16="http://schemas.microsoft.com/office/drawing/2014/main" id="{1EF947EA-FD3F-232D-DFAE-F773DAC05E69}"/>
               </a:ext>
             </a:extLst>
           </p:cNvPr>
@@ -42153,7 +42038,7 @@
           <p:cNvPr id="67" name="TextBox 66">
             <a:extLst>
               <a:ext uri="{FF2B5EF4-FFF2-40B4-BE49-F238E27FC236}">
-                <a16:creationId xmlns="" xmlns:a16="http://schemas.microsoft.com/office/drawing/2014/main" id="{AED2596D-7610-E0EA-C0AA-8B3C1E5F4C89}"/>
+                <a16:creationId xmlns:a16="http://schemas.microsoft.com/office/drawing/2014/main" id="{AED2596D-7610-E0EA-C0AA-8B3C1E5F4C89}"/>
               </a:ext>
             </a:extLst>
           </p:cNvPr>
@@ -42221,7 +42106,7 @@
           <p:cNvPr id="68" name="TextBox 67">
             <a:extLst>
               <a:ext uri="{FF2B5EF4-FFF2-40B4-BE49-F238E27FC236}">
-                <a16:creationId xmlns="" xmlns:a16="http://schemas.microsoft.com/office/drawing/2014/main" id="{F7B8511E-1ED4-7A98-9B66-EF90A6185908}"/>
+                <a16:creationId xmlns:a16="http://schemas.microsoft.com/office/drawing/2014/main" id="{F7B8511E-1ED4-7A98-9B66-EF90A6185908}"/>
               </a:ext>
             </a:extLst>
           </p:cNvPr>
@@ -42299,7 +42184,7 @@
           <p:cNvPr id="69" name="TextBox 68">
             <a:extLst>
               <a:ext uri="{FF2B5EF4-FFF2-40B4-BE49-F238E27FC236}">
-                <a16:creationId xmlns="" xmlns:a16="http://schemas.microsoft.com/office/drawing/2014/main" id="{E291A416-AE72-7E8E-EB2B-0F1C1FD17ED4}"/>
+                <a16:creationId xmlns:a16="http://schemas.microsoft.com/office/drawing/2014/main" id="{E291A416-AE72-7E8E-EB2B-0F1C1FD17ED4}"/>
               </a:ext>
             </a:extLst>
           </p:cNvPr>
@@ -42377,7 +42262,7 @@
           <p:cNvPr id="70" name="Object 61">
             <a:extLst>
               <a:ext uri="{FF2B5EF4-FFF2-40B4-BE49-F238E27FC236}">
-                <a16:creationId xmlns="" xmlns:a16="http://schemas.microsoft.com/office/drawing/2014/main" id="{FF3898E8-B556-0008-847A-EF0AB57277F7}"/>
+                <a16:creationId xmlns:a16="http://schemas.microsoft.com/office/drawing/2014/main" id="{FF3898E8-B556-0008-847A-EF0AB57277F7}"/>
               </a:ext>
             </a:extLst>
           </p:cNvPr>
@@ -42407,7 +42292,7 @@
           <p:cNvPr id="71" name="TextBox 70">
             <a:extLst>
               <a:ext uri="{FF2B5EF4-FFF2-40B4-BE49-F238E27FC236}">
-                <a16:creationId xmlns="" xmlns:a16="http://schemas.microsoft.com/office/drawing/2014/main" id="{568B1923-E98F-B42E-EC9B-71CF7062B1EF}"/>
+                <a16:creationId xmlns:a16="http://schemas.microsoft.com/office/drawing/2014/main" id="{568B1923-E98F-B42E-EC9B-71CF7062B1EF}"/>
               </a:ext>
             </a:extLst>
           </p:cNvPr>
@@ -42487,7 +42372,7 @@
           <p:cNvPr id="72" name="TextBox 71">
             <a:extLst>
               <a:ext uri="{FF2B5EF4-FFF2-40B4-BE49-F238E27FC236}">
-                <a16:creationId xmlns="" xmlns:a16="http://schemas.microsoft.com/office/drawing/2014/main" id="{39902223-A073-1031-4CC7-6ED4D7DA1F24}"/>
+                <a16:creationId xmlns:a16="http://schemas.microsoft.com/office/drawing/2014/main" id="{39902223-A073-1031-4CC7-6ED4D7DA1F24}"/>
               </a:ext>
             </a:extLst>
           </p:cNvPr>
@@ -42535,7 +42420,7 @@
           <p:cNvPr id="73" name="Object 61">
             <a:extLst>
               <a:ext uri="{FF2B5EF4-FFF2-40B4-BE49-F238E27FC236}">
-                <a16:creationId xmlns="" xmlns:a16="http://schemas.microsoft.com/office/drawing/2014/main" id="{F1490AD6-C9E8-C7C9-4B68-1E508CDC029D}"/>
+                <a16:creationId xmlns:a16="http://schemas.microsoft.com/office/drawing/2014/main" id="{F1490AD6-C9E8-C7C9-4B68-1E508CDC029D}"/>
               </a:ext>
             </a:extLst>
           </p:cNvPr>
@@ -42565,7 +42450,7 @@
           <p:cNvPr id="74" name="TextBox 73">
             <a:extLst>
               <a:ext uri="{FF2B5EF4-FFF2-40B4-BE49-F238E27FC236}">
-                <a16:creationId xmlns="" xmlns:a16="http://schemas.microsoft.com/office/drawing/2014/main" id="{659AEB15-7EF8-CBF8-44EF-88B6D968D6EA}"/>
+                <a16:creationId xmlns:a16="http://schemas.microsoft.com/office/drawing/2014/main" id="{659AEB15-7EF8-CBF8-44EF-88B6D968D6EA}"/>
               </a:ext>
             </a:extLst>
           </p:cNvPr>
@@ -42638,7 +42523,7 @@
           <p:cNvPr id="75" name="TextBox 74">
             <a:extLst>
               <a:ext uri="{FF2B5EF4-FFF2-40B4-BE49-F238E27FC236}">
-                <a16:creationId xmlns="" xmlns:a16="http://schemas.microsoft.com/office/drawing/2014/main" id="{2516D735-AD54-AB7D-D67A-A05A702441E9}"/>
+                <a16:creationId xmlns:a16="http://schemas.microsoft.com/office/drawing/2014/main" id="{2516D735-AD54-AB7D-D67A-A05A702441E9}"/>
               </a:ext>
             </a:extLst>
           </p:cNvPr>
@@ -42686,7 +42571,7 @@
           <p:cNvPr id="76" name="Object 61">
             <a:extLst>
               <a:ext uri="{FF2B5EF4-FFF2-40B4-BE49-F238E27FC236}">
-                <a16:creationId xmlns="" xmlns:a16="http://schemas.microsoft.com/office/drawing/2014/main" id="{D209C632-9165-38C0-9BAB-E0B2E7F7C56F}"/>
+                <a16:creationId xmlns:a16="http://schemas.microsoft.com/office/drawing/2014/main" id="{D209C632-9165-38C0-9BAB-E0B2E7F7C56F}"/>
               </a:ext>
             </a:extLst>
           </p:cNvPr>
@@ -42716,7 +42601,7 @@
           <p:cNvPr id="77" name="TextBox 76">
             <a:extLst>
               <a:ext uri="{FF2B5EF4-FFF2-40B4-BE49-F238E27FC236}">
-                <a16:creationId xmlns="" xmlns:a16="http://schemas.microsoft.com/office/drawing/2014/main" id="{83BC3C99-3712-7BAC-9AEF-6935945BD9DD}"/>
+                <a16:creationId xmlns:a16="http://schemas.microsoft.com/office/drawing/2014/main" id="{83BC3C99-3712-7BAC-9AEF-6935945BD9DD}"/>
               </a:ext>
             </a:extLst>
           </p:cNvPr>
@@ -42789,7 +42674,7 @@
           <p:cNvPr id="78" name="TextBox 77">
             <a:extLst>
               <a:ext uri="{FF2B5EF4-FFF2-40B4-BE49-F238E27FC236}">
-                <a16:creationId xmlns="" xmlns:a16="http://schemas.microsoft.com/office/drawing/2014/main" id="{2FFA887A-95A0-BAD8-7227-333B5FC09348}"/>
+                <a16:creationId xmlns:a16="http://schemas.microsoft.com/office/drawing/2014/main" id="{2FFA887A-95A0-BAD8-7227-333B5FC09348}"/>
               </a:ext>
             </a:extLst>
           </p:cNvPr>
@@ -42837,7 +42722,7 @@
           <p:cNvPr id="79" name="그룹 1016">
             <a:extLst>
               <a:ext uri="{FF2B5EF4-FFF2-40B4-BE49-F238E27FC236}">
-                <a16:creationId xmlns="" xmlns:a16="http://schemas.microsoft.com/office/drawing/2014/main" id="{084DE66F-0839-ED1D-6033-747A1F186CFA}"/>
+                <a16:creationId xmlns:a16="http://schemas.microsoft.com/office/drawing/2014/main" id="{084DE66F-0839-ED1D-6033-747A1F186CFA}"/>
               </a:ext>
             </a:extLst>
           </p:cNvPr>
@@ -42857,7 +42742,7 @@
             <p:cNvPr id="80" name="Object 46">
               <a:extLst>
                 <a:ext uri="{FF2B5EF4-FFF2-40B4-BE49-F238E27FC236}">
-                  <a16:creationId xmlns="" xmlns:a16="http://schemas.microsoft.com/office/drawing/2014/main" id="{35A55889-D7B2-DE9B-6F1B-5F37F6DEFA60}"/>
+                  <a16:creationId xmlns:a16="http://schemas.microsoft.com/office/drawing/2014/main" id="{35A55889-D7B2-DE9B-6F1B-5F37F6DEFA60}"/>
                 </a:ext>
               </a:extLst>
             </p:cNvPr>
@@ -42888,7 +42773,7 @@
           <p:cNvPr id="81" name="그룹 1023">
             <a:extLst>
               <a:ext uri="{FF2B5EF4-FFF2-40B4-BE49-F238E27FC236}">
-                <a16:creationId xmlns="" xmlns:a16="http://schemas.microsoft.com/office/drawing/2014/main" id="{708B6D14-F782-5F95-F978-8091F086F26C}"/>
+                <a16:creationId xmlns:a16="http://schemas.microsoft.com/office/drawing/2014/main" id="{708B6D14-F782-5F95-F978-8091F086F26C}"/>
               </a:ext>
             </a:extLst>
           </p:cNvPr>
@@ -42908,7 +42793,7 @@
             <p:cNvPr id="82" name="그룹 1024">
               <a:extLst>
                 <a:ext uri="{FF2B5EF4-FFF2-40B4-BE49-F238E27FC236}">
-                  <a16:creationId xmlns="" xmlns:a16="http://schemas.microsoft.com/office/drawing/2014/main" id="{E3A6C851-4B69-F552-2BD9-689B46EE1C14}"/>
+                  <a16:creationId xmlns:a16="http://schemas.microsoft.com/office/drawing/2014/main" id="{E3A6C851-4B69-F552-2BD9-689B46EE1C14}"/>
                 </a:ext>
               </a:extLst>
             </p:cNvPr>
@@ -42928,7 +42813,7 @@
               <p:cNvPr id="87" name="Object 73">
                 <a:extLst>
                   <a:ext uri="{FF2B5EF4-FFF2-40B4-BE49-F238E27FC236}">
-                    <a16:creationId xmlns="" xmlns:a16="http://schemas.microsoft.com/office/drawing/2014/main" id="{5A930143-E783-9F58-AA14-91792A63AFFF}"/>
+                    <a16:creationId xmlns:a16="http://schemas.microsoft.com/office/drawing/2014/main" id="{5A930143-E783-9F58-AA14-91792A63AFFF}"/>
                   </a:ext>
                 </a:extLst>
               </p:cNvPr>
@@ -42959,7 +42844,7 @@
             <p:cNvPr id="83" name="그룹 1025">
               <a:extLst>
                 <a:ext uri="{FF2B5EF4-FFF2-40B4-BE49-F238E27FC236}">
-                  <a16:creationId xmlns="" xmlns:a16="http://schemas.microsoft.com/office/drawing/2014/main" id="{8082DEAA-9215-6545-05A9-0588BA8A78AE}"/>
+                  <a16:creationId xmlns:a16="http://schemas.microsoft.com/office/drawing/2014/main" id="{8082DEAA-9215-6545-05A9-0588BA8A78AE}"/>
                 </a:ext>
               </a:extLst>
             </p:cNvPr>
@@ -42979,7 +42864,7 @@
               <p:cNvPr id="86" name="Object 76">
                 <a:extLst>
                   <a:ext uri="{FF2B5EF4-FFF2-40B4-BE49-F238E27FC236}">
-                    <a16:creationId xmlns="" xmlns:a16="http://schemas.microsoft.com/office/drawing/2014/main" id="{7937164E-263C-063C-E226-B1AE844DCB1E}"/>
+                    <a16:creationId xmlns:a16="http://schemas.microsoft.com/office/drawing/2014/main" id="{7937164E-263C-063C-E226-B1AE844DCB1E}"/>
                   </a:ext>
                 </a:extLst>
               </p:cNvPr>
@@ -43010,7 +42895,7 @@
             <p:cNvPr id="84" name="그룹 1026">
               <a:extLst>
                 <a:ext uri="{FF2B5EF4-FFF2-40B4-BE49-F238E27FC236}">
-                  <a16:creationId xmlns="" xmlns:a16="http://schemas.microsoft.com/office/drawing/2014/main" id="{04C77165-7711-37FA-379F-50994B648F86}"/>
+                  <a16:creationId xmlns:a16="http://schemas.microsoft.com/office/drawing/2014/main" id="{04C77165-7711-37FA-379F-50994B648F86}"/>
                 </a:ext>
               </a:extLst>
             </p:cNvPr>
@@ -43030,7 +42915,7 @@
               <p:cNvPr id="85" name="Object 79">
                 <a:extLst>
                   <a:ext uri="{FF2B5EF4-FFF2-40B4-BE49-F238E27FC236}">
-                    <a16:creationId xmlns="" xmlns:a16="http://schemas.microsoft.com/office/drawing/2014/main" id="{8EEB598A-ABD1-B4EA-2ADB-1A49BCCBFD8A}"/>
+                    <a16:creationId xmlns:a16="http://schemas.microsoft.com/office/drawing/2014/main" id="{8EEB598A-ABD1-B4EA-2ADB-1A49BCCBFD8A}"/>
                   </a:ext>
                 </a:extLst>
               </p:cNvPr>
@@ -43062,7 +42947,7 @@
           <p:cNvPr id="88" name="TextBox 87">
             <a:extLst>
               <a:ext uri="{FF2B5EF4-FFF2-40B4-BE49-F238E27FC236}">
-                <a16:creationId xmlns="" xmlns:a16="http://schemas.microsoft.com/office/drawing/2014/main" id="{6F51D7F0-F6BB-8D16-9E54-1C8CB35E41BE}"/>
+                <a16:creationId xmlns:a16="http://schemas.microsoft.com/office/drawing/2014/main" id="{6F51D7F0-F6BB-8D16-9E54-1C8CB35E41BE}"/>
               </a:ext>
             </a:extLst>
           </p:cNvPr>
@@ -43113,7 +42998,7 @@
           <p:cNvPr id="89" name="TextBox 88">
             <a:extLst>
               <a:ext uri="{FF2B5EF4-FFF2-40B4-BE49-F238E27FC236}">
-                <a16:creationId xmlns="" xmlns:a16="http://schemas.microsoft.com/office/drawing/2014/main" id="{32F281A7-8CA8-205F-D1E4-F8FB16044C1F}"/>
+                <a16:creationId xmlns:a16="http://schemas.microsoft.com/office/drawing/2014/main" id="{32F281A7-8CA8-205F-D1E4-F8FB16044C1F}"/>
               </a:ext>
             </a:extLst>
           </p:cNvPr>
@@ -43161,7 +43046,7 @@
           <p:cNvPr id="90" name="TextBox 89">
             <a:extLst>
               <a:ext uri="{FF2B5EF4-FFF2-40B4-BE49-F238E27FC236}">
-                <a16:creationId xmlns="" xmlns:a16="http://schemas.microsoft.com/office/drawing/2014/main" id="{CD044177-5399-419E-C189-ED4BEF268240}"/>
+                <a16:creationId xmlns:a16="http://schemas.microsoft.com/office/drawing/2014/main" id="{CD044177-5399-419E-C189-ED4BEF268240}"/>
               </a:ext>
             </a:extLst>
           </p:cNvPr>
@@ -43239,7 +43124,7 @@
           <p:cNvPr id="4" name="TextBox 3">
             <a:extLst>
               <a:ext uri="{FF2B5EF4-FFF2-40B4-BE49-F238E27FC236}">
-                <a16:creationId xmlns="" xmlns:a16="http://schemas.microsoft.com/office/drawing/2014/main" id="{6E4771BE-09DF-3E15-A9B6-2ADE45DB9301}"/>
+                <a16:creationId xmlns:a16="http://schemas.microsoft.com/office/drawing/2014/main" id="{6E4771BE-09DF-3E15-A9B6-2ADE45DB9301}"/>
               </a:ext>
             </a:extLst>
           </p:cNvPr>
@@ -43287,7 +43172,7 @@
           <p:cNvPr id="5" name="그룹 1008">
             <a:extLst>
               <a:ext uri="{FF2B5EF4-FFF2-40B4-BE49-F238E27FC236}">
-                <a16:creationId xmlns="" xmlns:a16="http://schemas.microsoft.com/office/drawing/2014/main" id="{E8E9C254-782A-FBC1-55AF-F4C24417CFC9}"/>
+                <a16:creationId xmlns:a16="http://schemas.microsoft.com/office/drawing/2014/main" id="{E8E9C254-782A-FBC1-55AF-F4C24417CFC9}"/>
               </a:ext>
             </a:extLst>
           </p:cNvPr>
@@ -43307,7 +43192,7 @@
             <p:cNvPr id="6" name="그룹 1009">
               <a:extLst>
                 <a:ext uri="{FF2B5EF4-FFF2-40B4-BE49-F238E27FC236}">
-                  <a16:creationId xmlns="" xmlns:a16="http://schemas.microsoft.com/office/drawing/2014/main" id="{3CA2B294-22E1-B252-200F-DD750B2F7A87}"/>
+                  <a16:creationId xmlns:a16="http://schemas.microsoft.com/office/drawing/2014/main" id="{3CA2B294-22E1-B252-200F-DD750B2F7A87}"/>
                 </a:ext>
               </a:extLst>
             </p:cNvPr>
@@ -43327,7 +43212,7 @@
               <p:cNvPr id="11" name="Object 29">
                 <a:extLst>
                   <a:ext uri="{FF2B5EF4-FFF2-40B4-BE49-F238E27FC236}">
-                    <a16:creationId xmlns="" xmlns:a16="http://schemas.microsoft.com/office/drawing/2014/main" id="{6B409735-98BE-1B36-586B-4F9EF716FDDD}"/>
+                    <a16:creationId xmlns:a16="http://schemas.microsoft.com/office/drawing/2014/main" id="{6B409735-98BE-1B36-586B-4F9EF716FDDD}"/>
                   </a:ext>
                 </a:extLst>
               </p:cNvPr>
@@ -43358,7 +43243,7 @@
             <p:cNvPr id="7" name="그룹 1010">
               <a:extLst>
                 <a:ext uri="{FF2B5EF4-FFF2-40B4-BE49-F238E27FC236}">
-                  <a16:creationId xmlns="" xmlns:a16="http://schemas.microsoft.com/office/drawing/2014/main" id="{2F0FF62E-BE82-B028-45C5-E34CF026296A}"/>
+                  <a16:creationId xmlns:a16="http://schemas.microsoft.com/office/drawing/2014/main" id="{2F0FF62E-BE82-B028-45C5-E34CF026296A}"/>
                 </a:ext>
               </a:extLst>
             </p:cNvPr>
@@ -43378,7 +43263,7 @@
               <p:cNvPr id="10" name="Object 32">
                 <a:extLst>
                   <a:ext uri="{FF2B5EF4-FFF2-40B4-BE49-F238E27FC236}">
-                    <a16:creationId xmlns="" xmlns:a16="http://schemas.microsoft.com/office/drawing/2014/main" id="{E1B6A43A-991F-7AEE-FFB7-8FF7B74BF5FB}"/>
+                    <a16:creationId xmlns:a16="http://schemas.microsoft.com/office/drawing/2014/main" id="{E1B6A43A-991F-7AEE-FFB7-8FF7B74BF5FB}"/>
                   </a:ext>
                 </a:extLst>
               </p:cNvPr>
@@ -43409,7 +43294,7 @@
             <p:cNvPr id="8" name="그룹 1011">
               <a:extLst>
                 <a:ext uri="{FF2B5EF4-FFF2-40B4-BE49-F238E27FC236}">
-                  <a16:creationId xmlns="" xmlns:a16="http://schemas.microsoft.com/office/drawing/2014/main" id="{BA042914-01E9-46DE-808E-0745148414A3}"/>
+                  <a16:creationId xmlns:a16="http://schemas.microsoft.com/office/drawing/2014/main" id="{BA042914-01E9-46DE-808E-0745148414A3}"/>
                 </a:ext>
               </a:extLst>
             </p:cNvPr>
@@ -43429,7 +43314,7 @@
               <p:cNvPr id="9" name="Object 35">
                 <a:extLst>
                   <a:ext uri="{FF2B5EF4-FFF2-40B4-BE49-F238E27FC236}">
-                    <a16:creationId xmlns="" xmlns:a16="http://schemas.microsoft.com/office/drawing/2014/main" id="{01A65668-30BA-528E-0B2F-B165CE76C550}"/>
+                    <a16:creationId xmlns:a16="http://schemas.microsoft.com/office/drawing/2014/main" id="{01A65668-30BA-528E-0B2F-B165CE76C550}"/>
                   </a:ext>
                 </a:extLst>
               </p:cNvPr>
@@ -43461,7 +43346,7 @@
           <p:cNvPr id="12" name="TextBox 11">
             <a:extLst>
               <a:ext uri="{FF2B5EF4-FFF2-40B4-BE49-F238E27FC236}">
-                <a16:creationId xmlns="" xmlns:a16="http://schemas.microsoft.com/office/drawing/2014/main" id="{181EA334-B1AD-2028-A3D8-FA8B4093DA7C}"/>
+                <a16:creationId xmlns:a16="http://schemas.microsoft.com/office/drawing/2014/main" id="{181EA334-B1AD-2028-A3D8-FA8B4093DA7C}"/>
               </a:ext>
             </a:extLst>
           </p:cNvPr>
@@ -43509,7 +43394,7 @@
           <p:cNvPr id="13" name="TextBox 12">
             <a:extLst>
               <a:ext uri="{FF2B5EF4-FFF2-40B4-BE49-F238E27FC236}">
-                <a16:creationId xmlns="" xmlns:a16="http://schemas.microsoft.com/office/drawing/2014/main" id="{7EEA8891-3A23-D49B-90DA-7E8C1C088F3B}"/>
+                <a16:creationId xmlns:a16="http://schemas.microsoft.com/office/drawing/2014/main" id="{7EEA8891-3A23-D49B-90DA-7E8C1C088F3B}"/>
               </a:ext>
             </a:extLst>
           </p:cNvPr>
@@ -43557,7 +43442,7 @@
           <p:cNvPr id="14" name="그룹 1008">
             <a:extLst>
               <a:ext uri="{FF2B5EF4-FFF2-40B4-BE49-F238E27FC236}">
-                <a16:creationId xmlns="" xmlns:a16="http://schemas.microsoft.com/office/drawing/2014/main" id="{7AD220EA-989C-A03E-35E2-3E1C89CE832F}"/>
+                <a16:creationId xmlns:a16="http://schemas.microsoft.com/office/drawing/2014/main" id="{7AD220EA-989C-A03E-35E2-3E1C89CE832F}"/>
               </a:ext>
             </a:extLst>
           </p:cNvPr>
@@ -43577,7 +43462,7 @@
             <p:cNvPr id="15" name="그룹 1009">
               <a:extLst>
                 <a:ext uri="{FF2B5EF4-FFF2-40B4-BE49-F238E27FC236}">
-                  <a16:creationId xmlns="" xmlns:a16="http://schemas.microsoft.com/office/drawing/2014/main" id="{068815AF-E19C-E57B-B49A-7F9C7ECBB6F5}"/>
+                  <a16:creationId xmlns:a16="http://schemas.microsoft.com/office/drawing/2014/main" id="{068815AF-E19C-E57B-B49A-7F9C7ECBB6F5}"/>
                 </a:ext>
               </a:extLst>
             </p:cNvPr>
@@ -43597,7 +43482,7 @@
               <p:cNvPr id="20" name="Object 29">
                 <a:extLst>
                   <a:ext uri="{FF2B5EF4-FFF2-40B4-BE49-F238E27FC236}">
-                    <a16:creationId xmlns="" xmlns:a16="http://schemas.microsoft.com/office/drawing/2014/main" id="{7068BEFE-DEF3-4498-0B24-75B57099F18E}"/>
+                    <a16:creationId xmlns:a16="http://schemas.microsoft.com/office/drawing/2014/main" id="{7068BEFE-DEF3-4498-0B24-75B57099F18E}"/>
                   </a:ext>
                 </a:extLst>
               </p:cNvPr>
@@ -43628,7 +43513,7 @@
             <p:cNvPr id="16" name="그룹 1010">
               <a:extLst>
                 <a:ext uri="{FF2B5EF4-FFF2-40B4-BE49-F238E27FC236}">
-                  <a16:creationId xmlns="" xmlns:a16="http://schemas.microsoft.com/office/drawing/2014/main" id="{49A21C64-1979-6CD0-5AFB-2197D9BC56DA}"/>
+                  <a16:creationId xmlns:a16="http://schemas.microsoft.com/office/drawing/2014/main" id="{49A21C64-1979-6CD0-5AFB-2197D9BC56DA}"/>
                 </a:ext>
               </a:extLst>
             </p:cNvPr>
@@ -43648,7 +43533,7 @@
               <p:cNvPr id="19" name="Object 32">
                 <a:extLst>
                   <a:ext uri="{FF2B5EF4-FFF2-40B4-BE49-F238E27FC236}">
-                    <a16:creationId xmlns="" xmlns:a16="http://schemas.microsoft.com/office/drawing/2014/main" id="{E38D1436-77FD-6470-968D-737D22EC338E}"/>
+                    <a16:creationId xmlns:a16="http://schemas.microsoft.com/office/drawing/2014/main" id="{E38D1436-77FD-6470-968D-737D22EC338E}"/>
                   </a:ext>
                 </a:extLst>
               </p:cNvPr>
@@ -43679,7 +43564,7 @@
             <p:cNvPr id="17" name="그룹 1011">
               <a:extLst>
                 <a:ext uri="{FF2B5EF4-FFF2-40B4-BE49-F238E27FC236}">
-                  <a16:creationId xmlns="" xmlns:a16="http://schemas.microsoft.com/office/drawing/2014/main" id="{79DA82F1-FC84-20B7-EB0B-C76926DB8862}"/>
+                  <a16:creationId xmlns:a16="http://schemas.microsoft.com/office/drawing/2014/main" id="{79DA82F1-FC84-20B7-EB0B-C76926DB8862}"/>
                 </a:ext>
               </a:extLst>
             </p:cNvPr>
@@ -43699,7 +43584,7 @@
               <p:cNvPr id="18" name="Object 35">
                 <a:extLst>
                   <a:ext uri="{FF2B5EF4-FFF2-40B4-BE49-F238E27FC236}">
-                    <a16:creationId xmlns="" xmlns:a16="http://schemas.microsoft.com/office/drawing/2014/main" id="{AEC81504-BC52-D5D0-3109-8B4F983D7456}"/>
+                    <a16:creationId xmlns:a16="http://schemas.microsoft.com/office/drawing/2014/main" id="{AEC81504-BC52-D5D0-3109-8B4F983D7456}"/>
                   </a:ext>
                 </a:extLst>
               </p:cNvPr>

--- a/JavaLecture/LectureFile/java 6강.pptx
+++ b/JavaLecture/LectureFile/java 6강.pptx
@@ -255,7 +255,7 @@
           <a:p>
             <a:fld id="{D79F2C30-10E1-4C46-91DC-BBDB9629E720}" type="datetimeFigureOut">
               <a:rPr lang="ko-KR" altLang="en-US" smtClean="0"/>
-              <a:t>2023-02-04 Saturday</a:t>
+              <a:t>2023-02-04</a:t>
             </a:fld>
             <a:endParaRPr lang="ko-KR" altLang="en-US"/>
           </a:p>
@@ -3969,7 +3969,7 @@
           <p:cNvPr id="2" name="TextBox 1">
             <a:extLst>
               <a:ext uri="{FF2B5EF4-FFF2-40B4-BE49-F238E27FC236}">
-                <a16:creationId xmlns:a16="http://schemas.microsoft.com/office/drawing/2014/main" id="{E9A453A8-9968-67AB-7B4A-83EEB4662AA6}"/>
+                <a16:creationId xmlns:a16="http://schemas.microsoft.com/office/drawing/2014/main" xmlns="" id="{E9A453A8-9968-67AB-7B4A-83EEB4662AA6}"/>
               </a:ext>
             </a:extLst>
           </p:cNvPr>
@@ -4017,7 +4017,7 @@
           <p:cNvPr id="4" name="TextBox 3">
             <a:extLst>
               <a:ext uri="{FF2B5EF4-FFF2-40B4-BE49-F238E27FC236}">
-                <a16:creationId xmlns:a16="http://schemas.microsoft.com/office/drawing/2014/main" id="{F4B7A35A-8AAC-4622-64BC-CAD1472D4115}"/>
+                <a16:creationId xmlns:a16="http://schemas.microsoft.com/office/drawing/2014/main" xmlns="" id="{F4B7A35A-8AAC-4622-64BC-CAD1472D4115}"/>
               </a:ext>
             </a:extLst>
           </p:cNvPr>
@@ -4089,7 +4089,7 @@
           <p:cNvPr id="7" name="TextBox 6">
             <a:extLst>
               <a:ext uri="{FF2B5EF4-FFF2-40B4-BE49-F238E27FC236}">
-                <a16:creationId xmlns:a16="http://schemas.microsoft.com/office/drawing/2014/main" id="{3ACE900A-D779-4343-6623-8588B376F0A1}"/>
+                <a16:creationId xmlns:a16="http://schemas.microsoft.com/office/drawing/2014/main" xmlns="" id="{3ACE900A-D779-4343-6623-8588B376F0A1}"/>
               </a:ext>
             </a:extLst>
           </p:cNvPr>
@@ -4153,7 +4153,7 @@
           <p:cNvPr id="4" name="Picture 2">
             <a:extLst>
               <a:ext uri="{FF2B5EF4-FFF2-40B4-BE49-F238E27FC236}">
-                <a16:creationId xmlns:a16="http://schemas.microsoft.com/office/drawing/2014/main" id="{5349EC00-55D4-A2A3-625B-D0BC1634A8C7}"/>
+                <a16:creationId xmlns:a16="http://schemas.microsoft.com/office/drawing/2014/main" xmlns="" id="{5349EC00-55D4-A2A3-625B-D0BC1634A8C7}"/>
               </a:ext>
             </a:extLst>
           </p:cNvPr>
@@ -4200,7 +4200,7 @@
           <p:cNvPr id="5" name="TextBox 4">
             <a:extLst>
               <a:ext uri="{FF2B5EF4-FFF2-40B4-BE49-F238E27FC236}">
-                <a16:creationId xmlns:a16="http://schemas.microsoft.com/office/drawing/2014/main" id="{5716CAD0-9453-E46F-22E1-4C17A785BF58}"/>
+                <a16:creationId xmlns:a16="http://schemas.microsoft.com/office/drawing/2014/main" xmlns="" id="{5716CAD0-9453-E46F-22E1-4C17A785BF58}"/>
               </a:ext>
             </a:extLst>
           </p:cNvPr>
@@ -4248,7 +4248,7 @@
           <p:cNvPr id="6" name="그룹 1023">
             <a:extLst>
               <a:ext uri="{FF2B5EF4-FFF2-40B4-BE49-F238E27FC236}">
-                <a16:creationId xmlns:a16="http://schemas.microsoft.com/office/drawing/2014/main" id="{25922995-7C90-A2A0-B277-9D20599DAC8C}"/>
+                <a16:creationId xmlns:a16="http://schemas.microsoft.com/office/drawing/2014/main" xmlns="" id="{25922995-7C90-A2A0-B277-9D20599DAC8C}"/>
               </a:ext>
             </a:extLst>
           </p:cNvPr>
@@ -4268,7 +4268,7 @@
             <p:cNvPr id="7" name="그룹 1024">
               <a:extLst>
                 <a:ext uri="{FF2B5EF4-FFF2-40B4-BE49-F238E27FC236}">
-                  <a16:creationId xmlns:a16="http://schemas.microsoft.com/office/drawing/2014/main" id="{1C864C9B-D35F-49DE-20AE-AAA52F3C897B}"/>
+                  <a16:creationId xmlns:a16="http://schemas.microsoft.com/office/drawing/2014/main" xmlns="" id="{1C864C9B-D35F-49DE-20AE-AAA52F3C897B}"/>
                 </a:ext>
               </a:extLst>
             </p:cNvPr>
@@ -4288,7 +4288,7 @@
               <p:cNvPr id="12" name="Object 73">
                 <a:extLst>
                   <a:ext uri="{FF2B5EF4-FFF2-40B4-BE49-F238E27FC236}">
-                    <a16:creationId xmlns:a16="http://schemas.microsoft.com/office/drawing/2014/main" id="{DAF19786-B4F3-6B59-E087-9445B4BD8E49}"/>
+                    <a16:creationId xmlns:a16="http://schemas.microsoft.com/office/drawing/2014/main" xmlns="" id="{DAF19786-B4F3-6B59-E087-9445B4BD8E49}"/>
                   </a:ext>
                 </a:extLst>
               </p:cNvPr>
@@ -4319,7 +4319,7 @@
             <p:cNvPr id="8" name="그룹 1025">
               <a:extLst>
                 <a:ext uri="{FF2B5EF4-FFF2-40B4-BE49-F238E27FC236}">
-                  <a16:creationId xmlns:a16="http://schemas.microsoft.com/office/drawing/2014/main" id="{2CAA926C-56A0-F21C-893B-EC3C4EB24533}"/>
+                  <a16:creationId xmlns:a16="http://schemas.microsoft.com/office/drawing/2014/main" xmlns="" id="{2CAA926C-56A0-F21C-893B-EC3C4EB24533}"/>
                 </a:ext>
               </a:extLst>
             </p:cNvPr>
@@ -4339,7 +4339,7 @@
               <p:cNvPr id="11" name="Object 76">
                 <a:extLst>
                   <a:ext uri="{FF2B5EF4-FFF2-40B4-BE49-F238E27FC236}">
-                    <a16:creationId xmlns:a16="http://schemas.microsoft.com/office/drawing/2014/main" id="{6B906307-B3BF-FDDE-D70B-CFB78A713DC6}"/>
+                    <a16:creationId xmlns:a16="http://schemas.microsoft.com/office/drawing/2014/main" xmlns="" id="{6B906307-B3BF-FDDE-D70B-CFB78A713DC6}"/>
                   </a:ext>
                 </a:extLst>
               </p:cNvPr>
@@ -4370,7 +4370,7 @@
             <p:cNvPr id="9" name="그룹 1026">
               <a:extLst>
                 <a:ext uri="{FF2B5EF4-FFF2-40B4-BE49-F238E27FC236}">
-                  <a16:creationId xmlns:a16="http://schemas.microsoft.com/office/drawing/2014/main" id="{F63608E4-E0A7-F2E7-73C7-D8B0243DD635}"/>
+                  <a16:creationId xmlns:a16="http://schemas.microsoft.com/office/drawing/2014/main" xmlns="" id="{F63608E4-E0A7-F2E7-73C7-D8B0243DD635}"/>
                 </a:ext>
               </a:extLst>
             </p:cNvPr>
@@ -4390,7 +4390,7 @@
               <p:cNvPr id="10" name="Object 79">
                 <a:extLst>
                   <a:ext uri="{FF2B5EF4-FFF2-40B4-BE49-F238E27FC236}">
-                    <a16:creationId xmlns:a16="http://schemas.microsoft.com/office/drawing/2014/main" id="{21647FB7-2C7A-9793-46A0-ADFCF18309CB}"/>
+                    <a16:creationId xmlns:a16="http://schemas.microsoft.com/office/drawing/2014/main" xmlns="" id="{21647FB7-2C7A-9793-46A0-ADFCF18309CB}"/>
                   </a:ext>
                 </a:extLst>
               </p:cNvPr>
@@ -4422,7 +4422,7 @@
           <p:cNvPr id="13" name="Picture 4">
             <a:extLst>
               <a:ext uri="{FF2B5EF4-FFF2-40B4-BE49-F238E27FC236}">
-                <a16:creationId xmlns:a16="http://schemas.microsoft.com/office/drawing/2014/main" id="{6E4B4F43-31DF-4CBA-8527-1C87B35CDB9A}"/>
+                <a16:creationId xmlns:a16="http://schemas.microsoft.com/office/drawing/2014/main" xmlns="" id="{6E4B4F43-31DF-4CBA-8527-1C87B35CDB9A}"/>
               </a:ext>
             </a:extLst>
           </p:cNvPr>
@@ -4469,7 +4469,7 @@
           <p:cNvPr id="14" name="TextBox 13">
             <a:extLst>
               <a:ext uri="{FF2B5EF4-FFF2-40B4-BE49-F238E27FC236}">
-                <a16:creationId xmlns:a16="http://schemas.microsoft.com/office/drawing/2014/main" id="{131CAA11-625D-884F-94CC-6654A5C13F00}"/>
+                <a16:creationId xmlns:a16="http://schemas.microsoft.com/office/drawing/2014/main" xmlns="" id="{131CAA11-625D-884F-94CC-6654A5C13F00}"/>
               </a:ext>
             </a:extLst>
           </p:cNvPr>
@@ -4540,7 +4540,7 @@
           <p:cNvPr id="15" name="TextBox 14">
             <a:extLst>
               <a:ext uri="{FF2B5EF4-FFF2-40B4-BE49-F238E27FC236}">
-                <a16:creationId xmlns:a16="http://schemas.microsoft.com/office/drawing/2014/main" id="{5716CAD0-9453-E46F-22E1-4C17A785BF58}"/>
+                <a16:creationId xmlns:a16="http://schemas.microsoft.com/office/drawing/2014/main" xmlns="" id="{5716CAD0-9453-E46F-22E1-4C17A785BF58}"/>
               </a:ext>
             </a:extLst>
           </p:cNvPr>
@@ -4618,7 +4618,7 @@
           <p:cNvPr id="4" name="그룹 1018">
             <a:extLst>
               <a:ext uri="{FF2B5EF4-FFF2-40B4-BE49-F238E27FC236}">
-                <a16:creationId xmlns:a16="http://schemas.microsoft.com/office/drawing/2014/main" id="{0804D430-F42E-AE32-A065-FFA8C471F092}"/>
+                <a16:creationId xmlns:a16="http://schemas.microsoft.com/office/drawing/2014/main" xmlns="" id="{0804D430-F42E-AE32-A065-FFA8C471F092}"/>
               </a:ext>
             </a:extLst>
           </p:cNvPr>
@@ -4638,7 +4638,7 @@
             <p:cNvPr id="5" name="Object 61">
               <a:extLst>
                 <a:ext uri="{FF2B5EF4-FFF2-40B4-BE49-F238E27FC236}">
-                  <a16:creationId xmlns:a16="http://schemas.microsoft.com/office/drawing/2014/main" id="{334A4C3A-641C-7CD9-8FEE-5EC92B28D640}"/>
+                  <a16:creationId xmlns:a16="http://schemas.microsoft.com/office/drawing/2014/main" xmlns="" id="{334A4C3A-641C-7CD9-8FEE-5EC92B28D640}"/>
                 </a:ext>
               </a:extLst>
             </p:cNvPr>
@@ -4669,7 +4669,7 @@
           <p:cNvPr id="7" name="TextBox 6">
             <a:extLst>
               <a:ext uri="{FF2B5EF4-FFF2-40B4-BE49-F238E27FC236}">
-                <a16:creationId xmlns:a16="http://schemas.microsoft.com/office/drawing/2014/main" id="{DF7DDD33-9412-2802-339A-E55446AC2DA7}"/>
+                <a16:creationId xmlns:a16="http://schemas.microsoft.com/office/drawing/2014/main" xmlns="" id="{DF7DDD33-9412-2802-339A-E55446AC2DA7}"/>
               </a:ext>
             </a:extLst>
           </p:cNvPr>
@@ -4777,7 +4777,7 @@
           <p:cNvPr id="8" name="TextBox 7">
             <a:extLst>
               <a:ext uri="{FF2B5EF4-FFF2-40B4-BE49-F238E27FC236}">
-                <a16:creationId xmlns:a16="http://schemas.microsoft.com/office/drawing/2014/main" id="{DF7DDD33-9412-2802-339A-E55446AC2DA7}"/>
+                <a16:creationId xmlns:a16="http://schemas.microsoft.com/office/drawing/2014/main" xmlns="" id="{DF7DDD33-9412-2802-339A-E55446AC2DA7}"/>
               </a:ext>
             </a:extLst>
           </p:cNvPr>
@@ -4835,7 +4835,7 @@
           <p:cNvPr id="9" name="그룹 1018">
             <a:extLst>
               <a:ext uri="{FF2B5EF4-FFF2-40B4-BE49-F238E27FC236}">
-                <a16:creationId xmlns:a16="http://schemas.microsoft.com/office/drawing/2014/main" id="{0804D430-F42E-AE32-A065-FFA8C471F092}"/>
+                <a16:creationId xmlns:a16="http://schemas.microsoft.com/office/drawing/2014/main" xmlns="" id="{0804D430-F42E-AE32-A065-FFA8C471F092}"/>
               </a:ext>
             </a:extLst>
           </p:cNvPr>
@@ -4855,7 +4855,7 @@
             <p:cNvPr id="10" name="Object 61">
               <a:extLst>
                 <a:ext uri="{FF2B5EF4-FFF2-40B4-BE49-F238E27FC236}">
-                  <a16:creationId xmlns:a16="http://schemas.microsoft.com/office/drawing/2014/main" id="{334A4C3A-641C-7CD9-8FEE-5EC92B28D640}"/>
+                  <a16:creationId xmlns:a16="http://schemas.microsoft.com/office/drawing/2014/main" xmlns="" id="{334A4C3A-641C-7CD9-8FEE-5EC92B28D640}"/>
                 </a:ext>
               </a:extLst>
             </p:cNvPr>
@@ -4886,7 +4886,7 @@
           <p:cNvPr id="11" name="TextBox 10">
             <a:extLst>
               <a:ext uri="{FF2B5EF4-FFF2-40B4-BE49-F238E27FC236}">
-                <a16:creationId xmlns:a16="http://schemas.microsoft.com/office/drawing/2014/main" id="{DF7DDD33-9412-2802-339A-E55446AC2DA7}"/>
+                <a16:creationId xmlns:a16="http://schemas.microsoft.com/office/drawing/2014/main" xmlns="" id="{DF7DDD33-9412-2802-339A-E55446AC2DA7}"/>
               </a:ext>
             </a:extLst>
           </p:cNvPr>
@@ -4994,7 +4994,7 @@
           <p:cNvPr id="12" name="TextBox 11">
             <a:extLst>
               <a:ext uri="{FF2B5EF4-FFF2-40B4-BE49-F238E27FC236}">
-                <a16:creationId xmlns:a16="http://schemas.microsoft.com/office/drawing/2014/main" id="{DF7DDD33-9412-2802-339A-E55446AC2DA7}"/>
+                <a16:creationId xmlns:a16="http://schemas.microsoft.com/office/drawing/2014/main" xmlns="" id="{DF7DDD33-9412-2802-339A-E55446AC2DA7}"/>
               </a:ext>
             </a:extLst>
           </p:cNvPr>
@@ -5171,7 +5171,7 @@
           <p:cNvPr id="6" name="TextBox 5">
             <a:extLst>
               <a:ext uri="{FF2B5EF4-FFF2-40B4-BE49-F238E27FC236}">
-                <a16:creationId xmlns:a16="http://schemas.microsoft.com/office/drawing/2014/main" id="{DF7DDD33-9412-2802-339A-E55446AC2DA7}"/>
+                <a16:creationId xmlns:a16="http://schemas.microsoft.com/office/drawing/2014/main" xmlns="" id="{DF7DDD33-9412-2802-339A-E55446AC2DA7}"/>
               </a:ext>
             </a:extLst>
           </p:cNvPr>
@@ -5219,7 +5219,7 @@
           <p:cNvPr id="7" name="표 16">
             <a:extLst>
               <a:ext uri="{FF2B5EF4-FFF2-40B4-BE49-F238E27FC236}">
-                <a16:creationId xmlns:a16="http://schemas.microsoft.com/office/drawing/2014/main" id="{F03C45C7-6EB1-7871-F0F7-945F667135C4}"/>
+                <a16:creationId xmlns:a16="http://schemas.microsoft.com/office/drawing/2014/main" xmlns="" id="{F03C45C7-6EB1-7871-F0F7-945F667135C4}"/>
               </a:ext>
             </a:extLst>
           </p:cNvPr>
@@ -5248,14 +5248,14 @@
                 <a:gridCol w="1600200">
                   <a:extLst>
                     <a:ext uri="{9D8B030D-6E8A-4147-A177-3AD203B41FA5}">
-                      <a16:colId xmlns:a16="http://schemas.microsoft.com/office/drawing/2014/main" val="2433761377"/>
+                      <a16:colId xmlns:a16="http://schemas.microsoft.com/office/drawing/2014/main" xmlns="" val="2433761377"/>
                     </a:ext>
                   </a:extLst>
                 </a:gridCol>
                 <a:gridCol w="1828800">
                   <a:extLst>
                     <a:ext uri="{9D8B030D-6E8A-4147-A177-3AD203B41FA5}">
-                      <a16:colId xmlns:a16="http://schemas.microsoft.com/office/drawing/2014/main" val="926389809"/>
+                      <a16:colId xmlns:a16="http://schemas.microsoft.com/office/drawing/2014/main" xmlns="" val="926389809"/>
                     </a:ext>
                   </a:extLst>
                 </a:gridCol>
@@ -5397,7 +5397,7 @@
                 </a:tc>
                 <a:extLst>
                   <a:ext uri="{0D108BD9-81ED-4DB2-BD59-A6C34878D82A}">
-                    <a16:rowId xmlns:a16="http://schemas.microsoft.com/office/drawing/2014/main" val="2504948727"/>
+                    <a16:rowId xmlns:a16="http://schemas.microsoft.com/office/drawing/2014/main" xmlns="" val="2504948727"/>
                   </a:ext>
                 </a:extLst>
               </a:tr>
@@ -5522,7 +5522,7 @@
                 </a:tc>
                 <a:extLst>
                   <a:ext uri="{0D108BD9-81ED-4DB2-BD59-A6C34878D82A}">
-                    <a16:rowId xmlns:a16="http://schemas.microsoft.com/office/drawing/2014/main" val="3647525178"/>
+                    <a16:rowId xmlns:a16="http://schemas.microsoft.com/office/drawing/2014/main" xmlns="" val="3647525178"/>
                   </a:ext>
                 </a:extLst>
               </a:tr>
@@ -5635,7 +5635,7 @@
                 </a:tc>
                 <a:extLst>
                   <a:ext uri="{0D108BD9-81ED-4DB2-BD59-A6C34878D82A}">
-                    <a16:rowId xmlns:a16="http://schemas.microsoft.com/office/drawing/2014/main" val="2672623231"/>
+                    <a16:rowId xmlns:a16="http://schemas.microsoft.com/office/drawing/2014/main" xmlns="" val="2672623231"/>
                   </a:ext>
                 </a:extLst>
               </a:tr>
@@ -5748,7 +5748,7 @@
                 </a:tc>
                 <a:extLst>
                   <a:ext uri="{0D108BD9-81ED-4DB2-BD59-A6C34878D82A}">
-                    <a16:rowId xmlns:a16="http://schemas.microsoft.com/office/drawing/2014/main" val="2996999142"/>
+                    <a16:rowId xmlns:a16="http://schemas.microsoft.com/office/drawing/2014/main" xmlns="" val="2996999142"/>
                   </a:ext>
                 </a:extLst>
               </a:tr>
@@ -5857,7 +5857,7 @@
                 </a:tc>
                 <a:extLst>
                   <a:ext uri="{0D108BD9-81ED-4DB2-BD59-A6C34878D82A}">
-                    <a16:rowId xmlns:a16="http://schemas.microsoft.com/office/drawing/2014/main" val="2275222586"/>
+                    <a16:rowId xmlns:a16="http://schemas.microsoft.com/office/drawing/2014/main" xmlns="" val="2275222586"/>
                   </a:ext>
                 </a:extLst>
               </a:tr>
@@ -5966,7 +5966,7 @@
                 </a:tc>
                 <a:extLst>
                   <a:ext uri="{0D108BD9-81ED-4DB2-BD59-A6C34878D82A}">
-                    <a16:rowId xmlns:a16="http://schemas.microsoft.com/office/drawing/2014/main" val="1918467740"/>
+                    <a16:rowId xmlns:a16="http://schemas.microsoft.com/office/drawing/2014/main" xmlns="" val="1918467740"/>
                   </a:ext>
                 </a:extLst>
               </a:tr>
@@ -6075,7 +6075,7 @@
                 </a:tc>
                 <a:extLst>
                   <a:ext uri="{0D108BD9-81ED-4DB2-BD59-A6C34878D82A}">
-                    <a16:rowId xmlns:a16="http://schemas.microsoft.com/office/drawing/2014/main" val="168351104"/>
+                    <a16:rowId xmlns:a16="http://schemas.microsoft.com/office/drawing/2014/main" xmlns="" val="168351104"/>
                   </a:ext>
                 </a:extLst>
               </a:tr>
@@ -6200,7 +6200,7 @@
                 </a:tc>
                 <a:extLst>
                   <a:ext uri="{0D108BD9-81ED-4DB2-BD59-A6C34878D82A}">
-                    <a16:rowId xmlns:a16="http://schemas.microsoft.com/office/drawing/2014/main" val="1446898692"/>
+                    <a16:rowId xmlns:a16="http://schemas.microsoft.com/office/drawing/2014/main" xmlns="" val="1446898692"/>
                   </a:ext>
                 </a:extLst>
               </a:tr>
@@ -6213,7 +6213,7 @@
           <p:cNvPr id="8" name="그룹 1018">
             <a:extLst>
               <a:ext uri="{FF2B5EF4-FFF2-40B4-BE49-F238E27FC236}">
-                <a16:creationId xmlns:a16="http://schemas.microsoft.com/office/drawing/2014/main" id="{0804D430-F42E-AE32-A065-FFA8C471F092}"/>
+                <a16:creationId xmlns:a16="http://schemas.microsoft.com/office/drawing/2014/main" xmlns="" id="{0804D430-F42E-AE32-A065-FFA8C471F092}"/>
               </a:ext>
             </a:extLst>
           </p:cNvPr>
@@ -6233,7 +6233,7 @@
             <p:cNvPr id="9" name="Object 61">
               <a:extLst>
                 <a:ext uri="{FF2B5EF4-FFF2-40B4-BE49-F238E27FC236}">
-                  <a16:creationId xmlns:a16="http://schemas.microsoft.com/office/drawing/2014/main" id="{334A4C3A-641C-7CD9-8FEE-5EC92B28D640}"/>
+                  <a16:creationId xmlns:a16="http://schemas.microsoft.com/office/drawing/2014/main" xmlns="" id="{334A4C3A-641C-7CD9-8FEE-5EC92B28D640}"/>
                 </a:ext>
               </a:extLst>
             </p:cNvPr>
@@ -6264,7 +6264,7 @@
           <p:cNvPr id="10" name="TextBox 9">
             <a:extLst>
               <a:ext uri="{FF2B5EF4-FFF2-40B4-BE49-F238E27FC236}">
-                <a16:creationId xmlns:a16="http://schemas.microsoft.com/office/drawing/2014/main" id="{DF7DDD33-9412-2802-339A-E55446AC2DA7}"/>
+                <a16:creationId xmlns:a16="http://schemas.microsoft.com/office/drawing/2014/main" xmlns="" id="{DF7DDD33-9412-2802-339A-E55446AC2DA7}"/>
               </a:ext>
             </a:extLst>
           </p:cNvPr>
@@ -6312,7 +6312,7 @@
           <p:cNvPr id="12" name="TextBox 11">
             <a:extLst>
               <a:ext uri="{FF2B5EF4-FFF2-40B4-BE49-F238E27FC236}">
-                <a16:creationId xmlns:a16="http://schemas.microsoft.com/office/drawing/2014/main" id="{52176D31-35F7-8916-46FA-6095EFEC1E49}"/>
+                <a16:creationId xmlns:a16="http://schemas.microsoft.com/office/drawing/2014/main" xmlns="" id="{52176D31-35F7-8916-46FA-6095EFEC1E49}"/>
               </a:ext>
             </a:extLst>
           </p:cNvPr>
@@ -6356,7 +6356,7 @@
           <p:cNvPr id="13" name="TextBox 12">
             <a:extLst>
               <a:ext uri="{FF2B5EF4-FFF2-40B4-BE49-F238E27FC236}">
-                <a16:creationId xmlns:a16="http://schemas.microsoft.com/office/drawing/2014/main" id="{52176D31-35F7-8916-46FA-6095EFEC1E49}"/>
+                <a16:creationId xmlns:a16="http://schemas.microsoft.com/office/drawing/2014/main" xmlns="" id="{52176D31-35F7-8916-46FA-6095EFEC1E49}"/>
               </a:ext>
             </a:extLst>
           </p:cNvPr>
@@ -6400,7 +6400,7 @@
           <p:cNvPr id="14" name="직선 화살표 연결선 13">
             <a:extLst>
               <a:ext uri="{FF2B5EF4-FFF2-40B4-BE49-F238E27FC236}">
-                <a16:creationId xmlns:a16="http://schemas.microsoft.com/office/drawing/2014/main" id="{299DF5EC-9DF4-5255-06AC-0A7CE4FF58C3}"/>
+                <a16:creationId xmlns:a16="http://schemas.microsoft.com/office/drawing/2014/main" xmlns="" id="{299DF5EC-9DF4-5255-06AC-0A7CE4FF58C3}"/>
               </a:ext>
             </a:extLst>
           </p:cNvPr>
@@ -6442,7 +6442,7 @@
           <p:cNvPr id="17" name="TextBox 16">
             <a:extLst>
               <a:ext uri="{FF2B5EF4-FFF2-40B4-BE49-F238E27FC236}">
-                <a16:creationId xmlns:a16="http://schemas.microsoft.com/office/drawing/2014/main" id="{A2AD056B-97A4-5BCC-4460-250160F3E171}"/>
+                <a16:creationId xmlns:a16="http://schemas.microsoft.com/office/drawing/2014/main" xmlns="" id="{A2AD056B-97A4-5BCC-4460-250160F3E171}"/>
               </a:ext>
             </a:extLst>
           </p:cNvPr>
@@ -6847,7 +6847,7 @@
           <p:cNvPr id="5" name="TextBox 4">
             <a:extLst>
               <a:ext uri="{FF2B5EF4-FFF2-40B4-BE49-F238E27FC236}">
-                <a16:creationId xmlns:a16="http://schemas.microsoft.com/office/drawing/2014/main" id="{DF7DDD33-9412-2802-339A-E55446AC2DA7}"/>
+                <a16:creationId xmlns:a16="http://schemas.microsoft.com/office/drawing/2014/main" xmlns="" id="{DF7DDD33-9412-2802-339A-E55446AC2DA7}"/>
               </a:ext>
             </a:extLst>
           </p:cNvPr>
@@ -6929,7 +6929,7 @@
           <p:cNvPr id="7" name="표 16">
             <a:extLst>
               <a:ext uri="{FF2B5EF4-FFF2-40B4-BE49-F238E27FC236}">
-                <a16:creationId xmlns:a16="http://schemas.microsoft.com/office/drawing/2014/main" id="{F03C45C7-6EB1-7871-F0F7-945F667135C4}"/>
+                <a16:creationId xmlns:a16="http://schemas.microsoft.com/office/drawing/2014/main" xmlns="" id="{F03C45C7-6EB1-7871-F0F7-945F667135C4}"/>
               </a:ext>
             </a:extLst>
           </p:cNvPr>
@@ -6958,14 +6958,14 @@
                 <a:gridCol w="1600200">
                   <a:extLst>
                     <a:ext uri="{9D8B030D-6E8A-4147-A177-3AD203B41FA5}">
-                      <a16:colId xmlns:a16="http://schemas.microsoft.com/office/drawing/2014/main" val="2433761377"/>
+                      <a16:colId xmlns:a16="http://schemas.microsoft.com/office/drawing/2014/main" xmlns="" val="2433761377"/>
                     </a:ext>
                   </a:extLst>
                 </a:gridCol>
                 <a:gridCol w="1828800">
                   <a:extLst>
                     <a:ext uri="{9D8B030D-6E8A-4147-A177-3AD203B41FA5}">
-                      <a16:colId xmlns:a16="http://schemas.microsoft.com/office/drawing/2014/main" val="926389809"/>
+                      <a16:colId xmlns:a16="http://schemas.microsoft.com/office/drawing/2014/main" xmlns="" val="926389809"/>
                     </a:ext>
                   </a:extLst>
                 </a:gridCol>
@@ -7107,7 +7107,7 @@
                 </a:tc>
                 <a:extLst>
                   <a:ext uri="{0D108BD9-81ED-4DB2-BD59-A6C34878D82A}">
-                    <a16:rowId xmlns:a16="http://schemas.microsoft.com/office/drawing/2014/main" val="2504948727"/>
+                    <a16:rowId xmlns:a16="http://schemas.microsoft.com/office/drawing/2014/main" xmlns="" val="2504948727"/>
                   </a:ext>
                 </a:extLst>
               </a:tr>
@@ -7236,7 +7236,7 @@
                 </a:tc>
                 <a:extLst>
                   <a:ext uri="{0D108BD9-81ED-4DB2-BD59-A6C34878D82A}">
-                    <a16:rowId xmlns:a16="http://schemas.microsoft.com/office/drawing/2014/main" val="3647525178"/>
+                    <a16:rowId xmlns:a16="http://schemas.microsoft.com/office/drawing/2014/main" xmlns="" val="3647525178"/>
                   </a:ext>
                 </a:extLst>
               </a:tr>
@@ -7349,7 +7349,7 @@
                 </a:tc>
                 <a:extLst>
                   <a:ext uri="{0D108BD9-81ED-4DB2-BD59-A6C34878D82A}">
-                    <a16:rowId xmlns:a16="http://schemas.microsoft.com/office/drawing/2014/main" val="2672623231"/>
+                    <a16:rowId xmlns:a16="http://schemas.microsoft.com/office/drawing/2014/main" xmlns="" val="2672623231"/>
                   </a:ext>
                 </a:extLst>
               </a:tr>
@@ -7462,7 +7462,7 @@
                 </a:tc>
                 <a:extLst>
                   <a:ext uri="{0D108BD9-81ED-4DB2-BD59-A6C34878D82A}">
-                    <a16:rowId xmlns:a16="http://schemas.microsoft.com/office/drawing/2014/main" val="2996999142"/>
+                    <a16:rowId xmlns:a16="http://schemas.microsoft.com/office/drawing/2014/main" xmlns="" val="2996999142"/>
                   </a:ext>
                 </a:extLst>
               </a:tr>
@@ -7571,7 +7571,7 @@
                 </a:tc>
                 <a:extLst>
                   <a:ext uri="{0D108BD9-81ED-4DB2-BD59-A6C34878D82A}">
-                    <a16:rowId xmlns:a16="http://schemas.microsoft.com/office/drawing/2014/main" val="2275222586"/>
+                    <a16:rowId xmlns:a16="http://schemas.microsoft.com/office/drawing/2014/main" xmlns="" val="2275222586"/>
                   </a:ext>
                 </a:extLst>
               </a:tr>
@@ -7680,7 +7680,7 @@
                 </a:tc>
                 <a:extLst>
                   <a:ext uri="{0D108BD9-81ED-4DB2-BD59-A6C34878D82A}">
-                    <a16:rowId xmlns:a16="http://schemas.microsoft.com/office/drawing/2014/main" val="1918467740"/>
+                    <a16:rowId xmlns:a16="http://schemas.microsoft.com/office/drawing/2014/main" xmlns="" val="1918467740"/>
                   </a:ext>
                 </a:extLst>
               </a:tr>
@@ -7789,7 +7789,7 @@
                 </a:tc>
                 <a:extLst>
                   <a:ext uri="{0D108BD9-81ED-4DB2-BD59-A6C34878D82A}">
-                    <a16:rowId xmlns:a16="http://schemas.microsoft.com/office/drawing/2014/main" val="168351104"/>
+                    <a16:rowId xmlns:a16="http://schemas.microsoft.com/office/drawing/2014/main" xmlns="" val="168351104"/>
                   </a:ext>
                 </a:extLst>
               </a:tr>
@@ -7914,7 +7914,7 @@
                 </a:tc>
                 <a:extLst>
                   <a:ext uri="{0D108BD9-81ED-4DB2-BD59-A6C34878D82A}">
-                    <a16:rowId xmlns:a16="http://schemas.microsoft.com/office/drawing/2014/main" val="1446898692"/>
+                    <a16:rowId xmlns:a16="http://schemas.microsoft.com/office/drawing/2014/main" xmlns="" val="1446898692"/>
                   </a:ext>
                 </a:extLst>
               </a:tr>
@@ -7927,7 +7927,7 @@
           <p:cNvPr id="8" name="그룹 1018">
             <a:extLst>
               <a:ext uri="{FF2B5EF4-FFF2-40B4-BE49-F238E27FC236}">
-                <a16:creationId xmlns:a16="http://schemas.microsoft.com/office/drawing/2014/main" id="{0804D430-F42E-AE32-A065-FFA8C471F092}"/>
+                <a16:creationId xmlns:a16="http://schemas.microsoft.com/office/drawing/2014/main" xmlns="" id="{0804D430-F42E-AE32-A065-FFA8C471F092}"/>
               </a:ext>
             </a:extLst>
           </p:cNvPr>
@@ -7947,7 +7947,7 @@
             <p:cNvPr id="9" name="Object 61">
               <a:extLst>
                 <a:ext uri="{FF2B5EF4-FFF2-40B4-BE49-F238E27FC236}">
-                  <a16:creationId xmlns:a16="http://schemas.microsoft.com/office/drawing/2014/main" id="{334A4C3A-641C-7CD9-8FEE-5EC92B28D640}"/>
+                  <a16:creationId xmlns:a16="http://schemas.microsoft.com/office/drawing/2014/main" xmlns="" id="{334A4C3A-641C-7CD9-8FEE-5EC92B28D640}"/>
                 </a:ext>
               </a:extLst>
             </p:cNvPr>
@@ -7978,7 +7978,7 @@
           <p:cNvPr id="10" name="TextBox 9">
             <a:extLst>
               <a:ext uri="{FF2B5EF4-FFF2-40B4-BE49-F238E27FC236}">
-                <a16:creationId xmlns:a16="http://schemas.microsoft.com/office/drawing/2014/main" id="{DF7DDD33-9412-2802-339A-E55446AC2DA7}"/>
+                <a16:creationId xmlns:a16="http://schemas.microsoft.com/office/drawing/2014/main" xmlns="" id="{DF7DDD33-9412-2802-339A-E55446AC2DA7}"/>
               </a:ext>
             </a:extLst>
           </p:cNvPr>
@@ -8026,7 +8026,7 @@
           <p:cNvPr id="11" name="TextBox 10">
             <a:extLst>
               <a:ext uri="{FF2B5EF4-FFF2-40B4-BE49-F238E27FC236}">
-                <a16:creationId xmlns:a16="http://schemas.microsoft.com/office/drawing/2014/main" id="{52176D31-35F7-8916-46FA-6095EFEC1E49}"/>
+                <a16:creationId xmlns:a16="http://schemas.microsoft.com/office/drawing/2014/main" xmlns="" id="{52176D31-35F7-8916-46FA-6095EFEC1E49}"/>
               </a:ext>
             </a:extLst>
           </p:cNvPr>
@@ -8070,7 +8070,7 @@
           <p:cNvPr id="12" name="TextBox 11">
             <a:extLst>
               <a:ext uri="{FF2B5EF4-FFF2-40B4-BE49-F238E27FC236}">
-                <a16:creationId xmlns:a16="http://schemas.microsoft.com/office/drawing/2014/main" id="{52176D31-35F7-8916-46FA-6095EFEC1E49}"/>
+                <a16:creationId xmlns:a16="http://schemas.microsoft.com/office/drawing/2014/main" xmlns="" id="{52176D31-35F7-8916-46FA-6095EFEC1E49}"/>
               </a:ext>
             </a:extLst>
           </p:cNvPr>
@@ -8114,7 +8114,7 @@
           <p:cNvPr id="13" name="직선 화살표 연결선 12">
             <a:extLst>
               <a:ext uri="{FF2B5EF4-FFF2-40B4-BE49-F238E27FC236}">
-                <a16:creationId xmlns:a16="http://schemas.microsoft.com/office/drawing/2014/main" id="{299DF5EC-9DF4-5255-06AC-0A7CE4FF58C3}"/>
+                <a16:creationId xmlns:a16="http://schemas.microsoft.com/office/drawing/2014/main" xmlns="" id="{299DF5EC-9DF4-5255-06AC-0A7CE4FF58C3}"/>
               </a:ext>
             </a:extLst>
           </p:cNvPr>
@@ -8156,7 +8156,7 @@
           <p:cNvPr id="18" name="표 16">
             <a:extLst>
               <a:ext uri="{FF2B5EF4-FFF2-40B4-BE49-F238E27FC236}">
-                <a16:creationId xmlns:a16="http://schemas.microsoft.com/office/drawing/2014/main" id="{F03C45C7-6EB1-7871-F0F7-945F667135C4}"/>
+                <a16:creationId xmlns:a16="http://schemas.microsoft.com/office/drawing/2014/main" xmlns="" id="{F03C45C7-6EB1-7871-F0F7-945F667135C4}"/>
               </a:ext>
             </a:extLst>
           </p:cNvPr>
@@ -8185,14 +8185,14 @@
                 <a:gridCol w="1600200">
                   <a:extLst>
                     <a:ext uri="{9D8B030D-6E8A-4147-A177-3AD203B41FA5}">
-                      <a16:colId xmlns:a16="http://schemas.microsoft.com/office/drawing/2014/main" val="2433761377"/>
+                      <a16:colId xmlns:a16="http://schemas.microsoft.com/office/drawing/2014/main" xmlns="" val="2433761377"/>
                     </a:ext>
                   </a:extLst>
                 </a:gridCol>
                 <a:gridCol w="1828800">
                   <a:extLst>
                     <a:ext uri="{9D8B030D-6E8A-4147-A177-3AD203B41FA5}">
-                      <a16:colId xmlns:a16="http://schemas.microsoft.com/office/drawing/2014/main" val="926389809"/>
+                      <a16:colId xmlns:a16="http://schemas.microsoft.com/office/drawing/2014/main" xmlns="" val="926389809"/>
                     </a:ext>
                   </a:extLst>
                 </a:gridCol>
@@ -8334,7 +8334,7 @@
                 </a:tc>
                 <a:extLst>
                   <a:ext uri="{0D108BD9-81ED-4DB2-BD59-A6C34878D82A}">
-                    <a16:rowId xmlns:a16="http://schemas.microsoft.com/office/drawing/2014/main" val="2504948727"/>
+                    <a16:rowId xmlns:a16="http://schemas.microsoft.com/office/drawing/2014/main" xmlns="" val="2504948727"/>
                   </a:ext>
                 </a:extLst>
               </a:tr>
@@ -8463,7 +8463,7 @@
                 </a:tc>
                 <a:extLst>
                   <a:ext uri="{0D108BD9-81ED-4DB2-BD59-A6C34878D82A}">
-                    <a16:rowId xmlns:a16="http://schemas.microsoft.com/office/drawing/2014/main" val="3647525178"/>
+                    <a16:rowId xmlns:a16="http://schemas.microsoft.com/office/drawing/2014/main" xmlns="" val="3647525178"/>
                   </a:ext>
                 </a:extLst>
               </a:tr>
@@ -8576,7 +8576,7 @@
                 </a:tc>
                 <a:extLst>
                   <a:ext uri="{0D108BD9-81ED-4DB2-BD59-A6C34878D82A}">
-                    <a16:rowId xmlns:a16="http://schemas.microsoft.com/office/drawing/2014/main" val="2672623231"/>
+                    <a16:rowId xmlns:a16="http://schemas.microsoft.com/office/drawing/2014/main" xmlns="" val="2672623231"/>
                   </a:ext>
                 </a:extLst>
               </a:tr>
@@ -8689,7 +8689,7 @@
                 </a:tc>
                 <a:extLst>
                   <a:ext uri="{0D108BD9-81ED-4DB2-BD59-A6C34878D82A}">
-                    <a16:rowId xmlns:a16="http://schemas.microsoft.com/office/drawing/2014/main" val="2996999142"/>
+                    <a16:rowId xmlns:a16="http://schemas.microsoft.com/office/drawing/2014/main" xmlns="" val="2996999142"/>
                   </a:ext>
                 </a:extLst>
               </a:tr>
@@ -8798,7 +8798,7 @@
                 </a:tc>
                 <a:extLst>
                   <a:ext uri="{0D108BD9-81ED-4DB2-BD59-A6C34878D82A}">
-                    <a16:rowId xmlns:a16="http://schemas.microsoft.com/office/drawing/2014/main" val="2275222586"/>
+                    <a16:rowId xmlns:a16="http://schemas.microsoft.com/office/drawing/2014/main" xmlns="" val="2275222586"/>
                   </a:ext>
                 </a:extLst>
               </a:tr>
@@ -8907,7 +8907,7 @@
                 </a:tc>
                 <a:extLst>
                   <a:ext uri="{0D108BD9-81ED-4DB2-BD59-A6C34878D82A}">
-                    <a16:rowId xmlns:a16="http://schemas.microsoft.com/office/drawing/2014/main" val="1918467740"/>
+                    <a16:rowId xmlns:a16="http://schemas.microsoft.com/office/drawing/2014/main" xmlns="" val="1918467740"/>
                   </a:ext>
                 </a:extLst>
               </a:tr>
@@ -9016,7 +9016,7 @@
                 </a:tc>
                 <a:extLst>
                   <a:ext uri="{0D108BD9-81ED-4DB2-BD59-A6C34878D82A}">
-                    <a16:rowId xmlns:a16="http://schemas.microsoft.com/office/drawing/2014/main" val="168351104"/>
+                    <a16:rowId xmlns:a16="http://schemas.microsoft.com/office/drawing/2014/main" xmlns="" val="168351104"/>
                   </a:ext>
                 </a:extLst>
               </a:tr>
@@ -9141,7 +9141,7 @@
                 </a:tc>
                 <a:extLst>
                   <a:ext uri="{0D108BD9-81ED-4DB2-BD59-A6C34878D82A}">
-                    <a16:rowId xmlns:a16="http://schemas.microsoft.com/office/drawing/2014/main" val="1446898692"/>
+                    <a16:rowId xmlns:a16="http://schemas.microsoft.com/office/drawing/2014/main" xmlns="" val="1446898692"/>
                   </a:ext>
                 </a:extLst>
               </a:tr>
@@ -9154,7 +9154,7 @@
           <p:cNvPr id="19" name="그룹 1018">
             <a:extLst>
               <a:ext uri="{FF2B5EF4-FFF2-40B4-BE49-F238E27FC236}">
-                <a16:creationId xmlns:a16="http://schemas.microsoft.com/office/drawing/2014/main" id="{0804D430-F42E-AE32-A065-FFA8C471F092}"/>
+                <a16:creationId xmlns:a16="http://schemas.microsoft.com/office/drawing/2014/main" xmlns="" id="{0804D430-F42E-AE32-A065-FFA8C471F092}"/>
               </a:ext>
             </a:extLst>
           </p:cNvPr>
@@ -9174,7 +9174,7 @@
             <p:cNvPr id="20" name="Object 61">
               <a:extLst>
                 <a:ext uri="{FF2B5EF4-FFF2-40B4-BE49-F238E27FC236}">
-                  <a16:creationId xmlns:a16="http://schemas.microsoft.com/office/drawing/2014/main" id="{334A4C3A-641C-7CD9-8FEE-5EC92B28D640}"/>
+                  <a16:creationId xmlns:a16="http://schemas.microsoft.com/office/drawing/2014/main" xmlns="" id="{334A4C3A-641C-7CD9-8FEE-5EC92B28D640}"/>
                 </a:ext>
               </a:extLst>
             </p:cNvPr>
@@ -9205,7 +9205,7 @@
           <p:cNvPr id="21" name="TextBox 20">
             <a:extLst>
               <a:ext uri="{FF2B5EF4-FFF2-40B4-BE49-F238E27FC236}">
-                <a16:creationId xmlns:a16="http://schemas.microsoft.com/office/drawing/2014/main" id="{DF7DDD33-9412-2802-339A-E55446AC2DA7}"/>
+                <a16:creationId xmlns:a16="http://schemas.microsoft.com/office/drawing/2014/main" xmlns="" id="{DF7DDD33-9412-2802-339A-E55446AC2DA7}"/>
               </a:ext>
             </a:extLst>
           </p:cNvPr>
@@ -9253,7 +9253,7 @@
           <p:cNvPr id="22" name="TextBox 21">
             <a:extLst>
               <a:ext uri="{FF2B5EF4-FFF2-40B4-BE49-F238E27FC236}">
-                <a16:creationId xmlns:a16="http://schemas.microsoft.com/office/drawing/2014/main" id="{52176D31-35F7-8916-46FA-6095EFEC1E49}"/>
+                <a16:creationId xmlns:a16="http://schemas.microsoft.com/office/drawing/2014/main" xmlns="" id="{52176D31-35F7-8916-46FA-6095EFEC1E49}"/>
               </a:ext>
             </a:extLst>
           </p:cNvPr>
@@ -9307,7 +9307,7 @@
           <p:cNvPr id="23" name="TextBox 22">
             <a:extLst>
               <a:ext uri="{FF2B5EF4-FFF2-40B4-BE49-F238E27FC236}">
-                <a16:creationId xmlns:a16="http://schemas.microsoft.com/office/drawing/2014/main" id="{52176D31-35F7-8916-46FA-6095EFEC1E49}"/>
+                <a16:creationId xmlns:a16="http://schemas.microsoft.com/office/drawing/2014/main" xmlns="" id="{52176D31-35F7-8916-46FA-6095EFEC1E49}"/>
               </a:ext>
             </a:extLst>
           </p:cNvPr>
@@ -9361,7 +9361,7 @@
           <p:cNvPr id="24" name="직선 화살표 연결선 23">
             <a:extLst>
               <a:ext uri="{FF2B5EF4-FFF2-40B4-BE49-F238E27FC236}">
-                <a16:creationId xmlns:a16="http://schemas.microsoft.com/office/drawing/2014/main" id="{299DF5EC-9DF4-5255-06AC-0A7CE4FF58C3}"/>
+                <a16:creationId xmlns:a16="http://schemas.microsoft.com/office/drawing/2014/main" xmlns="" id="{299DF5EC-9DF4-5255-06AC-0A7CE4FF58C3}"/>
               </a:ext>
             </a:extLst>
           </p:cNvPr>
@@ -9433,7 +9433,7 @@
           <p:cNvPr id="4" name="TextBox 3">
             <a:extLst>
               <a:ext uri="{FF2B5EF4-FFF2-40B4-BE49-F238E27FC236}">
-                <a16:creationId xmlns:a16="http://schemas.microsoft.com/office/drawing/2014/main" id="{DF7DDD33-9412-2802-339A-E55446AC2DA7}"/>
+                <a16:creationId xmlns:a16="http://schemas.microsoft.com/office/drawing/2014/main" xmlns="" id="{DF7DDD33-9412-2802-339A-E55446AC2DA7}"/>
               </a:ext>
             </a:extLst>
           </p:cNvPr>
@@ -9491,7 +9491,7 @@
           <p:cNvPr id="6" name="표 16">
             <a:extLst>
               <a:ext uri="{FF2B5EF4-FFF2-40B4-BE49-F238E27FC236}">
-                <a16:creationId xmlns:a16="http://schemas.microsoft.com/office/drawing/2014/main" id="{F03C45C7-6EB1-7871-F0F7-945F667135C4}"/>
+                <a16:creationId xmlns:a16="http://schemas.microsoft.com/office/drawing/2014/main" xmlns="" id="{F03C45C7-6EB1-7871-F0F7-945F667135C4}"/>
               </a:ext>
             </a:extLst>
           </p:cNvPr>
@@ -9520,14 +9520,14 @@
                 <a:gridCol w="1600200">
                   <a:extLst>
                     <a:ext uri="{9D8B030D-6E8A-4147-A177-3AD203B41FA5}">
-                      <a16:colId xmlns:a16="http://schemas.microsoft.com/office/drawing/2014/main" val="2433761377"/>
+                      <a16:colId xmlns:a16="http://schemas.microsoft.com/office/drawing/2014/main" xmlns="" val="2433761377"/>
                     </a:ext>
                   </a:extLst>
                 </a:gridCol>
                 <a:gridCol w="1828800">
                   <a:extLst>
                     <a:ext uri="{9D8B030D-6E8A-4147-A177-3AD203B41FA5}">
-                      <a16:colId xmlns:a16="http://schemas.microsoft.com/office/drawing/2014/main" val="926389809"/>
+                      <a16:colId xmlns:a16="http://schemas.microsoft.com/office/drawing/2014/main" xmlns="" val="926389809"/>
                     </a:ext>
                   </a:extLst>
                 </a:gridCol>
@@ -9669,7 +9669,7 @@
                 </a:tc>
                 <a:extLst>
                   <a:ext uri="{0D108BD9-81ED-4DB2-BD59-A6C34878D82A}">
-                    <a16:rowId xmlns:a16="http://schemas.microsoft.com/office/drawing/2014/main" val="2504948727"/>
+                    <a16:rowId xmlns:a16="http://schemas.microsoft.com/office/drawing/2014/main" xmlns="" val="2504948727"/>
                   </a:ext>
                 </a:extLst>
               </a:tr>
@@ -9798,7 +9798,7 @@
                 </a:tc>
                 <a:extLst>
                   <a:ext uri="{0D108BD9-81ED-4DB2-BD59-A6C34878D82A}">
-                    <a16:rowId xmlns:a16="http://schemas.microsoft.com/office/drawing/2014/main" val="3647525178"/>
+                    <a16:rowId xmlns:a16="http://schemas.microsoft.com/office/drawing/2014/main" xmlns="" val="3647525178"/>
                   </a:ext>
                 </a:extLst>
               </a:tr>
@@ -9911,7 +9911,7 @@
                 </a:tc>
                 <a:extLst>
                   <a:ext uri="{0D108BD9-81ED-4DB2-BD59-A6C34878D82A}">
-                    <a16:rowId xmlns:a16="http://schemas.microsoft.com/office/drawing/2014/main" val="2672623231"/>
+                    <a16:rowId xmlns:a16="http://schemas.microsoft.com/office/drawing/2014/main" xmlns="" val="2672623231"/>
                   </a:ext>
                 </a:extLst>
               </a:tr>
@@ -10024,7 +10024,7 @@
                 </a:tc>
                 <a:extLst>
                   <a:ext uri="{0D108BD9-81ED-4DB2-BD59-A6C34878D82A}">
-                    <a16:rowId xmlns:a16="http://schemas.microsoft.com/office/drawing/2014/main" val="2996999142"/>
+                    <a16:rowId xmlns:a16="http://schemas.microsoft.com/office/drawing/2014/main" xmlns="" val="2996999142"/>
                   </a:ext>
                 </a:extLst>
               </a:tr>
@@ -10133,7 +10133,7 @@
                 </a:tc>
                 <a:extLst>
                   <a:ext uri="{0D108BD9-81ED-4DB2-BD59-A6C34878D82A}">
-                    <a16:rowId xmlns:a16="http://schemas.microsoft.com/office/drawing/2014/main" val="2275222586"/>
+                    <a16:rowId xmlns:a16="http://schemas.microsoft.com/office/drawing/2014/main" xmlns="" val="2275222586"/>
                   </a:ext>
                 </a:extLst>
               </a:tr>
@@ -10242,7 +10242,7 @@
                 </a:tc>
                 <a:extLst>
                   <a:ext uri="{0D108BD9-81ED-4DB2-BD59-A6C34878D82A}">
-                    <a16:rowId xmlns:a16="http://schemas.microsoft.com/office/drawing/2014/main" val="1918467740"/>
+                    <a16:rowId xmlns:a16="http://schemas.microsoft.com/office/drawing/2014/main" xmlns="" val="1918467740"/>
                   </a:ext>
                 </a:extLst>
               </a:tr>
@@ -10351,7 +10351,7 @@
                 </a:tc>
                 <a:extLst>
                   <a:ext uri="{0D108BD9-81ED-4DB2-BD59-A6C34878D82A}">
-                    <a16:rowId xmlns:a16="http://schemas.microsoft.com/office/drawing/2014/main" val="168351104"/>
+                    <a16:rowId xmlns:a16="http://schemas.microsoft.com/office/drawing/2014/main" xmlns="" val="168351104"/>
                   </a:ext>
                 </a:extLst>
               </a:tr>
@@ -10476,7 +10476,7 @@
                 </a:tc>
                 <a:extLst>
                   <a:ext uri="{0D108BD9-81ED-4DB2-BD59-A6C34878D82A}">
-                    <a16:rowId xmlns:a16="http://schemas.microsoft.com/office/drawing/2014/main" val="1446898692"/>
+                    <a16:rowId xmlns:a16="http://schemas.microsoft.com/office/drawing/2014/main" xmlns="" val="1446898692"/>
                   </a:ext>
                 </a:extLst>
               </a:tr>
@@ -10489,7 +10489,7 @@
           <p:cNvPr id="7" name="그룹 1018">
             <a:extLst>
               <a:ext uri="{FF2B5EF4-FFF2-40B4-BE49-F238E27FC236}">
-                <a16:creationId xmlns:a16="http://schemas.microsoft.com/office/drawing/2014/main" id="{0804D430-F42E-AE32-A065-FFA8C471F092}"/>
+                <a16:creationId xmlns:a16="http://schemas.microsoft.com/office/drawing/2014/main" xmlns="" id="{0804D430-F42E-AE32-A065-FFA8C471F092}"/>
               </a:ext>
             </a:extLst>
           </p:cNvPr>
@@ -10509,7 +10509,7 @@
             <p:cNvPr id="8" name="Object 61">
               <a:extLst>
                 <a:ext uri="{FF2B5EF4-FFF2-40B4-BE49-F238E27FC236}">
-                  <a16:creationId xmlns:a16="http://schemas.microsoft.com/office/drawing/2014/main" id="{334A4C3A-641C-7CD9-8FEE-5EC92B28D640}"/>
+                  <a16:creationId xmlns:a16="http://schemas.microsoft.com/office/drawing/2014/main" xmlns="" id="{334A4C3A-641C-7CD9-8FEE-5EC92B28D640}"/>
                 </a:ext>
               </a:extLst>
             </p:cNvPr>
@@ -10540,7 +10540,7 @@
           <p:cNvPr id="9" name="TextBox 8">
             <a:extLst>
               <a:ext uri="{FF2B5EF4-FFF2-40B4-BE49-F238E27FC236}">
-                <a16:creationId xmlns:a16="http://schemas.microsoft.com/office/drawing/2014/main" id="{DF7DDD33-9412-2802-339A-E55446AC2DA7}"/>
+                <a16:creationId xmlns:a16="http://schemas.microsoft.com/office/drawing/2014/main" xmlns="" id="{DF7DDD33-9412-2802-339A-E55446AC2DA7}"/>
               </a:ext>
             </a:extLst>
           </p:cNvPr>
@@ -10588,7 +10588,7 @@
           <p:cNvPr id="10" name="TextBox 9">
             <a:extLst>
               <a:ext uri="{FF2B5EF4-FFF2-40B4-BE49-F238E27FC236}">
-                <a16:creationId xmlns:a16="http://schemas.microsoft.com/office/drawing/2014/main" id="{52176D31-35F7-8916-46FA-6095EFEC1E49}"/>
+                <a16:creationId xmlns:a16="http://schemas.microsoft.com/office/drawing/2014/main" xmlns="" id="{52176D31-35F7-8916-46FA-6095EFEC1E49}"/>
               </a:ext>
             </a:extLst>
           </p:cNvPr>
@@ -10632,7 +10632,7 @@
           <p:cNvPr id="11" name="TextBox 10">
             <a:extLst>
               <a:ext uri="{FF2B5EF4-FFF2-40B4-BE49-F238E27FC236}">
-                <a16:creationId xmlns:a16="http://schemas.microsoft.com/office/drawing/2014/main" id="{52176D31-35F7-8916-46FA-6095EFEC1E49}"/>
+                <a16:creationId xmlns:a16="http://schemas.microsoft.com/office/drawing/2014/main" xmlns="" id="{52176D31-35F7-8916-46FA-6095EFEC1E49}"/>
               </a:ext>
             </a:extLst>
           </p:cNvPr>
@@ -10676,7 +10676,7 @@
           <p:cNvPr id="12" name="직선 화살표 연결선 11">
             <a:extLst>
               <a:ext uri="{FF2B5EF4-FFF2-40B4-BE49-F238E27FC236}">
-                <a16:creationId xmlns:a16="http://schemas.microsoft.com/office/drawing/2014/main" id="{299DF5EC-9DF4-5255-06AC-0A7CE4FF58C3}"/>
+                <a16:creationId xmlns:a16="http://schemas.microsoft.com/office/drawing/2014/main" xmlns="" id="{299DF5EC-9DF4-5255-06AC-0A7CE4FF58C3}"/>
               </a:ext>
             </a:extLst>
           </p:cNvPr>
@@ -10718,7 +10718,7 @@
           <p:cNvPr id="13" name="표 16">
             <a:extLst>
               <a:ext uri="{FF2B5EF4-FFF2-40B4-BE49-F238E27FC236}">
-                <a16:creationId xmlns:a16="http://schemas.microsoft.com/office/drawing/2014/main" id="{F03C45C7-6EB1-7871-F0F7-945F667135C4}"/>
+                <a16:creationId xmlns:a16="http://schemas.microsoft.com/office/drawing/2014/main" xmlns="" id="{F03C45C7-6EB1-7871-F0F7-945F667135C4}"/>
               </a:ext>
             </a:extLst>
           </p:cNvPr>
@@ -10747,14 +10747,14 @@
                 <a:gridCol w="1600200">
                   <a:extLst>
                     <a:ext uri="{9D8B030D-6E8A-4147-A177-3AD203B41FA5}">
-                      <a16:colId xmlns:a16="http://schemas.microsoft.com/office/drawing/2014/main" val="2433761377"/>
+                      <a16:colId xmlns:a16="http://schemas.microsoft.com/office/drawing/2014/main" xmlns="" val="2433761377"/>
                     </a:ext>
                   </a:extLst>
                 </a:gridCol>
                 <a:gridCol w="1828800">
                   <a:extLst>
                     <a:ext uri="{9D8B030D-6E8A-4147-A177-3AD203B41FA5}">
-                      <a16:colId xmlns:a16="http://schemas.microsoft.com/office/drawing/2014/main" val="926389809"/>
+                      <a16:colId xmlns:a16="http://schemas.microsoft.com/office/drawing/2014/main" xmlns="" val="926389809"/>
                     </a:ext>
                   </a:extLst>
                 </a:gridCol>
@@ -10896,7 +10896,7 @@
                 </a:tc>
                 <a:extLst>
                   <a:ext uri="{0D108BD9-81ED-4DB2-BD59-A6C34878D82A}">
-                    <a16:rowId xmlns:a16="http://schemas.microsoft.com/office/drawing/2014/main" val="2504948727"/>
+                    <a16:rowId xmlns:a16="http://schemas.microsoft.com/office/drawing/2014/main" xmlns="" val="2504948727"/>
                   </a:ext>
                 </a:extLst>
               </a:tr>
@@ -11025,7 +11025,7 @@
                 </a:tc>
                 <a:extLst>
                   <a:ext uri="{0D108BD9-81ED-4DB2-BD59-A6C34878D82A}">
-                    <a16:rowId xmlns:a16="http://schemas.microsoft.com/office/drawing/2014/main" val="3647525178"/>
+                    <a16:rowId xmlns:a16="http://schemas.microsoft.com/office/drawing/2014/main" xmlns="" val="3647525178"/>
                   </a:ext>
                 </a:extLst>
               </a:tr>
@@ -11138,7 +11138,7 @@
                 </a:tc>
                 <a:extLst>
                   <a:ext uri="{0D108BD9-81ED-4DB2-BD59-A6C34878D82A}">
-                    <a16:rowId xmlns:a16="http://schemas.microsoft.com/office/drawing/2014/main" val="2672623231"/>
+                    <a16:rowId xmlns:a16="http://schemas.microsoft.com/office/drawing/2014/main" xmlns="" val="2672623231"/>
                   </a:ext>
                 </a:extLst>
               </a:tr>
@@ -11251,7 +11251,7 @@
                 </a:tc>
                 <a:extLst>
                   <a:ext uri="{0D108BD9-81ED-4DB2-BD59-A6C34878D82A}">
-                    <a16:rowId xmlns:a16="http://schemas.microsoft.com/office/drawing/2014/main" val="2996999142"/>
+                    <a16:rowId xmlns:a16="http://schemas.microsoft.com/office/drawing/2014/main" xmlns="" val="2996999142"/>
                   </a:ext>
                 </a:extLst>
               </a:tr>
@@ -11360,7 +11360,7 @@
                 </a:tc>
                 <a:extLst>
                   <a:ext uri="{0D108BD9-81ED-4DB2-BD59-A6C34878D82A}">
-                    <a16:rowId xmlns:a16="http://schemas.microsoft.com/office/drawing/2014/main" val="2275222586"/>
+                    <a16:rowId xmlns:a16="http://schemas.microsoft.com/office/drawing/2014/main" xmlns="" val="2275222586"/>
                   </a:ext>
                 </a:extLst>
               </a:tr>
@@ -11469,7 +11469,7 @@
                 </a:tc>
                 <a:extLst>
                   <a:ext uri="{0D108BD9-81ED-4DB2-BD59-A6C34878D82A}">
-                    <a16:rowId xmlns:a16="http://schemas.microsoft.com/office/drawing/2014/main" val="1918467740"/>
+                    <a16:rowId xmlns:a16="http://schemas.microsoft.com/office/drawing/2014/main" xmlns="" val="1918467740"/>
                   </a:ext>
                 </a:extLst>
               </a:tr>
@@ -11578,7 +11578,7 @@
                 </a:tc>
                 <a:extLst>
                   <a:ext uri="{0D108BD9-81ED-4DB2-BD59-A6C34878D82A}">
-                    <a16:rowId xmlns:a16="http://schemas.microsoft.com/office/drawing/2014/main" val="168351104"/>
+                    <a16:rowId xmlns:a16="http://schemas.microsoft.com/office/drawing/2014/main" xmlns="" val="168351104"/>
                   </a:ext>
                 </a:extLst>
               </a:tr>
@@ -11703,7 +11703,7 @@
                 </a:tc>
                 <a:extLst>
                   <a:ext uri="{0D108BD9-81ED-4DB2-BD59-A6C34878D82A}">
-                    <a16:rowId xmlns:a16="http://schemas.microsoft.com/office/drawing/2014/main" val="1446898692"/>
+                    <a16:rowId xmlns:a16="http://schemas.microsoft.com/office/drawing/2014/main" xmlns="" val="1446898692"/>
                   </a:ext>
                 </a:extLst>
               </a:tr>
@@ -11716,7 +11716,7 @@
           <p:cNvPr id="14" name="그룹 1018">
             <a:extLst>
               <a:ext uri="{FF2B5EF4-FFF2-40B4-BE49-F238E27FC236}">
-                <a16:creationId xmlns:a16="http://schemas.microsoft.com/office/drawing/2014/main" id="{0804D430-F42E-AE32-A065-FFA8C471F092}"/>
+                <a16:creationId xmlns:a16="http://schemas.microsoft.com/office/drawing/2014/main" xmlns="" id="{0804D430-F42E-AE32-A065-FFA8C471F092}"/>
               </a:ext>
             </a:extLst>
           </p:cNvPr>
@@ -11736,7 +11736,7 @@
             <p:cNvPr id="15" name="Object 61">
               <a:extLst>
                 <a:ext uri="{FF2B5EF4-FFF2-40B4-BE49-F238E27FC236}">
-                  <a16:creationId xmlns:a16="http://schemas.microsoft.com/office/drawing/2014/main" id="{334A4C3A-641C-7CD9-8FEE-5EC92B28D640}"/>
+                  <a16:creationId xmlns:a16="http://schemas.microsoft.com/office/drawing/2014/main" xmlns="" id="{334A4C3A-641C-7CD9-8FEE-5EC92B28D640}"/>
                 </a:ext>
               </a:extLst>
             </p:cNvPr>
@@ -11767,7 +11767,7 @@
           <p:cNvPr id="16" name="TextBox 15">
             <a:extLst>
               <a:ext uri="{FF2B5EF4-FFF2-40B4-BE49-F238E27FC236}">
-                <a16:creationId xmlns:a16="http://schemas.microsoft.com/office/drawing/2014/main" id="{DF7DDD33-9412-2802-339A-E55446AC2DA7}"/>
+                <a16:creationId xmlns:a16="http://schemas.microsoft.com/office/drawing/2014/main" xmlns="" id="{DF7DDD33-9412-2802-339A-E55446AC2DA7}"/>
               </a:ext>
             </a:extLst>
           </p:cNvPr>
@@ -11815,7 +11815,7 @@
           <p:cNvPr id="17" name="TextBox 16">
             <a:extLst>
               <a:ext uri="{FF2B5EF4-FFF2-40B4-BE49-F238E27FC236}">
-                <a16:creationId xmlns:a16="http://schemas.microsoft.com/office/drawing/2014/main" id="{52176D31-35F7-8916-46FA-6095EFEC1E49}"/>
+                <a16:creationId xmlns:a16="http://schemas.microsoft.com/office/drawing/2014/main" xmlns="" id="{52176D31-35F7-8916-46FA-6095EFEC1E49}"/>
               </a:ext>
             </a:extLst>
           </p:cNvPr>
@@ -11869,7 +11869,7 @@
           <p:cNvPr id="18" name="TextBox 17">
             <a:extLst>
               <a:ext uri="{FF2B5EF4-FFF2-40B4-BE49-F238E27FC236}">
-                <a16:creationId xmlns:a16="http://schemas.microsoft.com/office/drawing/2014/main" id="{52176D31-35F7-8916-46FA-6095EFEC1E49}"/>
+                <a16:creationId xmlns:a16="http://schemas.microsoft.com/office/drawing/2014/main" xmlns="" id="{52176D31-35F7-8916-46FA-6095EFEC1E49}"/>
               </a:ext>
             </a:extLst>
           </p:cNvPr>
@@ -11923,7 +11923,7 @@
           <p:cNvPr id="19" name="직선 화살표 연결선 18">
             <a:extLst>
               <a:ext uri="{FF2B5EF4-FFF2-40B4-BE49-F238E27FC236}">
-                <a16:creationId xmlns:a16="http://schemas.microsoft.com/office/drawing/2014/main" id="{299DF5EC-9DF4-5255-06AC-0A7CE4FF58C3}"/>
+                <a16:creationId xmlns:a16="http://schemas.microsoft.com/office/drawing/2014/main" xmlns="" id="{299DF5EC-9DF4-5255-06AC-0A7CE4FF58C3}"/>
               </a:ext>
             </a:extLst>
           </p:cNvPr>
@@ -11989,7 +11989,7 @@
           <p:cNvPr id="21" name="직사각형 20">
             <a:extLst>
               <a:ext uri="{FF2B5EF4-FFF2-40B4-BE49-F238E27FC236}">
-                <a16:creationId xmlns:a16="http://schemas.microsoft.com/office/drawing/2014/main" id="{FFF506F9-840A-0508-4CAF-3AC711D8D5CE}"/>
+                <a16:creationId xmlns:a16="http://schemas.microsoft.com/office/drawing/2014/main" xmlns="" id="{FFF506F9-840A-0508-4CAF-3AC711D8D5CE}"/>
               </a:ext>
             </a:extLst>
           </p:cNvPr>
@@ -12387,7 +12387,7 @@
           <p:cNvPr id="2" name="TextBox 1">
             <a:extLst>
               <a:ext uri="{FF2B5EF4-FFF2-40B4-BE49-F238E27FC236}">
-                <a16:creationId xmlns:a16="http://schemas.microsoft.com/office/drawing/2014/main" id="{76F36AE5-79B5-0B9F-E510-1C27AAC4B649}"/>
+                <a16:creationId xmlns:a16="http://schemas.microsoft.com/office/drawing/2014/main" xmlns="" id="{76F36AE5-79B5-0B9F-E510-1C27AAC4B649}"/>
               </a:ext>
             </a:extLst>
           </p:cNvPr>
@@ -12465,7 +12465,7 @@
           <p:cNvPr id="4" name="TextBox 3">
             <a:extLst>
               <a:ext uri="{FF2B5EF4-FFF2-40B4-BE49-F238E27FC236}">
-                <a16:creationId xmlns:a16="http://schemas.microsoft.com/office/drawing/2014/main" id="{37C30BAF-D498-C798-BC14-1718488A3435}"/>
+                <a16:creationId xmlns:a16="http://schemas.microsoft.com/office/drawing/2014/main" xmlns="" id="{37C30BAF-D498-C798-BC14-1718488A3435}"/>
               </a:ext>
             </a:extLst>
           </p:cNvPr>
@@ -12700,7 +12700,7 @@
           <p:cNvPr id="4" name="TextBox 3">
             <a:extLst>
               <a:ext uri="{FF2B5EF4-FFF2-40B4-BE49-F238E27FC236}">
-                <a16:creationId xmlns:a16="http://schemas.microsoft.com/office/drawing/2014/main" id="{37C30BAF-D498-C798-BC14-1718488A3435}"/>
+                <a16:creationId xmlns:a16="http://schemas.microsoft.com/office/drawing/2014/main" xmlns="" id="{37C30BAF-D498-C798-BC14-1718488A3435}"/>
               </a:ext>
             </a:extLst>
           </p:cNvPr>
@@ -12850,7 +12850,7 @@
           <p:cNvPr id="4" name="TextBox 3">
             <a:extLst>
               <a:ext uri="{FF2B5EF4-FFF2-40B4-BE49-F238E27FC236}">
-                <a16:creationId xmlns:a16="http://schemas.microsoft.com/office/drawing/2014/main" id="{37C30BAF-D498-C798-BC14-1718488A3435}"/>
+                <a16:creationId xmlns:a16="http://schemas.microsoft.com/office/drawing/2014/main" xmlns="" id="{37C30BAF-D498-C798-BC14-1718488A3435}"/>
               </a:ext>
             </a:extLst>
           </p:cNvPr>
@@ -12922,7 +12922,7 @@
           <p:cNvPr id="6" name="직선 화살표 연결선 5">
             <a:extLst>
               <a:ext uri="{FF2B5EF4-FFF2-40B4-BE49-F238E27FC236}">
-                <a16:creationId xmlns:a16="http://schemas.microsoft.com/office/drawing/2014/main" id="{299DF5EC-9DF4-5255-06AC-0A7CE4FF58C3}"/>
+                <a16:creationId xmlns:a16="http://schemas.microsoft.com/office/drawing/2014/main" xmlns="" id="{299DF5EC-9DF4-5255-06AC-0A7CE4FF58C3}"/>
               </a:ext>
             </a:extLst>
           </p:cNvPr>
@@ -12963,7 +12963,7 @@
           <p:cNvPr id="7" name="직사각형 6">
             <a:extLst>
               <a:ext uri="{FF2B5EF4-FFF2-40B4-BE49-F238E27FC236}">
-                <a16:creationId xmlns:a16="http://schemas.microsoft.com/office/drawing/2014/main" id="{FFF506F9-840A-0508-4CAF-3AC711D8D5CE}"/>
+                <a16:creationId xmlns:a16="http://schemas.microsoft.com/office/drawing/2014/main" xmlns="" id="{FFF506F9-840A-0508-4CAF-3AC711D8D5CE}"/>
               </a:ext>
             </a:extLst>
           </p:cNvPr>
@@ -13015,7 +13015,7 @@
           <p:cNvPr id="8" name="TextBox 7">
             <a:extLst>
               <a:ext uri="{FF2B5EF4-FFF2-40B4-BE49-F238E27FC236}">
-                <a16:creationId xmlns:a16="http://schemas.microsoft.com/office/drawing/2014/main" id="{C6D113C6-EA5C-788F-0C77-E7CE6EBB865F}"/>
+                <a16:creationId xmlns:a16="http://schemas.microsoft.com/office/drawing/2014/main" xmlns="" id="{C6D113C6-EA5C-788F-0C77-E7CE6EBB865F}"/>
               </a:ext>
             </a:extLst>
           </p:cNvPr>
@@ -13073,7 +13073,7 @@
           <p:cNvPr id="9" name="직선 화살표 연결선 8">
             <a:extLst>
               <a:ext uri="{FF2B5EF4-FFF2-40B4-BE49-F238E27FC236}">
-                <a16:creationId xmlns:a16="http://schemas.microsoft.com/office/drawing/2014/main" id="{299DF5EC-9DF4-5255-06AC-0A7CE4FF58C3}"/>
+                <a16:creationId xmlns:a16="http://schemas.microsoft.com/office/drawing/2014/main" xmlns="" id="{299DF5EC-9DF4-5255-06AC-0A7CE4FF58C3}"/>
               </a:ext>
             </a:extLst>
           </p:cNvPr>
@@ -13114,7 +13114,7 @@
           <p:cNvPr id="10" name="직사각형 9">
             <a:extLst>
               <a:ext uri="{FF2B5EF4-FFF2-40B4-BE49-F238E27FC236}">
-                <a16:creationId xmlns:a16="http://schemas.microsoft.com/office/drawing/2014/main" id="{FFF506F9-840A-0508-4CAF-3AC711D8D5CE}"/>
+                <a16:creationId xmlns:a16="http://schemas.microsoft.com/office/drawing/2014/main" xmlns="" id="{FFF506F9-840A-0508-4CAF-3AC711D8D5CE}"/>
               </a:ext>
             </a:extLst>
           </p:cNvPr>
@@ -13166,7 +13166,7 @@
           <p:cNvPr id="11" name="TextBox 10">
             <a:extLst>
               <a:ext uri="{FF2B5EF4-FFF2-40B4-BE49-F238E27FC236}">
-                <a16:creationId xmlns:a16="http://schemas.microsoft.com/office/drawing/2014/main" id="{C6D113C6-EA5C-788F-0C77-E7CE6EBB865F}"/>
+                <a16:creationId xmlns:a16="http://schemas.microsoft.com/office/drawing/2014/main" xmlns="" id="{C6D113C6-EA5C-788F-0C77-E7CE6EBB865F}"/>
               </a:ext>
             </a:extLst>
           </p:cNvPr>
@@ -13411,7 +13411,7 @@
           <p:cNvPr id="4" name="TextBox 3">
             <a:extLst>
               <a:ext uri="{FF2B5EF4-FFF2-40B4-BE49-F238E27FC236}">
-                <a16:creationId xmlns:a16="http://schemas.microsoft.com/office/drawing/2014/main" id="{37C30BAF-D498-C798-BC14-1718488A3435}"/>
+                <a16:creationId xmlns:a16="http://schemas.microsoft.com/office/drawing/2014/main" xmlns="" id="{37C30BAF-D498-C798-BC14-1718488A3435}"/>
               </a:ext>
             </a:extLst>
           </p:cNvPr>
@@ -13542,7 +13542,7 @@
           <p:cNvPr id="6" name="직사각형 5">
             <a:extLst>
               <a:ext uri="{FF2B5EF4-FFF2-40B4-BE49-F238E27FC236}">
-                <a16:creationId xmlns:a16="http://schemas.microsoft.com/office/drawing/2014/main" id="{FFF506F9-840A-0508-4CAF-3AC711D8D5CE}"/>
+                <a16:creationId xmlns:a16="http://schemas.microsoft.com/office/drawing/2014/main" xmlns="" id="{FFF506F9-840A-0508-4CAF-3AC711D8D5CE}"/>
               </a:ext>
             </a:extLst>
           </p:cNvPr>
@@ -13594,7 +13594,7 @@
           <p:cNvPr id="8" name="TextBox 7">
             <a:extLst>
               <a:ext uri="{FF2B5EF4-FFF2-40B4-BE49-F238E27FC236}">
-                <a16:creationId xmlns:a16="http://schemas.microsoft.com/office/drawing/2014/main" id="{37C30BAF-D498-C798-BC14-1718488A3435}"/>
+                <a16:creationId xmlns:a16="http://schemas.microsoft.com/office/drawing/2014/main" xmlns="" id="{37C30BAF-D498-C798-BC14-1718488A3435}"/>
               </a:ext>
             </a:extLst>
           </p:cNvPr>
@@ -13672,7 +13672,7 @@
           <p:cNvPr id="10" name="그룹 1008">
             <a:extLst>
               <a:ext uri="{FF2B5EF4-FFF2-40B4-BE49-F238E27FC236}">
-                <a16:creationId xmlns:a16="http://schemas.microsoft.com/office/drawing/2014/main" id="{678F6342-C505-E8AD-ADA4-022CB2C2088E}"/>
+                <a16:creationId xmlns:a16="http://schemas.microsoft.com/office/drawing/2014/main" xmlns="" id="{678F6342-C505-E8AD-ADA4-022CB2C2088E}"/>
               </a:ext>
             </a:extLst>
           </p:cNvPr>
@@ -13692,7 +13692,7 @@
             <p:cNvPr id="11" name="그룹 1009">
               <a:extLst>
                 <a:ext uri="{FF2B5EF4-FFF2-40B4-BE49-F238E27FC236}">
-                  <a16:creationId xmlns:a16="http://schemas.microsoft.com/office/drawing/2014/main" id="{4E1F1FED-812B-9BBB-925A-84B54A077414}"/>
+                  <a16:creationId xmlns:a16="http://schemas.microsoft.com/office/drawing/2014/main" xmlns="" id="{4E1F1FED-812B-9BBB-925A-84B54A077414}"/>
                 </a:ext>
               </a:extLst>
             </p:cNvPr>
@@ -13712,7 +13712,7 @@
               <p:cNvPr id="16" name="Object 29">
                 <a:extLst>
                   <a:ext uri="{FF2B5EF4-FFF2-40B4-BE49-F238E27FC236}">
-                    <a16:creationId xmlns:a16="http://schemas.microsoft.com/office/drawing/2014/main" id="{7B078609-4286-7B00-51EB-809C8E2DE289}"/>
+                    <a16:creationId xmlns:a16="http://schemas.microsoft.com/office/drawing/2014/main" xmlns="" id="{7B078609-4286-7B00-51EB-809C8E2DE289}"/>
                   </a:ext>
                 </a:extLst>
               </p:cNvPr>
@@ -13743,7 +13743,7 @@
             <p:cNvPr id="12" name="그룹 1010">
               <a:extLst>
                 <a:ext uri="{FF2B5EF4-FFF2-40B4-BE49-F238E27FC236}">
-                  <a16:creationId xmlns:a16="http://schemas.microsoft.com/office/drawing/2014/main" id="{02A649BF-B5B5-FBAF-7DFD-E118A4DF8907}"/>
+                  <a16:creationId xmlns:a16="http://schemas.microsoft.com/office/drawing/2014/main" xmlns="" id="{02A649BF-B5B5-FBAF-7DFD-E118A4DF8907}"/>
                 </a:ext>
               </a:extLst>
             </p:cNvPr>
@@ -13763,7 +13763,7 @@
               <p:cNvPr id="15" name="Object 32">
                 <a:extLst>
                   <a:ext uri="{FF2B5EF4-FFF2-40B4-BE49-F238E27FC236}">
-                    <a16:creationId xmlns:a16="http://schemas.microsoft.com/office/drawing/2014/main" id="{2A0FFF23-B3C9-3EA0-1C1B-A87D4FF098AE}"/>
+                    <a16:creationId xmlns:a16="http://schemas.microsoft.com/office/drawing/2014/main" xmlns="" id="{2A0FFF23-B3C9-3EA0-1C1B-A87D4FF098AE}"/>
                   </a:ext>
                 </a:extLst>
               </p:cNvPr>
@@ -13794,7 +13794,7 @@
             <p:cNvPr id="13" name="그룹 1011">
               <a:extLst>
                 <a:ext uri="{FF2B5EF4-FFF2-40B4-BE49-F238E27FC236}">
-                  <a16:creationId xmlns:a16="http://schemas.microsoft.com/office/drawing/2014/main" id="{881F5410-F7FB-F261-A584-707359BAC593}"/>
+                  <a16:creationId xmlns:a16="http://schemas.microsoft.com/office/drawing/2014/main" xmlns="" id="{881F5410-F7FB-F261-A584-707359BAC593}"/>
                 </a:ext>
               </a:extLst>
             </p:cNvPr>
@@ -13814,7 +13814,7 @@
               <p:cNvPr id="14" name="Object 35">
                 <a:extLst>
                   <a:ext uri="{FF2B5EF4-FFF2-40B4-BE49-F238E27FC236}">
-                    <a16:creationId xmlns:a16="http://schemas.microsoft.com/office/drawing/2014/main" id="{4E99E669-73EB-F9F4-EFE8-DC107035C265}"/>
+                    <a16:creationId xmlns:a16="http://schemas.microsoft.com/office/drawing/2014/main" xmlns="" id="{4E99E669-73EB-F9F4-EFE8-DC107035C265}"/>
                   </a:ext>
                 </a:extLst>
               </p:cNvPr>
@@ -13870,7 +13870,7 @@
           <p:cNvPr id="3" name="그림 2">
             <a:extLst>
               <a:ext uri="{FF2B5EF4-FFF2-40B4-BE49-F238E27FC236}">
-                <a16:creationId xmlns:a16="http://schemas.microsoft.com/office/drawing/2014/main" id="{C85DFD94-7DEB-7BA9-EEDC-E6113A99C80C}"/>
+                <a16:creationId xmlns:a16="http://schemas.microsoft.com/office/drawing/2014/main" xmlns="" id="{C85DFD94-7DEB-7BA9-EEDC-E6113A99C80C}"/>
               </a:ext>
             </a:extLst>
           </p:cNvPr>
@@ -14253,7 +14253,7 @@
           <p:cNvPr id="11" name="TextBox 10">
             <a:extLst>
               <a:ext uri="{FF2B5EF4-FFF2-40B4-BE49-F238E27FC236}">
-                <a16:creationId xmlns:a16="http://schemas.microsoft.com/office/drawing/2014/main" id="{9F88F580-08BE-88C2-D640-13F0026591CB}"/>
+                <a16:creationId xmlns:a16="http://schemas.microsoft.com/office/drawing/2014/main" xmlns="" id="{9F88F580-08BE-88C2-D640-13F0026591CB}"/>
               </a:ext>
             </a:extLst>
           </p:cNvPr>
@@ -14304,7 +14304,7 @@
           <p:cNvPr id="13" name="TextBox 12">
             <a:extLst>
               <a:ext uri="{FF2B5EF4-FFF2-40B4-BE49-F238E27FC236}">
-                <a16:creationId xmlns:a16="http://schemas.microsoft.com/office/drawing/2014/main" id="{72769C28-9BB6-DE9C-7B6F-264B77B8DD0E}"/>
+                <a16:creationId xmlns:a16="http://schemas.microsoft.com/office/drawing/2014/main" xmlns="" id="{72769C28-9BB6-DE9C-7B6F-264B77B8DD0E}"/>
               </a:ext>
             </a:extLst>
           </p:cNvPr>
@@ -14345,7 +14345,7 @@
           <p:cNvPr id="14" name="TextBox 13">
             <a:extLst>
               <a:ext uri="{FF2B5EF4-FFF2-40B4-BE49-F238E27FC236}">
-                <a16:creationId xmlns:a16="http://schemas.microsoft.com/office/drawing/2014/main" id="{270FBB6A-01CE-5637-78DA-58F0C974145C}"/>
+                <a16:creationId xmlns:a16="http://schemas.microsoft.com/office/drawing/2014/main" xmlns="" id="{270FBB6A-01CE-5637-78DA-58F0C974145C}"/>
               </a:ext>
             </a:extLst>
           </p:cNvPr>
@@ -14393,7 +14393,7 @@
           <p:cNvPr id="2" name="Object 17">
             <a:extLst>
               <a:ext uri="{FF2B5EF4-FFF2-40B4-BE49-F238E27FC236}">
-                <a16:creationId xmlns:a16="http://schemas.microsoft.com/office/drawing/2014/main" id="{140B283D-FE58-FA6F-6F7C-E0F1DBB62A65}"/>
+                <a16:creationId xmlns:a16="http://schemas.microsoft.com/office/drawing/2014/main" xmlns="" id="{140B283D-FE58-FA6F-6F7C-E0F1DBB62A65}"/>
               </a:ext>
             </a:extLst>
           </p:cNvPr>
@@ -14423,7 +14423,7 @@
           <p:cNvPr id="4" name="TextBox 3">
             <a:extLst>
               <a:ext uri="{FF2B5EF4-FFF2-40B4-BE49-F238E27FC236}">
-                <a16:creationId xmlns:a16="http://schemas.microsoft.com/office/drawing/2014/main" id="{2C8D0998-79BC-6FD2-59D9-8052B4A25F65}"/>
+                <a16:creationId xmlns:a16="http://schemas.microsoft.com/office/drawing/2014/main" xmlns="" id="{2C8D0998-79BC-6FD2-59D9-8052B4A25F65}"/>
               </a:ext>
             </a:extLst>
           </p:cNvPr>
@@ -14464,7 +14464,7 @@
           <p:cNvPr id="5" name="Object 18">
             <a:extLst>
               <a:ext uri="{FF2B5EF4-FFF2-40B4-BE49-F238E27FC236}">
-                <a16:creationId xmlns:a16="http://schemas.microsoft.com/office/drawing/2014/main" id="{3F58EA3E-1018-64D3-FAB2-4F6B9618FA56}"/>
+                <a16:creationId xmlns:a16="http://schemas.microsoft.com/office/drawing/2014/main" xmlns="" id="{3F58EA3E-1018-64D3-FAB2-4F6B9618FA56}"/>
               </a:ext>
             </a:extLst>
           </p:cNvPr>
@@ -14494,7 +14494,7 @@
           <p:cNvPr id="8" name="TextBox 7">
             <a:extLst>
               <a:ext uri="{FF2B5EF4-FFF2-40B4-BE49-F238E27FC236}">
-                <a16:creationId xmlns:a16="http://schemas.microsoft.com/office/drawing/2014/main" id="{681D3F16-7DCF-41AD-F5F1-0558C78C0E4D}"/>
+                <a16:creationId xmlns:a16="http://schemas.microsoft.com/office/drawing/2014/main" xmlns="" id="{681D3F16-7DCF-41AD-F5F1-0558C78C0E4D}"/>
               </a:ext>
             </a:extLst>
           </p:cNvPr>
@@ -14567,7 +14567,7 @@
           <p:cNvPr id="5" name="그림 4">
             <a:extLst>
               <a:ext uri="{FF2B5EF4-FFF2-40B4-BE49-F238E27FC236}">
-                <a16:creationId xmlns:a16="http://schemas.microsoft.com/office/drawing/2014/main" id="{5800D7CB-7243-2BE7-E09F-3CE8B142071D}"/>
+                <a16:creationId xmlns:a16="http://schemas.microsoft.com/office/drawing/2014/main" xmlns="" id="{5800D7CB-7243-2BE7-E09F-3CE8B142071D}"/>
               </a:ext>
             </a:extLst>
           </p:cNvPr>
@@ -14597,7 +14597,7 @@
           <p:cNvPr id="8" name="TextBox 7">
             <a:extLst>
               <a:ext uri="{FF2B5EF4-FFF2-40B4-BE49-F238E27FC236}">
-                <a16:creationId xmlns:a16="http://schemas.microsoft.com/office/drawing/2014/main" id="{A4133906-7502-9BC0-F6CB-B924688D157A}"/>
+                <a16:creationId xmlns:a16="http://schemas.microsoft.com/office/drawing/2014/main" xmlns="" id="{A4133906-7502-9BC0-F6CB-B924688D157A}"/>
               </a:ext>
             </a:extLst>
           </p:cNvPr>
@@ -14698,7 +14698,7 @@
           <p:cNvPr id="4" name="TextBox 3">
             <a:extLst>
               <a:ext uri="{FF2B5EF4-FFF2-40B4-BE49-F238E27FC236}">
-                <a16:creationId xmlns:a16="http://schemas.microsoft.com/office/drawing/2014/main" id="{37C30BAF-D498-C798-BC14-1718488A3435}"/>
+                <a16:creationId xmlns:a16="http://schemas.microsoft.com/office/drawing/2014/main" xmlns="" id="{37C30BAF-D498-C798-BC14-1718488A3435}"/>
               </a:ext>
             </a:extLst>
           </p:cNvPr>
@@ -14794,7 +14794,7 @@
           <p:cNvPr id="7" name="직선 화살표 연결선 6">
             <a:extLst>
               <a:ext uri="{FF2B5EF4-FFF2-40B4-BE49-F238E27FC236}">
-                <a16:creationId xmlns:a16="http://schemas.microsoft.com/office/drawing/2014/main" id="{299DF5EC-9DF4-5255-06AC-0A7CE4FF58C3}"/>
+                <a16:creationId xmlns:a16="http://schemas.microsoft.com/office/drawing/2014/main" xmlns="" id="{299DF5EC-9DF4-5255-06AC-0A7CE4FF58C3}"/>
               </a:ext>
             </a:extLst>
           </p:cNvPr>
@@ -14835,7 +14835,7 @@
           <p:cNvPr id="8" name="직사각형 7">
             <a:extLst>
               <a:ext uri="{FF2B5EF4-FFF2-40B4-BE49-F238E27FC236}">
-                <a16:creationId xmlns:a16="http://schemas.microsoft.com/office/drawing/2014/main" id="{FFF506F9-840A-0508-4CAF-3AC711D8D5CE}"/>
+                <a16:creationId xmlns:a16="http://schemas.microsoft.com/office/drawing/2014/main" xmlns="" id="{FFF506F9-840A-0508-4CAF-3AC711D8D5CE}"/>
               </a:ext>
             </a:extLst>
           </p:cNvPr>
@@ -14887,7 +14887,7 @@
           <p:cNvPr id="9" name="TextBox 8">
             <a:extLst>
               <a:ext uri="{FF2B5EF4-FFF2-40B4-BE49-F238E27FC236}">
-                <a16:creationId xmlns:a16="http://schemas.microsoft.com/office/drawing/2014/main" id="{C6D113C6-EA5C-788F-0C77-E7CE6EBB865F}"/>
+                <a16:creationId xmlns:a16="http://schemas.microsoft.com/office/drawing/2014/main" xmlns="" id="{C6D113C6-EA5C-788F-0C77-E7CE6EBB865F}"/>
               </a:ext>
             </a:extLst>
           </p:cNvPr>
@@ -14945,7 +14945,7 @@
           <p:cNvPr id="10" name="직선 화살표 연결선 9">
             <a:extLst>
               <a:ext uri="{FF2B5EF4-FFF2-40B4-BE49-F238E27FC236}">
-                <a16:creationId xmlns:a16="http://schemas.microsoft.com/office/drawing/2014/main" id="{299DF5EC-9DF4-5255-06AC-0A7CE4FF58C3}"/>
+                <a16:creationId xmlns:a16="http://schemas.microsoft.com/office/drawing/2014/main" xmlns="" id="{299DF5EC-9DF4-5255-06AC-0A7CE4FF58C3}"/>
               </a:ext>
             </a:extLst>
           </p:cNvPr>
@@ -14987,7 +14987,7 @@
           <p:cNvPr id="11" name="직사각형 10">
             <a:extLst>
               <a:ext uri="{FF2B5EF4-FFF2-40B4-BE49-F238E27FC236}">
-                <a16:creationId xmlns:a16="http://schemas.microsoft.com/office/drawing/2014/main" id="{FFF506F9-840A-0508-4CAF-3AC711D8D5CE}"/>
+                <a16:creationId xmlns:a16="http://schemas.microsoft.com/office/drawing/2014/main" xmlns="" id="{FFF506F9-840A-0508-4CAF-3AC711D8D5CE}"/>
               </a:ext>
             </a:extLst>
           </p:cNvPr>
@@ -15039,7 +15039,7 @@
           <p:cNvPr id="12" name="TextBox 11">
             <a:extLst>
               <a:ext uri="{FF2B5EF4-FFF2-40B4-BE49-F238E27FC236}">
-                <a16:creationId xmlns:a16="http://schemas.microsoft.com/office/drawing/2014/main" id="{C6D113C6-EA5C-788F-0C77-E7CE6EBB865F}"/>
+                <a16:creationId xmlns:a16="http://schemas.microsoft.com/office/drawing/2014/main" xmlns="" id="{C6D113C6-EA5C-788F-0C77-E7CE6EBB865F}"/>
               </a:ext>
             </a:extLst>
           </p:cNvPr>
@@ -15270,7 +15270,7 @@
           <p:cNvPr id="6" name="직선 화살표 연결선 5">
             <a:extLst>
               <a:ext uri="{FF2B5EF4-FFF2-40B4-BE49-F238E27FC236}">
-                <a16:creationId xmlns:a16="http://schemas.microsoft.com/office/drawing/2014/main" id="{299DF5EC-9DF4-5255-06AC-0A7CE4FF58C3}"/>
+                <a16:creationId xmlns:a16="http://schemas.microsoft.com/office/drawing/2014/main" xmlns="" id="{299DF5EC-9DF4-5255-06AC-0A7CE4FF58C3}"/>
               </a:ext>
             </a:extLst>
           </p:cNvPr>
@@ -15311,7 +15311,7 @@
           <p:cNvPr id="7" name="직사각형 6">
             <a:extLst>
               <a:ext uri="{FF2B5EF4-FFF2-40B4-BE49-F238E27FC236}">
-                <a16:creationId xmlns:a16="http://schemas.microsoft.com/office/drawing/2014/main" id="{FFF506F9-840A-0508-4CAF-3AC711D8D5CE}"/>
+                <a16:creationId xmlns:a16="http://schemas.microsoft.com/office/drawing/2014/main" xmlns="" id="{FFF506F9-840A-0508-4CAF-3AC711D8D5CE}"/>
               </a:ext>
             </a:extLst>
           </p:cNvPr>
@@ -15363,7 +15363,7 @@
           <p:cNvPr id="8" name="TextBox 7">
             <a:extLst>
               <a:ext uri="{FF2B5EF4-FFF2-40B4-BE49-F238E27FC236}">
-                <a16:creationId xmlns:a16="http://schemas.microsoft.com/office/drawing/2014/main" id="{C6D113C6-EA5C-788F-0C77-E7CE6EBB865F}"/>
+                <a16:creationId xmlns:a16="http://schemas.microsoft.com/office/drawing/2014/main" xmlns="" id="{C6D113C6-EA5C-788F-0C77-E7CE6EBB865F}"/>
               </a:ext>
             </a:extLst>
           </p:cNvPr>
@@ -15445,7 +15445,7 @@
           <p:cNvPr id="10" name="직선 화살표 연결선 9">
             <a:extLst>
               <a:ext uri="{FF2B5EF4-FFF2-40B4-BE49-F238E27FC236}">
-                <a16:creationId xmlns:a16="http://schemas.microsoft.com/office/drawing/2014/main" id="{299DF5EC-9DF4-5255-06AC-0A7CE4FF58C3}"/>
+                <a16:creationId xmlns:a16="http://schemas.microsoft.com/office/drawing/2014/main" xmlns="" id="{299DF5EC-9DF4-5255-06AC-0A7CE4FF58C3}"/>
               </a:ext>
             </a:extLst>
           </p:cNvPr>
@@ -15487,7 +15487,7 @@
           <p:cNvPr id="11" name="TextBox 10">
             <a:extLst>
               <a:ext uri="{FF2B5EF4-FFF2-40B4-BE49-F238E27FC236}">
-                <a16:creationId xmlns:a16="http://schemas.microsoft.com/office/drawing/2014/main" id="{C6D113C6-EA5C-788F-0C77-E7CE6EBB865F}"/>
+                <a16:creationId xmlns:a16="http://schemas.microsoft.com/office/drawing/2014/main" xmlns="" id="{C6D113C6-EA5C-788F-0C77-E7CE6EBB865F}"/>
               </a:ext>
             </a:extLst>
           </p:cNvPr>
@@ -15569,7 +15569,7 @@
           <p:cNvPr id="14" name="직선 화살표 연결선 13">
             <a:extLst>
               <a:ext uri="{FF2B5EF4-FFF2-40B4-BE49-F238E27FC236}">
-                <a16:creationId xmlns:a16="http://schemas.microsoft.com/office/drawing/2014/main" id="{299DF5EC-9DF4-5255-06AC-0A7CE4FF58C3}"/>
+                <a16:creationId xmlns:a16="http://schemas.microsoft.com/office/drawing/2014/main" xmlns="" id="{299DF5EC-9DF4-5255-06AC-0A7CE4FF58C3}"/>
               </a:ext>
             </a:extLst>
           </p:cNvPr>
@@ -15612,7 +15612,7 @@
           <p:cNvPr id="15" name="TextBox 14">
             <a:extLst>
               <a:ext uri="{FF2B5EF4-FFF2-40B4-BE49-F238E27FC236}">
-                <a16:creationId xmlns:a16="http://schemas.microsoft.com/office/drawing/2014/main" id="{C6D113C6-EA5C-788F-0C77-E7CE6EBB865F}"/>
+                <a16:creationId xmlns:a16="http://schemas.microsoft.com/office/drawing/2014/main" xmlns="" id="{C6D113C6-EA5C-788F-0C77-E7CE6EBB865F}"/>
               </a:ext>
             </a:extLst>
           </p:cNvPr>
@@ -15906,7 +15906,7 @@
           <p:cNvPr id="19" name="그림 18">
             <a:extLst>
               <a:ext uri="{FF2B5EF4-FFF2-40B4-BE49-F238E27FC236}">
-                <a16:creationId xmlns:a16="http://schemas.microsoft.com/office/drawing/2014/main" id="{73EA9AD5-652A-E633-4DF9-DE18E43E5236}"/>
+                <a16:creationId xmlns:a16="http://schemas.microsoft.com/office/drawing/2014/main" xmlns="" id="{73EA9AD5-652A-E633-4DF9-DE18E43E5236}"/>
               </a:ext>
             </a:extLst>
           </p:cNvPr>
@@ -15936,7 +15936,7 @@
           <p:cNvPr id="6" name="직선 화살표 연결선 5">
             <a:extLst>
               <a:ext uri="{FF2B5EF4-FFF2-40B4-BE49-F238E27FC236}">
-                <a16:creationId xmlns:a16="http://schemas.microsoft.com/office/drawing/2014/main" id="{B454D3EE-79E4-3E9B-C0E9-E6F440C2E6D9}"/>
+                <a16:creationId xmlns:a16="http://schemas.microsoft.com/office/drawing/2014/main" xmlns="" id="{B454D3EE-79E4-3E9B-C0E9-E6F440C2E6D9}"/>
               </a:ext>
             </a:extLst>
           </p:cNvPr>
@@ -15977,7 +15977,7 @@
           <p:cNvPr id="7" name="직사각형 6">
             <a:extLst>
               <a:ext uri="{FF2B5EF4-FFF2-40B4-BE49-F238E27FC236}">
-                <a16:creationId xmlns:a16="http://schemas.microsoft.com/office/drawing/2014/main" id="{49102FF6-64E0-3A65-8A38-3CDE903E1B3D}"/>
+                <a16:creationId xmlns:a16="http://schemas.microsoft.com/office/drawing/2014/main" xmlns="" id="{49102FF6-64E0-3A65-8A38-3CDE903E1B3D}"/>
               </a:ext>
             </a:extLst>
           </p:cNvPr>
@@ -16029,7 +16029,7 @@
           <p:cNvPr id="8" name="TextBox 7">
             <a:extLst>
               <a:ext uri="{FF2B5EF4-FFF2-40B4-BE49-F238E27FC236}">
-                <a16:creationId xmlns:a16="http://schemas.microsoft.com/office/drawing/2014/main" id="{707F4EFA-3C95-00C7-9741-B85907CE299C}"/>
+                <a16:creationId xmlns:a16="http://schemas.microsoft.com/office/drawing/2014/main" xmlns="" id="{707F4EFA-3C95-00C7-9741-B85907CE299C}"/>
               </a:ext>
             </a:extLst>
           </p:cNvPr>
@@ -16097,7 +16097,7 @@
           <p:cNvPr id="17" name="TextBox 16">
             <a:extLst>
               <a:ext uri="{FF2B5EF4-FFF2-40B4-BE49-F238E27FC236}">
-                <a16:creationId xmlns:a16="http://schemas.microsoft.com/office/drawing/2014/main" id="{4510504D-D75A-B25A-F54D-62EB885FF6BC}"/>
+                <a16:creationId xmlns:a16="http://schemas.microsoft.com/office/drawing/2014/main" xmlns="" id="{4510504D-D75A-B25A-F54D-62EB885FF6BC}"/>
               </a:ext>
             </a:extLst>
           </p:cNvPr>
@@ -16308,7 +16308,7 @@
           <p:cNvPr id="16" name="그림 15">
             <a:extLst>
               <a:ext uri="{FF2B5EF4-FFF2-40B4-BE49-F238E27FC236}">
-                <a16:creationId xmlns:a16="http://schemas.microsoft.com/office/drawing/2014/main" id="{5D682A7D-C013-47D5-B98C-043624107A0C}"/>
+                <a16:creationId xmlns:a16="http://schemas.microsoft.com/office/drawing/2014/main" xmlns="" id="{5D682A7D-C013-47D5-B98C-043624107A0C}"/>
               </a:ext>
             </a:extLst>
           </p:cNvPr>
@@ -16338,7 +16338,7 @@
           <p:cNvPr id="5" name="직선 화살표 연결선 4">
             <a:extLst>
               <a:ext uri="{FF2B5EF4-FFF2-40B4-BE49-F238E27FC236}">
-                <a16:creationId xmlns:a16="http://schemas.microsoft.com/office/drawing/2014/main" id="{849FF84F-5E2E-13B0-C5F0-E0C2C521985E}"/>
+                <a16:creationId xmlns:a16="http://schemas.microsoft.com/office/drawing/2014/main" xmlns="" id="{849FF84F-5E2E-13B0-C5F0-E0C2C521985E}"/>
               </a:ext>
             </a:extLst>
           </p:cNvPr>
@@ -16379,7 +16379,7 @@
           <p:cNvPr id="6" name="직사각형 5">
             <a:extLst>
               <a:ext uri="{FF2B5EF4-FFF2-40B4-BE49-F238E27FC236}">
-                <a16:creationId xmlns:a16="http://schemas.microsoft.com/office/drawing/2014/main" id="{BCBF0863-B701-91CD-9E69-D294D555B027}"/>
+                <a16:creationId xmlns:a16="http://schemas.microsoft.com/office/drawing/2014/main" xmlns="" id="{BCBF0863-B701-91CD-9E69-D294D555B027}"/>
               </a:ext>
             </a:extLst>
           </p:cNvPr>
@@ -16431,7 +16431,7 @@
           <p:cNvPr id="7" name="TextBox 6">
             <a:extLst>
               <a:ext uri="{FF2B5EF4-FFF2-40B4-BE49-F238E27FC236}">
-                <a16:creationId xmlns:a16="http://schemas.microsoft.com/office/drawing/2014/main" id="{82CA2684-25EE-0D78-9BC7-923D687A3B16}"/>
+                <a16:creationId xmlns:a16="http://schemas.microsoft.com/office/drawing/2014/main" xmlns="" id="{82CA2684-25EE-0D78-9BC7-923D687A3B16}"/>
               </a:ext>
             </a:extLst>
           </p:cNvPr>
@@ -16479,7 +16479,7 @@
           <p:cNvPr id="8" name="그룹 1008">
             <a:extLst>
               <a:ext uri="{FF2B5EF4-FFF2-40B4-BE49-F238E27FC236}">
-                <a16:creationId xmlns:a16="http://schemas.microsoft.com/office/drawing/2014/main" id="{2D9296B5-342D-0AD4-0D62-4ECA9D8945E1}"/>
+                <a16:creationId xmlns:a16="http://schemas.microsoft.com/office/drawing/2014/main" xmlns="" id="{2D9296B5-342D-0AD4-0D62-4ECA9D8945E1}"/>
               </a:ext>
             </a:extLst>
           </p:cNvPr>
@@ -16499,7 +16499,7 @@
             <p:cNvPr id="9" name="그룹 1009">
               <a:extLst>
                 <a:ext uri="{FF2B5EF4-FFF2-40B4-BE49-F238E27FC236}">
-                  <a16:creationId xmlns:a16="http://schemas.microsoft.com/office/drawing/2014/main" id="{5209375F-E531-2D26-89C2-D0D0F1662046}"/>
+                  <a16:creationId xmlns:a16="http://schemas.microsoft.com/office/drawing/2014/main" xmlns="" id="{5209375F-E531-2D26-89C2-D0D0F1662046}"/>
                 </a:ext>
               </a:extLst>
             </p:cNvPr>
@@ -16519,7 +16519,7 @@
               <p:cNvPr id="14" name="Object 29">
                 <a:extLst>
                   <a:ext uri="{FF2B5EF4-FFF2-40B4-BE49-F238E27FC236}">
-                    <a16:creationId xmlns:a16="http://schemas.microsoft.com/office/drawing/2014/main" id="{3253EA13-9867-F960-B461-0D31ED8736A6}"/>
+                    <a16:creationId xmlns:a16="http://schemas.microsoft.com/office/drawing/2014/main" xmlns="" id="{3253EA13-9867-F960-B461-0D31ED8736A6}"/>
                   </a:ext>
                 </a:extLst>
               </p:cNvPr>
@@ -16550,7 +16550,7 @@
             <p:cNvPr id="10" name="그룹 1010">
               <a:extLst>
                 <a:ext uri="{FF2B5EF4-FFF2-40B4-BE49-F238E27FC236}">
-                  <a16:creationId xmlns:a16="http://schemas.microsoft.com/office/drawing/2014/main" id="{20C6E498-D690-BF83-088D-DA5C5F9845FD}"/>
+                  <a16:creationId xmlns:a16="http://schemas.microsoft.com/office/drawing/2014/main" xmlns="" id="{20C6E498-D690-BF83-088D-DA5C5F9845FD}"/>
                 </a:ext>
               </a:extLst>
             </p:cNvPr>
@@ -16570,7 +16570,7 @@
               <p:cNvPr id="13" name="Object 32">
                 <a:extLst>
                   <a:ext uri="{FF2B5EF4-FFF2-40B4-BE49-F238E27FC236}">
-                    <a16:creationId xmlns:a16="http://schemas.microsoft.com/office/drawing/2014/main" id="{F97412D2-E4BC-9ED9-AC67-674C66CE7B90}"/>
+                    <a16:creationId xmlns:a16="http://schemas.microsoft.com/office/drawing/2014/main" xmlns="" id="{F97412D2-E4BC-9ED9-AC67-674C66CE7B90}"/>
                   </a:ext>
                 </a:extLst>
               </p:cNvPr>
@@ -16601,7 +16601,7 @@
             <p:cNvPr id="11" name="그룹 1011">
               <a:extLst>
                 <a:ext uri="{FF2B5EF4-FFF2-40B4-BE49-F238E27FC236}">
-                  <a16:creationId xmlns:a16="http://schemas.microsoft.com/office/drawing/2014/main" id="{23C3A701-1BBC-7D96-7E2E-B65A0171F907}"/>
+                  <a16:creationId xmlns:a16="http://schemas.microsoft.com/office/drawing/2014/main" xmlns="" id="{23C3A701-1BBC-7D96-7E2E-B65A0171F907}"/>
                 </a:ext>
               </a:extLst>
             </p:cNvPr>
@@ -16621,7 +16621,7 @@
               <p:cNvPr id="12" name="Object 35">
                 <a:extLst>
                   <a:ext uri="{FF2B5EF4-FFF2-40B4-BE49-F238E27FC236}">
-                    <a16:creationId xmlns:a16="http://schemas.microsoft.com/office/drawing/2014/main" id="{00ABB164-581B-E3B7-55B9-28AAD0DD719E}"/>
+                    <a16:creationId xmlns:a16="http://schemas.microsoft.com/office/drawing/2014/main" xmlns="" id="{00ABB164-581B-E3B7-55B9-28AAD0DD719E}"/>
                   </a:ext>
                 </a:extLst>
               </p:cNvPr>
@@ -16653,7 +16653,7 @@
           <p:cNvPr id="19" name="그림 18">
             <a:extLst>
               <a:ext uri="{FF2B5EF4-FFF2-40B4-BE49-F238E27FC236}">
-                <a16:creationId xmlns:a16="http://schemas.microsoft.com/office/drawing/2014/main" id="{49E82C32-8C16-80B8-55ED-01DE21B59655}"/>
+                <a16:creationId xmlns:a16="http://schemas.microsoft.com/office/drawing/2014/main" xmlns="" id="{49E82C32-8C16-80B8-55ED-01DE21B59655}"/>
               </a:ext>
             </a:extLst>
           </p:cNvPr>
@@ -16908,7 +16908,7 @@
           <p:cNvPr id="4" name="TextBox 3">
             <a:extLst>
               <a:ext uri="{FF2B5EF4-FFF2-40B4-BE49-F238E27FC236}">
-                <a16:creationId xmlns:a16="http://schemas.microsoft.com/office/drawing/2014/main" id="{37C30BAF-D498-C798-BC14-1718488A3435}"/>
+                <a16:creationId xmlns:a16="http://schemas.microsoft.com/office/drawing/2014/main" xmlns="" id="{37C30BAF-D498-C798-BC14-1718488A3435}"/>
               </a:ext>
             </a:extLst>
           </p:cNvPr>
@@ -16980,7 +16980,7 @@
           <p:cNvPr id="6" name="직선 화살표 연결선 5">
             <a:extLst>
               <a:ext uri="{FF2B5EF4-FFF2-40B4-BE49-F238E27FC236}">
-                <a16:creationId xmlns:a16="http://schemas.microsoft.com/office/drawing/2014/main" id="{299DF5EC-9DF4-5255-06AC-0A7CE4FF58C3}"/>
+                <a16:creationId xmlns:a16="http://schemas.microsoft.com/office/drawing/2014/main" xmlns="" id="{299DF5EC-9DF4-5255-06AC-0A7CE4FF58C3}"/>
               </a:ext>
             </a:extLst>
           </p:cNvPr>
@@ -17022,7 +17022,7 @@
           <p:cNvPr id="7" name="직사각형 6">
             <a:extLst>
               <a:ext uri="{FF2B5EF4-FFF2-40B4-BE49-F238E27FC236}">
-                <a16:creationId xmlns:a16="http://schemas.microsoft.com/office/drawing/2014/main" id="{FFF506F9-840A-0508-4CAF-3AC711D8D5CE}"/>
+                <a16:creationId xmlns:a16="http://schemas.microsoft.com/office/drawing/2014/main" xmlns="" id="{FFF506F9-840A-0508-4CAF-3AC711D8D5CE}"/>
               </a:ext>
             </a:extLst>
           </p:cNvPr>
@@ -17074,7 +17074,7 @@
           <p:cNvPr id="8" name="TextBox 7">
             <a:extLst>
               <a:ext uri="{FF2B5EF4-FFF2-40B4-BE49-F238E27FC236}">
-                <a16:creationId xmlns:a16="http://schemas.microsoft.com/office/drawing/2014/main" id="{C6D113C6-EA5C-788F-0C77-E7CE6EBB865F}"/>
+                <a16:creationId xmlns:a16="http://schemas.microsoft.com/office/drawing/2014/main" xmlns="" id="{C6D113C6-EA5C-788F-0C77-E7CE6EBB865F}"/>
               </a:ext>
             </a:extLst>
           </p:cNvPr>
@@ -17166,7 +17166,7 @@
           <p:cNvPr id="12" name="직선 화살표 연결선 11">
             <a:extLst>
               <a:ext uri="{FF2B5EF4-FFF2-40B4-BE49-F238E27FC236}">
-                <a16:creationId xmlns:a16="http://schemas.microsoft.com/office/drawing/2014/main" id="{299DF5EC-9DF4-5255-06AC-0A7CE4FF58C3}"/>
+                <a16:creationId xmlns:a16="http://schemas.microsoft.com/office/drawing/2014/main" xmlns="" id="{299DF5EC-9DF4-5255-06AC-0A7CE4FF58C3}"/>
               </a:ext>
             </a:extLst>
           </p:cNvPr>
@@ -17208,7 +17208,7 @@
           <p:cNvPr id="13" name="직사각형 12">
             <a:extLst>
               <a:ext uri="{FF2B5EF4-FFF2-40B4-BE49-F238E27FC236}">
-                <a16:creationId xmlns:a16="http://schemas.microsoft.com/office/drawing/2014/main" id="{FFF506F9-840A-0508-4CAF-3AC711D8D5CE}"/>
+                <a16:creationId xmlns:a16="http://schemas.microsoft.com/office/drawing/2014/main" xmlns="" id="{FFF506F9-840A-0508-4CAF-3AC711D8D5CE}"/>
               </a:ext>
             </a:extLst>
           </p:cNvPr>
@@ -17260,7 +17260,7 @@
           <p:cNvPr id="14" name="TextBox 13">
             <a:extLst>
               <a:ext uri="{FF2B5EF4-FFF2-40B4-BE49-F238E27FC236}">
-                <a16:creationId xmlns:a16="http://schemas.microsoft.com/office/drawing/2014/main" id="{C6D113C6-EA5C-788F-0C77-E7CE6EBB865F}"/>
+                <a16:creationId xmlns:a16="http://schemas.microsoft.com/office/drawing/2014/main" xmlns="" id="{C6D113C6-EA5C-788F-0C77-E7CE6EBB865F}"/>
               </a:ext>
             </a:extLst>
           </p:cNvPr>
@@ -17545,7 +17545,7 @@
           <p:cNvPr id="6" name="직선 화살표 연결선 5">
             <a:extLst>
               <a:ext uri="{FF2B5EF4-FFF2-40B4-BE49-F238E27FC236}">
-                <a16:creationId xmlns:a16="http://schemas.microsoft.com/office/drawing/2014/main" id="{299DF5EC-9DF4-5255-06AC-0A7CE4FF58C3}"/>
+                <a16:creationId xmlns:a16="http://schemas.microsoft.com/office/drawing/2014/main" xmlns="" id="{299DF5EC-9DF4-5255-06AC-0A7CE4FF58C3}"/>
               </a:ext>
             </a:extLst>
           </p:cNvPr>
@@ -17586,7 +17586,7 @@
           <p:cNvPr id="7" name="직사각형 6">
             <a:extLst>
               <a:ext uri="{FF2B5EF4-FFF2-40B4-BE49-F238E27FC236}">
-                <a16:creationId xmlns:a16="http://schemas.microsoft.com/office/drawing/2014/main" id="{FFF506F9-840A-0508-4CAF-3AC711D8D5CE}"/>
+                <a16:creationId xmlns:a16="http://schemas.microsoft.com/office/drawing/2014/main" xmlns="" id="{FFF506F9-840A-0508-4CAF-3AC711D8D5CE}"/>
               </a:ext>
             </a:extLst>
           </p:cNvPr>
@@ -17638,7 +17638,7 @@
           <p:cNvPr id="8" name="TextBox 7">
             <a:extLst>
               <a:ext uri="{FF2B5EF4-FFF2-40B4-BE49-F238E27FC236}">
-                <a16:creationId xmlns:a16="http://schemas.microsoft.com/office/drawing/2014/main" id="{C6D113C6-EA5C-788F-0C77-E7CE6EBB865F}"/>
+                <a16:creationId xmlns:a16="http://schemas.microsoft.com/office/drawing/2014/main" xmlns="" id="{C6D113C6-EA5C-788F-0C77-E7CE6EBB865F}"/>
               </a:ext>
             </a:extLst>
           </p:cNvPr>
@@ -17778,7 +17778,7 @@
           <p:cNvPr id="14" name="직선 화살표 연결선 13">
             <a:extLst>
               <a:ext uri="{FF2B5EF4-FFF2-40B4-BE49-F238E27FC236}">
-                <a16:creationId xmlns:a16="http://schemas.microsoft.com/office/drawing/2014/main" id="{299DF5EC-9DF4-5255-06AC-0A7CE4FF58C3}"/>
+                <a16:creationId xmlns:a16="http://schemas.microsoft.com/office/drawing/2014/main" xmlns="" id="{299DF5EC-9DF4-5255-06AC-0A7CE4FF58C3}"/>
               </a:ext>
             </a:extLst>
           </p:cNvPr>
@@ -17819,7 +17819,7 @@
           <p:cNvPr id="15" name="직사각형 14">
             <a:extLst>
               <a:ext uri="{FF2B5EF4-FFF2-40B4-BE49-F238E27FC236}">
-                <a16:creationId xmlns:a16="http://schemas.microsoft.com/office/drawing/2014/main" id="{FFF506F9-840A-0508-4CAF-3AC711D8D5CE}"/>
+                <a16:creationId xmlns:a16="http://schemas.microsoft.com/office/drawing/2014/main" xmlns="" id="{FFF506F9-840A-0508-4CAF-3AC711D8D5CE}"/>
               </a:ext>
             </a:extLst>
           </p:cNvPr>
@@ -17871,7 +17871,7 @@
           <p:cNvPr id="16" name="TextBox 15">
             <a:extLst>
               <a:ext uri="{FF2B5EF4-FFF2-40B4-BE49-F238E27FC236}">
-                <a16:creationId xmlns:a16="http://schemas.microsoft.com/office/drawing/2014/main" id="{C6D113C6-EA5C-788F-0C77-E7CE6EBB865F}"/>
+                <a16:creationId xmlns:a16="http://schemas.microsoft.com/office/drawing/2014/main" xmlns="" id="{C6D113C6-EA5C-788F-0C77-E7CE6EBB865F}"/>
               </a:ext>
             </a:extLst>
           </p:cNvPr>
@@ -18310,7 +18310,7 @@
           <p:cNvPr id="5" name="TextBox 4">
             <a:extLst>
               <a:ext uri="{FF2B5EF4-FFF2-40B4-BE49-F238E27FC236}">
-                <a16:creationId xmlns:a16="http://schemas.microsoft.com/office/drawing/2014/main" id="{37C30BAF-D498-C798-BC14-1718488A3435}"/>
+                <a16:creationId xmlns:a16="http://schemas.microsoft.com/office/drawing/2014/main" xmlns="" id="{37C30BAF-D498-C798-BC14-1718488A3435}"/>
               </a:ext>
             </a:extLst>
           </p:cNvPr>
@@ -18382,7 +18382,7 @@
           <p:cNvPr id="7" name="직선 화살표 연결선 6">
             <a:extLst>
               <a:ext uri="{FF2B5EF4-FFF2-40B4-BE49-F238E27FC236}">
-                <a16:creationId xmlns:a16="http://schemas.microsoft.com/office/drawing/2014/main" id="{299DF5EC-9DF4-5255-06AC-0A7CE4FF58C3}"/>
+                <a16:creationId xmlns:a16="http://schemas.microsoft.com/office/drawing/2014/main" xmlns="" id="{299DF5EC-9DF4-5255-06AC-0A7CE4FF58C3}"/>
               </a:ext>
             </a:extLst>
           </p:cNvPr>
@@ -18423,7 +18423,7 @@
           <p:cNvPr id="8" name="직사각형 7">
             <a:extLst>
               <a:ext uri="{FF2B5EF4-FFF2-40B4-BE49-F238E27FC236}">
-                <a16:creationId xmlns:a16="http://schemas.microsoft.com/office/drawing/2014/main" id="{FFF506F9-840A-0508-4CAF-3AC711D8D5CE}"/>
+                <a16:creationId xmlns:a16="http://schemas.microsoft.com/office/drawing/2014/main" xmlns="" id="{FFF506F9-840A-0508-4CAF-3AC711D8D5CE}"/>
               </a:ext>
             </a:extLst>
           </p:cNvPr>
@@ -18475,7 +18475,7 @@
           <p:cNvPr id="9" name="TextBox 8">
             <a:extLst>
               <a:ext uri="{FF2B5EF4-FFF2-40B4-BE49-F238E27FC236}">
-                <a16:creationId xmlns:a16="http://schemas.microsoft.com/office/drawing/2014/main" id="{C6D113C6-EA5C-788F-0C77-E7CE6EBB865F}"/>
+                <a16:creationId xmlns:a16="http://schemas.microsoft.com/office/drawing/2014/main" xmlns="" id="{C6D113C6-EA5C-788F-0C77-E7CE6EBB865F}"/>
               </a:ext>
             </a:extLst>
           </p:cNvPr>
@@ -18547,7 +18547,7 @@
           <p:cNvPr id="11" name="직선 화살표 연결선 10">
             <a:extLst>
               <a:ext uri="{FF2B5EF4-FFF2-40B4-BE49-F238E27FC236}">
-                <a16:creationId xmlns:a16="http://schemas.microsoft.com/office/drawing/2014/main" id="{299DF5EC-9DF4-5255-06AC-0A7CE4FF58C3}"/>
+                <a16:creationId xmlns:a16="http://schemas.microsoft.com/office/drawing/2014/main" xmlns="" id="{299DF5EC-9DF4-5255-06AC-0A7CE4FF58C3}"/>
               </a:ext>
             </a:extLst>
           </p:cNvPr>
@@ -18588,7 +18588,7 @@
           <p:cNvPr id="12" name="직사각형 11">
             <a:extLst>
               <a:ext uri="{FF2B5EF4-FFF2-40B4-BE49-F238E27FC236}">
-                <a16:creationId xmlns:a16="http://schemas.microsoft.com/office/drawing/2014/main" id="{FFF506F9-840A-0508-4CAF-3AC711D8D5CE}"/>
+                <a16:creationId xmlns:a16="http://schemas.microsoft.com/office/drawing/2014/main" xmlns="" id="{FFF506F9-840A-0508-4CAF-3AC711D8D5CE}"/>
               </a:ext>
             </a:extLst>
           </p:cNvPr>
@@ -18640,7 +18640,7 @@
           <p:cNvPr id="13" name="TextBox 12">
             <a:extLst>
               <a:ext uri="{FF2B5EF4-FFF2-40B4-BE49-F238E27FC236}">
-                <a16:creationId xmlns:a16="http://schemas.microsoft.com/office/drawing/2014/main" id="{C6D113C6-EA5C-788F-0C77-E7CE6EBB865F}"/>
+                <a16:creationId xmlns:a16="http://schemas.microsoft.com/office/drawing/2014/main" xmlns="" id="{C6D113C6-EA5C-788F-0C77-E7CE6EBB865F}"/>
               </a:ext>
             </a:extLst>
           </p:cNvPr>
@@ -18766,7 +18766,7 @@
           <p:cNvPr id="4" name="TextBox 3">
             <a:extLst>
               <a:ext uri="{FF2B5EF4-FFF2-40B4-BE49-F238E27FC236}">
-                <a16:creationId xmlns:a16="http://schemas.microsoft.com/office/drawing/2014/main" id="{37C30BAF-D498-C798-BC14-1718488A3435}"/>
+                <a16:creationId xmlns:a16="http://schemas.microsoft.com/office/drawing/2014/main" xmlns="" id="{37C30BAF-D498-C798-BC14-1718488A3435}"/>
               </a:ext>
             </a:extLst>
           </p:cNvPr>
@@ -18838,7 +18838,7 @@
           <p:cNvPr id="7" name="직선 화살표 연결선 6">
             <a:extLst>
               <a:ext uri="{FF2B5EF4-FFF2-40B4-BE49-F238E27FC236}">
-                <a16:creationId xmlns:a16="http://schemas.microsoft.com/office/drawing/2014/main" id="{299DF5EC-9DF4-5255-06AC-0A7CE4FF58C3}"/>
+                <a16:creationId xmlns:a16="http://schemas.microsoft.com/office/drawing/2014/main" xmlns="" id="{299DF5EC-9DF4-5255-06AC-0A7CE4FF58C3}"/>
               </a:ext>
             </a:extLst>
           </p:cNvPr>
@@ -18880,7 +18880,7 @@
           <p:cNvPr id="8" name="직사각형 7">
             <a:extLst>
               <a:ext uri="{FF2B5EF4-FFF2-40B4-BE49-F238E27FC236}">
-                <a16:creationId xmlns:a16="http://schemas.microsoft.com/office/drawing/2014/main" id="{FFF506F9-840A-0508-4CAF-3AC711D8D5CE}"/>
+                <a16:creationId xmlns:a16="http://schemas.microsoft.com/office/drawing/2014/main" xmlns="" id="{FFF506F9-840A-0508-4CAF-3AC711D8D5CE}"/>
               </a:ext>
             </a:extLst>
           </p:cNvPr>
@@ -18932,7 +18932,7 @@
           <p:cNvPr id="9" name="TextBox 8">
             <a:extLst>
               <a:ext uri="{FF2B5EF4-FFF2-40B4-BE49-F238E27FC236}">
-                <a16:creationId xmlns:a16="http://schemas.microsoft.com/office/drawing/2014/main" id="{C6D113C6-EA5C-788F-0C77-E7CE6EBB865F}"/>
+                <a16:creationId xmlns:a16="http://schemas.microsoft.com/office/drawing/2014/main" xmlns="" id="{C6D113C6-EA5C-788F-0C77-E7CE6EBB865F}"/>
               </a:ext>
             </a:extLst>
           </p:cNvPr>
@@ -19054,7 +19054,7 @@
           <p:cNvPr id="12" name="그룹 1018">
             <a:extLst>
               <a:ext uri="{FF2B5EF4-FFF2-40B4-BE49-F238E27FC236}">
-                <a16:creationId xmlns:a16="http://schemas.microsoft.com/office/drawing/2014/main" id="{0804D430-F42E-AE32-A065-FFA8C471F092}"/>
+                <a16:creationId xmlns:a16="http://schemas.microsoft.com/office/drawing/2014/main" xmlns="" id="{0804D430-F42E-AE32-A065-FFA8C471F092}"/>
               </a:ext>
             </a:extLst>
           </p:cNvPr>
@@ -19074,7 +19074,7 @@
             <p:cNvPr id="13" name="Object 61">
               <a:extLst>
                 <a:ext uri="{FF2B5EF4-FFF2-40B4-BE49-F238E27FC236}">
-                  <a16:creationId xmlns:a16="http://schemas.microsoft.com/office/drawing/2014/main" id="{334A4C3A-641C-7CD9-8FEE-5EC92B28D640}"/>
+                  <a16:creationId xmlns:a16="http://schemas.microsoft.com/office/drawing/2014/main" xmlns="" id="{334A4C3A-641C-7CD9-8FEE-5EC92B28D640}"/>
                 </a:ext>
               </a:extLst>
             </p:cNvPr>
@@ -19105,7 +19105,7 @@
           <p:cNvPr id="14" name="TextBox 13">
             <a:extLst>
               <a:ext uri="{FF2B5EF4-FFF2-40B4-BE49-F238E27FC236}">
-                <a16:creationId xmlns:a16="http://schemas.microsoft.com/office/drawing/2014/main" id="{A2AD056B-97A4-5BCC-4460-250160F3E171}"/>
+                <a16:creationId xmlns:a16="http://schemas.microsoft.com/office/drawing/2014/main" xmlns="" id="{A2AD056B-97A4-5BCC-4460-250160F3E171}"/>
               </a:ext>
             </a:extLst>
           </p:cNvPr>
@@ -19159,7 +19159,7 @@
           <p:cNvPr id="15" name="TextBox 14">
             <a:extLst>
               <a:ext uri="{FF2B5EF4-FFF2-40B4-BE49-F238E27FC236}">
-                <a16:creationId xmlns:a16="http://schemas.microsoft.com/office/drawing/2014/main" id="{52176D31-35F7-8916-46FA-6095EFEC1E49}"/>
+                <a16:creationId xmlns:a16="http://schemas.microsoft.com/office/drawing/2014/main" xmlns="" id="{52176D31-35F7-8916-46FA-6095EFEC1E49}"/>
               </a:ext>
             </a:extLst>
           </p:cNvPr>
@@ -19274,14 +19274,14 @@
                 <a:gridCol w="1295400">
                   <a:extLst>
                     <a:ext uri="{9D8B030D-6E8A-4147-A177-3AD203B41FA5}">
-                      <a16:colId xmlns:a16="http://schemas.microsoft.com/office/drawing/2014/main" val="20000"/>
+                      <a16:colId xmlns:a16="http://schemas.microsoft.com/office/drawing/2014/main" xmlns="" val="20000"/>
                     </a:ext>
                   </a:extLst>
                 </a:gridCol>
                 <a:gridCol w="2133600">
                   <a:extLst>
                     <a:ext uri="{9D8B030D-6E8A-4147-A177-3AD203B41FA5}">
-                      <a16:colId xmlns:a16="http://schemas.microsoft.com/office/drawing/2014/main" val="20001"/>
+                      <a16:colId xmlns:a16="http://schemas.microsoft.com/office/drawing/2014/main" xmlns="" val="20001"/>
                     </a:ext>
                   </a:extLst>
                 </a:gridCol>
@@ -19407,7 +19407,7 @@
                 </a:tc>
                 <a:extLst>
                   <a:ext uri="{0D108BD9-81ED-4DB2-BD59-A6C34878D82A}">
-                    <a16:rowId xmlns:a16="http://schemas.microsoft.com/office/drawing/2014/main" val="10000"/>
+                    <a16:rowId xmlns:a16="http://schemas.microsoft.com/office/drawing/2014/main" xmlns="" val="10000"/>
                   </a:ext>
                 </a:extLst>
               </a:tr>
@@ -19540,7 +19540,7 @@
                 </a:tc>
                 <a:extLst>
                   <a:ext uri="{0D108BD9-81ED-4DB2-BD59-A6C34878D82A}">
-                    <a16:rowId xmlns:a16="http://schemas.microsoft.com/office/drawing/2014/main" val="10001"/>
+                    <a16:rowId xmlns:a16="http://schemas.microsoft.com/office/drawing/2014/main" xmlns="" val="10001"/>
                   </a:ext>
                 </a:extLst>
               </a:tr>
@@ -19657,7 +19657,7 @@
                 </a:tc>
                 <a:extLst>
                   <a:ext uri="{0D108BD9-81ED-4DB2-BD59-A6C34878D82A}">
-                    <a16:rowId xmlns:a16="http://schemas.microsoft.com/office/drawing/2014/main" val="10002"/>
+                    <a16:rowId xmlns:a16="http://schemas.microsoft.com/office/drawing/2014/main" xmlns="" val="10002"/>
                   </a:ext>
                 </a:extLst>
               </a:tr>
@@ -19766,7 +19766,7 @@
                 </a:tc>
                 <a:extLst>
                   <a:ext uri="{0D108BD9-81ED-4DB2-BD59-A6C34878D82A}">
-                    <a16:rowId xmlns:a16="http://schemas.microsoft.com/office/drawing/2014/main" val="10003"/>
+                    <a16:rowId xmlns:a16="http://schemas.microsoft.com/office/drawing/2014/main" xmlns="" val="10003"/>
                   </a:ext>
                 </a:extLst>
               </a:tr>
@@ -19875,7 +19875,7 @@
                 </a:tc>
                 <a:extLst>
                   <a:ext uri="{0D108BD9-81ED-4DB2-BD59-A6C34878D82A}">
-                    <a16:rowId xmlns:a16="http://schemas.microsoft.com/office/drawing/2014/main" val="10004"/>
+                    <a16:rowId xmlns:a16="http://schemas.microsoft.com/office/drawing/2014/main" xmlns="" val="10004"/>
                   </a:ext>
                 </a:extLst>
               </a:tr>
@@ -19888,7 +19888,7 @@
           <p:cNvPr id="20" name="그룹 1018">
             <a:extLst>
               <a:ext uri="{FF2B5EF4-FFF2-40B4-BE49-F238E27FC236}">
-                <a16:creationId xmlns:a16="http://schemas.microsoft.com/office/drawing/2014/main" id="{0804D430-F42E-AE32-A065-FFA8C471F092}"/>
+                <a16:creationId xmlns:a16="http://schemas.microsoft.com/office/drawing/2014/main" xmlns="" id="{0804D430-F42E-AE32-A065-FFA8C471F092}"/>
               </a:ext>
             </a:extLst>
           </p:cNvPr>
@@ -19908,7 +19908,7 @@
             <p:cNvPr id="21" name="Object 61">
               <a:extLst>
                 <a:ext uri="{FF2B5EF4-FFF2-40B4-BE49-F238E27FC236}">
-                  <a16:creationId xmlns:a16="http://schemas.microsoft.com/office/drawing/2014/main" id="{334A4C3A-641C-7CD9-8FEE-5EC92B28D640}"/>
+                  <a16:creationId xmlns:a16="http://schemas.microsoft.com/office/drawing/2014/main" xmlns="" id="{334A4C3A-641C-7CD9-8FEE-5EC92B28D640}"/>
                 </a:ext>
               </a:extLst>
             </p:cNvPr>
@@ -19939,7 +19939,7 @@
           <p:cNvPr id="22" name="TextBox 21">
             <a:extLst>
               <a:ext uri="{FF2B5EF4-FFF2-40B4-BE49-F238E27FC236}">
-                <a16:creationId xmlns:a16="http://schemas.microsoft.com/office/drawing/2014/main" id="{A2AD056B-97A4-5BCC-4460-250160F3E171}"/>
+                <a16:creationId xmlns:a16="http://schemas.microsoft.com/office/drawing/2014/main" xmlns="" id="{A2AD056B-97A4-5BCC-4460-250160F3E171}"/>
               </a:ext>
             </a:extLst>
           </p:cNvPr>
@@ -19993,7 +19993,7 @@
           <p:cNvPr id="23" name="TextBox 22">
             <a:extLst>
               <a:ext uri="{FF2B5EF4-FFF2-40B4-BE49-F238E27FC236}">
-                <a16:creationId xmlns:a16="http://schemas.microsoft.com/office/drawing/2014/main" id="{52176D31-35F7-8916-46FA-6095EFEC1E49}"/>
+                <a16:creationId xmlns:a16="http://schemas.microsoft.com/office/drawing/2014/main" xmlns="" id="{52176D31-35F7-8916-46FA-6095EFEC1E49}"/>
               </a:ext>
             </a:extLst>
           </p:cNvPr>
@@ -20037,7 +20037,7 @@
           <p:cNvPr id="25" name="직선 화살표 연결선 24">
             <a:extLst>
               <a:ext uri="{FF2B5EF4-FFF2-40B4-BE49-F238E27FC236}">
-                <a16:creationId xmlns:a16="http://schemas.microsoft.com/office/drawing/2014/main" id="{299DF5EC-9DF4-5255-06AC-0A7CE4FF58C3}"/>
+                <a16:creationId xmlns:a16="http://schemas.microsoft.com/office/drawing/2014/main" xmlns="" id="{299DF5EC-9DF4-5255-06AC-0A7CE4FF58C3}"/>
               </a:ext>
             </a:extLst>
           </p:cNvPr>
@@ -20078,7 +20078,7 @@
           <p:cNvPr id="27" name="직선 화살표 연결선 26">
             <a:extLst>
               <a:ext uri="{FF2B5EF4-FFF2-40B4-BE49-F238E27FC236}">
-                <a16:creationId xmlns:a16="http://schemas.microsoft.com/office/drawing/2014/main" id="{299DF5EC-9DF4-5255-06AC-0A7CE4FF58C3}"/>
+                <a16:creationId xmlns:a16="http://schemas.microsoft.com/office/drawing/2014/main" xmlns="" id="{299DF5EC-9DF4-5255-06AC-0A7CE4FF58C3}"/>
               </a:ext>
             </a:extLst>
           </p:cNvPr>
@@ -20706,7 +20706,7 @@
           <p:cNvPr id="4" name="TextBox 3">
             <a:extLst>
               <a:ext uri="{FF2B5EF4-FFF2-40B4-BE49-F238E27FC236}">
-                <a16:creationId xmlns:a16="http://schemas.microsoft.com/office/drawing/2014/main" id="{37C30BAF-D498-C798-BC14-1718488A3435}"/>
+                <a16:creationId xmlns:a16="http://schemas.microsoft.com/office/drawing/2014/main" xmlns="" id="{37C30BAF-D498-C798-BC14-1718488A3435}"/>
               </a:ext>
             </a:extLst>
           </p:cNvPr>
@@ -20802,7 +20802,7 @@
           <p:cNvPr id="8" name="직선 화살표 연결선 7">
             <a:extLst>
               <a:ext uri="{FF2B5EF4-FFF2-40B4-BE49-F238E27FC236}">
-                <a16:creationId xmlns:a16="http://schemas.microsoft.com/office/drawing/2014/main" id="{299DF5EC-9DF4-5255-06AC-0A7CE4FF58C3}"/>
+                <a16:creationId xmlns:a16="http://schemas.microsoft.com/office/drawing/2014/main" xmlns="" id="{299DF5EC-9DF4-5255-06AC-0A7CE4FF58C3}"/>
               </a:ext>
             </a:extLst>
           </p:cNvPr>
@@ -20843,7 +20843,7 @@
           <p:cNvPr id="11" name="직선 화살표 연결선 10">
             <a:extLst>
               <a:ext uri="{FF2B5EF4-FFF2-40B4-BE49-F238E27FC236}">
-                <a16:creationId xmlns:a16="http://schemas.microsoft.com/office/drawing/2014/main" id="{299DF5EC-9DF4-5255-06AC-0A7CE4FF58C3}"/>
+                <a16:creationId xmlns:a16="http://schemas.microsoft.com/office/drawing/2014/main" xmlns="" id="{299DF5EC-9DF4-5255-06AC-0A7CE4FF58C3}"/>
               </a:ext>
             </a:extLst>
           </p:cNvPr>
@@ -21102,7 +21102,7 @@
           <p:cNvPr id="2" name="TextBox 1">
             <a:extLst>
               <a:ext uri="{FF2B5EF4-FFF2-40B4-BE49-F238E27FC236}">
-                <a16:creationId xmlns:a16="http://schemas.microsoft.com/office/drawing/2014/main" id="{8D19D88B-9541-32D7-90F1-0C45C993E21C}"/>
+                <a16:creationId xmlns:a16="http://schemas.microsoft.com/office/drawing/2014/main" xmlns="" id="{8D19D88B-9541-32D7-90F1-0C45C993E21C}"/>
               </a:ext>
             </a:extLst>
           </p:cNvPr>
@@ -21175,7 +21175,7 @@
           <p:cNvPr id="4" name="TextBox 3">
             <a:extLst>
               <a:ext uri="{FF2B5EF4-FFF2-40B4-BE49-F238E27FC236}">
-                <a16:creationId xmlns:a16="http://schemas.microsoft.com/office/drawing/2014/main" id="{285026BA-691B-4C6B-7FE4-C079A30ABF7D}"/>
+                <a16:creationId xmlns:a16="http://schemas.microsoft.com/office/drawing/2014/main" xmlns="" id="{285026BA-691B-4C6B-7FE4-C079A30ABF7D}"/>
               </a:ext>
             </a:extLst>
           </p:cNvPr>
@@ -21223,7 +21223,7 @@
           <p:cNvPr id="6" name="그림 5">
             <a:extLst>
               <a:ext uri="{FF2B5EF4-FFF2-40B4-BE49-F238E27FC236}">
-                <a16:creationId xmlns:a16="http://schemas.microsoft.com/office/drawing/2014/main" id="{57B34894-D873-26C0-EBAE-9AB3C4973910}"/>
+                <a16:creationId xmlns:a16="http://schemas.microsoft.com/office/drawing/2014/main" xmlns="" id="{57B34894-D873-26C0-EBAE-9AB3C4973910}"/>
               </a:ext>
             </a:extLst>
           </p:cNvPr>
@@ -21253,7 +21253,7 @@
           <p:cNvPr id="7" name="그룹 1008">
             <a:extLst>
               <a:ext uri="{FF2B5EF4-FFF2-40B4-BE49-F238E27FC236}">
-                <a16:creationId xmlns:a16="http://schemas.microsoft.com/office/drawing/2014/main" id="{675FF79A-CC06-55F6-0EA3-4BEE3D62798B}"/>
+                <a16:creationId xmlns:a16="http://schemas.microsoft.com/office/drawing/2014/main" xmlns="" id="{675FF79A-CC06-55F6-0EA3-4BEE3D62798B}"/>
               </a:ext>
             </a:extLst>
           </p:cNvPr>
@@ -21273,7 +21273,7 @@
             <p:cNvPr id="8" name="그룹 1009">
               <a:extLst>
                 <a:ext uri="{FF2B5EF4-FFF2-40B4-BE49-F238E27FC236}">
-                  <a16:creationId xmlns:a16="http://schemas.microsoft.com/office/drawing/2014/main" id="{3281A4DC-BBA0-8CBD-9EFD-FE6461B490F3}"/>
+                  <a16:creationId xmlns:a16="http://schemas.microsoft.com/office/drawing/2014/main" xmlns="" id="{3281A4DC-BBA0-8CBD-9EFD-FE6461B490F3}"/>
                 </a:ext>
               </a:extLst>
             </p:cNvPr>
@@ -21293,7 +21293,7 @@
               <p:cNvPr id="13" name="Object 29">
                 <a:extLst>
                   <a:ext uri="{FF2B5EF4-FFF2-40B4-BE49-F238E27FC236}">
-                    <a16:creationId xmlns:a16="http://schemas.microsoft.com/office/drawing/2014/main" id="{FE82FD63-28CE-1823-FF05-60E6DC99F07D}"/>
+                    <a16:creationId xmlns:a16="http://schemas.microsoft.com/office/drawing/2014/main" xmlns="" id="{FE82FD63-28CE-1823-FF05-60E6DC99F07D}"/>
                   </a:ext>
                 </a:extLst>
               </p:cNvPr>
@@ -21324,7 +21324,7 @@
             <p:cNvPr id="9" name="그룹 1010">
               <a:extLst>
                 <a:ext uri="{FF2B5EF4-FFF2-40B4-BE49-F238E27FC236}">
-                  <a16:creationId xmlns:a16="http://schemas.microsoft.com/office/drawing/2014/main" id="{936DBA6D-D2E1-74F6-3F3D-F641987B8E7C}"/>
+                  <a16:creationId xmlns:a16="http://schemas.microsoft.com/office/drawing/2014/main" xmlns="" id="{936DBA6D-D2E1-74F6-3F3D-F641987B8E7C}"/>
                 </a:ext>
               </a:extLst>
             </p:cNvPr>
@@ -21344,7 +21344,7 @@
               <p:cNvPr id="12" name="Object 32">
                 <a:extLst>
                   <a:ext uri="{FF2B5EF4-FFF2-40B4-BE49-F238E27FC236}">
-                    <a16:creationId xmlns:a16="http://schemas.microsoft.com/office/drawing/2014/main" id="{9016AA37-3384-54A6-5811-2F29A254C878}"/>
+                    <a16:creationId xmlns:a16="http://schemas.microsoft.com/office/drawing/2014/main" xmlns="" id="{9016AA37-3384-54A6-5811-2F29A254C878}"/>
                   </a:ext>
                 </a:extLst>
               </p:cNvPr>
@@ -21375,7 +21375,7 @@
             <p:cNvPr id="10" name="그룹 1011">
               <a:extLst>
                 <a:ext uri="{FF2B5EF4-FFF2-40B4-BE49-F238E27FC236}">
-                  <a16:creationId xmlns:a16="http://schemas.microsoft.com/office/drawing/2014/main" id="{CFF9506A-B157-5C3E-94A8-690B8E737F40}"/>
+                  <a16:creationId xmlns:a16="http://schemas.microsoft.com/office/drawing/2014/main" xmlns="" id="{CFF9506A-B157-5C3E-94A8-690B8E737F40}"/>
                 </a:ext>
               </a:extLst>
             </p:cNvPr>
@@ -21395,7 +21395,7 @@
               <p:cNvPr id="11" name="Object 35">
                 <a:extLst>
                   <a:ext uri="{FF2B5EF4-FFF2-40B4-BE49-F238E27FC236}">
-                    <a16:creationId xmlns:a16="http://schemas.microsoft.com/office/drawing/2014/main" id="{6E31A9ED-06CF-71F7-1C23-93DDEB6E1610}"/>
+                    <a16:creationId xmlns:a16="http://schemas.microsoft.com/office/drawing/2014/main" xmlns="" id="{6E31A9ED-06CF-71F7-1C23-93DDEB6E1610}"/>
                   </a:ext>
                 </a:extLst>
               </p:cNvPr>
@@ -21427,7 +21427,7 @@
           <p:cNvPr id="15" name="그림 14">
             <a:extLst>
               <a:ext uri="{FF2B5EF4-FFF2-40B4-BE49-F238E27FC236}">
-                <a16:creationId xmlns:a16="http://schemas.microsoft.com/office/drawing/2014/main" id="{AF844051-AEF1-D9BE-B040-F725EF659824}"/>
+                <a16:creationId xmlns:a16="http://schemas.microsoft.com/office/drawing/2014/main" xmlns="" id="{AF844051-AEF1-D9BE-B040-F725EF659824}"/>
               </a:ext>
             </a:extLst>
           </p:cNvPr>
@@ -21457,7 +21457,7 @@
           <p:cNvPr id="17" name="그림 16">
             <a:extLst>
               <a:ext uri="{FF2B5EF4-FFF2-40B4-BE49-F238E27FC236}">
-                <a16:creationId xmlns:a16="http://schemas.microsoft.com/office/drawing/2014/main" id="{1E5E9906-31C5-B3CF-1652-AE7B069979D1}"/>
+                <a16:creationId xmlns:a16="http://schemas.microsoft.com/office/drawing/2014/main" xmlns="" id="{1E5E9906-31C5-B3CF-1652-AE7B069979D1}"/>
               </a:ext>
             </a:extLst>
           </p:cNvPr>
@@ -21487,7 +21487,7 @@
           <p:cNvPr id="19" name="그림 18">
             <a:extLst>
               <a:ext uri="{FF2B5EF4-FFF2-40B4-BE49-F238E27FC236}">
-                <a16:creationId xmlns:a16="http://schemas.microsoft.com/office/drawing/2014/main" id="{4D230BDC-9685-A6B9-0B73-5A689B8AF20B}"/>
+                <a16:creationId xmlns:a16="http://schemas.microsoft.com/office/drawing/2014/main" xmlns="" id="{4D230BDC-9685-A6B9-0B73-5A689B8AF20B}"/>
               </a:ext>
             </a:extLst>
           </p:cNvPr>
@@ -21517,7 +21517,7 @@
           <p:cNvPr id="21" name="그림 20">
             <a:extLst>
               <a:ext uri="{FF2B5EF4-FFF2-40B4-BE49-F238E27FC236}">
-                <a16:creationId xmlns:a16="http://schemas.microsoft.com/office/drawing/2014/main" id="{9BA489AA-5F58-89FC-C78B-73E8EE58E1EA}"/>
+                <a16:creationId xmlns:a16="http://schemas.microsoft.com/office/drawing/2014/main" xmlns="" id="{9BA489AA-5F58-89FC-C78B-73E8EE58E1EA}"/>
               </a:ext>
             </a:extLst>
           </p:cNvPr>
@@ -21547,7 +21547,7 @@
           <p:cNvPr id="22" name="직선 화살표 연결선 21">
             <a:extLst>
               <a:ext uri="{FF2B5EF4-FFF2-40B4-BE49-F238E27FC236}">
-                <a16:creationId xmlns:a16="http://schemas.microsoft.com/office/drawing/2014/main" id="{26D066D3-DD05-BC85-E587-62C624651B60}"/>
+                <a16:creationId xmlns:a16="http://schemas.microsoft.com/office/drawing/2014/main" xmlns="" id="{26D066D3-DD05-BC85-E587-62C624651B60}"/>
               </a:ext>
             </a:extLst>
           </p:cNvPr>
@@ -21588,7 +21588,7 @@
           <p:cNvPr id="23" name="직사각형 22">
             <a:extLst>
               <a:ext uri="{FF2B5EF4-FFF2-40B4-BE49-F238E27FC236}">
-                <a16:creationId xmlns:a16="http://schemas.microsoft.com/office/drawing/2014/main" id="{7CFAD552-2193-DA33-3DA7-0F624E7D3246}"/>
+                <a16:creationId xmlns:a16="http://schemas.microsoft.com/office/drawing/2014/main" xmlns="" id="{7CFAD552-2193-DA33-3DA7-0F624E7D3246}"/>
               </a:ext>
             </a:extLst>
           </p:cNvPr>
@@ -21640,7 +21640,7 @@
           <p:cNvPr id="24" name="TextBox 23">
             <a:extLst>
               <a:ext uri="{FF2B5EF4-FFF2-40B4-BE49-F238E27FC236}">
-                <a16:creationId xmlns:a16="http://schemas.microsoft.com/office/drawing/2014/main" id="{F458A569-51FA-5919-3C87-7002835C20D6}"/>
+                <a16:creationId xmlns:a16="http://schemas.microsoft.com/office/drawing/2014/main" xmlns="" id="{F458A569-51FA-5919-3C87-7002835C20D6}"/>
               </a:ext>
             </a:extLst>
           </p:cNvPr>
@@ -21711,7 +21711,7 @@
           <p:cNvPr id="26" name="직선 화살표 연결선 25">
             <a:extLst>
               <a:ext uri="{FF2B5EF4-FFF2-40B4-BE49-F238E27FC236}">
-                <a16:creationId xmlns:a16="http://schemas.microsoft.com/office/drawing/2014/main" id="{9CB099DF-F76F-F806-55AB-58039A746071}"/>
+                <a16:creationId xmlns:a16="http://schemas.microsoft.com/office/drawing/2014/main" xmlns="" id="{9CB099DF-F76F-F806-55AB-58039A746071}"/>
               </a:ext>
             </a:extLst>
           </p:cNvPr>
@@ -21752,7 +21752,7 @@
           <p:cNvPr id="27" name="직사각형 26">
             <a:extLst>
               <a:ext uri="{FF2B5EF4-FFF2-40B4-BE49-F238E27FC236}">
-                <a16:creationId xmlns:a16="http://schemas.microsoft.com/office/drawing/2014/main" id="{5A7AAD2F-31D1-08A9-91F4-43557D7E1E37}"/>
+                <a16:creationId xmlns:a16="http://schemas.microsoft.com/office/drawing/2014/main" xmlns="" id="{5A7AAD2F-31D1-08A9-91F4-43557D7E1E37}"/>
               </a:ext>
             </a:extLst>
           </p:cNvPr>
@@ -21804,7 +21804,7 @@
           <p:cNvPr id="28" name="TextBox 27">
             <a:extLst>
               <a:ext uri="{FF2B5EF4-FFF2-40B4-BE49-F238E27FC236}">
-                <a16:creationId xmlns:a16="http://schemas.microsoft.com/office/drawing/2014/main" id="{63FFCB2A-A17A-1B03-53D3-074DB4282B6D}"/>
+                <a16:creationId xmlns:a16="http://schemas.microsoft.com/office/drawing/2014/main" xmlns="" id="{63FFCB2A-A17A-1B03-53D3-074DB4282B6D}"/>
               </a:ext>
             </a:extLst>
           </p:cNvPr>
@@ -21875,7 +21875,7 @@
           <p:cNvPr id="29" name="직선 화살표 연결선 28">
             <a:extLst>
               <a:ext uri="{FF2B5EF4-FFF2-40B4-BE49-F238E27FC236}">
-                <a16:creationId xmlns:a16="http://schemas.microsoft.com/office/drawing/2014/main" id="{FDA538EC-2136-2F05-EDD0-9341A93EBA3C}"/>
+                <a16:creationId xmlns:a16="http://schemas.microsoft.com/office/drawing/2014/main" xmlns="" id="{FDA538EC-2136-2F05-EDD0-9341A93EBA3C}"/>
               </a:ext>
             </a:extLst>
           </p:cNvPr>
@@ -21916,7 +21916,7 @@
           <p:cNvPr id="30" name="직사각형 29">
             <a:extLst>
               <a:ext uri="{FF2B5EF4-FFF2-40B4-BE49-F238E27FC236}">
-                <a16:creationId xmlns:a16="http://schemas.microsoft.com/office/drawing/2014/main" id="{BC8C2B1F-D3CB-C021-0AA9-9134F2920BF2}"/>
+                <a16:creationId xmlns:a16="http://schemas.microsoft.com/office/drawing/2014/main" xmlns="" id="{BC8C2B1F-D3CB-C021-0AA9-9134F2920BF2}"/>
               </a:ext>
             </a:extLst>
           </p:cNvPr>
@@ -21968,7 +21968,7 @@
           <p:cNvPr id="31" name="TextBox 30">
             <a:extLst>
               <a:ext uri="{FF2B5EF4-FFF2-40B4-BE49-F238E27FC236}">
-                <a16:creationId xmlns:a16="http://schemas.microsoft.com/office/drawing/2014/main" id="{B7B8453C-ED90-DA53-786C-114068471BA4}"/>
+                <a16:creationId xmlns:a16="http://schemas.microsoft.com/office/drawing/2014/main" xmlns="" id="{B7B8453C-ED90-DA53-786C-114068471BA4}"/>
               </a:ext>
             </a:extLst>
           </p:cNvPr>
@@ -22079,7 +22079,7 @@
           <p:cNvPr id="4" name="TextBox 3">
             <a:extLst>
               <a:ext uri="{FF2B5EF4-FFF2-40B4-BE49-F238E27FC236}">
-                <a16:creationId xmlns:a16="http://schemas.microsoft.com/office/drawing/2014/main" id="{F136A7AB-2DB9-1BA5-4C06-B1C1755E48BA}"/>
+                <a16:creationId xmlns:a16="http://schemas.microsoft.com/office/drawing/2014/main" xmlns="" id="{F136A7AB-2DB9-1BA5-4C06-B1C1755E48BA}"/>
               </a:ext>
             </a:extLst>
           </p:cNvPr>
@@ -22127,7 +22127,7 @@
           <p:cNvPr id="6" name="그림 5">
             <a:extLst>
               <a:ext uri="{FF2B5EF4-FFF2-40B4-BE49-F238E27FC236}">
-                <a16:creationId xmlns:a16="http://schemas.microsoft.com/office/drawing/2014/main" id="{5147447C-EC79-73BC-A921-D260D974856E}"/>
+                <a16:creationId xmlns:a16="http://schemas.microsoft.com/office/drawing/2014/main" xmlns="" id="{5147447C-EC79-73BC-A921-D260D974856E}"/>
               </a:ext>
             </a:extLst>
           </p:cNvPr>
@@ -22157,7 +22157,7 @@
           <p:cNvPr id="8" name="그림 7">
             <a:extLst>
               <a:ext uri="{FF2B5EF4-FFF2-40B4-BE49-F238E27FC236}">
-                <a16:creationId xmlns:a16="http://schemas.microsoft.com/office/drawing/2014/main" id="{B7E400F5-22A2-CD02-A59A-208CD483A2E5}"/>
+                <a16:creationId xmlns:a16="http://schemas.microsoft.com/office/drawing/2014/main" xmlns="" id="{B7E400F5-22A2-CD02-A59A-208CD483A2E5}"/>
               </a:ext>
             </a:extLst>
           </p:cNvPr>
@@ -22187,7 +22187,7 @@
           <p:cNvPr id="9" name="직선 화살표 연결선 8">
             <a:extLst>
               <a:ext uri="{FF2B5EF4-FFF2-40B4-BE49-F238E27FC236}">
-                <a16:creationId xmlns:a16="http://schemas.microsoft.com/office/drawing/2014/main" id="{2FC66BE3-5CEA-38C7-E0F8-CCCC0CEA6FFE}"/>
+                <a16:creationId xmlns:a16="http://schemas.microsoft.com/office/drawing/2014/main" xmlns="" id="{2FC66BE3-5CEA-38C7-E0F8-CCCC0CEA6FFE}"/>
               </a:ext>
             </a:extLst>
           </p:cNvPr>
@@ -22228,7 +22228,7 @@
           <p:cNvPr id="10" name="직사각형 9">
             <a:extLst>
               <a:ext uri="{FF2B5EF4-FFF2-40B4-BE49-F238E27FC236}">
-                <a16:creationId xmlns:a16="http://schemas.microsoft.com/office/drawing/2014/main" id="{1216D2CB-8460-FDDF-2209-1657E94BA337}"/>
+                <a16:creationId xmlns:a16="http://schemas.microsoft.com/office/drawing/2014/main" xmlns="" id="{1216D2CB-8460-FDDF-2209-1657E94BA337}"/>
               </a:ext>
             </a:extLst>
           </p:cNvPr>
@@ -22280,7 +22280,7 @@
           <p:cNvPr id="11" name="TextBox 10">
             <a:extLst>
               <a:ext uri="{FF2B5EF4-FFF2-40B4-BE49-F238E27FC236}">
-                <a16:creationId xmlns:a16="http://schemas.microsoft.com/office/drawing/2014/main" id="{FE0D57FE-2BC4-7E5B-790B-E9C4129EF7BA}"/>
+                <a16:creationId xmlns:a16="http://schemas.microsoft.com/office/drawing/2014/main" xmlns="" id="{FE0D57FE-2BC4-7E5B-790B-E9C4129EF7BA}"/>
               </a:ext>
             </a:extLst>
           </p:cNvPr>
@@ -22420,7 +22420,7 @@
           <p:cNvPr id="2" name="TextBox 1">
             <a:extLst>
               <a:ext uri="{FF2B5EF4-FFF2-40B4-BE49-F238E27FC236}">
-                <a16:creationId xmlns:a16="http://schemas.microsoft.com/office/drawing/2014/main" id="{F48E4781-197F-9A58-25F3-183870C4E628}"/>
+                <a16:creationId xmlns:a16="http://schemas.microsoft.com/office/drawing/2014/main" xmlns="" id="{F48E4781-197F-9A58-25F3-183870C4E628}"/>
               </a:ext>
             </a:extLst>
           </p:cNvPr>
@@ -22468,7 +22468,7 @@
           <p:cNvPr id="8" name="그림 7">
             <a:extLst>
               <a:ext uri="{FF2B5EF4-FFF2-40B4-BE49-F238E27FC236}">
-                <a16:creationId xmlns:a16="http://schemas.microsoft.com/office/drawing/2014/main" id="{3667D498-5355-17D9-54F5-7996E85A82B2}"/>
+                <a16:creationId xmlns:a16="http://schemas.microsoft.com/office/drawing/2014/main" xmlns="" id="{3667D498-5355-17D9-54F5-7996E85A82B2}"/>
               </a:ext>
             </a:extLst>
           </p:cNvPr>
@@ -22528,7 +22528,7 @@
           <p:cNvPr id="5" name="TextBox 4">
             <a:extLst>
               <a:ext uri="{FF2B5EF4-FFF2-40B4-BE49-F238E27FC236}">
-                <a16:creationId xmlns:a16="http://schemas.microsoft.com/office/drawing/2014/main" id="{37C30BAF-D498-C798-BC14-1718488A3435}"/>
+                <a16:creationId xmlns:a16="http://schemas.microsoft.com/office/drawing/2014/main" xmlns="" id="{37C30BAF-D498-C798-BC14-1718488A3435}"/>
               </a:ext>
             </a:extLst>
           </p:cNvPr>
@@ -22579,7 +22579,7 @@
           <p:cNvPr id="3" name="TextBox 2">
             <a:extLst>
               <a:ext uri="{FF2B5EF4-FFF2-40B4-BE49-F238E27FC236}">
-                <a16:creationId xmlns:a16="http://schemas.microsoft.com/office/drawing/2014/main" id="{A2AD056B-97A4-5BCC-4460-250160F3E171}"/>
+                <a16:creationId xmlns:a16="http://schemas.microsoft.com/office/drawing/2014/main" xmlns="" id="{A2AD056B-97A4-5BCC-4460-250160F3E171}"/>
               </a:ext>
             </a:extLst>
           </p:cNvPr>
@@ -22691,7 +22691,7 @@
           <p:cNvPr id="4" name="TextBox 3">
             <a:extLst>
               <a:ext uri="{FF2B5EF4-FFF2-40B4-BE49-F238E27FC236}">
-                <a16:creationId xmlns:a16="http://schemas.microsoft.com/office/drawing/2014/main" id="{CB1290AD-28C5-5AE5-FB1A-6013AB973312}"/>
+                <a16:creationId xmlns:a16="http://schemas.microsoft.com/office/drawing/2014/main" xmlns="" id="{CB1290AD-28C5-5AE5-FB1A-6013AB973312}"/>
               </a:ext>
             </a:extLst>
           </p:cNvPr>
@@ -22810,7 +22810,7 @@
           <p:cNvPr id="9" name="표 2">
             <a:extLst>
               <a:ext uri="{FF2B5EF4-FFF2-40B4-BE49-F238E27FC236}">
-                <a16:creationId xmlns:a16="http://schemas.microsoft.com/office/drawing/2014/main" id="{875F795B-D8D4-554B-4108-B6D9B3AF35C2}"/>
+                <a16:creationId xmlns:a16="http://schemas.microsoft.com/office/drawing/2014/main" xmlns="" id="{875F795B-D8D4-554B-4108-B6D9B3AF35C2}"/>
               </a:ext>
             </a:extLst>
           </p:cNvPr>
@@ -22839,21 +22839,21 @@
                 <a:gridCol w="1648638">
                   <a:extLst>
                     <a:ext uri="{9D8B030D-6E8A-4147-A177-3AD203B41FA5}">
-                      <a16:colId xmlns:a16="http://schemas.microsoft.com/office/drawing/2014/main" val="1960770391"/>
+                      <a16:colId xmlns:a16="http://schemas.microsoft.com/office/drawing/2014/main" xmlns="" val="1960770391"/>
                     </a:ext>
                   </a:extLst>
                 </a:gridCol>
                 <a:gridCol w="1668750">
                   <a:extLst>
                     <a:ext uri="{9D8B030D-6E8A-4147-A177-3AD203B41FA5}">
-                      <a16:colId xmlns:a16="http://schemas.microsoft.com/office/drawing/2014/main" val="733308553"/>
+                      <a16:colId xmlns:a16="http://schemas.microsoft.com/office/drawing/2014/main" xmlns="" val="733308553"/>
                     </a:ext>
                   </a:extLst>
                 </a:gridCol>
                 <a:gridCol w="2898356">
                   <a:extLst>
                     <a:ext uri="{9D8B030D-6E8A-4147-A177-3AD203B41FA5}">
-                      <a16:colId xmlns:a16="http://schemas.microsoft.com/office/drawing/2014/main" val="1661322813"/>
+                      <a16:colId xmlns:a16="http://schemas.microsoft.com/office/drawing/2014/main" xmlns="" val="1661322813"/>
                     </a:ext>
                   </a:extLst>
                 </a:gridCol>
@@ -23041,7 +23041,7 @@
                 </a:tc>
                 <a:extLst>
                   <a:ext uri="{0D108BD9-81ED-4DB2-BD59-A6C34878D82A}">
-                    <a16:rowId xmlns:a16="http://schemas.microsoft.com/office/drawing/2014/main" val="2452905565"/>
+                    <a16:rowId xmlns:a16="http://schemas.microsoft.com/office/drawing/2014/main" xmlns="" val="2452905565"/>
                   </a:ext>
                 </a:extLst>
               </a:tr>
@@ -23239,7 +23239,7 @@
                 </a:tc>
                 <a:extLst>
                   <a:ext uri="{0D108BD9-81ED-4DB2-BD59-A6C34878D82A}">
-                    <a16:rowId xmlns:a16="http://schemas.microsoft.com/office/drawing/2014/main" val="3551452526"/>
+                    <a16:rowId xmlns:a16="http://schemas.microsoft.com/office/drawing/2014/main" xmlns="" val="3551452526"/>
                   </a:ext>
                 </a:extLst>
               </a:tr>
@@ -23459,7 +23459,7 @@
                 </a:tc>
                 <a:extLst>
                   <a:ext uri="{0D108BD9-81ED-4DB2-BD59-A6C34878D82A}">
-                    <a16:rowId xmlns:a16="http://schemas.microsoft.com/office/drawing/2014/main" val="3645064171"/>
+                    <a16:rowId xmlns:a16="http://schemas.microsoft.com/office/drawing/2014/main" xmlns="" val="3645064171"/>
                   </a:ext>
                 </a:extLst>
               </a:tr>
@@ -23676,7 +23676,7 @@
                 </a:tc>
                 <a:extLst>
                   <a:ext uri="{0D108BD9-81ED-4DB2-BD59-A6C34878D82A}">
-                    <a16:rowId xmlns:a16="http://schemas.microsoft.com/office/drawing/2014/main" val="1362299918"/>
+                    <a16:rowId xmlns:a16="http://schemas.microsoft.com/office/drawing/2014/main" xmlns="" val="1362299918"/>
                   </a:ext>
                 </a:extLst>
               </a:tr>
@@ -23893,7 +23893,7 @@
                 </a:tc>
                 <a:extLst>
                   <a:ext uri="{0D108BD9-81ED-4DB2-BD59-A6C34878D82A}">
-                    <a16:rowId xmlns:a16="http://schemas.microsoft.com/office/drawing/2014/main" val="2488866604"/>
+                    <a16:rowId xmlns:a16="http://schemas.microsoft.com/office/drawing/2014/main" xmlns="" val="2488866604"/>
                   </a:ext>
                 </a:extLst>
               </a:tr>
@@ -24110,7 +24110,7 @@
                 </a:tc>
                 <a:extLst>
                   <a:ext uri="{0D108BD9-81ED-4DB2-BD59-A6C34878D82A}">
-                    <a16:rowId xmlns:a16="http://schemas.microsoft.com/office/drawing/2014/main" val="2632365449"/>
+                    <a16:rowId xmlns:a16="http://schemas.microsoft.com/office/drawing/2014/main" xmlns="" val="2632365449"/>
                   </a:ext>
                 </a:extLst>
               </a:tr>
@@ -24123,7 +24123,7 @@
           <p:cNvPr id="10" name="표 2">
             <a:extLst>
               <a:ext uri="{FF2B5EF4-FFF2-40B4-BE49-F238E27FC236}">
-                <a16:creationId xmlns:a16="http://schemas.microsoft.com/office/drawing/2014/main" id="{D2CC6F32-611A-E22D-EB8C-52D626A5B319}"/>
+                <a16:creationId xmlns:a16="http://schemas.microsoft.com/office/drawing/2014/main" xmlns="" id="{D2CC6F32-611A-E22D-EB8C-52D626A5B319}"/>
               </a:ext>
             </a:extLst>
           </p:cNvPr>
@@ -24152,21 +24152,21 @@
                 <a:gridCol w="1731833">
                   <a:extLst>
                     <a:ext uri="{9D8B030D-6E8A-4147-A177-3AD203B41FA5}">
-                      <a16:colId xmlns:a16="http://schemas.microsoft.com/office/drawing/2014/main" val="1960770391"/>
+                      <a16:colId xmlns:a16="http://schemas.microsoft.com/office/drawing/2014/main" xmlns="" val="1960770391"/>
                     </a:ext>
                   </a:extLst>
                 </a:gridCol>
                 <a:gridCol w="1752960">
                   <a:extLst>
                     <a:ext uri="{9D8B030D-6E8A-4147-A177-3AD203B41FA5}">
-                      <a16:colId xmlns:a16="http://schemas.microsoft.com/office/drawing/2014/main" val="733308553"/>
+                      <a16:colId xmlns:a16="http://schemas.microsoft.com/office/drawing/2014/main" xmlns="" val="733308553"/>
                     </a:ext>
                   </a:extLst>
                 </a:gridCol>
                 <a:gridCol w="2730951">
                   <a:extLst>
                     <a:ext uri="{9D8B030D-6E8A-4147-A177-3AD203B41FA5}">
-                      <a16:colId xmlns:a16="http://schemas.microsoft.com/office/drawing/2014/main" val="1661322813"/>
+                      <a16:colId xmlns:a16="http://schemas.microsoft.com/office/drawing/2014/main" xmlns="" val="1661322813"/>
                     </a:ext>
                   </a:extLst>
                 </a:gridCol>
@@ -24354,7 +24354,7 @@
                 </a:tc>
                 <a:extLst>
                   <a:ext uri="{0D108BD9-81ED-4DB2-BD59-A6C34878D82A}">
-                    <a16:rowId xmlns:a16="http://schemas.microsoft.com/office/drawing/2014/main" val="2452905565"/>
+                    <a16:rowId xmlns:a16="http://schemas.microsoft.com/office/drawing/2014/main" xmlns="" val="2452905565"/>
                   </a:ext>
                 </a:extLst>
               </a:tr>
@@ -24558,7 +24558,7 @@
                 </a:tc>
                 <a:extLst>
                   <a:ext uri="{0D108BD9-81ED-4DB2-BD59-A6C34878D82A}">
-                    <a16:rowId xmlns:a16="http://schemas.microsoft.com/office/drawing/2014/main" val="3551452526"/>
+                    <a16:rowId xmlns:a16="http://schemas.microsoft.com/office/drawing/2014/main" xmlns="" val="3551452526"/>
                   </a:ext>
                 </a:extLst>
               </a:tr>
@@ -24733,7 +24733,7 @@
                 </a:tc>
                 <a:extLst>
                   <a:ext uri="{0D108BD9-81ED-4DB2-BD59-A6C34878D82A}">
-                    <a16:rowId xmlns:a16="http://schemas.microsoft.com/office/drawing/2014/main" val="3645064171"/>
+                    <a16:rowId xmlns:a16="http://schemas.microsoft.com/office/drawing/2014/main" xmlns="" val="3645064171"/>
                   </a:ext>
                 </a:extLst>
               </a:tr>
@@ -24908,7 +24908,7 @@
                 </a:tc>
                 <a:extLst>
                   <a:ext uri="{0D108BD9-81ED-4DB2-BD59-A6C34878D82A}">
-                    <a16:rowId xmlns:a16="http://schemas.microsoft.com/office/drawing/2014/main" val="2802120283"/>
+                    <a16:rowId xmlns:a16="http://schemas.microsoft.com/office/drawing/2014/main" xmlns="" val="2802120283"/>
                   </a:ext>
                 </a:extLst>
               </a:tr>
@@ -25077,7 +25077,7 @@
                 </a:tc>
                 <a:extLst>
                   <a:ext uri="{0D108BD9-81ED-4DB2-BD59-A6C34878D82A}">
-                    <a16:rowId xmlns:a16="http://schemas.microsoft.com/office/drawing/2014/main" val="1362299918"/>
+                    <a16:rowId xmlns:a16="http://schemas.microsoft.com/office/drawing/2014/main" xmlns="" val="1362299918"/>
                   </a:ext>
                 </a:extLst>
               </a:tr>
@@ -25313,7 +25313,7 @@
                 </a:tc>
                 <a:extLst>
                   <a:ext uri="{0D108BD9-81ED-4DB2-BD59-A6C34878D82A}">
-                    <a16:rowId xmlns:a16="http://schemas.microsoft.com/office/drawing/2014/main" val="2488866604"/>
+                    <a16:rowId xmlns:a16="http://schemas.microsoft.com/office/drawing/2014/main" xmlns="" val="2488866604"/>
                   </a:ext>
                 </a:extLst>
               </a:tr>
@@ -25536,7 +25536,7 @@
                 </a:tc>
                 <a:extLst>
                   <a:ext uri="{0D108BD9-81ED-4DB2-BD59-A6C34878D82A}">
-                    <a16:rowId xmlns:a16="http://schemas.microsoft.com/office/drawing/2014/main" val="2632365449"/>
+                    <a16:rowId xmlns:a16="http://schemas.microsoft.com/office/drawing/2014/main" xmlns="" val="2632365449"/>
                   </a:ext>
                 </a:extLst>
               </a:tr>
@@ -25549,7 +25549,7 @@
           <p:cNvPr id="2" name="TextBox 1">
             <a:extLst>
               <a:ext uri="{FF2B5EF4-FFF2-40B4-BE49-F238E27FC236}">
-                <a16:creationId xmlns:a16="http://schemas.microsoft.com/office/drawing/2014/main" id="{AE3DCC98-4BB0-EA62-AD96-B0C8D6180C73}"/>
+                <a16:creationId xmlns:a16="http://schemas.microsoft.com/office/drawing/2014/main" xmlns="" id="{AE3DCC98-4BB0-EA62-AD96-B0C8D6180C73}"/>
               </a:ext>
             </a:extLst>
           </p:cNvPr>
@@ -25691,7 +25691,7 @@
           <p:cNvPr id="6" name="표 2">
             <a:extLst>
               <a:ext uri="{FF2B5EF4-FFF2-40B4-BE49-F238E27FC236}">
-                <a16:creationId xmlns:a16="http://schemas.microsoft.com/office/drawing/2014/main" id="{F902164B-C843-8740-78C7-6C579992DE64}"/>
+                <a16:creationId xmlns:a16="http://schemas.microsoft.com/office/drawing/2014/main" xmlns="" id="{F902164B-C843-8740-78C7-6C579992DE64}"/>
               </a:ext>
             </a:extLst>
           </p:cNvPr>
@@ -25720,21 +25720,21 @@
                 <a:gridCol w="1731833">
                   <a:extLst>
                     <a:ext uri="{9D8B030D-6E8A-4147-A177-3AD203B41FA5}">
-                      <a16:colId xmlns:a16="http://schemas.microsoft.com/office/drawing/2014/main" val="1960770391"/>
+                      <a16:colId xmlns:a16="http://schemas.microsoft.com/office/drawing/2014/main" xmlns="" val="1960770391"/>
                     </a:ext>
                   </a:extLst>
                 </a:gridCol>
                 <a:gridCol w="1752960">
                   <a:extLst>
                     <a:ext uri="{9D8B030D-6E8A-4147-A177-3AD203B41FA5}">
-                      <a16:colId xmlns:a16="http://schemas.microsoft.com/office/drawing/2014/main" val="733308553"/>
+                      <a16:colId xmlns:a16="http://schemas.microsoft.com/office/drawing/2014/main" xmlns="" val="733308553"/>
                     </a:ext>
                   </a:extLst>
                 </a:gridCol>
                 <a:gridCol w="2730951">
                   <a:extLst>
                     <a:ext uri="{9D8B030D-6E8A-4147-A177-3AD203B41FA5}">
-                      <a16:colId xmlns:a16="http://schemas.microsoft.com/office/drawing/2014/main" val="1661322813"/>
+                      <a16:colId xmlns:a16="http://schemas.microsoft.com/office/drawing/2014/main" xmlns="" val="1661322813"/>
                     </a:ext>
                   </a:extLst>
                 </a:gridCol>
@@ -25922,7 +25922,7 @@
                 </a:tc>
                 <a:extLst>
                   <a:ext uri="{0D108BD9-81ED-4DB2-BD59-A6C34878D82A}">
-                    <a16:rowId xmlns:a16="http://schemas.microsoft.com/office/drawing/2014/main" val="2452905565"/>
+                    <a16:rowId xmlns:a16="http://schemas.microsoft.com/office/drawing/2014/main" xmlns="" val="2452905565"/>
                   </a:ext>
                 </a:extLst>
               </a:tr>
@@ -26129,7 +26129,7 @@
                 </a:tc>
                 <a:extLst>
                   <a:ext uri="{0D108BD9-81ED-4DB2-BD59-A6C34878D82A}">
-                    <a16:rowId xmlns:a16="http://schemas.microsoft.com/office/drawing/2014/main" val="3551452526"/>
+                    <a16:rowId xmlns:a16="http://schemas.microsoft.com/office/drawing/2014/main" xmlns="" val="3551452526"/>
                   </a:ext>
                 </a:extLst>
               </a:tr>
@@ -26313,7 +26313,7 @@
                 </a:tc>
                 <a:extLst>
                   <a:ext uri="{0D108BD9-81ED-4DB2-BD59-A6C34878D82A}">
-                    <a16:rowId xmlns:a16="http://schemas.microsoft.com/office/drawing/2014/main" val="3645064171"/>
+                    <a16:rowId xmlns:a16="http://schemas.microsoft.com/office/drawing/2014/main" xmlns="" val="3645064171"/>
                   </a:ext>
                 </a:extLst>
               </a:tr>
@@ -26497,7 +26497,7 @@
                 </a:tc>
                 <a:extLst>
                   <a:ext uri="{0D108BD9-81ED-4DB2-BD59-A6C34878D82A}">
-                    <a16:rowId xmlns:a16="http://schemas.microsoft.com/office/drawing/2014/main" val="2802120283"/>
+                    <a16:rowId xmlns:a16="http://schemas.microsoft.com/office/drawing/2014/main" xmlns="" val="2802120283"/>
                   </a:ext>
                 </a:extLst>
               </a:tr>
@@ -26681,7 +26681,7 @@
                 </a:tc>
                 <a:extLst>
                   <a:ext uri="{0D108BD9-81ED-4DB2-BD59-A6C34878D82A}">
-                    <a16:rowId xmlns:a16="http://schemas.microsoft.com/office/drawing/2014/main" val="1362299918"/>
+                    <a16:rowId xmlns:a16="http://schemas.microsoft.com/office/drawing/2014/main" xmlns="" val="1362299918"/>
                   </a:ext>
                 </a:extLst>
               </a:tr>
@@ -26890,7 +26890,7 @@
                 </a:tc>
                 <a:extLst>
                   <a:ext uri="{0D108BD9-81ED-4DB2-BD59-A6C34878D82A}">
-                    <a16:rowId xmlns:a16="http://schemas.microsoft.com/office/drawing/2014/main" val="2488866604"/>
+                    <a16:rowId xmlns:a16="http://schemas.microsoft.com/office/drawing/2014/main" xmlns="" val="2488866604"/>
                   </a:ext>
                 </a:extLst>
               </a:tr>
@@ -27089,7 +27089,7 @@
                 </a:tc>
                 <a:extLst>
                   <a:ext uri="{0D108BD9-81ED-4DB2-BD59-A6C34878D82A}">
-                    <a16:rowId xmlns:a16="http://schemas.microsoft.com/office/drawing/2014/main" val="2632365449"/>
+                    <a16:rowId xmlns:a16="http://schemas.microsoft.com/office/drawing/2014/main" xmlns="" val="2632365449"/>
                   </a:ext>
                 </a:extLst>
               </a:tr>
@@ -27102,7 +27102,7 @@
           <p:cNvPr id="8" name="그림 7">
             <a:extLst>
               <a:ext uri="{FF2B5EF4-FFF2-40B4-BE49-F238E27FC236}">
-                <a16:creationId xmlns:a16="http://schemas.microsoft.com/office/drawing/2014/main" id="{442A7CE7-1BDF-A0A1-1252-625C786E29E2}"/>
+                <a16:creationId xmlns:a16="http://schemas.microsoft.com/office/drawing/2014/main" xmlns="" id="{442A7CE7-1BDF-A0A1-1252-625C786E29E2}"/>
               </a:ext>
             </a:extLst>
           </p:cNvPr>
@@ -27132,7 +27132,7 @@
           <p:cNvPr id="12" name="그림 11">
             <a:extLst>
               <a:ext uri="{FF2B5EF4-FFF2-40B4-BE49-F238E27FC236}">
-                <a16:creationId xmlns:a16="http://schemas.microsoft.com/office/drawing/2014/main" id="{D669BF8B-28CB-C031-EC33-EC1103111E97}"/>
+                <a16:creationId xmlns:a16="http://schemas.microsoft.com/office/drawing/2014/main" xmlns="" id="{D669BF8B-28CB-C031-EC33-EC1103111E97}"/>
               </a:ext>
             </a:extLst>
           </p:cNvPr>
@@ -27162,7 +27162,7 @@
           <p:cNvPr id="14" name="그림 13">
             <a:extLst>
               <a:ext uri="{FF2B5EF4-FFF2-40B4-BE49-F238E27FC236}">
-                <a16:creationId xmlns:a16="http://schemas.microsoft.com/office/drawing/2014/main" id="{1E7F22C3-6735-B286-C1ED-9D5B3D8FBE40}"/>
+                <a16:creationId xmlns:a16="http://schemas.microsoft.com/office/drawing/2014/main" xmlns="" id="{1E7F22C3-6735-B286-C1ED-9D5B3D8FBE40}"/>
               </a:ext>
             </a:extLst>
           </p:cNvPr>
@@ -27192,7 +27192,7 @@
           <p:cNvPr id="15" name="TextBox 14">
             <a:extLst>
               <a:ext uri="{FF2B5EF4-FFF2-40B4-BE49-F238E27FC236}">
-                <a16:creationId xmlns:a16="http://schemas.microsoft.com/office/drawing/2014/main" id="{D7951096-E5FC-1D77-EF4A-4E366621FCFC}"/>
+                <a16:creationId xmlns:a16="http://schemas.microsoft.com/office/drawing/2014/main" xmlns="" id="{D7951096-E5FC-1D77-EF4A-4E366621FCFC}"/>
               </a:ext>
             </a:extLst>
           </p:cNvPr>
@@ -27373,7 +27373,7 @@
           <p:cNvPr id="4" name="Object 1">
             <a:extLst>
               <a:ext uri="{FF2B5EF4-FFF2-40B4-BE49-F238E27FC236}">
-                <a16:creationId xmlns:a16="http://schemas.microsoft.com/office/drawing/2014/main" id="{B0329035-BE76-33A8-0F2E-44624FCC1DED}"/>
+                <a16:creationId xmlns:a16="http://schemas.microsoft.com/office/drawing/2014/main" xmlns="" id="{B0329035-BE76-33A8-0F2E-44624FCC1DED}"/>
               </a:ext>
             </a:extLst>
           </p:cNvPr>
@@ -27403,7 +27403,7 @@
           <p:cNvPr id="7" name="그룹 1001">
             <a:extLst>
               <a:ext uri="{FF2B5EF4-FFF2-40B4-BE49-F238E27FC236}">
-                <a16:creationId xmlns:a16="http://schemas.microsoft.com/office/drawing/2014/main" id="{CD24CE9D-AC18-B6CD-F397-7E8E03D6FE26}"/>
+                <a16:creationId xmlns:a16="http://schemas.microsoft.com/office/drawing/2014/main" xmlns="" id="{CD24CE9D-AC18-B6CD-F397-7E8E03D6FE26}"/>
               </a:ext>
             </a:extLst>
           </p:cNvPr>
@@ -27423,7 +27423,7 @@
             <p:cNvPr id="8" name="Object 5">
               <a:extLst>
                 <a:ext uri="{FF2B5EF4-FFF2-40B4-BE49-F238E27FC236}">
-                  <a16:creationId xmlns:a16="http://schemas.microsoft.com/office/drawing/2014/main" id="{0EEF25E8-3BA8-EBAA-6DC2-66D70C3F9F4D}"/>
+                  <a16:creationId xmlns:a16="http://schemas.microsoft.com/office/drawing/2014/main" xmlns="" id="{0EEF25E8-3BA8-EBAA-6DC2-66D70C3F9F4D}"/>
                 </a:ext>
               </a:extLst>
             </p:cNvPr>
@@ -27454,7 +27454,7 @@
           <p:cNvPr id="9" name="그룹 1002">
             <a:extLst>
               <a:ext uri="{FF2B5EF4-FFF2-40B4-BE49-F238E27FC236}">
-                <a16:creationId xmlns:a16="http://schemas.microsoft.com/office/drawing/2014/main" id="{0F281BC9-DE1F-D1FE-E64C-C4640398F00C}"/>
+                <a16:creationId xmlns:a16="http://schemas.microsoft.com/office/drawing/2014/main" xmlns="" id="{0F281BC9-DE1F-D1FE-E64C-C4640398F00C}"/>
               </a:ext>
             </a:extLst>
           </p:cNvPr>
@@ -27474,7 +27474,7 @@
             <p:cNvPr id="10" name="Object 8">
               <a:extLst>
                 <a:ext uri="{FF2B5EF4-FFF2-40B4-BE49-F238E27FC236}">
-                  <a16:creationId xmlns:a16="http://schemas.microsoft.com/office/drawing/2014/main" id="{F669DCEF-04BB-7046-3F7F-5B513213556E}"/>
+                  <a16:creationId xmlns:a16="http://schemas.microsoft.com/office/drawing/2014/main" xmlns="" id="{F669DCEF-04BB-7046-3F7F-5B513213556E}"/>
                 </a:ext>
               </a:extLst>
             </p:cNvPr>
@@ -27505,7 +27505,7 @@
           <p:cNvPr id="11" name="그룹 1003">
             <a:extLst>
               <a:ext uri="{FF2B5EF4-FFF2-40B4-BE49-F238E27FC236}">
-                <a16:creationId xmlns:a16="http://schemas.microsoft.com/office/drawing/2014/main" id="{1F91EEF9-13EA-BB7F-B056-D35E7DB989AC}"/>
+                <a16:creationId xmlns:a16="http://schemas.microsoft.com/office/drawing/2014/main" xmlns="" id="{1F91EEF9-13EA-BB7F-B056-D35E7DB989AC}"/>
               </a:ext>
             </a:extLst>
           </p:cNvPr>
@@ -27525,7 +27525,7 @@
             <p:cNvPr id="12" name="Object 11">
               <a:extLst>
                 <a:ext uri="{FF2B5EF4-FFF2-40B4-BE49-F238E27FC236}">
-                  <a16:creationId xmlns:a16="http://schemas.microsoft.com/office/drawing/2014/main" id="{2CFFB217-AEFB-2C9E-5F86-6EE19510FFC6}"/>
+                  <a16:creationId xmlns:a16="http://schemas.microsoft.com/office/drawing/2014/main" xmlns="" id="{2CFFB217-AEFB-2C9E-5F86-6EE19510FFC6}"/>
                 </a:ext>
               </a:extLst>
             </p:cNvPr>
@@ -27556,7 +27556,7 @@
           <p:cNvPr id="13" name="그룹 1004">
             <a:extLst>
               <a:ext uri="{FF2B5EF4-FFF2-40B4-BE49-F238E27FC236}">
-                <a16:creationId xmlns:a16="http://schemas.microsoft.com/office/drawing/2014/main" id="{123B9C7E-94E8-E7E1-81BE-D59EA0299187}"/>
+                <a16:creationId xmlns:a16="http://schemas.microsoft.com/office/drawing/2014/main" xmlns="" id="{123B9C7E-94E8-E7E1-81BE-D59EA0299187}"/>
               </a:ext>
             </a:extLst>
           </p:cNvPr>
@@ -27576,7 +27576,7 @@
             <p:cNvPr id="14" name="Object 14">
               <a:extLst>
                 <a:ext uri="{FF2B5EF4-FFF2-40B4-BE49-F238E27FC236}">
-                  <a16:creationId xmlns:a16="http://schemas.microsoft.com/office/drawing/2014/main" id="{B6291552-2D89-A79F-7ACD-EA0EF9A4C389}"/>
+                  <a16:creationId xmlns:a16="http://schemas.microsoft.com/office/drawing/2014/main" xmlns="" id="{B6291552-2D89-A79F-7ACD-EA0EF9A4C389}"/>
                 </a:ext>
               </a:extLst>
             </p:cNvPr>
@@ -27607,7 +27607,7 @@
           <p:cNvPr id="15" name="TextBox 14">
             <a:extLst>
               <a:ext uri="{FF2B5EF4-FFF2-40B4-BE49-F238E27FC236}">
-                <a16:creationId xmlns:a16="http://schemas.microsoft.com/office/drawing/2014/main" id="{7D99763A-FC24-23F5-5BA9-D7B042E0F323}"/>
+                <a16:creationId xmlns:a16="http://schemas.microsoft.com/office/drawing/2014/main" xmlns="" id="{7D99763A-FC24-23F5-5BA9-D7B042E0F323}"/>
               </a:ext>
             </a:extLst>
           </p:cNvPr>
@@ -27685,7 +27685,7 @@
           <p:cNvPr id="4" name="TextBox 3">
             <a:extLst>
               <a:ext uri="{FF2B5EF4-FFF2-40B4-BE49-F238E27FC236}">
-                <a16:creationId xmlns:a16="http://schemas.microsoft.com/office/drawing/2014/main" id="{76F06958-28E9-486A-AA9F-B499E4463946}"/>
+                <a16:creationId xmlns:a16="http://schemas.microsoft.com/office/drawing/2014/main" xmlns="" id="{76F06958-28E9-486A-AA9F-B499E4463946}"/>
               </a:ext>
             </a:extLst>
           </p:cNvPr>
@@ -27733,7 +27733,7 @@
           <p:cNvPr id="2" name="TextBox 1">
             <a:extLst>
               <a:ext uri="{FF2B5EF4-FFF2-40B4-BE49-F238E27FC236}">
-                <a16:creationId xmlns:a16="http://schemas.microsoft.com/office/drawing/2014/main" id="{0E86E673-C349-1F90-5FF0-A0C001424B03}"/>
+                <a16:creationId xmlns:a16="http://schemas.microsoft.com/office/drawing/2014/main" xmlns="" id="{0E86E673-C349-1F90-5FF0-A0C001424B03}"/>
               </a:ext>
             </a:extLst>
           </p:cNvPr>
@@ -27800,7 +27800,7 @@
           <p:cNvPr id="5" name="그림 4">
             <a:extLst>
               <a:ext uri="{FF2B5EF4-FFF2-40B4-BE49-F238E27FC236}">
-                <a16:creationId xmlns:a16="http://schemas.microsoft.com/office/drawing/2014/main" id="{65FE89ED-EA83-DC74-81B9-24974163F7D9}"/>
+                <a16:creationId xmlns:a16="http://schemas.microsoft.com/office/drawing/2014/main" xmlns="" id="{65FE89ED-EA83-DC74-81B9-24974163F7D9}"/>
               </a:ext>
             </a:extLst>
           </p:cNvPr>
@@ -27830,7 +27830,7 @@
           <p:cNvPr id="6" name="TextBox 5">
             <a:extLst>
               <a:ext uri="{FF2B5EF4-FFF2-40B4-BE49-F238E27FC236}">
-                <a16:creationId xmlns:a16="http://schemas.microsoft.com/office/drawing/2014/main" id="{4DC5D4D7-4330-CA07-29D7-2FC957BDDF60}"/>
+                <a16:creationId xmlns:a16="http://schemas.microsoft.com/office/drawing/2014/main" xmlns="" id="{4DC5D4D7-4330-CA07-29D7-2FC957BDDF60}"/>
               </a:ext>
             </a:extLst>
           </p:cNvPr>
@@ -27881,7 +27881,7 @@
           <p:cNvPr id="23" name="그룹 1008">
             <a:extLst>
               <a:ext uri="{FF2B5EF4-FFF2-40B4-BE49-F238E27FC236}">
-                <a16:creationId xmlns:a16="http://schemas.microsoft.com/office/drawing/2014/main" id="{81DFFA05-EE6E-3CD5-4810-DF5B88AAACAF}"/>
+                <a16:creationId xmlns:a16="http://schemas.microsoft.com/office/drawing/2014/main" xmlns="" id="{81DFFA05-EE6E-3CD5-4810-DF5B88AAACAF}"/>
               </a:ext>
             </a:extLst>
           </p:cNvPr>
@@ -27901,7 +27901,7 @@
             <p:cNvPr id="24" name="그룹 1009">
               <a:extLst>
                 <a:ext uri="{FF2B5EF4-FFF2-40B4-BE49-F238E27FC236}">
-                  <a16:creationId xmlns:a16="http://schemas.microsoft.com/office/drawing/2014/main" id="{7CA6D16F-9A33-AB5D-EA54-3D75899D43AE}"/>
+                  <a16:creationId xmlns:a16="http://schemas.microsoft.com/office/drawing/2014/main" xmlns="" id="{7CA6D16F-9A33-AB5D-EA54-3D75899D43AE}"/>
                 </a:ext>
               </a:extLst>
             </p:cNvPr>
@@ -27921,7 +27921,7 @@
               <p:cNvPr id="29" name="Object 29">
                 <a:extLst>
                   <a:ext uri="{FF2B5EF4-FFF2-40B4-BE49-F238E27FC236}">
-                    <a16:creationId xmlns:a16="http://schemas.microsoft.com/office/drawing/2014/main" id="{F581A80B-F53B-1FDB-0BFE-B49ED3AB0D93}"/>
+                    <a16:creationId xmlns:a16="http://schemas.microsoft.com/office/drawing/2014/main" xmlns="" id="{F581A80B-F53B-1FDB-0BFE-B49ED3AB0D93}"/>
                   </a:ext>
                 </a:extLst>
               </p:cNvPr>
@@ -27952,7 +27952,7 @@
             <p:cNvPr id="25" name="그룹 1010">
               <a:extLst>
                 <a:ext uri="{FF2B5EF4-FFF2-40B4-BE49-F238E27FC236}">
-                  <a16:creationId xmlns:a16="http://schemas.microsoft.com/office/drawing/2014/main" id="{263445D0-0D59-DAB0-326A-FA9A22E6A702}"/>
+                  <a16:creationId xmlns:a16="http://schemas.microsoft.com/office/drawing/2014/main" xmlns="" id="{263445D0-0D59-DAB0-326A-FA9A22E6A702}"/>
                 </a:ext>
               </a:extLst>
             </p:cNvPr>
@@ -27972,7 +27972,7 @@
               <p:cNvPr id="28" name="Object 32">
                 <a:extLst>
                   <a:ext uri="{FF2B5EF4-FFF2-40B4-BE49-F238E27FC236}">
-                    <a16:creationId xmlns:a16="http://schemas.microsoft.com/office/drawing/2014/main" id="{D036B9F8-9AE6-73A9-4C97-51D48FFE55CF}"/>
+                    <a16:creationId xmlns:a16="http://schemas.microsoft.com/office/drawing/2014/main" xmlns="" id="{D036B9F8-9AE6-73A9-4C97-51D48FFE55CF}"/>
                   </a:ext>
                 </a:extLst>
               </p:cNvPr>
@@ -28003,7 +28003,7 @@
             <p:cNvPr id="26" name="그룹 1011">
               <a:extLst>
                 <a:ext uri="{FF2B5EF4-FFF2-40B4-BE49-F238E27FC236}">
-                  <a16:creationId xmlns:a16="http://schemas.microsoft.com/office/drawing/2014/main" id="{92A9988F-B3F3-D61E-C60A-0C1BEA761B1B}"/>
+                  <a16:creationId xmlns:a16="http://schemas.microsoft.com/office/drawing/2014/main" xmlns="" id="{92A9988F-B3F3-D61E-C60A-0C1BEA761B1B}"/>
                 </a:ext>
               </a:extLst>
             </p:cNvPr>
@@ -28023,7 +28023,7 @@
               <p:cNvPr id="27" name="Object 35">
                 <a:extLst>
                   <a:ext uri="{FF2B5EF4-FFF2-40B4-BE49-F238E27FC236}">
-                    <a16:creationId xmlns:a16="http://schemas.microsoft.com/office/drawing/2014/main" id="{9B375B0F-F41D-95EC-D329-D3C401A98EF3}"/>
+                    <a16:creationId xmlns:a16="http://schemas.microsoft.com/office/drawing/2014/main" xmlns="" id="{9B375B0F-F41D-95EC-D329-D3C401A98EF3}"/>
                   </a:ext>
                 </a:extLst>
               </p:cNvPr>
@@ -28055,7 +28055,7 @@
           <p:cNvPr id="31" name="그림 30">
             <a:extLst>
               <a:ext uri="{FF2B5EF4-FFF2-40B4-BE49-F238E27FC236}">
-                <a16:creationId xmlns:a16="http://schemas.microsoft.com/office/drawing/2014/main" id="{620A2D5B-49C7-1419-105E-661767528874}"/>
+                <a16:creationId xmlns:a16="http://schemas.microsoft.com/office/drawing/2014/main" xmlns="" id="{620A2D5B-49C7-1419-105E-661767528874}"/>
               </a:ext>
             </a:extLst>
           </p:cNvPr>
@@ -28265,7 +28265,7 @@
           <p:cNvPr id="5" name="그림 4">
             <a:extLst>
               <a:ext uri="{FF2B5EF4-FFF2-40B4-BE49-F238E27FC236}">
-                <a16:creationId xmlns:a16="http://schemas.microsoft.com/office/drawing/2014/main" id="{DB0C8385-E0E7-4893-7A6A-722C740EB2A9}"/>
+                <a16:creationId xmlns:a16="http://schemas.microsoft.com/office/drawing/2014/main" xmlns="" id="{DB0C8385-E0E7-4893-7A6A-722C740EB2A9}"/>
               </a:ext>
             </a:extLst>
           </p:cNvPr>
@@ -28295,7 +28295,7 @@
           <p:cNvPr id="6" name="TextBox 5">
             <a:extLst>
               <a:ext uri="{FF2B5EF4-FFF2-40B4-BE49-F238E27FC236}">
-                <a16:creationId xmlns:a16="http://schemas.microsoft.com/office/drawing/2014/main" id="{9A8229E9-EB65-F905-4261-66E50BCA2CF3}"/>
+                <a16:creationId xmlns:a16="http://schemas.microsoft.com/office/drawing/2014/main" xmlns="" id="{9A8229E9-EB65-F905-4261-66E50BCA2CF3}"/>
               </a:ext>
             </a:extLst>
           </p:cNvPr>
@@ -28373,7 +28373,7 @@
           <p:cNvPr id="4" name="TextBox 3">
             <a:extLst>
               <a:ext uri="{FF2B5EF4-FFF2-40B4-BE49-F238E27FC236}">
-                <a16:creationId xmlns:a16="http://schemas.microsoft.com/office/drawing/2014/main" id="{F1478710-E2EE-B0C7-6BBB-1625FA088142}"/>
+                <a16:creationId xmlns:a16="http://schemas.microsoft.com/office/drawing/2014/main" xmlns="" id="{F1478710-E2EE-B0C7-6BBB-1625FA088142}"/>
               </a:ext>
             </a:extLst>
           </p:cNvPr>
@@ -28481,7 +28481,7 @@
           <p:cNvPr id="36" name="그룹 1016">
             <a:extLst>
               <a:ext uri="{FF2B5EF4-FFF2-40B4-BE49-F238E27FC236}">
-                <a16:creationId xmlns:a16="http://schemas.microsoft.com/office/drawing/2014/main" id="{54A67850-E454-4FB6-9972-D45AD5944D22}"/>
+                <a16:creationId xmlns:a16="http://schemas.microsoft.com/office/drawing/2014/main" xmlns="" id="{54A67850-E454-4FB6-9972-D45AD5944D22}"/>
               </a:ext>
             </a:extLst>
           </p:cNvPr>
@@ -28501,7 +28501,7 @@
             <p:cNvPr id="37" name="Object 49">
               <a:extLst>
                 <a:ext uri="{FF2B5EF4-FFF2-40B4-BE49-F238E27FC236}">
-                  <a16:creationId xmlns:a16="http://schemas.microsoft.com/office/drawing/2014/main" id="{5F0358BD-68D5-2C8A-01A9-8CF584C61C7C}"/>
+                  <a16:creationId xmlns:a16="http://schemas.microsoft.com/office/drawing/2014/main" xmlns="" id="{5F0358BD-68D5-2C8A-01A9-8CF584C61C7C}"/>
                 </a:ext>
               </a:extLst>
             </p:cNvPr>
@@ -28532,7 +28532,7 @@
           <p:cNvPr id="45" name="그룹 1019">
             <a:extLst>
               <a:ext uri="{FF2B5EF4-FFF2-40B4-BE49-F238E27FC236}">
-                <a16:creationId xmlns:a16="http://schemas.microsoft.com/office/drawing/2014/main" id="{6B69C343-DD18-F34E-F12E-D0774B8EF435}"/>
+                <a16:creationId xmlns:a16="http://schemas.microsoft.com/office/drawing/2014/main" xmlns="" id="{6B69C343-DD18-F34E-F12E-D0774B8EF435}"/>
               </a:ext>
             </a:extLst>
           </p:cNvPr>
@@ -28552,7 +28552,7 @@
             <p:cNvPr id="46" name="Object 61">
               <a:extLst>
                 <a:ext uri="{FF2B5EF4-FFF2-40B4-BE49-F238E27FC236}">
-                  <a16:creationId xmlns:a16="http://schemas.microsoft.com/office/drawing/2014/main" id="{600B8B3A-726A-4DED-B19E-3C68D18CF8CA}"/>
+                  <a16:creationId xmlns:a16="http://schemas.microsoft.com/office/drawing/2014/main" xmlns="" id="{600B8B3A-726A-4DED-B19E-3C68D18CF8CA}"/>
                 </a:ext>
               </a:extLst>
             </p:cNvPr>
@@ -28583,7 +28583,7 @@
           <p:cNvPr id="53" name="그룹 1023">
             <a:extLst>
               <a:ext uri="{FF2B5EF4-FFF2-40B4-BE49-F238E27FC236}">
-                <a16:creationId xmlns:a16="http://schemas.microsoft.com/office/drawing/2014/main" id="{AAB2255C-7D6F-0E11-6FB5-ED3977EAEC85}"/>
+                <a16:creationId xmlns:a16="http://schemas.microsoft.com/office/drawing/2014/main" xmlns="" id="{AAB2255C-7D6F-0E11-6FB5-ED3977EAEC85}"/>
               </a:ext>
             </a:extLst>
           </p:cNvPr>
@@ -28603,7 +28603,7 @@
             <p:cNvPr id="54" name="Object 73">
               <a:extLst>
                 <a:ext uri="{FF2B5EF4-FFF2-40B4-BE49-F238E27FC236}">
-                  <a16:creationId xmlns:a16="http://schemas.microsoft.com/office/drawing/2014/main" id="{0D22F622-37E6-1712-C655-58E26D4A68DD}"/>
+                  <a16:creationId xmlns:a16="http://schemas.microsoft.com/office/drawing/2014/main" xmlns="" id="{0D22F622-37E6-1712-C655-58E26D4A68DD}"/>
                 </a:ext>
               </a:extLst>
             </p:cNvPr>
@@ -28634,7 +28634,7 @@
           <p:cNvPr id="55" name="그룹 1024">
             <a:extLst>
               <a:ext uri="{FF2B5EF4-FFF2-40B4-BE49-F238E27FC236}">
-                <a16:creationId xmlns:a16="http://schemas.microsoft.com/office/drawing/2014/main" id="{219CB247-D712-B844-304C-A4AA71074F3A}"/>
+                <a16:creationId xmlns:a16="http://schemas.microsoft.com/office/drawing/2014/main" xmlns="" id="{219CB247-D712-B844-304C-A4AA71074F3A}"/>
               </a:ext>
             </a:extLst>
           </p:cNvPr>
@@ -28654,7 +28654,7 @@
             <p:cNvPr id="56" name="Object 76">
               <a:extLst>
                 <a:ext uri="{FF2B5EF4-FFF2-40B4-BE49-F238E27FC236}">
-                  <a16:creationId xmlns:a16="http://schemas.microsoft.com/office/drawing/2014/main" id="{C854F900-0C6C-097F-89BE-6CC66DAB7E53}"/>
+                  <a16:creationId xmlns:a16="http://schemas.microsoft.com/office/drawing/2014/main" xmlns="" id="{C854F900-0C6C-097F-89BE-6CC66DAB7E53}"/>
                 </a:ext>
               </a:extLst>
             </p:cNvPr>
@@ -28685,7 +28685,7 @@
           <p:cNvPr id="57" name="그룹 1025">
             <a:extLst>
               <a:ext uri="{FF2B5EF4-FFF2-40B4-BE49-F238E27FC236}">
-                <a16:creationId xmlns:a16="http://schemas.microsoft.com/office/drawing/2014/main" id="{FF4EEDBD-F51A-D06C-372A-9976F07A98BC}"/>
+                <a16:creationId xmlns:a16="http://schemas.microsoft.com/office/drawing/2014/main" xmlns="" id="{FF4EEDBD-F51A-D06C-372A-9976F07A98BC}"/>
               </a:ext>
             </a:extLst>
           </p:cNvPr>
@@ -28705,7 +28705,7 @@
             <p:cNvPr id="58" name="Object 79">
               <a:extLst>
                 <a:ext uri="{FF2B5EF4-FFF2-40B4-BE49-F238E27FC236}">
-                  <a16:creationId xmlns:a16="http://schemas.microsoft.com/office/drawing/2014/main" id="{4FD9F1F7-F9F4-373A-31D8-AFD094055F49}"/>
+                  <a16:creationId xmlns:a16="http://schemas.microsoft.com/office/drawing/2014/main" xmlns="" id="{4FD9F1F7-F9F4-373A-31D8-AFD094055F49}"/>
                 </a:ext>
               </a:extLst>
             </p:cNvPr>
@@ -28736,7 +28736,7 @@
           <p:cNvPr id="64" name="그룹 1029">
             <a:extLst>
               <a:ext uri="{FF2B5EF4-FFF2-40B4-BE49-F238E27FC236}">
-                <a16:creationId xmlns:a16="http://schemas.microsoft.com/office/drawing/2014/main" id="{A90A8FF5-E3F5-F795-C0E8-AC530FF7C8B1}"/>
+                <a16:creationId xmlns:a16="http://schemas.microsoft.com/office/drawing/2014/main" xmlns="" id="{A90A8FF5-E3F5-F795-C0E8-AC530FF7C8B1}"/>
               </a:ext>
             </a:extLst>
           </p:cNvPr>
@@ -28756,7 +28756,7 @@
             <p:cNvPr id="65" name="Object 90">
               <a:extLst>
                 <a:ext uri="{FF2B5EF4-FFF2-40B4-BE49-F238E27FC236}">
-                  <a16:creationId xmlns:a16="http://schemas.microsoft.com/office/drawing/2014/main" id="{3BC9E597-19B0-39F9-44D3-9AC6937AE8E9}"/>
+                  <a16:creationId xmlns:a16="http://schemas.microsoft.com/office/drawing/2014/main" xmlns="" id="{3BC9E597-19B0-39F9-44D3-9AC6937AE8E9}"/>
                 </a:ext>
               </a:extLst>
             </p:cNvPr>
@@ -28787,7 +28787,7 @@
           <p:cNvPr id="67" name="그룹 1030">
             <a:extLst>
               <a:ext uri="{FF2B5EF4-FFF2-40B4-BE49-F238E27FC236}">
-                <a16:creationId xmlns:a16="http://schemas.microsoft.com/office/drawing/2014/main" id="{04004D30-1162-EEA0-B5DE-2B7AA5D6852D}"/>
+                <a16:creationId xmlns:a16="http://schemas.microsoft.com/office/drawing/2014/main" xmlns="" id="{04004D30-1162-EEA0-B5DE-2B7AA5D6852D}"/>
               </a:ext>
             </a:extLst>
           </p:cNvPr>
@@ -28807,7 +28807,7 @@
             <p:cNvPr id="68" name="Object 94">
               <a:extLst>
                 <a:ext uri="{FF2B5EF4-FFF2-40B4-BE49-F238E27FC236}">
-                  <a16:creationId xmlns:a16="http://schemas.microsoft.com/office/drawing/2014/main" id="{D4D931A9-B041-86A3-F804-C999954CEF07}"/>
+                  <a16:creationId xmlns:a16="http://schemas.microsoft.com/office/drawing/2014/main" xmlns="" id="{D4D931A9-B041-86A3-F804-C999954CEF07}"/>
                 </a:ext>
               </a:extLst>
             </p:cNvPr>
@@ -28838,7 +28838,7 @@
           <p:cNvPr id="76" name="그룹 1033">
             <a:extLst>
               <a:ext uri="{FF2B5EF4-FFF2-40B4-BE49-F238E27FC236}">
-                <a16:creationId xmlns:a16="http://schemas.microsoft.com/office/drawing/2014/main" id="{A3029704-98EF-DB97-2587-888E5A70AC7B}"/>
+                <a16:creationId xmlns:a16="http://schemas.microsoft.com/office/drawing/2014/main" xmlns="" id="{A3029704-98EF-DB97-2587-888E5A70AC7B}"/>
               </a:ext>
             </a:extLst>
           </p:cNvPr>
@@ -28858,7 +28858,7 @@
             <p:cNvPr id="77" name="Object 106">
               <a:extLst>
                 <a:ext uri="{FF2B5EF4-FFF2-40B4-BE49-F238E27FC236}">
-                  <a16:creationId xmlns:a16="http://schemas.microsoft.com/office/drawing/2014/main" id="{17D0DB0F-095C-9B1B-BBE3-F6437F47A712}"/>
+                  <a16:creationId xmlns:a16="http://schemas.microsoft.com/office/drawing/2014/main" xmlns="" id="{17D0DB0F-095C-9B1B-BBE3-F6437F47A712}"/>
                 </a:ext>
               </a:extLst>
             </p:cNvPr>
@@ -28888,7 +28888,7 @@
             <p:cNvPr id="78" name="Object 107">
               <a:extLst>
                 <a:ext uri="{FF2B5EF4-FFF2-40B4-BE49-F238E27FC236}">
-                  <a16:creationId xmlns:a16="http://schemas.microsoft.com/office/drawing/2014/main" id="{B5F5C157-D6A9-9B33-D522-803803AB10EF}"/>
+                  <a16:creationId xmlns:a16="http://schemas.microsoft.com/office/drawing/2014/main" xmlns="" id="{B5F5C157-D6A9-9B33-D522-803803AB10EF}"/>
                 </a:ext>
               </a:extLst>
             </p:cNvPr>
@@ -28919,7 +28919,7 @@
           <p:cNvPr id="79" name="그룹 1034">
             <a:extLst>
               <a:ext uri="{FF2B5EF4-FFF2-40B4-BE49-F238E27FC236}">
-                <a16:creationId xmlns:a16="http://schemas.microsoft.com/office/drawing/2014/main" id="{85A7CAAF-B959-1338-755E-BF20C4AC7A1E}"/>
+                <a16:creationId xmlns:a16="http://schemas.microsoft.com/office/drawing/2014/main" xmlns="" id="{85A7CAAF-B959-1338-755E-BF20C4AC7A1E}"/>
               </a:ext>
             </a:extLst>
           </p:cNvPr>
@@ -28939,7 +28939,7 @@
             <p:cNvPr id="80" name="Object 110">
               <a:extLst>
                 <a:ext uri="{FF2B5EF4-FFF2-40B4-BE49-F238E27FC236}">
-                  <a16:creationId xmlns:a16="http://schemas.microsoft.com/office/drawing/2014/main" id="{EB44F4BD-6CB6-3C58-A07A-97BEFA44C307}"/>
+                  <a16:creationId xmlns:a16="http://schemas.microsoft.com/office/drawing/2014/main" xmlns="" id="{EB44F4BD-6CB6-3C58-A07A-97BEFA44C307}"/>
                 </a:ext>
               </a:extLst>
             </p:cNvPr>
@@ -28970,7 +28970,7 @@
           <p:cNvPr id="81" name="TextBox 80">
             <a:extLst>
               <a:ext uri="{FF2B5EF4-FFF2-40B4-BE49-F238E27FC236}">
-                <a16:creationId xmlns:a16="http://schemas.microsoft.com/office/drawing/2014/main" id="{E0322117-BBD0-A4C9-7376-4301DB7A556B}"/>
+                <a16:creationId xmlns:a16="http://schemas.microsoft.com/office/drawing/2014/main" xmlns="" id="{E0322117-BBD0-A4C9-7376-4301DB7A556B}"/>
               </a:ext>
             </a:extLst>
           </p:cNvPr>
@@ -29018,7 +29018,7 @@
           <p:cNvPr id="82" name="TextBox 81">
             <a:extLst>
               <a:ext uri="{FF2B5EF4-FFF2-40B4-BE49-F238E27FC236}">
-                <a16:creationId xmlns:a16="http://schemas.microsoft.com/office/drawing/2014/main" id="{C8D84E21-806E-AEC6-DE72-4082AA67ABDB}"/>
+                <a16:creationId xmlns:a16="http://schemas.microsoft.com/office/drawing/2014/main" xmlns="" id="{C8D84E21-806E-AEC6-DE72-4082AA67ABDB}"/>
               </a:ext>
             </a:extLst>
           </p:cNvPr>
@@ -29066,7 +29066,7 @@
           <p:cNvPr id="84" name="그룹 1015">
             <a:extLst>
               <a:ext uri="{FF2B5EF4-FFF2-40B4-BE49-F238E27FC236}">
-                <a16:creationId xmlns:a16="http://schemas.microsoft.com/office/drawing/2014/main" id="{A0D4ABA4-4695-3E9D-1609-83C613A9FA7E}"/>
+                <a16:creationId xmlns:a16="http://schemas.microsoft.com/office/drawing/2014/main" xmlns="" id="{A0D4ABA4-4695-3E9D-1609-83C613A9FA7E}"/>
               </a:ext>
             </a:extLst>
           </p:cNvPr>
@@ -29086,7 +29086,7 @@
             <p:cNvPr id="86" name="Object 44">
               <a:extLst>
                 <a:ext uri="{FF2B5EF4-FFF2-40B4-BE49-F238E27FC236}">
-                  <a16:creationId xmlns:a16="http://schemas.microsoft.com/office/drawing/2014/main" id="{50E5CCC1-019B-CDBF-8450-40D17909D944}"/>
+                  <a16:creationId xmlns:a16="http://schemas.microsoft.com/office/drawing/2014/main" xmlns="" id="{50E5CCC1-019B-CDBF-8450-40D17909D944}"/>
                 </a:ext>
               </a:extLst>
             </p:cNvPr>
@@ -29117,7 +29117,7 @@
           <p:cNvPr id="87" name="TextBox 86">
             <a:extLst>
               <a:ext uri="{FF2B5EF4-FFF2-40B4-BE49-F238E27FC236}">
-                <a16:creationId xmlns:a16="http://schemas.microsoft.com/office/drawing/2014/main" id="{095BDCA4-3049-CECE-826A-80CAA82B4FB1}"/>
+                <a16:creationId xmlns:a16="http://schemas.microsoft.com/office/drawing/2014/main" xmlns="" id="{095BDCA4-3049-CECE-826A-80CAA82B4FB1}"/>
               </a:ext>
             </a:extLst>
           </p:cNvPr>
@@ -29171,7 +29171,7 @@
           <p:cNvPr id="88" name="TextBox 87">
             <a:extLst>
               <a:ext uri="{FF2B5EF4-FFF2-40B4-BE49-F238E27FC236}">
-                <a16:creationId xmlns:a16="http://schemas.microsoft.com/office/drawing/2014/main" id="{3CDD64B9-6609-FC6C-C85F-70D28C60A1D4}"/>
+                <a16:creationId xmlns:a16="http://schemas.microsoft.com/office/drawing/2014/main" xmlns="" id="{3CDD64B9-6609-FC6C-C85F-70D28C60A1D4}"/>
               </a:ext>
             </a:extLst>
           </p:cNvPr>
@@ -29228,7 +29228,7 @@
           <p:cNvPr id="89" name="TextBox 88">
             <a:extLst>
               <a:ext uri="{FF2B5EF4-FFF2-40B4-BE49-F238E27FC236}">
-                <a16:creationId xmlns:a16="http://schemas.microsoft.com/office/drawing/2014/main" id="{E1378157-8663-9B56-AC3D-C7404C0AD4B0}"/>
+                <a16:creationId xmlns:a16="http://schemas.microsoft.com/office/drawing/2014/main" xmlns="" id="{E1378157-8663-9B56-AC3D-C7404C0AD4B0}"/>
               </a:ext>
             </a:extLst>
           </p:cNvPr>
@@ -29285,7 +29285,7 @@
           <p:cNvPr id="90" name="TextBox 89">
             <a:extLst>
               <a:ext uri="{FF2B5EF4-FFF2-40B4-BE49-F238E27FC236}">
-                <a16:creationId xmlns:a16="http://schemas.microsoft.com/office/drawing/2014/main" id="{BF2BF8EF-B7E3-72AE-11F4-614B6AAF39E5}"/>
+                <a16:creationId xmlns:a16="http://schemas.microsoft.com/office/drawing/2014/main" xmlns="" id="{BF2BF8EF-B7E3-72AE-11F4-614B6AAF39E5}"/>
               </a:ext>
             </a:extLst>
           </p:cNvPr>
@@ -29372,7 +29372,7 @@
           <p:cNvPr id="4" name="TextBox 3">
             <a:extLst>
               <a:ext uri="{FF2B5EF4-FFF2-40B4-BE49-F238E27FC236}">
-                <a16:creationId xmlns:a16="http://schemas.microsoft.com/office/drawing/2014/main" id="{3F415FE5-76FD-FB97-5474-3CDB77C77FA9}"/>
+                <a16:creationId xmlns:a16="http://schemas.microsoft.com/office/drawing/2014/main" xmlns="" id="{3F415FE5-76FD-FB97-5474-3CDB77C77FA9}"/>
               </a:ext>
             </a:extLst>
           </p:cNvPr>
@@ -29440,7 +29440,7 @@
           <p:cNvPr id="5" name="TextBox 4">
             <a:extLst>
               <a:ext uri="{FF2B5EF4-FFF2-40B4-BE49-F238E27FC236}">
-                <a16:creationId xmlns:a16="http://schemas.microsoft.com/office/drawing/2014/main" id="{D2E052D2-F463-06C3-07F5-83CB390D3112}"/>
+                <a16:creationId xmlns:a16="http://schemas.microsoft.com/office/drawing/2014/main" xmlns="" id="{D2E052D2-F463-06C3-07F5-83CB390D3112}"/>
               </a:ext>
             </a:extLst>
           </p:cNvPr>
@@ -29484,7 +29484,7 @@
           <p:cNvPr id="7" name="그림 6">
             <a:extLst>
               <a:ext uri="{FF2B5EF4-FFF2-40B4-BE49-F238E27FC236}">
-                <a16:creationId xmlns:a16="http://schemas.microsoft.com/office/drawing/2014/main" id="{7C003FF6-E554-6F96-DE2A-C4F74DA566CA}"/>
+                <a16:creationId xmlns:a16="http://schemas.microsoft.com/office/drawing/2014/main" xmlns="" id="{7C003FF6-E554-6F96-DE2A-C4F74DA566CA}"/>
               </a:ext>
             </a:extLst>
           </p:cNvPr>
@@ -29514,7 +29514,7 @@
           <p:cNvPr id="17" name="그림 16">
             <a:extLst>
               <a:ext uri="{FF2B5EF4-FFF2-40B4-BE49-F238E27FC236}">
-                <a16:creationId xmlns:a16="http://schemas.microsoft.com/office/drawing/2014/main" id="{8CC7E3E3-89E3-4515-2FA8-EA80F6A58D47}"/>
+                <a16:creationId xmlns:a16="http://schemas.microsoft.com/office/drawing/2014/main" xmlns="" id="{8CC7E3E3-89E3-4515-2FA8-EA80F6A58D47}"/>
               </a:ext>
             </a:extLst>
           </p:cNvPr>
@@ -29544,7 +29544,7 @@
           <p:cNvPr id="18" name="그림 17">
             <a:extLst>
               <a:ext uri="{FF2B5EF4-FFF2-40B4-BE49-F238E27FC236}">
-                <a16:creationId xmlns:a16="http://schemas.microsoft.com/office/drawing/2014/main" id="{C53618FB-7FB8-AD3E-3445-384D020D97B3}"/>
+                <a16:creationId xmlns:a16="http://schemas.microsoft.com/office/drawing/2014/main" xmlns="" id="{C53618FB-7FB8-AD3E-3445-384D020D97B3}"/>
               </a:ext>
             </a:extLst>
           </p:cNvPr>
@@ -29574,7 +29574,7 @@
           <p:cNvPr id="19" name="그림 18">
             <a:extLst>
               <a:ext uri="{FF2B5EF4-FFF2-40B4-BE49-F238E27FC236}">
-                <a16:creationId xmlns:a16="http://schemas.microsoft.com/office/drawing/2014/main" id="{74FDD2A2-1FF5-D08D-445F-4BD16209F1D3}"/>
+                <a16:creationId xmlns:a16="http://schemas.microsoft.com/office/drawing/2014/main" xmlns="" id="{74FDD2A2-1FF5-D08D-445F-4BD16209F1D3}"/>
               </a:ext>
             </a:extLst>
           </p:cNvPr>
@@ -29604,7 +29604,7 @@
           <p:cNvPr id="20" name="그림 19">
             <a:extLst>
               <a:ext uri="{FF2B5EF4-FFF2-40B4-BE49-F238E27FC236}">
-                <a16:creationId xmlns:a16="http://schemas.microsoft.com/office/drawing/2014/main" id="{179B4922-2424-08AA-5BBF-BD43FD18E551}"/>
+                <a16:creationId xmlns:a16="http://schemas.microsoft.com/office/drawing/2014/main" xmlns="" id="{179B4922-2424-08AA-5BBF-BD43FD18E551}"/>
               </a:ext>
             </a:extLst>
           </p:cNvPr>
@@ -29634,7 +29634,7 @@
           <p:cNvPr id="21" name="그림 20">
             <a:extLst>
               <a:ext uri="{FF2B5EF4-FFF2-40B4-BE49-F238E27FC236}">
-                <a16:creationId xmlns:a16="http://schemas.microsoft.com/office/drawing/2014/main" id="{FC1A38A8-F255-BF2A-F5D8-F66BABD7B277}"/>
+                <a16:creationId xmlns:a16="http://schemas.microsoft.com/office/drawing/2014/main" xmlns="" id="{FC1A38A8-F255-BF2A-F5D8-F66BABD7B277}"/>
               </a:ext>
             </a:extLst>
           </p:cNvPr>
@@ -29664,7 +29664,7 @@
           <p:cNvPr id="22" name="TextBox 21">
             <a:extLst>
               <a:ext uri="{FF2B5EF4-FFF2-40B4-BE49-F238E27FC236}">
-                <a16:creationId xmlns:a16="http://schemas.microsoft.com/office/drawing/2014/main" id="{CFF7A884-BA8D-FF71-4905-99ED2A9B46B1}"/>
+                <a16:creationId xmlns:a16="http://schemas.microsoft.com/office/drawing/2014/main" xmlns="" id="{CFF7A884-BA8D-FF71-4905-99ED2A9B46B1}"/>
               </a:ext>
             </a:extLst>
           </p:cNvPr>
@@ -29705,7 +29705,7 @@
           <p:cNvPr id="23" name="TextBox 22">
             <a:extLst>
               <a:ext uri="{FF2B5EF4-FFF2-40B4-BE49-F238E27FC236}">
-                <a16:creationId xmlns:a16="http://schemas.microsoft.com/office/drawing/2014/main" id="{DA940BE0-753B-E21B-7F31-F220E357478A}"/>
+                <a16:creationId xmlns:a16="http://schemas.microsoft.com/office/drawing/2014/main" xmlns="" id="{DA940BE0-753B-E21B-7F31-F220E357478A}"/>
               </a:ext>
             </a:extLst>
           </p:cNvPr>
@@ -29746,7 +29746,7 @@
           <p:cNvPr id="24" name="TextBox 23">
             <a:extLst>
               <a:ext uri="{FF2B5EF4-FFF2-40B4-BE49-F238E27FC236}">
-                <a16:creationId xmlns:a16="http://schemas.microsoft.com/office/drawing/2014/main" id="{252B4051-490D-F760-F48A-14AFC0110187}"/>
+                <a16:creationId xmlns:a16="http://schemas.microsoft.com/office/drawing/2014/main" xmlns="" id="{252B4051-490D-F760-F48A-14AFC0110187}"/>
               </a:ext>
             </a:extLst>
           </p:cNvPr>
@@ -29787,7 +29787,7 @@
           <p:cNvPr id="25" name="TextBox 24">
             <a:extLst>
               <a:ext uri="{FF2B5EF4-FFF2-40B4-BE49-F238E27FC236}">
-                <a16:creationId xmlns:a16="http://schemas.microsoft.com/office/drawing/2014/main" id="{42002CF9-F120-A996-7FF6-01FE79FC6695}"/>
+                <a16:creationId xmlns:a16="http://schemas.microsoft.com/office/drawing/2014/main" xmlns="" id="{42002CF9-F120-A996-7FF6-01FE79FC6695}"/>
               </a:ext>
             </a:extLst>
           </p:cNvPr>
@@ -29828,7 +29828,7 @@
           <p:cNvPr id="26" name="TextBox 25">
             <a:extLst>
               <a:ext uri="{FF2B5EF4-FFF2-40B4-BE49-F238E27FC236}">
-                <a16:creationId xmlns:a16="http://schemas.microsoft.com/office/drawing/2014/main" id="{615B5811-236B-BEA4-02F0-1CADCB6EBDB9}"/>
+                <a16:creationId xmlns:a16="http://schemas.microsoft.com/office/drawing/2014/main" xmlns="" id="{615B5811-236B-BEA4-02F0-1CADCB6EBDB9}"/>
               </a:ext>
             </a:extLst>
           </p:cNvPr>
@@ -29869,7 +29869,7 @@
           <p:cNvPr id="27" name="TextBox 26">
             <a:extLst>
               <a:ext uri="{FF2B5EF4-FFF2-40B4-BE49-F238E27FC236}">
-                <a16:creationId xmlns:a16="http://schemas.microsoft.com/office/drawing/2014/main" id="{34F87272-6EB0-4FBA-3852-85D0DE167050}"/>
+                <a16:creationId xmlns:a16="http://schemas.microsoft.com/office/drawing/2014/main" xmlns="" id="{34F87272-6EB0-4FBA-3852-85D0DE167050}"/>
               </a:ext>
             </a:extLst>
           </p:cNvPr>
@@ -29910,7 +29910,7 @@
           <p:cNvPr id="28" name="TextBox 27">
             <a:extLst>
               <a:ext uri="{FF2B5EF4-FFF2-40B4-BE49-F238E27FC236}">
-                <a16:creationId xmlns:a16="http://schemas.microsoft.com/office/drawing/2014/main" id="{A3AD7700-2068-CFCD-CCF3-54B2F6C46BFD}"/>
+                <a16:creationId xmlns:a16="http://schemas.microsoft.com/office/drawing/2014/main" xmlns="" id="{A3AD7700-2068-CFCD-CCF3-54B2F6C46BFD}"/>
               </a:ext>
             </a:extLst>
           </p:cNvPr>
@@ -29951,7 +29951,7 @@
           <p:cNvPr id="29" name="TextBox 28">
             <a:extLst>
               <a:ext uri="{FF2B5EF4-FFF2-40B4-BE49-F238E27FC236}">
-                <a16:creationId xmlns:a16="http://schemas.microsoft.com/office/drawing/2014/main" id="{4197ADEC-5FE2-838C-63B7-08A3103635ED}"/>
+                <a16:creationId xmlns:a16="http://schemas.microsoft.com/office/drawing/2014/main" xmlns="" id="{4197ADEC-5FE2-838C-63B7-08A3103635ED}"/>
               </a:ext>
             </a:extLst>
           </p:cNvPr>
@@ -29992,7 +29992,7 @@
           <p:cNvPr id="30" name="TextBox 29">
             <a:extLst>
               <a:ext uri="{FF2B5EF4-FFF2-40B4-BE49-F238E27FC236}">
-                <a16:creationId xmlns:a16="http://schemas.microsoft.com/office/drawing/2014/main" id="{5DB8A77A-28EF-00B7-40CC-3E52C306196C}"/>
+                <a16:creationId xmlns:a16="http://schemas.microsoft.com/office/drawing/2014/main" xmlns="" id="{5DB8A77A-28EF-00B7-40CC-3E52C306196C}"/>
               </a:ext>
             </a:extLst>
           </p:cNvPr>
@@ -30033,7 +30033,7 @@
           <p:cNvPr id="31" name="TextBox 30">
             <a:extLst>
               <a:ext uri="{FF2B5EF4-FFF2-40B4-BE49-F238E27FC236}">
-                <a16:creationId xmlns:a16="http://schemas.microsoft.com/office/drawing/2014/main" id="{5C771742-C17A-0D40-3B69-3A2C56008BD0}"/>
+                <a16:creationId xmlns:a16="http://schemas.microsoft.com/office/drawing/2014/main" xmlns="" id="{5C771742-C17A-0D40-3B69-3A2C56008BD0}"/>
               </a:ext>
             </a:extLst>
           </p:cNvPr>
@@ -30074,7 +30074,7 @@
           <p:cNvPr id="32" name="TextBox 31">
             <a:extLst>
               <a:ext uri="{FF2B5EF4-FFF2-40B4-BE49-F238E27FC236}">
-                <a16:creationId xmlns:a16="http://schemas.microsoft.com/office/drawing/2014/main" id="{DD00BD43-0250-B3D9-49D0-B0DFAD56C193}"/>
+                <a16:creationId xmlns:a16="http://schemas.microsoft.com/office/drawing/2014/main" xmlns="" id="{DD00BD43-0250-B3D9-49D0-B0DFAD56C193}"/>
               </a:ext>
             </a:extLst>
           </p:cNvPr>
@@ -30115,7 +30115,7 @@
           <p:cNvPr id="33" name="TextBox 32">
             <a:extLst>
               <a:ext uri="{FF2B5EF4-FFF2-40B4-BE49-F238E27FC236}">
-                <a16:creationId xmlns:a16="http://schemas.microsoft.com/office/drawing/2014/main" id="{ED079721-F936-F673-44F3-C99E8C84C06C}"/>
+                <a16:creationId xmlns:a16="http://schemas.microsoft.com/office/drawing/2014/main" xmlns="" id="{ED079721-F936-F673-44F3-C99E8C84C06C}"/>
               </a:ext>
             </a:extLst>
           </p:cNvPr>
@@ -30156,7 +30156,7 @@
           <p:cNvPr id="34" name="TextBox 33">
             <a:extLst>
               <a:ext uri="{FF2B5EF4-FFF2-40B4-BE49-F238E27FC236}">
-                <a16:creationId xmlns:a16="http://schemas.microsoft.com/office/drawing/2014/main" id="{D925FB5E-792F-9FDD-BD3E-99CFCEBA20D3}"/>
+                <a16:creationId xmlns:a16="http://schemas.microsoft.com/office/drawing/2014/main" xmlns="" id="{D925FB5E-792F-9FDD-BD3E-99CFCEBA20D3}"/>
               </a:ext>
             </a:extLst>
           </p:cNvPr>
@@ -30197,7 +30197,7 @@
           <p:cNvPr id="35" name="TextBox 34">
             <a:extLst>
               <a:ext uri="{FF2B5EF4-FFF2-40B4-BE49-F238E27FC236}">
-                <a16:creationId xmlns:a16="http://schemas.microsoft.com/office/drawing/2014/main" id="{DF6AA7ED-5665-8EF9-3A66-AC8A2C361B48}"/>
+                <a16:creationId xmlns:a16="http://schemas.microsoft.com/office/drawing/2014/main" xmlns="" id="{DF6AA7ED-5665-8EF9-3A66-AC8A2C361B48}"/>
               </a:ext>
             </a:extLst>
           </p:cNvPr>
@@ -31169,7 +31169,7 @@
           <p:cNvPr id="4" name="TextBox 3">
             <a:extLst>
               <a:ext uri="{FF2B5EF4-FFF2-40B4-BE49-F238E27FC236}">
-                <a16:creationId xmlns:a16="http://schemas.microsoft.com/office/drawing/2014/main" id="{DF7DDD33-9412-2802-339A-E55446AC2DA7}"/>
+                <a16:creationId xmlns:a16="http://schemas.microsoft.com/office/drawing/2014/main" xmlns="" id="{DF7DDD33-9412-2802-339A-E55446AC2DA7}"/>
               </a:ext>
             </a:extLst>
           </p:cNvPr>
@@ -31267,7 +31267,7 @@
           <p:cNvPr id="5" name="그림 4">
             <a:extLst>
               <a:ext uri="{FF2B5EF4-FFF2-40B4-BE49-F238E27FC236}">
-                <a16:creationId xmlns:a16="http://schemas.microsoft.com/office/drawing/2014/main" id="{CEE2DE3F-058D-C522-8D11-5AB0CCBF2B08}"/>
+                <a16:creationId xmlns:a16="http://schemas.microsoft.com/office/drawing/2014/main" xmlns="" id="{CEE2DE3F-058D-C522-8D11-5AB0CCBF2B08}"/>
               </a:ext>
             </a:extLst>
           </p:cNvPr>
@@ -31297,7 +31297,7 @@
           <p:cNvPr id="6" name="직선 화살표 연결선 5">
             <a:extLst>
               <a:ext uri="{FF2B5EF4-FFF2-40B4-BE49-F238E27FC236}">
-                <a16:creationId xmlns:a16="http://schemas.microsoft.com/office/drawing/2014/main" id="{DACE99B5-2B6E-2D61-1FA2-17305EEC34F4}"/>
+                <a16:creationId xmlns:a16="http://schemas.microsoft.com/office/drawing/2014/main" xmlns="" id="{DACE99B5-2B6E-2D61-1FA2-17305EEC34F4}"/>
               </a:ext>
             </a:extLst>
           </p:cNvPr>
@@ -31338,7 +31338,7 @@
           <p:cNvPr id="7" name="직사각형 6">
             <a:extLst>
               <a:ext uri="{FF2B5EF4-FFF2-40B4-BE49-F238E27FC236}">
-                <a16:creationId xmlns:a16="http://schemas.microsoft.com/office/drawing/2014/main" id="{4469FA68-206D-3A87-3872-B35D14D8136C}"/>
+                <a16:creationId xmlns:a16="http://schemas.microsoft.com/office/drawing/2014/main" xmlns="" id="{4469FA68-206D-3A87-3872-B35D14D8136C}"/>
               </a:ext>
             </a:extLst>
           </p:cNvPr>
@@ -31390,7 +31390,7 @@
           <p:cNvPr id="8" name="TextBox 7">
             <a:extLst>
               <a:ext uri="{FF2B5EF4-FFF2-40B4-BE49-F238E27FC236}">
-                <a16:creationId xmlns:a16="http://schemas.microsoft.com/office/drawing/2014/main" id="{3639943C-2D6D-9CBF-67F7-16ADE685FFFB}"/>
+                <a16:creationId xmlns:a16="http://schemas.microsoft.com/office/drawing/2014/main" xmlns="" id="{3639943C-2D6D-9CBF-67F7-16ADE685FFFB}"/>
               </a:ext>
             </a:extLst>
           </p:cNvPr>
@@ -31521,7 +31521,7 @@
           <p:cNvPr id="24" name="그림 23">
             <a:extLst>
               <a:ext uri="{FF2B5EF4-FFF2-40B4-BE49-F238E27FC236}">
-                <a16:creationId xmlns:a16="http://schemas.microsoft.com/office/drawing/2014/main" id="{253C9234-233D-2B45-BDE3-4715CDA6F520}"/>
+                <a16:creationId xmlns:a16="http://schemas.microsoft.com/office/drawing/2014/main" xmlns="" id="{253C9234-233D-2B45-BDE3-4715CDA6F520}"/>
               </a:ext>
             </a:extLst>
           </p:cNvPr>
@@ -31551,7 +31551,7 @@
           <p:cNvPr id="4" name="TextBox 3">
             <a:extLst>
               <a:ext uri="{FF2B5EF4-FFF2-40B4-BE49-F238E27FC236}">
-                <a16:creationId xmlns:a16="http://schemas.microsoft.com/office/drawing/2014/main" id="{1001AA19-EB49-83CD-69C8-9716F9EF3D96}"/>
+                <a16:creationId xmlns:a16="http://schemas.microsoft.com/office/drawing/2014/main" xmlns="" id="{1001AA19-EB49-83CD-69C8-9716F9EF3D96}"/>
               </a:ext>
             </a:extLst>
           </p:cNvPr>
@@ -31599,7 +31599,7 @@
           <p:cNvPr id="5" name="TextBox 4">
             <a:extLst>
               <a:ext uri="{FF2B5EF4-FFF2-40B4-BE49-F238E27FC236}">
-                <a16:creationId xmlns:a16="http://schemas.microsoft.com/office/drawing/2014/main" id="{7E939D8B-373F-458C-69BF-5BFA8EABD4A8}"/>
+                <a16:creationId xmlns:a16="http://schemas.microsoft.com/office/drawing/2014/main" xmlns="" id="{7E939D8B-373F-458C-69BF-5BFA8EABD4A8}"/>
               </a:ext>
             </a:extLst>
           </p:cNvPr>
@@ -31721,7 +31721,7 @@
           <p:cNvPr id="10" name="직선 화살표 연결선 9">
             <a:extLst>
               <a:ext uri="{FF2B5EF4-FFF2-40B4-BE49-F238E27FC236}">
-                <a16:creationId xmlns:a16="http://schemas.microsoft.com/office/drawing/2014/main" id="{9F202F4A-2F19-E98B-17D7-D60E83B7D3B1}"/>
+                <a16:creationId xmlns:a16="http://schemas.microsoft.com/office/drawing/2014/main" xmlns="" id="{9F202F4A-2F19-E98B-17D7-D60E83B7D3B1}"/>
               </a:ext>
             </a:extLst>
           </p:cNvPr>
@@ -31762,7 +31762,7 @@
           <p:cNvPr id="11" name="직사각형 10">
             <a:extLst>
               <a:ext uri="{FF2B5EF4-FFF2-40B4-BE49-F238E27FC236}">
-                <a16:creationId xmlns:a16="http://schemas.microsoft.com/office/drawing/2014/main" id="{16D82765-091C-9A16-BCA1-DAF404C058B8}"/>
+                <a16:creationId xmlns:a16="http://schemas.microsoft.com/office/drawing/2014/main" xmlns="" id="{16D82765-091C-9A16-BCA1-DAF404C058B8}"/>
               </a:ext>
             </a:extLst>
           </p:cNvPr>
@@ -31814,7 +31814,7 @@
           <p:cNvPr id="12" name="TextBox 11">
             <a:extLst>
               <a:ext uri="{FF2B5EF4-FFF2-40B4-BE49-F238E27FC236}">
-                <a16:creationId xmlns:a16="http://schemas.microsoft.com/office/drawing/2014/main" id="{09A473CF-93CE-C5F5-C3C1-2013620AC2D2}"/>
+                <a16:creationId xmlns:a16="http://schemas.microsoft.com/office/drawing/2014/main" xmlns="" id="{09A473CF-93CE-C5F5-C3C1-2013620AC2D2}"/>
               </a:ext>
             </a:extLst>
           </p:cNvPr>
@@ -31862,7 +31862,7 @@
           <p:cNvPr id="14" name="직선 화살표 연결선 13">
             <a:extLst>
               <a:ext uri="{FF2B5EF4-FFF2-40B4-BE49-F238E27FC236}">
-                <a16:creationId xmlns:a16="http://schemas.microsoft.com/office/drawing/2014/main" id="{37C134AC-B056-F261-4166-6DECF03F86B0}"/>
+                <a16:creationId xmlns:a16="http://schemas.microsoft.com/office/drawing/2014/main" xmlns="" id="{37C134AC-B056-F261-4166-6DECF03F86B0}"/>
               </a:ext>
             </a:extLst>
           </p:cNvPr>
@@ -31903,7 +31903,7 @@
           <p:cNvPr id="15" name="직사각형 14">
             <a:extLst>
               <a:ext uri="{FF2B5EF4-FFF2-40B4-BE49-F238E27FC236}">
-                <a16:creationId xmlns:a16="http://schemas.microsoft.com/office/drawing/2014/main" id="{FCE6D1B2-A592-84B9-6F0D-48A1EB40288A}"/>
+                <a16:creationId xmlns:a16="http://schemas.microsoft.com/office/drawing/2014/main" xmlns="" id="{FCE6D1B2-A592-84B9-6F0D-48A1EB40288A}"/>
               </a:ext>
             </a:extLst>
           </p:cNvPr>
@@ -31955,7 +31955,7 @@
           <p:cNvPr id="16" name="TextBox 15">
             <a:extLst>
               <a:ext uri="{FF2B5EF4-FFF2-40B4-BE49-F238E27FC236}">
-                <a16:creationId xmlns:a16="http://schemas.microsoft.com/office/drawing/2014/main" id="{B508FE84-70CF-B7F2-9D30-242856A55685}"/>
+                <a16:creationId xmlns:a16="http://schemas.microsoft.com/office/drawing/2014/main" xmlns="" id="{B508FE84-70CF-B7F2-9D30-242856A55685}"/>
               </a:ext>
             </a:extLst>
           </p:cNvPr>
@@ -32023,7 +32023,7 @@
           <p:cNvPr id="17" name="직선 화살표 연결선 16">
             <a:extLst>
               <a:ext uri="{FF2B5EF4-FFF2-40B4-BE49-F238E27FC236}">
-                <a16:creationId xmlns:a16="http://schemas.microsoft.com/office/drawing/2014/main" id="{50CD9ED6-2484-6806-EFE3-47FC9B9C53AC}"/>
+                <a16:creationId xmlns:a16="http://schemas.microsoft.com/office/drawing/2014/main" xmlns="" id="{50CD9ED6-2484-6806-EFE3-47FC9B9C53AC}"/>
               </a:ext>
             </a:extLst>
           </p:cNvPr>
@@ -32064,7 +32064,7 @@
           <p:cNvPr id="18" name="직사각형 17">
             <a:extLst>
               <a:ext uri="{FF2B5EF4-FFF2-40B4-BE49-F238E27FC236}">
-                <a16:creationId xmlns:a16="http://schemas.microsoft.com/office/drawing/2014/main" id="{A9460056-5F7E-CBAE-0178-6A4DDFB4983E}"/>
+                <a16:creationId xmlns:a16="http://schemas.microsoft.com/office/drawing/2014/main" xmlns="" id="{A9460056-5F7E-CBAE-0178-6A4DDFB4983E}"/>
               </a:ext>
             </a:extLst>
           </p:cNvPr>
@@ -32116,7 +32116,7 @@
           <p:cNvPr id="19" name="TextBox 18">
             <a:extLst>
               <a:ext uri="{FF2B5EF4-FFF2-40B4-BE49-F238E27FC236}">
-                <a16:creationId xmlns:a16="http://schemas.microsoft.com/office/drawing/2014/main" id="{72A02F68-954B-3873-F0E9-85464875A691}"/>
+                <a16:creationId xmlns:a16="http://schemas.microsoft.com/office/drawing/2014/main" xmlns="" id="{72A02F68-954B-3873-F0E9-85464875A691}"/>
               </a:ext>
             </a:extLst>
           </p:cNvPr>
@@ -32164,7 +32164,7 @@
           <p:cNvPr id="20" name="직선 화살표 연결선 19">
             <a:extLst>
               <a:ext uri="{FF2B5EF4-FFF2-40B4-BE49-F238E27FC236}">
-                <a16:creationId xmlns:a16="http://schemas.microsoft.com/office/drawing/2014/main" id="{FA904C2A-F419-20D6-F26E-879577D2F4A1}"/>
+                <a16:creationId xmlns:a16="http://schemas.microsoft.com/office/drawing/2014/main" xmlns="" id="{FA904C2A-F419-20D6-F26E-879577D2F4A1}"/>
               </a:ext>
             </a:extLst>
           </p:cNvPr>
@@ -32205,7 +32205,7 @@
           <p:cNvPr id="21" name="직사각형 20">
             <a:extLst>
               <a:ext uri="{FF2B5EF4-FFF2-40B4-BE49-F238E27FC236}">
-                <a16:creationId xmlns:a16="http://schemas.microsoft.com/office/drawing/2014/main" id="{B69DBF7A-885F-D633-7CD6-79B3CCDD0DC9}"/>
+                <a16:creationId xmlns:a16="http://schemas.microsoft.com/office/drawing/2014/main" xmlns="" id="{B69DBF7A-885F-D633-7CD6-79B3CCDD0DC9}"/>
               </a:ext>
             </a:extLst>
           </p:cNvPr>
@@ -32257,7 +32257,7 @@
           <p:cNvPr id="22" name="TextBox 21">
             <a:extLst>
               <a:ext uri="{FF2B5EF4-FFF2-40B4-BE49-F238E27FC236}">
-                <a16:creationId xmlns:a16="http://schemas.microsoft.com/office/drawing/2014/main" id="{E961A43C-5328-47FE-9361-8032ACFDDE1D}"/>
+                <a16:creationId xmlns:a16="http://schemas.microsoft.com/office/drawing/2014/main" xmlns="" id="{E961A43C-5328-47FE-9361-8032ACFDDE1D}"/>
               </a:ext>
             </a:extLst>
           </p:cNvPr>
@@ -32338,7 +32338,7 @@
           <p:cNvPr id="28" name="직선 화살표 연결선 27">
             <a:extLst>
               <a:ext uri="{FF2B5EF4-FFF2-40B4-BE49-F238E27FC236}">
-                <a16:creationId xmlns:a16="http://schemas.microsoft.com/office/drawing/2014/main" id="{8206E367-7BF3-41C1-5304-E8237D3E4725}"/>
+                <a16:creationId xmlns:a16="http://schemas.microsoft.com/office/drawing/2014/main" xmlns="" id="{8206E367-7BF3-41C1-5304-E8237D3E4725}"/>
               </a:ext>
             </a:extLst>
           </p:cNvPr>
@@ -32379,7 +32379,7 @@
           <p:cNvPr id="29" name="직사각형 28">
             <a:extLst>
               <a:ext uri="{FF2B5EF4-FFF2-40B4-BE49-F238E27FC236}">
-                <a16:creationId xmlns:a16="http://schemas.microsoft.com/office/drawing/2014/main" id="{CB1753CB-2DBE-5169-310F-67C4DE02622D}"/>
+                <a16:creationId xmlns:a16="http://schemas.microsoft.com/office/drawing/2014/main" xmlns="" id="{CB1753CB-2DBE-5169-310F-67C4DE02622D}"/>
               </a:ext>
             </a:extLst>
           </p:cNvPr>
@@ -32431,7 +32431,7 @@
           <p:cNvPr id="30" name="TextBox 29">
             <a:extLst>
               <a:ext uri="{FF2B5EF4-FFF2-40B4-BE49-F238E27FC236}">
-                <a16:creationId xmlns:a16="http://schemas.microsoft.com/office/drawing/2014/main" id="{C7B1E8B8-920B-F182-7A54-4EC4C49D4C67}"/>
+                <a16:creationId xmlns:a16="http://schemas.microsoft.com/office/drawing/2014/main" xmlns="" id="{C7B1E8B8-920B-F182-7A54-4EC4C49D4C67}"/>
               </a:ext>
             </a:extLst>
           </p:cNvPr>
@@ -32504,7 +32504,7 @@
           <p:cNvPr id="32" name="그림 31">
             <a:extLst>
               <a:ext uri="{FF2B5EF4-FFF2-40B4-BE49-F238E27FC236}">
-                <a16:creationId xmlns:a16="http://schemas.microsoft.com/office/drawing/2014/main" id="{53FF96D3-B2CF-234B-D580-E9BD7020DD00}"/>
+                <a16:creationId xmlns:a16="http://schemas.microsoft.com/office/drawing/2014/main" xmlns="" id="{53FF96D3-B2CF-234B-D580-E9BD7020DD00}"/>
               </a:ext>
             </a:extLst>
           </p:cNvPr>
@@ -33101,7 +33101,7 @@
           <p:cNvPr id="2" name="TextBox 1">
             <a:extLst>
               <a:ext uri="{FF2B5EF4-FFF2-40B4-BE49-F238E27FC236}">
-                <a16:creationId xmlns:a16="http://schemas.microsoft.com/office/drawing/2014/main" id="{1001AA19-EB49-83CD-69C8-9716F9EF3D96}"/>
+                <a16:creationId xmlns:a16="http://schemas.microsoft.com/office/drawing/2014/main" xmlns="" id="{1001AA19-EB49-83CD-69C8-9716F9EF3D96}"/>
               </a:ext>
             </a:extLst>
           </p:cNvPr>
@@ -33149,7 +33149,7 @@
           <p:cNvPr id="3" name="TextBox 2">
             <a:extLst>
               <a:ext uri="{FF2B5EF4-FFF2-40B4-BE49-F238E27FC236}">
-                <a16:creationId xmlns:a16="http://schemas.microsoft.com/office/drawing/2014/main" id="{7E939D8B-373F-458C-69BF-5BFA8EABD4A8}"/>
+                <a16:creationId xmlns:a16="http://schemas.microsoft.com/office/drawing/2014/main" xmlns="" id="{7E939D8B-373F-458C-69BF-5BFA8EABD4A8}"/>
               </a:ext>
             </a:extLst>
           </p:cNvPr>
@@ -33295,7 +33295,7 @@
           <p:cNvPr id="6" name="직선 화살표 연결선 5">
             <a:extLst>
               <a:ext uri="{FF2B5EF4-FFF2-40B4-BE49-F238E27FC236}">
-                <a16:creationId xmlns:a16="http://schemas.microsoft.com/office/drawing/2014/main" id="{299DF5EC-9DF4-5255-06AC-0A7CE4FF58C3}"/>
+                <a16:creationId xmlns:a16="http://schemas.microsoft.com/office/drawing/2014/main" xmlns="" id="{299DF5EC-9DF4-5255-06AC-0A7CE4FF58C3}"/>
               </a:ext>
             </a:extLst>
           </p:cNvPr>
@@ -33336,7 +33336,7 @@
           <p:cNvPr id="7" name="직사각형 6">
             <a:extLst>
               <a:ext uri="{FF2B5EF4-FFF2-40B4-BE49-F238E27FC236}">
-                <a16:creationId xmlns:a16="http://schemas.microsoft.com/office/drawing/2014/main" id="{FFF506F9-840A-0508-4CAF-3AC711D8D5CE}"/>
+                <a16:creationId xmlns:a16="http://schemas.microsoft.com/office/drawing/2014/main" xmlns="" id="{FFF506F9-840A-0508-4CAF-3AC711D8D5CE}"/>
               </a:ext>
             </a:extLst>
           </p:cNvPr>
@@ -33388,7 +33388,7 @@
           <p:cNvPr id="8" name="TextBox 7">
             <a:extLst>
               <a:ext uri="{FF2B5EF4-FFF2-40B4-BE49-F238E27FC236}">
-                <a16:creationId xmlns:a16="http://schemas.microsoft.com/office/drawing/2014/main" id="{C6D113C6-EA5C-788F-0C77-E7CE6EBB865F}"/>
+                <a16:creationId xmlns:a16="http://schemas.microsoft.com/office/drawing/2014/main" xmlns="" id="{C6D113C6-EA5C-788F-0C77-E7CE6EBB865F}"/>
               </a:ext>
             </a:extLst>
           </p:cNvPr>
@@ -33520,7 +33520,7 @@
           <p:cNvPr id="5" name="직선 화살표 연결선 4">
             <a:extLst>
               <a:ext uri="{FF2B5EF4-FFF2-40B4-BE49-F238E27FC236}">
-                <a16:creationId xmlns:a16="http://schemas.microsoft.com/office/drawing/2014/main" id="{299DF5EC-9DF4-5255-06AC-0A7CE4FF58C3}"/>
+                <a16:creationId xmlns:a16="http://schemas.microsoft.com/office/drawing/2014/main" xmlns="" id="{299DF5EC-9DF4-5255-06AC-0A7CE4FF58C3}"/>
               </a:ext>
             </a:extLst>
           </p:cNvPr>
@@ -33561,7 +33561,7 @@
           <p:cNvPr id="6" name="직사각형 5">
             <a:extLst>
               <a:ext uri="{FF2B5EF4-FFF2-40B4-BE49-F238E27FC236}">
-                <a16:creationId xmlns:a16="http://schemas.microsoft.com/office/drawing/2014/main" id="{FFF506F9-840A-0508-4CAF-3AC711D8D5CE}"/>
+                <a16:creationId xmlns:a16="http://schemas.microsoft.com/office/drawing/2014/main" xmlns="" id="{FFF506F9-840A-0508-4CAF-3AC711D8D5CE}"/>
               </a:ext>
             </a:extLst>
           </p:cNvPr>
@@ -33613,7 +33613,7 @@
           <p:cNvPr id="7" name="TextBox 6">
             <a:extLst>
               <a:ext uri="{FF2B5EF4-FFF2-40B4-BE49-F238E27FC236}">
-                <a16:creationId xmlns:a16="http://schemas.microsoft.com/office/drawing/2014/main" id="{C6D113C6-EA5C-788F-0C77-E7CE6EBB865F}"/>
+                <a16:creationId xmlns:a16="http://schemas.microsoft.com/office/drawing/2014/main" xmlns="" id="{C6D113C6-EA5C-788F-0C77-E7CE6EBB865F}"/>
               </a:ext>
             </a:extLst>
           </p:cNvPr>
@@ -33785,7 +33785,7 @@
           <p:cNvPr id="11" name="직선 화살표 연결선 10">
             <a:extLst>
               <a:ext uri="{FF2B5EF4-FFF2-40B4-BE49-F238E27FC236}">
-                <a16:creationId xmlns:a16="http://schemas.microsoft.com/office/drawing/2014/main" id="{299DF5EC-9DF4-5255-06AC-0A7CE4FF58C3}"/>
+                <a16:creationId xmlns:a16="http://schemas.microsoft.com/office/drawing/2014/main" xmlns="" id="{299DF5EC-9DF4-5255-06AC-0A7CE4FF58C3}"/>
               </a:ext>
             </a:extLst>
           </p:cNvPr>
@@ -33826,7 +33826,7 @@
           <p:cNvPr id="13" name="TextBox 12">
             <a:extLst>
               <a:ext uri="{FF2B5EF4-FFF2-40B4-BE49-F238E27FC236}">
-                <a16:creationId xmlns:a16="http://schemas.microsoft.com/office/drawing/2014/main" id="{C6D113C6-EA5C-788F-0C77-E7CE6EBB865F}"/>
+                <a16:creationId xmlns:a16="http://schemas.microsoft.com/office/drawing/2014/main" xmlns="" id="{C6D113C6-EA5C-788F-0C77-E7CE6EBB865F}"/>
               </a:ext>
             </a:extLst>
           </p:cNvPr>
@@ -33908,7 +33908,7 @@
           <p:cNvPr id="15" name="직선 화살표 연결선 14">
             <a:extLst>
               <a:ext uri="{FF2B5EF4-FFF2-40B4-BE49-F238E27FC236}">
-                <a16:creationId xmlns:a16="http://schemas.microsoft.com/office/drawing/2014/main" id="{299DF5EC-9DF4-5255-06AC-0A7CE4FF58C3}"/>
+                <a16:creationId xmlns:a16="http://schemas.microsoft.com/office/drawing/2014/main" xmlns="" id="{299DF5EC-9DF4-5255-06AC-0A7CE4FF58C3}"/>
               </a:ext>
             </a:extLst>
           </p:cNvPr>
@@ -33949,7 +33949,7 @@
           <p:cNvPr id="16" name="TextBox 15">
             <a:extLst>
               <a:ext uri="{FF2B5EF4-FFF2-40B4-BE49-F238E27FC236}">
-                <a16:creationId xmlns:a16="http://schemas.microsoft.com/office/drawing/2014/main" id="{C6D113C6-EA5C-788F-0C77-E7CE6EBB865F}"/>
+                <a16:creationId xmlns:a16="http://schemas.microsoft.com/office/drawing/2014/main" xmlns="" id="{C6D113C6-EA5C-788F-0C77-E7CE6EBB865F}"/>
               </a:ext>
             </a:extLst>
           </p:cNvPr>
@@ -34075,7 +34075,7 @@
           <p:cNvPr id="19" name="직선 화살표 연결선 18">
             <a:extLst>
               <a:ext uri="{FF2B5EF4-FFF2-40B4-BE49-F238E27FC236}">
-                <a16:creationId xmlns:a16="http://schemas.microsoft.com/office/drawing/2014/main" id="{299DF5EC-9DF4-5255-06AC-0A7CE4FF58C3}"/>
+                <a16:creationId xmlns:a16="http://schemas.microsoft.com/office/drawing/2014/main" xmlns="" id="{299DF5EC-9DF4-5255-06AC-0A7CE4FF58C3}"/>
               </a:ext>
             </a:extLst>
           </p:cNvPr>
@@ -34116,7 +34116,7 @@
           <p:cNvPr id="20" name="TextBox 19">
             <a:extLst>
               <a:ext uri="{FF2B5EF4-FFF2-40B4-BE49-F238E27FC236}">
-                <a16:creationId xmlns:a16="http://schemas.microsoft.com/office/drawing/2014/main" id="{C6D113C6-EA5C-788F-0C77-E7CE6EBB865F}"/>
+                <a16:creationId xmlns:a16="http://schemas.microsoft.com/office/drawing/2014/main" xmlns="" id="{C6D113C6-EA5C-788F-0C77-E7CE6EBB865F}"/>
               </a:ext>
             </a:extLst>
           </p:cNvPr>
@@ -34736,7 +34736,7 @@
           <p:cNvPr id="4" name="TextBox 3">
             <a:extLst>
               <a:ext uri="{FF2B5EF4-FFF2-40B4-BE49-F238E27FC236}">
-                <a16:creationId xmlns:a16="http://schemas.microsoft.com/office/drawing/2014/main" id="{F2BD73FC-CE60-89D8-0057-91C1B7653DFF}"/>
+                <a16:creationId xmlns:a16="http://schemas.microsoft.com/office/drawing/2014/main" xmlns="" id="{F2BD73FC-CE60-89D8-0057-91C1B7653DFF}"/>
               </a:ext>
             </a:extLst>
           </p:cNvPr>
@@ -34896,7 +34896,7 @@
           <p:cNvPr id="4" name="TextBox 3">
             <a:extLst>
               <a:ext uri="{FF2B5EF4-FFF2-40B4-BE49-F238E27FC236}">
-                <a16:creationId xmlns:a16="http://schemas.microsoft.com/office/drawing/2014/main" id="{F2BD73FC-CE60-89D8-0057-91C1B7653DFF}"/>
+                <a16:creationId xmlns:a16="http://schemas.microsoft.com/office/drawing/2014/main" xmlns="" id="{F2BD73FC-CE60-89D8-0057-91C1B7653DFF}"/>
               </a:ext>
             </a:extLst>
           </p:cNvPr>
@@ -34992,7 +34992,7 @@
           <p:cNvPr id="7" name="TextBox 6">
             <a:extLst>
               <a:ext uri="{FF2B5EF4-FFF2-40B4-BE49-F238E27FC236}">
-                <a16:creationId xmlns:a16="http://schemas.microsoft.com/office/drawing/2014/main" id="{F2BD73FC-CE60-89D8-0057-91C1B7653DFF}"/>
+                <a16:creationId xmlns:a16="http://schemas.microsoft.com/office/drawing/2014/main" xmlns="" id="{F2BD73FC-CE60-89D8-0057-91C1B7653DFF}"/>
               </a:ext>
             </a:extLst>
           </p:cNvPr>
@@ -35070,7 +35070,7 @@
           <p:cNvPr id="5" name="TextBox 4">
             <a:extLst>
               <a:ext uri="{FF2B5EF4-FFF2-40B4-BE49-F238E27FC236}">
-                <a16:creationId xmlns:a16="http://schemas.microsoft.com/office/drawing/2014/main" id="{F2BD73FC-CE60-89D8-0057-91C1B7653DFF}"/>
+                <a16:creationId xmlns:a16="http://schemas.microsoft.com/office/drawing/2014/main" xmlns="" id="{F2BD73FC-CE60-89D8-0057-91C1B7653DFF}"/>
               </a:ext>
             </a:extLst>
           </p:cNvPr>
@@ -35121,7 +35121,7 @@
           <p:cNvPr id="6" name="TextBox 5">
             <a:extLst>
               <a:ext uri="{FF2B5EF4-FFF2-40B4-BE49-F238E27FC236}">
-                <a16:creationId xmlns:a16="http://schemas.microsoft.com/office/drawing/2014/main" id="{F0FF9E4E-0550-E648-378E-A52F5B0499D4}"/>
+                <a16:creationId xmlns:a16="http://schemas.microsoft.com/office/drawing/2014/main" xmlns="" id="{F0FF9E4E-0550-E648-378E-A52F5B0499D4}"/>
               </a:ext>
             </a:extLst>
           </p:cNvPr>
@@ -35242,7 +35242,7 @@
           <p:cNvPr id="4" name="TextBox 3">
             <a:extLst>
               <a:ext uri="{FF2B5EF4-FFF2-40B4-BE49-F238E27FC236}">
-                <a16:creationId xmlns:a16="http://schemas.microsoft.com/office/drawing/2014/main" id="{F0FF9E4E-0550-E648-378E-A52F5B0499D4}"/>
+                <a16:creationId xmlns:a16="http://schemas.microsoft.com/office/drawing/2014/main" xmlns="" id="{F0FF9E4E-0550-E648-378E-A52F5B0499D4}"/>
               </a:ext>
             </a:extLst>
           </p:cNvPr>
@@ -35439,7 +35439,7 @@
           <p:cNvPr id="7" name="TextBox 6">
             <a:extLst>
               <a:ext uri="{FF2B5EF4-FFF2-40B4-BE49-F238E27FC236}">
-                <a16:creationId xmlns:a16="http://schemas.microsoft.com/office/drawing/2014/main" id="{F0FF9E4E-0550-E648-378E-A52F5B0499D4}"/>
+                <a16:creationId xmlns:a16="http://schemas.microsoft.com/office/drawing/2014/main" xmlns="" id="{F0FF9E4E-0550-E648-378E-A52F5B0499D4}"/>
               </a:ext>
             </a:extLst>
           </p:cNvPr>
@@ -35449,7 +35449,7 @@
         <p:spPr>
           <a:xfrm>
             <a:off x="914400" y="1638300"/>
-            <a:ext cx="11277601" cy="523220"/>
+            <a:ext cx="11277601" cy="954107"/>
           </a:xfrm>
           <a:prstGeom prst="rect">
             <a:avLst/>
@@ -35552,6 +35552,57 @@
                 <a:ea typeface="G마켓 산스 Medium" panose="02000000000000000000" pitchFamily="50" charset="-127"/>
               </a:rPr>
               <a:t> </a:t>
+            </a:r>
+            <a:endParaRPr lang="en-US" altLang="ko-KR" sz="2800" smtClean="0">
+              <a:solidFill>
+                <a:schemeClr val="tx1">
+                  <a:lumMod val="50000"/>
+                  <a:lumOff val="50000"/>
+                </a:schemeClr>
+              </a:solidFill>
+              <a:latin typeface="G마켓 산스 Medium" panose="02000000000000000000" pitchFamily="50" charset="-127"/>
+              <a:ea typeface="G마켓 산스 Medium" panose="02000000000000000000" pitchFamily="50" charset="-127"/>
+            </a:endParaRPr>
+          </a:p>
+          <a:p>
+            <a:r>
+              <a:rPr lang="en-US" altLang="ko-KR" sz="2800" smtClean="0">
+                <a:solidFill>
+                  <a:schemeClr val="tx1">
+                    <a:lumMod val="50000"/>
+                    <a:lumOff val="50000"/>
+                  </a:schemeClr>
+                </a:solidFill>
+                <a:latin typeface="G마켓 산스 Medium" panose="02000000000000000000" pitchFamily="50" charset="-127"/>
+                <a:ea typeface="G마켓 산스 Medium" panose="02000000000000000000" pitchFamily="50" charset="-127"/>
+              </a:rPr>
+              <a:t>(</a:t>
+            </a:r>
+            <a:r>
+              <a:rPr lang="ko-KR" altLang="en-US" sz="2800" smtClean="0">
+                <a:solidFill>
+                  <a:schemeClr val="tx1">
+                    <a:lumMod val="50000"/>
+                    <a:lumOff val="50000"/>
+                  </a:schemeClr>
+                </a:solidFill>
+                <a:latin typeface="G마켓 산스 Medium" panose="02000000000000000000" pitchFamily="50" charset="-127"/>
+                <a:ea typeface="G마켓 산스 Medium" panose="02000000000000000000" pitchFamily="50" charset="-127"/>
+              </a:rPr>
+              <a:t>매개 변수의 개수는 제한없이 늘어나야 한다</a:t>
+            </a:r>
+            <a:r>
+              <a:rPr lang="en-US" altLang="ko-KR" sz="2800" smtClean="0">
+                <a:solidFill>
+                  <a:schemeClr val="tx1">
+                    <a:lumMod val="50000"/>
+                    <a:lumOff val="50000"/>
+                  </a:schemeClr>
+                </a:solidFill>
+                <a:latin typeface="G마켓 산스 Medium" panose="02000000000000000000" pitchFamily="50" charset="-127"/>
+                <a:ea typeface="G마켓 산스 Medium" panose="02000000000000000000" pitchFamily="50" charset="-127"/>
+              </a:rPr>
+              <a:t>.)</a:t>
             </a:r>
             <a:endParaRPr lang="en-US" altLang="ko-KR" sz="2800" dirty="0">
               <a:solidFill>
@@ -35571,7 +35622,7 @@
           <p:cNvPr id="8" name="표 2">
             <a:extLst>
               <a:ext uri="{FF2B5EF4-FFF2-40B4-BE49-F238E27FC236}">
-                <a16:creationId xmlns:a16="http://schemas.microsoft.com/office/drawing/2014/main" id="{D2CC6F32-611A-E22D-EB8C-52D626A5B319}"/>
+                <a16:creationId xmlns:a16="http://schemas.microsoft.com/office/drawing/2014/main" xmlns="" id="{D2CC6F32-611A-E22D-EB8C-52D626A5B319}"/>
               </a:ext>
             </a:extLst>
           </p:cNvPr>
@@ -35600,21 +35651,21 @@
                 <a:gridCol w="1731833">
                   <a:extLst>
                     <a:ext uri="{9D8B030D-6E8A-4147-A177-3AD203B41FA5}">
-                      <a16:colId xmlns:a16="http://schemas.microsoft.com/office/drawing/2014/main" val="1960770391"/>
+                      <a16:colId xmlns:a16="http://schemas.microsoft.com/office/drawing/2014/main" xmlns="" val="1960770391"/>
                     </a:ext>
                   </a:extLst>
                 </a:gridCol>
                 <a:gridCol w="1752960">
                   <a:extLst>
                     <a:ext uri="{9D8B030D-6E8A-4147-A177-3AD203B41FA5}">
-                      <a16:colId xmlns:a16="http://schemas.microsoft.com/office/drawing/2014/main" val="733308553"/>
+                      <a16:colId xmlns:a16="http://schemas.microsoft.com/office/drawing/2014/main" xmlns="" val="733308553"/>
                     </a:ext>
                   </a:extLst>
                 </a:gridCol>
                 <a:gridCol w="2730951">
                   <a:extLst>
                     <a:ext uri="{9D8B030D-6E8A-4147-A177-3AD203B41FA5}">
-                      <a16:colId xmlns:a16="http://schemas.microsoft.com/office/drawing/2014/main" val="1661322813"/>
+                      <a16:colId xmlns:a16="http://schemas.microsoft.com/office/drawing/2014/main" xmlns="" val="1661322813"/>
                     </a:ext>
                   </a:extLst>
                 </a:gridCol>
@@ -35802,7 +35853,7 @@
                 </a:tc>
                 <a:extLst>
                   <a:ext uri="{0D108BD9-81ED-4DB2-BD59-A6C34878D82A}">
-                    <a16:rowId xmlns:a16="http://schemas.microsoft.com/office/drawing/2014/main" val="2452905565"/>
+                    <a16:rowId xmlns:a16="http://schemas.microsoft.com/office/drawing/2014/main" xmlns="" val="2452905565"/>
                   </a:ext>
                 </a:extLst>
               </a:tr>
@@ -36053,7 +36104,7 @@
                 </a:tc>
                 <a:extLst>
                   <a:ext uri="{0D108BD9-81ED-4DB2-BD59-A6C34878D82A}">
-                    <a16:rowId xmlns:a16="http://schemas.microsoft.com/office/drawing/2014/main" val="2488866604"/>
+                    <a16:rowId xmlns:a16="http://schemas.microsoft.com/office/drawing/2014/main" xmlns="" val="2488866604"/>
                   </a:ext>
                 </a:extLst>
               </a:tr>
@@ -36261,7 +36312,7 @@
                 </a:tc>
                 <a:extLst>
                   <a:ext uri="{0D108BD9-81ED-4DB2-BD59-A6C34878D82A}">
-                    <a16:rowId xmlns:a16="http://schemas.microsoft.com/office/drawing/2014/main" val="10002"/>
+                    <a16:rowId xmlns:a16="http://schemas.microsoft.com/office/drawing/2014/main" xmlns="" val="10002"/>
                   </a:ext>
                 </a:extLst>
               </a:tr>
@@ -36469,7 +36520,7 @@
                 </a:tc>
                 <a:extLst>
                   <a:ext uri="{0D108BD9-81ED-4DB2-BD59-A6C34878D82A}">
-                    <a16:rowId xmlns:a16="http://schemas.microsoft.com/office/drawing/2014/main" val="10003"/>
+                    <a16:rowId xmlns:a16="http://schemas.microsoft.com/office/drawing/2014/main" xmlns="" val="10003"/>
                   </a:ext>
                 </a:extLst>
               </a:tr>
@@ -36482,7 +36533,7 @@
           <p:cNvPr id="9" name="표 2">
             <a:extLst>
               <a:ext uri="{FF2B5EF4-FFF2-40B4-BE49-F238E27FC236}">
-                <a16:creationId xmlns:a16="http://schemas.microsoft.com/office/drawing/2014/main" id="{D2CC6F32-611A-E22D-EB8C-52D626A5B319}"/>
+                <a16:creationId xmlns:a16="http://schemas.microsoft.com/office/drawing/2014/main" xmlns="" id="{D2CC6F32-611A-E22D-EB8C-52D626A5B319}"/>
               </a:ext>
             </a:extLst>
           </p:cNvPr>
@@ -36511,21 +36562,21 @@
                 <a:gridCol w="1447800">
                   <a:extLst>
                     <a:ext uri="{9D8B030D-6E8A-4147-A177-3AD203B41FA5}">
-                      <a16:colId xmlns:a16="http://schemas.microsoft.com/office/drawing/2014/main" val="1960770391"/>
+                      <a16:colId xmlns:a16="http://schemas.microsoft.com/office/drawing/2014/main" xmlns="" val="1960770391"/>
                     </a:ext>
                   </a:extLst>
                 </a:gridCol>
                 <a:gridCol w="1295400">
                   <a:extLst>
                     <a:ext uri="{9D8B030D-6E8A-4147-A177-3AD203B41FA5}">
-                      <a16:colId xmlns:a16="http://schemas.microsoft.com/office/drawing/2014/main" val="733308553"/>
+                      <a16:colId xmlns:a16="http://schemas.microsoft.com/office/drawing/2014/main" xmlns="" val="733308553"/>
                     </a:ext>
                   </a:extLst>
                 </a:gridCol>
                 <a:gridCol w="3472544">
                   <a:extLst>
                     <a:ext uri="{9D8B030D-6E8A-4147-A177-3AD203B41FA5}">
-                      <a16:colId xmlns:a16="http://schemas.microsoft.com/office/drawing/2014/main" val="1661322813"/>
+                      <a16:colId xmlns:a16="http://schemas.microsoft.com/office/drawing/2014/main" xmlns="" val="1661322813"/>
                     </a:ext>
                   </a:extLst>
                 </a:gridCol>
@@ -36713,7 +36764,7 @@
                 </a:tc>
                 <a:extLst>
                   <a:ext uri="{0D108BD9-81ED-4DB2-BD59-A6C34878D82A}">
-                    <a16:rowId xmlns:a16="http://schemas.microsoft.com/office/drawing/2014/main" val="2452905565"/>
+                    <a16:rowId xmlns:a16="http://schemas.microsoft.com/office/drawing/2014/main" xmlns="" val="2452905565"/>
                   </a:ext>
                 </a:extLst>
               </a:tr>
@@ -36970,7 +37021,7 @@
                 </a:tc>
                 <a:extLst>
                   <a:ext uri="{0D108BD9-81ED-4DB2-BD59-A6C34878D82A}">
-                    <a16:rowId xmlns:a16="http://schemas.microsoft.com/office/drawing/2014/main" val="2488866604"/>
+                    <a16:rowId xmlns:a16="http://schemas.microsoft.com/office/drawing/2014/main" xmlns="" val="2488866604"/>
                   </a:ext>
                 </a:extLst>
               </a:tr>
@@ -36983,7 +37034,7 @@
           <p:cNvPr id="10" name="TextBox 9">
             <a:extLst>
               <a:ext uri="{FF2B5EF4-FFF2-40B4-BE49-F238E27FC236}">
-                <a16:creationId xmlns:a16="http://schemas.microsoft.com/office/drawing/2014/main" id="{F0FF9E4E-0550-E648-378E-A52F5B0499D4}"/>
+                <a16:creationId xmlns:a16="http://schemas.microsoft.com/office/drawing/2014/main" xmlns="" id="{F0FF9E4E-0550-E648-378E-A52F5B0499D4}"/>
               </a:ext>
             </a:extLst>
           </p:cNvPr>
@@ -37280,7 +37331,7 @@
           <p:cNvPr id="11" name="그룹 1008">
             <a:extLst>
               <a:ext uri="{FF2B5EF4-FFF2-40B4-BE49-F238E27FC236}">
-                <a16:creationId xmlns:a16="http://schemas.microsoft.com/office/drawing/2014/main" id="{678F6342-C505-E8AD-ADA4-022CB2C2088E}"/>
+                <a16:creationId xmlns:a16="http://schemas.microsoft.com/office/drawing/2014/main" xmlns="" id="{678F6342-C505-E8AD-ADA4-022CB2C2088E}"/>
               </a:ext>
             </a:extLst>
           </p:cNvPr>
@@ -37300,7 +37351,7 @@
             <p:cNvPr id="12" name="그룹 1009">
               <a:extLst>
                 <a:ext uri="{FF2B5EF4-FFF2-40B4-BE49-F238E27FC236}">
-                  <a16:creationId xmlns:a16="http://schemas.microsoft.com/office/drawing/2014/main" id="{4E1F1FED-812B-9BBB-925A-84B54A077414}"/>
+                  <a16:creationId xmlns:a16="http://schemas.microsoft.com/office/drawing/2014/main" xmlns="" id="{4E1F1FED-812B-9BBB-925A-84B54A077414}"/>
                 </a:ext>
               </a:extLst>
             </p:cNvPr>
@@ -37320,7 +37371,7 @@
               <p:cNvPr id="17" name="Object 29">
                 <a:extLst>
                   <a:ext uri="{FF2B5EF4-FFF2-40B4-BE49-F238E27FC236}">
-                    <a16:creationId xmlns:a16="http://schemas.microsoft.com/office/drawing/2014/main" id="{7B078609-4286-7B00-51EB-809C8E2DE289}"/>
+                    <a16:creationId xmlns:a16="http://schemas.microsoft.com/office/drawing/2014/main" xmlns="" id="{7B078609-4286-7B00-51EB-809C8E2DE289}"/>
                   </a:ext>
                 </a:extLst>
               </p:cNvPr>
@@ -37351,7 +37402,7 @@
             <p:cNvPr id="13" name="그룹 1010">
               <a:extLst>
                 <a:ext uri="{FF2B5EF4-FFF2-40B4-BE49-F238E27FC236}">
-                  <a16:creationId xmlns:a16="http://schemas.microsoft.com/office/drawing/2014/main" id="{02A649BF-B5B5-FBAF-7DFD-E118A4DF8907}"/>
+                  <a16:creationId xmlns:a16="http://schemas.microsoft.com/office/drawing/2014/main" xmlns="" id="{02A649BF-B5B5-FBAF-7DFD-E118A4DF8907}"/>
                 </a:ext>
               </a:extLst>
             </p:cNvPr>
@@ -37371,7 +37422,7 @@
               <p:cNvPr id="16" name="Object 32">
                 <a:extLst>
                   <a:ext uri="{FF2B5EF4-FFF2-40B4-BE49-F238E27FC236}">
-                    <a16:creationId xmlns:a16="http://schemas.microsoft.com/office/drawing/2014/main" id="{2A0FFF23-B3C9-3EA0-1C1B-A87D4FF098AE}"/>
+                    <a16:creationId xmlns:a16="http://schemas.microsoft.com/office/drawing/2014/main" xmlns="" id="{2A0FFF23-B3C9-3EA0-1C1B-A87D4FF098AE}"/>
                   </a:ext>
                 </a:extLst>
               </p:cNvPr>
@@ -37402,7 +37453,7 @@
             <p:cNvPr id="14" name="그룹 1011">
               <a:extLst>
                 <a:ext uri="{FF2B5EF4-FFF2-40B4-BE49-F238E27FC236}">
-                  <a16:creationId xmlns:a16="http://schemas.microsoft.com/office/drawing/2014/main" id="{881F5410-F7FB-F261-A584-707359BAC593}"/>
+                  <a16:creationId xmlns:a16="http://schemas.microsoft.com/office/drawing/2014/main" xmlns="" id="{881F5410-F7FB-F261-A584-707359BAC593}"/>
                 </a:ext>
               </a:extLst>
             </p:cNvPr>
@@ -37422,7 +37473,7 @@
               <p:cNvPr id="15" name="Object 35">
                 <a:extLst>
                   <a:ext uri="{FF2B5EF4-FFF2-40B4-BE49-F238E27FC236}">
-                    <a16:creationId xmlns:a16="http://schemas.microsoft.com/office/drawing/2014/main" id="{4E99E669-73EB-F9F4-EFE8-DC107035C265}"/>
+                    <a16:creationId xmlns:a16="http://schemas.microsoft.com/office/drawing/2014/main" xmlns="" id="{4E99E669-73EB-F9F4-EFE8-DC107035C265}"/>
                   </a:ext>
                 </a:extLst>
               </p:cNvPr>
@@ -37478,7 +37529,7 @@
           <p:cNvPr id="19" name="표 2">
             <a:extLst>
               <a:ext uri="{FF2B5EF4-FFF2-40B4-BE49-F238E27FC236}">
-                <a16:creationId xmlns:a16="http://schemas.microsoft.com/office/drawing/2014/main" id="{D2CC6F32-611A-E22D-EB8C-52D626A5B319}"/>
+                <a16:creationId xmlns:a16="http://schemas.microsoft.com/office/drawing/2014/main" xmlns="" id="{D2CC6F32-611A-E22D-EB8C-52D626A5B319}"/>
               </a:ext>
             </a:extLst>
           </p:cNvPr>
@@ -37507,21 +37558,21 @@
                 <a:gridCol w="1360600">
                   <a:extLst>
                     <a:ext uri="{9D8B030D-6E8A-4147-A177-3AD203B41FA5}">
-                      <a16:colId xmlns:a16="http://schemas.microsoft.com/office/drawing/2014/main" val="1960770391"/>
+                      <a16:colId xmlns:a16="http://schemas.microsoft.com/office/drawing/2014/main" xmlns="" val="1960770391"/>
                     </a:ext>
                   </a:extLst>
                 </a:gridCol>
                 <a:gridCol w="1246559">
                   <a:extLst>
                     <a:ext uri="{9D8B030D-6E8A-4147-A177-3AD203B41FA5}">
-                      <a16:colId xmlns:a16="http://schemas.microsoft.com/office/drawing/2014/main" val="733308553"/>
+                      <a16:colId xmlns:a16="http://schemas.microsoft.com/office/drawing/2014/main" xmlns="" val="733308553"/>
                     </a:ext>
                   </a:extLst>
                 </a:gridCol>
                 <a:gridCol w="3748068">
                   <a:extLst>
                     <a:ext uri="{9D8B030D-6E8A-4147-A177-3AD203B41FA5}">
-                      <a16:colId xmlns:a16="http://schemas.microsoft.com/office/drawing/2014/main" val="1661322813"/>
+                      <a16:colId xmlns:a16="http://schemas.microsoft.com/office/drawing/2014/main" xmlns="" val="1661322813"/>
                     </a:ext>
                   </a:extLst>
                 </a:gridCol>
@@ -37709,7 +37760,7 @@
                 </a:tc>
                 <a:extLst>
                   <a:ext uri="{0D108BD9-81ED-4DB2-BD59-A6C34878D82A}">
-                    <a16:rowId xmlns:a16="http://schemas.microsoft.com/office/drawing/2014/main" val="2452905565"/>
+                    <a16:rowId xmlns:a16="http://schemas.microsoft.com/office/drawing/2014/main" xmlns="" val="2452905565"/>
                   </a:ext>
                 </a:extLst>
               </a:tr>
@@ -38008,7 +38059,7 @@
                 </a:tc>
                 <a:extLst>
                   <a:ext uri="{0D108BD9-81ED-4DB2-BD59-A6C34878D82A}">
-                    <a16:rowId xmlns:a16="http://schemas.microsoft.com/office/drawing/2014/main" val="2488866604"/>
+                    <a16:rowId xmlns:a16="http://schemas.microsoft.com/office/drawing/2014/main" xmlns="" val="2488866604"/>
                   </a:ext>
                 </a:extLst>
               </a:tr>
@@ -38171,7 +38222,7 @@
           <p:cNvPr id="12" name="TextBox 11">
             <a:extLst>
               <a:ext uri="{FF2B5EF4-FFF2-40B4-BE49-F238E27FC236}">
-                <a16:creationId xmlns:a16="http://schemas.microsoft.com/office/drawing/2014/main" id="{F2BD73FC-CE60-89D8-0057-91C1B7653DFF}"/>
+                <a16:creationId xmlns:a16="http://schemas.microsoft.com/office/drawing/2014/main" xmlns="" id="{F2BD73FC-CE60-89D8-0057-91C1B7653DFF}"/>
               </a:ext>
             </a:extLst>
           </p:cNvPr>
@@ -38229,7 +38280,7 @@
           <p:cNvPr id="13" name="TextBox 12">
             <a:extLst>
               <a:ext uri="{FF2B5EF4-FFF2-40B4-BE49-F238E27FC236}">
-                <a16:creationId xmlns:a16="http://schemas.microsoft.com/office/drawing/2014/main" id="{F2BD73FC-CE60-89D8-0057-91C1B7653DFF}"/>
+                <a16:creationId xmlns:a16="http://schemas.microsoft.com/office/drawing/2014/main" xmlns="" id="{F2BD73FC-CE60-89D8-0057-91C1B7653DFF}"/>
               </a:ext>
             </a:extLst>
           </p:cNvPr>
@@ -38583,7 +38634,7 @@
           <p:cNvPr id="2" name="TextBox 1">
             <a:extLst>
               <a:ext uri="{FF2B5EF4-FFF2-40B4-BE49-F238E27FC236}">
-                <a16:creationId xmlns:a16="http://schemas.microsoft.com/office/drawing/2014/main" id="{715D88A2-BD52-978B-A00A-540446126E3D}"/>
+                <a16:creationId xmlns:a16="http://schemas.microsoft.com/office/drawing/2014/main" xmlns="" id="{715D88A2-BD52-978B-A00A-540446126E3D}"/>
               </a:ext>
             </a:extLst>
           </p:cNvPr>
@@ -38656,7 +38707,7 @@
           <p:cNvPr id="4" name="그룹 1001">
             <a:extLst>
               <a:ext uri="{FF2B5EF4-FFF2-40B4-BE49-F238E27FC236}">
-                <a16:creationId xmlns:a16="http://schemas.microsoft.com/office/drawing/2014/main" id="{E0956EEE-BA6A-E249-6516-8E257FFD49E1}"/>
+                <a16:creationId xmlns:a16="http://schemas.microsoft.com/office/drawing/2014/main" xmlns="" id="{E0956EEE-BA6A-E249-6516-8E257FFD49E1}"/>
               </a:ext>
             </a:extLst>
           </p:cNvPr>
@@ -38676,7 +38727,7 @@
             <p:cNvPr id="5" name="그룹 1002">
               <a:extLst>
                 <a:ext uri="{FF2B5EF4-FFF2-40B4-BE49-F238E27FC236}">
-                  <a16:creationId xmlns:a16="http://schemas.microsoft.com/office/drawing/2014/main" id="{42BB6755-4490-ECB9-C760-68D4CA4D1D99}"/>
+                  <a16:creationId xmlns:a16="http://schemas.microsoft.com/office/drawing/2014/main" xmlns="" id="{42BB6755-4490-ECB9-C760-68D4CA4D1D99}"/>
                 </a:ext>
               </a:extLst>
             </p:cNvPr>
@@ -38696,7 +38747,7 @@
               <p:cNvPr id="30" name="Object 3">
                 <a:extLst>
                   <a:ext uri="{FF2B5EF4-FFF2-40B4-BE49-F238E27FC236}">
-                    <a16:creationId xmlns:a16="http://schemas.microsoft.com/office/drawing/2014/main" id="{435F3972-F6FE-6E95-390D-FE2951A201A5}"/>
+                    <a16:creationId xmlns:a16="http://schemas.microsoft.com/office/drawing/2014/main" xmlns="" id="{435F3972-F6FE-6E95-390D-FE2951A201A5}"/>
                   </a:ext>
                 </a:extLst>
               </p:cNvPr>
@@ -38727,7 +38778,7 @@
             <p:cNvPr id="6" name="그룹 1003">
               <a:extLst>
                 <a:ext uri="{FF2B5EF4-FFF2-40B4-BE49-F238E27FC236}">
-                  <a16:creationId xmlns:a16="http://schemas.microsoft.com/office/drawing/2014/main" id="{CEA14FEC-F70F-8BB1-3229-8B289D46B1BE}"/>
+                  <a16:creationId xmlns:a16="http://schemas.microsoft.com/office/drawing/2014/main" xmlns="" id="{CEA14FEC-F70F-8BB1-3229-8B289D46B1BE}"/>
                 </a:ext>
               </a:extLst>
             </p:cNvPr>
@@ -38747,7 +38798,7 @@
               <p:cNvPr id="29" name="Object 6">
                 <a:extLst>
                   <a:ext uri="{FF2B5EF4-FFF2-40B4-BE49-F238E27FC236}">
-                    <a16:creationId xmlns:a16="http://schemas.microsoft.com/office/drawing/2014/main" id="{7D8DFEA3-B447-FD80-229B-FE3F8B762A48}"/>
+                    <a16:creationId xmlns:a16="http://schemas.microsoft.com/office/drawing/2014/main" xmlns="" id="{7D8DFEA3-B447-FD80-229B-FE3F8B762A48}"/>
                   </a:ext>
                 </a:extLst>
               </p:cNvPr>
@@ -38778,7 +38829,7 @@
             <p:cNvPr id="7" name="그룹 1004">
               <a:extLst>
                 <a:ext uri="{FF2B5EF4-FFF2-40B4-BE49-F238E27FC236}">
-                  <a16:creationId xmlns:a16="http://schemas.microsoft.com/office/drawing/2014/main" id="{61049BDD-D8AB-1C05-3476-E0A7DFF10D1E}"/>
+                  <a16:creationId xmlns:a16="http://schemas.microsoft.com/office/drawing/2014/main" xmlns="" id="{61049BDD-D8AB-1C05-3476-E0A7DFF10D1E}"/>
                 </a:ext>
               </a:extLst>
             </p:cNvPr>
@@ -38798,7 +38849,7 @@
               <p:cNvPr id="28" name="Object 9">
                 <a:extLst>
                   <a:ext uri="{FF2B5EF4-FFF2-40B4-BE49-F238E27FC236}">
-                    <a16:creationId xmlns:a16="http://schemas.microsoft.com/office/drawing/2014/main" id="{BB75E1E0-AA47-136B-0062-3B2923DF50CC}"/>
+                    <a16:creationId xmlns:a16="http://schemas.microsoft.com/office/drawing/2014/main" xmlns="" id="{BB75E1E0-AA47-136B-0062-3B2923DF50CC}"/>
                   </a:ext>
                 </a:extLst>
               </p:cNvPr>
@@ -38829,7 +38880,7 @@
             <p:cNvPr id="8" name="그룹 1005">
               <a:extLst>
                 <a:ext uri="{FF2B5EF4-FFF2-40B4-BE49-F238E27FC236}">
-                  <a16:creationId xmlns:a16="http://schemas.microsoft.com/office/drawing/2014/main" id="{BBD37CDE-0996-DC37-B82B-81259E8E68F6}"/>
+                  <a16:creationId xmlns:a16="http://schemas.microsoft.com/office/drawing/2014/main" xmlns="" id="{BBD37CDE-0996-DC37-B82B-81259E8E68F6}"/>
                 </a:ext>
               </a:extLst>
             </p:cNvPr>
@@ -38849,7 +38900,7 @@
               <p:cNvPr id="27" name="Object 12">
                 <a:extLst>
                   <a:ext uri="{FF2B5EF4-FFF2-40B4-BE49-F238E27FC236}">
-                    <a16:creationId xmlns:a16="http://schemas.microsoft.com/office/drawing/2014/main" id="{2FEDB64D-D92F-9F75-699A-70AC411BF360}"/>
+                    <a16:creationId xmlns:a16="http://schemas.microsoft.com/office/drawing/2014/main" xmlns="" id="{2FEDB64D-D92F-9F75-699A-70AC411BF360}"/>
                   </a:ext>
                 </a:extLst>
               </p:cNvPr>
@@ -38880,7 +38931,7 @@
             <p:cNvPr id="9" name="그룹 1006">
               <a:extLst>
                 <a:ext uri="{FF2B5EF4-FFF2-40B4-BE49-F238E27FC236}">
-                  <a16:creationId xmlns:a16="http://schemas.microsoft.com/office/drawing/2014/main" id="{933FE248-46E3-EAFB-8CC8-C7AFD57C7A32}"/>
+                  <a16:creationId xmlns:a16="http://schemas.microsoft.com/office/drawing/2014/main" xmlns="" id="{933FE248-46E3-EAFB-8CC8-C7AFD57C7A32}"/>
                 </a:ext>
               </a:extLst>
             </p:cNvPr>
@@ -38900,7 +38951,7 @@
               <p:cNvPr id="26" name="Object 15">
                 <a:extLst>
                   <a:ext uri="{FF2B5EF4-FFF2-40B4-BE49-F238E27FC236}">
-                    <a16:creationId xmlns:a16="http://schemas.microsoft.com/office/drawing/2014/main" id="{0A60F11D-2A8F-8B6F-0287-13F728DEFE3B}"/>
+                    <a16:creationId xmlns:a16="http://schemas.microsoft.com/office/drawing/2014/main" xmlns="" id="{0A60F11D-2A8F-8B6F-0287-13F728DEFE3B}"/>
                   </a:ext>
                 </a:extLst>
               </p:cNvPr>
@@ -38931,7 +38982,7 @@
             <p:cNvPr id="10" name="그룹 1007">
               <a:extLst>
                 <a:ext uri="{FF2B5EF4-FFF2-40B4-BE49-F238E27FC236}">
-                  <a16:creationId xmlns:a16="http://schemas.microsoft.com/office/drawing/2014/main" id="{1109224B-448B-1B5F-6D84-E893DC2E1534}"/>
+                  <a16:creationId xmlns:a16="http://schemas.microsoft.com/office/drawing/2014/main" xmlns="" id="{1109224B-448B-1B5F-6D84-E893DC2E1534}"/>
                 </a:ext>
               </a:extLst>
             </p:cNvPr>
@@ -38951,7 +39002,7 @@
               <p:cNvPr id="25" name="Object 18">
                 <a:extLst>
                   <a:ext uri="{FF2B5EF4-FFF2-40B4-BE49-F238E27FC236}">
-                    <a16:creationId xmlns:a16="http://schemas.microsoft.com/office/drawing/2014/main" id="{C96F2A94-6828-264E-E3EE-3E7BB9D71EC0}"/>
+                    <a16:creationId xmlns:a16="http://schemas.microsoft.com/office/drawing/2014/main" xmlns="" id="{C96F2A94-6828-264E-E3EE-3E7BB9D71EC0}"/>
                   </a:ext>
                 </a:extLst>
               </p:cNvPr>
@@ -38982,7 +39033,7 @@
             <p:cNvPr id="11" name="그룹 1008">
               <a:extLst>
                 <a:ext uri="{FF2B5EF4-FFF2-40B4-BE49-F238E27FC236}">
-                  <a16:creationId xmlns:a16="http://schemas.microsoft.com/office/drawing/2014/main" id="{FA91F934-44D9-BE2C-2C9A-365BAD760020}"/>
+                  <a16:creationId xmlns:a16="http://schemas.microsoft.com/office/drawing/2014/main" xmlns="" id="{FA91F934-44D9-BE2C-2C9A-365BAD760020}"/>
                 </a:ext>
               </a:extLst>
             </p:cNvPr>
@@ -39002,7 +39053,7 @@
               <p:cNvPr id="24" name="Object 21">
                 <a:extLst>
                   <a:ext uri="{FF2B5EF4-FFF2-40B4-BE49-F238E27FC236}">
-                    <a16:creationId xmlns:a16="http://schemas.microsoft.com/office/drawing/2014/main" id="{B6A2858F-8DFA-9E99-8FD9-0EDD78662F6B}"/>
+                    <a16:creationId xmlns:a16="http://schemas.microsoft.com/office/drawing/2014/main" xmlns="" id="{B6A2858F-8DFA-9E99-8FD9-0EDD78662F6B}"/>
                   </a:ext>
                 </a:extLst>
               </p:cNvPr>
@@ -39033,7 +39084,7 @@
             <p:cNvPr id="12" name="그룹 1009">
               <a:extLst>
                 <a:ext uri="{FF2B5EF4-FFF2-40B4-BE49-F238E27FC236}">
-                  <a16:creationId xmlns:a16="http://schemas.microsoft.com/office/drawing/2014/main" id="{D6B3B607-7E92-1BF6-57D2-850B5FA959EC}"/>
+                  <a16:creationId xmlns:a16="http://schemas.microsoft.com/office/drawing/2014/main" xmlns="" id="{D6B3B607-7E92-1BF6-57D2-850B5FA959EC}"/>
                 </a:ext>
               </a:extLst>
             </p:cNvPr>
@@ -39053,7 +39104,7 @@
               <p:cNvPr id="23" name="Object 24">
                 <a:extLst>
                   <a:ext uri="{FF2B5EF4-FFF2-40B4-BE49-F238E27FC236}">
-                    <a16:creationId xmlns:a16="http://schemas.microsoft.com/office/drawing/2014/main" id="{F5824643-CE86-9262-BE34-479ABA316793}"/>
+                    <a16:creationId xmlns:a16="http://schemas.microsoft.com/office/drawing/2014/main" xmlns="" id="{F5824643-CE86-9262-BE34-479ABA316793}"/>
                   </a:ext>
                 </a:extLst>
               </p:cNvPr>
@@ -39084,7 +39135,7 @@
             <p:cNvPr id="13" name="그룹 1010">
               <a:extLst>
                 <a:ext uri="{FF2B5EF4-FFF2-40B4-BE49-F238E27FC236}">
-                  <a16:creationId xmlns:a16="http://schemas.microsoft.com/office/drawing/2014/main" id="{0F3DB597-C995-2892-6BB8-0676EAB1A7BE}"/>
+                  <a16:creationId xmlns:a16="http://schemas.microsoft.com/office/drawing/2014/main" xmlns="" id="{0F3DB597-C995-2892-6BB8-0676EAB1A7BE}"/>
                 </a:ext>
               </a:extLst>
             </p:cNvPr>
@@ -39104,7 +39155,7 @@
               <p:cNvPr id="22" name="Object 27">
                 <a:extLst>
                   <a:ext uri="{FF2B5EF4-FFF2-40B4-BE49-F238E27FC236}">
-                    <a16:creationId xmlns:a16="http://schemas.microsoft.com/office/drawing/2014/main" id="{1D952FFE-8620-6B1A-4A09-8A3CE15C92A2}"/>
+                    <a16:creationId xmlns:a16="http://schemas.microsoft.com/office/drawing/2014/main" xmlns="" id="{1D952FFE-8620-6B1A-4A09-8A3CE15C92A2}"/>
                   </a:ext>
                 </a:extLst>
               </p:cNvPr>
@@ -39135,7 +39186,7 @@
             <p:cNvPr id="14" name="그룹 1011">
               <a:extLst>
                 <a:ext uri="{FF2B5EF4-FFF2-40B4-BE49-F238E27FC236}">
-                  <a16:creationId xmlns:a16="http://schemas.microsoft.com/office/drawing/2014/main" id="{A47E0769-9D20-82DD-7450-2AFB133EA7F5}"/>
+                  <a16:creationId xmlns:a16="http://schemas.microsoft.com/office/drawing/2014/main" xmlns="" id="{A47E0769-9D20-82DD-7450-2AFB133EA7F5}"/>
                 </a:ext>
               </a:extLst>
             </p:cNvPr>
@@ -39155,7 +39206,7 @@
               <p:cNvPr id="21" name="Object 30">
                 <a:extLst>
                   <a:ext uri="{FF2B5EF4-FFF2-40B4-BE49-F238E27FC236}">
-                    <a16:creationId xmlns:a16="http://schemas.microsoft.com/office/drawing/2014/main" id="{D36DE068-EB6E-5849-A526-9C2090CED621}"/>
+                    <a16:creationId xmlns:a16="http://schemas.microsoft.com/office/drawing/2014/main" xmlns="" id="{D36DE068-EB6E-5849-A526-9C2090CED621}"/>
                   </a:ext>
                 </a:extLst>
               </p:cNvPr>
@@ -39186,7 +39237,7 @@
             <p:cNvPr id="15" name="그룹 1012">
               <a:extLst>
                 <a:ext uri="{FF2B5EF4-FFF2-40B4-BE49-F238E27FC236}">
-                  <a16:creationId xmlns:a16="http://schemas.microsoft.com/office/drawing/2014/main" id="{B0985FAA-83C7-085A-C309-FCB345532BDE}"/>
+                  <a16:creationId xmlns:a16="http://schemas.microsoft.com/office/drawing/2014/main" xmlns="" id="{B0985FAA-83C7-085A-C309-FCB345532BDE}"/>
                 </a:ext>
               </a:extLst>
             </p:cNvPr>
@@ -39206,7 +39257,7 @@
               <p:cNvPr id="20" name="Object 33">
                 <a:extLst>
                   <a:ext uri="{FF2B5EF4-FFF2-40B4-BE49-F238E27FC236}">
-                    <a16:creationId xmlns:a16="http://schemas.microsoft.com/office/drawing/2014/main" id="{D6517835-A230-5685-A8A5-D1DB8335CBFA}"/>
+                    <a16:creationId xmlns:a16="http://schemas.microsoft.com/office/drawing/2014/main" xmlns="" id="{D6517835-A230-5685-A8A5-D1DB8335CBFA}"/>
                   </a:ext>
                 </a:extLst>
               </p:cNvPr>
@@ -39237,7 +39288,7 @@
             <p:cNvPr id="16" name="그룹 1013">
               <a:extLst>
                 <a:ext uri="{FF2B5EF4-FFF2-40B4-BE49-F238E27FC236}">
-                  <a16:creationId xmlns:a16="http://schemas.microsoft.com/office/drawing/2014/main" id="{3D8CA25A-772D-749A-A22E-879E4C63D9E6}"/>
+                  <a16:creationId xmlns:a16="http://schemas.microsoft.com/office/drawing/2014/main" xmlns="" id="{3D8CA25A-772D-749A-A22E-879E4C63D9E6}"/>
                 </a:ext>
               </a:extLst>
             </p:cNvPr>
@@ -39257,7 +39308,7 @@
               <p:cNvPr id="19" name="Object 36">
                 <a:extLst>
                   <a:ext uri="{FF2B5EF4-FFF2-40B4-BE49-F238E27FC236}">
-                    <a16:creationId xmlns:a16="http://schemas.microsoft.com/office/drawing/2014/main" id="{2198454E-4F7C-8389-A1EA-B413F46643F4}"/>
+                    <a16:creationId xmlns:a16="http://schemas.microsoft.com/office/drawing/2014/main" xmlns="" id="{2198454E-4F7C-8389-A1EA-B413F46643F4}"/>
                   </a:ext>
                 </a:extLst>
               </p:cNvPr>
@@ -39288,7 +39339,7 @@
             <p:cNvPr id="17" name="그룹 1014">
               <a:extLst>
                 <a:ext uri="{FF2B5EF4-FFF2-40B4-BE49-F238E27FC236}">
-                  <a16:creationId xmlns:a16="http://schemas.microsoft.com/office/drawing/2014/main" id="{7B5B8359-6370-CD61-04F7-E7332B1269F8}"/>
+                  <a16:creationId xmlns:a16="http://schemas.microsoft.com/office/drawing/2014/main" xmlns="" id="{7B5B8359-6370-CD61-04F7-E7332B1269F8}"/>
                 </a:ext>
               </a:extLst>
             </p:cNvPr>
@@ -39308,7 +39359,7 @@
               <p:cNvPr id="18" name="Object 39">
                 <a:extLst>
                   <a:ext uri="{FF2B5EF4-FFF2-40B4-BE49-F238E27FC236}">
-                    <a16:creationId xmlns:a16="http://schemas.microsoft.com/office/drawing/2014/main" id="{6EC25CEC-C244-9ED0-1EA4-51E1C4D2C870}"/>
+                    <a16:creationId xmlns:a16="http://schemas.microsoft.com/office/drawing/2014/main" xmlns="" id="{6EC25CEC-C244-9ED0-1EA4-51E1C4D2C870}"/>
                   </a:ext>
                 </a:extLst>
               </p:cNvPr>
@@ -39340,7 +39391,7 @@
           <p:cNvPr id="31" name="그룹 1016">
             <a:extLst>
               <a:ext uri="{FF2B5EF4-FFF2-40B4-BE49-F238E27FC236}">
-                <a16:creationId xmlns:a16="http://schemas.microsoft.com/office/drawing/2014/main" id="{1DE47C6F-21FC-47D6-3F82-AD3D367DC4CB}"/>
+                <a16:creationId xmlns:a16="http://schemas.microsoft.com/office/drawing/2014/main" xmlns="" id="{1DE47C6F-21FC-47D6-3F82-AD3D367DC4CB}"/>
               </a:ext>
             </a:extLst>
           </p:cNvPr>
@@ -39360,7 +39411,7 @@
             <p:cNvPr id="32" name="Object 46">
               <a:extLst>
                 <a:ext uri="{FF2B5EF4-FFF2-40B4-BE49-F238E27FC236}">
-                  <a16:creationId xmlns:a16="http://schemas.microsoft.com/office/drawing/2014/main" id="{ADB560C1-17C4-1D68-5BD7-2DBA66CCB673}"/>
+                  <a16:creationId xmlns:a16="http://schemas.microsoft.com/office/drawing/2014/main" xmlns="" id="{ADB560C1-17C4-1D68-5BD7-2DBA66CCB673}"/>
                 </a:ext>
               </a:extLst>
             </p:cNvPr>
@@ -39391,7 +39442,7 @@
           <p:cNvPr id="33" name="그룹 1023">
             <a:extLst>
               <a:ext uri="{FF2B5EF4-FFF2-40B4-BE49-F238E27FC236}">
-                <a16:creationId xmlns:a16="http://schemas.microsoft.com/office/drawing/2014/main" id="{D6AF35F1-646F-F8C5-0E9B-773311A51399}"/>
+                <a16:creationId xmlns:a16="http://schemas.microsoft.com/office/drawing/2014/main" xmlns="" id="{D6AF35F1-646F-F8C5-0E9B-773311A51399}"/>
               </a:ext>
             </a:extLst>
           </p:cNvPr>
@@ -39411,7 +39462,7 @@
             <p:cNvPr id="34" name="그룹 1024">
               <a:extLst>
                 <a:ext uri="{FF2B5EF4-FFF2-40B4-BE49-F238E27FC236}">
-                  <a16:creationId xmlns:a16="http://schemas.microsoft.com/office/drawing/2014/main" id="{8C60895A-83EB-CF77-3918-E56384BB5793}"/>
+                  <a16:creationId xmlns:a16="http://schemas.microsoft.com/office/drawing/2014/main" xmlns="" id="{8C60895A-83EB-CF77-3918-E56384BB5793}"/>
                 </a:ext>
               </a:extLst>
             </p:cNvPr>
@@ -39431,7 +39482,7 @@
               <p:cNvPr id="39" name="Object 73">
                 <a:extLst>
                   <a:ext uri="{FF2B5EF4-FFF2-40B4-BE49-F238E27FC236}">
-                    <a16:creationId xmlns:a16="http://schemas.microsoft.com/office/drawing/2014/main" id="{A33A8D58-9259-76B4-574F-DC3FD3C09ED5}"/>
+                    <a16:creationId xmlns:a16="http://schemas.microsoft.com/office/drawing/2014/main" xmlns="" id="{A33A8D58-9259-76B4-574F-DC3FD3C09ED5}"/>
                   </a:ext>
                 </a:extLst>
               </p:cNvPr>
@@ -39462,7 +39513,7 @@
             <p:cNvPr id="35" name="그룹 1025">
               <a:extLst>
                 <a:ext uri="{FF2B5EF4-FFF2-40B4-BE49-F238E27FC236}">
-                  <a16:creationId xmlns:a16="http://schemas.microsoft.com/office/drawing/2014/main" id="{6DF0752A-0964-9D56-6135-A3D850ADA990}"/>
+                  <a16:creationId xmlns:a16="http://schemas.microsoft.com/office/drawing/2014/main" xmlns="" id="{6DF0752A-0964-9D56-6135-A3D850ADA990}"/>
                 </a:ext>
               </a:extLst>
             </p:cNvPr>
@@ -39482,7 +39533,7 @@
               <p:cNvPr id="38" name="Object 76">
                 <a:extLst>
                   <a:ext uri="{FF2B5EF4-FFF2-40B4-BE49-F238E27FC236}">
-                    <a16:creationId xmlns:a16="http://schemas.microsoft.com/office/drawing/2014/main" id="{26A406E1-6890-046D-41BA-A84840C6E21B}"/>
+                    <a16:creationId xmlns:a16="http://schemas.microsoft.com/office/drawing/2014/main" xmlns="" id="{26A406E1-6890-046D-41BA-A84840C6E21B}"/>
                   </a:ext>
                 </a:extLst>
               </p:cNvPr>
@@ -39513,7 +39564,7 @@
             <p:cNvPr id="36" name="그룹 1026">
               <a:extLst>
                 <a:ext uri="{FF2B5EF4-FFF2-40B4-BE49-F238E27FC236}">
-                  <a16:creationId xmlns:a16="http://schemas.microsoft.com/office/drawing/2014/main" id="{54D791D7-08A3-C1A7-0EB0-EF7BF07A2162}"/>
+                  <a16:creationId xmlns:a16="http://schemas.microsoft.com/office/drawing/2014/main" xmlns="" id="{54D791D7-08A3-C1A7-0EB0-EF7BF07A2162}"/>
                 </a:ext>
               </a:extLst>
             </p:cNvPr>
@@ -39533,7 +39584,7 @@
               <p:cNvPr id="37" name="Object 79">
                 <a:extLst>
                   <a:ext uri="{FF2B5EF4-FFF2-40B4-BE49-F238E27FC236}">
-                    <a16:creationId xmlns:a16="http://schemas.microsoft.com/office/drawing/2014/main" id="{7A0DE37B-7809-26D9-A54A-2B1CA6F13488}"/>
+                    <a16:creationId xmlns:a16="http://schemas.microsoft.com/office/drawing/2014/main" xmlns="" id="{7A0DE37B-7809-26D9-A54A-2B1CA6F13488}"/>
                   </a:ext>
                 </a:extLst>
               </p:cNvPr>
@@ -39565,7 +39616,7 @@
           <p:cNvPr id="40" name="TextBox 39">
             <a:extLst>
               <a:ext uri="{FF2B5EF4-FFF2-40B4-BE49-F238E27FC236}">
-                <a16:creationId xmlns:a16="http://schemas.microsoft.com/office/drawing/2014/main" id="{67776577-8BF8-BCED-C13C-73FAE8F81DC9}"/>
+                <a16:creationId xmlns:a16="http://schemas.microsoft.com/office/drawing/2014/main" xmlns="" id="{67776577-8BF8-BCED-C13C-73FAE8F81DC9}"/>
               </a:ext>
             </a:extLst>
           </p:cNvPr>
@@ -39633,7 +39684,7 @@
           <p:cNvPr id="41" name="TextBox 40">
             <a:extLst>
               <a:ext uri="{FF2B5EF4-FFF2-40B4-BE49-F238E27FC236}">
-                <a16:creationId xmlns:a16="http://schemas.microsoft.com/office/drawing/2014/main" id="{BDB5FB4E-65AD-F1CF-7B45-1EE76F100F92}"/>
+                <a16:creationId xmlns:a16="http://schemas.microsoft.com/office/drawing/2014/main" xmlns="" id="{BDB5FB4E-65AD-F1CF-7B45-1EE76F100F92}"/>
               </a:ext>
             </a:extLst>
           </p:cNvPr>
@@ -39711,7 +39762,7 @@
           <p:cNvPr id="6" name="그룹 1018">
             <a:extLst>
               <a:ext uri="{FF2B5EF4-FFF2-40B4-BE49-F238E27FC236}">
-                <a16:creationId xmlns:a16="http://schemas.microsoft.com/office/drawing/2014/main" id="{0804D430-F42E-AE32-A065-FFA8C471F092}"/>
+                <a16:creationId xmlns:a16="http://schemas.microsoft.com/office/drawing/2014/main" xmlns="" id="{0804D430-F42E-AE32-A065-FFA8C471F092}"/>
               </a:ext>
             </a:extLst>
           </p:cNvPr>
@@ -39731,7 +39782,7 @@
             <p:cNvPr id="7" name="Object 61">
               <a:extLst>
                 <a:ext uri="{FF2B5EF4-FFF2-40B4-BE49-F238E27FC236}">
-                  <a16:creationId xmlns:a16="http://schemas.microsoft.com/office/drawing/2014/main" id="{334A4C3A-641C-7CD9-8FEE-5EC92B28D640}"/>
+                  <a16:creationId xmlns:a16="http://schemas.microsoft.com/office/drawing/2014/main" xmlns="" id="{334A4C3A-641C-7CD9-8FEE-5EC92B28D640}"/>
                 </a:ext>
               </a:extLst>
             </p:cNvPr>
@@ -39803,7 +39854,7 @@
           <p:cNvPr id="5" name="TextBox 4">
             <a:extLst>
               <a:ext uri="{FF2B5EF4-FFF2-40B4-BE49-F238E27FC236}">
-                <a16:creationId xmlns:a16="http://schemas.microsoft.com/office/drawing/2014/main" id="{DF7DDD33-9412-2802-339A-E55446AC2DA7}"/>
+                <a16:creationId xmlns:a16="http://schemas.microsoft.com/office/drawing/2014/main" xmlns="" id="{DF7DDD33-9412-2802-339A-E55446AC2DA7}"/>
               </a:ext>
             </a:extLst>
           </p:cNvPr>
@@ -39911,7 +39962,7 @@
           <p:cNvPr id="10" name="TextBox 9">
             <a:extLst>
               <a:ext uri="{FF2B5EF4-FFF2-40B4-BE49-F238E27FC236}">
-                <a16:creationId xmlns:a16="http://schemas.microsoft.com/office/drawing/2014/main" id="{DF7DDD33-9412-2802-339A-E55446AC2DA7}"/>
+                <a16:creationId xmlns:a16="http://schemas.microsoft.com/office/drawing/2014/main" xmlns="" id="{DF7DDD33-9412-2802-339A-E55446AC2DA7}"/>
               </a:ext>
             </a:extLst>
           </p:cNvPr>
@@ -39969,7 +40020,7 @@
           <p:cNvPr id="11" name="그룹 1018">
             <a:extLst>
               <a:ext uri="{FF2B5EF4-FFF2-40B4-BE49-F238E27FC236}">
-                <a16:creationId xmlns:a16="http://schemas.microsoft.com/office/drawing/2014/main" id="{0804D430-F42E-AE32-A065-FFA8C471F092}"/>
+                <a16:creationId xmlns:a16="http://schemas.microsoft.com/office/drawing/2014/main" xmlns="" id="{0804D430-F42E-AE32-A065-FFA8C471F092}"/>
               </a:ext>
             </a:extLst>
           </p:cNvPr>
@@ -39989,7 +40040,7 @@
             <p:cNvPr id="12" name="Object 61">
               <a:extLst>
                 <a:ext uri="{FF2B5EF4-FFF2-40B4-BE49-F238E27FC236}">
-                  <a16:creationId xmlns:a16="http://schemas.microsoft.com/office/drawing/2014/main" id="{334A4C3A-641C-7CD9-8FEE-5EC92B28D640}"/>
+                  <a16:creationId xmlns:a16="http://schemas.microsoft.com/office/drawing/2014/main" xmlns="" id="{334A4C3A-641C-7CD9-8FEE-5EC92B28D640}"/>
                 </a:ext>
               </a:extLst>
             </p:cNvPr>
@@ -40020,7 +40071,7 @@
           <p:cNvPr id="13" name="TextBox 12">
             <a:extLst>
               <a:ext uri="{FF2B5EF4-FFF2-40B4-BE49-F238E27FC236}">
-                <a16:creationId xmlns:a16="http://schemas.microsoft.com/office/drawing/2014/main" id="{DF7DDD33-9412-2802-339A-E55446AC2DA7}"/>
+                <a16:creationId xmlns:a16="http://schemas.microsoft.com/office/drawing/2014/main" xmlns="" id="{DF7DDD33-9412-2802-339A-E55446AC2DA7}"/>
               </a:ext>
             </a:extLst>
           </p:cNvPr>
@@ -40128,7 +40179,7 @@
           <p:cNvPr id="14" name="TextBox 13">
             <a:extLst>
               <a:ext uri="{FF2B5EF4-FFF2-40B4-BE49-F238E27FC236}">
-                <a16:creationId xmlns:a16="http://schemas.microsoft.com/office/drawing/2014/main" id="{DF7DDD33-9412-2802-339A-E55446AC2DA7}"/>
+                <a16:creationId xmlns:a16="http://schemas.microsoft.com/office/drawing/2014/main" xmlns="" id="{DF7DDD33-9412-2802-339A-E55446AC2DA7}"/>
               </a:ext>
             </a:extLst>
           </p:cNvPr>
@@ -40216,7 +40267,7 @@
           <p:cNvPr id="4" name="TextBox 3">
             <a:extLst>
               <a:ext uri="{FF2B5EF4-FFF2-40B4-BE49-F238E27FC236}">
-                <a16:creationId xmlns:a16="http://schemas.microsoft.com/office/drawing/2014/main" id="{DF7DDD33-9412-2802-339A-E55446AC2DA7}"/>
+                <a16:creationId xmlns:a16="http://schemas.microsoft.com/office/drawing/2014/main" xmlns="" id="{DF7DDD33-9412-2802-339A-E55446AC2DA7}"/>
               </a:ext>
             </a:extLst>
           </p:cNvPr>
@@ -40294,7 +40345,7 @@
           <p:cNvPr id="4" name="그룹 1016">
             <a:extLst>
               <a:ext uri="{FF2B5EF4-FFF2-40B4-BE49-F238E27FC236}">
-                <a16:creationId xmlns:a16="http://schemas.microsoft.com/office/drawing/2014/main" id="{AA13A3EF-F488-87B4-3F87-5B52552891A6}"/>
+                <a16:creationId xmlns:a16="http://schemas.microsoft.com/office/drawing/2014/main" xmlns="" id="{AA13A3EF-F488-87B4-3F87-5B52552891A6}"/>
               </a:ext>
             </a:extLst>
           </p:cNvPr>
@@ -40314,7 +40365,7 @@
             <p:cNvPr id="5" name="그룹 1017">
               <a:extLst>
                 <a:ext uri="{FF2B5EF4-FFF2-40B4-BE49-F238E27FC236}">
-                  <a16:creationId xmlns:a16="http://schemas.microsoft.com/office/drawing/2014/main" id="{DD5B6348-D6C2-1E43-47F2-F015E70C50D0}"/>
+                  <a16:creationId xmlns:a16="http://schemas.microsoft.com/office/drawing/2014/main" xmlns="" id="{DD5B6348-D6C2-1E43-47F2-F015E70C50D0}"/>
                 </a:ext>
               </a:extLst>
             </p:cNvPr>
@@ -40334,7 +40385,7 @@
               <p:cNvPr id="8" name="Object 58">
                 <a:extLst>
                   <a:ext uri="{FF2B5EF4-FFF2-40B4-BE49-F238E27FC236}">
-                    <a16:creationId xmlns:a16="http://schemas.microsoft.com/office/drawing/2014/main" id="{E926E84F-387D-D73A-959B-A7BBDEA707C6}"/>
+                    <a16:creationId xmlns:a16="http://schemas.microsoft.com/office/drawing/2014/main" xmlns="" id="{E926E84F-387D-D73A-959B-A7BBDEA707C6}"/>
                   </a:ext>
                 </a:extLst>
               </p:cNvPr>
@@ -40365,7 +40416,7 @@
             <p:cNvPr id="6" name="그룹 1018">
               <a:extLst>
                 <a:ext uri="{FF2B5EF4-FFF2-40B4-BE49-F238E27FC236}">
-                  <a16:creationId xmlns:a16="http://schemas.microsoft.com/office/drawing/2014/main" id="{B51CCF3A-1468-51BC-27EE-7ACC4E2D0E92}"/>
+                  <a16:creationId xmlns:a16="http://schemas.microsoft.com/office/drawing/2014/main" xmlns="" id="{B51CCF3A-1468-51BC-27EE-7ACC4E2D0E92}"/>
                 </a:ext>
               </a:extLst>
             </p:cNvPr>
@@ -40385,7 +40436,7 @@
               <p:cNvPr id="7" name="Object 61">
                 <a:extLst>
                   <a:ext uri="{FF2B5EF4-FFF2-40B4-BE49-F238E27FC236}">
-                    <a16:creationId xmlns:a16="http://schemas.microsoft.com/office/drawing/2014/main" id="{7384DDFE-27C6-B967-21FA-834078595458}"/>
+                    <a16:creationId xmlns:a16="http://schemas.microsoft.com/office/drawing/2014/main" xmlns="" id="{7384DDFE-27C6-B967-21FA-834078595458}"/>
                   </a:ext>
                 </a:extLst>
               </p:cNvPr>
@@ -40417,7 +40468,7 @@
           <p:cNvPr id="9" name="그룹 1006">
             <a:extLst>
               <a:ext uri="{FF2B5EF4-FFF2-40B4-BE49-F238E27FC236}">
-                <a16:creationId xmlns:a16="http://schemas.microsoft.com/office/drawing/2014/main" id="{DA5AECD5-4C6B-C6E0-9057-4A4BB838FB29}"/>
+                <a16:creationId xmlns:a16="http://schemas.microsoft.com/office/drawing/2014/main" xmlns="" id="{DA5AECD5-4C6B-C6E0-9057-4A4BB838FB29}"/>
               </a:ext>
             </a:extLst>
           </p:cNvPr>
@@ -40437,7 +40488,7 @@
             <p:cNvPr id="10" name="Object 18">
               <a:extLst>
                 <a:ext uri="{FF2B5EF4-FFF2-40B4-BE49-F238E27FC236}">
-                  <a16:creationId xmlns:a16="http://schemas.microsoft.com/office/drawing/2014/main" id="{F33E73BC-B877-CC26-0C7F-B5AF2D91EACC}"/>
+                  <a16:creationId xmlns:a16="http://schemas.microsoft.com/office/drawing/2014/main" xmlns="" id="{F33E73BC-B877-CC26-0C7F-B5AF2D91EACC}"/>
                 </a:ext>
               </a:extLst>
             </p:cNvPr>
@@ -40468,7 +40519,7 @@
           <p:cNvPr id="11" name="그룹 1007">
             <a:extLst>
               <a:ext uri="{FF2B5EF4-FFF2-40B4-BE49-F238E27FC236}">
-                <a16:creationId xmlns:a16="http://schemas.microsoft.com/office/drawing/2014/main" id="{DD95D7BB-8D63-9E75-4010-C518E4FDBAD6}"/>
+                <a16:creationId xmlns:a16="http://schemas.microsoft.com/office/drawing/2014/main" xmlns="" id="{DD95D7BB-8D63-9E75-4010-C518E4FDBAD6}"/>
               </a:ext>
             </a:extLst>
           </p:cNvPr>
@@ -40488,7 +40539,7 @@
             <p:cNvPr id="12" name="Object 21">
               <a:extLst>
                 <a:ext uri="{FF2B5EF4-FFF2-40B4-BE49-F238E27FC236}">
-                  <a16:creationId xmlns:a16="http://schemas.microsoft.com/office/drawing/2014/main" id="{EEEB3107-045B-4D5F-02F6-7F9BAB218DBA}"/>
+                  <a16:creationId xmlns:a16="http://schemas.microsoft.com/office/drawing/2014/main" xmlns="" id="{EEEB3107-045B-4D5F-02F6-7F9BAB218DBA}"/>
                 </a:ext>
               </a:extLst>
             </p:cNvPr>
@@ -40519,7 +40570,7 @@
           <p:cNvPr id="13" name="그룹 1008">
             <a:extLst>
               <a:ext uri="{FF2B5EF4-FFF2-40B4-BE49-F238E27FC236}">
-                <a16:creationId xmlns:a16="http://schemas.microsoft.com/office/drawing/2014/main" id="{98838A85-E5D7-77FE-4B20-58C3FF9B6C5E}"/>
+                <a16:creationId xmlns:a16="http://schemas.microsoft.com/office/drawing/2014/main" xmlns="" id="{98838A85-E5D7-77FE-4B20-58C3FF9B6C5E}"/>
               </a:ext>
             </a:extLst>
           </p:cNvPr>
@@ -40539,7 +40590,7 @@
             <p:cNvPr id="14" name="Object 24">
               <a:extLst>
                 <a:ext uri="{FF2B5EF4-FFF2-40B4-BE49-F238E27FC236}">
-                  <a16:creationId xmlns:a16="http://schemas.microsoft.com/office/drawing/2014/main" id="{468F2CB3-563F-9B41-1294-A0B328A9C03F}"/>
+                  <a16:creationId xmlns:a16="http://schemas.microsoft.com/office/drawing/2014/main" xmlns="" id="{468F2CB3-563F-9B41-1294-A0B328A9C03F}"/>
                 </a:ext>
               </a:extLst>
             </p:cNvPr>
@@ -40570,7 +40621,7 @@
           <p:cNvPr id="17" name="그룹 1019">
             <a:extLst>
               <a:ext uri="{FF2B5EF4-FFF2-40B4-BE49-F238E27FC236}">
-                <a16:creationId xmlns:a16="http://schemas.microsoft.com/office/drawing/2014/main" id="{29E0DFB5-4178-3B03-0A70-95EE17DCE53D}"/>
+                <a16:creationId xmlns:a16="http://schemas.microsoft.com/office/drawing/2014/main" xmlns="" id="{29E0DFB5-4178-3B03-0A70-95EE17DCE53D}"/>
               </a:ext>
             </a:extLst>
           </p:cNvPr>
@@ -40590,7 +40641,7 @@
             <p:cNvPr id="18" name="Object 61">
               <a:extLst>
                 <a:ext uri="{FF2B5EF4-FFF2-40B4-BE49-F238E27FC236}">
-                  <a16:creationId xmlns:a16="http://schemas.microsoft.com/office/drawing/2014/main" id="{3CE8DCA4-38A6-DE0E-C169-95883351E90B}"/>
+                  <a16:creationId xmlns:a16="http://schemas.microsoft.com/office/drawing/2014/main" xmlns="" id="{3CE8DCA4-38A6-DE0E-C169-95883351E90B}"/>
                 </a:ext>
               </a:extLst>
             </p:cNvPr>
@@ -40621,7 +40672,7 @@
           <p:cNvPr id="19" name="그룹 1024">
             <a:extLst>
               <a:ext uri="{FF2B5EF4-FFF2-40B4-BE49-F238E27FC236}">
-                <a16:creationId xmlns:a16="http://schemas.microsoft.com/office/drawing/2014/main" id="{D63117C1-65D4-0F5A-875E-7A548566C74C}"/>
+                <a16:creationId xmlns:a16="http://schemas.microsoft.com/office/drawing/2014/main" xmlns="" id="{D63117C1-65D4-0F5A-875E-7A548566C74C}"/>
               </a:ext>
             </a:extLst>
           </p:cNvPr>
@@ -40641,7 +40692,7 @@
             <p:cNvPr id="20" name="Object 76">
               <a:extLst>
                 <a:ext uri="{FF2B5EF4-FFF2-40B4-BE49-F238E27FC236}">
-                  <a16:creationId xmlns:a16="http://schemas.microsoft.com/office/drawing/2014/main" id="{3EB012B7-6446-A40C-6894-F9969F5F72B5}"/>
+                  <a16:creationId xmlns:a16="http://schemas.microsoft.com/office/drawing/2014/main" xmlns="" id="{3EB012B7-6446-A40C-6894-F9969F5F72B5}"/>
                 </a:ext>
               </a:extLst>
             </p:cNvPr>
@@ -40672,7 +40723,7 @@
           <p:cNvPr id="21" name="그룹 1025">
             <a:extLst>
               <a:ext uri="{FF2B5EF4-FFF2-40B4-BE49-F238E27FC236}">
-                <a16:creationId xmlns:a16="http://schemas.microsoft.com/office/drawing/2014/main" id="{CDAC6F02-2AB4-415D-5A43-9517998CEC9C}"/>
+                <a16:creationId xmlns:a16="http://schemas.microsoft.com/office/drawing/2014/main" xmlns="" id="{CDAC6F02-2AB4-415D-5A43-9517998CEC9C}"/>
               </a:ext>
             </a:extLst>
           </p:cNvPr>
@@ -40692,7 +40743,7 @@
             <p:cNvPr id="22" name="Object 79">
               <a:extLst>
                 <a:ext uri="{FF2B5EF4-FFF2-40B4-BE49-F238E27FC236}">
-                  <a16:creationId xmlns:a16="http://schemas.microsoft.com/office/drawing/2014/main" id="{1C226E7E-F1AB-0597-037F-A83B97CA9C34}"/>
+                  <a16:creationId xmlns:a16="http://schemas.microsoft.com/office/drawing/2014/main" xmlns="" id="{1C226E7E-F1AB-0597-037F-A83B97CA9C34}"/>
                 </a:ext>
               </a:extLst>
             </p:cNvPr>
@@ -40723,7 +40774,7 @@
           <p:cNvPr id="23" name="그룹 1033">
             <a:extLst>
               <a:ext uri="{FF2B5EF4-FFF2-40B4-BE49-F238E27FC236}">
-                <a16:creationId xmlns:a16="http://schemas.microsoft.com/office/drawing/2014/main" id="{6EE9B338-E8AD-C370-2B87-7DDE74453CE8}"/>
+                <a16:creationId xmlns:a16="http://schemas.microsoft.com/office/drawing/2014/main" xmlns="" id="{6EE9B338-E8AD-C370-2B87-7DDE74453CE8}"/>
               </a:ext>
             </a:extLst>
           </p:cNvPr>
@@ -40743,7 +40794,7 @@
             <p:cNvPr id="24" name="Object 106">
               <a:extLst>
                 <a:ext uri="{FF2B5EF4-FFF2-40B4-BE49-F238E27FC236}">
-                  <a16:creationId xmlns:a16="http://schemas.microsoft.com/office/drawing/2014/main" id="{4D1CFF03-41AC-FC94-C020-AE39D7B9ACB0}"/>
+                  <a16:creationId xmlns:a16="http://schemas.microsoft.com/office/drawing/2014/main" xmlns="" id="{4D1CFF03-41AC-FC94-C020-AE39D7B9ACB0}"/>
                 </a:ext>
               </a:extLst>
             </p:cNvPr>
@@ -40773,7 +40824,7 @@
             <p:cNvPr id="25" name="Object 107">
               <a:extLst>
                 <a:ext uri="{FF2B5EF4-FFF2-40B4-BE49-F238E27FC236}">
-                  <a16:creationId xmlns:a16="http://schemas.microsoft.com/office/drawing/2014/main" id="{F5995CE4-9E5D-6746-11D0-F309607BA6DB}"/>
+                  <a16:creationId xmlns:a16="http://schemas.microsoft.com/office/drawing/2014/main" xmlns="" id="{F5995CE4-9E5D-6746-11D0-F309607BA6DB}"/>
                 </a:ext>
               </a:extLst>
             </p:cNvPr>
@@ -40804,7 +40855,7 @@
           <p:cNvPr id="26" name="그룹 1034">
             <a:extLst>
               <a:ext uri="{FF2B5EF4-FFF2-40B4-BE49-F238E27FC236}">
-                <a16:creationId xmlns:a16="http://schemas.microsoft.com/office/drawing/2014/main" id="{6BFD2D92-9058-F5E7-B251-3AF21D631A80}"/>
+                <a16:creationId xmlns:a16="http://schemas.microsoft.com/office/drawing/2014/main" xmlns="" id="{6BFD2D92-9058-F5E7-B251-3AF21D631A80}"/>
               </a:ext>
             </a:extLst>
           </p:cNvPr>
@@ -40824,7 +40875,7 @@
             <p:cNvPr id="27" name="Object 110">
               <a:extLst>
                 <a:ext uri="{FF2B5EF4-FFF2-40B4-BE49-F238E27FC236}">
-                  <a16:creationId xmlns:a16="http://schemas.microsoft.com/office/drawing/2014/main" id="{2C9A0473-B72D-885C-161C-FD9A7B5B3181}"/>
+                  <a16:creationId xmlns:a16="http://schemas.microsoft.com/office/drawing/2014/main" xmlns="" id="{2C9A0473-B72D-885C-161C-FD9A7B5B3181}"/>
                 </a:ext>
               </a:extLst>
             </p:cNvPr>
@@ -40855,7 +40906,7 @@
           <p:cNvPr id="28" name="TextBox 27">
             <a:extLst>
               <a:ext uri="{FF2B5EF4-FFF2-40B4-BE49-F238E27FC236}">
-                <a16:creationId xmlns:a16="http://schemas.microsoft.com/office/drawing/2014/main" id="{D3A03209-5681-7969-A244-E4CA8DA6226E}"/>
+                <a16:creationId xmlns:a16="http://schemas.microsoft.com/office/drawing/2014/main" xmlns="" id="{D3A03209-5681-7969-A244-E4CA8DA6226E}"/>
               </a:ext>
             </a:extLst>
           </p:cNvPr>
@@ -40933,7 +40984,7 @@
           <p:cNvPr id="30" name="그룹 1016">
             <a:extLst>
               <a:ext uri="{FF2B5EF4-FFF2-40B4-BE49-F238E27FC236}">
-                <a16:creationId xmlns:a16="http://schemas.microsoft.com/office/drawing/2014/main" id="{5891CDDE-F777-31FE-014E-6E79EFE369BC}"/>
+                <a16:creationId xmlns:a16="http://schemas.microsoft.com/office/drawing/2014/main" xmlns="" id="{5891CDDE-F777-31FE-014E-6E79EFE369BC}"/>
               </a:ext>
             </a:extLst>
           </p:cNvPr>
@@ -40953,7 +41004,7 @@
             <p:cNvPr id="31" name="그룹 1017">
               <a:extLst>
                 <a:ext uri="{FF2B5EF4-FFF2-40B4-BE49-F238E27FC236}">
-                  <a16:creationId xmlns:a16="http://schemas.microsoft.com/office/drawing/2014/main" id="{A40B3531-B460-1F2F-9DC7-76FFEA96A365}"/>
+                  <a16:creationId xmlns:a16="http://schemas.microsoft.com/office/drawing/2014/main" xmlns="" id="{A40B3531-B460-1F2F-9DC7-76FFEA96A365}"/>
                 </a:ext>
               </a:extLst>
             </p:cNvPr>
@@ -40973,7 +41024,7 @@
               <p:cNvPr id="34" name="Object 58">
                 <a:extLst>
                   <a:ext uri="{FF2B5EF4-FFF2-40B4-BE49-F238E27FC236}">
-                    <a16:creationId xmlns:a16="http://schemas.microsoft.com/office/drawing/2014/main" id="{77EDB72F-2E14-2BB1-1340-A5E5E4C6270D}"/>
+                    <a16:creationId xmlns:a16="http://schemas.microsoft.com/office/drawing/2014/main" xmlns="" id="{77EDB72F-2E14-2BB1-1340-A5E5E4C6270D}"/>
                   </a:ext>
                 </a:extLst>
               </p:cNvPr>
@@ -41004,7 +41055,7 @@
             <p:cNvPr id="32" name="그룹 1018">
               <a:extLst>
                 <a:ext uri="{FF2B5EF4-FFF2-40B4-BE49-F238E27FC236}">
-                  <a16:creationId xmlns:a16="http://schemas.microsoft.com/office/drawing/2014/main" id="{1A00891F-AAB3-D218-8730-F8F1C5A32DDE}"/>
+                  <a16:creationId xmlns:a16="http://schemas.microsoft.com/office/drawing/2014/main" xmlns="" id="{1A00891F-AAB3-D218-8730-F8F1C5A32DDE}"/>
                 </a:ext>
               </a:extLst>
             </p:cNvPr>
@@ -41024,7 +41075,7 @@
               <p:cNvPr id="33" name="Object 61">
                 <a:extLst>
                   <a:ext uri="{FF2B5EF4-FFF2-40B4-BE49-F238E27FC236}">
-                    <a16:creationId xmlns:a16="http://schemas.microsoft.com/office/drawing/2014/main" id="{6E058ED6-3BFB-26F7-3F79-68521C3CCDC8}"/>
+                    <a16:creationId xmlns:a16="http://schemas.microsoft.com/office/drawing/2014/main" xmlns="" id="{6E058ED6-3BFB-26F7-3F79-68521C3CCDC8}"/>
                   </a:ext>
                 </a:extLst>
               </p:cNvPr>
@@ -41056,7 +41107,7 @@
           <p:cNvPr id="35" name="TextBox 34">
             <a:extLst>
               <a:ext uri="{FF2B5EF4-FFF2-40B4-BE49-F238E27FC236}">
-                <a16:creationId xmlns:a16="http://schemas.microsoft.com/office/drawing/2014/main" id="{A6DFFD1A-E672-81C5-2C05-729C2701FE05}"/>
+                <a16:creationId xmlns:a16="http://schemas.microsoft.com/office/drawing/2014/main" xmlns="" id="{A6DFFD1A-E672-81C5-2C05-729C2701FE05}"/>
               </a:ext>
             </a:extLst>
           </p:cNvPr>
@@ -41114,7 +41165,7 @@
           <p:cNvPr id="36" name="그룹 1016">
             <a:extLst>
               <a:ext uri="{FF2B5EF4-FFF2-40B4-BE49-F238E27FC236}">
-                <a16:creationId xmlns:a16="http://schemas.microsoft.com/office/drawing/2014/main" id="{E90C37B5-C463-F705-13B7-5806753E01F5}"/>
+                <a16:creationId xmlns:a16="http://schemas.microsoft.com/office/drawing/2014/main" xmlns="" id="{E90C37B5-C463-F705-13B7-5806753E01F5}"/>
               </a:ext>
             </a:extLst>
           </p:cNvPr>
@@ -41134,7 +41185,7 @@
             <p:cNvPr id="37" name="그룹 1017">
               <a:extLst>
                 <a:ext uri="{FF2B5EF4-FFF2-40B4-BE49-F238E27FC236}">
-                  <a16:creationId xmlns:a16="http://schemas.microsoft.com/office/drawing/2014/main" id="{C717D910-BE22-50C2-22B1-75E7C62B4282}"/>
+                  <a16:creationId xmlns:a16="http://schemas.microsoft.com/office/drawing/2014/main" xmlns="" id="{C717D910-BE22-50C2-22B1-75E7C62B4282}"/>
                 </a:ext>
               </a:extLst>
             </p:cNvPr>
@@ -41154,7 +41205,7 @@
               <p:cNvPr id="40" name="Object 58">
                 <a:extLst>
                   <a:ext uri="{FF2B5EF4-FFF2-40B4-BE49-F238E27FC236}">
-                    <a16:creationId xmlns:a16="http://schemas.microsoft.com/office/drawing/2014/main" id="{B80EC2FE-CC22-6DD2-9B7E-C79E1A12BE1A}"/>
+                    <a16:creationId xmlns:a16="http://schemas.microsoft.com/office/drawing/2014/main" xmlns="" id="{B80EC2FE-CC22-6DD2-9B7E-C79E1A12BE1A}"/>
                   </a:ext>
                 </a:extLst>
               </p:cNvPr>
@@ -41185,7 +41236,7 @@
             <p:cNvPr id="38" name="그룹 1018">
               <a:extLst>
                 <a:ext uri="{FF2B5EF4-FFF2-40B4-BE49-F238E27FC236}">
-                  <a16:creationId xmlns:a16="http://schemas.microsoft.com/office/drawing/2014/main" id="{055D9BC8-6D51-F88C-C523-40F76A7807E1}"/>
+                  <a16:creationId xmlns:a16="http://schemas.microsoft.com/office/drawing/2014/main" xmlns="" id="{055D9BC8-6D51-F88C-C523-40F76A7807E1}"/>
                 </a:ext>
               </a:extLst>
             </p:cNvPr>
@@ -41205,7 +41256,7 @@
               <p:cNvPr id="39" name="Object 61">
                 <a:extLst>
                   <a:ext uri="{FF2B5EF4-FFF2-40B4-BE49-F238E27FC236}">
-                    <a16:creationId xmlns:a16="http://schemas.microsoft.com/office/drawing/2014/main" id="{2F7B0521-2B3F-98C3-0A5E-E5A11D8E57DC}"/>
+                    <a16:creationId xmlns:a16="http://schemas.microsoft.com/office/drawing/2014/main" xmlns="" id="{2F7B0521-2B3F-98C3-0A5E-E5A11D8E57DC}"/>
                   </a:ext>
                 </a:extLst>
               </p:cNvPr>
@@ -41237,7 +41288,7 @@
           <p:cNvPr id="41" name="그룹 1016">
             <a:extLst>
               <a:ext uri="{FF2B5EF4-FFF2-40B4-BE49-F238E27FC236}">
-                <a16:creationId xmlns:a16="http://schemas.microsoft.com/office/drawing/2014/main" id="{2B593D9F-D2EA-2555-8A3A-3ED72B2E7EE3}"/>
+                <a16:creationId xmlns:a16="http://schemas.microsoft.com/office/drawing/2014/main" xmlns="" id="{2B593D9F-D2EA-2555-8A3A-3ED72B2E7EE3}"/>
               </a:ext>
             </a:extLst>
           </p:cNvPr>
@@ -41257,7 +41308,7 @@
             <p:cNvPr id="42" name="그룹 1017">
               <a:extLst>
                 <a:ext uri="{FF2B5EF4-FFF2-40B4-BE49-F238E27FC236}">
-                  <a16:creationId xmlns:a16="http://schemas.microsoft.com/office/drawing/2014/main" id="{9A0A01D1-DBBB-F313-F83F-ABFC80F3DE3C}"/>
+                  <a16:creationId xmlns:a16="http://schemas.microsoft.com/office/drawing/2014/main" xmlns="" id="{9A0A01D1-DBBB-F313-F83F-ABFC80F3DE3C}"/>
                 </a:ext>
               </a:extLst>
             </p:cNvPr>
@@ -41277,7 +41328,7 @@
               <p:cNvPr id="45" name="Object 58">
                 <a:extLst>
                   <a:ext uri="{FF2B5EF4-FFF2-40B4-BE49-F238E27FC236}">
-                    <a16:creationId xmlns:a16="http://schemas.microsoft.com/office/drawing/2014/main" id="{0999AD20-B928-C547-61AB-CA61815CA03A}"/>
+                    <a16:creationId xmlns:a16="http://schemas.microsoft.com/office/drawing/2014/main" xmlns="" id="{0999AD20-B928-C547-61AB-CA61815CA03A}"/>
                   </a:ext>
                 </a:extLst>
               </p:cNvPr>
@@ -41308,7 +41359,7 @@
             <p:cNvPr id="43" name="그룹 1018">
               <a:extLst>
                 <a:ext uri="{FF2B5EF4-FFF2-40B4-BE49-F238E27FC236}">
-                  <a16:creationId xmlns:a16="http://schemas.microsoft.com/office/drawing/2014/main" id="{4DE0DCA4-01F9-5A32-0A53-A8456AEC9493}"/>
+                  <a16:creationId xmlns:a16="http://schemas.microsoft.com/office/drawing/2014/main" xmlns="" id="{4DE0DCA4-01F9-5A32-0A53-A8456AEC9493}"/>
                 </a:ext>
               </a:extLst>
             </p:cNvPr>
@@ -41328,7 +41379,7 @@
               <p:cNvPr id="44" name="Object 61">
                 <a:extLst>
                   <a:ext uri="{FF2B5EF4-FFF2-40B4-BE49-F238E27FC236}">
-                    <a16:creationId xmlns:a16="http://schemas.microsoft.com/office/drawing/2014/main" id="{90E9B152-337D-7C64-558F-06AABB13A135}"/>
+                    <a16:creationId xmlns:a16="http://schemas.microsoft.com/office/drawing/2014/main" xmlns="" id="{90E9B152-337D-7C64-558F-06AABB13A135}"/>
                   </a:ext>
                 </a:extLst>
               </p:cNvPr>
@@ -41360,7 +41411,7 @@
           <p:cNvPr id="46" name="그룹 1016">
             <a:extLst>
               <a:ext uri="{FF2B5EF4-FFF2-40B4-BE49-F238E27FC236}">
-                <a16:creationId xmlns:a16="http://schemas.microsoft.com/office/drawing/2014/main" id="{E3CB7968-9415-2E6C-5C0C-4E7DF79F1C25}"/>
+                <a16:creationId xmlns:a16="http://schemas.microsoft.com/office/drawing/2014/main" xmlns="" id="{E3CB7968-9415-2E6C-5C0C-4E7DF79F1C25}"/>
               </a:ext>
             </a:extLst>
           </p:cNvPr>
@@ -41380,7 +41431,7 @@
             <p:cNvPr id="47" name="그룹 1017">
               <a:extLst>
                 <a:ext uri="{FF2B5EF4-FFF2-40B4-BE49-F238E27FC236}">
-                  <a16:creationId xmlns:a16="http://schemas.microsoft.com/office/drawing/2014/main" id="{2488BEC8-3BC9-3560-F28C-E0E606FBA514}"/>
+                  <a16:creationId xmlns:a16="http://schemas.microsoft.com/office/drawing/2014/main" xmlns="" id="{2488BEC8-3BC9-3560-F28C-E0E606FBA514}"/>
                 </a:ext>
               </a:extLst>
             </p:cNvPr>
@@ -41400,7 +41451,7 @@
               <p:cNvPr id="50" name="Object 58">
                 <a:extLst>
                   <a:ext uri="{FF2B5EF4-FFF2-40B4-BE49-F238E27FC236}">
-                    <a16:creationId xmlns:a16="http://schemas.microsoft.com/office/drawing/2014/main" id="{35A72115-3E91-417D-FFDD-F36E29A5ABEE}"/>
+                    <a16:creationId xmlns:a16="http://schemas.microsoft.com/office/drawing/2014/main" xmlns="" id="{35A72115-3E91-417D-FFDD-F36E29A5ABEE}"/>
                   </a:ext>
                 </a:extLst>
               </p:cNvPr>
@@ -41431,7 +41482,7 @@
             <p:cNvPr id="48" name="그룹 1018">
               <a:extLst>
                 <a:ext uri="{FF2B5EF4-FFF2-40B4-BE49-F238E27FC236}">
-                  <a16:creationId xmlns:a16="http://schemas.microsoft.com/office/drawing/2014/main" id="{DC5102D5-5BDC-F72A-FD92-7C240AAA2D82}"/>
+                  <a16:creationId xmlns:a16="http://schemas.microsoft.com/office/drawing/2014/main" xmlns="" id="{DC5102D5-5BDC-F72A-FD92-7C240AAA2D82}"/>
                 </a:ext>
               </a:extLst>
             </p:cNvPr>
@@ -41451,7 +41502,7 @@
               <p:cNvPr id="49" name="Object 61">
                 <a:extLst>
                   <a:ext uri="{FF2B5EF4-FFF2-40B4-BE49-F238E27FC236}">
-                    <a16:creationId xmlns:a16="http://schemas.microsoft.com/office/drawing/2014/main" id="{B33C3869-DD62-2C8D-2ACE-11DBF57D6578}"/>
+                    <a16:creationId xmlns:a16="http://schemas.microsoft.com/office/drawing/2014/main" xmlns="" id="{B33C3869-DD62-2C8D-2ACE-11DBF57D6578}"/>
                   </a:ext>
                 </a:extLst>
               </p:cNvPr>
@@ -41483,7 +41534,7 @@
           <p:cNvPr id="51" name="그룹 1016">
             <a:extLst>
               <a:ext uri="{FF2B5EF4-FFF2-40B4-BE49-F238E27FC236}">
-                <a16:creationId xmlns:a16="http://schemas.microsoft.com/office/drawing/2014/main" id="{7D12892B-D582-2EEF-6B33-947113859020}"/>
+                <a16:creationId xmlns:a16="http://schemas.microsoft.com/office/drawing/2014/main" xmlns="" id="{7D12892B-D582-2EEF-6B33-947113859020}"/>
               </a:ext>
             </a:extLst>
           </p:cNvPr>
@@ -41503,7 +41554,7 @@
             <p:cNvPr id="52" name="그룹 1017">
               <a:extLst>
                 <a:ext uri="{FF2B5EF4-FFF2-40B4-BE49-F238E27FC236}">
-                  <a16:creationId xmlns:a16="http://schemas.microsoft.com/office/drawing/2014/main" id="{8E932CDC-F225-9C47-4A89-7C313F9E3014}"/>
+                  <a16:creationId xmlns:a16="http://schemas.microsoft.com/office/drawing/2014/main" xmlns="" id="{8E932CDC-F225-9C47-4A89-7C313F9E3014}"/>
                 </a:ext>
               </a:extLst>
             </p:cNvPr>
@@ -41523,7 +41574,7 @@
               <p:cNvPr id="55" name="Object 58">
                 <a:extLst>
                   <a:ext uri="{FF2B5EF4-FFF2-40B4-BE49-F238E27FC236}">
-                    <a16:creationId xmlns:a16="http://schemas.microsoft.com/office/drawing/2014/main" id="{A98A2839-132F-DFE8-C17C-FAD43B1DFC0A}"/>
+                    <a16:creationId xmlns:a16="http://schemas.microsoft.com/office/drawing/2014/main" xmlns="" id="{A98A2839-132F-DFE8-C17C-FAD43B1DFC0A}"/>
                   </a:ext>
                 </a:extLst>
               </p:cNvPr>
@@ -41554,7 +41605,7 @@
             <p:cNvPr id="53" name="그룹 1018">
               <a:extLst>
                 <a:ext uri="{FF2B5EF4-FFF2-40B4-BE49-F238E27FC236}">
-                  <a16:creationId xmlns:a16="http://schemas.microsoft.com/office/drawing/2014/main" id="{6A74811F-8897-B181-B2E5-40D21D44B42D}"/>
+                  <a16:creationId xmlns:a16="http://schemas.microsoft.com/office/drawing/2014/main" xmlns="" id="{6A74811F-8897-B181-B2E5-40D21D44B42D}"/>
                 </a:ext>
               </a:extLst>
             </p:cNvPr>
@@ -41574,7 +41625,7 @@
               <p:cNvPr id="54" name="Object 61">
                 <a:extLst>
                   <a:ext uri="{FF2B5EF4-FFF2-40B4-BE49-F238E27FC236}">
-                    <a16:creationId xmlns:a16="http://schemas.microsoft.com/office/drawing/2014/main" id="{1142DB2F-DE69-AFD9-91A6-C47AFF2732BD}"/>
+                    <a16:creationId xmlns:a16="http://schemas.microsoft.com/office/drawing/2014/main" xmlns="" id="{1142DB2F-DE69-AFD9-91A6-C47AFF2732BD}"/>
                   </a:ext>
                 </a:extLst>
               </p:cNvPr>
@@ -41606,7 +41657,7 @@
           <p:cNvPr id="56" name="그룹 1016">
             <a:extLst>
               <a:ext uri="{FF2B5EF4-FFF2-40B4-BE49-F238E27FC236}">
-                <a16:creationId xmlns:a16="http://schemas.microsoft.com/office/drawing/2014/main" id="{A1A74DF9-E422-DCC7-3412-4F6ACCC0BCEA}"/>
+                <a16:creationId xmlns:a16="http://schemas.microsoft.com/office/drawing/2014/main" xmlns="" id="{A1A74DF9-E422-DCC7-3412-4F6ACCC0BCEA}"/>
               </a:ext>
             </a:extLst>
           </p:cNvPr>
@@ -41626,7 +41677,7 @@
             <p:cNvPr id="57" name="그룹 1017">
               <a:extLst>
                 <a:ext uri="{FF2B5EF4-FFF2-40B4-BE49-F238E27FC236}">
-                  <a16:creationId xmlns:a16="http://schemas.microsoft.com/office/drawing/2014/main" id="{EDBC55D9-1456-43C8-E429-D52936395A28}"/>
+                  <a16:creationId xmlns:a16="http://schemas.microsoft.com/office/drawing/2014/main" xmlns="" id="{EDBC55D9-1456-43C8-E429-D52936395A28}"/>
                 </a:ext>
               </a:extLst>
             </p:cNvPr>
@@ -41646,7 +41697,7 @@
               <p:cNvPr id="60" name="Object 58">
                 <a:extLst>
                   <a:ext uri="{FF2B5EF4-FFF2-40B4-BE49-F238E27FC236}">
-                    <a16:creationId xmlns:a16="http://schemas.microsoft.com/office/drawing/2014/main" id="{2065DFBB-9BB8-57A2-BCB5-9A79A6A7A47C}"/>
+                    <a16:creationId xmlns:a16="http://schemas.microsoft.com/office/drawing/2014/main" xmlns="" id="{2065DFBB-9BB8-57A2-BCB5-9A79A6A7A47C}"/>
                   </a:ext>
                 </a:extLst>
               </p:cNvPr>
@@ -41677,7 +41728,7 @@
             <p:cNvPr id="58" name="그룹 1018">
               <a:extLst>
                 <a:ext uri="{FF2B5EF4-FFF2-40B4-BE49-F238E27FC236}">
-                  <a16:creationId xmlns:a16="http://schemas.microsoft.com/office/drawing/2014/main" id="{153806A5-0D25-91AA-ECDF-1706E0C0F66B}"/>
+                  <a16:creationId xmlns:a16="http://schemas.microsoft.com/office/drawing/2014/main" xmlns="" id="{153806A5-0D25-91AA-ECDF-1706E0C0F66B}"/>
                 </a:ext>
               </a:extLst>
             </p:cNvPr>
@@ -41697,7 +41748,7 @@
               <p:cNvPr id="59" name="Object 61">
                 <a:extLst>
                   <a:ext uri="{FF2B5EF4-FFF2-40B4-BE49-F238E27FC236}">
-                    <a16:creationId xmlns:a16="http://schemas.microsoft.com/office/drawing/2014/main" id="{48702012-A54A-9A16-297C-00E155C252AD}"/>
+                    <a16:creationId xmlns:a16="http://schemas.microsoft.com/office/drawing/2014/main" xmlns="" id="{48702012-A54A-9A16-297C-00E155C252AD}"/>
                   </a:ext>
                 </a:extLst>
               </p:cNvPr>
@@ -41729,7 +41780,7 @@
           <p:cNvPr id="61" name="그룹 1018">
             <a:extLst>
               <a:ext uri="{FF2B5EF4-FFF2-40B4-BE49-F238E27FC236}">
-                <a16:creationId xmlns:a16="http://schemas.microsoft.com/office/drawing/2014/main" id="{BDF13B2A-7FC7-DAC8-84D6-AEAC5AE48574}"/>
+                <a16:creationId xmlns:a16="http://schemas.microsoft.com/office/drawing/2014/main" xmlns="" id="{BDF13B2A-7FC7-DAC8-84D6-AEAC5AE48574}"/>
               </a:ext>
             </a:extLst>
           </p:cNvPr>
@@ -41749,7 +41800,7 @@
             <p:cNvPr id="62" name="Object 61">
               <a:extLst>
                 <a:ext uri="{FF2B5EF4-FFF2-40B4-BE49-F238E27FC236}">
-                  <a16:creationId xmlns:a16="http://schemas.microsoft.com/office/drawing/2014/main" id="{23BB730F-780C-23E0-79BA-846E92196D84}"/>
+                  <a16:creationId xmlns:a16="http://schemas.microsoft.com/office/drawing/2014/main" xmlns="" id="{23BB730F-780C-23E0-79BA-846E92196D84}"/>
                 </a:ext>
               </a:extLst>
             </p:cNvPr>
@@ -41780,7 +41831,7 @@
           <p:cNvPr id="63" name="TextBox 62">
             <a:extLst>
               <a:ext uri="{FF2B5EF4-FFF2-40B4-BE49-F238E27FC236}">
-                <a16:creationId xmlns:a16="http://schemas.microsoft.com/office/drawing/2014/main" id="{F94679FE-4488-B2BF-0783-917E7119A982}"/>
+                <a16:creationId xmlns:a16="http://schemas.microsoft.com/office/drawing/2014/main" xmlns="" id="{F94679FE-4488-B2BF-0783-917E7119A982}"/>
               </a:ext>
             </a:extLst>
           </p:cNvPr>
@@ -41841,7 +41892,7 @@
           <p:cNvPr id="64" name="TextBox 63">
             <a:extLst>
               <a:ext uri="{FF2B5EF4-FFF2-40B4-BE49-F238E27FC236}">
-                <a16:creationId xmlns:a16="http://schemas.microsoft.com/office/drawing/2014/main" id="{ABF802F2-2D37-4E45-7059-BA98668B76CD}"/>
+                <a16:creationId xmlns:a16="http://schemas.microsoft.com/office/drawing/2014/main" xmlns="" id="{ABF802F2-2D37-4E45-7059-BA98668B76CD}"/>
               </a:ext>
             </a:extLst>
           </p:cNvPr>
@@ -41909,7 +41960,7 @@
           <p:cNvPr id="65" name="TextBox 64">
             <a:extLst>
               <a:ext uri="{FF2B5EF4-FFF2-40B4-BE49-F238E27FC236}">
-                <a16:creationId xmlns:a16="http://schemas.microsoft.com/office/drawing/2014/main" id="{1FA790F7-4DCB-BA82-2A67-D0763E624C8A}"/>
+                <a16:creationId xmlns:a16="http://schemas.microsoft.com/office/drawing/2014/main" xmlns="" id="{1FA790F7-4DCB-BA82-2A67-D0763E624C8A}"/>
               </a:ext>
             </a:extLst>
           </p:cNvPr>
@@ -41970,7 +42021,7 @@
           <p:cNvPr id="66" name="TextBox 65">
             <a:extLst>
               <a:ext uri="{FF2B5EF4-FFF2-40B4-BE49-F238E27FC236}">
-                <a16:creationId xmlns:a16="http://schemas.microsoft.com/office/drawing/2014/main" id="{1EF947EA-FD3F-232D-DFAE-F773DAC05E69}"/>
+                <a16:creationId xmlns:a16="http://schemas.microsoft.com/office/drawing/2014/main" xmlns="" id="{1EF947EA-FD3F-232D-DFAE-F773DAC05E69}"/>
               </a:ext>
             </a:extLst>
           </p:cNvPr>
@@ -42038,7 +42089,7 @@
           <p:cNvPr id="67" name="TextBox 66">
             <a:extLst>
               <a:ext uri="{FF2B5EF4-FFF2-40B4-BE49-F238E27FC236}">
-                <a16:creationId xmlns:a16="http://schemas.microsoft.com/office/drawing/2014/main" id="{AED2596D-7610-E0EA-C0AA-8B3C1E5F4C89}"/>
+                <a16:creationId xmlns:a16="http://schemas.microsoft.com/office/drawing/2014/main" xmlns="" id="{AED2596D-7610-E0EA-C0AA-8B3C1E5F4C89}"/>
               </a:ext>
             </a:extLst>
           </p:cNvPr>
@@ -42106,7 +42157,7 @@
           <p:cNvPr id="68" name="TextBox 67">
             <a:extLst>
               <a:ext uri="{FF2B5EF4-FFF2-40B4-BE49-F238E27FC236}">
-                <a16:creationId xmlns:a16="http://schemas.microsoft.com/office/drawing/2014/main" id="{F7B8511E-1ED4-7A98-9B66-EF90A6185908}"/>
+                <a16:creationId xmlns:a16="http://schemas.microsoft.com/office/drawing/2014/main" xmlns="" id="{F7B8511E-1ED4-7A98-9B66-EF90A6185908}"/>
               </a:ext>
             </a:extLst>
           </p:cNvPr>
@@ -42184,7 +42235,7 @@
           <p:cNvPr id="69" name="TextBox 68">
             <a:extLst>
               <a:ext uri="{FF2B5EF4-FFF2-40B4-BE49-F238E27FC236}">
-                <a16:creationId xmlns:a16="http://schemas.microsoft.com/office/drawing/2014/main" id="{E291A416-AE72-7E8E-EB2B-0F1C1FD17ED4}"/>
+                <a16:creationId xmlns:a16="http://schemas.microsoft.com/office/drawing/2014/main" xmlns="" id="{E291A416-AE72-7E8E-EB2B-0F1C1FD17ED4}"/>
               </a:ext>
             </a:extLst>
           </p:cNvPr>
@@ -42262,7 +42313,7 @@
           <p:cNvPr id="70" name="Object 61">
             <a:extLst>
               <a:ext uri="{FF2B5EF4-FFF2-40B4-BE49-F238E27FC236}">
-                <a16:creationId xmlns:a16="http://schemas.microsoft.com/office/drawing/2014/main" id="{FF3898E8-B556-0008-847A-EF0AB57277F7}"/>
+                <a16:creationId xmlns:a16="http://schemas.microsoft.com/office/drawing/2014/main" xmlns="" id="{FF3898E8-B556-0008-847A-EF0AB57277F7}"/>
               </a:ext>
             </a:extLst>
           </p:cNvPr>
@@ -42292,7 +42343,7 @@
           <p:cNvPr id="71" name="TextBox 70">
             <a:extLst>
               <a:ext uri="{FF2B5EF4-FFF2-40B4-BE49-F238E27FC236}">
-                <a16:creationId xmlns:a16="http://schemas.microsoft.com/office/drawing/2014/main" id="{568B1923-E98F-B42E-EC9B-71CF7062B1EF}"/>
+                <a16:creationId xmlns:a16="http://schemas.microsoft.com/office/drawing/2014/main" xmlns="" id="{568B1923-E98F-B42E-EC9B-71CF7062B1EF}"/>
               </a:ext>
             </a:extLst>
           </p:cNvPr>
@@ -42372,7 +42423,7 @@
           <p:cNvPr id="72" name="TextBox 71">
             <a:extLst>
               <a:ext uri="{FF2B5EF4-FFF2-40B4-BE49-F238E27FC236}">
-                <a16:creationId xmlns:a16="http://schemas.microsoft.com/office/drawing/2014/main" id="{39902223-A073-1031-4CC7-6ED4D7DA1F24}"/>
+                <a16:creationId xmlns:a16="http://schemas.microsoft.com/office/drawing/2014/main" xmlns="" id="{39902223-A073-1031-4CC7-6ED4D7DA1F24}"/>
               </a:ext>
             </a:extLst>
           </p:cNvPr>
@@ -42420,7 +42471,7 @@
           <p:cNvPr id="73" name="Object 61">
             <a:extLst>
               <a:ext uri="{FF2B5EF4-FFF2-40B4-BE49-F238E27FC236}">
-                <a16:creationId xmlns:a16="http://schemas.microsoft.com/office/drawing/2014/main" id="{F1490AD6-C9E8-C7C9-4B68-1E508CDC029D}"/>
+                <a16:creationId xmlns:a16="http://schemas.microsoft.com/office/drawing/2014/main" xmlns="" id="{F1490AD6-C9E8-C7C9-4B68-1E508CDC029D}"/>
               </a:ext>
             </a:extLst>
           </p:cNvPr>
@@ -42450,7 +42501,7 @@
           <p:cNvPr id="74" name="TextBox 73">
             <a:extLst>
               <a:ext uri="{FF2B5EF4-FFF2-40B4-BE49-F238E27FC236}">
-                <a16:creationId xmlns:a16="http://schemas.microsoft.com/office/drawing/2014/main" id="{659AEB15-7EF8-CBF8-44EF-88B6D968D6EA}"/>
+                <a16:creationId xmlns:a16="http://schemas.microsoft.com/office/drawing/2014/main" xmlns="" id="{659AEB15-7EF8-CBF8-44EF-88B6D968D6EA}"/>
               </a:ext>
             </a:extLst>
           </p:cNvPr>
@@ -42523,7 +42574,7 @@
           <p:cNvPr id="75" name="TextBox 74">
             <a:extLst>
               <a:ext uri="{FF2B5EF4-FFF2-40B4-BE49-F238E27FC236}">
-                <a16:creationId xmlns:a16="http://schemas.microsoft.com/office/drawing/2014/main" id="{2516D735-AD54-AB7D-D67A-A05A702441E9}"/>
+                <a16:creationId xmlns:a16="http://schemas.microsoft.com/office/drawing/2014/main" xmlns="" id="{2516D735-AD54-AB7D-D67A-A05A702441E9}"/>
               </a:ext>
             </a:extLst>
           </p:cNvPr>
@@ -42571,7 +42622,7 @@
           <p:cNvPr id="76" name="Object 61">
             <a:extLst>
               <a:ext uri="{FF2B5EF4-FFF2-40B4-BE49-F238E27FC236}">
-                <a16:creationId xmlns:a16="http://schemas.microsoft.com/office/drawing/2014/main" id="{D209C632-9165-38C0-9BAB-E0B2E7F7C56F}"/>
+                <a16:creationId xmlns:a16="http://schemas.microsoft.com/office/drawing/2014/main" xmlns="" id="{D209C632-9165-38C0-9BAB-E0B2E7F7C56F}"/>
               </a:ext>
             </a:extLst>
           </p:cNvPr>
@@ -42601,7 +42652,7 @@
           <p:cNvPr id="77" name="TextBox 76">
             <a:extLst>
               <a:ext uri="{FF2B5EF4-FFF2-40B4-BE49-F238E27FC236}">
-                <a16:creationId xmlns:a16="http://schemas.microsoft.com/office/drawing/2014/main" id="{83BC3C99-3712-7BAC-9AEF-6935945BD9DD}"/>
+                <a16:creationId xmlns:a16="http://schemas.microsoft.com/office/drawing/2014/main" xmlns="" id="{83BC3C99-3712-7BAC-9AEF-6935945BD9DD}"/>
               </a:ext>
             </a:extLst>
           </p:cNvPr>
@@ -42674,7 +42725,7 @@
           <p:cNvPr id="78" name="TextBox 77">
             <a:extLst>
               <a:ext uri="{FF2B5EF4-FFF2-40B4-BE49-F238E27FC236}">
-                <a16:creationId xmlns:a16="http://schemas.microsoft.com/office/drawing/2014/main" id="{2FFA887A-95A0-BAD8-7227-333B5FC09348}"/>
+                <a16:creationId xmlns:a16="http://schemas.microsoft.com/office/drawing/2014/main" xmlns="" id="{2FFA887A-95A0-BAD8-7227-333B5FC09348}"/>
               </a:ext>
             </a:extLst>
           </p:cNvPr>
@@ -42722,7 +42773,7 @@
           <p:cNvPr id="79" name="그룹 1016">
             <a:extLst>
               <a:ext uri="{FF2B5EF4-FFF2-40B4-BE49-F238E27FC236}">
-                <a16:creationId xmlns:a16="http://schemas.microsoft.com/office/drawing/2014/main" id="{084DE66F-0839-ED1D-6033-747A1F186CFA}"/>
+                <a16:creationId xmlns:a16="http://schemas.microsoft.com/office/drawing/2014/main" xmlns="" id="{084DE66F-0839-ED1D-6033-747A1F186CFA}"/>
               </a:ext>
             </a:extLst>
           </p:cNvPr>
@@ -42742,7 +42793,7 @@
             <p:cNvPr id="80" name="Object 46">
               <a:extLst>
                 <a:ext uri="{FF2B5EF4-FFF2-40B4-BE49-F238E27FC236}">
-                  <a16:creationId xmlns:a16="http://schemas.microsoft.com/office/drawing/2014/main" id="{35A55889-D7B2-DE9B-6F1B-5F37F6DEFA60}"/>
+                  <a16:creationId xmlns:a16="http://schemas.microsoft.com/office/drawing/2014/main" xmlns="" id="{35A55889-D7B2-DE9B-6F1B-5F37F6DEFA60}"/>
                 </a:ext>
               </a:extLst>
             </p:cNvPr>
@@ -42773,7 +42824,7 @@
           <p:cNvPr id="81" name="그룹 1023">
             <a:extLst>
               <a:ext uri="{FF2B5EF4-FFF2-40B4-BE49-F238E27FC236}">
-                <a16:creationId xmlns:a16="http://schemas.microsoft.com/office/drawing/2014/main" id="{708B6D14-F782-5F95-F978-8091F086F26C}"/>
+                <a16:creationId xmlns:a16="http://schemas.microsoft.com/office/drawing/2014/main" xmlns="" id="{708B6D14-F782-5F95-F978-8091F086F26C}"/>
               </a:ext>
             </a:extLst>
           </p:cNvPr>
@@ -42793,7 +42844,7 @@
             <p:cNvPr id="82" name="그룹 1024">
               <a:extLst>
                 <a:ext uri="{FF2B5EF4-FFF2-40B4-BE49-F238E27FC236}">
-                  <a16:creationId xmlns:a16="http://schemas.microsoft.com/office/drawing/2014/main" id="{E3A6C851-4B69-F552-2BD9-689B46EE1C14}"/>
+                  <a16:creationId xmlns:a16="http://schemas.microsoft.com/office/drawing/2014/main" xmlns="" id="{E3A6C851-4B69-F552-2BD9-689B46EE1C14}"/>
                 </a:ext>
               </a:extLst>
             </p:cNvPr>
@@ -42813,7 +42864,7 @@
               <p:cNvPr id="87" name="Object 73">
                 <a:extLst>
                   <a:ext uri="{FF2B5EF4-FFF2-40B4-BE49-F238E27FC236}">
-                    <a16:creationId xmlns:a16="http://schemas.microsoft.com/office/drawing/2014/main" id="{5A930143-E783-9F58-AA14-91792A63AFFF}"/>
+                    <a16:creationId xmlns:a16="http://schemas.microsoft.com/office/drawing/2014/main" xmlns="" id="{5A930143-E783-9F58-AA14-91792A63AFFF}"/>
                   </a:ext>
                 </a:extLst>
               </p:cNvPr>
@@ -42844,7 +42895,7 @@
             <p:cNvPr id="83" name="그룹 1025">
               <a:extLst>
                 <a:ext uri="{FF2B5EF4-FFF2-40B4-BE49-F238E27FC236}">
-                  <a16:creationId xmlns:a16="http://schemas.microsoft.com/office/drawing/2014/main" id="{8082DEAA-9215-6545-05A9-0588BA8A78AE}"/>
+                  <a16:creationId xmlns:a16="http://schemas.microsoft.com/office/drawing/2014/main" xmlns="" id="{8082DEAA-9215-6545-05A9-0588BA8A78AE}"/>
                 </a:ext>
               </a:extLst>
             </p:cNvPr>
@@ -42864,7 +42915,7 @@
               <p:cNvPr id="86" name="Object 76">
                 <a:extLst>
                   <a:ext uri="{FF2B5EF4-FFF2-40B4-BE49-F238E27FC236}">
-                    <a16:creationId xmlns:a16="http://schemas.microsoft.com/office/drawing/2014/main" id="{7937164E-263C-063C-E226-B1AE844DCB1E}"/>
+                    <a16:creationId xmlns:a16="http://schemas.microsoft.com/office/drawing/2014/main" xmlns="" id="{7937164E-263C-063C-E226-B1AE844DCB1E}"/>
                   </a:ext>
                 </a:extLst>
               </p:cNvPr>
@@ -42895,7 +42946,7 @@
             <p:cNvPr id="84" name="그룹 1026">
               <a:extLst>
                 <a:ext uri="{FF2B5EF4-FFF2-40B4-BE49-F238E27FC236}">
-                  <a16:creationId xmlns:a16="http://schemas.microsoft.com/office/drawing/2014/main" id="{04C77165-7711-37FA-379F-50994B648F86}"/>
+                  <a16:creationId xmlns:a16="http://schemas.microsoft.com/office/drawing/2014/main" xmlns="" id="{04C77165-7711-37FA-379F-50994B648F86}"/>
                 </a:ext>
               </a:extLst>
             </p:cNvPr>
@@ -42915,7 +42966,7 @@
               <p:cNvPr id="85" name="Object 79">
                 <a:extLst>
                   <a:ext uri="{FF2B5EF4-FFF2-40B4-BE49-F238E27FC236}">
-                    <a16:creationId xmlns:a16="http://schemas.microsoft.com/office/drawing/2014/main" id="{8EEB598A-ABD1-B4EA-2ADB-1A49BCCBFD8A}"/>
+                    <a16:creationId xmlns:a16="http://schemas.microsoft.com/office/drawing/2014/main" xmlns="" id="{8EEB598A-ABD1-B4EA-2ADB-1A49BCCBFD8A}"/>
                   </a:ext>
                 </a:extLst>
               </p:cNvPr>
@@ -42947,7 +42998,7 @@
           <p:cNvPr id="88" name="TextBox 87">
             <a:extLst>
               <a:ext uri="{FF2B5EF4-FFF2-40B4-BE49-F238E27FC236}">
-                <a16:creationId xmlns:a16="http://schemas.microsoft.com/office/drawing/2014/main" id="{6F51D7F0-F6BB-8D16-9E54-1C8CB35E41BE}"/>
+                <a16:creationId xmlns:a16="http://schemas.microsoft.com/office/drawing/2014/main" xmlns="" id="{6F51D7F0-F6BB-8D16-9E54-1C8CB35E41BE}"/>
               </a:ext>
             </a:extLst>
           </p:cNvPr>
@@ -42998,7 +43049,7 @@
           <p:cNvPr id="89" name="TextBox 88">
             <a:extLst>
               <a:ext uri="{FF2B5EF4-FFF2-40B4-BE49-F238E27FC236}">
-                <a16:creationId xmlns:a16="http://schemas.microsoft.com/office/drawing/2014/main" id="{32F281A7-8CA8-205F-D1E4-F8FB16044C1F}"/>
+                <a16:creationId xmlns:a16="http://schemas.microsoft.com/office/drawing/2014/main" xmlns="" id="{32F281A7-8CA8-205F-D1E4-F8FB16044C1F}"/>
               </a:ext>
             </a:extLst>
           </p:cNvPr>
@@ -43046,7 +43097,7 @@
           <p:cNvPr id="90" name="TextBox 89">
             <a:extLst>
               <a:ext uri="{FF2B5EF4-FFF2-40B4-BE49-F238E27FC236}">
-                <a16:creationId xmlns:a16="http://schemas.microsoft.com/office/drawing/2014/main" id="{CD044177-5399-419E-C189-ED4BEF268240}"/>
+                <a16:creationId xmlns:a16="http://schemas.microsoft.com/office/drawing/2014/main" xmlns="" id="{CD044177-5399-419E-C189-ED4BEF268240}"/>
               </a:ext>
             </a:extLst>
           </p:cNvPr>
@@ -43124,7 +43175,7 @@
           <p:cNvPr id="4" name="TextBox 3">
             <a:extLst>
               <a:ext uri="{FF2B5EF4-FFF2-40B4-BE49-F238E27FC236}">
-                <a16:creationId xmlns:a16="http://schemas.microsoft.com/office/drawing/2014/main" id="{6E4771BE-09DF-3E15-A9B6-2ADE45DB9301}"/>
+                <a16:creationId xmlns:a16="http://schemas.microsoft.com/office/drawing/2014/main" xmlns="" id="{6E4771BE-09DF-3E15-A9B6-2ADE45DB9301}"/>
               </a:ext>
             </a:extLst>
           </p:cNvPr>
@@ -43172,7 +43223,7 @@
           <p:cNvPr id="5" name="그룹 1008">
             <a:extLst>
               <a:ext uri="{FF2B5EF4-FFF2-40B4-BE49-F238E27FC236}">
-                <a16:creationId xmlns:a16="http://schemas.microsoft.com/office/drawing/2014/main" id="{E8E9C254-782A-FBC1-55AF-F4C24417CFC9}"/>
+                <a16:creationId xmlns:a16="http://schemas.microsoft.com/office/drawing/2014/main" xmlns="" id="{E8E9C254-782A-FBC1-55AF-F4C24417CFC9}"/>
               </a:ext>
             </a:extLst>
           </p:cNvPr>
@@ -43192,7 +43243,7 @@
             <p:cNvPr id="6" name="그룹 1009">
               <a:extLst>
                 <a:ext uri="{FF2B5EF4-FFF2-40B4-BE49-F238E27FC236}">
-                  <a16:creationId xmlns:a16="http://schemas.microsoft.com/office/drawing/2014/main" id="{3CA2B294-22E1-B252-200F-DD750B2F7A87}"/>
+                  <a16:creationId xmlns:a16="http://schemas.microsoft.com/office/drawing/2014/main" xmlns="" id="{3CA2B294-22E1-B252-200F-DD750B2F7A87}"/>
                 </a:ext>
               </a:extLst>
             </p:cNvPr>
@@ -43212,7 +43263,7 @@
               <p:cNvPr id="11" name="Object 29">
                 <a:extLst>
                   <a:ext uri="{FF2B5EF4-FFF2-40B4-BE49-F238E27FC236}">
-                    <a16:creationId xmlns:a16="http://schemas.microsoft.com/office/drawing/2014/main" id="{6B409735-98BE-1B36-586B-4F9EF716FDDD}"/>
+                    <a16:creationId xmlns:a16="http://schemas.microsoft.com/office/drawing/2014/main" xmlns="" id="{6B409735-98BE-1B36-586B-4F9EF716FDDD}"/>
                   </a:ext>
                 </a:extLst>
               </p:cNvPr>
@@ -43243,7 +43294,7 @@
             <p:cNvPr id="7" name="그룹 1010">
               <a:extLst>
                 <a:ext uri="{FF2B5EF4-FFF2-40B4-BE49-F238E27FC236}">
-                  <a16:creationId xmlns:a16="http://schemas.microsoft.com/office/drawing/2014/main" id="{2F0FF62E-BE82-B028-45C5-E34CF026296A}"/>
+                  <a16:creationId xmlns:a16="http://schemas.microsoft.com/office/drawing/2014/main" xmlns="" id="{2F0FF62E-BE82-B028-45C5-E34CF026296A}"/>
                 </a:ext>
               </a:extLst>
             </p:cNvPr>
@@ -43263,7 +43314,7 @@
               <p:cNvPr id="10" name="Object 32">
                 <a:extLst>
                   <a:ext uri="{FF2B5EF4-FFF2-40B4-BE49-F238E27FC236}">
-                    <a16:creationId xmlns:a16="http://schemas.microsoft.com/office/drawing/2014/main" id="{E1B6A43A-991F-7AEE-FFB7-8FF7B74BF5FB}"/>
+                    <a16:creationId xmlns:a16="http://schemas.microsoft.com/office/drawing/2014/main" xmlns="" id="{E1B6A43A-991F-7AEE-FFB7-8FF7B74BF5FB}"/>
                   </a:ext>
                 </a:extLst>
               </p:cNvPr>
@@ -43294,7 +43345,7 @@
             <p:cNvPr id="8" name="그룹 1011">
               <a:extLst>
                 <a:ext uri="{FF2B5EF4-FFF2-40B4-BE49-F238E27FC236}">
-                  <a16:creationId xmlns:a16="http://schemas.microsoft.com/office/drawing/2014/main" id="{BA042914-01E9-46DE-808E-0745148414A3}"/>
+                  <a16:creationId xmlns:a16="http://schemas.microsoft.com/office/drawing/2014/main" xmlns="" id="{BA042914-01E9-46DE-808E-0745148414A3}"/>
                 </a:ext>
               </a:extLst>
             </p:cNvPr>
@@ -43314,7 +43365,7 @@
               <p:cNvPr id="9" name="Object 35">
                 <a:extLst>
                   <a:ext uri="{FF2B5EF4-FFF2-40B4-BE49-F238E27FC236}">
-                    <a16:creationId xmlns:a16="http://schemas.microsoft.com/office/drawing/2014/main" id="{01A65668-30BA-528E-0B2F-B165CE76C550}"/>
+                    <a16:creationId xmlns:a16="http://schemas.microsoft.com/office/drawing/2014/main" xmlns="" id="{01A65668-30BA-528E-0B2F-B165CE76C550}"/>
                   </a:ext>
                 </a:extLst>
               </p:cNvPr>
@@ -43346,7 +43397,7 @@
           <p:cNvPr id="12" name="TextBox 11">
             <a:extLst>
               <a:ext uri="{FF2B5EF4-FFF2-40B4-BE49-F238E27FC236}">
-                <a16:creationId xmlns:a16="http://schemas.microsoft.com/office/drawing/2014/main" id="{181EA334-B1AD-2028-A3D8-FA8B4093DA7C}"/>
+                <a16:creationId xmlns:a16="http://schemas.microsoft.com/office/drawing/2014/main" xmlns="" id="{181EA334-B1AD-2028-A3D8-FA8B4093DA7C}"/>
               </a:ext>
             </a:extLst>
           </p:cNvPr>
@@ -43394,7 +43445,7 @@
           <p:cNvPr id="13" name="TextBox 12">
             <a:extLst>
               <a:ext uri="{FF2B5EF4-FFF2-40B4-BE49-F238E27FC236}">
-                <a16:creationId xmlns:a16="http://schemas.microsoft.com/office/drawing/2014/main" id="{7EEA8891-3A23-D49B-90DA-7E8C1C088F3B}"/>
+                <a16:creationId xmlns:a16="http://schemas.microsoft.com/office/drawing/2014/main" xmlns="" id="{7EEA8891-3A23-D49B-90DA-7E8C1C088F3B}"/>
               </a:ext>
             </a:extLst>
           </p:cNvPr>
@@ -43442,7 +43493,7 @@
           <p:cNvPr id="14" name="그룹 1008">
             <a:extLst>
               <a:ext uri="{FF2B5EF4-FFF2-40B4-BE49-F238E27FC236}">
-                <a16:creationId xmlns:a16="http://schemas.microsoft.com/office/drawing/2014/main" id="{7AD220EA-989C-A03E-35E2-3E1C89CE832F}"/>
+                <a16:creationId xmlns:a16="http://schemas.microsoft.com/office/drawing/2014/main" xmlns="" id="{7AD220EA-989C-A03E-35E2-3E1C89CE832F}"/>
               </a:ext>
             </a:extLst>
           </p:cNvPr>
@@ -43462,7 +43513,7 @@
             <p:cNvPr id="15" name="그룹 1009">
               <a:extLst>
                 <a:ext uri="{FF2B5EF4-FFF2-40B4-BE49-F238E27FC236}">
-                  <a16:creationId xmlns:a16="http://schemas.microsoft.com/office/drawing/2014/main" id="{068815AF-E19C-E57B-B49A-7F9C7ECBB6F5}"/>
+                  <a16:creationId xmlns:a16="http://schemas.microsoft.com/office/drawing/2014/main" xmlns="" id="{068815AF-E19C-E57B-B49A-7F9C7ECBB6F5}"/>
                 </a:ext>
               </a:extLst>
             </p:cNvPr>
@@ -43482,7 +43533,7 @@
               <p:cNvPr id="20" name="Object 29">
                 <a:extLst>
                   <a:ext uri="{FF2B5EF4-FFF2-40B4-BE49-F238E27FC236}">
-                    <a16:creationId xmlns:a16="http://schemas.microsoft.com/office/drawing/2014/main" id="{7068BEFE-DEF3-4498-0B24-75B57099F18E}"/>
+                    <a16:creationId xmlns:a16="http://schemas.microsoft.com/office/drawing/2014/main" xmlns="" id="{7068BEFE-DEF3-4498-0B24-75B57099F18E}"/>
                   </a:ext>
                 </a:extLst>
               </p:cNvPr>
@@ -43513,7 +43564,7 @@
             <p:cNvPr id="16" name="그룹 1010">
               <a:extLst>
                 <a:ext uri="{FF2B5EF4-FFF2-40B4-BE49-F238E27FC236}">
-                  <a16:creationId xmlns:a16="http://schemas.microsoft.com/office/drawing/2014/main" id="{49A21C64-1979-6CD0-5AFB-2197D9BC56DA}"/>
+                  <a16:creationId xmlns:a16="http://schemas.microsoft.com/office/drawing/2014/main" xmlns="" id="{49A21C64-1979-6CD0-5AFB-2197D9BC56DA}"/>
                 </a:ext>
               </a:extLst>
             </p:cNvPr>
@@ -43533,7 +43584,7 @@
               <p:cNvPr id="19" name="Object 32">
                 <a:extLst>
                   <a:ext uri="{FF2B5EF4-FFF2-40B4-BE49-F238E27FC236}">
-                    <a16:creationId xmlns:a16="http://schemas.microsoft.com/office/drawing/2014/main" id="{E38D1436-77FD-6470-968D-737D22EC338E}"/>
+                    <a16:creationId xmlns:a16="http://schemas.microsoft.com/office/drawing/2014/main" xmlns="" id="{E38D1436-77FD-6470-968D-737D22EC338E}"/>
                   </a:ext>
                 </a:extLst>
               </p:cNvPr>
@@ -43564,7 +43615,7 @@
             <p:cNvPr id="17" name="그룹 1011">
               <a:extLst>
                 <a:ext uri="{FF2B5EF4-FFF2-40B4-BE49-F238E27FC236}">
-                  <a16:creationId xmlns:a16="http://schemas.microsoft.com/office/drawing/2014/main" id="{79DA82F1-FC84-20B7-EB0B-C76926DB8862}"/>
+                  <a16:creationId xmlns:a16="http://schemas.microsoft.com/office/drawing/2014/main" xmlns="" id="{79DA82F1-FC84-20B7-EB0B-C76926DB8862}"/>
                 </a:ext>
               </a:extLst>
             </p:cNvPr>
@@ -43584,7 +43635,7 @@
               <p:cNvPr id="18" name="Object 35">
                 <a:extLst>
                   <a:ext uri="{FF2B5EF4-FFF2-40B4-BE49-F238E27FC236}">
-                    <a16:creationId xmlns:a16="http://schemas.microsoft.com/office/drawing/2014/main" id="{AEC81504-BC52-D5D0-3109-8B4F983D7456}"/>
+                    <a16:creationId xmlns:a16="http://schemas.microsoft.com/office/drawing/2014/main" xmlns="" id="{AEC81504-BC52-D5D0-3109-8B4F983D7456}"/>
                   </a:ext>
                 </a:extLst>
               </p:cNvPr>
